--- a/assets/img/math/calculus/basic_optimization/basic_optimization.pptx
+++ b/assets/img/math/calculus/basic_optimization/basic_optimization.pptx
@@ -4,8 +4,12 @@
   <p:sldMasterIdLst>
     <p:sldMasterId id="2147483648" r:id="rId1"/>
   </p:sldMasterIdLst>
+  <p:notesMasterIdLst>
+    <p:notesMasterId r:id="rId4"/>
+  </p:notesMasterIdLst>
   <p:sldIdLst>
     <p:sldId id="256" r:id="rId2"/>
+    <p:sldId id="257" r:id="rId3"/>
   </p:sldIdLst>
   <p:sldSz cx="12192000" cy="6858000"/>
   <p:notesSz cx="6858000" cy="9144000"/>
@@ -104,7 +108,445 @@
       </a:defRPr>
     </a:lvl9pPr>
   </p:defaultTextStyle>
+  <p:extLst>
+    <p:ext uri="{EFAFB233-063F-42B5-8137-9DF3F51BA10A}">
+      <p15:sldGuideLst xmlns:p15="http://schemas.microsoft.com/office/powerpoint/2012/main"/>
+    </p:ext>
+  </p:extLst>
 </p:presentation>
+</file>
+
+<file path=ppt/notesMasters/notesMaster1.xml><?xml version="1.0" encoding="utf-8"?>
+<p:notesMaster xmlns:a="http://schemas.openxmlformats.org/drawingml/2006/main" xmlns:r="http://schemas.openxmlformats.org/officeDocument/2006/relationships" xmlns:p="http://schemas.openxmlformats.org/presentationml/2006/main">
+  <p:cSld>
+    <p:bg>
+      <p:bgRef idx="1001">
+        <a:schemeClr val="bg1"/>
+      </p:bgRef>
+    </p:bg>
+    <p:spTree>
+      <p:nvGrpSpPr>
+        <p:cNvPr id="1" name=""/>
+        <p:cNvGrpSpPr/>
+        <p:nvPr/>
+      </p:nvGrpSpPr>
+      <p:grpSpPr>
+        <a:xfrm>
+          <a:off x="0" y="0"/>
+          <a:ext cx="0" cy="0"/>
+          <a:chOff x="0" y="0"/>
+          <a:chExt cx="0" cy="0"/>
+        </a:xfrm>
+      </p:grpSpPr>
+      <p:sp>
+        <p:nvSpPr>
+          <p:cNvPr id="2" name="머리글 개체 틀 1"/>
+          <p:cNvSpPr>
+            <a:spLocks noGrp="1"/>
+          </p:cNvSpPr>
+          <p:nvPr>
+            <p:ph type="hdr" sz="quarter"/>
+          </p:nvPr>
+        </p:nvSpPr>
+        <p:spPr>
+          <a:xfrm>
+            <a:off x="0" y="0"/>
+            <a:ext cx="2971800" cy="458788"/>
+          </a:xfrm>
+          <a:prstGeom prst="rect">
+            <a:avLst/>
+          </a:prstGeom>
+        </p:spPr>
+        <p:txBody>
+          <a:bodyPr vert="horz" lIns="91440" tIns="45720" rIns="91440" bIns="45720" rtlCol="0"/>
+          <a:lstStyle>
+            <a:lvl1pPr algn="l">
+              <a:defRPr sz="1200"/>
+            </a:lvl1pPr>
+          </a:lstStyle>
+          <a:p>
+            <a:endParaRPr lang="ko-KR" altLang="en-US"/>
+          </a:p>
+        </p:txBody>
+      </p:sp>
+      <p:sp>
+        <p:nvSpPr>
+          <p:cNvPr id="3" name="날짜 개체 틀 2"/>
+          <p:cNvSpPr>
+            <a:spLocks noGrp="1"/>
+          </p:cNvSpPr>
+          <p:nvPr>
+            <p:ph type="dt" idx="1"/>
+          </p:nvPr>
+        </p:nvSpPr>
+        <p:spPr>
+          <a:xfrm>
+            <a:off x="3884613" y="0"/>
+            <a:ext cx="2971800" cy="458788"/>
+          </a:xfrm>
+          <a:prstGeom prst="rect">
+            <a:avLst/>
+          </a:prstGeom>
+        </p:spPr>
+        <p:txBody>
+          <a:bodyPr vert="horz" lIns="91440" tIns="45720" rIns="91440" bIns="45720" rtlCol="0"/>
+          <a:lstStyle>
+            <a:lvl1pPr algn="r">
+              <a:defRPr sz="1200"/>
+            </a:lvl1pPr>
+          </a:lstStyle>
+          <a:p>
+            <a:fld id="{78C42AC9-A0C9-4D32-8EA2-91EA3A4A6392}" type="datetimeFigureOut">
+              <a:rPr lang="ko-KR" altLang="en-US" smtClean="0"/>
+              <a:t>2024-05-23</a:t>
+            </a:fld>
+            <a:endParaRPr lang="ko-KR" altLang="en-US"/>
+          </a:p>
+        </p:txBody>
+      </p:sp>
+      <p:sp>
+        <p:nvSpPr>
+          <p:cNvPr id="4" name="슬라이드 이미지 개체 틀 3"/>
+          <p:cNvSpPr>
+            <a:spLocks noGrp="1" noRot="1" noChangeAspect="1"/>
+          </p:cNvSpPr>
+          <p:nvPr>
+            <p:ph type="sldImg" idx="2"/>
+          </p:nvPr>
+        </p:nvSpPr>
+        <p:spPr>
+          <a:xfrm>
+            <a:off x="685800" y="1143000"/>
+            <a:ext cx="5486400" cy="3086100"/>
+          </a:xfrm>
+          <a:prstGeom prst="rect">
+            <a:avLst/>
+          </a:prstGeom>
+          <a:noFill/>
+          <a:ln w="12700">
+            <a:solidFill>
+              <a:prstClr val="black"/>
+            </a:solidFill>
+          </a:ln>
+        </p:spPr>
+        <p:txBody>
+          <a:bodyPr vert="horz" lIns="91440" tIns="45720" rIns="91440" bIns="45720" rtlCol="0" anchor="ctr"/>
+          <a:lstStyle/>
+          <a:p>
+            <a:endParaRPr lang="ko-KR" altLang="en-US"/>
+          </a:p>
+        </p:txBody>
+      </p:sp>
+      <p:sp>
+        <p:nvSpPr>
+          <p:cNvPr id="5" name="슬라이드 노트 개체 틀 4"/>
+          <p:cNvSpPr>
+            <a:spLocks noGrp="1"/>
+          </p:cNvSpPr>
+          <p:nvPr>
+            <p:ph type="body" sz="quarter" idx="3"/>
+          </p:nvPr>
+        </p:nvSpPr>
+        <p:spPr>
+          <a:xfrm>
+            <a:off x="685800" y="4400550"/>
+            <a:ext cx="5486400" cy="3600450"/>
+          </a:xfrm>
+          <a:prstGeom prst="rect">
+            <a:avLst/>
+          </a:prstGeom>
+        </p:spPr>
+        <p:txBody>
+          <a:bodyPr vert="horz" lIns="91440" tIns="45720" rIns="91440" bIns="45720" rtlCol="0"/>
+          <a:lstStyle/>
+          <a:p>
+            <a:pPr lvl="0"/>
+            <a:r>
+              <a:rPr lang="ko-KR" altLang="en-US"/>
+              <a:t>마스터 텍스트 스타일을 편집하려면 클릭</a:t>
+            </a:r>
+          </a:p>
+          <a:p>
+            <a:pPr lvl="1"/>
+            <a:r>
+              <a:rPr lang="ko-KR" altLang="en-US"/>
+              <a:t>두 번째 수준</a:t>
+            </a:r>
+          </a:p>
+          <a:p>
+            <a:pPr lvl="2"/>
+            <a:r>
+              <a:rPr lang="ko-KR" altLang="en-US"/>
+              <a:t>세 번째 수준</a:t>
+            </a:r>
+          </a:p>
+          <a:p>
+            <a:pPr lvl="3"/>
+            <a:r>
+              <a:rPr lang="ko-KR" altLang="en-US"/>
+              <a:t>네 번째 수준</a:t>
+            </a:r>
+          </a:p>
+          <a:p>
+            <a:pPr lvl="4"/>
+            <a:r>
+              <a:rPr lang="ko-KR" altLang="en-US"/>
+              <a:t>다섯 번째 수준</a:t>
+            </a:r>
+          </a:p>
+        </p:txBody>
+      </p:sp>
+      <p:sp>
+        <p:nvSpPr>
+          <p:cNvPr id="6" name="바닥글 개체 틀 5"/>
+          <p:cNvSpPr>
+            <a:spLocks noGrp="1"/>
+          </p:cNvSpPr>
+          <p:nvPr>
+            <p:ph type="ftr" sz="quarter" idx="4"/>
+          </p:nvPr>
+        </p:nvSpPr>
+        <p:spPr>
+          <a:xfrm>
+            <a:off x="0" y="8685213"/>
+            <a:ext cx="2971800" cy="458787"/>
+          </a:xfrm>
+          <a:prstGeom prst="rect">
+            <a:avLst/>
+          </a:prstGeom>
+        </p:spPr>
+        <p:txBody>
+          <a:bodyPr vert="horz" lIns="91440" tIns="45720" rIns="91440" bIns="45720" rtlCol="0" anchor="b"/>
+          <a:lstStyle>
+            <a:lvl1pPr algn="l">
+              <a:defRPr sz="1200"/>
+            </a:lvl1pPr>
+          </a:lstStyle>
+          <a:p>
+            <a:endParaRPr lang="ko-KR" altLang="en-US"/>
+          </a:p>
+        </p:txBody>
+      </p:sp>
+      <p:sp>
+        <p:nvSpPr>
+          <p:cNvPr id="7" name="슬라이드 번호 개체 틀 6"/>
+          <p:cNvSpPr>
+            <a:spLocks noGrp="1"/>
+          </p:cNvSpPr>
+          <p:nvPr>
+            <p:ph type="sldNum" sz="quarter" idx="5"/>
+          </p:nvPr>
+        </p:nvSpPr>
+        <p:spPr>
+          <a:xfrm>
+            <a:off x="3884613" y="8685213"/>
+            <a:ext cx="2971800" cy="458787"/>
+          </a:xfrm>
+          <a:prstGeom prst="rect">
+            <a:avLst/>
+          </a:prstGeom>
+        </p:spPr>
+        <p:txBody>
+          <a:bodyPr vert="horz" lIns="91440" tIns="45720" rIns="91440" bIns="45720" rtlCol="0" anchor="b"/>
+          <a:lstStyle>
+            <a:lvl1pPr algn="r">
+              <a:defRPr sz="1200"/>
+            </a:lvl1pPr>
+          </a:lstStyle>
+          <a:p>
+            <a:fld id="{31CE3DD5-5CC8-42EC-B7D0-917F0E6F7952}" type="slidenum">
+              <a:rPr lang="ko-KR" altLang="en-US" smtClean="0"/>
+              <a:t>‹#›</a:t>
+            </a:fld>
+            <a:endParaRPr lang="ko-KR" altLang="en-US"/>
+          </a:p>
+        </p:txBody>
+      </p:sp>
+    </p:spTree>
+    <p:extLst>
+      <p:ext uri="{BB962C8B-B14F-4D97-AF65-F5344CB8AC3E}">
+        <p14:creationId xmlns:p14="http://schemas.microsoft.com/office/powerpoint/2010/main" val="499903138"/>
+      </p:ext>
+    </p:extLst>
+  </p:cSld>
+  <p:clrMap bg1="lt1" tx1="dk1" bg2="lt2" tx2="dk2" accent1="accent1" accent2="accent2" accent3="accent3" accent4="accent4" accent5="accent5" accent6="accent6" hlink="hlink" folHlink="folHlink"/>
+  <p:notesStyle>
+    <a:lvl1pPr marL="0" algn="l" defTabSz="914400" rtl="0" eaLnBrk="1" latinLnBrk="1" hangingPunct="1">
+      <a:defRPr sz="1200" kern="1200">
+        <a:solidFill>
+          <a:schemeClr val="tx1"/>
+        </a:solidFill>
+        <a:latin typeface="+mn-lt"/>
+        <a:ea typeface="+mn-ea"/>
+        <a:cs typeface="+mn-cs"/>
+      </a:defRPr>
+    </a:lvl1pPr>
+    <a:lvl2pPr marL="457200" algn="l" defTabSz="914400" rtl="0" eaLnBrk="1" latinLnBrk="1" hangingPunct="1">
+      <a:defRPr sz="1200" kern="1200">
+        <a:solidFill>
+          <a:schemeClr val="tx1"/>
+        </a:solidFill>
+        <a:latin typeface="+mn-lt"/>
+        <a:ea typeface="+mn-ea"/>
+        <a:cs typeface="+mn-cs"/>
+      </a:defRPr>
+    </a:lvl2pPr>
+    <a:lvl3pPr marL="914400" algn="l" defTabSz="914400" rtl="0" eaLnBrk="1" latinLnBrk="1" hangingPunct="1">
+      <a:defRPr sz="1200" kern="1200">
+        <a:solidFill>
+          <a:schemeClr val="tx1"/>
+        </a:solidFill>
+        <a:latin typeface="+mn-lt"/>
+        <a:ea typeface="+mn-ea"/>
+        <a:cs typeface="+mn-cs"/>
+      </a:defRPr>
+    </a:lvl3pPr>
+    <a:lvl4pPr marL="1371600" algn="l" defTabSz="914400" rtl="0" eaLnBrk="1" latinLnBrk="1" hangingPunct="1">
+      <a:defRPr sz="1200" kern="1200">
+        <a:solidFill>
+          <a:schemeClr val="tx1"/>
+        </a:solidFill>
+        <a:latin typeface="+mn-lt"/>
+        <a:ea typeface="+mn-ea"/>
+        <a:cs typeface="+mn-cs"/>
+      </a:defRPr>
+    </a:lvl4pPr>
+    <a:lvl5pPr marL="1828800" algn="l" defTabSz="914400" rtl="0" eaLnBrk="1" latinLnBrk="1" hangingPunct="1">
+      <a:defRPr sz="1200" kern="1200">
+        <a:solidFill>
+          <a:schemeClr val="tx1"/>
+        </a:solidFill>
+        <a:latin typeface="+mn-lt"/>
+        <a:ea typeface="+mn-ea"/>
+        <a:cs typeface="+mn-cs"/>
+      </a:defRPr>
+    </a:lvl5pPr>
+    <a:lvl6pPr marL="2286000" algn="l" defTabSz="914400" rtl="0" eaLnBrk="1" latinLnBrk="1" hangingPunct="1">
+      <a:defRPr sz="1200" kern="1200">
+        <a:solidFill>
+          <a:schemeClr val="tx1"/>
+        </a:solidFill>
+        <a:latin typeface="+mn-lt"/>
+        <a:ea typeface="+mn-ea"/>
+        <a:cs typeface="+mn-cs"/>
+      </a:defRPr>
+    </a:lvl6pPr>
+    <a:lvl7pPr marL="2743200" algn="l" defTabSz="914400" rtl="0" eaLnBrk="1" latinLnBrk="1" hangingPunct="1">
+      <a:defRPr sz="1200" kern="1200">
+        <a:solidFill>
+          <a:schemeClr val="tx1"/>
+        </a:solidFill>
+        <a:latin typeface="+mn-lt"/>
+        <a:ea typeface="+mn-ea"/>
+        <a:cs typeface="+mn-cs"/>
+      </a:defRPr>
+    </a:lvl7pPr>
+    <a:lvl8pPr marL="3200400" algn="l" defTabSz="914400" rtl="0" eaLnBrk="1" latinLnBrk="1" hangingPunct="1">
+      <a:defRPr sz="1200" kern="1200">
+        <a:solidFill>
+          <a:schemeClr val="tx1"/>
+        </a:solidFill>
+        <a:latin typeface="+mn-lt"/>
+        <a:ea typeface="+mn-ea"/>
+        <a:cs typeface="+mn-cs"/>
+      </a:defRPr>
+    </a:lvl8pPr>
+    <a:lvl9pPr marL="3657600" algn="l" defTabSz="914400" rtl="0" eaLnBrk="1" latinLnBrk="1" hangingPunct="1">
+      <a:defRPr sz="1200" kern="1200">
+        <a:solidFill>
+          <a:schemeClr val="tx1"/>
+        </a:solidFill>
+        <a:latin typeface="+mn-lt"/>
+        <a:ea typeface="+mn-ea"/>
+        <a:cs typeface="+mn-cs"/>
+      </a:defRPr>
+    </a:lvl9pPr>
+  </p:notesStyle>
+</p:notesMaster>
+</file>
+
+<file path=ppt/notesSlides/notesSlide1.xml><?xml version="1.0" encoding="utf-8"?>
+<p:notes xmlns:a="http://schemas.openxmlformats.org/drawingml/2006/main" xmlns:r="http://schemas.openxmlformats.org/officeDocument/2006/relationships" xmlns:p="http://schemas.openxmlformats.org/presentationml/2006/main">
+  <p:cSld>
+    <p:spTree>
+      <p:nvGrpSpPr>
+        <p:cNvPr id="1" name=""/>
+        <p:cNvGrpSpPr/>
+        <p:nvPr/>
+      </p:nvGrpSpPr>
+      <p:grpSpPr>
+        <a:xfrm>
+          <a:off x="0" y="0"/>
+          <a:ext cx="0" cy="0"/>
+          <a:chOff x="0" y="0"/>
+          <a:chExt cx="0" cy="0"/>
+        </a:xfrm>
+      </p:grpSpPr>
+      <p:sp>
+        <p:nvSpPr>
+          <p:cNvPr id="2" name="슬라이드 이미지 개체 틀 1"/>
+          <p:cNvSpPr>
+            <a:spLocks noGrp="1" noRot="1" noChangeAspect="1"/>
+          </p:cNvSpPr>
+          <p:nvPr>
+            <p:ph type="sldImg"/>
+          </p:nvPr>
+        </p:nvSpPr>
+        <p:spPr/>
+      </p:sp>
+      <p:sp>
+        <p:nvSpPr>
+          <p:cNvPr id="3" name="슬라이드 노트 개체 틀 2"/>
+          <p:cNvSpPr>
+            <a:spLocks noGrp="1"/>
+          </p:cNvSpPr>
+          <p:nvPr>
+            <p:ph type="body" idx="1"/>
+          </p:nvPr>
+        </p:nvSpPr>
+        <p:spPr/>
+        <p:txBody>
+          <a:bodyPr/>
+          <a:lstStyle/>
+          <a:p>
+            <a:endParaRPr lang="ko-KR" altLang="en-US"/>
+          </a:p>
+        </p:txBody>
+      </p:sp>
+      <p:sp>
+        <p:nvSpPr>
+          <p:cNvPr id="4" name="슬라이드 번호 개체 틀 3"/>
+          <p:cNvSpPr>
+            <a:spLocks noGrp="1"/>
+          </p:cNvSpPr>
+          <p:nvPr>
+            <p:ph type="sldNum" sz="quarter" idx="5"/>
+          </p:nvPr>
+        </p:nvSpPr>
+        <p:spPr/>
+        <p:txBody>
+          <a:bodyPr/>
+          <a:lstStyle/>
+          <a:p>
+            <a:fld id="{31CE3DD5-5CC8-42EC-B7D0-917F0E6F7952}" type="slidenum">
+              <a:rPr lang="ko-KR" altLang="en-US" smtClean="0"/>
+              <a:t>2</a:t>
+            </a:fld>
+            <a:endParaRPr lang="ko-KR" altLang="en-US"/>
+          </a:p>
+        </p:txBody>
+      </p:sp>
+    </p:spTree>
+    <p:extLst>
+      <p:ext uri="{BB962C8B-B14F-4D97-AF65-F5344CB8AC3E}">
+        <p14:creationId xmlns:p14="http://schemas.microsoft.com/office/powerpoint/2010/main" val="651055165"/>
+      </p:ext>
+    </p:extLst>
+  </p:cSld>
+  <p:clrMapOvr>
+    <a:masterClrMapping/>
+  </p:clrMapOvr>
+</p:notes>
 </file>
 
 <file path=ppt/slideLayouts/slideLayout1.xml><?xml version="1.0" encoding="utf-8"?>
@@ -254,7 +696,7 @@
           <a:p>
             <a:fld id="{DF489DE6-6DBB-4098-880A-A8B378CCF17A}" type="datetimeFigureOut">
               <a:rPr lang="ko-KR" altLang="en-US" smtClean="0"/>
-              <a:t>2024-05-15</a:t>
+              <a:t>2024-05-22</a:t>
             </a:fld>
             <a:endParaRPr lang="ko-KR" altLang="en-US"/>
           </a:p>
@@ -452,7 +894,7 @@
           <a:p>
             <a:fld id="{DF489DE6-6DBB-4098-880A-A8B378CCF17A}" type="datetimeFigureOut">
               <a:rPr lang="ko-KR" altLang="en-US" smtClean="0"/>
-              <a:t>2024-05-15</a:t>
+              <a:t>2024-05-22</a:t>
             </a:fld>
             <a:endParaRPr lang="ko-KR" altLang="en-US"/>
           </a:p>
@@ -660,7 +1102,7 @@
           <a:p>
             <a:fld id="{DF489DE6-6DBB-4098-880A-A8B378CCF17A}" type="datetimeFigureOut">
               <a:rPr lang="ko-KR" altLang="en-US" smtClean="0"/>
-              <a:t>2024-05-15</a:t>
+              <a:t>2024-05-22</a:t>
             </a:fld>
             <a:endParaRPr lang="ko-KR" altLang="en-US"/>
           </a:p>
@@ -858,7 +1300,7 @@
           <a:p>
             <a:fld id="{DF489DE6-6DBB-4098-880A-A8B378CCF17A}" type="datetimeFigureOut">
               <a:rPr lang="ko-KR" altLang="en-US" smtClean="0"/>
-              <a:t>2024-05-15</a:t>
+              <a:t>2024-05-22</a:t>
             </a:fld>
             <a:endParaRPr lang="ko-KR" altLang="en-US"/>
           </a:p>
@@ -1133,7 +1575,7 @@
           <a:p>
             <a:fld id="{DF489DE6-6DBB-4098-880A-A8B378CCF17A}" type="datetimeFigureOut">
               <a:rPr lang="ko-KR" altLang="en-US" smtClean="0"/>
-              <a:t>2024-05-15</a:t>
+              <a:t>2024-05-22</a:t>
             </a:fld>
             <a:endParaRPr lang="ko-KR" altLang="en-US"/>
           </a:p>
@@ -1398,7 +1840,7 @@
           <a:p>
             <a:fld id="{DF489DE6-6DBB-4098-880A-A8B378CCF17A}" type="datetimeFigureOut">
               <a:rPr lang="ko-KR" altLang="en-US" smtClean="0"/>
-              <a:t>2024-05-15</a:t>
+              <a:t>2024-05-22</a:t>
             </a:fld>
             <a:endParaRPr lang="ko-KR" altLang="en-US"/>
           </a:p>
@@ -1810,7 +2252,7 @@
           <a:p>
             <a:fld id="{DF489DE6-6DBB-4098-880A-A8B378CCF17A}" type="datetimeFigureOut">
               <a:rPr lang="ko-KR" altLang="en-US" smtClean="0"/>
-              <a:t>2024-05-15</a:t>
+              <a:t>2024-05-22</a:t>
             </a:fld>
             <a:endParaRPr lang="ko-KR" altLang="en-US"/>
           </a:p>
@@ -1951,7 +2393,7 @@
           <a:p>
             <a:fld id="{DF489DE6-6DBB-4098-880A-A8B378CCF17A}" type="datetimeFigureOut">
               <a:rPr lang="ko-KR" altLang="en-US" smtClean="0"/>
-              <a:t>2024-05-15</a:t>
+              <a:t>2024-05-22</a:t>
             </a:fld>
             <a:endParaRPr lang="ko-KR" altLang="en-US"/>
           </a:p>
@@ -2064,7 +2506,7 @@
           <a:p>
             <a:fld id="{DF489DE6-6DBB-4098-880A-A8B378CCF17A}" type="datetimeFigureOut">
               <a:rPr lang="ko-KR" altLang="en-US" smtClean="0"/>
-              <a:t>2024-05-15</a:t>
+              <a:t>2024-05-22</a:t>
             </a:fld>
             <a:endParaRPr lang="ko-KR" altLang="en-US"/>
           </a:p>
@@ -2375,7 +2817,7 @@
           <a:p>
             <a:fld id="{DF489DE6-6DBB-4098-880A-A8B378CCF17A}" type="datetimeFigureOut">
               <a:rPr lang="ko-KR" altLang="en-US" smtClean="0"/>
-              <a:t>2024-05-15</a:t>
+              <a:t>2024-05-22</a:t>
             </a:fld>
             <a:endParaRPr lang="ko-KR" altLang="en-US"/>
           </a:p>
@@ -2663,7 +3105,7 @@
           <a:p>
             <a:fld id="{DF489DE6-6DBB-4098-880A-A8B378CCF17A}" type="datetimeFigureOut">
               <a:rPr lang="ko-KR" altLang="en-US" smtClean="0"/>
-              <a:t>2024-05-15</a:t>
+              <a:t>2024-05-22</a:t>
             </a:fld>
             <a:endParaRPr lang="ko-KR" altLang="en-US"/>
           </a:p>
@@ -2904,7 +3346,7 @@
           <a:p>
             <a:fld id="{DF489DE6-6DBB-4098-880A-A8B378CCF17A}" type="datetimeFigureOut">
               <a:rPr lang="ko-KR" altLang="en-US" smtClean="0"/>
-              <a:t>2024-05-15</a:t>
+              <a:t>2024-05-22</a:t>
             </a:fld>
             <a:endParaRPr lang="ko-KR" altLang="en-US"/>
           </a:p>
@@ -4708,6 +5150,3314 @@
 </p:sld>
 </file>
 
+<file path=ppt/slides/slide2.xml><?xml version="1.0" encoding="utf-8"?>
+<p:sld xmlns:a="http://schemas.openxmlformats.org/drawingml/2006/main" xmlns:r="http://schemas.openxmlformats.org/officeDocument/2006/relationships" xmlns:p="http://schemas.openxmlformats.org/presentationml/2006/main">
+  <p:cSld>
+    <p:spTree>
+      <p:nvGrpSpPr>
+        <p:cNvPr id="1" name=""/>
+        <p:cNvGrpSpPr/>
+        <p:nvPr/>
+      </p:nvGrpSpPr>
+      <p:grpSpPr>
+        <a:xfrm>
+          <a:off x="0" y="0"/>
+          <a:ext cx="0" cy="0"/>
+          <a:chOff x="0" y="0"/>
+          <a:chExt cx="0" cy="0"/>
+        </a:xfrm>
+      </p:grpSpPr>
+      <p:grpSp>
+        <p:nvGrpSpPr>
+          <p:cNvPr id="1222" name="그룹 1221">
+            <a:extLst>
+              <a:ext uri="{FF2B5EF4-FFF2-40B4-BE49-F238E27FC236}">
+                <a16:creationId xmlns:a16="http://schemas.microsoft.com/office/drawing/2014/main" id="{0ACFB159-926C-57E1-63E3-E39671376995}"/>
+              </a:ext>
+            </a:extLst>
+          </p:cNvPr>
+          <p:cNvGrpSpPr/>
+          <p:nvPr/>
+        </p:nvGrpSpPr>
+        <p:grpSpPr>
+          <a:xfrm>
+            <a:off x="-1370081" y="-3522438"/>
+            <a:ext cx="7466081" cy="12909948"/>
+            <a:chOff x="-1969680" y="-4322538"/>
+            <a:chExt cx="7466081" cy="12909948"/>
+          </a:xfrm>
+        </p:grpSpPr>
+        <p:cxnSp>
+          <p:nvCxnSpPr>
+            <p:cNvPr id="1057" name="직선 화살표 연결선 1056">
+              <a:extLst>
+                <a:ext uri="{FF2B5EF4-FFF2-40B4-BE49-F238E27FC236}">
+                  <a16:creationId xmlns:a16="http://schemas.microsoft.com/office/drawing/2014/main" id="{EE991A1C-2DB6-4AFD-5D92-CD8FD04D934A}"/>
+                </a:ext>
+              </a:extLst>
+            </p:cNvPr>
+            <p:cNvCxnSpPr>
+              <a:cxnSpLocks/>
+              <a:endCxn id="38" idx="0"/>
+            </p:cNvCxnSpPr>
+            <p:nvPr/>
+          </p:nvCxnSpPr>
+          <p:spPr>
+            <a:xfrm>
+              <a:off x="-617448" y="-762506"/>
+              <a:ext cx="1" cy="6603864"/>
+            </a:xfrm>
+            <a:prstGeom prst="straightConnector1">
+              <a:avLst/>
+            </a:prstGeom>
+            <a:ln>
+              <a:headEnd type="none"/>
+              <a:tailEnd type="none"/>
+            </a:ln>
+          </p:spPr>
+          <p:style>
+            <a:lnRef idx="2">
+              <a:schemeClr val="dk1"/>
+            </a:lnRef>
+            <a:fillRef idx="0">
+              <a:schemeClr val="dk1"/>
+            </a:fillRef>
+            <a:effectRef idx="1">
+              <a:schemeClr val="dk1"/>
+            </a:effectRef>
+            <a:fontRef idx="minor">
+              <a:schemeClr val="tx1"/>
+            </a:fontRef>
+          </p:style>
+        </p:cxnSp>
+        <mc:AlternateContent xmlns:mc="http://schemas.openxmlformats.org/markup-compatibility/2006">
+          <mc:Choice xmlns:a14="http://schemas.microsoft.com/office/drawing/2010/main" Requires="a14">
+            <p:sp>
+              <p:nvSpPr>
+                <p:cNvPr id="4" name="직사각형 3">
+                  <a:extLst>
+                    <a:ext uri="{FF2B5EF4-FFF2-40B4-BE49-F238E27FC236}">
+                      <a16:creationId xmlns:a16="http://schemas.microsoft.com/office/drawing/2014/main" id="{99D9D8CE-B937-62EB-ABFF-82AF2864E18B}"/>
+                    </a:ext>
+                  </a:extLst>
+                </p:cNvPr>
+                <p:cNvSpPr/>
+                <p:nvPr/>
+              </p:nvSpPr>
+              <p:spPr>
+                <a:xfrm>
+                  <a:off x="1338740" y="-3118119"/>
+                  <a:ext cx="4157661" cy="1457326"/>
+                </a:xfrm>
+                <a:prstGeom prst="rect">
+                  <a:avLst/>
+                </a:prstGeom>
+              </p:spPr>
+              <p:style>
+                <a:lnRef idx="2">
+                  <a:schemeClr val="dk1"/>
+                </a:lnRef>
+                <a:fillRef idx="1">
+                  <a:schemeClr val="lt1"/>
+                </a:fillRef>
+                <a:effectRef idx="0">
+                  <a:schemeClr val="dk1"/>
+                </a:effectRef>
+                <a:fontRef idx="minor">
+                  <a:schemeClr val="dk1"/>
+                </a:fontRef>
+              </p:style>
+              <p:txBody>
+                <a:bodyPr rtlCol="0" anchor="ctr"/>
+                <a:lstStyle/>
+                <a:p>
+                  <a:pPr algn="ctr">
+                    <a:lnSpc>
+                      <a:spcPct val="120000"/>
+                    </a:lnSpc>
+                  </a:pPr>
+                  <a:r>
+                    <a:rPr lang="ko-KR" altLang="en-US">
+                      <a:latin typeface="나눔바른고딕" panose="020B0603020101020101" pitchFamily="50" charset="-127"/>
+                      <a:ea typeface="나눔바른고딕" panose="020B0603020101020101" pitchFamily="50" charset="-127"/>
+                    </a:rPr>
+                    <a:t>① </a:t>
+                  </a:r>
+                  <a:r>
+                    <a:rPr lang="en-US" altLang="ko-KR">
+                      <a:latin typeface="나눔바른고딕" panose="020B0603020101020101" pitchFamily="50" charset="-127"/>
+                      <a:ea typeface="나눔바른고딕" panose="020B0603020101020101" pitchFamily="50" charset="-127"/>
+                    </a:rPr>
+                    <a:t>initialization</a:t>
+                  </a:r>
+                </a:p>
+                <a:p>
+                  <a:pPr algn="ctr">
+                    <a:lnSpc>
+                      <a:spcPct val="120000"/>
+                    </a:lnSpc>
+                  </a:pPr>
+                  <a14:m>
+                    <m:oMath xmlns:m="http://schemas.openxmlformats.org/officeDocument/2006/math">
+                      <m:r>
+                        <a:rPr lang="en-US" altLang="ko-KR" b="0" i="1" smtClean="0">
+                          <a:latin typeface="Cambria Math" panose="02040503050406030204" pitchFamily="18" charset="0"/>
+                          <a:ea typeface="나눔바른고딕" panose="020B0603020101020101" pitchFamily="50" charset="-127"/>
+                        </a:rPr>
+                        <m:t>𝑤</m:t>
+                      </m:r>
+                      <m:d>
+                        <m:dPr>
+                          <m:ctrlPr>
+                            <a:rPr lang="en-US" altLang="ko-KR" b="0" i="1" smtClean="0">
+                              <a:latin typeface="Cambria Math" panose="02040503050406030204" pitchFamily="18" charset="0"/>
+                              <a:ea typeface="나눔바른고딕" panose="020B0603020101020101" pitchFamily="50" charset="-127"/>
+                            </a:rPr>
+                          </m:ctrlPr>
+                        </m:dPr>
+                        <m:e>
+                          <m:r>
+                            <a:rPr lang="en-US" altLang="ko-KR" b="0" i="1" smtClean="0">
+                              <a:latin typeface="Cambria Math" panose="02040503050406030204" pitchFamily="18" charset="0"/>
+                              <a:ea typeface="나눔바른고딕" panose="020B0603020101020101" pitchFamily="50" charset="-127"/>
+                            </a:rPr>
+                            <m:t>𝑝𝑎𝑟𝑎𝑚𝑒𝑡𝑒𝑟</m:t>
+                          </m:r>
+                        </m:e>
+                      </m:d>
+                    </m:oMath>
+                  </a14:m>
+                  <a:r>
+                    <a:rPr lang="en-US" altLang="ko-KR">
+                      <a:latin typeface="나눔바른고딕" panose="020B0603020101020101" pitchFamily="50" charset="-127"/>
+                      <a:ea typeface="나눔바른고딕" panose="020B0603020101020101" pitchFamily="50" charset="-127"/>
+                    </a:rPr>
+                    <a:t>,</a:t>
+                  </a:r>
+                  <a:r>
+                    <a:rPr lang="ko-KR" altLang="en-US">
+                      <a:latin typeface="나눔바른고딕" panose="020B0603020101020101" pitchFamily="50" charset="-127"/>
+                      <a:ea typeface="나눔바른고딕" panose="020B0603020101020101" pitchFamily="50" charset="-127"/>
+                    </a:rPr>
+                    <a:t> </a:t>
+                  </a:r>
+                  <a14:m>
+                    <m:oMath xmlns:m="http://schemas.openxmlformats.org/officeDocument/2006/math">
+                      <m:r>
+                        <a:rPr lang="en-US" altLang="ko-KR" i="1">
+                          <a:latin typeface="Cambria Math" panose="02040503050406030204" pitchFamily="18" charset="0"/>
+                          <a:ea typeface="나눔바른고딕" panose="020B0603020101020101" pitchFamily="50" charset="-127"/>
+                        </a:rPr>
+                        <m:t>𝜇</m:t>
+                      </m:r>
+                      <m:r>
+                        <a:rPr lang="en-US" altLang="ko-KR" i="1">
+                          <a:latin typeface="Cambria Math" panose="02040503050406030204" pitchFamily="18" charset="0"/>
+                          <a:ea typeface="나눔바른고딕" panose="020B0603020101020101" pitchFamily="50" charset="-127"/>
+                        </a:rPr>
+                        <m:t>=0.01</m:t>
+                      </m:r>
+                    </m:oMath>
+                  </a14:m>
+                  <a:r>
+                    <a:rPr lang="en-US" altLang="ko-KR">
+                      <a:latin typeface="나눔바른고딕" panose="020B0603020101020101" pitchFamily="50" charset="-127"/>
+                      <a:ea typeface="나눔바른고딕" panose="020B0603020101020101" pitchFamily="50" charset="-127"/>
+                    </a:rPr>
+                    <a:t>, </a:t>
+                  </a:r>
+                  <a14:m>
+                    <m:oMath xmlns:m="http://schemas.openxmlformats.org/officeDocument/2006/math">
+                      <m:r>
+                        <m:rPr>
+                          <m:sty m:val="p"/>
+                        </m:rPr>
+                        <a:rPr lang="en-US" altLang="ko-KR" i="1">
+                          <a:latin typeface="Cambria Math" panose="02040503050406030204" pitchFamily="18" charset="0"/>
+                          <a:ea typeface="나눔바른고딕" panose="020B0603020101020101" pitchFamily="50" charset="-127"/>
+                        </a:rPr>
+                        <m:t>ν</m:t>
+                      </m:r>
+                      <m:r>
+                        <a:rPr lang="en-US" altLang="ko-KR" i="1">
+                          <a:latin typeface="Cambria Math" panose="02040503050406030204" pitchFamily="18" charset="0"/>
+                          <a:ea typeface="나눔바른고딕" panose="020B0603020101020101" pitchFamily="50" charset="-127"/>
+                        </a:rPr>
+                        <m:t>=10 (</m:t>
+                      </m:r>
+                      <m:r>
+                        <a:rPr lang="en-US" altLang="ko-KR" b="0" i="1" smtClean="0">
+                          <a:latin typeface="Cambria Math" panose="02040503050406030204" pitchFamily="18" charset="0"/>
+                          <a:ea typeface="나눔바른고딕" panose="020B0603020101020101" pitchFamily="50" charset="-127"/>
+                        </a:rPr>
+                        <m:t>&gt;0)</m:t>
+                      </m:r>
+                    </m:oMath>
+                  </a14:m>
+                  <a:endParaRPr lang="en-US" altLang="ko-KR">
+                    <a:latin typeface="나눔바른고딕" panose="020B0603020101020101" pitchFamily="50" charset="-127"/>
+                    <a:ea typeface="나눔바른고딕" panose="020B0603020101020101" pitchFamily="50" charset="-127"/>
+                  </a:endParaRPr>
+                </a:p>
+                <a:p>
+                  <a:pPr algn="ctr">
+                    <a:lnSpc>
+                      <a:spcPct val="120000"/>
+                    </a:lnSpc>
+                  </a:pPr>
+                  <a14:m>
+                    <m:oMathPara xmlns:m="http://schemas.openxmlformats.org/officeDocument/2006/math">
+                      <m:oMathParaPr>
+                        <m:jc m:val="centerGroup"/>
+                      </m:oMathParaPr>
+                      <m:oMath xmlns:m="http://schemas.openxmlformats.org/officeDocument/2006/math">
+                        <m:r>
+                          <m:rPr>
+                            <m:nor/>
+                          </m:rPr>
+                          <a:rPr lang="en-US" altLang="ko-KR" b="0" i="0" smtClean="0">
+                            <a:latin typeface="Cambria Math" panose="02040503050406030204" pitchFamily="18" charset="0"/>
+                            <a:ea typeface="나눔바른고딕" panose="020B0603020101020101" pitchFamily="50" charset="-127"/>
+                          </a:rPr>
+                          <m:t>converge</m:t>
+                        </m:r>
+                        <m:r>
+                          <m:rPr>
+                            <m:nor/>
+                          </m:rPr>
+                          <a:rPr lang="en-US" altLang="ko-KR" b="0" i="0" smtClean="0">
+                            <a:latin typeface="Cambria Math" panose="02040503050406030204" pitchFamily="18" charset="0"/>
+                            <a:ea typeface="나눔바른고딕" panose="020B0603020101020101" pitchFamily="50" charset="-127"/>
+                          </a:rPr>
+                          <m:t>_</m:t>
+                        </m:r>
+                        <m:r>
+                          <m:rPr>
+                            <m:nor/>
+                          </m:rPr>
+                          <a:rPr lang="en-US" altLang="ko-KR" b="0" i="0" smtClean="0">
+                            <a:latin typeface="Cambria Math" panose="02040503050406030204" pitchFamily="18" charset="0"/>
+                            <a:ea typeface="나눔바른고딕" panose="020B0603020101020101" pitchFamily="50" charset="-127"/>
+                          </a:rPr>
+                          <m:t>threshold</m:t>
+                        </m:r>
+                        <m:r>
+                          <m:rPr>
+                            <m:nor/>
+                          </m:rPr>
+                          <a:rPr lang="en-US" altLang="ko-KR" b="0" i="0" smtClean="0">
+                            <a:latin typeface="Cambria Math" panose="02040503050406030204" pitchFamily="18" charset="0"/>
+                            <a:ea typeface="나눔바른고딕" panose="020B0603020101020101" pitchFamily="50" charset="-127"/>
+                          </a:rPr>
+                          <m:t> = 0.00001</m:t>
+                        </m:r>
+                      </m:oMath>
+                    </m:oMathPara>
+                  </a14:m>
+                  <a:endParaRPr lang="en-US" altLang="ko-KR">
+                    <a:latin typeface="나눔바른고딕" panose="020B0603020101020101" pitchFamily="50" charset="-127"/>
+                    <a:ea typeface="나눔바른고딕" panose="020B0603020101020101" pitchFamily="50" charset="-127"/>
+                  </a:endParaRPr>
+                </a:p>
+              </p:txBody>
+            </p:sp>
+          </mc:Choice>
+          <mc:Fallback>
+            <p:sp>
+              <p:nvSpPr>
+                <p:cNvPr id="4" name="직사각형 3">
+                  <a:extLst>
+                    <a:ext uri="{FF2B5EF4-FFF2-40B4-BE49-F238E27FC236}">
+                      <a16:creationId xmlns:a16="http://schemas.microsoft.com/office/drawing/2014/main" id="{99D9D8CE-B937-62EB-ABFF-82AF2864E18B}"/>
+                    </a:ext>
+                  </a:extLst>
+                </p:cNvPr>
+                <p:cNvSpPr>
+                  <a:spLocks noRot="1" noChangeAspect="1" noMove="1" noResize="1" noEditPoints="1" noAdjustHandles="1" noChangeArrowheads="1" noChangeShapeType="1" noTextEdit="1"/>
+                </p:cNvSpPr>
+                <p:nvPr/>
+              </p:nvSpPr>
+              <p:spPr>
+                <a:xfrm>
+                  <a:off x="1338740" y="-3118119"/>
+                  <a:ext cx="4157661" cy="1457326"/>
+                </a:xfrm>
+                <a:prstGeom prst="rect">
+                  <a:avLst/>
+                </a:prstGeom>
+                <a:blipFill>
+                  <a:blip r:embed="rId3"/>
+                  <a:stretch>
+                    <a:fillRect/>
+                  </a:stretch>
+                </a:blipFill>
+              </p:spPr>
+              <p:txBody>
+                <a:bodyPr/>
+                <a:lstStyle/>
+                <a:p>
+                  <a:r>
+                    <a:rPr lang="ko-KR" altLang="en-US">
+                      <a:noFill/>
+                    </a:rPr>
+                    <a:t> </a:t>
+                  </a:r>
+                </a:p>
+              </p:txBody>
+            </p:sp>
+          </mc:Fallback>
+        </mc:AlternateContent>
+        <mc:AlternateContent xmlns:mc="http://schemas.openxmlformats.org/markup-compatibility/2006">
+          <mc:Choice xmlns:a14="http://schemas.microsoft.com/office/drawing/2010/main" Requires="a14">
+            <p:sp>
+              <p:nvSpPr>
+                <p:cNvPr id="11" name="직사각형 10">
+                  <a:extLst>
+                    <a:ext uri="{FF2B5EF4-FFF2-40B4-BE49-F238E27FC236}">
+                      <a16:creationId xmlns:a16="http://schemas.microsoft.com/office/drawing/2014/main" id="{147D5B89-5B23-7CB5-C3E5-78F4BF68B317}"/>
+                    </a:ext>
+                  </a:extLst>
+                </p:cNvPr>
+                <p:cNvSpPr/>
+                <p:nvPr/>
+              </p:nvSpPr>
+              <p:spPr>
+                <a:xfrm>
+                  <a:off x="1436370" y="-1208357"/>
+                  <a:ext cx="3962400" cy="891702"/>
+                </a:xfrm>
+                <a:prstGeom prst="rect">
+                  <a:avLst/>
+                </a:prstGeom>
+              </p:spPr>
+              <p:style>
+                <a:lnRef idx="2">
+                  <a:schemeClr val="dk1"/>
+                </a:lnRef>
+                <a:fillRef idx="1">
+                  <a:schemeClr val="lt1"/>
+                </a:fillRef>
+                <a:effectRef idx="0">
+                  <a:schemeClr val="dk1"/>
+                </a:effectRef>
+                <a:fontRef idx="minor">
+                  <a:schemeClr val="dk1"/>
+                </a:fontRef>
+              </p:style>
+              <p:txBody>
+                <a:bodyPr rtlCol="0" anchor="ctr"/>
+                <a:lstStyle/>
+                <a:p>
+                  <a:pPr algn="ctr">
+                    <a:lnSpc>
+                      <a:spcPct val="120000"/>
+                    </a:lnSpc>
+                  </a:pPr>
+                  <a:r>
+                    <a:rPr lang="ko-KR" altLang="en-US">
+                      <a:latin typeface="나눔바른고딕" panose="020B0603020101020101" pitchFamily="50" charset="-127"/>
+                      <a:ea typeface="나눔바른고딕" panose="020B0603020101020101" pitchFamily="50" charset="-127"/>
+                    </a:rPr>
+                    <a:t>② </a:t>
+                  </a:r>
+                  <a:r>
+                    <a:rPr lang="en-US" altLang="ko-KR">
+                      <a:latin typeface="나눔바른고딕" panose="020B0603020101020101" pitchFamily="50" charset="-127"/>
+                      <a:ea typeface="나눔바른고딕" panose="020B0603020101020101" pitchFamily="50" charset="-127"/>
+                    </a:rPr>
+                    <a:t>Compute Residuals and Jacobian</a:t>
+                  </a:r>
+                </a:p>
+                <a:p>
+                  <a:pPr algn="ctr">
+                    <a:lnSpc>
+                      <a:spcPct val="120000"/>
+                    </a:lnSpc>
+                  </a:pPr>
+                  <a14:m>
+                    <m:oMath xmlns:m="http://schemas.openxmlformats.org/officeDocument/2006/math">
+                      <m:r>
+                        <a:rPr lang="en-US" altLang="ko-KR" i="1">
+                          <a:latin typeface="Cambria Math" panose="02040503050406030204" pitchFamily="18" charset="0"/>
+                          <a:ea typeface="나눔바른고딕" panose="020B0603020101020101" pitchFamily="50" charset="-127"/>
+                        </a:rPr>
+                        <m:t>𝑟</m:t>
+                      </m:r>
+                    </m:oMath>
+                  </a14:m>
+                  <a:r>
+                    <a:rPr lang="en-US" altLang="ko-KR" b="0">
+                      <a:ea typeface="나눔바른고딕" panose="020B0603020101020101" pitchFamily="50" charset="-127"/>
+                    </a:rPr>
+                    <a:t>, </a:t>
+                  </a:r>
+                  <a14:m>
+                    <m:oMath xmlns:m="http://schemas.openxmlformats.org/officeDocument/2006/math">
+                      <m:sSub>
+                        <m:sSubPr>
+                          <m:ctrlPr>
+                            <a:rPr lang="en-US" altLang="ko-KR" b="0" i="1" smtClean="0">
+                              <a:latin typeface="Cambria Math" panose="02040503050406030204" pitchFamily="18" charset="0"/>
+                              <a:ea typeface="나눔바른고딕" panose="020B0603020101020101" pitchFamily="50" charset="-127"/>
+                            </a:rPr>
+                          </m:ctrlPr>
+                        </m:sSubPr>
+                        <m:e>
+                          <m:r>
+                            <a:rPr lang="en-US" altLang="ko-KR" b="0" i="1" smtClean="0">
+                              <a:latin typeface="Cambria Math" panose="02040503050406030204" pitchFamily="18" charset="0"/>
+                              <a:ea typeface="나눔바른고딕" panose="020B0603020101020101" pitchFamily="50" charset="-127"/>
+                            </a:rPr>
+                            <m:t>𝐽</m:t>
+                          </m:r>
+                        </m:e>
+                        <m:sub>
+                          <m:r>
+                            <a:rPr lang="en-US" altLang="ko-KR" b="0" i="1" smtClean="0">
+                              <a:latin typeface="Cambria Math" panose="02040503050406030204" pitchFamily="18" charset="0"/>
+                              <a:ea typeface="나눔바른고딕" panose="020B0603020101020101" pitchFamily="50" charset="-127"/>
+                            </a:rPr>
+                            <m:t>𝑟</m:t>
+                          </m:r>
+                        </m:sub>
+                      </m:sSub>
+                    </m:oMath>
+                  </a14:m>
+                  <a:endParaRPr lang="en-US" altLang="ko-KR">
+                    <a:latin typeface="나눔바른고딕" panose="020B0603020101020101" pitchFamily="50" charset="-127"/>
+                    <a:ea typeface="나눔바른고딕" panose="020B0603020101020101" pitchFamily="50" charset="-127"/>
+                  </a:endParaRPr>
+                </a:p>
+              </p:txBody>
+            </p:sp>
+          </mc:Choice>
+          <mc:Fallback>
+            <p:sp>
+              <p:nvSpPr>
+                <p:cNvPr id="11" name="직사각형 10">
+                  <a:extLst>
+                    <a:ext uri="{FF2B5EF4-FFF2-40B4-BE49-F238E27FC236}">
+                      <a16:creationId xmlns:a16="http://schemas.microsoft.com/office/drawing/2014/main" id="{147D5B89-5B23-7CB5-C3E5-78F4BF68B317}"/>
+                    </a:ext>
+                  </a:extLst>
+                </p:cNvPr>
+                <p:cNvSpPr>
+                  <a:spLocks noRot="1" noChangeAspect="1" noMove="1" noResize="1" noEditPoints="1" noAdjustHandles="1" noChangeArrowheads="1" noChangeShapeType="1" noTextEdit="1"/>
+                </p:cNvSpPr>
+                <p:nvPr/>
+              </p:nvSpPr>
+              <p:spPr>
+                <a:xfrm>
+                  <a:off x="1436370" y="-1208357"/>
+                  <a:ext cx="3962400" cy="891702"/>
+                </a:xfrm>
+                <a:prstGeom prst="rect">
+                  <a:avLst/>
+                </a:prstGeom>
+                <a:blipFill>
+                  <a:blip r:embed="rId4"/>
+                  <a:stretch>
+                    <a:fillRect/>
+                  </a:stretch>
+                </a:blipFill>
+              </p:spPr>
+              <p:txBody>
+                <a:bodyPr/>
+                <a:lstStyle/>
+                <a:p>
+                  <a:r>
+                    <a:rPr lang="ko-KR" altLang="en-US">
+                      <a:noFill/>
+                    </a:rPr>
+                    <a:t> </a:t>
+                  </a:r>
+                </a:p>
+              </p:txBody>
+            </p:sp>
+          </mc:Fallback>
+        </mc:AlternateContent>
+        <mc:AlternateContent xmlns:mc="http://schemas.openxmlformats.org/markup-compatibility/2006">
+          <mc:Choice xmlns:a14="http://schemas.microsoft.com/office/drawing/2010/main" Requires="a14">
+            <p:sp>
+              <p:nvSpPr>
+                <p:cNvPr id="15" name="직사각형 14">
+                  <a:extLst>
+                    <a:ext uri="{FF2B5EF4-FFF2-40B4-BE49-F238E27FC236}">
+                      <a16:creationId xmlns:a16="http://schemas.microsoft.com/office/drawing/2014/main" id="{E7F7EEF1-8479-74D6-3AFC-138563E3D242}"/>
+                    </a:ext>
+                  </a:extLst>
+                </p:cNvPr>
+                <p:cNvSpPr/>
+                <p:nvPr/>
+              </p:nvSpPr>
+              <p:spPr>
+                <a:xfrm>
+                  <a:off x="1436370" y="135781"/>
+                  <a:ext cx="3962401" cy="871438"/>
+                </a:xfrm>
+                <a:prstGeom prst="rect">
+                  <a:avLst/>
+                </a:prstGeom>
+              </p:spPr>
+              <p:style>
+                <a:lnRef idx="2">
+                  <a:schemeClr val="dk1"/>
+                </a:lnRef>
+                <a:fillRef idx="1">
+                  <a:schemeClr val="lt1"/>
+                </a:fillRef>
+                <a:effectRef idx="0">
+                  <a:schemeClr val="dk1"/>
+                </a:effectRef>
+                <a:fontRef idx="minor">
+                  <a:schemeClr val="dk1"/>
+                </a:fontRef>
+              </p:style>
+              <p:txBody>
+                <a:bodyPr rtlCol="0" anchor="ctr"/>
+                <a:lstStyle/>
+                <a:p>
+                  <a:pPr algn="ctr">
+                    <a:lnSpc>
+                      <a:spcPct val="120000"/>
+                    </a:lnSpc>
+                  </a:pPr>
+                  <a:r>
+                    <a:rPr lang="ko-KR" altLang="en-US">
+                      <a:latin typeface="나눔바른고딕" panose="020B0603020101020101" pitchFamily="50" charset="-127"/>
+                      <a:ea typeface="나눔바른고딕" panose="020B0603020101020101" pitchFamily="50" charset="-127"/>
+                    </a:rPr>
+                    <a:t>③ </a:t>
+                  </a:r>
+                  <a:r>
+                    <a:rPr lang="en-US" altLang="ko-KR">
+                      <a:latin typeface="나눔바른고딕" panose="020B0603020101020101" pitchFamily="50" charset="-127"/>
+                      <a:ea typeface="나눔바른고딕" panose="020B0603020101020101" pitchFamily="50" charset="-127"/>
+                    </a:rPr>
+                    <a:t>Compute Update</a:t>
+                  </a:r>
+                </a:p>
+                <a:p>
+                  <a:pPr algn="ctr">
+                    <a:lnSpc>
+                      <a:spcPct val="120000"/>
+                    </a:lnSpc>
+                  </a:pPr>
+                  <a14:m>
+                    <m:oMathPara xmlns:m="http://schemas.openxmlformats.org/officeDocument/2006/math">
+                      <m:oMathParaPr>
+                        <m:jc m:val="centerGroup"/>
+                      </m:oMathParaPr>
+                      <m:oMath xmlns:m="http://schemas.openxmlformats.org/officeDocument/2006/math">
+                        <m:r>
+                          <m:rPr>
+                            <m:sty m:val="p"/>
+                          </m:rPr>
+                          <a:rPr lang="en-US" altLang="ko-KR" b="0" i="0" smtClean="0">
+                            <a:latin typeface="Cambria Math" panose="02040503050406030204" pitchFamily="18" charset="0"/>
+                            <a:ea typeface="나눔바른고딕" panose="020B0603020101020101" pitchFamily="50" charset="-127"/>
+                          </a:rPr>
+                          <m:t>Δ</m:t>
+                        </m:r>
+                        <m:r>
+                          <a:rPr lang="en-US" altLang="ko-KR" b="0" i="1" smtClean="0">
+                            <a:latin typeface="Cambria Math" panose="02040503050406030204" pitchFamily="18" charset="0"/>
+                            <a:ea typeface="나눔바른고딕" panose="020B0603020101020101" pitchFamily="50" charset="-127"/>
+                          </a:rPr>
+                          <m:t>𝑤</m:t>
+                        </m:r>
+                        <m:r>
+                          <a:rPr lang="en-US" altLang="ko-KR" b="0" i="1" smtClean="0">
+                            <a:latin typeface="Cambria Math" panose="02040503050406030204" pitchFamily="18" charset="0"/>
+                            <a:ea typeface="나눔바른고딕" panose="020B0603020101020101" pitchFamily="50" charset="-127"/>
+                          </a:rPr>
+                          <m:t>= </m:t>
+                        </m:r>
+                        <m:sSup>
+                          <m:sSupPr>
+                            <m:ctrlPr>
+                              <a:rPr lang="en-US" altLang="ko-KR" b="0" i="1" smtClean="0">
+                                <a:latin typeface="Cambria Math" panose="02040503050406030204" pitchFamily="18" charset="0"/>
+                                <a:ea typeface="나눔바른고딕" panose="020B0603020101020101" pitchFamily="50" charset="-127"/>
+                              </a:rPr>
+                            </m:ctrlPr>
+                          </m:sSupPr>
+                          <m:e>
+                            <m:r>
+                              <a:rPr lang="en-US" altLang="ko-KR" b="0" i="1" smtClean="0">
+                                <a:latin typeface="Cambria Math" panose="02040503050406030204" pitchFamily="18" charset="0"/>
+                                <a:ea typeface="나눔바른고딕" panose="020B0603020101020101" pitchFamily="50" charset="-127"/>
+                              </a:rPr>
+                              <m:t>−</m:t>
+                            </m:r>
+                            <m:r>
+                              <a:rPr lang="en-US" altLang="ko-KR" i="1">
+                                <a:latin typeface="Cambria Math" panose="02040503050406030204" pitchFamily="18" charset="0"/>
+                                <a:ea typeface="나눔바른고딕" panose="020B0603020101020101" pitchFamily="50" charset="-127"/>
+                              </a:rPr>
+                              <m:t>(</m:t>
+                            </m:r>
+                            <m:sSubSup>
+                              <m:sSubSupPr>
+                                <m:ctrlPr>
+                                  <a:rPr lang="en-US" altLang="ko-KR" i="1">
+                                    <a:latin typeface="Cambria Math" panose="02040503050406030204" pitchFamily="18" charset="0"/>
+                                    <a:ea typeface="나눔바른고딕" panose="020B0603020101020101" pitchFamily="50" charset="-127"/>
+                                  </a:rPr>
+                                </m:ctrlPr>
+                              </m:sSubSupPr>
+                              <m:e>
+                                <m:r>
+                                  <a:rPr lang="en-US" altLang="ko-KR" i="1">
+                                    <a:latin typeface="Cambria Math" panose="02040503050406030204" pitchFamily="18" charset="0"/>
+                                    <a:ea typeface="나눔바른고딕" panose="020B0603020101020101" pitchFamily="50" charset="-127"/>
+                                  </a:rPr>
+                                  <m:t>𝐽</m:t>
+                                </m:r>
+                              </m:e>
+                              <m:sub>
+                                <m:r>
+                                  <a:rPr lang="en-US" altLang="ko-KR" i="1">
+                                    <a:latin typeface="Cambria Math" panose="02040503050406030204" pitchFamily="18" charset="0"/>
+                                    <a:ea typeface="나눔바른고딕" panose="020B0603020101020101" pitchFamily="50" charset="-127"/>
+                                  </a:rPr>
+                                  <m:t>𝑟</m:t>
+                                </m:r>
+                              </m:sub>
+                              <m:sup>
+                                <m:r>
+                                  <a:rPr lang="en-US" altLang="ko-KR" i="1">
+                                    <a:latin typeface="Cambria Math" panose="02040503050406030204" pitchFamily="18" charset="0"/>
+                                    <a:ea typeface="나눔바른고딕" panose="020B0603020101020101" pitchFamily="50" charset="-127"/>
+                                  </a:rPr>
+                                  <m:t>𝑇</m:t>
+                                </m:r>
+                              </m:sup>
+                            </m:sSubSup>
+                            <m:sSub>
+                              <m:sSubPr>
+                                <m:ctrlPr>
+                                  <a:rPr lang="en-US" altLang="ko-KR" i="1">
+                                    <a:latin typeface="Cambria Math" panose="02040503050406030204" pitchFamily="18" charset="0"/>
+                                    <a:ea typeface="나눔바른고딕" panose="020B0603020101020101" pitchFamily="50" charset="-127"/>
+                                  </a:rPr>
+                                </m:ctrlPr>
+                              </m:sSubPr>
+                              <m:e>
+                                <m:r>
+                                  <a:rPr lang="en-US" altLang="ko-KR" i="1">
+                                    <a:latin typeface="Cambria Math" panose="02040503050406030204" pitchFamily="18" charset="0"/>
+                                    <a:ea typeface="나눔바른고딕" panose="020B0603020101020101" pitchFamily="50" charset="-127"/>
+                                  </a:rPr>
+                                  <m:t>𝐽</m:t>
+                                </m:r>
+                              </m:e>
+                              <m:sub>
+                                <m:r>
+                                  <a:rPr lang="en-US" altLang="ko-KR" i="1">
+                                    <a:latin typeface="Cambria Math" panose="02040503050406030204" pitchFamily="18" charset="0"/>
+                                    <a:ea typeface="나눔바른고딕" panose="020B0603020101020101" pitchFamily="50" charset="-127"/>
+                                  </a:rPr>
+                                  <m:t>𝑟</m:t>
+                                </m:r>
+                              </m:sub>
+                            </m:sSub>
+                            <m:r>
+                              <a:rPr lang="en-US" altLang="ko-KR" i="1">
+                                <a:latin typeface="Cambria Math" panose="02040503050406030204" pitchFamily="18" charset="0"/>
+                                <a:ea typeface="나눔바른고딕" panose="020B0603020101020101" pitchFamily="50" charset="-127"/>
+                              </a:rPr>
+                              <m:t>+</m:t>
+                            </m:r>
+                            <m:r>
+                              <a:rPr lang="en-US" altLang="ko-KR" i="1">
+                                <a:latin typeface="Cambria Math" panose="02040503050406030204" pitchFamily="18" charset="0"/>
+                                <a:ea typeface="나눔바른고딕" panose="020B0603020101020101" pitchFamily="50" charset="-127"/>
+                              </a:rPr>
+                              <m:t>𝜇</m:t>
+                            </m:r>
+                            <m:r>
+                              <a:rPr lang="en-US" altLang="ko-KR" i="1">
+                                <a:latin typeface="Cambria Math" panose="02040503050406030204" pitchFamily="18" charset="0"/>
+                                <a:ea typeface="나눔바른고딕" panose="020B0603020101020101" pitchFamily="50" charset="-127"/>
+                              </a:rPr>
+                              <m:t>⋅</m:t>
+                            </m:r>
+                            <m:r>
+                              <m:rPr>
+                                <m:nor/>
+                              </m:rPr>
+                              <a:rPr lang="en-US" altLang="ko-KR">
+                                <a:latin typeface="Cambria Math" panose="02040503050406030204" pitchFamily="18" charset="0"/>
+                                <a:ea typeface="나눔바른고딕" panose="020B0603020101020101" pitchFamily="50" charset="-127"/>
+                              </a:rPr>
+                              <m:t>diag</m:t>
+                            </m:r>
+                            <m:r>
+                              <m:rPr>
+                                <m:nor/>
+                              </m:rPr>
+                              <a:rPr lang="en-US" altLang="ko-KR">
+                                <a:latin typeface="Cambria Math" panose="02040503050406030204" pitchFamily="18" charset="0"/>
+                                <a:ea typeface="나눔바른고딕" panose="020B0603020101020101" pitchFamily="50" charset="-127"/>
+                              </a:rPr>
+                              <m:t>(</m:t>
+                            </m:r>
+                            <m:sSubSup>
+                              <m:sSubSupPr>
+                                <m:ctrlPr>
+                                  <a:rPr lang="en-US" altLang="ko-KR" i="1">
+                                    <a:latin typeface="Cambria Math" panose="02040503050406030204" pitchFamily="18" charset="0"/>
+                                    <a:ea typeface="나눔바른고딕" panose="020B0603020101020101" pitchFamily="50" charset="-127"/>
+                                  </a:rPr>
+                                </m:ctrlPr>
+                              </m:sSubSupPr>
+                              <m:e>
+                                <m:r>
+                                  <a:rPr lang="en-US" altLang="ko-KR" i="1">
+                                    <a:latin typeface="Cambria Math" panose="02040503050406030204" pitchFamily="18" charset="0"/>
+                                    <a:ea typeface="나눔바른고딕" panose="020B0603020101020101" pitchFamily="50" charset="-127"/>
+                                  </a:rPr>
+                                  <m:t>𝐽</m:t>
+                                </m:r>
+                              </m:e>
+                              <m:sub>
+                                <m:r>
+                                  <a:rPr lang="en-US" altLang="ko-KR" i="1">
+                                    <a:latin typeface="Cambria Math" panose="02040503050406030204" pitchFamily="18" charset="0"/>
+                                    <a:ea typeface="나눔바른고딕" panose="020B0603020101020101" pitchFamily="50" charset="-127"/>
+                                  </a:rPr>
+                                  <m:t>𝑟</m:t>
+                                </m:r>
+                              </m:sub>
+                              <m:sup>
+                                <m:r>
+                                  <a:rPr lang="en-US" altLang="ko-KR" i="1">
+                                    <a:latin typeface="Cambria Math" panose="02040503050406030204" pitchFamily="18" charset="0"/>
+                                    <a:ea typeface="나눔바른고딕" panose="020B0603020101020101" pitchFamily="50" charset="-127"/>
+                                  </a:rPr>
+                                  <m:t>𝑇</m:t>
+                                </m:r>
+                              </m:sup>
+                            </m:sSubSup>
+                            <m:sSub>
+                              <m:sSubPr>
+                                <m:ctrlPr>
+                                  <a:rPr lang="en-US" altLang="ko-KR" i="1">
+                                    <a:latin typeface="Cambria Math" panose="02040503050406030204" pitchFamily="18" charset="0"/>
+                                    <a:ea typeface="나눔바른고딕" panose="020B0603020101020101" pitchFamily="50" charset="-127"/>
+                                  </a:rPr>
+                                </m:ctrlPr>
+                              </m:sSubPr>
+                              <m:e>
+                                <m:r>
+                                  <a:rPr lang="en-US" altLang="ko-KR" i="1">
+                                    <a:latin typeface="Cambria Math" panose="02040503050406030204" pitchFamily="18" charset="0"/>
+                                    <a:ea typeface="나눔바른고딕" panose="020B0603020101020101" pitchFamily="50" charset="-127"/>
+                                  </a:rPr>
+                                  <m:t>𝐽</m:t>
+                                </m:r>
+                              </m:e>
+                              <m:sub>
+                                <m:r>
+                                  <a:rPr lang="en-US" altLang="ko-KR" i="1">
+                                    <a:latin typeface="Cambria Math" panose="02040503050406030204" pitchFamily="18" charset="0"/>
+                                    <a:ea typeface="나눔바른고딕" panose="020B0603020101020101" pitchFamily="50" charset="-127"/>
+                                  </a:rPr>
+                                  <m:t>𝑟</m:t>
+                                </m:r>
+                              </m:sub>
+                            </m:sSub>
+                            <m:r>
+                              <a:rPr lang="en-US" altLang="ko-KR" i="1">
+                                <a:latin typeface="Cambria Math" panose="02040503050406030204" pitchFamily="18" charset="0"/>
+                                <a:ea typeface="나눔바른고딕" panose="020B0603020101020101" pitchFamily="50" charset="-127"/>
+                              </a:rPr>
+                              <m:t>))</m:t>
+                            </m:r>
+                          </m:e>
+                          <m:sup>
+                            <m:r>
+                              <a:rPr lang="en-US" altLang="ko-KR" b="0" i="1" smtClean="0">
+                                <a:latin typeface="Cambria Math" panose="02040503050406030204" pitchFamily="18" charset="0"/>
+                                <a:ea typeface="나눔바른고딕" panose="020B0603020101020101" pitchFamily="50" charset="-127"/>
+                              </a:rPr>
+                              <m:t>−1</m:t>
+                            </m:r>
+                          </m:sup>
+                        </m:sSup>
+                        <m:sSubSup>
+                          <m:sSubSupPr>
+                            <m:ctrlPr>
+                              <a:rPr lang="en-US" altLang="ko-KR" b="0" i="1" smtClean="0">
+                                <a:latin typeface="Cambria Math" panose="02040503050406030204" pitchFamily="18" charset="0"/>
+                                <a:ea typeface="나눔바른고딕" panose="020B0603020101020101" pitchFamily="50" charset="-127"/>
+                              </a:rPr>
+                            </m:ctrlPr>
+                          </m:sSubSupPr>
+                          <m:e>
+                            <m:r>
+                              <a:rPr lang="en-US" altLang="ko-KR" b="0" i="1" smtClean="0">
+                                <a:latin typeface="Cambria Math" panose="02040503050406030204" pitchFamily="18" charset="0"/>
+                                <a:ea typeface="나눔바른고딕" panose="020B0603020101020101" pitchFamily="50" charset="-127"/>
+                              </a:rPr>
+                              <m:t>𝐽</m:t>
+                            </m:r>
+                          </m:e>
+                          <m:sub>
+                            <m:r>
+                              <a:rPr lang="en-US" altLang="ko-KR" b="0" i="1" smtClean="0">
+                                <a:latin typeface="Cambria Math" panose="02040503050406030204" pitchFamily="18" charset="0"/>
+                                <a:ea typeface="나눔바른고딕" panose="020B0603020101020101" pitchFamily="50" charset="-127"/>
+                              </a:rPr>
+                              <m:t>𝑟</m:t>
+                            </m:r>
+                          </m:sub>
+                          <m:sup>
+                            <m:r>
+                              <a:rPr lang="en-US" altLang="ko-KR" b="0" i="1" smtClean="0">
+                                <a:latin typeface="Cambria Math" panose="02040503050406030204" pitchFamily="18" charset="0"/>
+                                <a:ea typeface="나눔바른고딕" panose="020B0603020101020101" pitchFamily="50" charset="-127"/>
+                              </a:rPr>
+                              <m:t>𝑇</m:t>
+                            </m:r>
+                          </m:sup>
+                        </m:sSubSup>
+                        <m:r>
+                          <a:rPr lang="en-US" altLang="ko-KR" b="0" i="1" smtClean="0">
+                            <a:latin typeface="Cambria Math" panose="02040503050406030204" pitchFamily="18" charset="0"/>
+                            <a:ea typeface="나눔바른고딕" panose="020B0603020101020101" pitchFamily="50" charset="-127"/>
+                          </a:rPr>
+                          <m:t>𝑟</m:t>
+                        </m:r>
+                      </m:oMath>
+                    </m:oMathPara>
+                  </a14:m>
+                  <a:endParaRPr lang="en-US" altLang="ko-KR">
+                    <a:latin typeface="나눔바른고딕" panose="020B0603020101020101" pitchFamily="50" charset="-127"/>
+                    <a:ea typeface="나눔바른고딕" panose="020B0603020101020101" pitchFamily="50" charset="-127"/>
+                  </a:endParaRPr>
+                </a:p>
+              </p:txBody>
+            </p:sp>
+          </mc:Choice>
+          <mc:Fallback>
+            <p:sp>
+              <p:nvSpPr>
+                <p:cNvPr id="15" name="직사각형 14">
+                  <a:extLst>
+                    <a:ext uri="{FF2B5EF4-FFF2-40B4-BE49-F238E27FC236}">
+                      <a16:creationId xmlns:a16="http://schemas.microsoft.com/office/drawing/2014/main" id="{E7F7EEF1-8479-74D6-3AFC-138563E3D242}"/>
+                    </a:ext>
+                  </a:extLst>
+                </p:cNvPr>
+                <p:cNvSpPr>
+                  <a:spLocks noRot="1" noChangeAspect="1" noMove="1" noResize="1" noEditPoints="1" noAdjustHandles="1" noChangeArrowheads="1" noChangeShapeType="1" noTextEdit="1"/>
+                </p:cNvSpPr>
+                <p:nvPr/>
+              </p:nvSpPr>
+              <p:spPr>
+                <a:xfrm>
+                  <a:off x="1436370" y="135781"/>
+                  <a:ext cx="3962401" cy="871438"/>
+                </a:xfrm>
+                <a:prstGeom prst="rect">
+                  <a:avLst/>
+                </a:prstGeom>
+                <a:blipFill>
+                  <a:blip r:embed="rId5"/>
+                  <a:stretch>
+                    <a:fillRect/>
+                  </a:stretch>
+                </a:blipFill>
+              </p:spPr>
+              <p:txBody>
+                <a:bodyPr/>
+                <a:lstStyle/>
+                <a:p>
+                  <a:r>
+                    <a:rPr lang="ko-KR" altLang="en-US">
+                      <a:noFill/>
+                    </a:rPr>
+                    <a:t> </a:t>
+                  </a:r>
+                </a:p>
+              </p:txBody>
+            </p:sp>
+          </mc:Fallback>
+        </mc:AlternateContent>
+        <mc:AlternateContent xmlns:mc="http://schemas.openxmlformats.org/markup-compatibility/2006">
+          <mc:Choice xmlns:a14="http://schemas.microsoft.com/office/drawing/2010/main" Requires="a14">
+            <p:sp>
+              <p:nvSpPr>
+                <p:cNvPr id="20" name="직사각형 19">
+                  <a:extLst>
+                    <a:ext uri="{FF2B5EF4-FFF2-40B4-BE49-F238E27FC236}">
+                      <a16:creationId xmlns:a16="http://schemas.microsoft.com/office/drawing/2014/main" id="{DBA357F7-0CA7-9E5C-34C1-C2C11AD58C35}"/>
+                    </a:ext>
+                  </a:extLst>
+                </p:cNvPr>
+                <p:cNvSpPr/>
+                <p:nvPr/>
+              </p:nvSpPr>
+              <p:spPr>
+                <a:xfrm>
+                  <a:off x="1436370" y="1459655"/>
+                  <a:ext cx="3962401" cy="871437"/>
+                </a:xfrm>
+                <a:prstGeom prst="rect">
+                  <a:avLst/>
+                </a:prstGeom>
+              </p:spPr>
+              <p:style>
+                <a:lnRef idx="2">
+                  <a:schemeClr val="dk1"/>
+                </a:lnRef>
+                <a:fillRef idx="1">
+                  <a:schemeClr val="lt1"/>
+                </a:fillRef>
+                <a:effectRef idx="0">
+                  <a:schemeClr val="dk1"/>
+                </a:effectRef>
+                <a:fontRef idx="minor">
+                  <a:schemeClr val="dk1"/>
+                </a:fontRef>
+              </p:style>
+              <p:txBody>
+                <a:bodyPr rtlCol="0" anchor="ctr"/>
+                <a:lstStyle/>
+                <a:p>
+                  <a:pPr algn="ctr">
+                    <a:lnSpc>
+                      <a:spcPct val="120000"/>
+                    </a:lnSpc>
+                  </a:pPr>
+                  <a:r>
+                    <a:rPr lang="ko-KR" altLang="en-US">
+                      <a:latin typeface="나눔바른고딕" panose="020B0603020101020101" pitchFamily="50" charset="-127"/>
+                      <a:ea typeface="나눔바른고딕" panose="020B0603020101020101" pitchFamily="50" charset="-127"/>
+                    </a:rPr>
+                    <a:t>④ </a:t>
+                  </a:r>
+                  <a:r>
+                    <a:rPr lang="en-US" altLang="ko-KR">
+                      <a:latin typeface="나눔바른고딕" panose="020B0603020101020101" pitchFamily="50" charset="-127"/>
+                      <a:ea typeface="나눔바른고딕" panose="020B0603020101020101" pitchFamily="50" charset="-127"/>
+                    </a:rPr>
+                    <a:t>Update Parameters</a:t>
+                  </a:r>
+                </a:p>
+                <a:p>
+                  <a:pPr algn="ctr">
+                    <a:lnSpc>
+                      <a:spcPct val="120000"/>
+                    </a:lnSpc>
+                  </a:pPr>
+                  <a14:m>
+                    <m:oMathPara xmlns:m="http://schemas.openxmlformats.org/officeDocument/2006/math">
+                      <m:oMathParaPr>
+                        <m:jc m:val="centerGroup"/>
+                      </m:oMathParaPr>
+                      <m:oMath xmlns:m="http://schemas.openxmlformats.org/officeDocument/2006/math">
+                        <m:sSub>
+                          <m:sSubPr>
+                            <m:ctrlPr>
+                              <a:rPr lang="en-US" altLang="ko-KR" b="0" i="1" smtClean="0">
+                                <a:latin typeface="Cambria Math" panose="02040503050406030204" pitchFamily="18" charset="0"/>
+                                <a:ea typeface="나눔바른고딕" panose="020B0603020101020101" pitchFamily="50" charset="-127"/>
+                              </a:rPr>
+                            </m:ctrlPr>
+                          </m:sSubPr>
+                          <m:e>
+                            <m:r>
+                              <a:rPr lang="en-US" altLang="ko-KR" i="1" smtClean="0">
+                                <a:latin typeface="Cambria Math" panose="02040503050406030204" pitchFamily="18" charset="0"/>
+                                <a:ea typeface="나눔바른고딕" panose="020B0603020101020101" pitchFamily="50" charset="-127"/>
+                              </a:rPr>
+                              <m:t>𝑤</m:t>
+                            </m:r>
+                          </m:e>
+                          <m:sub>
+                            <m:r>
+                              <a:rPr lang="en-US" altLang="ko-KR" b="0" i="1" smtClean="0">
+                                <a:solidFill>
+                                  <a:srgbClr val="0000FF"/>
+                                </a:solidFill>
+                                <a:latin typeface="Cambria Math" panose="02040503050406030204" pitchFamily="18" charset="0"/>
+                                <a:ea typeface="나눔바른고딕" panose="020B0603020101020101" pitchFamily="50" charset="-127"/>
+                              </a:rPr>
+                              <m:t>𝑛𝑒𝑤</m:t>
+                            </m:r>
+                          </m:sub>
+                        </m:sSub>
+                        <m:r>
+                          <a:rPr lang="en-US" altLang="ko-KR" b="0" i="1" smtClean="0">
+                            <a:latin typeface="Cambria Math" panose="02040503050406030204" pitchFamily="18" charset="0"/>
+                            <a:ea typeface="나눔바른고딕" panose="020B0603020101020101" pitchFamily="50" charset="-127"/>
+                          </a:rPr>
+                          <m:t>=</m:t>
+                        </m:r>
+                        <m:sSub>
+                          <m:sSubPr>
+                            <m:ctrlPr>
+                              <a:rPr lang="en-US" altLang="ko-KR" b="0" i="1" smtClean="0">
+                                <a:latin typeface="Cambria Math" panose="02040503050406030204" pitchFamily="18" charset="0"/>
+                                <a:ea typeface="나눔바른고딕" panose="020B0603020101020101" pitchFamily="50" charset="-127"/>
+                              </a:rPr>
+                            </m:ctrlPr>
+                          </m:sSubPr>
+                          <m:e>
+                            <m:r>
+                              <a:rPr lang="en-US" altLang="ko-KR" b="0" i="1" smtClean="0">
+                                <a:latin typeface="Cambria Math" panose="02040503050406030204" pitchFamily="18" charset="0"/>
+                                <a:ea typeface="나눔바른고딕" panose="020B0603020101020101" pitchFamily="50" charset="-127"/>
+                              </a:rPr>
+                              <m:t>𝑤</m:t>
+                            </m:r>
+                          </m:e>
+                          <m:sub>
+                            <m:r>
+                              <a:rPr lang="en-US" altLang="ko-KR" b="0" i="1" smtClean="0">
+                                <a:solidFill>
+                                  <a:srgbClr val="FF0000"/>
+                                </a:solidFill>
+                                <a:latin typeface="Cambria Math" panose="02040503050406030204" pitchFamily="18" charset="0"/>
+                                <a:ea typeface="나눔바른고딕" panose="020B0603020101020101" pitchFamily="50" charset="-127"/>
+                              </a:rPr>
+                              <m:t>𝑜𝑙𝑑</m:t>
+                            </m:r>
+                          </m:sub>
+                        </m:sSub>
+                        <m:r>
+                          <a:rPr lang="en-US" altLang="ko-KR" b="0" i="1" smtClean="0">
+                            <a:latin typeface="Cambria Math" panose="02040503050406030204" pitchFamily="18" charset="0"/>
+                            <a:ea typeface="나눔바른고딕" panose="020B0603020101020101" pitchFamily="50" charset="-127"/>
+                          </a:rPr>
+                          <m:t>+</m:t>
+                        </m:r>
+                        <m:r>
+                          <m:rPr>
+                            <m:sty m:val="p"/>
+                          </m:rPr>
+                          <a:rPr lang="en-US" altLang="ko-KR" b="0" i="0" smtClean="0">
+                            <a:latin typeface="Cambria Math" panose="02040503050406030204" pitchFamily="18" charset="0"/>
+                            <a:ea typeface="나눔바른고딕" panose="020B0603020101020101" pitchFamily="50" charset="-127"/>
+                          </a:rPr>
+                          <m:t>Δ</m:t>
+                        </m:r>
+                        <m:r>
+                          <a:rPr lang="en-US" altLang="ko-KR" b="0" i="1" smtClean="0">
+                            <a:latin typeface="Cambria Math" panose="02040503050406030204" pitchFamily="18" charset="0"/>
+                            <a:ea typeface="나눔바른고딕" panose="020B0603020101020101" pitchFamily="50" charset="-127"/>
+                          </a:rPr>
+                          <m:t>𝑤</m:t>
+                        </m:r>
+                      </m:oMath>
+                    </m:oMathPara>
+                  </a14:m>
+                  <a:endParaRPr lang="en-US" altLang="ko-KR">
+                    <a:latin typeface="나눔바른고딕" panose="020B0603020101020101" pitchFamily="50" charset="-127"/>
+                    <a:ea typeface="나눔바른고딕" panose="020B0603020101020101" pitchFamily="50" charset="-127"/>
+                  </a:endParaRPr>
+                </a:p>
+              </p:txBody>
+            </p:sp>
+          </mc:Choice>
+          <mc:Fallback>
+            <p:sp>
+              <p:nvSpPr>
+                <p:cNvPr id="20" name="직사각형 19">
+                  <a:extLst>
+                    <a:ext uri="{FF2B5EF4-FFF2-40B4-BE49-F238E27FC236}">
+                      <a16:creationId xmlns:a16="http://schemas.microsoft.com/office/drawing/2014/main" id="{DBA357F7-0CA7-9E5C-34C1-C2C11AD58C35}"/>
+                    </a:ext>
+                  </a:extLst>
+                </p:cNvPr>
+                <p:cNvSpPr>
+                  <a:spLocks noRot="1" noChangeAspect="1" noMove="1" noResize="1" noEditPoints="1" noAdjustHandles="1" noChangeArrowheads="1" noChangeShapeType="1" noTextEdit="1"/>
+                </p:cNvSpPr>
+                <p:nvPr/>
+              </p:nvSpPr>
+              <p:spPr>
+                <a:xfrm>
+                  <a:off x="1436370" y="1459655"/>
+                  <a:ext cx="3962401" cy="871437"/>
+                </a:xfrm>
+                <a:prstGeom prst="rect">
+                  <a:avLst/>
+                </a:prstGeom>
+                <a:blipFill>
+                  <a:blip r:embed="rId6"/>
+                  <a:stretch>
+                    <a:fillRect/>
+                  </a:stretch>
+                </a:blipFill>
+              </p:spPr>
+              <p:txBody>
+                <a:bodyPr/>
+                <a:lstStyle/>
+                <a:p>
+                  <a:r>
+                    <a:rPr lang="ko-KR" altLang="en-US">
+                      <a:noFill/>
+                    </a:rPr>
+                    <a:t> </a:t>
+                  </a:r>
+                </a:p>
+              </p:txBody>
+            </p:sp>
+          </mc:Fallback>
+        </mc:AlternateContent>
+        <mc:AlternateContent xmlns:mc="http://schemas.openxmlformats.org/markup-compatibility/2006">
+          <mc:Choice xmlns:a14="http://schemas.microsoft.com/office/drawing/2010/main" Requires="a14">
+            <p:sp>
+              <p:nvSpPr>
+                <p:cNvPr id="32" name="직사각형 31">
+                  <a:extLst>
+                    <a:ext uri="{FF2B5EF4-FFF2-40B4-BE49-F238E27FC236}">
+                      <a16:creationId xmlns:a16="http://schemas.microsoft.com/office/drawing/2014/main" id="{DD059956-E551-D017-F002-54387DD90A10}"/>
+                    </a:ext>
+                  </a:extLst>
+                </p:cNvPr>
+                <p:cNvSpPr/>
+                <p:nvPr/>
+              </p:nvSpPr>
+              <p:spPr>
+                <a:xfrm>
+                  <a:off x="1436370" y="2783528"/>
+                  <a:ext cx="3962401" cy="973173"/>
+                </a:xfrm>
+                <a:prstGeom prst="rect">
+                  <a:avLst/>
+                </a:prstGeom>
+              </p:spPr>
+              <p:style>
+                <a:lnRef idx="2">
+                  <a:schemeClr val="dk1"/>
+                </a:lnRef>
+                <a:fillRef idx="1">
+                  <a:schemeClr val="lt1"/>
+                </a:fillRef>
+                <a:effectRef idx="0">
+                  <a:schemeClr val="dk1"/>
+                </a:effectRef>
+                <a:fontRef idx="minor">
+                  <a:schemeClr val="dk1"/>
+                </a:fontRef>
+              </p:style>
+              <p:txBody>
+                <a:bodyPr rtlCol="0" anchor="ctr"/>
+                <a:lstStyle/>
+                <a:p>
+                  <a:pPr algn="ctr">
+                    <a:lnSpc>
+                      <a:spcPct val="120000"/>
+                    </a:lnSpc>
+                  </a:pPr>
+                  <a:r>
+                    <a:rPr lang="ko-KR" altLang="en-US">
+                      <a:latin typeface="나눔바른고딕" panose="020B0603020101020101" pitchFamily="50" charset="-127"/>
+                      <a:ea typeface="나눔바른고딕" panose="020B0603020101020101" pitchFamily="50" charset="-127"/>
+                    </a:rPr>
+                    <a:t>⑤ </a:t>
+                  </a:r>
+                  <a:r>
+                    <a:rPr lang="en-US" altLang="ko-KR">
+                      <a:latin typeface="나눔바른고딕" panose="020B0603020101020101" pitchFamily="50" charset="-127"/>
+                      <a:ea typeface="나눔바른고딕" panose="020B0603020101020101" pitchFamily="50" charset="-127"/>
+                    </a:rPr>
+                    <a:t>Evaluate Cost Function</a:t>
+                  </a:r>
+                </a:p>
+                <a:p>
+                  <a:pPr algn="ctr">
+                    <a:lnSpc>
+                      <a:spcPct val="120000"/>
+                    </a:lnSpc>
+                  </a:pPr>
+                  <a14:m>
+                    <m:oMathPara xmlns:m="http://schemas.openxmlformats.org/officeDocument/2006/math">
+                      <m:oMathParaPr>
+                        <m:jc m:val="centerGroup"/>
+                      </m:oMathParaPr>
+                      <m:oMath xmlns:m="http://schemas.openxmlformats.org/officeDocument/2006/math">
+                        <m:r>
+                          <a:rPr lang="en-US" altLang="ko-KR" b="0" i="1" smtClean="0">
+                            <a:latin typeface="Cambria Math" panose="02040503050406030204" pitchFamily="18" charset="0"/>
+                            <a:ea typeface="나눔바른고딕" panose="020B0603020101020101" pitchFamily="50" charset="-127"/>
+                          </a:rPr>
+                          <m:t>𝐸</m:t>
+                        </m:r>
+                        <m:d>
+                          <m:dPr>
+                            <m:ctrlPr>
+                              <a:rPr lang="en-US" altLang="ko-KR" b="0" i="1" smtClean="0">
+                                <a:latin typeface="Cambria Math" panose="02040503050406030204" pitchFamily="18" charset="0"/>
+                                <a:ea typeface="나눔바른고딕" panose="020B0603020101020101" pitchFamily="50" charset="-127"/>
+                              </a:rPr>
+                            </m:ctrlPr>
+                          </m:dPr>
+                          <m:e>
+                            <m:sSub>
+                              <m:sSubPr>
+                                <m:ctrlPr>
+                                  <a:rPr lang="en-US" altLang="ko-KR" b="0" i="1" smtClean="0">
+                                    <a:latin typeface="Cambria Math" panose="02040503050406030204" pitchFamily="18" charset="0"/>
+                                    <a:ea typeface="나눔바른고딕" panose="020B0603020101020101" pitchFamily="50" charset="-127"/>
+                                  </a:rPr>
+                                </m:ctrlPr>
+                              </m:sSubPr>
+                              <m:e>
+                                <m:r>
+                                  <a:rPr lang="en-US" altLang="ko-KR" b="0" i="1" smtClean="0">
+                                    <a:latin typeface="Cambria Math" panose="02040503050406030204" pitchFamily="18" charset="0"/>
+                                    <a:ea typeface="나눔바른고딕" panose="020B0603020101020101" pitchFamily="50" charset="-127"/>
+                                  </a:rPr>
+                                  <m:t>𝑤</m:t>
+                                </m:r>
+                              </m:e>
+                              <m:sub>
+                                <m:r>
+                                  <a:rPr lang="en-US" altLang="ko-KR" b="0" i="1" smtClean="0">
+                                    <a:solidFill>
+                                      <a:srgbClr val="0000FF"/>
+                                    </a:solidFill>
+                                    <a:latin typeface="Cambria Math" panose="02040503050406030204" pitchFamily="18" charset="0"/>
+                                    <a:ea typeface="나눔바른고딕" panose="020B0603020101020101" pitchFamily="50" charset="-127"/>
+                                  </a:rPr>
+                                  <m:t>𝑛𝑒𝑤</m:t>
+                                </m:r>
+                              </m:sub>
+                            </m:sSub>
+                          </m:e>
+                        </m:d>
+                        <m:r>
+                          <a:rPr lang="en-US" altLang="ko-KR" b="0" i="1" smtClean="0">
+                            <a:latin typeface="Cambria Math" panose="02040503050406030204" pitchFamily="18" charset="0"/>
+                            <a:ea typeface="나눔바른고딕" panose="020B0603020101020101" pitchFamily="50" charset="-127"/>
+                          </a:rPr>
+                          <m:t>=‖ </m:t>
+                        </m:r>
+                        <m:r>
+                          <a:rPr lang="en-US" altLang="ko-KR" b="0" i="1" smtClean="0">
+                            <a:latin typeface="Cambria Math" panose="02040503050406030204" pitchFamily="18" charset="0"/>
+                            <a:ea typeface="나눔바른고딕" panose="020B0603020101020101" pitchFamily="50" charset="-127"/>
+                          </a:rPr>
+                          <m:t>𝑟</m:t>
+                        </m:r>
+                        <m:r>
+                          <a:rPr lang="en-US" altLang="ko-KR" b="0" i="1" smtClean="0">
+                            <a:latin typeface="Cambria Math" panose="02040503050406030204" pitchFamily="18" charset="0"/>
+                            <a:ea typeface="나눔바른고딕" panose="020B0603020101020101" pitchFamily="50" charset="-127"/>
+                          </a:rPr>
+                          <m:t>(</m:t>
+                        </m:r>
+                        <m:sSub>
+                          <m:sSubPr>
+                            <m:ctrlPr>
+                              <a:rPr lang="en-US" altLang="ko-KR" b="0" i="1" smtClean="0">
+                                <a:latin typeface="Cambria Math" panose="02040503050406030204" pitchFamily="18" charset="0"/>
+                                <a:ea typeface="나눔바른고딕" panose="020B0603020101020101" pitchFamily="50" charset="-127"/>
+                              </a:rPr>
+                            </m:ctrlPr>
+                          </m:sSubPr>
+                          <m:e>
+                            <m:r>
+                              <a:rPr lang="en-US" altLang="ko-KR" b="0" i="1" smtClean="0">
+                                <a:latin typeface="Cambria Math" panose="02040503050406030204" pitchFamily="18" charset="0"/>
+                                <a:ea typeface="나눔바른고딕" panose="020B0603020101020101" pitchFamily="50" charset="-127"/>
+                              </a:rPr>
+                              <m:t>𝑤</m:t>
+                            </m:r>
+                          </m:e>
+                          <m:sub>
+                            <m:r>
+                              <a:rPr lang="en-US" altLang="ko-KR" b="0" i="1" smtClean="0">
+                                <a:solidFill>
+                                  <a:srgbClr val="0000FF"/>
+                                </a:solidFill>
+                                <a:latin typeface="Cambria Math" panose="02040503050406030204" pitchFamily="18" charset="0"/>
+                                <a:ea typeface="나눔바른고딕" panose="020B0603020101020101" pitchFamily="50" charset="-127"/>
+                              </a:rPr>
+                              <m:t>𝑛𝑒𝑤</m:t>
+                            </m:r>
+                          </m:sub>
+                        </m:sSub>
+                        <m:r>
+                          <a:rPr lang="en-US" altLang="ko-KR" b="0" i="1" smtClean="0">
+                            <a:latin typeface="Cambria Math" panose="02040503050406030204" pitchFamily="18" charset="0"/>
+                            <a:ea typeface="나눔바른고딕" panose="020B0603020101020101" pitchFamily="50" charset="-127"/>
+                          </a:rPr>
+                          <m:t>) ‖</m:t>
+                        </m:r>
+                      </m:oMath>
+                    </m:oMathPara>
+                  </a14:m>
+                  <a:endParaRPr lang="en-US" altLang="ko-KR">
+                    <a:latin typeface="나눔바른고딕" panose="020B0603020101020101" pitchFamily="50" charset="-127"/>
+                    <a:ea typeface="나눔바른고딕" panose="020B0603020101020101" pitchFamily="50" charset="-127"/>
+                  </a:endParaRPr>
+                </a:p>
+              </p:txBody>
+            </p:sp>
+          </mc:Choice>
+          <mc:Fallback>
+            <p:sp>
+              <p:nvSpPr>
+                <p:cNvPr id="32" name="직사각형 31">
+                  <a:extLst>
+                    <a:ext uri="{FF2B5EF4-FFF2-40B4-BE49-F238E27FC236}">
+                      <a16:creationId xmlns:a16="http://schemas.microsoft.com/office/drawing/2014/main" id="{DD059956-E551-D017-F002-54387DD90A10}"/>
+                    </a:ext>
+                  </a:extLst>
+                </p:cNvPr>
+                <p:cNvSpPr>
+                  <a:spLocks noRot="1" noChangeAspect="1" noMove="1" noResize="1" noEditPoints="1" noAdjustHandles="1" noChangeArrowheads="1" noChangeShapeType="1" noTextEdit="1"/>
+                </p:cNvSpPr>
+                <p:nvPr/>
+              </p:nvSpPr>
+              <p:spPr>
+                <a:xfrm>
+                  <a:off x="1436370" y="2783528"/>
+                  <a:ext cx="3962401" cy="973173"/>
+                </a:xfrm>
+                <a:prstGeom prst="rect">
+                  <a:avLst/>
+                </a:prstGeom>
+                <a:blipFill>
+                  <a:blip r:embed="rId7"/>
+                  <a:stretch>
+                    <a:fillRect/>
+                  </a:stretch>
+                </a:blipFill>
+              </p:spPr>
+              <p:txBody>
+                <a:bodyPr/>
+                <a:lstStyle/>
+                <a:p>
+                  <a:r>
+                    <a:rPr lang="ko-KR" altLang="en-US">
+                      <a:noFill/>
+                    </a:rPr>
+                    <a:t> </a:t>
+                  </a:r>
+                </a:p>
+              </p:txBody>
+            </p:sp>
+          </mc:Fallback>
+        </mc:AlternateContent>
+        <mc:AlternateContent xmlns:mc="http://schemas.openxmlformats.org/markup-compatibility/2006">
+          <mc:Choice xmlns:a14="http://schemas.microsoft.com/office/drawing/2010/main" Requires="a14">
+            <p:sp>
+              <p:nvSpPr>
+                <p:cNvPr id="33" name="순서도: 판단 32">
+                  <a:extLst>
+                    <a:ext uri="{FF2B5EF4-FFF2-40B4-BE49-F238E27FC236}">
+                      <a16:creationId xmlns:a16="http://schemas.microsoft.com/office/drawing/2014/main" id="{07031B60-2062-370C-9F92-629883A41CEB}"/>
+                    </a:ext>
+                  </a:extLst>
+                </p:cNvPr>
+                <p:cNvSpPr/>
+                <p:nvPr/>
+              </p:nvSpPr>
+              <p:spPr>
+                <a:xfrm>
+                  <a:off x="1514237" y="4209137"/>
+                  <a:ext cx="3806666" cy="1290539"/>
+                </a:xfrm>
+                <a:prstGeom prst="flowChartDecision">
+                  <a:avLst/>
+                </a:prstGeom>
+              </p:spPr>
+              <p:style>
+                <a:lnRef idx="2">
+                  <a:schemeClr val="dk1"/>
+                </a:lnRef>
+                <a:fillRef idx="1">
+                  <a:schemeClr val="lt1"/>
+                </a:fillRef>
+                <a:effectRef idx="0">
+                  <a:schemeClr val="dk1"/>
+                </a:effectRef>
+                <a:fontRef idx="minor">
+                  <a:schemeClr val="dk1"/>
+                </a:fontRef>
+              </p:style>
+              <p:txBody>
+                <a:bodyPr rtlCol="0" anchor="ctr"/>
+                <a:lstStyle/>
+                <a:p>
+                  <a:pPr algn="ctr">
+                    <a:lnSpc>
+                      <a:spcPct val="120000"/>
+                    </a:lnSpc>
+                  </a:pPr>
+                  <a14:m>
+                    <m:oMathPara xmlns:m="http://schemas.openxmlformats.org/officeDocument/2006/math">
+                      <m:oMathParaPr>
+                        <m:jc m:val="centerGroup"/>
+                      </m:oMathParaPr>
+                      <m:oMath xmlns:m="http://schemas.openxmlformats.org/officeDocument/2006/math">
+                        <m:r>
+                          <a:rPr lang="en-US" altLang="ko-KR" sz="1600" b="0" i="1" smtClean="0">
+                            <a:latin typeface="Cambria Math" panose="02040503050406030204" pitchFamily="18" charset="0"/>
+                            <a:ea typeface="나눔바른고딕" panose="020B0603020101020101" pitchFamily="50" charset="-127"/>
+                          </a:rPr>
+                          <m:t>𝐸</m:t>
+                        </m:r>
+                        <m:d>
+                          <m:dPr>
+                            <m:ctrlPr>
+                              <a:rPr lang="en-US" altLang="ko-KR" sz="1600" b="0" i="1" smtClean="0">
+                                <a:latin typeface="Cambria Math" panose="02040503050406030204" pitchFamily="18" charset="0"/>
+                                <a:ea typeface="나눔바른고딕" panose="020B0603020101020101" pitchFamily="50" charset="-127"/>
+                              </a:rPr>
+                            </m:ctrlPr>
+                          </m:dPr>
+                          <m:e>
+                            <m:sSub>
+                              <m:sSubPr>
+                                <m:ctrlPr>
+                                  <a:rPr lang="en-US" altLang="ko-KR" sz="1600" b="0" i="1" smtClean="0">
+                                    <a:latin typeface="Cambria Math" panose="02040503050406030204" pitchFamily="18" charset="0"/>
+                                    <a:ea typeface="나눔바른고딕" panose="020B0603020101020101" pitchFamily="50" charset="-127"/>
+                                  </a:rPr>
+                                </m:ctrlPr>
+                              </m:sSubPr>
+                              <m:e>
+                                <m:r>
+                                  <a:rPr lang="en-US" altLang="ko-KR" sz="1600" b="0" i="1" smtClean="0">
+                                    <a:latin typeface="Cambria Math" panose="02040503050406030204" pitchFamily="18" charset="0"/>
+                                    <a:ea typeface="나눔바른고딕" panose="020B0603020101020101" pitchFamily="50" charset="-127"/>
+                                  </a:rPr>
+                                  <m:t>𝑤</m:t>
+                                </m:r>
+                              </m:e>
+                              <m:sub>
+                                <m:r>
+                                  <a:rPr lang="en-US" altLang="ko-KR" sz="1600" b="0" i="1" smtClean="0">
+                                    <a:solidFill>
+                                      <a:srgbClr val="0000FF"/>
+                                    </a:solidFill>
+                                    <a:latin typeface="Cambria Math" panose="02040503050406030204" pitchFamily="18" charset="0"/>
+                                    <a:ea typeface="나눔바른고딕" panose="020B0603020101020101" pitchFamily="50" charset="-127"/>
+                                  </a:rPr>
+                                  <m:t>𝑛𝑒𝑤</m:t>
+                                </m:r>
+                              </m:sub>
+                            </m:sSub>
+                          </m:e>
+                        </m:d>
+                        <m:r>
+                          <a:rPr lang="en-US" altLang="ko-KR" sz="1600" i="1">
+                            <a:latin typeface="Cambria Math" panose="02040503050406030204" pitchFamily="18" charset="0"/>
+                            <a:ea typeface="나눔바른고딕" panose="020B0603020101020101" pitchFamily="50" charset="-127"/>
+                          </a:rPr>
+                          <m:t>&lt;</m:t>
+                        </m:r>
+                        <m:r>
+                          <a:rPr lang="en-US" altLang="ko-KR" sz="1600" i="1">
+                            <a:latin typeface="Cambria Math" panose="02040503050406030204" pitchFamily="18" charset="0"/>
+                            <a:ea typeface="나눔바른고딕" panose="020B0603020101020101" pitchFamily="50" charset="-127"/>
+                          </a:rPr>
+                          <m:t>𝐸</m:t>
+                        </m:r>
+                        <m:d>
+                          <m:dPr>
+                            <m:ctrlPr>
+                              <a:rPr lang="en-US" altLang="ko-KR" sz="1600" i="1">
+                                <a:latin typeface="Cambria Math" panose="02040503050406030204" pitchFamily="18" charset="0"/>
+                                <a:ea typeface="나눔바른고딕" panose="020B0603020101020101" pitchFamily="50" charset="-127"/>
+                              </a:rPr>
+                            </m:ctrlPr>
+                          </m:dPr>
+                          <m:e>
+                            <m:sSub>
+                              <m:sSubPr>
+                                <m:ctrlPr>
+                                  <a:rPr lang="en-US" altLang="ko-KR" sz="1600" i="1" smtClean="0">
+                                    <a:latin typeface="Cambria Math" panose="02040503050406030204" pitchFamily="18" charset="0"/>
+                                    <a:ea typeface="나눔바른고딕" panose="020B0603020101020101" pitchFamily="50" charset="-127"/>
+                                  </a:rPr>
+                                </m:ctrlPr>
+                              </m:sSubPr>
+                              <m:e>
+                                <m:r>
+                                  <a:rPr lang="en-US" altLang="ko-KR" sz="1600" i="1">
+                                    <a:latin typeface="Cambria Math" panose="02040503050406030204" pitchFamily="18" charset="0"/>
+                                    <a:ea typeface="나눔바른고딕" panose="020B0603020101020101" pitchFamily="50" charset="-127"/>
+                                  </a:rPr>
+                                  <m:t>𝑤</m:t>
+                                </m:r>
+                              </m:e>
+                              <m:sub>
+                                <m:r>
+                                  <a:rPr lang="en-US" altLang="ko-KR" sz="1600" b="0" i="1" smtClean="0">
+                                    <a:solidFill>
+                                      <a:srgbClr val="FF0000"/>
+                                    </a:solidFill>
+                                    <a:latin typeface="Cambria Math" panose="02040503050406030204" pitchFamily="18" charset="0"/>
+                                    <a:ea typeface="나눔바른고딕" panose="020B0603020101020101" pitchFamily="50" charset="-127"/>
+                                  </a:rPr>
+                                  <m:t>𝑜𝑙𝑑</m:t>
+                                </m:r>
+                              </m:sub>
+                            </m:sSub>
+                          </m:e>
+                        </m:d>
+                      </m:oMath>
+                    </m:oMathPara>
+                  </a14:m>
+                  <a:endParaRPr lang="ko-KR" altLang="en-US" sz="1600"/>
+                </a:p>
+              </p:txBody>
+            </p:sp>
+          </mc:Choice>
+          <mc:Fallback>
+            <p:sp>
+              <p:nvSpPr>
+                <p:cNvPr id="33" name="순서도: 판단 32">
+                  <a:extLst>
+                    <a:ext uri="{FF2B5EF4-FFF2-40B4-BE49-F238E27FC236}">
+                      <a16:creationId xmlns:a16="http://schemas.microsoft.com/office/drawing/2014/main" id="{07031B60-2062-370C-9F92-629883A41CEB}"/>
+                    </a:ext>
+                  </a:extLst>
+                </p:cNvPr>
+                <p:cNvSpPr>
+                  <a:spLocks noRot="1" noChangeAspect="1" noMove="1" noResize="1" noEditPoints="1" noAdjustHandles="1" noChangeArrowheads="1" noChangeShapeType="1" noTextEdit="1"/>
+                </p:cNvSpPr>
+                <p:nvPr/>
+              </p:nvSpPr>
+              <p:spPr>
+                <a:xfrm>
+                  <a:off x="1514237" y="4209137"/>
+                  <a:ext cx="3806666" cy="1290539"/>
+                </a:xfrm>
+                <a:prstGeom prst="flowChartDecision">
+                  <a:avLst/>
+                </a:prstGeom>
+                <a:blipFill>
+                  <a:blip r:embed="rId8"/>
+                  <a:stretch>
+                    <a:fillRect/>
+                  </a:stretch>
+                </a:blipFill>
+              </p:spPr>
+              <p:txBody>
+                <a:bodyPr/>
+                <a:lstStyle/>
+                <a:p>
+                  <a:r>
+                    <a:rPr lang="ko-KR" altLang="en-US">
+                      <a:noFill/>
+                    </a:rPr>
+                    <a:t> </a:t>
+                  </a:r>
+                </a:p>
+              </p:txBody>
+            </p:sp>
+          </mc:Fallback>
+        </mc:AlternateContent>
+        <mc:AlternateContent xmlns:mc="http://schemas.openxmlformats.org/markup-compatibility/2006">
+          <mc:Choice xmlns:a14="http://schemas.microsoft.com/office/drawing/2010/main" Requires="a14">
+            <p:sp>
+              <p:nvSpPr>
+                <p:cNvPr id="35" name="직사각형 34">
+                  <a:extLst>
+                    <a:ext uri="{FF2B5EF4-FFF2-40B4-BE49-F238E27FC236}">
+                      <a16:creationId xmlns:a16="http://schemas.microsoft.com/office/drawing/2014/main" id="{C474398B-9D5B-67EB-860A-B086B14814B5}"/>
+                    </a:ext>
+                  </a:extLst>
+                </p:cNvPr>
+                <p:cNvSpPr/>
+                <p:nvPr/>
+              </p:nvSpPr>
+              <p:spPr>
+                <a:xfrm>
+                  <a:off x="-1969680" y="4209136"/>
+                  <a:ext cx="2704465" cy="1290539"/>
+                </a:xfrm>
+                <a:prstGeom prst="rect">
+                  <a:avLst/>
+                </a:prstGeom>
+              </p:spPr>
+              <p:style>
+                <a:lnRef idx="2">
+                  <a:schemeClr val="dk1"/>
+                </a:lnRef>
+                <a:fillRef idx="1">
+                  <a:schemeClr val="lt1"/>
+                </a:fillRef>
+                <a:effectRef idx="0">
+                  <a:schemeClr val="dk1"/>
+                </a:effectRef>
+                <a:fontRef idx="minor">
+                  <a:schemeClr val="dk1"/>
+                </a:fontRef>
+              </p:style>
+              <p:txBody>
+                <a:bodyPr rtlCol="0" anchor="ctr"/>
+                <a:lstStyle/>
+                <a:p>
+                  <a:pPr algn="ctr">
+                    <a:lnSpc>
+                      <a:spcPct val="120000"/>
+                    </a:lnSpc>
+                  </a:pPr>
+                  <a:r>
+                    <a:rPr lang="ko-KR" altLang="en-US">
+                      <a:latin typeface="나눔바른고딕" panose="020B0603020101020101" pitchFamily="50" charset="-127"/>
+                      <a:ea typeface="나눔바른고딕" panose="020B0603020101020101" pitchFamily="50" charset="-127"/>
+                    </a:rPr>
+                    <a:t>⑦ </a:t>
+                  </a:r>
+                  <a:r>
+                    <a:rPr lang="en-US" altLang="ko-KR">
+                      <a:latin typeface="나눔바른고딕" panose="020B0603020101020101" pitchFamily="50" charset="-127"/>
+                      <a:ea typeface="나눔바른고딕" panose="020B0603020101020101" pitchFamily="50" charset="-127"/>
+                    </a:rPr>
+                    <a:t>Reject Update</a:t>
+                  </a:r>
+                </a:p>
+                <a:p>
+                  <a:pPr algn="ctr">
+                    <a:lnSpc>
+                      <a:spcPct val="120000"/>
+                    </a:lnSpc>
+                  </a:pPr>
+                  <a14:m>
+                    <m:oMathPara xmlns:m="http://schemas.openxmlformats.org/officeDocument/2006/math">
+                      <m:oMathParaPr>
+                        <m:jc m:val="centerGroup"/>
+                      </m:oMathParaPr>
+                      <m:oMath xmlns:m="http://schemas.openxmlformats.org/officeDocument/2006/math">
+                        <m:sSub>
+                          <m:sSubPr>
+                            <m:ctrlPr>
+                              <a:rPr lang="en-US" altLang="ko-KR" b="0" i="1" smtClean="0">
+                                <a:latin typeface="Cambria Math" panose="02040503050406030204" pitchFamily="18" charset="0"/>
+                                <a:ea typeface="나눔바른고딕" panose="020B0603020101020101" pitchFamily="50" charset="-127"/>
+                              </a:rPr>
+                            </m:ctrlPr>
+                          </m:sSubPr>
+                          <m:e>
+                            <m:r>
+                              <a:rPr lang="en-US" altLang="ko-KR" i="1" smtClean="0">
+                                <a:latin typeface="Cambria Math" panose="02040503050406030204" pitchFamily="18" charset="0"/>
+                                <a:ea typeface="나눔바른고딕" panose="020B0603020101020101" pitchFamily="50" charset="-127"/>
+                              </a:rPr>
+                              <m:t>𝑤</m:t>
+                            </m:r>
+                          </m:e>
+                          <m:sub>
+                            <m:r>
+                              <a:rPr lang="en-US" altLang="ko-KR" b="0" i="1" smtClean="0">
+                                <a:solidFill>
+                                  <a:srgbClr val="0000FF"/>
+                                </a:solidFill>
+                                <a:latin typeface="Cambria Math" panose="02040503050406030204" pitchFamily="18" charset="0"/>
+                                <a:ea typeface="나눔바른고딕" panose="020B0603020101020101" pitchFamily="50" charset="-127"/>
+                              </a:rPr>
+                              <m:t>𝑛𝑒𝑤</m:t>
+                            </m:r>
+                          </m:sub>
+                        </m:sSub>
+                        <m:r>
+                          <a:rPr lang="en-US" altLang="ko-KR" b="0" i="1" smtClean="0">
+                            <a:latin typeface="Cambria Math" panose="02040503050406030204" pitchFamily="18" charset="0"/>
+                            <a:ea typeface="나눔바른고딕" panose="020B0603020101020101" pitchFamily="50" charset="-127"/>
+                          </a:rPr>
+                          <m:t>=</m:t>
+                        </m:r>
+                        <m:sSub>
+                          <m:sSubPr>
+                            <m:ctrlPr>
+                              <a:rPr lang="en-US" altLang="ko-KR" b="0" i="1" smtClean="0">
+                                <a:latin typeface="Cambria Math" panose="02040503050406030204" pitchFamily="18" charset="0"/>
+                                <a:ea typeface="나눔바른고딕" panose="020B0603020101020101" pitchFamily="50" charset="-127"/>
+                              </a:rPr>
+                            </m:ctrlPr>
+                          </m:sSubPr>
+                          <m:e>
+                            <m:r>
+                              <a:rPr lang="en-US" altLang="ko-KR" b="0" i="1" smtClean="0">
+                                <a:latin typeface="Cambria Math" panose="02040503050406030204" pitchFamily="18" charset="0"/>
+                                <a:ea typeface="나눔바른고딕" panose="020B0603020101020101" pitchFamily="50" charset="-127"/>
+                              </a:rPr>
+                              <m:t>𝑤</m:t>
+                            </m:r>
+                          </m:e>
+                          <m:sub>
+                            <m:r>
+                              <a:rPr lang="en-US" altLang="ko-KR" b="0" i="1" smtClean="0">
+                                <a:solidFill>
+                                  <a:srgbClr val="FF0000"/>
+                                </a:solidFill>
+                                <a:latin typeface="Cambria Math" panose="02040503050406030204" pitchFamily="18" charset="0"/>
+                                <a:ea typeface="나눔바른고딕" panose="020B0603020101020101" pitchFamily="50" charset="-127"/>
+                              </a:rPr>
+                              <m:t>𝑜𝑙𝑑</m:t>
+                            </m:r>
+                          </m:sub>
+                        </m:sSub>
+                      </m:oMath>
+                    </m:oMathPara>
+                  </a14:m>
+                  <a:endParaRPr lang="en-US" altLang="ko-KR">
+                    <a:latin typeface="나눔바른고딕" panose="020B0603020101020101" pitchFamily="50" charset="-127"/>
+                    <a:ea typeface="나눔바른고딕" panose="020B0603020101020101" pitchFamily="50" charset="-127"/>
+                  </a:endParaRPr>
+                </a:p>
+                <a:p>
+                  <a:pPr algn="ctr">
+                    <a:lnSpc>
+                      <a:spcPct val="120000"/>
+                    </a:lnSpc>
+                  </a:pPr>
+                  <a14:m>
+                    <m:oMathPara xmlns:m="http://schemas.openxmlformats.org/officeDocument/2006/math">
+                      <m:oMathParaPr>
+                        <m:jc m:val="centerGroup"/>
+                      </m:oMathParaPr>
+                      <m:oMath xmlns:m="http://schemas.openxmlformats.org/officeDocument/2006/math">
+                        <m:r>
+                          <a:rPr lang="en-US" altLang="ko-KR" b="0" i="1" smtClean="0">
+                            <a:latin typeface="Cambria Math" panose="02040503050406030204" pitchFamily="18" charset="0"/>
+                            <a:ea typeface="나눔바른고딕" panose="020B0603020101020101" pitchFamily="50" charset="-127"/>
+                          </a:rPr>
+                          <m:t>𝜇</m:t>
+                        </m:r>
+                        <m:r>
+                          <a:rPr lang="en-US" altLang="ko-KR" b="0" i="1" smtClean="0">
+                            <a:latin typeface="Cambria Math" panose="02040503050406030204" pitchFamily="18" charset="0"/>
+                            <a:ea typeface="나눔바른고딕" panose="020B0603020101020101" pitchFamily="50" charset="-127"/>
+                          </a:rPr>
+                          <m:t>=</m:t>
+                        </m:r>
+                        <m:r>
+                          <a:rPr lang="en-US" altLang="ko-KR" b="0" i="1" smtClean="0">
+                            <a:latin typeface="Cambria Math" panose="02040503050406030204" pitchFamily="18" charset="0"/>
+                            <a:ea typeface="나눔바른고딕" panose="020B0603020101020101" pitchFamily="50" charset="-127"/>
+                          </a:rPr>
+                          <m:t>𝜈</m:t>
+                        </m:r>
+                        <m:r>
+                          <a:rPr lang="en-US" altLang="ko-KR" b="0" i="1" smtClean="0">
+                            <a:latin typeface="Cambria Math" panose="02040503050406030204" pitchFamily="18" charset="0"/>
+                            <a:ea typeface="나눔바른고딕" panose="020B0603020101020101" pitchFamily="50" charset="-127"/>
+                          </a:rPr>
+                          <m:t>⋅</m:t>
+                        </m:r>
+                        <m:r>
+                          <a:rPr lang="en-US" altLang="ko-KR" b="0" i="1" smtClean="0">
+                            <a:latin typeface="Cambria Math" panose="02040503050406030204" pitchFamily="18" charset="0"/>
+                            <a:ea typeface="나눔바른고딕" panose="020B0603020101020101" pitchFamily="50" charset="-127"/>
+                          </a:rPr>
+                          <m:t>𝜇</m:t>
+                        </m:r>
+                      </m:oMath>
+                    </m:oMathPara>
+                  </a14:m>
+                  <a:endParaRPr lang="en-US" altLang="ko-KR">
+                    <a:latin typeface="나눔바른고딕" panose="020B0603020101020101" pitchFamily="50" charset="-127"/>
+                    <a:ea typeface="나눔바른고딕" panose="020B0603020101020101" pitchFamily="50" charset="-127"/>
+                  </a:endParaRPr>
+                </a:p>
+              </p:txBody>
+            </p:sp>
+          </mc:Choice>
+          <mc:Fallback>
+            <p:sp>
+              <p:nvSpPr>
+                <p:cNvPr id="35" name="직사각형 34">
+                  <a:extLst>
+                    <a:ext uri="{FF2B5EF4-FFF2-40B4-BE49-F238E27FC236}">
+                      <a16:creationId xmlns:a16="http://schemas.microsoft.com/office/drawing/2014/main" id="{C474398B-9D5B-67EB-860A-B086B14814B5}"/>
+                    </a:ext>
+                  </a:extLst>
+                </p:cNvPr>
+                <p:cNvSpPr>
+                  <a:spLocks noRot="1" noChangeAspect="1" noMove="1" noResize="1" noEditPoints="1" noAdjustHandles="1" noChangeArrowheads="1" noChangeShapeType="1" noTextEdit="1"/>
+                </p:cNvSpPr>
+                <p:nvPr/>
+              </p:nvSpPr>
+              <p:spPr>
+                <a:xfrm>
+                  <a:off x="-1969680" y="4209136"/>
+                  <a:ext cx="2704465" cy="1290539"/>
+                </a:xfrm>
+                <a:prstGeom prst="rect">
+                  <a:avLst/>
+                </a:prstGeom>
+                <a:blipFill>
+                  <a:blip r:embed="rId9"/>
+                  <a:stretch>
+                    <a:fillRect/>
+                  </a:stretch>
+                </a:blipFill>
+              </p:spPr>
+              <p:txBody>
+                <a:bodyPr/>
+                <a:lstStyle/>
+                <a:p>
+                  <a:r>
+                    <a:rPr lang="ko-KR" altLang="en-US">
+                      <a:noFill/>
+                    </a:rPr>
+                    <a:t> </a:t>
+                  </a:r>
+                </a:p>
+              </p:txBody>
+            </p:sp>
+          </mc:Fallback>
+        </mc:AlternateContent>
+        <mc:AlternateContent xmlns:mc="http://schemas.openxmlformats.org/markup-compatibility/2006">
+          <mc:Choice xmlns:a14="http://schemas.microsoft.com/office/drawing/2010/main" Requires="a14">
+            <p:sp>
+              <p:nvSpPr>
+                <p:cNvPr id="37" name="순서도: 판단 36">
+                  <a:extLst>
+                    <a:ext uri="{FF2B5EF4-FFF2-40B4-BE49-F238E27FC236}">
+                      <a16:creationId xmlns:a16="http://schemas.microsoft.com/office/drawing/2014/main" id="{A1964693-AB50-DD0B-5813-A39180A4BE7E}"/>
+                    </a:ext>
+                  </a:extLst>
+                </p:cNvPr>
+                <p:cNvSpPr/>
+                <p:nvPr/>
+              </p:nvSpPr>
+              <p:spPr>
+                <a:xfrm>
+                  <a:off x="1436370" y="5952111"/>
+                  <a:ext cx="3962400" cy="1290539"/>
+                </a:xfrm>
+                <a:prstGeom prst="flowChartDecision">
+                  <a:avLst/>
+                </a:prstGeom>
+              </p:spPr>
+              <p:style>
+                <a:lnRef idx="2">
+                  <a:schemeClr val="dk1"/>
+                </a:lnRef>
+                <a:fillRef idx="1">
+                  <a:schemeClr val="lt1"/>
+                </a:fillRef>
+                <a:effectRef idx="0">
+                  <a:schemeClr val="dk1"/>
+                </a:effectRef>
+                <a:fontRef idx="minor">
+                  <a:schemeClr val="dk1"/>
+                </a:fontRef>
+              </p:style>
+              <p:txBody>
+                <a:bodyPr rtlCol="0" anchor="ctr"/>
+                <a:lstStyle/>
+                <a:p>
+                  <a:pPr algn="ctr">
+                    <a:lnSpc>
+                      <a:spcPct val="120000"/>
+                    </a:lnSpc>
+                  </a:pPr>
+                  <a14:m>
+                    <m:oMathPara xmlns:m="http://schemas.openxmlformats.org/officeDocument/2006/math">
+                      <m:oMathParaPr>
+                        <m:jc m:val="centerGroup"/>
+                      </m:oMathParaPr>
+                      <m:oMath xmlns:m="http://schemas.openxmlformats.org/officeDocument/2006/math">
+                        <m:r>
+                          <a:rPr lang="en-US" altLang="ko-KR" sz="1400" i="1" smtClean="0">
+                            <a:latin typeface="Cambria Math" panose="02040503050406030204" pitchFamily="18" charset="0"/>
+                            <a:ea typeface="나눔바른고딕" panose="020B0603020101020101" pitchFamily="50" charset="-127"/>
+                          </a:rPr>
+                          <m:t>𝐸</m:t>
+                        </m:r>
+                        <m:d>
+                          <m:dPr>
+                            <m:ctrlPr>
+                              <a:rPr lang="en-US" altLang="ko-KR" sz="1400" i="1">
+                                <a:latin typeface="Cambria Math" panose="02040503050406030204" pitchFamily="18" charset="0"/>
+                                <a:ea typeface="나눔바른고딕" panose="020B0603020101020101" pitchFamily="50" charset="-127"/>
+                              </a:rPr>
+                            </m:ctrlPr>
+                          </m:dPr>
+                          <m:e>
+                            <m:sSub>
+                              <m:sSubPr>
+                                <m:ctrlPr>
+                                  <a:rPr lang="en-US" altLang="ko-KR" sz="1400" i="1">
+                                    <a:latin typeface="Cambria Math" panose="02040503050406030204" pitchFamily="18" charset="0"/>
+                                    <a:ea typeface="나눔바른고딕" panose="020B0603020101020101" pitchFamily="50" charset="-127"/>
+                                  </a:rPr>
+                                </m:ctrlPr>
+                              </m:sSubPr>
+                              <m:e>
+                                <m:r>
+                                  <a:rPr lang="en-US" altLang="ko-KR" sz="1400" i="1">
+                                    <a:latin typeface="Cambria Math" panose="02040503050406030204" pitchFamily="18" charset="0"/>
+                                    <a:ea typeface="나눔바른고딕" panose="020B0603020101020101" pitchFamily="50" charset="-127"/>
+                                  </a:rPr>
+                                  <m:t>𝑤</m:t>
+                                </m:r>
+                              </m:e>
+                              <m:sub>
+                                <m:r>
+                                  <a:rPr lang="en-US" altLang="ko-KR" sz="1400" i="1" smtClean="0">
+                                    <a:solidFill>
+                                      <a:srgbClr val="FF0000"/>
+                                    </a:solidFill>
+                                    <a:latin typeface="Cambria Math" panose="02040503050406030204" pitchFamily="18" charset="0"/>
+                                    <a:ea typeface="나눔바른고딕" panose="020B0603020101020101" pitchFamily="50" charset="-127"/>
+                                  </a:rPr>
+                                  <m:t>𝑜𝑙𝑑</m:t>
+                                </m:r>
+                              </m:sub>
+                            </m:sSub>
+                          </m:e>
+                        </m:d>
+                        <m:r>
+                          <a:rPr lang="en-US" altLang="ko-KR" sz="1400" b="0" i="1" smtClean="0">
+                            <a:latin typeface="Cambria Math" panose="02040503050406030204" pitchFamily="18" charset="0"/>
+                            <a:ea typeface="나눔바른고딕" panose="020B0603020101020101" pitchFamily="50" charset="-127"/>
+                          </a:rPr>
+                          <m:t>−</m:t>
+                        </m:r>
+                        <m:r>
+                          <a:rPr lang="en-US" altLang="ko-KR" sz="1400" i="1">
+                            <a:latin typeface="Cambria Math" panose="02040503050406030204" pitchFamily="18" charset="0"/>
+                            <a:ea typeface="나눔바른고딕" panose="020B0603020101020101" pitchFamily="50" charset="-127"/>
+                          </a:rPr>
+                          <m:t>𝐸</m:t>
+                        </m:r>
+                        <m:d>
+                          <m:dPr>
+                            <m:ctrlPr>
+                              <a:rPr lang="en-US" altLang="ko-KR" sz="1400" i="1">
+                                <a:latin typeface="Cambria Math" panose="02040503050406030204" pitchFamily="18" charset="0"/>
+                                <a:ea typeface="나눔바른고딕" panose="020B0603020101020101" pitchFamily="50" charset="-127"/>
+                              </a:rPr>
+                            </m:ctrlPr>
+                          </m:dPr>
+                          <m:e>
+                            <m:sSub>
+                              <m:sSubPr>
+                                <m:ctrlPr>
+                                  <a:rPr lang="en-US" altLang="ko-KR" sz="1400" i="1">
+                                    <a:latin typeface="Cambria Math" panose="02040503050406030204" pitchFamily="18" charset="0"/>
+                                    <a:ea typeface="나눔바른고딕" panose="020B0603020101020101" pitchFamily="50" charset="-127"/>
+                                  </a:rPr>
+                                </m:ctrlPr>
+                              </m:sSubPr>
+                              <m:e>
+                                <m:r>
+                                  <a:rPr lang="en-US" altLang="ko-KR" sz="1400" i="1">
+                                    <a:latin typeface="Cambria Math" panose="02040503050406030204" pitchFamily="18" charset="0"/>
+                                    <a:ea typeface="나눔바른고딕" panose="020B0603020101020101" pitchFamily="50" charset="-127"/>
+                                  </a:rPr>
+                                  <m:t>𝑤</m:t>
+                                </m:r>
+                              </m:e>
+                              <m:sub>
+                                <m:r>
+                                  <a:rPr lang="en-US" altLang="ko-KR" sz="1400" b="0" i="1" smtClean="0">
+                                    <a:solidFill>
+                                      <a:srgbClr val="0000FF"/>
+                                    </a:solidFill>
+                                    <a:latin typeface="Cambria Math" panose="02040503050406030204" pitchFamily="18" charset="0"/>
+                                    <a:ea typeface="나눔바른고딕" panose="020B0603020101020101" pitchFamily="50" charset="-127"/>
+                                  </a:rPr>
+                                  <m:t>𝑛𝑒𝑤</m:t>
+                                </m:r>
+                              </m:sub>
+                            </m:sSub>
+                          </m:e>
+                        </m:d>
+                        <m:r>
+                          <a:rPr lang="en-US" altLang="ko-KR" sz="1400" b="0" i="1" smtClean="0">
+                            <a:latin typeface="Cambria Math" panose="02040503050406030204" pitchFamily="18" charset="0"/>
+                            <a:ea typeface="나눔바른고딕" panose="020B0603020101020101" pitchFamily="50" charset="-127"/>
+                          </a:rPr>
+                          <m:t>= </m:t>
+                        </m:r>
+                        <m:r>
+                          <m:rPr>
+                            <m:nor/>
+                          </m:rPr>
+                          <a:rPr lang="en-US" altLang="ko-KR" sz="1400" b="0" i="0" smtClean="0">
+                            <a:latin typeface="Cambria Math" panose="02040503050406030204" pitchFamily="18" charset="0"/>
+                            <a:ea typeface="나눔바른고딕" panose="020B0603020101020101" pitchFamily="50" charset="-127"/>
+                          </a:rPr>
+                          <m:t>converge</m:t>
+                        </m:r>
+                        <m:r>
+                          <m:rPr>
+                            <m:nor/>
+                          </m:rPr>
+                          <a:rPr lang="en-US" altLang="ko-KR" sz="1400" b="0" i="0" smtClean="0">
+                            <a:latin typeface="Cambria Math" panose="02040503050406030204" pitchFamily="18" charset="0"/>
+                            <a:ea typeface="나눔바른고딕" panose="020B0603020101020101" pitchFamily="50" charset="-127"/>
+                          </a:rPr>
+                          <m:t>_</m:t>
+                        </m:r>
+                        <m:r>
+                          <m:rPr>
+                            <m:nor/>
+                          </m:rPr>
+                          <a:rPr lang="en-US" altLang="ko-KR" sz="1400" b="0" i="0" smtClean="0">
+                            <a:latin typeface="Cambria Math" panose="02040503050406030204" pitchFamily="18" charset="0"/>
+                            <a:ea typeface="나눔바른고딕" panose="020B0603020101020101" pitchFamily="50" charset="-127"/>
+                          </a:rPr>
+                          <m:t>threshold</m:t>
+                        </m:r>
+                      </m:oMath>
+                    </m:oMathPara>
+                  </a14:m>
+                  <a:endParaRPr lang="ko-KR" altLang="en-US" sz="1400"/>
+                </a:p>
+              </p:txBody>
+            </p:sp>
+          </mc:Choice>
+          <mc:Fallback>
+            <p:sp>
+              <p:nvSpPr>
+                <p:cNvPr id="37" name="순서도: 판단 36">
+                  <a:extLst>
+                    <a:ext uri="{FF2B5EF4-FFF2-40B4-BE49-F238E27FC236}">
+                      <a16:creationId xmlns:a16="http://schemas.microsoft.com/office/drawing/2014/main" id="{A1964693-AB50-DD0B-5813-A39180A4BE7E}"/>
+                    </a:ext>
+                  </a:extLst>
+                </p:cNvPr>
+                <p:cNvSpPr>
+                  <a:spLocks noRot="1" noChangeAspect="1" noMove="1" noResize="1" noEditPoints="1" noAdjustHandles="1" noChangeArrowheads="1" noChangeShapeType="1" noTextEdit="1"/>
+                </p:cNvSpPr>
+                <p:nvPr/>
+              </p:nvSpPr>
+              <p:spPr>
+                <a:xfrm>
+                  <a:off x="1436370" y="5952111"/>
+                  <a:ext cx="3962400" cy="1290539"/>
+                </a:xfrm>
+                <a:prstGeom prst="flowChartDecision">
+                  <a:avLst/>
+                </a:prstGeom>
+                <a:blipFill>
+                  <a:blip r:embed="rId10"/>
+                  <a:stretch>
+                    <a:fillRect/>
+                  </a:stretch>
+                </a:blipFill>
+              </p:spPr>
+              <p:txBody>
+                <a:bodyPr/>
+                <a:lstStyle/>
+                <a:p>
+                  <a:r>
+                    <a:rPr lang="ko-KR" altLang="en-US">
+                      <a:noFill/>
+                    </a:rPr>
+                    <a:t> </a:t>
+                  </a:r>
+                </a:p>
+              </p:txBody>
+            </p:sp>
+          </mc:Fallback>
+        </mc:AlternateContent>
+        <mc:AlternateContent xmlns:mc="http://schemas.openxmlformats.org/markup-compatibility/2006">
+          <mc:Choice xmlns:a14="http://schemas.microsoft.com/office/drawing/2010/main" Requires="a14">
+            <p:sp>
+              <p:nvSpPr>
+                <p:cNvPr id="38" name="직사각형 37">
+                  <a:extLst>
+                    <a:ext uri="{FF2B5EF4-FFF2-40B4-BE49-F238E27FC236}">
+                      <a16:creationId xmlns:a16="http://schemas.microsoft.com/office/drawing/2014/main" id="{FCC5B6F6-849E-B6D5-D25A-7B980E8BEC44}"/>
+                    </a:ext>
+                  </a:extLst>
+                </p:cNvPr>
+                <p:cNvSpPr/>
+                <p:nvPr/>
+              </p:nvSpPr>
+              <p:spPr>
+                <a:xfrm>
+                  <a:off x="-1969680" y="5841358"/>
+                  <a:ext cx="2704465" cy="1512043"/>
+                </a:xfrm>
+                <a:prstGeom prst="rect">
+                  <a:avLst/>
+                </a:prstGeom>
+              </p:spPr>
+              <p:style>
+                <a:lnRef idx="2">
+                  <a:schemeClr val="dk1"/>
+                </a:lnRef>
+                <a:fillRef idx="1">
+                  <a:schemeClr val="lt1"/>
+                </a:fillRef>
+                <a:effectRef idx="0">
+                  <a:schemeClr val="dk1"/>
+                </a:effectRef>
+                <a:fontRef idx="minor">
+                  <a:schemeClr val="dk1"/>
+                </a:fontRef>
+              </p:style>
+              <p:txBody>
+                <a:bodyPr rtlCol="0" anchor="ctr"/>
+                <a:lstStyle/>
+                <a:p>
+                  <a:pPr algn="ctr">
+                    <a:lnSpc>
+                      <a:spcPct val="120000"/>
+                    </a:lnSpc>
+                  </a:pPr>
+                  <a:r>
+                    <a:rPr lang="ko-KR" altLang="en-US">
+                      <a:latin typeface="나눔바른고딕" panose="020B0603020101020101" pitchFamily="50" charset="-127"/>
+                      <a:ea typeface="나눔바른고딕" panose="020B0603020101020101" pitchFamily="50" charset="-127"/>
+                    </a:rPr>
+                    <a:t>⑨ </a:t>
+                  </a:r>
+                  <a:r>
+                    <a:rPr lang="en-US" altLang="ko-KR">
+                      <a:latin typeface="나눔바른고딕" panose="020B0603020101020101" pitchFamily="50" charset="-127"/>
+                      <a:ea typeface="나눔바른고딕" panose="020B0603020101020101" pitchFamily="50" charset="-127"/>
+                    </a:rPr>
+                    <a:t>Accept Update</a:t>
+                  </a:r>
+                </a:p>
+                <a:p>
+                  <a:pPr algn="ctr">
+                    <a:lnSpc>
+                      <a:spcPct val="120000"/>
+                    </a:lnSpc>
+                  </a:pPr>
+                  <a14:m>
+                    <m:oMathPara xmlns:m="http://schemas.openxmlformats.org/officeDocument/2006/math">
+                      <m:oMathParaPr>
+                        <m:jc m:val="centerGroup"/>
+                      </m:oMathParaPr>
+                      <m:oMath xmlns:m="http://schemas.openxmlformats.org/officeDocument/2006/math">
+                        <m:sSub>
+                          <m:sSubPr>
+                            <m:ctrlPr>
+                              <a:rPr lang="en-US" altLang="ko-KR" b="0" i="1" smtClean="0">
+                                <a:latin typeface="Cambria Math" panose="02040503050406030204" pitchFamily="18" charset="0"/>
+                                <a:ea typeface="나눔바른고딕" panose="020B0603020101020101" pitchFamily="50" charset="-127"/>
+                              </a:rPr>
+                            </m:ctrlPr>
+                          </m:sSubPr>
+                          <m:e>
+                            <m:r>
+                              <a:rPr lang="en-US" altLang="ko-KR" i="1" smtClean="0">
+                                <a:latin typeface="Cambria Math" panose="02040503050406030204" pitchFamily="18" charset="0"/>
+                                <a:ea typeface="나눔바른고딕" panose="020B0603020101020101" pitchFamily="50" charset="-127"/>
+                              </a:rPr>
+                              <m:t>𝑤</m:t>
+                            </m:r>
+                          </m:e>
+                          <m:sub>
+                            <m:r>
+                              <a:rPr lang="en-US" altLang="ko-KR" b="0" i="1" smtClean="0">
+                                <a:solidFill>
+                                  <a:srgbClr val="0000FF"/>
+                                </a:solidFill>
+                                <a:latin typeface="Cambria Math" panose="02040503050406030204" pitchFamily="18" charset="0"/>
+                                <a:ea typeface="나눔바른고딕" panose="020B0603020101020101" pitchFamily="50" charset="-127"/>
+                              </a:rPr>
+                              <m:t>𝑛𝑒𝑤</m:t>
+                            </m:r>
+                          </m:sub>
+                        </m:sSub>
+                        <m:r>
+                          <a:rPr lang="en-US" altLang="ko-KR" b="0" i="1" smtClean="0">
+                            <a:latin typeface="Cambria Math" panose="02040503050406030204" pitchFamily="18" charset="0"/>
+                            <a:ea typeface="나눔바른고딕" panose="020B0603020101020101" pitchFamily="50" charset="-127"/>
+                          </a:rPr>
+                          <m:t>=</m:t>
+                        </m:r>
+                        <m:sSub>
+                          <m:sSubPr>
+                            <m:ctrlPr>
+                              <a:rPr lang="en-US" altLang="ko-KR" b="0" i="1" smtClean="0">
+                                <a:latin typeface="Cambria Math" panose="02040503050406030204" pitchFamily="18" charset="0"/>
+                                <a:ea typeface="나눔바른고딕" panose="020B0603020101020101" pitchFamily="50" charset="-127"/>
+                              </a:rPr>
+                            </m:ctrlPr>
+                          </m:sSubPr>
+                          <m:e>
+                            <m:r>
+                              <a:rPr lang="en-US" altLang="ko-KR" b="0" i="1" smtClean="0">
+                                <a:latin typeface="Cambria Math" panose="02040503050406030204" pitchFamily="18" charset="0"/>
+                                <a:ea typeface="나눔바른고딕" panose="020B0603020101020101" pitchFamily="50" charset="-127"/>
+                              </a:rPr>
+                              <m:t>𝑤</m:t>
+                            </m:r>
+                          </m:e>
+                          <m:sub>
+                            <m:r>
+                              <a:rPr lang="en-US" altLang="ko-KR" b="0" i="1" smtClean="0">
+                                <a:solidFill>
+                                  <a:srgbClr val="0000FF"/>
+                                </a:solidFill>
+                                <a:latin typeface="Cambria Math" panose="02040503050406030204" pitchFamily="18" charset="0"/>
+                                <a:ea typeface="나눔바른고딕" panose="020B0603020101020101" pitchFamily="50" charset="-127"/>
+                              </a:rPr>
+                              <m:t>𝑛𝑒𝑤</m:t>
+                            </m:r>
+                          </m:sub>
+                        </m:sSub>
+                      </m:oMath>
+                    </m:oMathPara>
+                  </a14:m>
+                  <a:endParaRPr lang="en-US" altLang="ko-KR" b="0" i="1">
+                    <a:latin typeface="Cambria Math" panose="02040503050406030204" pitchFamily="18" charset="0"/>
+                    <a:ea typeface="나눔바른고딕" panose="020B0603020101020101" pitchFamily="50" charset="-127"/>
+                  </a:endParaRPr>
+                </a:p>
+                <a:p>
+                  <a:pPr algn="ctr">
+                    <a:lnSpc>
+                      <a:spcPct val="120000"/>
+                    </a:lnSpc>
+                  </a:pPr>
+                  <a14:m>
+                    <m:oMathPara xmlns:m="http://schemas.openxmlformats.org/officeDocument/2006/math">
+                      <m:oMathParaPr>
+                        <m:jc m:val="centerGroup"/>
+                      </m:oMathParaPr>
+                      <m:oMath xmlns:m="http://schemas.openxmlformats.org/officeDocument/2006/math">
+                        <m:r>
+                          <a:rPr lang="en-US" altLang="ko-KR" b="0" i="1" smtClean="0">
+                            <a:latin typeface="Cambria Math" panose="02040503050406030204" pitchFamily="18" charset="0"/>
+                            <a:ea typeface="나눔바른고딕" panose="020B0603020101020101" pitchFamily="50" charset="-127"/>
+                          </a:rPr>
+                          <m:t>𝜇</m:t>
+                        </m:r>
+                        <m:r>
+                          <a:rPr lang="en-US" altLang="ko-KR" b="0" i="1" smtClean="0">
+                            <a:latin typeface="Cambria Math" panose="02040503050406030204" pitchFamily="18" charset="0"/>
+                            <a:ea typeface="나눔바른고딕" panose="020B0603020101020101" pitchFamily="50" charset="-127"/>
+                          </a:rPr>
+                          <m:t>=</m:t>
+                        </m:r>
+                        <m:f>
+                          <m:fPr>
+                            <m:ctrlPr>
+                              <a:rPr lang="en-US" altLang="ko-KR" b="0" i="1" smtClean="0">
+                                <a:latin typeface="Cambria Math" panose="02040503050406030204" pitchFamily="18" charset="0"/>
+                                <a:ea typeface="나눔바른고딕" panose="020B0603020101020101" pitchFamily="50" charset="-127"/>
+                              </a:rPr>
+                            </m:ctrlPr>
+                          </m:fPr>
+                          <m:num>
+                            <m:r>
+                              <a:rPr lang="en-US" altLang="ko-KR" b="0" i="1" smtClean="0">
+                                <a:latin typeface="Cambria Math" panose="02040503050406030204" pitchFamily="18" charset="0"/>
+                                <a:ea typeface="나눔바른고딕" panose="020B0603020101020101" pitchFamily="50" charset="-127"/>
+                              </a:rPr>
+                              <m:t>𝜇</m:t>
+                            </m:r>
+                          </m:num>
+                          <m:den>
+                            <m:r>
+                              <a:rPr lang="en-US" altLang="ko-KR" b="0" i="1" smtClean="0">
+                                <a:latin typeface="Cambria Math" panose="02040503050406030204" pitchFamily="18" charset="0"/>
+                                <a:ea typeface="나눔바른고딕" panose="020B0603020101020101" pitchFamily="50" charset="-127"/>
+                              </a:rPr>
+                              <m:t>𝜈</m:t>
+                            </m:r>
+                          </m:den>
+                        </m:f>
+                      </m:oMath>
+                    </m:oMathPara>
+                  </a14:m>
+                  <a:endParaRPr lang="en-US" altLang="ko-KR">
+                    <a:latin typeface="나눔바른고딕" panose="020B0603020101020101" pitchFamily="50" charset="-127"/>
+                    <a:ea typeface="나눔바른고딕" panose="020B0603020101020101" pitchFamily="50" charset="-127"/>
+                  </a:endParaRPr>
+                </a:p>
+              </p:txBody>
+            </p:sp>
+          </mc:Choice>
+          <mc:Fallback>
+            <p:sp>
+              <p:nvSpPr>
+                <p:cNvPr id="38" name="직사각형 37">
+                  <a:extLst>
+                    <a:ext uri="{FF2B5EF4-FFF2-40B4-BE49-F238E27FC236}">
+                      <a16:creationId xmlns:a16="http://schemas.microsoft.com/office/drawing/2014/main" id="{FCC5B6F6-849E-B6D5-D25A-7B980E8BEC44}"/>
+                    </a:ext>
+                  </a:extLst>
+                </p:cNvPr>
+                <p:cNvSpPr>
+                  <a:spLocks noRot="1" noChangeAspect="1" noMove="1" noResize="1" noEditPoints="1" noAdjustHandles="1" noChangeArrowheads="1" noChangeShapeType="1" noTextEdit="1"/>
+                </p:cNvSpPr>
+                <p:nvPr/>
+              </p:nvSpPr>
+              <p:spPr>
+                <a:xfrm>
+                  <a:off x="-1969680" y="5841358"/>
+                  <a:ext cx="2704465" cy="1512043"/>
+                </a:xfrm>
+                <a:prstGeom prst="rect">
+                  <a:avLst/>
+                </a:prstGeom>
+                <a:blipFill>
+                  <a:blip r:embed="rId11"/>
+                  <a:stretch>
+                    <a:fillRect/>
+                  </a:stretch>
+                </a:blipFill>
+              </p:spPr>
+              <p:txBody>
+                <a:bodyPr/>
+                <a:lstStyle/>
+                <a:p>
+                  <a:r>
+                    <a:rPr lang="ko-KR" altLang="en-US">
+                      <a:noFill/>
+                    </a:rPr>
+                    <a:t> </a:t>
+                  </a:r>
+                </a:p>
+              </p:txBody>
+            </p:sp>
+          </mc:Fallback>
+        </mc:AlternateContent>
+        <p:cxnSp>
+          <p:nvCxnSpPr>
+            <p:cNvPr id="51" name="직선 화살표 연결선 50">
+              <a:extLst>
+                <a:ext uri="{FF2B5EF4-FFF2-40B4-BE49-F238E27FC236}">
+                  <a16:creationId xmlns:a16="http://schemas.microsoft.com/office/drawing/2014/main" id="{C9A01B73-4BBD-CA69-621F-78ED4F7209DE}"/>
+                </a:ext>
+              </a:extLst>
+            </p:cNvPr>
+            <p:cNvCxnSpPr>
+              <a:stCxn id="4" idx="2"/>
+              <a:endCxn id="11" idx="0"/>
+            </p:cNvCxnSpPr>
+            <p:nvPr/>
+          </p:nvCxnSpPr>
+          <p:spPr>
+            <a:xfrm flipH="1">
+              <a:off x="3417570" y="-1660793"/>
+              <a:ext cx="1" cy="452436"/>
+            </a:xfrm>
+            <a:prstGeom prst="straightConnector1">
+              <a:avLst/>
+            </a:prstGeom>
+            <a:ln>
+              <a:tailEnd type="triangle"/>
+            </a:ln>
+          </p:spPr>
+          <p:style>
+            <a:lnRef idx="2">
+              <a:schemeClr val="dk1"/>
+            </a:lnRef>
+            <a:fillRef idx="0">
+              <a:schemeClr val="dk1"/>
+            </a:fillRef>
+            <a:effectRef idx="1">
+              <a:schemeClr val="dk1"/>
+            </a:effectRef>
+            <a:fontRef idx="minor">
+              <a:schemeClr val="tx1"/>
+            </a:fontRef>
+          </p:style>
+        </p:cxnSp>
+        <p:cxnSp>
+          <p:nvCxnSpPr>
+            <p:cNvPr id="52" name="직선 화살표 연결선 51">
+              <a:extLst>
+                <a:ext uri="{FF2B5EF4-FFF2-40B4-BE49-F238E27FC236}">
+                  <a16:creationId xmlns:a16="http://schemas.microsoft.com/office/drawing/2014/main" id="{027B6EBF-176D-0EB5-218F-DDAF7879E5F4}"/>
+                </a:ext>
+              </a:extLst>
+            </p:cNvPr>
+            <p:cNvCxnSpPr>
+              <a:cxnSpLocks/>
+              <a:stCxn id="11" idx="2"/>
+              <a:endCxn id="15" idx="0"/>
+            </p:cNvCxnSpPr>
+            <p:nvPr/>
+          </p:nvCxnSpPr>
+          <p:spPr>
+            <a:xfrm>
+              <a:off x="3417570" y="-316655"/>
+              <a:ext cx="1" cy="452436"/>
+            </a:xfrm>
+            <a:prstGeom prst="straightConnector1">
+              <a:avLst/>
+            </a:prstGeom>
+            <a:ln>
+              <a:tailEnd type="triangle"/>
+            </a:ln>
+          </p:spPr>
+          <p:style>
+            <a:lnRef idx="2">
+              <a:schemeClr val="dk1"/>
+            </a:lnRef>
+            <a:fillRef idx="0">
+              <a:schemeClr val="dk1"/>
+            </a:fillRef>
+            <a:effectRef idx="1">
+              <a:schemeClr val="dk1"/>
+            </a:effectRef>
+            <a:fontRef idx="minor">
+              <a:schemeClr val="tx1"/>
+            </a:fontRef>
+          </p:style>
+        </p:cxnSp>
+        <p:cxnSp>
+          <p:nvCxnSpPr>
+            <p:cNvPr id="55" name="직선 화살표 연결선 54">
+              <a:extLst>
+                <a:ext uri="{FF2B5EF4-FFF2-40B4-BE49-F238E27FC236}">
+                  <a16:creationId xmlns:a16="http://schemas.microsoft.com/office/drawing/2014/main" id="{9D40EEBF-7F65-8A66-86F6-FD76214F07D1}"/>
+                </a:ext>
+              </a:extLst>
+            </p:cNvPr>
+            <p:cNvCxnSpPr>
+              <a:cxnSpLocks/>
+              <a:stCxn id="15" idx="2"/>
+              <a:endCxn id="20" idx="0"/>
+            </p:cNvCxnSpPr>
+            <p:nvPr/>
+          </p:nvCxnSpPr>
+          <p:spPr>
+            <a:xfrm>
+              <a:off x="3417571" y="1007219"/>
+              <a:ext cx="0" cy="452436"/>
+            </a:xfrm>
+            <a:prstGeom prst="straightConnector1">
+              <a:avLst/>
+            </a:prstGeom>
+            <a:ln>
+              <a:tailEnd type="triangle"/>
+            </a:ln>
+          </p:spPr>
+          <p:style>
+            <a:lnRef idx="2">
+              <a:schemeClr val="dk1"/>
+            </a:lnRef>
+            <a:fillRef idx="0">
+              <a:schemeClr val="dk1"/>
+            </a:fillRef>
+            <a:effectRef idx="1">
+              <a:schemeClr val="dk1"/>
+            </a:effectRef>
+            <a:fontRef idx="minor">
+              <a:schemeClr val="tx1"/>
+            </a:fontRef>
+          </p:style>
+        </p:cxnSp>
+        <p:cxnSp>
+          <p:nvCxnSpPr>
+            <p:cNvPr id="58" name="직선 화살표 연결선 57">
+              <a:extLst>
+                <a:ext uri="{FF2B5EF4-FFF2-40B4-BE49-F238E27FC236}">
+                  <a16:creationId xmlns:a16="http://schemas.microsoft.com/office/drawing/2014/main" id="{E0A4F826-BE0D-EB15-050D-B8FE43444027}"/>
+                </a:ext>
+              </a:extLst>
+            </p:cNvPr>
+            <p:cNvCxnSpPr>
+              <a:cxnSpLocks/>
+              <a:stCxn id="20" idx="2"/>
+              <a:endCxn id="32" idx="0"/>
+            </p:cNvCxnSpPr>
+            <p:nvPr/>
+          </p:nvCxnSpPr>
+          <p:spPr>
+            <a:xfrm>
+              <a:off x="3417571" y="2331092"/>
+              <a:ext cx="0" cy="452436"/>
+            </a:xfrm>
+            <a:prstGeom prst="straightConnector1">
+              <a:avLst/>
+            </a:prstGeom>
+            <a:ln>
+              <a:tailEnd type="triangle"/>
+            </a:ln>
+          </p:spPr>
+          <p:style>
+            <a:lnRef idx="2">
+              <a:schemeClr val="dk1"/>
+            </a:lnRef>
+            <a:fillRef idx="0">
+              <a:schemeClr val="dk1"/>
+            </a:fillRef>
+            <a:effectRef idx="1">
+              <a:schemeClr val="dk1"/>
+            </a:effectRef>
+            <a:fontRef idx="minor">
+              <a:schemeClr val="tx1"/>
+            </a:fontRef>
+          </p:style>
+        </p:cxnSp>
+        <p:cxnSp>
+          <p:nvCxnSpPr>
+            <p:cNvPr id="62" name="직선 화살표 연결선 61">
+              <a:extLst>
+                <a:ext uri="{FF2B5EF4-FFF2-40B4-BE49-F238E27FC236}">
+                  <a16:creationId xmlns:a16="http://schemas.microsoft.com/office/drawing/2014/main" id="{D841C5CD-AB4B-3F12-542D-92DB1B89B12B}"/>
+                </a:ext>
+              </a:extLst>
+            </p:cNvPr>
+            <p:cNvCxnSpPr>
+              <a:cxnSpLocks/>
+            </p:cNvCxnSpPr>
+            <p:nvPr/>
+          </p:nvCxnSpPr>
+          <p:spPr>
+            <a:xfrm flipH="1">
+              <a:off x="3417570" y="3769969"/>
+              <a:ext cx="1" cy="452436"/>
+            </a:xfrm>
+            <a:prstGeom prst="straightConnector1">
+              <a:avLst/>
+            </a:prstGeom>
+            <a:ln>
+              <a:tailEnd type="triangle"/>
+            </a:ln>
+          </p:spPr>
+          <p:style>
+            <a:lnRef idx="2">
+              <a:schemeClr val="dk1"/>
+            </a:lnRef>
+            <a:fillRef idx="0">
+              <a:schemeClr val="dk1"/>
+            </a:fillRef>
+            <a:effectRef idx="1">
+              <a:schemeClr val="dk1"/>
+            </a:effectRef>
+            <a:fontRef idx="minor">
+              <a:schemeClr val="tx1"/>
+            </a:fontRef>
+          </p:style>
+        </p:cxnSp>
+        <p:cxnSp>
+          <p:nvCxnSpPr>
+            <p:cNvPr id="1025" name="직선 화살표 연결선 1024">
+              <a:extLst>
+                <a:ext uri="{FF2B5EF4-FFF2-40B4-BE49-F238E27FC236}">
+                  <a16:creationId xmlns:a16="http://schemas.microsoft.com/office/drawing/2014/main" id="{7B193D91-DE5B-DAD8-625D-024F99F44342}"/>
+                </a:ext>
+              </a:extLst>
+            </p:cNvPr>
+            <p:cNvCxnSpPr>
+              <a:cxnSpLocks/>
+              <a:stCxn id="33" idx="2"/>
+              <a:endCxn id="37" idx="0"/>
+            </p:cNvCxnSpPr>
+            <p:nvPr/>
+          </p:nvCxnSpPr>
+          <p:spPr>
+            <a:xfrm>
+              <a:off x="3417570" y="5499676"/>
+              <a:ext cx="0" cy="452435"/>
+            </a:xfrm>
+            <a:prstGeom prst="straightConnector1">
+              <a:avLst/>
+            </a:prstGeom>
+            <a:ln>
+              <a:tailEnd type="triangle"/>
+            </a:ln>
+          </p:spPr>
+          <p:style>
+            <a:lnRef idx="2">
+              <a:schemeClr val="dk1"/>
+            </a:lnRef>
+            <a:fillRef idx="0">
+              <a:schemeClr val="dk1"/>
+            </a:fillRef>
+            <a:effectRef idx="1">
+              <a:schemeClr val="dk1"/>
+            </a:effectRef>
+            <a:fontRef idx="minor">
+              <a:schemeClr val="tx1"/>
+            </a:fontRef>
+          </p:style>
+        </p:cxnSp>
+        <p:cxnSp>
+          <p:nvCxnSpPr>
+            <p:cNvPr id="1029" name="직선 화살표 연결선 1028">
+              <a:extLst>
+                <a:ext uri="{FF2B5EF4-FFF2-40B4-BE49-F238E27FC236}">
+                  <a16:creationId xmlns:a16="http://schemas.microsoft.com/office/drawing/2014/main" id="{24EF6D5E-1045-7027-C361-12B46152301F}"/>
+                </a:ext>
+              </a:extLst>
+            </p:cNvPr>
+            <p:cNvCxnSpPr>
+              <a:cxnSpLocks/>
+              <a:stCxn id="33" idx="1"/>
+              <a:endCxn id="35" idx="3"/>
+            </p:cNvCxnSpPr>
+            <p:nvPr/>
+          </p:nvCxnSpPr>
+          <p:spPr>
+            <a:xfrm flipH="1" flipV="1">
+              <a:off x="734785" y="4854406"/>
+              <a:ext cx="779452" cy="1"/>
+            </a:xfrm>
+            <a:prstGeom prst="straightConnector1">
+              <a:avLst/>
+            </a:prstGeom>
+            <a:ln>
+              <a:tailEnd type="triangle"/>
+            </a:ln>
+          </p:spPr>
+          <p:style>
+            <a:lnRef idx="2">
+              <a:schemeClr val="dk1"/>
+            </a:lnRef>
+            <a:fillRef idx="0">
+              <a:schemeClr val="dk1"/>
+            </a:fillRef>
+            <a:effectRef idx="1">
+              <a:schemeClr val="dk1"/>
+            </a:effectRef>
+            <a:fontRef idx="minor">
+              <a:schemeClr val="tx1"/>
+            </a:fontRef>
+          </p:style>
+        </p:cxnSp>
+        <p:cxnSp>
+          <p:nvCxnSpPr>
+            <p:cNvPr id="1033" name="직선 화살표 연결선 1032">
+              <a:extLst>
+                <a:ext uri="{FF2B5EF4-FFF2-40B4-BE49-F238E27FC236}">
+                  <a16:creationId xmlns:a16="http://schemas.microsoft.com/office/drawing/2014/main" id="{5656BFBC-7BB8-37FA-F8FE-81E566B5F12B}"/>
+                </a:ext>
+              </a:extLst>
+            </p:cNvPr>
+            <p:cNvCxnSpPr>
+              <a:cxnSpLocks/>
+              <a:stCxn id="37" idx="1"/>
+              <a:endCxn id="38" idx="3"/>
+            </p:cNvCxnSpPr>
+            <p:nvPr/>
+          </p:nvCxnSpPr>
+          <p:spPr>
+            <a:xfrm flipH="1" flipV="1">
+              <a:off x="734785" y="6597380"/>
+              <a:ext cx="701585" cy="1"/>
+            </a:xfrm>
+            <a:prstGeom prst="straightConnector1">
+              <a:avLst/>
+            </a:prstGeom>
+            <a:ln>
+              <a:tailEnd type="triangle"/>
+            </a:ln>
+          </p:spPr>
+          <p:style>
+            <a:lnRef idx="2">
+              <a:schemeClr val="dk1"/>
+            </a:lnRef>
+            <a:fillRef idx="0">
+              <a:schemeClr val="dk1"/>
+            </a:fillRef>
+            <a:effectRef idx="1">
+              <a:schemeClr val="dk1"/>
+            </a:effectRef>
+            <a:fontRef idx="minor">
+              <a:schemeClr val="tx1"/>
+            </a:fontRef>
+          </p:style>
+        </p:cxnSp>
+        <p:sp>
+          <p:nvSpPr>
+            <p:cNvPr id="1038" name="TextBox 1037">
+              <a:extLst>
+                <a:ext uri="{FF2B5EF4-FFF2-40B4-BE49-F238E27FC236}">
+                  <a16:creationId xmlns:a16="http://schemas.microsoft.com/office/drawing/2014/main" id="{C6D63BA0-19C8-0004-B0E4-8BB8B463748C}"/>
+                </a:ext>
+              </a:extLst>
+            </p:cNvPr>
+            <p:cNvSpPr txBox="1"/>
+            <p:nvPr/>
+          </p:nvSpPr>
+          <p:spPr>
+            <a:xfrm>
+              <a:off x="937515" y="4498718"/>
+              <a:ext cx="498855" cy="369332"/>
+            </a:xfrm>
+            <a:prstGeom prst="rect">
+              <a:avLst/>
+            </a:prstGeom>
+            <a:noFill/>
+          </p:spPr>
+          <p:txBody>
+            <a:bodyPr wrap="none" rtlCol="0">
+              <a:spAutoFit/>
+            </a:bodyPr>
+            <a:lstStyle/>
+            <a:p>
+              <a:r>
+                <a:rPr lang="en-US" altLang="ko-KR">
+                  <a:latin typeface="나눔바른고딕" panose="020B0603020101020101" pitchFamily="50" charset="-127"/>
+                  <a:ea typeface="나눔바른고딕" panose="020B0603020101020101" pitchFamily="50" charset="-127"/>
+                </a:rPr>
+                <a:t>No</a:t>
+              </a:r>
+              <a:endParaRPr lang="ko-KR" altLang="en-US">
+                <a:latin typeface="나눔바른고딕" panose="020B0603020101020101" pitchFamily="50" charset="-127"/>
+                <a:ea typeface="나눔바른고딕" panose="020B0603020101020101" pitchFamily="50" charset="-127"/>
+              </a:endParaRPr>
+            </a:p>
+          </p:txBody>
+        </p:sp>
+        <p:sp>
+          <p:nvSpPr>
+            <p:cNvPr id="1039" name="TextBox 1038">
+              <a:extLst>
+                <a:ext uri="{FF2B5EF4-FFF2-40B4-BE49-F238E27FC236}">
+                  <a16:creationId xmlns:a16="http://schemas.microsoft.com/office/drawing/2014/main" id="{DC3C48BD-C2D9-A37E-2103-84A1D1C69273}"/>
+                </a:ext>
+              </a:extLst>
+            </p:cNvPr>
+            <p:cNvSpPr txBox="1"/>
+            <p:nvPr/>
+          </p:nvSpPr>
+          <p:spPr>
+            <a:xfrm>
+              <a:off x="917355" y="6214405"/>
+              <a:ext cx="498855" cy="369332"/>
+            </a:xfrm>
+            <a:prstGeom prst="rect">
+              <a:avLst/>
+            </a:prstGeom>
+            <a:noFill/>
+          </p:spPr>
+          <p:txBody>
+            <a:bodyPr wrap="none" rtlCol="0">
+              <a:spAutoFit/>
+            </a:bodyPr>
+            <a:lstStyle/>
+            <a:p>
+              <a:r>
+                <a:rPr lang="en-US" altLang="ko-KR">
+                  <a:latin typeface="나눔바른고딕" panose="020B0603020101020101" pitchFamily="50" charset="-127"/>
+                  <a:ea typeface="나눔바른고딕" panose="020B0603020101020101" pitchFamily="50" charset="-127"/>
+                </a:rPr>
+                <a:t>No</a:t>
+              </a:r>
+              <a:endParaRPr lang="ko-KR" altLang="en-US">
+                <a:latin typeface="나눔바른고딕" panose="020B0603020101020101" pitchFamily="50" charset="-127"/>
+                <a:ea typeface="나눔바른고딕" panose="020B0603020101020101" pitchFamily="50" charset="-127"/>
+              </a:endParaRPr>
+            </a:p>
+          </p:txBody>
+        </p:sp>
+        <p:sp>
+          <p:nvSpPr>
+            <p:cNvPr id="1040" name="TextBox 1039">
+              <a:extLst>
+                <a:ext uri="{FF2B5EF4-FFF2-40B4-BE49-F238E27FC236}">
+                  <a16:creationId xmlns:a16="http://schemas.microsoft.com/office/drawing/2014/main" id="{6B3E8DCA-1D9C-8E9A-567B-1CAFDB765893}"/>
+                </a:ext>
+              </a:extLst>
+            </p:cNvPr>
+            <p:cNvSpPr txBox="1"/>
+            <p:nvPr/>
+          </p:nvSpPr>
+          <p:spPr>
+            <a:xfrm>
+              <a:off x="3437731" y="5544679"/>
+              <a:ext cx="549381" cy="369332"/>
+            </a:xfrm>
+            <a:prstGeom prst="rect">
+              <a:avLst/>
+            </a:prstGeom>
+            <a:noFill/>
+          </p:spPr>
+          <p:txBody>
+            <a:bodyPr wrap="none" rtlCol="0">
+              <a:spAutoFit/>
+            </a:bodyPr>
+            <a:lstStyle/>
+            <a:p>
+              <a:r>
+                <a:rPr lang="en-US" altLang="ko-KR">
+                  <a:latin typeface="나눔바른고딕" panose="020B0603020101020101" pitchFamily="50" charset="-127"/>
+                  <a:ea typeface="나눔바른고딕" panose="020B0603020101020101" pitchFamily="50" charset="-127"/>
+                </a:rPr>
+                <a:t>Yes</a:t>
+              </a:r>
+              <a:endParaRPr lang="ko-KR" altLang="en-US">
+                <a:latin typeface="나눔바른고딕" panose="020B0603020101020101" pitchFamily="50" charset="-127"/>
+                <a:ea typeface="나눔바른고딕" panose="020B0603020101020101" pitchFamily="50" charset="-127"/>
+              </a:endParaRPr>
+            </a:p>
+          </p:txBody>
+        </p:sp>
+        <p:cxnSp>
+          <p:nvCxnSpPr>
+            <p:cNvPr id="1041" name="직선 화살표 연결선 1040">
+              <a:extLst>
+                <a:ext uri="{FF2B5EF4-FFF2-40B4-BE49-F238E27FC236}">
+                  <a16:creationId xmlns:a16="http://schemas.microsoft.com/office/drawing/2014/main" id="{8E80F2FB-199D-1081-8399-BEDB3F226349}"/>
+                </a:ext>
+              </a:extLst>
+            </p:cNvPr>
+            <p:cNvCxnSpPr>
+              <a:cxnSpLocks/>
+              <a:stCxn id="37" idx="2"/>
+              <a:endCxn id="1046" idx="0"/>
+            </p:cNvCxnSpPr>
+            <p:nvPr/>
+          </p:nvCxnSpPr>
+          <p:spPr>
+            <a:xfrm>
+              <a:off x="3417570" y="7242650"/>
+              <a:ext cx="0" cy="464981"/>
+            </a:xfrm>
+            <a:prstGeom prst="straightConnector1">
+              <a:avLst/>
+            </a:prstGeom>
+            <a:ln>
+              <a:tailEnd type="triangle"/>
+            </a:ln>
+          </p:spPr>
+          <p:style>
+            <a:lnRef idx="2">
+              <a:schemeClr val="dk1"/>
+            </a:lnRef>
+            <a:fillRef idx="0">
+              <a:schemeClr val="dk1"/>
+            </a:fillRef>
+            <a:effectRef idx="1">
+              <a:schemeClr val="dk1"/>
+            </a:effectRef>
+            <a:fontRef idx="minor">
+              <a:schemeClr val="tx1"/>
+            </a:fontRef>
+          </p:style>
+        </p:cxnSp>
+        <p:sp>
+          <p:nvSpPr>
+            <p:cNvPr id="1042" name="TextBox 1041">
+              <a:extLst>
+                <a:ext uri="{FF2B5EF4-FFF2-40B4-BE49-F238E27FC236}">
+                  <a16:creationId xmlns:a16="http://schemas.microsoft.com/office/drawing/2014/main" id="{8FC8DCCB-D09E-0D19-8329-3880F9FD4128}"/>
+                </a:ext>
+              </a:extLst>
+            </p:cNvPr>
+            <p:cNvSpPr txBox="1"/>
+            <p:nvPr/>
+          </p:nvSpPr>
+          <p:spPr>
+            <a:xfrm>
+              <a:off x="3437731" y="7280750"/>
+              <a:ext cx="549381" cy="369332"/>
+            </a:xfrm>
+            <a:prstGeom prst="rect">
+              <a:avLst/>
+            </a:prstGeom>
+            <a:noFill/>
+          </p:spPr>
+          <p:txBody>
+            <a:bodyPr wrap="none" rtlCol="0">
+              <a:spAutoFit/>
+            </a:bodyPr>
+            <a:lstStyle/>
+            <a:p>
+              <a:r>
+                <a:rPr lang="en-US" altLang="ko-KR">
+                  <a:latin typeface="나눔바른고딕" panose="020B0603020101020101" pitchFamily="50" charset="-127"/>
+                  <a:ea typeface="나눔바른고딕" panose="020B0603020101020101" pitchFamily="50" charset="-127"/>
+                </a:rPr>
+                <a:t>Yes</a:t>
+              </a:r>
+              <a:endParaRPr lang="ko-KR" altLang="en-US">
+                <a:latin typeface="나눔바른고딕" panose="020B0603020101020101" pitchFamily="50" charset="-127"/>
+                <a:ea typeface="나눔바른고딕" panose="020B0603020101020101" pitchFamily="50" charset="-127"/>
+              </a:endParaRPr>
+            </a:p>
+          </p:txBody>
+        </p:sp>
+        <p:sp>
+          <p:nvSpPr>
+            <p:cNvPr id="1046" name="순서도: 대체 처리 1045">
+              <a:extLst>
+                <a:ext uri="{FF2B5EF4-FFF2-40B4-BE49-F238E27FC236}">
+                  <a16:creationId xmlns:a16="http://schemas.microsoft.com/office/drawing/2014/main" id="{FD00C839-C283-475F-8CEA-7A5CD8D92945}"/>
+                </a:ext>
+              </a:extLst>
+            </p:cNvPr>
+            <p:cNvSpPr/>
+            <p:nvPr/>
+          </p:nvSpPr>
+          <p:spPr>
+            <a:xfrm>
+              <a:off x="2247639" y="7707631"/>
+              <a:ext cx="2339861" cy="879779"/>
+            </a:xfrm>
+            <a:prstGeom prst="flowChartAlternateProcess">
+              <a:avLst/>
+            </a:prstGeom>
+          </p:spPr>
+          <p:style>
+            <a:lnRef idx="1">
+              <a:schemeClr val="accent4"/>
+            </a:lnRef>
+            <a:fillRef idx="2">
+              <a:schemeClr val="accent4"/>
+            </a:fillRef>
+            <a:effectRef idx="1">
+              <a:schemeClr val="accent4"/>
+            </a:effectRef>
+            <a:fontRef idx="minor">
+              <a:schemeClr val="dk1"/>
+            </a:fontRef>
+          </p:style>
+          <p:txBody>
+            <a:bodyPr rtlCol="0" anchor="ctr"/>
+            <a:lstStyle/>
+            <a:p>
+              <a:pPr algn="ctr"/>
+              <a:r>
+                <a:rPr lang="en-US" altLang="ko-KR">
+                  <a:latin typeface="나눔바른고딕" panose="020B0603020101020101" pitchFamily="50" charset="-127"/>
+                  <a:ea typeface="나눔바른고딕" panose="020B0603020101020101" pitchFamily="50" charset="-127"/>
+                </a:rPr>
+                <a:t>Stop</a:t>
+              </a:r>
+              <a:endParaRPr lang="ko-KR" altLang="en-US">
+                <a:latin typeface="나눔바른고딕" panose="020B0603020101020101" pitchFamily="50" charset="-127"/>
+                <a:ea typeface="나눔바른고딕" panose="020B0603020101020101" pitchFamily="50" charset="-127"/>
+              </a:endParaRPr>
+            </a:p>
+          </p:txBody>
+        </p:sp>
+        <p:sp>
+          <p:nvSpPr>
+            <p:cNvPr id="1049" name="순서도: 대체 처리 1048">
+              <a:extLst>
+                <a:ext uri="{FF2B5EF4-FFF2-40B4-BE49-F238E27FC236}">
+                  <a16:creationId xmlns:a16="http://schemas.microsoft.com/office/drawing/2014/main" id="{0508A416-A48B-A13E-75EA-26EF26558CD7}"/>
+                </a:ext>
+              </a:extLst>
+            </p:cNvPr>
+            <p:cNvSpPr/>
+            <p:nvPr/>
+          </p:nvSpPr>
+          <p:spPr>
+            <a:xfrm>
+              <a:off x="2247639" y="-4322538"/>
+              <a:ext cx="2339861" cy="879779"/>
+            </a:xfrm>
+            <a:prstGeom prst="flowChartAlternateProcess">
+              <a:avLst/>
+            </a:prstGeom>
+          </p:spPr>
+          <p:style>
+            <a:lnRef idx="1">
+              <a:schemeClr val="accent2"/>
+            </a:lnRef>
+            <a:fillRef idx="2">
+              <a:schemeClr val="accent2"/>
+            </a:fillRef>
+            <a:effectRef idx="1">
+              <a:schemeClr val="accent2"/>
+            </a:effectRef>
+            <a:fontRef idx="minor">
+              <a:schemeClr val="dk1"/>
+            </a:fontRef>
+          </p:style>
+          <p:txBody>
+            <a:bodyPr rtlCol="0" anchor="ctr"/>
+            <a:lstStyle/>
+            <a:p>
+              <a:pPr algn="ctr"/>
+              <a:r>
+                <a:rPr lang="en-US" altLang="ko-KR">
+                  <a:latin typeface="나눔바른고딕" panose="020B0603020101020101" pitchFamily="50" charset="-127"/>
+                  <a:ea typeface="나눔바른고딕" panose="020B0603020101020101" pitchFamily="50" charset="-127"/>
+                </a:rPr>
+                <a:t>Start</a:t>
+              </a:r>
+              <a:endParaRPr lang="ko-KR" altLang="en-US">
+                <a:latin typeface="나눔바른고딕" panose="020B0603020101020101" pitchFamily="50" charset="-127"/>
+                <a:ea typeface="나눔바른고딕" panose="020B0603020101020101" pitchFamily="50" charset="-127"/>
+              </a:endParaRPr>
+            </a:p>
+          </p:txBody>
+        </p:sp>
+        <p:cxnSp>
+          <p:nvCxnSpPr>
+            <p:cNvPr id="1050" name="직선 화살표 연결선 1049">
+              <a:extLst>
+                <a:ext uri="{FF2B5EF4-FFF2-40B4-BE49-F238E27FC236}">
+                  <a16:creationId xmlns:a16="http://schemas.microsoft.com/office/drawing/2014/main" id="{4608B568-1E28-2A13-193D-A72CDF3DCDB9}"/>
+                </a:ext>
+              </a:extLst>
+            </p:cNvPr>
+            <p:cNvCxnSpPr>
+              <a:cxnSpLocks/>
+              <a:stCxn id="1049" idx="2"/>
+              <a:endCxn id="4" idx="0"/>
+            </p:cNvCxnSpPr>
+            <p:nvPr/>
+          </p:nvCxnSpPr>
+          <p:spPr>
+            <a:xfrm>
+              <a:off x="3417570" y="-3442759"/>
+              <a:ext cx="1" cy="324640"/>
+            </a:xfrm>
+            <a:prstGeom prst="straightConnector1">
+              <a:avLst/>
+            </a:prstGeom>
+            <a:ln>
+              <a:tailEnd type="triangle"/>
+            </a:ln>
+          </p:spPr>
+          <p:style>
+            <a:lnRef idx="2">
+              <a:schemeClr val="dk1"/>
+            </a:lnRef>
+            <a:fillRef idx="0">
+              <a:schemeClr val="dk1"/>
+            </a:fillRef>
+            <a:effectRef idx="1">
+              <a:schemeClr val="dk1"/>
+            </a:effectRef>
+            <a:fontRef idx="minor">
+              <a:schemeClr val="tx1"/>
+            </a:fontRef>
+          </p:style>
+        </p:cxnSp>
+        <p:sp>
+          <p:nvSpPr>
+            <p:cNvPr id="1055" name="TextBox 1054">
+              <a:extLst>
+                <a:ext uri="{FF2B5EF4-FFF2-40B4-BE49-F238E27FC236}">
+                  <a16:creationId xmlns:a16="http://schemas.microsoft.com/office/drawing/2014/main" id="{8B6ED4F3-FBB4-B1BB-D5D5-7C61C0B5C3F4}"/>
+                </a:ext>
+              </a:extLst>
+            </p:cNvPr>
+            <p:cNvSpPr txBox="1"/>
+            <p:nvPr/>
+          </p:nvSpPr>
+          <p:spPr>
+            <a:xfrm>
+              <a:off x="2130068" y="4683384"/>
+              <a:ext cx="470376" cy="369332"/>
+            </a:xfrm>
+            <a:prstGeom prst="rect">
+              <a:avLst/>
+            </a:prstGeom>
+            <a:noFill/>
+          </p:spPr>
+          <p:txBody>
+            <a:bodyPr wrap="square">
+              <a:spAutoFit/>
+            </a:bodyPr>
+            <a:lstStyle/>
+            <a:p>
+              <a:r>
+                <a:rPr lang="ko-KR" altLang="en-US">
+                  <a:latin typeface="나눔바른고딕" panose="020B0603020101020101" pitchFamily="50" charset="-127"/>
+                  <a:ea typeface="나눔바른고딕" panose="020B0603020101020101" pitchFamily="50" charset="-127"/>
+                </a:rPr>
+                <a:t>⑥</a:t>
+              </a:r>
+              <a:endParaRPr lang="ko-KR" altLang="en-US"/>
+            </a:p>
+          </p:txBody>
+        </p:sp>
+        <p:sp>
+          <p:nvSpPr>
+            <p:cNvPr id="1056" name="TextBox 1055">
+              <a:extLst>
+                <a:ext uri="{FF2B5EF4-FFF2-40B4-BE49-F238E27FC236}">
+                  <a16:creationId xmlns:a16="http://schemas.microsoft.com/office/drawing/2014/main" id="{56CA6838-C4D8-CB5B-9143-F4C1D48D3FBD}"/>
+                </a:ext>
+              </a:extLst>
+            </p:cNvPr>
+            <p:cNvSpPr txBox="1"/>
+            <p:nvPr/>
+          </p:nvSpPr>
+          <p:spPr>
+            <a:xfrm>
+              <a:off x="2130068" y="6412713"/>
+              <a:ext cx="470376" cy="369332"/>
+            </a:xfrm>
+            <a:prstGeom prst="rect">
+              <a:avLst/>
+            </a:prstGeom>
+            <a:noFill/>
+          </p:spPr>
+          <p:txBody>
+            <a:bodyPr wrap="square">
+              <a:spAutoFit/>
+            </a:bodyPr>
+            <a:lstStyle/>
+            <a:p>
+              <a:r>
+                <a:rPr lang="ko-KR" altLang="en-US"/>
+                <a:t>⑧</a:t>
+              </a:r>
+            </a:p>
+          </p:txBody>
+        </p:sp>
+        <p:cxnSp>
+          <p:nvCxnSpPr>
+            <p:cNvPr id="1060" name="직선 화살표 연결선 1059">
+              <a:extLst>
+                <a:ext uri="{FF2B5EF4-FFF2-40B4-BE49-F238E27FC236}">
+                  <a16:creationId xmlns:a16="http://schemas.microsoft.com/office/drawing/2014/main" id="{ABD5C68D-2F83-5BC0-D020-3C517C53D5D3}"/>
+                </a:ext>
+              </a:extLst>
+            </p:cNvPr>
+            <p:cNvCxnSpPr>
+              <a:cxnSpLocks/>
+              <a:stCxn id="11" idx="1"/>
+            </p:cNvCxnSpPr>
+            <p:nvPr/>
+          </p:nvCxnSpPr>
+          <p:spPr>
+            <a:xfrm flipH="1">
+              <a:off x="-617449" y="-762506"/>
+              <a:ext cx="2053819" cy="0"/>
+            </a:xfrm>
+            <a:prstGeom prst="straightConnector1">
+              <a:avLst/>
+            </a:prstGeom>
+            <a:ln>
+              <a:headEnd type="triangle"/>
+              <a:tailEnd type="none"/>
+            </a:ln>
+          </p:spPr>
+          <p:style>
+            <a:lnRef idx="2">
+              <a:schemeClr val="dk1"/>
+            </a:lnRef>
+            <a:fillRef idx="0">
+              <a:schemeClr val="dk1"/>
+            </a:fillRef>
+            <a:effectRef idx="1">
+              <a:schemeClr val="dk1"/>
+            </a:effectRef>
+            <a:fontRef idx="minor">
+              <a:schemeClr val="tx1"/>
+            </a:fontRef>
+          </p:style>
+        </p:cxnSp>
+        <p:sp>
+          <p:nvSpPr>
+            <p:cNvPr id="1064" name="타원 1063">
+              <a:extLst>
+                <a:ext uri="{FF2B5EF4-FFF2-40B4-BE49-F238E27FC236}">
+                  <a16:creationId xmlns:a16="http://schemas.microsoft.com/office/drawing/2014/main" id="{709809EA-121C-C9D6-B470-303A484A1FBE}"/>
+                </a:ext>
+              </a:extLst>
+            </p:cNvPr>
+            <p:cNvSpPr/>
+            <p:nvPr/>
+          </p:nvSpPr>
+          <p:spPr>
+            <a:xfrm>
+              <a:off x="-678891" y="4143821"/>
+              <a:ext cx="122887" cy="122887"/>
+            </a:xfrm>
+            <a:prstGeom prst="ellipse">
+              <a:avLst/>
+            </a:prstGeom>
+            <a:solidFill>
+              <a:schemeClr val="tx1"/>
+            </a:solidFill>
+            <a:ln>
+              <a:noFill/>
+            </a:ln>
+          </p:spPr>
+          <p:style>
+            <a:lnRef idx="2">
+              <a:schemeClr val="dk1">
+                <a:shade val="15000"/>
+              </a:schemeClr>
+            </a:lnRef>
+            <a:fillRef idx="1">
+              <a:schemeClr val="dk1"/>
+            </a:fillRef>
+            <a:effectRef idx="0">
+              <a:schemeClr val="dk1"/>
+            </a:effectRef>
+            <a:fontRef idx="minor">
+              <a:schemeClr val="lt1"/>
+            </a:fontRef>
+          </p:style>
+          <p:txBody>
+            <a:bodyPr rtlCol="0" anchor="ctr"/>
+            <a:lstStyle/>
+            <a:p>
+              <a:pPr algn="ctr"/>
+              <a:endParaRPr lang="ko-KR" altLang="en-US" sz="3600"/>
+            </a:p>
+          </p:txBody>
+        </p:sp>
+        <p:sp>
+          <p:nvSpPr>
+            <p:cNvPr id="1065" name="타원 1064">
+              <a:extLst>
+                <a:ext uri="{FF2B5EF4-FFF2-40B4-BE49-F238E27FC236}">
+                  <a16:creationId xmlns:a16="http://schemas.microsoft.com/office/drawing/2014/main" id="{EC79698B-69F3-1197-55B6-B5BFA1AF6055}"/>
+                </a:ext>
+              </a:extLst>
+            </p:cNvPr>
+            <p:cNvSpPr/>
+            <p:nvPr/>
+          </p:nvSpPr>
+          <p:spPr>
+            <a:xfrm>
+              <a:off x="-678891" y="5791124"/>
+              <a:ext cx="122887" cy="122887"/>
+            </a:xfrm>
+            <a:prstGeom prst="ellipse">
+              <a:avLst/>
+            </a:prstGeom>
+            <a:solidFill>
+              <a:schemeClr val="tx1"/>
+            </a:solidFill>
+            <a:ln>
+              <a:noFill/>
+            </a:ln>
+          </p:spPr>
+          <p:style>
+            <a:lnRef idx="2">
+              <a:schemeClr val="dk1">
+                <a:shade val="15000"/>
+              </a:schemeClr>
+            </a:lnRef>
+            <a:fillRef idx="1">
+              <a:schemeClr val="dk1"/>
+            </a:fillRef>
+            <a:effectRef idx="0">
+              <a:schemeClr val="dk1"/>
+            </a:effectRef>
+            <a:fontRef idx="minor">
+              <a:schemeClr val="lt1"/>
+            </a:fontRef>
+          </p:style>
+          <p:txBody>
+            <a:bodyPr rtlCol="0" anchor="ctr"/>
+            <a:lstStyle/>
+            <a:p>
+              <a:pPr algn="ctr"/>
+              <a:endParaRPr lang="ko-KR" altLang="en-US" sz="3600"/>
+            </a:p>
+          </p:txBody>
+        </p:sp>
+      </p:grpSp>
+    </p:spTree>
+    <p:extLst>
+      <p:ext uri="{BB962C8B-B14F-4D97-AF65-F5344CB8AC3E}">
+        <p14:creationId xmlns:p14="http://schemas.microsoft.com/office/powerpoint/2010/main" val="130489372"/>
+      </p:ext>
+    </p:extLst>
+  </p:cSld>
+  <p:clrMapOvr>
+    <a:masterClrMapping/>
+  </p:clrMapOvr>
+</p:sld>
+</file>
+
 <file path=ppt/theme/theme1.xml><?xml version="1.0" encoding="utf-8"?>
 <a:theme xmlns:a="http://schemas.openxmlformats.org/drawingml/2006/main" name="Office 테마">
   <a:themeElements>
@@ -5021,4 +8771,319 @@
     </a:ext>
   </a:extLst>
 </a:theme>
+</file>
+
+<file path=ppt/theme/theme2.xml><?xml version="1.0" encoding="utf-8"?>
+<a:theme xmlns:a="http://schemas.openxmlformats.org/drawingml/2006/main" name="Office 테마">
+  <a:themeElements>
+    <a:clrScheme name="Office">
+      <a:dk1>
+        <a:sysClr val="windowText" lastClr="000000"/>
+      </a:dk1>
+      <a:lt1>
+        <a:sysClr val="window" lastClr="FFFFFF"/>
+      </a:lt1>
+      <a:dk2>
+        <a:srgbClr val="0E2841"/>
+      </a:dk2>
+      <a:lt2>
+        <a:srgbClr val="E8E8E8"/>
+      </a:lt2>
+      <a:accent1>
+        <a:srgbClr val="156082"/>
+      </a:accent1>
+      <a:accent2>
+        <a:srgbClr val="E97132"/>
+      </a:accent2>
+      <a:accent3>
+        <a:srgbClr val="196B24"/>
+      </a:accent3>
+      <a:accent4>
+        <a:srgbClr val="0F9ED5"/>
+      </a:accent4>
+      <a:accent5>
+        <a:srgbClr val="A02B93"/>
+      </a:accent5>
+      <a:accent6>
+        <a:srgbClr val="4EA72E"/>
+      </a:accent6>
+      <a:hlink>
+        <a:srgbClr val="467886"/>
+      </a:hlink>
+      <a:folHlink>
+        <a:srgbClr val="96607D"/>
+      </a:folHlink>
+    </a:clrScheme>
+    <a:fontScheme name="Office">
+      <a:majorFont>
+        <a:latin typeface="맑은 고딕" panose="02110004020202020204"/>
+        <a:ea typeface=""/>
+        <a:cs typeface=""/>
+        <a:font script="Jpan" typeface="游ゴシック Light"/>
+        <a:font script="Hang" typeface="맑은 고딕"/>
+        <a:font script="Hans" typeface="等线 Light"/>
+        <a:font script="Hant" typeface="新細明體"/>
+        <a:font script="Arab" typeface="Times New Roman"/>
+        <a:font script="Hebr" typeface="Times New Roman"/>
+        <a:font script="Thai" typeface="Angsana New"/>
+        <a:font script="Ethi" typeface="Nyala"/>
+        <a:font script="Beng" typeface="Vrinda"/>
+        <a:font script="Gujr" typeface="Shruti"/>
+        <a:font script="Khmr" typeface="MoolBoran"/>
+        <a:font script="Knda" typeface="Tunga"/>
+        <a:font script="Guru" typeface="Raavi"/>
+        <a:font script="Cans" typeface="Euphemia"/>
+        <a:font script="Cher" typeface="Plantagenet Cherokee"/>
+        <a:font script="Yiii" typeface="Microsoft Yi Baiti"/>
+        <a:font script="Tibt" typeface="Microsoft Himalaya"/>
+        <a:font script="Thaa" typeface="MV Boli"/>
+        <a:font script="Deva" typeface="Mangal"/>
+        <a:font script="Telu" typeface="Gautami"/>
+        <a:font script="Taml" typeface="Latha"/>
+        <a:font script="Syrc" typeface="Estrangelo Edessa"/>
+        <a:font script="Orya" typeface="Kalinga"/>
+        <a:font script="Mlym" typeface="Kartika"/>
+        <a:font script="Laoo" typeface="DokChampa"/>
+        <a:font script="Sinh" typeface="Iskoola Pota"/>
+        <a:font script="Mong" typeface="Mongolian Baiti"/>
+        <a:font script="Viet" typeface="Times New Roman"/>
+        <a:font script="Uigh" typeface="Microsoft Uighur"/>
+        <a:font script="Geor" typeface="Sylfaen"/>
+        <a:font script="Armn" typeface="Arial"/>
+        <a:font script="Bugi" typeface="Leelawadee UI"/>
+        <a:font script="Bopo" typeface="Microsoft JhengHei"/>
+        <a:font script="Java" typeface="Javanese Text"/>
+        <a:font script="Lisu" typeface="Segoe UI"/>
+        <a:font script="Mymr" typeface="Myanmar Text"/>
+        <a:font script="Nkoo" typeface="Ebrima"/>
+        <a:font script="Olck" typeface="Nirmala UI"/>
+        <a:font script="Osma" typeface="Ebrima"/>
+        <a:font script="Phag" typeface="Phagspa"/>
+        <a:font script="Syrn" typeface="Estrangelo Edessa"/>
+        <a:font script="Syrj" typeface="Estrangelo Edessa"/>
+        <a:font script="Syre" typeface="Estrangelo Edessa"/>
+        <a:font script="Sora" typeface="Nirmala UI"/>
+        <a:font script="Tale" typeface="Microsoft Tai Le"/>
+        <a:font script="Talu" typeface="Microsoft New Tai Lue"/>
+        <a:font script="Tfng" typeface="Ebrima"/>
+      </a:majorFont>
+      <a:minorFont>
+        <a:latin typeface="맑은 고딕" panose="02110004020202020204"/>
+        <a:ea typeface=""/>
+        <a:cs typeface=""/>
+        <a:font script="Jpan" typeface="游ゴシック"/>
+        <a:font script="Hang" typeface="맑은 고딕"/>
+        <a:font script="Hans" typeface="等线"/>
+        <a:font script="Hant" typeface="新細明體"/>
+        <a:font script="Arab" typeface="Arial"/>
+        <a:font script="Hebr" typeface="Arial"/>
+        <a:font script="Thai" typeface="Cordia New"/>
+        <a:font script="Ethi" typeface="Nyala"/>
+        <a:font script="Beng" typeface="Vrinda"/>
+        <a:font script="Gujr" typeface="Shruti"/>
+        <a:font script="Khmr" typeface="DaunPenh"/>
+        <a:font script="Knda" typeface="Tunga"/>
+        <a:font script="Guru" typeface="Raavi"/>
+        <a:font script="Cans" typeface="Euphemia"/>
+        <a:font script="Cher" typeface="Plantagenet Cherokee"/>
+        <a:font script="Yiii" typeface="Microsoft Yi Baiti"/>
+        <a:font script="Tibt" typeface="Microsoft Himalaya"/>
+        <a:font script="Thaa" typeface="MV Boli"/>
+        <a:font script="Deva" typeface="Mangal"/>
+        <a:font script="Telu" typeface="Gautami"/>
+        <a:font script="Taml" typeface="Latha"/>
+        <a:font script="Syrc" typeface="Estrangelo Edessa"/>
+        <a:font script="Orya" typeface="Kalinga"/>
+        <a:font script="Mlym" typeface="Kartika"/>
+        <a:font script="Laoo" typeface="DokChampa"/>
+        <a:font script="Sinh" typeface="Iskoola Pota"/>
+        <a:font script="Mong" typeface="Mongolian Baiti"/>
+        <a:font script="Viet" typeface="Arial"/>
+        <a:font script="Uigh" typeface="Microsoft Uighur"/>
+        <a:font script="Geor" typeface="Sylfaen"/>
+        <a:font script="Armn" typeface="Arial"/>
+        <a:font script="Bugi" typeface="Leelawadee UI"/>
+        <a:font script="Bopo" typeface="Microsoft JhengHei"/>
+        <a:font script="Java" typeface="Javanese Text"/>
+        <a:font script="Lisu" typeface="Segoe UI"/>
+        <a:font script="Mymr" typeface="Myanmar Text"/>
+        <a:font script="Nkoo" typeface="Ebrima"/>
+        <a:font script="Olck" typeface="Nirmala UI"/>
+        <a:font script="Osma" typeface="Ebrima"/>
+        <a:font script="Phag" typeface="Phagspa"/>
+        <a:font script="Syrn" typeface="Estrangelo Edessa"/>
+        <a:font script="Syrj" typeface="Estrangelo Edessa"/>
+        <a:font script="Syre" typeface="Estrangelo Edessa"/>
+        <a:font script="Sora" typeface="Nirmala UI"/>
+        <a:font script="Tale" typeface="Microsoft Tai Le"/>
+        <a:font script="Talu" typeface="Microsoft New Tai Lue"/>
+        <a:font script="Tfng" typeface="Ebrima"/>
+      </a:minorFont>
+    </a:fontScheme>
+    <a:fmtScheme name="Office">
+      <a:fillStyleLst>
+        <a:solidFill>
+          <a:schemeClr val="phClr"/>
+        </a:solidFill>
+        <a:gradFill rotWithShape="1">
+          <a:gsLst>
+            <a:gs pos="0">
+              <a:schemeClr val="phClr">
+                <a:lumMod val="110000"/>
+                <a:satMod val="105000"/>
+                <a:tint val="67000"/>
+              </a:schemeClr>
+            </a:gs>
+            <a:gs pos="50000">
+              <a:schemeClr val="phClr">
+                <a:lumMod val="105000"/>
+                <a:satMod val="103000"/>
+                <a:tint val="73000"/>
+              </a:schemeClr>
+            </a:gs>
+            <a:gs pos="100000">
+              <a:schemeClr val="phClr">
+                <a:lumMod val="105000"/>
+                <a:satMod val="109000"/>
+                <a:tint val="81000"/>
+              </a:schemeClr>
+            </a:gs>
+          </a:gsLst>
+          <a:lin ang="5400000" scaled="0"/>
+        </a:gradFill>
+        <a:gradFill rotWithShape="1">
+          <a:gsLst>
+            <a:gs pos="0">
+              <a:schemeClr val="phClr">
+                <a:satMod val="103000"/>
+                <a:lumMod val="102000"/>
+                <a:tint val="94000"/>
+              </a:schemeClr>
+            </a:gs>
+            <a:gs pos="50000">
+              <a:schemeClr val="phClr">
+                <a:satMod val="110000"/>
+                <a:lumMod val="100000"/>
+                <a:shade val="100000"/>
+              </a:schemeClr>
+            </a:gs>
+            <a:gs pos="100000">
+              <a:schemeClr val="phClr">
+                <a:lumMod val="99000"/>
+                <a:satMod val="120000"/>
+                <a:shade val="78000"/>
+              </a:schemeClr>
+            </a:gs>
+          </a:gsLst>
+          <a:lin ang="5400000" scaled="0"/>
+        </a:gradFill>
+      </a:fillStyleLst>
+      <a:lnStyleLst>
+        <a:ln w="12700" cap="flat" cmpd="sng" algn="ctr">
+          <a:solidFill>
+            <a:schemeClr val="phClr"/>
+          </a:solidFill>
+          <a:prstDash val="solid"/>
+          <a:miter lim="800000"/>
+        </a:ln>
+        <a:ln w="19050" cap="flat" cmpd="sng" algn="ctr">
+          <a:solidFill>
+            <a:schemeClr val="phClr"/>
+          </a:solidFill>
+          <a:prstDash val="solid"/>
+          <a:miter lim="800000"/>
+        </a:ln>
+        <a:ln w="25400" cap="flat" cmpd="sng" algn="ctr">
+          <a:solidFill>
+            <a:schemeClr val="phClr"/>
+          </a:solidFill>
+          <a:prstDash val="solid"/>
+          <a:miter lim="800000"/>
+        </a:ln>
+      </a:lnStyleLst>
+      <a:effectStyleLst>
+        <a:effectStyle>
+          <a:effectLst/>
+        </a:effectStyle>
+        <a:effectStyle>
+          <a:effectLst/>
+        </a:effectStyle>
+        <a:effectStyle>
+          <a:effectLst>
+            <a:outerShdw blurRad="57150" dist="19050" dir="5400000" algn="ctr" rotWithShape="0">
+              <a:srgbClr val="000000">
+                <a:alpha val="63000"/>
+              </a:srgbClr>
+            </a:outerShdw>
+          </a:effectLst>
+        </a:effectStyle>
+      </a:effectStyleLst>
+      <a:bgFillStyleLst>
+        <a:solidFill>
+          <a:schemeClr val="phClr"/>
+        </a:solidFill>
+        <a:solidFill>
+          <a:schemeClr val="phClr">
+            <a:tint val="95000"/>
+            <a:satMod val="170000"/>
+          </a:schemeClr>
+        </a:solidFill>
+        <a:gradFill rotWithShape="1">
+          <a:gsLst>
+            <a:gs pos="0">
+              <a:schemeClr val="phClr">
+                <a:tint val="93000"/>
+                <a:satMod val="150000"/>
+                <a:shade val="98000"/>
+                <a:lumMod val="102000"/>
+              </a:schemeClr>
+            </a:gs>
+            <a:gs pos="50000">
+              <a:schemeClr val="phClr">
+                <a:tint val="98000"/>
+                <a:satMod val="130000"/>
+                <a:shade val="90000"/>
+                <a:lumMod val="103000"/>
+              </a:schemeClr>
+            </a:gs>
+            <a:gs pos="100000">
+              <a:schemeClr val="phClr">
+                <a:shade val="63000"/>
+                <a:satMod val="120000"/>
+              </a:schemeClr>
+            </a:gs>
+          </a:gsLst>
+          <a:lin ang="5400000" scaled="0"/>
+        </a:gradFill>
+      </a:bgFillStyleLst>
+    </a:fmtScheme>
+  </a:themeElements>
+  <a:objectDefaults>
+    <a:lnDef>
+      <a:spPr/>
+      <a:bodyPr/>
+      <a:lstStyle/>
+      <a:style>
+        <a:lnRef idx="2">
+          <a:schemeClr val="accent1"/>
+        </a:lnRef>
+        <a:fillRef idx="0">
+          <a:schemeClr val="accent1"/>
+        </a:fillRef>
+        <a:effectRef idx="1">
+          <a:schemeClr val="accent1"/>
+        </a:effectRef>
+        <a:fontRef idx="minor">
+          <a:schemeClr val="tx1"/>
+        </a:fontRef>
+      </a:style>
+    </a:lnDef>
+  </a:objectDefaults>
+  <a:extraClrSchemeLst/>
+  <a:extLst>
+    <a:ext uri="{05A4C25C-085E-4340-85A3-A5531E510DB2}">
+      <thm15:themeFamily xmlns:thm15="http://schemas.microsoft.com/office/thememl/2012/main" name="Office Theme" id="{2E142A2C-CD16-42D6-873A-C26D2A0506FA}" vid="{1BDDFF52-6CD6-40A5-AB3C-68EB2F1E4D0A}"/>
+    </a:ext>
+  </a:extLst>
+</a:theme>
 </file>
--- a/assets/img/math/calculus/basic_optimization/basic_optimization.pptx
+++ b/assets/img/math/calculus/basic_optimization/basic_optimization.pptx
@@ -696,7 +696,7 @@
           <a:p>
             <a:fld id="{DF489DE6-6DBB-4098-880A-A8B378CCF17A}" type="datetimeFigureOut">
               <a:rPr lang="ko-KR" altLang="en-US" smtClean="0"/>
-              <a:t>2024-05-22</a:t>
+              <a:t>2024-05-23</a:t>
             </a:fld>
             <a:endParaRPr lang="ko-KR" altLang="en-US"/>
           </a:p>
@@ -894,7 +894,7 @@
           <a:p>
             <a:fld id="{DF489DE6-6DBB-4098-880A-A8B378CCF17A}" type="datetimeFigureOut">
               <a:rPr lang="ko-KR" altLang="en-US" smtClean="0"/>
-              <a:t>2024-05-22</a:t>
+              <a:t>2024-05-23</a:t>
             </a:fld>
             <a:endParaRPr lang="ko-KR" altLang="en-US"/>
           </a:p>
@@ -1102,7 +1102,7 @@
           <a:p>
             <a:fld id="{DF489DE6-6DBB-4098-880A-A8B378CCF17A}" type="datetimeFigureOut">
               <a:rPr lang="ko-KR" altLang="en-US" smtClean="0"/>
-              <a:t>2024-05-22</a:t>
+              <a:t>2024-05-23</a:t>
             </a:fld>
             <a:endParaRPr lang="ko-KR" altLang="en-US"/>
           </a:p>
@@ -1300,7 +1300,7 @@
           <a:p>
             <a:fld id="{DF489DE6-6DBB-4098-880A-A8B378CCF17A}" type="datetimeFigureOut">
               <a:rPr lang="ko-KR" altLang="en-US" smtClean="0"/>
-              <a:t>2024-05-22</a:t>
+              <a:t>2024-05-23</a:t>
             </a:fld>
             <a:endParaRPr lang="ko-KR" altLang="en-US"/>
           </a:p>
@@ -1575,7 +1575,7 @@
           <a:p>
             <a:fld id="{DF489DE6-6DBB-4098-880A-A8B378CCF17A}" type="datetimeFigureOut">
               <a:rPr lang="ko-KR" altLang="en-US" smtClean="0"/>
-              <a:t>2024-05-22</a:t>
+              <a:t>2024-05-23</a:t>
             </a:fld>
             <a:endParaRPr lang="ko-KR" altLang="en-US"/>
           </a:p>
@@ -1840,7 +1840,7 @@
           <a:p>
             <a:fld id="{DF489DE6-6DBB-4098-880A-A8B378CCF17A}" type="datetimeFigureOut">
               <a:rPr lang="ko-KR" altLang="en-US" smtClean="0"/>
-              <a:t>2024-05-22</a:t>
+              <a:t>2024-05-23</a:t>
             </a:fld>
             <a:endParaRPr lang="ko-KR" altLang="en-US"/>
           </a:p>
@@ -2252,7 +2252,7 @@
           <a:p>
             <a:fld id="{DF489DE6-6DBB-4098-880A-A8B378CCF17A}" type="datetimeFigureOut">
               <a:rPr lang="ko-KR" altLang="en-US" smtClean="0"/>
-              <a:t>2024-05-22</a:t>
+              <a:t>2024-05-23</a:t>
             </a:fld>
             <a:endParaRPr lang="ko-KR" altLang="en-US"/>
           </a:p>
@@ -2393,7 +2393,7 @@
           <a:p>
             <a:fld id="{DF489DE6-6DBB-4098-880A-A8B378CCF17A}" type="datetimeFigureOut">
               <a:rPr lang="ko-KR" altLang="en-US" smtClean="0"/>
-              <a:t>2024-05-22</a:t>
+              <a:t>2024-05-23</a:t>
             </a:fld>
             <a:endParaRPr lang="ko-KR" altLang="en-US"/>
           </a:p>
@@ -2506,7 +2506,7 @@
           <a:p>
             <a:fld id="{DF489DE6-6DBB-4098-880A-A8B378CCF17A}" type="datetimeFigureOut">
               <a:rPr lang="ko-KR" altLang="en-US" smtClean="0"/>
-              <a:t>2024-05-22</a:t>
+              <a:t>2024-05-23</a:t>
             </a:fld>
             <a:endParaRPr lang="ko-KR" altLang="en-US"/>
           </a:p>
@@ -2817,7 +2817,7 @@
           <a:p>
             <a:fld id="{DF489DE6-6DBB-4098-880A-A8B378CCF17A}" type="datetimeFigureOut">
               <a:rPr lang="ko-KR" altLang="en-US" smtClean="0"/>
-              <a:t>2024-05-22</a:t>
+              <a:t>2024-05-23</a:t>
             </a:fld>
             <a:endParaRPr lang="ko-KR" altLang="en-US"/>
           </a:p>
@@ -3105,7 +3105,7 @@
           <a:p>
             <a:fld id="{DF489DE6-6DBB-4098-880A-A8B378CCF17A}" type="datetimeFigureOut">
               <a:rPr lang="ko-KR" altLang="en-US" smtClean="0"/>
-              <a:t>2024-05-22</a:t>
+              <a:t>2024-05-23</a:t>
             </a:fld>
             <a:endParaRPr lang="ko-KR" altLang="en-US"/>
           </a:p>
@@ -3346,7 +3346,7 @@
           <a:p>
             <a:fld id="{DF489DE6-6DBB-4098-880A-A8B378CCF17A}" type="datetimeFigureOut">
               <a:rPr lang="ko-KR" altLang="en-US" smtClean="0"/>
-              <a:t>2024-05-22</a:t>
+              <a:t>2024-05-23</a:t>
             </a:fld>
             <a:endParaRPr lang="ko-KR" altLang="en-US"/>
           </a:p>
@@ -5169,10 +5169,10 @@
       </p:grpSpPr>
       <p:grpSp>
         <p:nvGrpSpPr>
-          <p:cNvPr id="1222" name="그룹 1221">
+          <p:cNvPr id="5" name="그룹 4">
             <a:extLst>
               <a:ext uri="{FF2B5EF4-FFF2-40B4-BE49-F238E27FC236}">
-                <a16:creationId xmlns:a16="http://schemas.microsoft.com/office/drawing/2014/main" id="{0ACFB159-926C-57E1-63E3-E39671376995}"/>
+                <a16:creationId xmlns:a16="http://schemas.microsoft.com/office/drawing/2014/main" id="{809A436D-4199-7D0E-AC25-998576293B75}"/>
               </a:ext>
             </a:extLst>
           </p:cNvPr>
@@ -5181,584 +5181,144 @@
         </p:nvGrpSpPr>
         <p:grpSpPr>
           <a:xfrm>
-            <a:off x="-1370081" y="-3522438"/>
-            <a:ext cx="7466081" cy="12909948"/>
-            <a:chOff x="-1969680" y="-4322538"/>
-            <a:chExt cx="7466081" cy="12909948"/>
+            <a:off x="-1370081" y="-4418423"/>
+            <a:ext cx="8376685" cy="13805933"/>
+            <a:chOff x="-1370081" y="-4418423"/>
+            <a:chExt cx="8376685" cy="13805933"/>
           </a:xfrm>
         </p:grpSpPr>
-        <p:cxnSp>
-          <p:nvCxnSpPr>
-            <p:cNvPr id="1057" name="직선 화살표 연결선 1056">
+        <p:grpSp>
+          <p:nvGrpSpPr>
+            <p:cNvPr id="1222" name="그룹 1221">
               <a:extLst>
                 <a:ext uri="{FF2B5EF4-FFF2-40B4-BE49-F238E27FC236}">
-                  <a16:creationId xmlns:a16="http://schemas.microsoft.com/office/drawing/2014/main" id="{EE991A1C-2DB6-4AFD-5D92-CD8FD04D934A}"/>
+                  <a16:creationId xmlns:a16="http://schemas.microsoft.com/office/drawing/2014/main" id="{0ACFB159-926C-57E1-63E3-E39671376995}"/>
                 </a:ext>
               </a:extLst>
             </p:cNvPr>
-            <p:cNvCxnSpPr>
-              <a:cxnSpLocks/>
-              <a:endCxn id="38" idx="0"/>
-            </p:cNvCxnSpPr>
+            <p:cNvGrpSpPr/>
             <p:nvPr/>
-          </p:nvCxnSpPr>
-          <p:spPr>
+          </p:nvGrpSpPr>
+          <p:grpSpPr>
             <a:xfrm>
-              <a:off x="-617448" y="-762506"/>
-              <a:ext cx="1" cy="6603864"/>
+              <a:off x="-1370081" y="-3522438"/>
+              <a:ext cx="7466081" cy="12909948"/>
+              <a:chOff x="-1969680" y="-4322538"/>
+              <a:chExt cx="7466081" cy="12909948"/>
             </a:xfrm>
-            <a:prstGeom prst="straightConnector1">
-              <a:avLst/>
-            </a:prstGeom>
-            <a:ln>
-              <a:headEnd type="none"/>
-              <a:tailEnd type="none"/>
-            </a:ln>
-          </p:spPr>
-          <p:style>
-            <a:lnRef idx="2">
-              <a:schemeClr val="dk1"/>
-            </a:lnRef>
-            <a:fillRef idx="0">
-              <a:schemeClr val="dk1"/>
-            </a:fillRef>
-            <a:effectRef idx="1">
-              <a:schemeClr val="dk1"/>
-            </a:effectRef>
-            <a:fontRef idx="minor">
-              <a:schemeClr val="tx1"/>
-            </a:fontRef>
-          </p:style>
-        </p:cxnSp>
-        <mc:AlternateContent xmlns:mc="http://schemas.openxmlformats.org/markup-compatibility/2006">
-          <mc:Choice xmlns:a14="http://schemas.microsoft.com/office/drawing/2010/main" Requires="a14">
-            <p:sp>
-              <p:nvSpPr>
-                <p:cNvPr id="4" name="직사각형 3">
-                  <a:extLst>
-                    <a:ext uri="{FF2B5EF4-FFF2-40B4-BE49-F238E27FC236}">
-                      <a16:creationId xmlns:a16="http://schemas.microsoft.com/office/drawing/2014/main" id="{99D9D8CE-B937-62EB-ABFF-82AF2864E18B}"/>
-                    </a:ext>
-                  </a:extLst>
-                </p:cNvPr>
-                <p:cNvSpPr/>
-                <p:nvPr/>
-              </p:nvSpPr>
-              <p:spPr>
-                <a:xfrm>
-                  <a:off x="1338740" y="-3118119"/>
-                  <a:ext cx="4157661" cy="1457326"/>
-                </a:xfrm>
-                <a:prstGeom prst="rect">
-                  <a:avLst/>
-                </a:prstGeom>
-              </p:spPr>
-              <p:style>
-                <a:lnRef idx="2">
-                  <a:schemeClr val="dk1"/>
-                </a:lnRef>
-                <a:fillRef idx="1">
-                  <a:schemeClr val="lt1"/>
-                </a:fillRef>
-                <a:effectRef idx="0">
-                  <a:schemeClr val="dk1"/>
-                </a:effectRef>
-                <a:fontRef idx="minor">
-                  <a:schemeClr val="dk1"/>
-                </a:fontRef>
-              </p:style>
-              <p:txBody>
-                <a:bodyPr rtlCol="0" anchor="ctr"/>
-                <a:lstStyle/>
-                <a:p>
-                  <a:pPr algn="ctr">
-                    <a:lnSpc>
-                      <a:spcPct val="120000"/>
-                    </a:lnSpc>
-                  </a:pPr>
-                  <a:r>
-                    <a:rPr lang="ko-KR" altLang="en-US">
-                      <a:latin typeface="나눔바른고딕" panose="020B0603020101020101" pitchFamily="50" charset="-127"/>
-                      <a:ea typeface="나눔바른고딕" panose="020B0603020101020101" pitchFamily="50" charset="-127"/>
-                    </a:rPr>
-                    <a:t>① </a:t>
-                  </a:r>
-                  <a:r>
-                    <a:rPr lang="en-US" altLang="ko-KR">
-                      <a:latin typeface="나눔바른고딕" panose="020B0603020101020101" pitchFamily="50" charset="-127"/>
-                      <a:ea typeface="나눔바른고딕" panose="020B0603020101020101" pitchFamily="50" charset="-127"/>
-                    </a:rPr>
-                    <a:t>initialization</a:t>
-                  </a:r>
-                </a:p>
-                <a:p>
-                  <a:pPr algn="ctr">
-                    <a:lnSpc>
-                      <a:spcPct val="120000"/>
-                    </a:lnSpc>
-                  </a:pPr>
-                  <a14:m>
-                    <m:oMath xmlns:m="http://schemas.openxmlformats.org/officeDocument/2006/math">
-                      <m:r>
-                        <a:rPr lang="en-US" altLang="ko-KR" b="0" i="1" smtClean="0">
-                          <a:latin typeface="Cambria Math" panose="02040503050406030204" pitchFamily="18" charset="0"/>
-                          <a:ea typeface="나눔바른고딕" panose="020B0603020101020101" pitchFamily="50" charset="-127"/>
-                        </a:rPr>
-                        <m:t>𝑤</m:t>
-                      </m:r>
-                      <m:d>
-                        <m:dPr>
-                          <m:ctrlPr>
-                            <a:rPr lang="en-US" altLang="ko-KR" b="0" i="1" smtClean="0">
-                              <a:latin typeface="Cambria Math" panose="02040503050406030204" pitchFamily="18" charset="0"/>
-                              <a:ea typeface="나눔바른고딕" panose="020B0603020101020101" pitchFamily="50" charset="-127"/>
-                            </a:rPr>
-                          </m:ctrlPr>
-                        </m:dPr>
-                        <m:e>
-                          <m:r>
-                            <a:rPr lang="en-US" altLang="ko-KR" b="0" i="1" smtClean="0">
-                              <a:latin typeface="Cambria Math" panose="02040503050406030204" pitchFamily="18" charset="0"/>
-                              <a:ea typeface="나눔바른고딕" panose="020B0603020101020101" pitchFamily="50" charset="-127"/>
-                            </a:rPr>
-                            <m:t>𝑝𝑎𝑟𝑎𝑚𝑒𝑡𝑒𝑟</m:t>
-                          </m:r>
-                        </m:e>
-                      </m:d>
-                    </m:oMath>
-                  </a14:m>
-                  <a:r>
-                    <a:rPr lang="en-US" altLang="ko-KR">
-                      <a:latin typeface="나눔바른고딕" panose="020B0603020101020101" pitchFamily="50" charset="-127"/>
-                      <a:ea typeface="나눔바른고딕" panose="020B0603020101020101" pitchFamily="50" charset="-127"/>
-                    </a:rPr>
-                    <a:t>,</a:t>
-                  </a:r>
-                  <a:r>
-                    <a:rPr lang="ko-KR" altLang="en-US">
-                      <a:latin typeface="나눔바른고딕" panose="020B0603020101020101" pitchFamily="50" charset="-127"/>
-                      <a:ea typeface="나눔바른고딕" panose="020B0603020101020101" pitchFamily="50" charset="-127"/>
-                    </a:rPr>
-                    <a:t> </a:t>
-                  </a:r>
-                  <a14:m>
-                    <m:oMath xmlns:m="http://schemas.openxmlformats.org/officeDocument/2006/math">
-                      <m:r>
-                        <a:rPr lang="en-US" altLang="ko-KR" i="1">
-                          <a:latin typeface="Cambria Math" panose="02040503050406030204" pitchFamily="18" charset="0"/>
-                          <a:ea typeface="나눔바른고딕" panose="020B0603020101020101" pitchFamily="50" charset="-127"/>
-                        </a:rPr>
-                        <m:t>𝜇</m:t>
-                      </m:r>
-                      <m:r>
-                        <a:rPr lang="en-US" altLang="ko-KR" i="1">
-                          <a:latin typeface="Cambria Math" panose="02040503050406030204" pitchFamily="18" charset="0"/>
-                          <a:ea typeface="나눔바른고딕" panose="020B0603020101020101" pitchFamily="50" charset="-127"/>
-                        </a:rPr>
-                        <m:t>=0.01</m:t>
-                      </m:r>
-                    </m:oMath>
-                  </a14:m>
-                  <a:r>
-                    <a:rPr lang="en-US" altLang="ko-KR">
-                      <a:latin typeface="나눔바른고딕" panose="020B0603020101020101" pitchFamily="50" charset="-127"/>
-                      <a:ea typeface="나눔바른고딕" panose="020B0603020101020101" pitchFamily="50" charset="-127"/>
-                    </a:rPr>
-                    <a:t>, </a:t>
-                  </a:r>
-                  <a14:m>
-                    <m:oMath xmlns:m="http://schemas.openxmlformats.org/officeDocument/2006/math">
-                      <m:r>
-                        <m:rPr>
-                          <m:sty m:val="p"/>
-                        </m:rPr>
-                        <a:rPr lang="en-US" altLang="ko-KR" i="1">
-                          <a:latin typeface="Cambria Math" panose="02040503050406030204" pitchFamily="18" charset="0"/>
-                          <a:ea typeface="나눔바른고딕" panose="020B0603020101020101" pitchFamily="50" charset="-127"/>
-                        </a:rPr>
-                        <m:t>ν</m:t>
-                      </m:r>
-                      <m:r>
-                        <a:rPr lang="en-US" altLang="ko-KR" i="1">
-                          <a:latin typeface="Cambria Math" panose="02040503050406030204" pitchFamily="18" charset="0"/>
-                          <a:ea typeface="나눔바른고딕" panose="020B0603020101020101" pitchFamily="50" charset="-127"/>
-                        </a:rPr>
-                        <m:t>=10 (</m:t>
-                      </m:r>
-                      <m:r>
-                        <a:rPr lang="en-US" altLang="ko-KR" b="0" i="1" smtClean="0">
-                          <a:latin typeface="Cambria Math" panose="02040503050406030204" pitchFamily="18" charset="0"/>
-                          <a:ea typeface="나눔바른고딕" panose="020B0603020101020101" pitchFamily="50" charset="-127"/>
-                        </a:rPr>
-                        <m:t>&gt;0)</m:t>
-                      </m:r>
-                    </m:oMath>
-                  </a14:m>
-                  <a:endParaRPr lang="en-US" altLang="ko-KR">
-                    <a:latin typeface="나눔바른고딕" panose="020B0603020101020101" pitchFamily="50" charset="-127"/>
-                    <a:ea typeface="나눔바른고딕" panose="020B0603020101020101" pitchFamily="50" charset="-127"/>
-                  </a:endParaRPr>
-                </a:p>
-                <a:p>
-                  <a:pPr algn="ctr">
-                    <a:lnSpc>
-                      <a:spcPct val="120000"/>
-                    </a:lnSpc>
-                  </a:pPr>
-                  <a14:m>
-                    <m:oMathPara xmlns:m="http://schemas.openxmlformats.org/officeDocument/2006/math">
-                      <m:oMathParaPr>
-                        <m:jc m:val="centerGroup"/>
-                      </m:oMathParaPr>
+          </p:grpSpPr>
+          <p:cxnSp>
+            <p:nvCxnSpPr>
+              <p:cNvPr id="1057" name="직선 화살표 연결선 1056">
+                <a:extLst>
+                  <a:ext uri="{FF2B5EF4-FFF2-40B4-BE49-F238E27FC236}">
+                    <a16:creationId xmlns:a16="http://schemas.microsoft.com/office/drawing/2014/main" id="{EE991A1C-2DB6-4AFD-5D92-CD8FD04D934A}"/>
+                  </a:ext>
+                </a:extLst>
+              </p:cNvPr>
+              <p:cNvCxnSpPr>
+                <a:cxnSpLocks/>
+                <a:endCxn id="38" idx="0"/>
+              </p:cNvCxnSpPr>
+              <p:nvPr/>
+            </p:nvCxnSpPr>
+            <p:spPr>
+              <a:xfrm>
+                <a:off x="-617448" y="-762506"/>
+                <a:ext cx="1" cy="6603864"/>
+              </a:xfrm>
+              <a:prstGeom prst="straightConnector1">
+                <a:avLst/>
+              </a:prstGeom>
+              <a:ln>
+                <a:headEnd type="none"/>
+                <a:tailEnd type="none"/>
+              </a:ln>
+            </p:spPr>
+            <p:style>
+              <a:lnRef idx="2">
+                <a:schemeClr val="dk1"/>
+              </a:lnRef>
+              <a:fillRef idx="0">
+                <a:schemeClr val="dk1"/>
+              </a:fillRef>
+              <a:effectRef idx="1">
+                <a:schemeClr val="dk1"/>
+              </a:effectRef>
+              <a:fontRef idx="minor">
+                <a:schemeClr val="tx1"/>
+              </a:fontRef>
+            </p:style>
+          </p:cxnSp>
+          <mc:AlternateContent xmlns:mc="http://schemas.openxmlformats.org/markup-compatibility/2006" xmlns:a14="http://schemas.microsoft.com/office/drawing/2010/main">
+            <mc:Choice Requires="a14">
+              <p:sp>
+                <p:nvSpPr>
+                  <p:cNvPr id="4" name="직사각형 3">
+                    <a:extLst>
+                      <a:ext uri="{FF2B5EF4-FFF2-40B4-BE49-F238E27FC236}">
+                        <a16:creationId xmlns:a16="http://schemas.microsoft.com/office/drawing/2014/main" id="{99D9D8CE-B937-62EB-ABFF-82AF2864E18B}"/>
+                      </a:ext>
+                    </a:extLst>
+                  </p:cNvPr>
+                  <p:cNvSpPr/>
+                  <p:nvPr/>
+                </p:nvSpPr>
+                <p:spPr>
+                  <a:xfrm>
+                    <a:off x="1338740" y="-3118119"/>
+                    <a:ext cx="4157661" cy="1457326"/>
+                  </a:xfrm>
+                  <a:prstGeom prst="rect">
+                    <a:avLst/>
+                  </a:prstGeom>
+                </p:spPr>
+                <p:style>
+                  <a:lnRef idx="2">
+                    <a:schemeClr val="dk1"/>
+                  </a:lnRef>
+                  <a:fillRef idx="1">
+                    <a:schemeClr val="lt1"/>
+                  </a:fillRef>
+                  <a:effectRef idx="0">
+                    <a:schemeClr val="dk1"/>
+                  </a:effectRef>
+                  <a:fontRef idx="minor">
+                    <a:schemeClr val="dk1"/>
+                  </a:fontRef>
+                </p:style>
+                <p:txBody>
+                  <a:bodyPr rtlCol="0" anchor="ctr"/>
+                  <a:lstStyle/>
+                  <a:p>
+                    <a:pPr algn="ctr">
+                      <a:lnSpc>
+                        <a:spcPct val="120000"/>
+                      </a:lnSpc>
+                    </a:pPr>
+                    <a:r>
+                      <a:rPr lang="ko-KR" altLang="en-US">
+                        <a:latin typeface="나눔바른고딕" panose="020B0603020101020101" pitchFamily="50" charset="-127"/>
+                        <a:ea typeface="나눔바른고딕" panose="020B0603020101020101" pitchFamily="50" charset="-127"/>
+                      </a:rPr>
+                      <a:t>① </a:t>
+                    </a:r>
+                    <a:r>
+                      <a:rPr lang="en-US" altLang="ko-KR">
+                        <a:latin typeface="나눔바른고딕" panose="020B0603020101020101" pitchFamily="50" charset="-127"/>
+                        <a:ea typeface="나눔바른고딕" panose="020B0603020101020101" pitchFamily="50" charset="-127"/>
+                      </a:rPr>
+                      <a:t>initialization</a:t>
+                    </a:r>
+                  </a:p>
+                  <a:p>
+                    <a:pPr algn="ctr">
+                      <a:lnSpc>
+                        <a:spcPct val="120000"/>
+                      </a:lnSpc>
+                    </a:pPr>
+                    <a14:m>
                       <m:oMath xmlns:m="http://schemas.openxmlformats.org/officeDocument/2006/math">
-                        <m:r>
-                          <m:rPr>
-                            <m:nor/>
-                          </m:rPr>
-                          <a:rPr lang="en-US" altLang="ko-KR" b="0" i="0" smtClean="0">
-                            <a:latin typeface="Cambria Math" panose="02040503050406030204" pitchFamily="18" charset="0"/>
-                            <a:ea typeface="나눔바른고딕" panose="020B0603020101020101" pitchFamily="50" charset="-127"/>
-                          </a:rPr>
-                          <m:t>converge</m:t>
-                        </m:r>
-                        <m:r>
-                          <m:rPr>
-                            <m:nor/>
-                          </m:rPr>
-                          <a:rPr lang="en-US" altLang="ko-KR" b="0" i="0" smtClean="0">
-                            <a:latin typeface="Cambria Math" panose="02040503050406030204" pitchFamily="18" charset="0"/>
-                            <a:ea typeface="나눔바른고딕" panose="020B0603020101020101" pitchFamily="50" charset="-127"/>
-                          </a:rPr>
-                          <m:t>_</m:t>
-                        </m:r>
-                        <m:r>
-                          <m:rPr>
-                            <m:nor/>
-                          </m:rPr>
-                          <a:rPr lang="en-US" altLang="ko-KR" b="0" i="0" smtClean="0">
-                            <a:latin typeface="Cambria Math" panose="02040503050406030204" pitchFamily="18" charset="0"/>
-                            <a:ea typeface="나눔바른고딕" panose="020B0603020101020101" pitchFamily="50" charset="-127"/>
-                          </a:rPr>
-                          <m:t>threshold</m:t>
-                        </m:r>
-                        <m:r>
-                          <m:rPr>
-                            <m:nor/>
-                          </m:rPr>
-                          <a:rPr lang="en-US" altLang="ko-KR" b="0" i="0" smtClean="0">
-                            <a:latin typeface="Cambria Math" panose="02040503050406030204" pitchFamily="18" charset="0"/>
-                            <a:ea typeface="나눔바른고딕" panose="020B0603020101020101" pitchFamily="50" charset="-127"/>
-                          </a:rPr>
-                          <m:t> = 0.00001</m:t>
-                        </m:r>
-                      </m:oMath>
-                    </m:oMathPara>
-                  </a14:m>
-                  <a:endParaRPr lang="en-US" altLang="ko-KR">
-                    <a:latin typeface="나눔바른고딕" panose="020B0603020101020101" pitchFamily="50" charset="-127"/>
-                    <a:ea typeface="나눔바른고딕" panose="020B0603020101020101" pitchFamily="50" charset="-127"/>
-                  </a:endParaRPr>
-                </a:p>
-              </p:txBody>
-            </p:sp>
-          </mc:Choice>
-          <mc:Fallback>
-            <p:sp>
-              <p:nvSpPr>
-                <p:cNvPr id="4" name="직사각형 3">
-                  <a:extLst>
-                    <a:ext uri="{FF2B5EF4-FFF2-40B4-BE49-F238E27FC236}">
-                      <a16:creationId xmlns:a16="http://schemas.microsoft.com/office/drawing/2014/main" id="{99D9D8CE-B937-62EB-ABFF-82AF2864E18B}"/>
-                    </a:ext>
-                  </a:extLst>
-                </p:cNvPr>
-                <p:cNvSpPr>
-                  <a:spLocks noRot="1" noChangeAspect="1" noMove="1" noResize="1" noEditPoints="1" noAdjustHandles="1" noChangeArrowheads="1" noChangeShapeType="1" noTextEdit="1"/>
-                </p:cNvSpPr>
-                <p:nvPr/>
-              </p:nvSpPr>
-              <p:spPr>
-                <a:xfrm>
-                  <a:off x="1338740" y="-3118119"/>
-                  <a:ext cx="4157661" cy="1457326"/>
-                </a:xfrm>
-                <a:prstGeom prst="rect">
-                  <a:avLst/>
-                </a:prstGeom>
-                <a:blipFill>
-                  <a:blip r:embed="rId3"/>
-                  <a:stretch>
-                    <a:fillRect/>
-                  </a:stretch>
-                </a:blipFill>
-              </p:spPr>
-              <p:txBody>
-                <a:bodyPr/>
-                <a:lstStyle/>
-                <a:p>
-                  <a:r>
-                    <a:rPr lang="ko-KR" altLang="en-US">
-                      <a:noFill/>
-                    </a:rPr>
-                    <a:t> </a:t>
-                  </a:r>
-                </a:p>
-              </p:txBody>
-            </p:sp>
-          </mc:Fallback>
-        </mc:AlternateContent>
-        <mc:AlternateContent xmlns:mc="http://schemas.openxmlformats.org/markup-compatibility/2006">
-          <mc:Choice xmlns:a14="http://schemas.microsoft.com/office/drawing/2010/main" Requires="a14">
-            <p:sp>
-              <p:nvSpPr>
-                <p:cNvPr id="11" name="직사각형 10">
-                  <a:extLst>
-                    <a:ext uri="{FF2B5EF4-FFF2-40B4-BE49-F238E27FC236}">
-                      <a16:creationId xmlns:a16="http://schemas.microsoft.com/office/drawing/2014/main" id="{147D5B89-5B23-7CB5-C3E5-78F4BF68B317}"/>
-                    </a:ext>
-                  </a:extLst>
-                </p:cNvPr>
-                <p:cNvSpPr/>
-                <p:nvPr/>
-              </p:nvSpPr>
-              <p:spPr>
-                <a:xfrm>
-                  <a:off x="1436370" y="-1208357"/>
-                  <a:ext cx="3962400" cy="891702"/>
-                </a:xfrm>
-                <a:prstGeom prst="rect">
-                  <a:avLst/>
-                </a:prstGeom>
-              </p:spPr>
-              <p:style>
-                <a:lnRef idx="2">
-                  <a:schemeClr val="dk1"/>
-                </a:lnRef>
-                <a:fillRef idx="1">
-                  <a:schemeClr val="lt1"/>
-                </a:fillRef>
-                <a:effectRef idx="0">
-                  <a:schemeClr val="dk1"/>
-                </a:effectRef>
-                <a:fontRef idx="minor">
-                  <a:schemeClr val="dk1"/>
-                </a:fontRef>
-              </p:style>
-              <p:txBody>
-                <a:bodyPr rtlCol="0" anchor="ctr"/>
-                <a:lstStyle/>
-                <a:p>
-                  <a:pPr algn="ctr">
-                    <a:lnSpc>
-                      <a:spcPct val="120000"/>
-                    </a:lnSpc>
-                  </a:pPr>
-                  <a:r>
-                    <a:rPr lang="ko-KR" altLang="en-US">
-                      <a:latin typeface="나눔바른고딕" panose="020B0603020101020101" pitchFamily="50" charset="-127"/>
-                      <a:ea typeface="나눔바른고딕" panose="020B0603020101020101" pitchFamily="50" charset="-127"/>
-                    </a:rPr>
-                    <a:t>② </a:t>
-                  </a:r>
-                  <a:r>
-                    <a:rPr lang="en-US" altLang="ko-KR">
-                      <a:latin typeface="나눔바른고딕" panose="020B0603020101020101" pitchFamily="50" charset="-127"/>
-                      <a:ea typeface="나눔바른고딕" panose="020B0603020101020101" pitchFamily="50" charset="-127"/>
-                    </a:rPr>
-                    <a:t>Compute Residuals and Jacobian</a:t>
-                  </a:r>
-                </a:p>
-                <a:p>
-                  <a:pPr algn="ctr">
-                    <a:lnSpc>
-                      <a:spcPct val="120000"/>
-                    </a:lnSpc>
-                  </a:pPr>
-                  <a14:m>
-                    <m:oMath xmlns:m="http://schemas.openxmlformats.org/officeDocument/2006/math">
-                      <m:r>
-                        <a:rPr lang="en-US" altLang="ko-KR" i="1">
-                          <a:latin typeface="Cambria Math" panose="02040503050406030204" pitchFamily="18" charset="0"/>
-                          <a:ea typeface="나눔바른고딕" panose="020B0603020101020101" pitchFamily="50" charset="-127"/>
-                        </a:rPr>
-                        <m:t>𝑟</m:t>
-                      </m:r>
-                    </m:oMath>
-                  </a14:m>
-                  <a:r>
-                    <a:rPr lang="en-US" altLang="ko-KR" b="0">
-                      <a:ea typeface="나눔바른고딕" panose="020B0603020101020101" pitchFamily="50" charset="-127"/>
-                    </a:rPr>
-                    <a:t>, </a:t>
-                  </a:r>
-                  <a14:m>
-                    <m:oMath xmlns:m="http://schemas.openxmlformats.org/officeDocument/2006/math">
-                      <m:sSub>
-                        <m:sSubPr>
-                          <m:ctrlPr>
-                            <a:rPr lang="en-US" altLang="ko-KR" b="0" i="1" smtClean="0">
-                              <a:latin typeface="Cambria Math" panose="02040503050406030204" pitchFamily="18" charset="0"/>
-                              <a:ea typeface="나눔바른고딕" panose="020B0603020101020101" pitchFamily="50" charset="-127"/>
-                            </a:rPr>
-                          </m:ctrlPr>
-                        </m:sSubPr>
-                        <m:e>
-                          <m:r>
-                            <a:rPr lang="en-US" altLang="ko-KR" b="0" i="1" smtClean="0">
-                              <a:latin typeface="Cambria Math" panose="02040503050406030204" pitchFamily="18" charset="0"/>
-                              <a:ea typeface="나눔바른고딕" panose="020B0603020101020101" pitchFamily="50" charset="-127"/>
-                            </a:rPr>
-                            <m:t>𝐽</m:t>
-                          </m:r>
-                        </m:e>
-                        <m:sub>
-                          <m:r>
-                            <a:rPr lang="en-US" altLang="ko-KR" b="0" i="1" smtClean="0">
-                              <a:latin typeface="Cambria Math" panose="02040503050406030204" pitchFamily="18" charset="0"/>
-                              <a:ea typeface="나눔바른고딕" panose="020B0603020101020101" pitchFamily="50" charset="-127"/>
-                            </a:rPr>
-                            <m:t>𝑟</m:t>
-                          </m:r>
-                        </m:sub>
-                      </m:sSub>
-                    </m:oMath>
-                  </a14:m>
-                  <a:endParaRPr lang="en-US" altLang="ko-KR">
-                    <a:latin typeface="나눔바른고딕" panose="020B0603020101020101" pitchFamily="50" charset="-127"/>
-                    <a:ea typeface="나눔바른고딕" panose="020B0603020101020101" pitchFamily="50" charset="-127"/>
-                  </a:endParaRPr>
-                </a:p>
-              </p:txBody>
-            </p:sp>
-          </mc:Choice>
-          <mc:Fallback>
-            <p:sp>
-              <p:nvSpPr>
-                <p:cNvPr id="11" name="직사각형 10">
-                  <a:extLst>
-                    <a:ext uri="{FF2B5EF4-FFF2-40B4-BE49-F238E27FC236}">
-                      <a16:creationId xmlns:a16="http://schemas.microsoft.com/office/drawing/2014/main" id="{147D5B89-5B23-7CB5-C3E5-78F4BF68B317}"/>
-                    </a:ext>
-                  </a:extLst>
-                </p:cNvPr>
-                <p:cNvSpPr>
-                  <a:spLocks noRot="1" noChangeAspect="1" noMove="1" noResize="1" noEditPoints="1" noAdjustHandles="1" noChangeArrowheads="1" noChangeShapeType="1" noTextEdit="1"/>
-                </p:cNvSpPr>
-                <p:nvPr/>
-              </p:nvSpPr>
-              <p:spPr>
-                <a:xfrm>
-                  <a:off x="1436370" y="-1208357"/>
-                  <a:ext cx="3962400" cy="891702"/>
-                </a:xfrm>
-                <a:prstGeom prst="rect">
-                  <a:avLst/>
-                </a:prstGeom>
-                <a:blipFill>
-                  <a:blip r:embed="rId4"/>
-                  <a:stretch>
-                    <a:fillRect/>
-                  </a:stretch>
-                </a:blipFill>
-              </p:spPr>
-              <p:txBody>
-                <a:bodyPr/>
-                <a:lstStyle/>
-                <a:p>
-                  <a:r>
-                    <a:rPr lang="ko-KR" altLang="en-US">
-                      <a:noFill/>
-                    </a:rPr>
-                    <a:t> </a:t>
-                  </a:r>
-                </a:p>
-              </p:txBody>
-            </p:sp>
-          </mc:Fallback>
-        </mc:AlternateContent>
-        <mc:AlternateContent xmlns:mc="http://schemas.openxmlformats.org/markup-compatibility/2006">
-          <mc:Choice xmlns:a14="http://schemas.microsoft.com/office/drawing/2010/main" Requires="a14">
-            <p:sp>
-              <p:nvSpPr>
-                <p:cNvPr id="15" name="직사각형 14">
-                  <a:extLst>
-                    <a:ext uri="{FF2B5EF4-FFF2-40B4-BE49-F238E27FC236}">
-                      <a16:creationId xmlns:a16="http://schemas.microsoft.com/office/drawing/2014/main" id="{E7F7EEF1-8479-74D6-3AFC-138563E3D242}"/>
-                    </a:ext>
-                  </a:extLst>
-                </p:cNvPr>
-                <p:cNvSpPr/>
-                <p:nvPr/>
-              </p:nvSpPr>
-              <p:spPr>
-                <a:xfrm>
-                  <a:off x="1436370" y="135781"/>
-                  <a:ext cx="3962401" cy="871438"/>
-                </a:xfrm>
-                <a:prstGeom prst="rect">
-                  <a:avLst/>
-                </a:prstGeom>
-              </p:spPr>
-              <p:style>
-                <a:lnRef idx="2">
-                  <a:schemeClr val="dk1"/>
-                </a:lnRef>
-                <a:fillRef idx="1">
-                  <a:schemeClr val="lt1"/>
-                </a:fillRef>
-                <a:effectRef idx="0">
-                  <a:schemeClr val="dk1"/>
-                </a:effectRef>
-                <a:fontRef idx="minor">
-                  <a:schemeClr val="dk1"/>
-                </a:fontRef>
-              </p:style>
-              <p:txBody>
-                <a:bodyPr rtlCol="0" anchor="ctr"/>
-                <a:lstStyle/>
-                <a:p>
-                  <a:pPr algn="ctr">
-                    <a:lnSpc>
-                      <a:spcPct val="120000"/>
-                    </a:lnSpc>
-                  </a:pPr>
-                  <a:r>
-                    <a:rPr lang="ko-KR" altLang="en-US">
-                      <a:latin typeface="나눔바른고딕" panose="020B0603020101020101" pitchFamily="50" charset="-127"/>
-                      <a:ea typeface="나눔바른고딕" panose="020B0603020101020101" pitchFamily="50" charset="-127"/>
-                    </a:rPr>
-                    <a:t>③ </a:t>
-                  </a:r>
-                  <a:r>
-                    <a:rPr lang="en-US" altLang="ko-KR">
-                      <a:latin typeface="나눔바른고딕" panose="020B0603020101020101" pitchFamily="50" charset="-127"/>
-                      <a:ea typeface="나눔바른고딕" panose="020B0603020101020101" pitchFamily="50" charset="-127"/>
-                    </a:rPr>
-                    <a:t>Compute Update</a:t>
-                  </a:r>
-                </a:p>
-                <a:p>
-                  <a:pPr algn="ctr">
-                    <a:lnSpc>
-                      <a:spcPct val="120000"/>
-                    </a:lnSpc>
-                  </a:pPr>
-                  <a14:m>
-                    <m:oMathPara xmlns:m="http://schemas.openxmlformats.org/officeDocument/2006/math">
-                      <m:oMathParaPr>
-                        <m:jc m:val="centerGroup"/>
-                      </m:oMathParaPr>
-                      <m:oMath xmlns:m="http://schemas.openxmlformats.org/officeDocument/2006/math">
-                        <m:r>
-                          <m:rPr>
-                            <m:sty m:val="p"/>
-                          </m:rPr>
-                          <a:rPr lang="en-US" altLang="ko-KR" b="0" i="0" smtClean="0">
-                            <a:latin typeface="Cambria Math" panose="02040503050406030204" pitchFamily="18" charset="0"/>
-                            <a:ea typeface="나눔바른고딕" panose="020B0603020101020101" pitchFamily="50" charset="-127"/>
-                          </a:rPr>
-                          <m:t>Δ</m:t>
-                        </m:r>
                         <m:r>
                           <a:rPr lang="en-US" altLang="ko-KR" b="0" i="1" smtClean="0">
                             <a:latin typeface="Cambria Math" panose="02040503050406030204" pitchFamily="18" charset="0"/>
@@ -5766,235 +5326,302 @@
                           </a:rPr>
                           <m:t>𝑤</m:t>
                         </m:r>
-                        <m:r>
-                          <a:rPr lang="en-US" altLang="ko-KR" b="0" i="1" smtClean="0">
-                            <a:latin typeface="Cambria Math" panose="02040503050406030204" pitchFamily="18" charset="0"/>
-                            <a:ea typeface="나눔바른고딕" panose="020B0603020101020101" pitchFamily="50" charset="-127"/>
-                          </a:rPr>
-                          <m:t>= </m:t>
-                        </m:r>
-                        <m:sSup>
-                          <m:sSupPr>
+                        <m:d>
+                          <m:dPr>
                             <m:ctrlPr>
                               <a:rPr lang="en-US" altLang="ko-KR" b="0" i="1" smtClean="0">
                                 <a:latin typeface="Cambria Math" panose="02040503050406030204" pitchFamily="18" charset="0"/>
                                 <a:ea typeface="나눔바른고딕" panose="020B0603020101020101" pitchFamily="50" charset="-127"/>
                               </a:rPr>
                             </m:ctrlPr>
-                          </m:sSupPr>
+                          </m:dPr>
                           <m:e>
                             <m:r>
                               <a:rPr lang="en-US" altLang="ko-KR" b="0" i="1" smtClean="0">
                                 <a:latin typeface="Cambria Math" panose="02040503050406030204" pitchFamily="18" charset="0"/>
                                 <a:ea typeface="나눔바른고딕" panose="020B0603020101020101" pitchFamily="50" charset="-127"/>
                               </a:rPr>
-                              <m:t>−</m:t>
-                            </m:r>
-                            <m:r>
-                              <a:rPr lang="en-US" altLang="ko-KR" i="1">
-                                <a:latin typeface="Cambria Math" panose="02040503050406030204" pitchFamily="18" charset="0"/>
-                                <a:ea typeface="나눔바른고딕" panose="020B0603020101020101" pitchFamily="50" charset="-127"/>
-                              </a:rPr>
-                              <m:t>(</m:t>
-                            </m:r>
-                            <m:sSubSup>
-                              <m:sSubSupPr>
-                                <m:ctrlPr>
-                                  <a:rPr lang="en-US" altLang="ko-KR" i="1">
-                                    <a:latin typeface="Cambria Math" panose="02040503050406030204" pitchFamily="18" charset="0"/>
-                                    <a:ea typeface="나눔바른고딕" panose="020B0603020101020101" pitchFamily="50" charset="-127"/>
-                                  </a:rPr>
-                                </m:ctrlPr>
-                              </m:sSubSupPr>
-                              <m:e>
-                                <m:r>
-                                  <a:rPr lang="en-US" altLang="ko-KR" i="1">
-                                    <a:latin typeface="Cambria Math" panose="02040503050406030204" pitchFamily="18" charset="0"/>
-                                    <a:ea typeface="나눔바른고딕" panose="020B0603020101020101" pitchFamily="50" charset="-127"/>
-                                  </a:rPr>
-                                  <m:t>𝐽</m:t>
-                                </m:r>
-                              </m:e>
-                              <m:sub>
-                                <m:r>
-                                  <a:rPr lang="en-US" altLang="ko-KR" i="1">
-                                    <a:latin typeface="Cambria Math" panose="02040503050406030204" pitchFamily="18" charset="0"/>
-                                    <a:ea typeface="나눔바른고딕" panose="020B0603020101020101" pitchFamily="50" charset="-127"/>
-                                  </a:rPr>
-                                  <m:t>𝑟</m:t>
-                                </m:r>
-                              </m:sub>
-                              <m:sup>
-                                <m:r>
-                                  <a:rPr lang="en-US" altLang="ko-KR" i="1">
-                                    <a:latin typeface="Cambria Math" panose="02040503050406030204" pitchFamily="18" charset="0"/>
-                                    <a:ea typeface="나눔바른고딕" panose="020B0603020101020101" pitchFamily="50" charset="-127"/>
-                                  </a:rPr>
-                                  <m:t>𝑇</m:t>
-                                </m:r>
-                              </m:sup>
-                            </m:sSubSup>
-                            <m:sSub>
-                              <m:sSubPr>
-                                <m:ctrlPr>
-                                  <a:rPr lang="en-US" altLang="ko-KR" i="1">
-                                    <a:latin typeface="Cambria Math" panose="02040503050406030204" pitchFamily="18" charset="0"/>
-                                    <a:ea typeface="나눔바른고딕" panose="020B0603020101020101" pitchFamily="50" charset="-127"/>
-                                  </a:rPr>
-                                </m:ctrlPr>
-                              </m:sSubPr>
-                              <m:e>
-                                <m:r>
-                                  <a:rPr lang="en-US" altLang="ko-KR" i="1">
-                                    <a:latin typeface="Cambria Math" panose="02040503050406030204" pitchFamily="18" charset="0"/>
-                                    <a:ea typeface="나눔바른고딕" panose="020B0603020101020101" pitchFamily="50" charset="-127"/>
-                                  </a:rPr>
-                                  <m:t>𝐽</m:t>
-                                </m:r>
-                              </m:e>
-                              <m:sub>
-                                <m:r>
-                                  <a:rPr lang="en-US" altLang="ko-KR" i="1">
-                                    <a:latin typeface="Cambria Math" panose="02040503050406030204" pitchFamily="18" charset="0"/>
-                                    <a:ea typeface="나눔바른고딕" panose="020B0603020101020101" pitchFamily="50" charset="-127"/>
-                                  </a:rPr>
-                                  <m:t>𝑟</m:t>
-                                </m:r>
-                              </m:sub>
-                            </m:sSub>
-                            <m:r>
-                              <a:rPr lang="en-US" altLang="ko-KR" i="1">
-                                <a:latin typeface="Cambria Math" panose="02040503050406030204" pitchFamily="18" charset="0"/>
-                                <a:ea typeface="나눔바른고딕" panose="020B0603020101020101" pitchFamily="50" charset="-127"/>
-                              </a:rPr>
-                              <m:t>+</m:t>
-                            </m:r>
-                            <m:r>
-                              <a:rPr lang="en-US" altLang="ko-KR" i="1">
-                                <a:latin typeface="Cambria Math" panose="02040503050406030204" pitchFamily="18" charset="0"/>
-                                <a:ea typeface="나눔바른고딕" panose="020B0603020101020101" pitchFamily="50" charset="-127"/>
-                              </a:rPr>
-                              <m:t>𝜇</m:t>
-                            </m:r>
-                            <m:r>
-                              <a:rPr lang="en-US" altLang="ko-KR" i="1">
-                                <a:latin typeface="Cambria Math" panose="02040503050406030204" pitchFamily="18" charset="0"/>
-                                <a:ea typeface="나눔바른고딕" panose="020B0603020101020101" pitchFamily="50" charset="-127"/>
-                              </a:rPr>
-                              <m:t>⋅</m:t>
-                            </m:r>
-                            <m:r>
-                              <m:rPr>
-                                <m:nor/>
-                              </m:rPr>
-                              <a:rPr lang="en-US" altLang="ko-KR">
-                                <a:latin typeface="Cambria Math" panose="02040503050406030204" pitchFamily="18" charset="0"/>
-                                <a:ea typeface="나눔바른고딕" panose="020B0603020101020101" pitchFamily="50" charset="-127"/>
-                              </a:rPr>
-                              <m:t>diag</m:t>
-                            </m:r>
-                            <m:r>
-                              <m:rPr>
-                                <m:nor/>
-                              </m:rPr>
-                              <a:rPr lang="en-US" altLang="ko-KR">
-                                <a:latin typeface="Cambria Math" panose="02040503050406030204" pitchFamily="18" charset="0"/>
-                                <a:ea typeface="나눔바른고딕" panose="020B0603020101020101" pitchFamily="50" charset="-127"/>
-                              </a:rPr>
-                              <m:t>(</m:t>
-                            </m:r>
-                            <m:sSubSup>
-                              <m:sSubSupPr>
-                                <m:ctrlPr>
-                                  <a:rPr lang="en-US" altLang="ko-KR" i="1">
-                                    <a:latin typeface="Cambria Math" panose="02040503050406030204" pitchFamily="18" charset="0"/>
-                                    <a:ea typeface="나눔바른고딕" panose="020B0603020101020101" pitchFamily="50" charset="-127"/>
-                                  </a:rPr>
-                                </m:ctrlPr>
-                              </m:sSubSupPr>
-                              <m:e>
-                                <m:r>
-                                  <a:rPr lang="en-US" altLang="ko-KR" i="1">
-                                    <a:latin typeface="Cambria Math" panose="02040503050406030204" pitchFamily="18" charset="0"/>
-                                    <a:ea typeface="나눔바른고딕" panose="020B0603020101020101" pitchFamily="50" charset="-127"/>
-                                  </a:rPr>
-                                  <m:t>𝐽</m:t>
-                                </m:r>
-                              </m:e>
-                              <m:sub>
-                                <m:r>
-                                  <a:rPr lang="en-US" altLang="ko-KR" i="1">
-                                    <a:latin typeface="Cambria Math" panose="02040503050406030204" pitchFamily="18" charset="0"/>
-                                    <a:ea typeface="나눔바른고딕" panose="020B0603020101020101" pitchFamily="50" charset="-127"/>
-                                  </a:rPr>
-                                  <m:t>𝑟</m:t>
-                                </m:r>
-                              </m:sub>
-                              <m:sup>
-                                <m:r>
-                                  <a:rPr lang="en-US" altLang="ko-KR" i="1">
-                                    <a:latin typeface="Cambria Math" panose="02040503050406030204" pitchFamily="18" charset="0"/>
-                                    <a:ea typeface="나눔바른고딕" panose="020B0603020101020101" pitchFamily="50" charset="-127"/>
-                                  </a:rPr>
-                                  <m:t>𝑇</m:t>
-                                </m:r>
-                              </m:sup>
-                            </m:sSubSup>
-                            <m:sSub>
-                              <m:sSubPr>
-                                <m:ctrlPr>
-                                  <a:rPr lang="en-US" altLang="ko-KR" i="1">
-                                    <a:latin typeface="Cambria Math" panose="02040503050406030204" pitchFamily="18" charset="0"/>
-                                    <a:ea typeface="나눔바른고딕" panose="020B0603020101020101" pitchFamily="50" charset="-127"/>
-                                  </a:rPr>
-                                </m:ctrlPr>
-                              </m:sSubPr>
-                              <m:e>
-                                <m:r>
-                                  <a:rPr lang="en-US" altLang="ko-KR" i="1">
-                                    <a:latin typeface="Cambria Math" panose="02040503050406030204" pitchFamily="18" charset="0"/>
-                                    <a:ea typeface="나눔바른고딕" panose="020B0603020101020101" pitchFamily="50" charset="-127"/>
-                                  </a:rPr>
-                                  <m:t>𝐽</m:t>
-                                </m:r>
-                              </m:e>
-                              <m:sub>
-                                <m:r>
-                                  <a:rPr lang="en-US" altLang="ko-KR" i="1">
-                                    <a:latin typeface="Cambria Math" panose="02040503050406030204" pitchFamily="18" charset="0"/>
-                                    <a:ea typeface="나눔바른고딕" panose="020B0603020101020101" pitchFamily="50" charset="-127"/>
-                                  </a:rPr>
-                                  <m:t>𝑟</m:t>
-                                </m:r>
-                              </m:sub>
-                            </m:sSub>
-                            <m:r>
-                              <a:rPr lang="en-US" altLang="ko-KR" i="1">
-                                <a:latin typeface="Cambria Math" panose="02040503050406030204" pitchFamily="18" charset="0"/>
-                                <a:ea typeface="나눔바른고딕" panose="020B0603020101020101" pitchFamily="50" charset="-127"/>
-                              </a:rPr>
-                              <m:t>))</m:t>
+                              <m:t>𝑝𝑎𝑟𝑎𝑚𝑒𝑡𝑒𝑟</m:t>
                             </m:r>
                           </m:e>
-                          <m:sup>
-                            <m:r>
-                              <a:rPr lang="en-US" altLang="ko-KR" b="0" i="1" smtClean="0">
-                                <a:latin typeface="Cambria Math" panose="02040503050406030204" pitchFamily="18" charset="0"/>
-                                <a:ea typeface="나눔바른고딕" panose="020B0603020101020101" pitchFamily="50" charset="-127"/>
-                              </a:rPr>
-                              <m:t>−1</m:t>
-                            </m:r>
-                          </m:sup>
-                        </m:sSup>
-                        <m:sSubSup>
-                          <m:sSubSupPr>
+                        </m:d>
+                      </m:oMath>
+                    </a14:m>
+                    <a:r>
+                      <a:rPr lang="en-US" altLang="ko-KR">
+                        <a:latin typeface="나눔바른고딕" panose="020B0603020101020101" pitchFamily="50" charset="-127"/>
+                        <a:ea typeface="나눔바른고딕" panose="020B0603020101020101" pitchFamily="50" charset="-127"/>
+                      </a:rPr>
+                      <a:t>,</a:t>
+                    </a:r>
+                    <a:r>
+                      <a:rPr lang="ko-KR" altLang="en-US">
+                        <a:latin typeface="나눔바른고딕" panose="020B0603020101020101" pitchFamily="50" charset="-127"/>
+                        <a:ea typeface="나눔바른고딕" panose="020B0603020101020101" pitchFamily="50" charset="-127"/>
+                      </a:rPr>
+                      <a:t> </a:t>
+                    </a:r>
+                    <a14:m>
+                      <m:oMath xmlns:m="http://schemas.openxmlformats.org/officeDocument/2006/math">
+                        <m:r>
+                          <a:rPr lang="en-US" altLang="ko-KR" i="1">
+                            <a:latin typeface="Cambria Math" panose="02040503050406030204" pitchFamily="18" charset="0"/>
+                            <a:ea typeface="나눔바른고딕" panose="020B0603020101020101" pitchFamily="50" charset="-127"/>
+                          </a:rPr>
+                          <m:t>𝜇</m:t>
+                        </m:r>
+                        <m:r>
+                          <a:rPr lang="en-US" altLang="ko-KR" i="1">
+                            <a:latin typeface="Cambria Math" panose="02040503050406030204" pitchFamily="18" charset="0"/>
+                            <a:ea typeface="나눔바른고딕" panose="020B0603020101020101" pitchFamily="50" charset="-127"/>
+                          </a:rPr>
+                          <m:t>=0.01</m:t>
+                        </m:r>
+                      </m:oMath>
+                    </a14:m>
+                    <a:r>
+                      <a:rPr lang="en-US" altLang="ko-KR">
+                        <a:latin typeface="나눔바른고딕" panose="020B0603020101020101" pitchFamily="50" charset="-127"/>
+                        <a:ea typeface="나눔바른고딕" panose="020B0603020101020101" pitchFamily="50" charset="-127"/>
+                      </a:rPr>
+                      <a:t>, </a:t>
+                    </a:r>
+                    <a14:m>
+                      <m:oMath xmlns:m="http://schemas.openxmlformats.org/officeDocument/2006/math">
+                        <m:r>
+                          <m:rPr>
+                            <m:sty m:val="p"/>
+                          </m:rPr>
+                          <a:rPr lang="en-US" altLang="ko-KR" i="1">
+                            <a:latin typeface="Cambria Math" panose="02040503050406030204" pitchFamily="18" charset="0"/>
+                            <a:ea typeface="나눔바른고딕" panose="020B0603020101020101" pitchFamily="50" charset="-127"/>
+                          </a:rPr>
+                          <m:t>ν</m:t>
+                        </m:r>
+                        <m:r>
+                          <a:rPr lang="en-US" altLang="ko-KR" i="1">
+                            <a:latin typeface="Cambria Math" panose="02040503050406030204" pitchFamily="18" charset="0"/>
+                            <a:ea typeface="나눔바른고딕" panose="020B0603020101020101" pitchFamily="50" charset="-127"/>
+                          </a:rPr>
+                          <m:t>=10 (&gt;0</m:t>
+                        </m:r>
+                        <m:r>
+                          <a:rPr lang="en-US" altLang="ko-KR" b="0" i="1" smtClean="0">
+                            <a:latin typeface="Cambria Math" panose="02040503050406030204" pitchFamily="18" charset="0"/>
+                            <a:ea typeface="나눔바른고딕" panose="020B0603020101020101" pitchFamily="50" charset="-127"/>
+                          </a:rPr>
+                          <m:t>)</m:t>
+                        </m:r>
+                      </m:oMath>
+                    </a14:m>
+                    <a:endParaRPr lang="en-US" altLang="ko-KR">
+                      <a:latin typeface="나눔바른고딕" panose="020B0603020101020101" pitchFamily="50" charset="-127"/>
+                      <a:ea typeface="나눔바른고딕" panose="020B0603020101020101" pitchFamily="50" charset="-127"/>
+                    </a:endParaRPr>
+                  </a:p>
+                  <a:p>
+                    <a:pPr algn="ctr">
+                      <a:lnSpc>
+                        <a:spcPct val="120000"/>
+                      </a:lnSpc>
+                    </a:pPr>
+                    <a14:m>
+                      <m:oMathPara xmlns:m="http://schemas.openxmlformats.org/officeDocument/2006/math">
+                        <m:oMathParaPr>
+                          <m:jc m:val="centerGroup"/>
+                        </m:oMathParaPr>
+                        <m:oMath xmlns:m="http://schemas.openxmlformats.org/officeDocument/2006/math">
+                          <m:r>
+                            <m:rPr>
+                              <m:nor/>
+                            </m:rPr>
+                            <a:rPr lang="en-US" altLang="ko-KR" b="0" i="0" smtClean="0">
+                              <a:latin typeface="Cambria Math" panose="02040503050406030204" pitchFamily="18" charset="0"/>
+                              <a:ea typeface="나눔바른고딕" panose="020B0603020101020101" pitchFamily="50" charset="-127"/>
+                            </a:rPr>
+                            <m:t>converge</m:t>
+                          </m:r>
+                          <m:r>
+                            <m:rPr>
+                              <m:nor/>
+                            </m:rPr>
+                            <a:rPr lang="en-US" altLang="ko-KR" b="0" i="0" smtClean="0">
+                              <a:latin typeface="Cambria Math" panose="02040503050406030204" pitchFamily="18" charset="0"/>
+                              <a:ea typeface="나눔바른고딕" panose="020B0603020101020101" pitchFamily="50" charset="-127"/>
+                            </a:rPr>
+                            <m:t>_</m:t>
+                          </m:r>
+                          <m:r>
+                            <m:rPr>
+                              <m:nor/>
+                            </m:rPr>
+                            <a:rPr lang="en-US" altLang="ko-KR" b="0" i="0" smtClean="0">
+                              <a:latin typeface="Cambria Math" panose="02040503050406030204" pitchFamily="18" charset="0"/>
+                              <a:ea typeface="나눔바른고딕" panose="020B0603020101020101" pitchFamily="50" charset="-127"/>
+                            </a:rPr>
+                            <m:t>threshold</m:t>
+                          </m:r>
+                          <m:r>
+                            <m:rPr>
+                              <m:nor/>
+                            </m:rPr>
+                            <a:rPr lang="en-US" altLang="ko-KR" b="0" i="0" smtClean="0">
+                              <a:latin typeface="Cambria Math" panose="02040503050406030204" pitchFamily="18" charset="0"/>
+                              <a:ea typeface="나눔바른고딕" panose="020B0603020101020101" pitchFamily="50" charset="-127"/>
+                            </a:rPr>
+                            <m:t> = 0.00001</m:t>
+                          </m:r>
+                        </m:oMath>
+                      </m:oMathPara>
+                    </a14:m>
+                    <a:endParaRPr lang="en-US" altLang="ko-KR">
+                      <a:latin typeface="나눔바른고딕" panose="020B0603020101020101" pitchFamily="50" charset="-127"/>
+                      <a:ea typeface="나눔바른고딕" panose="020B0603020101020101" pitchFamily="50" charset="-127"/>
+                    </a:endParaRPr>
+                  </a:p>
+                </p:txBody>
+              </p:sp>
+            </mc:Choice>
+            <mc:Fallback xmlns="">
+              <p:sp>
+                <p:nvSpPr>
+                  <p:cNvPr id="4" name="직사각형 3">
+                    <a:extLst>
+                      <a:ext uri="{FF2B5EF4-FFF2-40B4-BE49-F238E27FC236}">
+                        <a16:creationId xmlns:a16="http://schemas.microsoft.com/office/drawing/2014/main" id="{99D9D8CE-B937-62EB-ABFF-82AF2864E18B}"/>
+                      </a:ext>
+                    </a:extLst>
+                  </p:cNvPr>
+                  <p:cNvSpPr>
+                    <a:spLocks noRot="1" noChangeAspect="1" noMove="1" noResize="1" noEditPoints="1" noAdjustHandles="1" noChangeArrowheads="1" noChangeShapeType="1" noTextEdit="1"/>
+                  </p:cNvSpPr>
+                  <p:nvPr/>
+                </p:nvSpPr>
+                <p:spPr>
+                  <a:xfrm>
+                    <a:off x="1338740" y="-3118119"/>
+                    <a:ext cx="4157661" cy="1457326"/>
+                  </a:xfrm>
+                  <a:prstGeom prst="rect">
+                    <a:avLst/>
+                  </a:prstGeom>
+                  <a:blipFill>
+                    <a:blip r:embed="rId3"/>
+                    <a:stretch>
+                      <a:fillRect/>
+                    </a:stretch>
+                  </a:blipFill>
+                </p:spPr>
+                <p:txBody>
+                  <a:bodyPr/>
+                  <a:lstStyle/>
+                  <a:p>
+                    <a:r>
+                      <a:rPr lang="ko-KR" altLang="en-US">
+                        <a:noFill/>
+                      </a:rPr>
+                      <a:t> </a:t>
+                    </a:r>
+                  </a:p>
+                </p:txBody>
+              </p:sp>
+            </mc:Fallback>
+          </mc:AlternateContent>
+          <mc:AlternateContent xmlns:mc="http://schemas.openxmlformats.org/markup-compatibility/2006" xmlns:a14="http://schemas.microsoft.com/office/drawing/2010/main">
+            <mc:Choice Requires="a14">
+              <p:sp>
+                <p:nvSpPr>
+                  <p:cNvPr id="11" name="직사각형 10">
+                    <a:extLst>
+                      <a:ext uri="{FF2B5EF4-FFF2-40B4-BE49-F238E27FC236}">
+                        <a16:creationId xmlns:a16="http://schemas.microsoft.com/office/drawing/2014/main" id="{147D5B89-5B23-7CB5-C3E5-78F4BF68B317}"/>
+                      </a:ext>
+                    </a:extLst>
+                  </p:cNvPr>
+                  <p:cNvSpPr/>
+                  <p:nvPr/>
+                </p:nvSpPr>
+                <p:spPr>
+                  <a:xfrm>
+                    <a:off x="1436370" y="-1208357"/>
+                    <a:ext cx="3962400" cy="891702"/>
+                  </a:xfrm>
+                  <a:prstGeom prst="rect">
+                    <a:avLst/>
+                  </a:prstGeom>
+                </p:spPr>
+                <p:style>
+                  <a:lnRef idx="2">
+                    <a:schemeClr val="dk1"/>
+                  </a:lnRef>
+                  <a:fillRef idx="1">
+                    <a:schemeClr val="lt1"/>
+                  </a:fillRef>
+                  <a:effectRef idx="0">
+                    <a:schemeClr val="dk1"/>
+                  </a:effectRef>
+                  <a:fontRef idx="minor">
+                    <a:schemeClr val="dk1"/>
+                  </a:fontRef>
+                </p:style>
+                <p:txBody>
+                  <a:bodyPr rtlCol="0" anchor="ctr"/>
+                  <a:lstStyle/>
+                  <a:p>
+                    <a:pPr algn="ctr">
+                      <a:lnSpc>
+                        <a:spcPct val="120000"/>
+                      </a:lnSpc>
+                    </a:pPr>
+                    <a:r>
+                      <a:rPr lang="ko-KR" altLang="en-US">
+                        <a:latin typeface="나눔바른고딕" panose="020B0603020101020101" pitchFamily="50" charset="-127"/>
+                        <a:ea typeface="나눔바른고딕" panose="020B0603020101020101" pitchFamily="50" charset="-127"/>
+                      </a:rPr>
+                      <a:t>② </a:t>
+                    </a:r>
+                    <a:r>
+                      <a:rPr lang="en-US" altLang="ko-KR">
+                        <a:latin typeface="나눔바른고딕" panose="020B0603020101020101" pitchFamily="50" charset="-127"/>
+                        <a:ea typeface="나눔바른고딕" panose="020B0603020101020101" pitchFamily="50" charset="-127"/>
+                      </a:rPr>
+                      <a:t>Compute Residuals and Jacobian</a:t>
+                    </a:r>
+                  </a:p>
+                  <a:p>
+                    <a:pPr algn="ctr">
+                      <a:lnSpc>
+                        <a:spcPct val="120000"/>
+                      </a:lnSpc>
+                    </a:pPr>
+                    <a14:m>
+                      <m:oMath xmlns:m="http://schemas.openxmlformats.org/officeDocument/2006/math">
+                        <m:r>
+                          <a:rPr lang="en-US" altLang="ko-KR" i="1">
+                            <a:latin typeface="Cambria Math" panose="02040503050406030204" pitchFamily="18" charset="0"/>
+                            <a:ea typeface="나눔바른고딕" panose="020B0603020101020101" pitchFamily="50" charset="-127"/>
+                          </a:rPr>
+                          <m:t>𝑟</m:t>
+                        </m:r>
+                      </m:oMath>
+                    </a14:m>
+                    <a:r>
+                      <a:rPr lang="en-US" altLang="ko-KR" b="0">
+                        <a:ea typeface="나눔바른고딕" panose="020B0603020101020101" pitchFamily="50" charset="-127"/>
+                      </a:rPr>
+                      <a:t>, </a:t>
+                    </a:r>
+                    <a14:m>
+                      <m:oMath xmlns:m="http://schemas.openxmlformats.org/officeDocument/2006/math">
+                        <m:sSub>
+                          <m:sSubPr>
                             <m:ctrlPr>
                               <a:rPr lang="en-US" altLang="ko-KR" b="0" i="1" smtClean="0">
                                 <a:latin typeface="Cambria Math" panose="02040503050406030204" pitchFamily="18" charset="0"/>
                                 <a:ea typeface="나눔바른고딕" panose="020B0603020101020101" pitchFamily="50" charset="-127"/>
                               </a:rPr>
                             </m:ctrlPr>
-                          </m:sSubSupPr>
+                          </m:sSubPr>
                           <m:e>
                             <m:r>
                               <a:rPr lang="en-US" altLang="ko-KR" b="0" i="1" smtClean="0">
@@ -6013,1860 +5640,2837 @@
                               <m:t>𝑟</m:t>
                             </m:r>
                           </m:sub>
-                          <m:sup>
-                            <m:r>
-                              <a:rPr lang="en-US" altLang="ko-KR" b="0" i="1" smtClean="0">
-                                <a:latin typeface="Cambria Math" panose="02040503050406030204" pitchFamily="18" charset="0"/>
-                                <a:ea typeface="나눔바른고딕" panose="020B0603020101020101" pitchFamily="50" charset="-127"/>
-                              </a:rPr>
-                              <m:t>𝑇</m:t>
-                            </m:r>
-                          </m:sup>
-                        </m:sSubSup>
-                        <m:r>
-                          <a:rPr lang="en-US" altLang="ko-KR" b="0" i="1" smtClean="0">
-                            <a:latin typeface="Cambria Math" panose="02040503050406030204" pitchFamily="18" charset="0"/>
-                            <a:ea typeface="나눔바른고딕" panose="020B0603020101020101" pitchFamily="50" charset="-127"/>
-                          </a:rPr>
-                          <m:t>𝑟</m:t>
-                        </m:r>
+                        </m:sSub>
                       </m:oMath>
-                    </m:oMathPara>
-                  </a14:m>
-                  <a:endParaRPr lang="en-US" altLang="ko-KR">
+                    </a14:m>
+                    <a:endParaRPr lang="en-US" altLang="ko-KR">
+                      <a:latin typeface="나눔바른고딕" panose="020B0603020101020101" pitchFamily="50" charset="-127"/>
+                      <a:ea typeface="나눔바른고딕" panose="020B0603020101020101" pitchFamily="50" charset="-127"/>
+                    </a:endParaRPr>
+                  </a:p>
+                </p:txBody>
+              </p:sp>
+            </mc:Choice>
+            <mc:Fallback xmlns="">
+              <p:sp>
+                <p:nvSpPr>
+                  <p:cNvPr id="11" name="직사각형 10">
+                    <a:extLst>
+                      <a:ext uri="{FF2B5EF4-FFF2-40B4-BE49-F238E27FC236}">
+                        <a16:creationId xmlns:a16="http://schemas.microsoft.com/office/drawing/2014/main" id="{147D5B89-5B23-7CB5-C3E5-78F4BF68B317}"/>
+                      </a:ext>
+                    </a:extLst>
+                  </p:cNvPr>
+                  <p:cNvSpPr>
+                    <a:spLocks noRot="1" noChangeAspect="1" noMove="1" noResize="1" noEditPoints="1" noAdjustHandles="1" noChangeArrowheads="1" noChangeShapeType="1" noTextEdit="1"/>
+                  </p:cNvSpPr>
+                  <p:nvPr/>
+                </p:nvSpPr>
+                <p:spPr>
+                  <a:xfrm>
+                    <a:off x="1436370" y="-1208357"/>
+                    <a:ext cx="3962400" cy="891702"/>
+                  </a:xfrm>
+                  <a:prstGeom prst="rect">
+                    <a:avLst/>
+                  </a:prstGeom>
+                  <a:blipFill>
+                    <a:blip r:embed="rId4"/>
+                    <a:stretch>
+                      <a:fillRect/>
+                    </a:stretch>
+                  </a:blipFill>
+                </p:spPr>
+                <p:txBody>
+                  <a:bodyPr/>
+                  <a:lstStyle/>
+                  <a:p>
+                    <a:r>
+                      <a:rPr lang="ko-KR" altLang="en-US">
+                        <a:noFill/>
+                      </a:rPr>
+                      <a:t> </a:t>
+                    </a:r>
+                  </a:p>
+                </p:txBody>
+              </p:sp>
+            </mc:Fallback>
+          </mc:AlternateContent>
+          <mc:AlternateContent xmlns:mc="http://schemas.openxmlformats.org/markup-compatibility/2006" xmlns:a14="http://schemas.microsoft.com/office/drawing/2010/main">
+            <mc:Choice Requires="a14">
+              <p:sp>
+                <p:nvSpPr>
+                  <p:cNvPr id="15" name="직사각형 14">
+                    <a:extLst>
+                      <a:ext uri="{FF2B5EF4-FFF2-40B4-BE49-F238E27FC236}">
+                        <a16:creationId xmlns:a16="http://schemas.microsoft.com/office/drawing/2014/main" id="{E7F7EEF1-8479-74D6-3AFC-138563E3D242}"/>
+                      </a:ext>
+                    </a:extLst>
+                  </p:cNvPr>
+                  <p:cNvSpPr/>
+                  <p:nvPr/>
+                </p:nvSpPr>
+                <p:spPr>
+                  <a:xfrm>
+                    <a:off x="1436370" y="135781"/>
+                    <a:ext cx="3962401" cy="871438"/>
+                  </a:xfrm>
+                  <a:prstGeom prst="rect">
+                    <a:avLst/>
+                  </a:prstGeom>
+                </p:spPr>
+                <p:style>
+                  <a:lnRef idx="2">
+                    <a:schemeClr val="dk1"/>
+                  </a:lnRef>
+                  <a:fillRef idx="1">
+                    <a:schemeClr val="lt1"/>
+                  </a:fillRef>
+                  <a:effectRef idx="0">
+                    <a:schemeClr val="dk1"/>
+                  </a:effectRef>
+                  <a:fontRef idx="minor">
+                    <a:schemeClr val="dk1"/>
+                  </a:fontRef>
+                </p:style>
+                <p:txBody>
+                  <a:bodyPr rtlCol="0" anchor="ctr"/>
+                  <a:lstStyle/>
+                  <a:p>
+                    <a:pPr algn="ctr">
+                      <a:lnSpc>
+                        <a:spcPct val="120000"/>
+                      </a:lnSpc>
+                    </a:pPr>
+                    <a:r>
+                      <a:rPr lang="ko-KR" altLang="en-US">
+                        <a:latin typeface="나눔바른고딕" panose="020B0603020101020101" pitchFamily="50" charset="-127"/>
+                        <a:ea typeface="나눔바른고딕" panose="020B0603020101020101" pitchFamily="50" charset="-127"/>
+                      </a:rPr>
+                      <a:t>③ </a:t>
+                    </a:r>
+                    <a:r>
+                      <a:rPr lang="en-US" altLang="ko-KR">
+                        <a:latin typeface="나눔바른고딕" panose="020B0603020101020101" pitchFamily="50" charset="-127"/>
+                        <a:ea typeface="나눔바른고딕" panose="020B0603020101020101" pitchFamily="50" charset="-127"/>
+                      </a:rPr>
+                      <a:t>Compute Update</a:t>
+                    </a:r>
+                  </a:p>
+                  <a:p>
+                    <a:pPr algn="ctr">
+                      <a:lnSpc>
+                        <a:spcPct val="120000"/>
+                      </a:lnSpc>
+                    </a:pPr>
+                    <a14:m>
+                      <m:oMathPara xmlns:m="http://schemas.openxmlformats.org/officeDocument/2006/math">
+                        <m:oMathParaPr>
+                          <m:jc m:val="centerGroup"/>
+                        </m:oMathParaPr>
+                        <m:oMath xmlns:m="http://schemas.openxmlformats.org/officeDocument/2006/math">
+                          <m:r>
+                            <m:rPr>
+                              <m:sty m:val="p"/>
+                            </m:rPr>
+                            <a:rPr lang="en-US" altLang="ko-KR" b="0" i="0" smtClean="0">
+                              <a:latin typeface="Cambria Math" panose="02040503050406030204" pitchFamily="18" charset="0"/>
+                              <a:ea typeface="나눔바른고딕" panose="020B0603020101020101" pitchFamily="50" charset="-127"/>
+                            </a:rPr>
+                            <m:t>Δ</m:t>
+                          </m:r>
+                          <m:r>
+                            <a:rPr lang="en-US" altLang="ko-KR" b="0" i="1" smtClean="0">
+                              <a:latin typeface="Cambria Math" panose="02040503050406030204" pitchFamily="18" charset="0"/>
+                              <a:ea typeface="나눔바른고딕" panose="020B0603020101020101" pitchFamily="50" charset="-127"/>
+                            </a:rPr>
+                            <m:t>𝑤</m:t>
+                          </m:r>
+                          <m:r>
+                            <a:rPr lang="en-US" altLang="ko-KR" b="0" i="1" smtClean="0">
+                              <a:latin typeface="Cambria Math" panose="02040503050406030204" pitchFamily="18" charset="0"/>
+                              <a:ea typeface="나눔바른고딕" panose="020B0603020101020101" pitchFamily="50" charset="-127"/>
+                            </a:rPr>
+                            <m:t>= </m:t>
+                          </m:r>
+                          <m:sSup>
+                            <m:sSupPr>
+                              <m:ctrlPr>
+                                <a:rPr lang="en-US" altLang="ko-KR" b="0" i="1" smtClean="0">
+                                  <a:latin typeface="Cambria Math" panose="02040503050406030204" pitchFamily="18" charset="0"/>
+                                  <a:ea typeface="나눔바른고딕" panose="020B0603020101020101" pitchFamily="50" charset="-127"/>
+                                </a:rPr>
+                              </m:ctrlPr>
+                            </m:sSupPr>
+                            <m:e>
+                              <m:r>
+                                <a:rPr lang="en-US" altLang="ko-KR" b="0" i="1" smtClean="0">
+                                  <a:latin typeface="Cambria Math" panose="02040503050406030204" pitchFamily="18" charset="0"/>
+                                  <a:ea typeface="나눔바른고딕" panose="020B0603020101020101" pitchFamily="50" charset="-127"/>
+                                </a:rPr>
+                                <m:t>−</m:t>
+                              </m:r>
+                              <m:r>
+                                <a:rPr lang="en-US" altLang="ko-KR" i="1">
+                                  <a:latin typeface="Cambria Math" panose="02040503050406030204" pitchFamily="18" charset="0"/>
+                                  <a:ea typeface="나눔바른고딕" panose="020B0603020101020101" pitchFamily="50" charset="-127"/>
+                                </a:rPr>
+                                <m:t>(</m:t>
+                              </m:r>
+                              <m:sSubSup>
+                                <m:sSubSupPr>
+                                  <m:ctrlPr>
+                                    <a:rPr lang="en-US" altLang="ko-KR" i="1">
+                                      <a:latin typeface="Cambria Math" panose="02040503050406030204" pitchFamily="18" charset="0"/>
+                                      <a:ea typeface="나눔바른고딕" panose="020B0603020101020101" pitchFamily="50" charset="-127"/>
+                                    </a:rPr>
+                                  </m:ctrlPr>
+                                </m:sSubSupPr>
+                                <m:e>
+                                  <m:r>
+                                    <a:rPr lang="en-US" altLang="ko-KR" i="1">
+                                      <a:latin typeface="Cambria Math" panose="02040503050406030204" pitchFamily="18" charset="0"/>
+                                      <a:ea typeface="나눔바른고딕" panose="020B0603020101020101" pitchFamily="50" charset="-127"/>
+                                    </a:rPr>
+                                    <m:t>𝐽</m:t>
+                                  </m:r>
+                                </m:e>
+                                <m:sub>
+                                  <m:r>
+                                    <a:rPr lang="en-US" altLang="ko-KR" i="1">
+                                      <a:latin typeface="Cambria Math" panose="02040503050406030204" pitchFamily="18" charset="0"/>
+                                      <a:ea typeface="나눔바른고딕" panose="020B0603020101020101" pitchFamily="50" charset="-127"/>
+                                    </a:rPr>
+                                    <m:t>𝑟</m:t>
+                                  </m:r>
+                                </m:sub>
+                                <m:sup>
+                                  <m:r>
+                                    <a:rPr lang="en-US" altLang="ko-KR" i="1">
+                                      <a:latin typeface="Cambria Math" panose="02040503050406030204" pitchFamily="18" charset="0"/>
+                                      <a:ea typeface="나눔바른고딕" panose="020B0603020101020101" pitchFamily="50" charset="-127"/>
+                                    </a:rPr>
+                                    <m:t>𝑇</m:t>
+                                  </m:r>
+                                </m:sup>
+                              </m:sSubSup>
+                              <m:sSub>
+                                <m:sSubPr>
+                                  <m:ctrlPr>
+                                    <a:rPr lang="en-US" altLang="ko-KR" i="1">
+                                      <a:latin typeface="Cambria Math" panose="02040503050406030204" pitchFamily="18" charset="0"/>
+                                      <a:ea typeface="나눔바른고딕" panose="020B0603020101020101" pitchFamily="50" charset="-127"/>
+                                    </a:rPr>
+                                  </m:ctrlPr>
+                                </m:sSubPr>
+                                <m:e>
+                                  <m:r>
+                                    <a:rPr lang="en-US" altLang="ko-KR" i="1">
+                                      <a:latin typeface="Cambria Math" panose="02040503050406030204" pitchFamily="18" charset="0"/>
+                                      <a:ea typeface="나눔바른고딕" panose="020B0603020101020101" pitchFamily="50" charset="-127"/>
+                                    </a:rPr>
+                                    <m:t>𝐽</m:t>
+                                  </m:r>
+                                </m:e>
+                                <m:sub>
+                                  <m:r>
+                                    <a:rPr lang="en-US" altLang="ko-KR" i="1">
+                                      <a:latin typeface="Cambria Math" panose="02040503050406030204" pitchFamily="18" charset="0"/>
+                                      <a:ea typeface="나눔바른고딕" panose="020B0603020101020101" pitchFamily="50" charset="-127"/>
+                                    </a:rPr>
+                                    <m:t>𝑟</m:t>
+                                  </m:r>
+                                </m:sub>
+                              </m:sSub>
+                              <m:r>
+                                <a:rPr lang="en-US" altLang="ko-KR" i="1">
+                                  <a:latin typeface="Cambria Math" panose="02040503050406030204" pitchFamily="18" charset="0"/>
+                                  <a:ea typeface="나눔바른고딕" panose="020B0603020101020101" pitchFamily="50" charset="-127"/>
+                                </a:rPr>
+                                <m:t>+</m:t>
+                              </m:r>
+                              <m:r>
+                                <a:rPr lang="en-US" altLang="ko-KR" i="1">
+                                  <a:latin typeface="Cambria Math" panose="02040503050406030204" pitchFamily="18" charset="0"/>
+                                  <a:ea typeface="나눔바른고딕" panose="020B0603020101020101" pitchFamily="50" charset="-127"/>
+                                </a:rPr>
+                                <m:t>𝜇</m:t>
+                              </m:r>
+                              <m:r>
+                                <a:rPr lang="en-US" altLang="ko-KR" i="1">
+                                  <a:latin typeface="Cambria Math" panose="02040503050406030204" pitchFamily="18" charset="0"/>
+                                  <a:ea typeface="나눔바른고딕" panose="020B0603020101020101" pitchFamily="50" charset="-127"/>
+                                </a:rPr>
+                                <m:t>⋅</m:t>
+                              </m:r>
+                              <m:r>
+                                <m:rPr>
+                                  <m:nor/>
+                                </m:rPr>
+                                <a:rPr lang="en-US" altLang="ko-KR">
+                                  <a:latin typeface="Cambria Math" panose="02040503050406030204" pitchFamily="18" charset="0"/>
+                                  <a:ea typeface="나눔바른고딕" panose="020B0603020101020101" pitchFamily="50" charset="-127"/>
+                                </a:rPr>
+                                <m:t>diag</m:t>
+                              </m:r>
+                              <m:r>
+                                <m:rPr>
+                                  <m:nor/>
+                                </m:rPr>
+                                <a:rPr lang="en-US" altLang="ko-KR">
+                                  <a:latin typeface="Cambria Math" panose="02040503050406030204" pitchFamily="18" charset="0"/>
+                                  <a:ea typeface="나눔바른고딕" panose="020B0603020101020101" pitchFamily="50" charset="-127"/>
+                                </a:rPr>
+                                <m:t>(</m:t>
+                              </m:r>
+                              <m:sSubSup>
+                                <m:sSubSupPr>
+                                  <m:ctrlPr>
+                                    <a:rPr lang="en-US" altLang="ko-KR" i="1">
+                                      <a:latin typeface="Cambria Math" panose="02040503050406030204" pitchFamily="18" charset="0"/>
+                                      <a:ea typeface="나눔바른고딕" panose="020B0603020101020101" pitchFamily="50" charset="-127"/>
+                                    </a:rPr>
+                                  </m:ctrlPr>
+                                </m:sSubSupPr>
+                                <m:e>
+                                  <m:r>
+                                    <a:rPr lang="en-US" altLang="ko-KR" i="1">
+                                      <a:latin typeface="Cambria Math" panose="02040503050406030204" pitchFamily="18" charset="0"/>
+                                      <a:ea typeface="나눔바른고딕" panose="020B0603020101020101" pitchFamily="50" charset="-127"/>
+                                    </a:rPr>
+                                    <m:t>𝐽</m:t>
+                                  </m:r>
+                                </m:e>
+                                <m:sub>
+                                  <m:r>
+                                    <a:rPr lang="en-US" altLang="ko-KR" i="1">
+                                      <a:latin typeface="Cambria Math" panose="02040503050406030204" pitchFamily="18" charset="0"/>
+                                      <a:ea typeface="나눔바른고딕" panose="020B0603020101020101" pitchFamily="50" charset="-127"/>
+                                    </a:rPr>
+                                    <m:t>𝑟</m:t>
+                                  </m:r>
+                                </m:sub>
+                                <m:sup>
+                                  <m:r>
+                                    <a:rPr lang="en-US" altLang="ko-KR" i="1">
+                                      <a:latin typeface="Cambria Math" panose="02040503050406030204" pitchFamily="18" charset="0"/>
+                                      <a:ea typeface="나눔바른고딕" panose="020B0603020101020101" pitchFamily="50" charset="-127"/>
+                                    </a:rPr>
+                                    <m:t>𝑇</m:t>
+                                  </m:r>
+                                </m:sup>
+                              </m:sSubSup>
+                              <m:sSub>
+                                <m:sSubPr>
+                                  <m:ctrlPr>
+                                    <a:rPr lang="en-US" altLang="ko-KR" i="1">
+                                      <a:latin typeface="Cambria Math" panose="02040503050406030204" pitchFamily="18" charset="0"/>
+                                      <a:ea typeface="나눔바른고딕" panose="020B0603020101020101" pitchFamily="50" charset="-127"/>
+                                    </a:rPr>
+                                  </m:ctrlPr>
+                                </m:sSubPr>
+                                <m:e>
+                                  <m:r>
+                                    <a:rPr lang="en-US" altLang="ko-KR" i="1">
+                                      <a:latin typeface="Cambria Math" panose="02040503050406030204" pitchFamily="18" charset="0"/>
+                                      <a:ea typeface="나눔바른고딕" panose="020B0603020101020101" pitchFamily="50" charset="-127"/>
+                                    </a:rPr>
+                                    <m:t>𝐽</m:t>
+                                  </m:r>
+                                </m:e>
+                                <m:sub>
+                                  <m:r>
+                                    <a:rPr lang="en-US" altLang="ko-KR" i="1">
+                                      <a:latin typeface="Cambria Math" panose="02040503050406030204" pitchFamily="18" charset="0"/>
+                                      <a:ea typeface="나눔바른고딕" panose="020B0603020101020101" pitchFamily="50" charset="-127"/>
+                                    </a:rPr>
+                                    <m:t>𝑟</m:t>
+                                  </m:r>
+                                </m:sub>
+                              </m:sSub>
+                              <m:r>
+                                <a:rPr lang="en-US" altLang="ko-KR" i="1">
+                                  <a:latin typeface="Cambria Math" panose="02040503050406030204" pitchFamily="18" charset="0"/>
+                                  <a:ea typeface="나눔바른고딕" panose="020B0603020101020101" pitchFamily="50" charset="-127"/>
+                                </a:rPr>
+                                <m:t>))</m:t>
+                              </m:r>
+                            </m:e>
+                            <m:sup>
+                              <m:r>
+                                <a:rPr lang="en-US" altLang="ko-KR" b="0" i="1" smtClean="0">
+                                  <a:latin typeface="Cambria Math" panose="02040503050406030204" pitchFamily="18" charset="0"/>
+                                  <a:ea typeface="나눔바른고딕" panose="020B0603020101020101" pitchFamily="50" charset="-127"/>
+                                </a:rPr>
+                                <m:t>−1</m:t>
+                              </m:r>
+                            </m:sup>
+                          </m:sSup>
+                          <m:sSubSup>
+                            <m:sSubSupPr>
+                              <m:ctrlPr>
+                                <a:rPr lang="en-US" altLang="ko-KR" b="0" i="1" smtClean="0">
+                                  <a:latin typeface="Cambria Math" panose="02040503050406030204" pitchFamily="18" charset="0"/>
+                                  <a:ea typeface="나눔바른고딕" panose="020B0603020101020101" pitchFamily="50" charset="-127"/>
+                                </a:rPr>
+                              </m:ctrlPr>
+                            </m:sSubSupPr>
+                            <m:e>
+                              <m:r>
+                                <a:rPr lang="en-US" altLang="ko-KR" b="0" i="1" smtClean="0">
+                                  <a:latin typeface="Cambria Math" panose="02040503050406030204" pitchFamily="18" charset="0"/>
+                                  <a:ea typeface="나눔바른고딕" panose="020B0603020101020101" pitchFamily="50" charset="-127"/>
+                                </a:rPr>
+                                <m:t>𝐽</m:t>
+                              </m:r>
+                            </m:e>
+                            <m:sub>
+                              <m:r>
+                                <a:rPr lang="en-US" altLang="ko-KR" b="0" i="1" smtClean="0">
+                                  <a:latin typeface="Cambria Math" panose="02040503050406030204" pitchFamily="18" charset="0"/>
+                                  <a:ea typeface="나눔바른고딕" panose="020B0603020101020101" pitchFamily="50" charset="-127"/>
+                                </a:rPr>
+                                <m:t>𝑟</m:t>
+                              </m:r>
+                            </m:sub>
+                            <m:sup>
+                              <m:r>
+                                <a:rPr lang="en-US" altLang="ko-KR" b="0" i="1" smtClean="0">
+                                  <a:latin typeface="Cambria Math" panose="02040503050406030204" pitchFamily="18" charset="0"/>
+                                  <a:ea typeface="나눔바른고딕" panose="020B0603020101020101" pitchFamily="50" charset="-127"/>
+                                </a:rPr>
+                                <m:t>𝑇</m:t>
+                              </m:r>
+                            </m:sup>
+                          </m:sSubSup>
+                          <m:r>
+                            <a:rPr lang="en-US" altLang="ko-KR" b="0" i="1" smtClean="0">
+                              <a:latin typeface="Cambria Math" panose="02040503050406030204" pitchFamily="18" charset="0"/>
+                              <a:ea typeface="나눔바른고딕" panose="020B0603020101020101" pitchFamily="50" charset="-127"/>
+                            </a:rPr>
+                            <m:t>𝑟</m:t>
+                          </m:r>
+                        </m:oMath>
+                      </m:oMathPara>
+                    </a14:m>
+                    <a:endParaRPr lang="en-US" altLang="ko-KR">
+                      <a:latin typeface="나눔바른고딕" panose="020B0603020101020101" pitchFamily="50" charset="-127"/>
+                      <a:ea typeface="나눔바른고딕" panose="020B0603020101020101" pitchFamily="50" charset="-127"/>
+                    </a:endParaRPr>
+                  </a:p>
+                </p:txBody>
+              </p:sp>
+            </mc:Choice>
+            <mc:Fallback xmlns="">
+              <p:sp>
+                <p:nvSpPr>
+                  <p:cNvPr id="15" name="직사각형 14">
+                    <a:extLst>
+                      <a:ext uri="{FF2B5EF4-FFF2-40B4-BE49-F238E27FC236}">
+                        <a16:creationId xmlns:a16="http://schemas.microsoft.com/office/drawing/2014/main" id="{E7F7EEF1-8479-74D6-3AFC-138563E3D242}"/>
+                      </a:ext>
+                    </a:extLst>
+                  </p:cNvPr>
+                  <p:cNvSpPr>
+                    <a:spLocks noRot="1" noChangeAspect="1" noMove="1" noResize="1" noEditPoints="1" noAdjustHandles="1" noChangeArrowheads="1" noChangeShapeType="1" noTextEdit="1"/>
+                  </p:cNvSpPr>
+                  <p:nvPr/>
+                </p:nvSpPr>
+                <p:spPr>
+                  <a:xfrm>
+                    <a:off x="1436370" y="135781"/>
+                    <a:ext cx="3962401" cy="871438"/>
+                  </a:xfrm>
+                  <a:prstGeom prst="rect">
+                    <a:avLst/>
+                  </a:prstGeom>
+                  <a:blipFill>
+                    <a:blip r:embed="rId5"/>
+                    <a:stretch>
+                      <a:fillRect/>
+                    </a:stretch>
+                  </a:blipFill>
+                </p:spPr>
+                <p:txBody>
+                  <a:bodyPr/>
+                  <a:lstStyle/>
+                  <a:p>
+                    <a:r>
+                      <a:rPr lang="ko-KR" altLang="en-US">
+                        <a:noFill/>
+                      </a:rPr>
+                      <a:t> </a:t>
+                    </a:r>
+                  </a:p>
+                </p:txBody>
+              </p:sp>
+            </mc:Fallback>
+          </mc:AlternateContent>
+          <mc:AlternateContent xmlns:mc="http://schemas.openxmlformats.org/markup-compatibility/2006" xmlns:a14="http://schemas.microsoft.com/office/drawing/2010/main">
+            <mc:Choice Requires="a14">
+              <p:sp>
+                <p:nvSpPr>
+                  <p:cNvPr id="20" name="직사각형 19">
+                    <a:extLst>
+                      <a:ext uri="{FF2B5EF4-FFF2-40B4-BE49-F238E27FC236}">
+                        <a16:creationId xmlns:a16="http://schemas.microsoft.com/office/drawing/2014/main" id="{DBA357F7-0CA7-9E5C-34C1-C2C11AD58C35}"/>
+                      </a:ext>
+                    </a:extLst>
+                  </p:cNvPr>
+                  <p:cNvSpPr/>
+                  <p:nvPr/>
+                </p:nvSpPr>
+                <p:spPr>
+                  <a:xfrm>
+                    <a:off x="1436370" y="1459655"/>
+                    <a:ext cx="3962401" cy="871437"/>
+                  </a:xfrm>
+                  <a:prstGeom prst="rect">
+                    <a:avLst/>
+                  </a:prstGeom>
+                </p:spPr>
+                <p:style>
+                  <a:lnRef idx="2">
+                    <a:schemeClr val="dk1"/>
+                  </a:lnRef>
+                  <a:fillRef idx="1">
+                    <a:schemeClr val="lt1"/>
+                  </a:fillRef>
+                  <a:effectRef idx="0">
+                    <a:schemeClr val="dk1"/>
+                  </a:effectRef>
+                  <a:fontRef idx="minor">
+                    <a:schemeClr val="dk1"/>
+                  </a:fontRef>
+                </p:style>
+                <p:txBody>
+                  <a:bodyPr rtlCol="0" anchor="ctr"/>
+                  <a:lstStyle/>
+                  <a:p>
+                    <a:pPr algn="ctr">
+                      <a:lnSpc>
+                        <a:spcPct val="120000"/>
+                      </a:lnSpc>
+                    </a:pPr>
+                    <a:r>
+                      <a:rPr lang="ko-KR" altLang="en-US">
+                        <a:latin typeface="나눔바른고딕" panose="020B0603020101020101" pitchFamily="50" charset="-127"/>
+                        <a:ea typeface="나눔바른고딕" panose="020B0603020101020101" pitchFamily="50" charset="-127"/>
+                      </a:rPr>
+                      <a:t>④ </a:t>
+                    </a:r>
+                    <a:r>
+                      <a:rPr lang="en-US" altLang="ko-KR">
+                        <a:latin typeface="나눔바른고딕" panose="020B0603020101020101" pitchFamily="50" charset="-127"/>
+                        <a:ea typeface="나눔바른고딕" panose="020B0603020101020101" pitchFamily="50" charset="-127"/>
+                      </a:rPr>
+                      <a:t>Update Parameters</a:t>
+                    </a:r>
+                  </a:p>
+                  <a:p>
+                    <a:pPr algn="ctr">
+                      <a:lnSpc>
+                        <a:spcPct val="120000"/>
+                      </a:lnSpc>
+                    </a:pPr>
+                    <a14:m>
+                      <m:oMathPara xmlns:m="http://schemas.openxmlformats.org/officeDocument/2006/math">
+                        <m:oMathParaPr>
+                          <m:jc m:val="centerGroup"/>
+                        </m:oMathParaPr>
+                        <m:oMath xmlns:m="http://schemas.openxmlformats.org/officeDocument/2006/math">
+                          <m:sSub>
+                            <m:sSubPr>
+                              <m:ctrlPr>
+                                <a:rPr lang="en-US" altLang="ko-KR" b="0" i="1" smtClean="0">
+                                  <a:latin typeface="Cambria Math" panose="02040503050406030204" pitchFamily="18" charset="0"/>
+                                  <a:ea typeface="나눔바른고딕" panose="020B0603020101020101" pitchFamily="50" charset="-127"/>
+                                </a:rPr>
+                              </m:ctrlPr>
+                            </m:sSubPr>
+                            <m:e>
+                              <m:r>
+                                <a:rPr lang="en-US" altLang="ko-KR" i="1" smtClean="0">
+                                  <a:latin typeface="Cambria Math" panose="02040503050406030204" pitchFamily="18" charset="0"/>
+                                  <a:ea typeface="나눔바른고딕" panose="020B0603020101020101" pitchFamily="50" charset="-127"/>
+                                </a:rPr>
+                                <m:t>𝑤</m:t>
+                              </m:r>
+                            </m:e>
+                            <m:sub>
+                              <m:r>
+                                <a:rPr lang="en-US" altLang="ko-KR" b="0" i="1" smtClean="0">
+                                  <a:solidFill>
+                                    <a:srgbClr val="0000FF"/>
+                                  </a:solidFill>
+                                  <a:latin typeface="Cambria Math" panose="02040503050406030204" pitchFamily="18" charset="0"/>
+                                  <a:ea typeface="나눔바른고딕" panose="020B0603020101020101" pitchFamily="50" charset="-127"/>
+                                </a:rPr>
+                                <m:t>𝑛𝑒𝑤</m:t>
+                              </m:r>
+                            </m:sub>
+                          </m:sSub>
+                          <m:r>
+                            <a:rPr lang="en-US" altLang="ko-KR" b="0" i="1" smtClean="0">
+                              <a:latin typeface="Cambria Math" panose="02040503050406030204" pitchFamily="18" charset="0"/>
+                              <a:ea typeface="나눔바른고딕" panose="020B0603020101020101" pitchFamily="50" charset="-127"/>
+                            </a:rPr>
+                            <m:t>=</m:t>
+                          </m:r>
+                          <m:sSub>
+                            <m:sSubPr>
+                              <m:ctrlPr>
+                                <a:rPr lang="en-US" altLang="ko-KR" b="0" i="1" smtClean="0">
+                                  <a:latin typeface="Cambria Math" panose="02040503050406030204" pitchFamily="18" charset="0"/>
+                                  <a:ea typeface="나눔바른고딕" panose="020B0603020101020101" pitchFamily="50" charset="-127"/>
+                                </a:rPr>
+                              </m:ctrlPr>
+                            </m:sSubPr>
+                            <m:e>
+                              <m:r>
+                                <a:rPr lang="en-US" altLang="ko-KR" b="0" i="1" smtClean="0">
+                                  <a:latin typeface="Cambria Math" panose="02040503050406030204" pitchFamily="18" charset="0"/>
+                                  <a:ea typeface="나눔바른고딕" panose="020B0603020101020101" pitchFamily="50" charset="-127"/>
+                                </a:rPr>
+                                <m:t>𝑤</m:t>
+                              </m:r>
+                            </m:e>
+                            <m:sub>
+                              <m:r>
+                                <a:rPr lang="en-US" altLang="ko-KR" b="0" i="1" smtClean="0">
+                                  <a:solidFill>
+                                    <a:srgbClr val="FF0000"/>
+                                  </a:solidFill>
+                                  <a:latin typeface="Cambria Math" panose="02040503050406030204" pitchFamily="18" charset="0"/>
+                                  <a:ea typeface="나눔바른고딕" panose="020B0603020101020101" pitchFamily="50" charset="-127"/>
+                                </a:rPr>
+                                <m:t>𝑜𝑙𝑑</m:t>
+                              </m:r>
+                            </m:sub>
+                          </m:sSub>
+                          <m:r>
+                            <a:rPr lang="en-US" altLang="ko-KR" b="0" i="1" smtClean="0">
+                              <a:latin typeface="Cambria Math" panose="02040503050406030204" pitchFamily="18" charset="0"/>
+                              <a:ea typeface="나눔바른고딕" panose="020B0603020101020101" pitchFamily="50" charset="-127"/>
+                            </a:rPr>
+                            <m:t>+</m:t>
+                          </m:r>
+                          <m:r>
+                            <m:rPr>
+                              <m:sty m:val="p"/>
+                            </m:rPr>
+                            <a:rPr lang="en-US" altLang="ko-KR" b="0" i="0" smtClean="0">
+                              <a:latin typeface="Cambria Math" panose="02040503050406030204" pitchFamily="18" charset="0"/>
+                              <a:ea typeface="나눔바른고딕" panose="020B0603020101020101" pitchFamily="50" charset="-127"/>
+                            </a:rPr>
+                            <m:t>Δ</m:t>
+                          </m:r>
+                          <m:r>
+                            <a:rPr lang="en-US" altLang="ko-KR" b="0" i="1" smtClean="0">
+                              <a:latin typeface="Cambria Math" panose="02040503050406030204" pitchFamily="18" charset="0"/>
+                              <a:ea typeface="나눔바른고딕" panose="020B0603020101020101" pitchFamily="50" charset="-127"/>
+                            </a:rPr>
+                            <m:t>𝑤</m:t>
+                          </m:r>
+                        </m:oMath>
+                      </m:oMathPara>
+                    </a14:m>
+                    <a:endParaRPr lang="en-US" altLang="ko-KR">
+                      <a:latin typeface="나눔바른고딕" panose="020B0603020101020101" pitchFamily="50" charset="-127"/>
+                      <a:ea typeface="나눔바른고딕" panose="020B0603020101020101" pitchFamily="50" charset="-127"/>
+                    </a:endParaRPr>
+                  </a:p>
+                </p:txBody>
+              </p:sp>
+            </mc:Choice>
+            <mc:Fallback xmlns="">
+              <p:sp>
+                <p:nvSpPr>
+                  <p:cNvPr id="20" name="직사각형 19">
+                    <a:extLst>
+                      <a:ext uri="{FF2B5EF4-FFF2-40B4-BE49-F238E27FC236}">
+                        <a16:creationId xmlns:a16="http://schemas.microsoft.com/office/drawing/2014/main" id="{DBA357F7-0CA7-9E5C-34C1-C2C11AD58C35}"/>
+                      </a:ext>
+                    </a:extLst>
+                  </p:cNvPr>
+                  <p:cNvSpPr>
+                    <a:spLocks noRot="1" noChangeAspect="1" noMove="1" noResize="1" noEditPoints="1" noAdjustHandles="1" noChangeArrowheads="1" noChangeShapeType="1" noTextEdit="1"/>
+                  </p:cNvSpPr>
+                  <p:nvPr/>
+                </p:nvSpPr>
+                <p:spPr>
+                  <a:xfrm>
+                    <a:off x="1436370" y="1459655"/>
+                    <a:ext cx="3962401" cy="871437"/>
+                  </a:xfrm>
+                  <a:prstGeom prst="rect">
+                    <a:avLst/>
+                  </a:prstGeom>
+                  <a:blipFill>
+                    <a:blip r:embed="rId6"/>
+                    <a:stretch>
+                      <a:fillRect/>
+                    </a:stretch>
+                  </a:blipFill>
+                </p:spPr>
+                <p:txBody>
+                  <a:bodyPr/>
+                  <a:lstStyle/>
+                  <a:p>
+                    <a:r>
+                      <a:rPr lang="ko-KR" altLang="en-US">
+                        <a:noFill/>
+                      </a:rPr>
+                      <a:t> </a:t>
+                    </a:r>
+                  </a:p>
+                </p:txBody>
+              </p:sp>
+            </mc:Fallback>
+          </mc:AlternateContent>
+          <mc:AlternateContent xmlns:mc="http://schemas.openxmlformats.org/markup-compatibility/2006" xmlns:a14="http://schemas.microsoft.com/office/drawing/2010/main">
+            <mc:Choice Requires="a14">
+              <p:sp>
+                <p:nvSpPr>
+                  <p:cNvPr id="32" name="직사각형 31">
+                    <a:extLst>
+                      <a:ext uri="{FF2B5EF4-FFF2-40B4-BE49-F238E27FC236}">
+                        <a16:creationId xmlns:a16="http://schemas.microsoft.com/office/drawing/2014/main" id="{DD059956-E551-D017-F002-54387DD90A10}"/>
+                      </a:ext>
+                    </a:extLst>
+                  </p:cNvPr>
+                  <p:cNvSpPr/>
+                  <p:nvPr/>
+                </p:nvSpPr>
+                <p:spPr>
+                  <a:xfrm>
+                    <a:off x="1436370" y="2783528"/>
+                    <a:ext cx="3962401" cy="973173"/>
+                  </a:xfrm>
+                  <a:prstGeom prst="rect">
+                    <a:avLst/>
+                  </a:prstGeom>
+                </p:spPr>
+                <p:style>
+                  <a:lnRef idx="2">
+                    <a:schemeClr val="dk1"/>
+                  </a:lnRef>
+                  <a:fillRef idx="1">
+                    <a:schemeClr val="lt1"/>
+                  </a:fillRef>
+                  <a:effectRef idx="0">
+                    <a:schemeClr val="dk1"/>
+                  </a:effectRef>
+                  <a:fontRef idx="minor">
+                    <a:schemeClr val="dk1"/>
+                  </a:fontRef>
+                </p:style>
+                <p:txBody>
+                  <a:bodyPr rtlCol="0" anchor="ctr"/>
+                  <a:lstStyle/>
+                  <a:p>
+                    <a:pPr algn="ctr">
+                      <a:lnSpc>
+                        <a:spcPct val="120000"/>
+                      </a:lnSpc>
+                    </a:pPr>
+                    <a:r>
+                      <a:rPr lang="ko-KR" altLang="en-US">
+                        <a:latin typeface="나눔바른고딕" panose="020B0603020101020101" pitchFamily="50" charset="-127"/>
+                        <a:ea typeface="나눔바른고딕" panose="020B0603020101020101" pitchFamily="50" charset="-127"/>
+                      </a:rPr>
+                      <a:t>⑤ </a:t>
+                    </a:r>
+                    <a:r>
+                      <a:rPr lang="en-US" altLang="ko-KR">
+                        <a:latin typeface="나눔바른고딕" panose="020B0603020101020101" pitchFamily="50" charset="-127"/>
+                        <a:ea typeface="나눔바른고딕" panose="020B0603020101020101" pitchFamily="50" charset="-127"/>
+                      </a:rPr>
+                      <a:t>Evaluate Cost Function</a:t>
+                    </a:r>
+                  </a:p>
+                  <a:p>
+                    <a:pPr algn="ctr">
+                      <a:lnSpc>
+                        <a:spcPct val="120000"/>
+                      </a:lnSpc>
+                    </a:pPr>
+                    <a14:m>
+                      <m:oMathPara xmlns:m="http://schemas.openxmlformats.org/officeDocument/2006/math">
+                        <m:oMathParaPr>
+                          <m:jc m:val="centerGroup"/>
+                        </m:oMathParaPr>
+                        <m:oMath xmlns:m="http://schemas.openxmlformats.org/officeDocument/2006/math">
+                          <m:r>
+                            <a:rPr lang="en-US" altLang="ko-KR" b="0" i="1" smtClean="0">
+                              <a:latin typeface="Cambria Math" panose="02040503050406030204" pitchFamily="18" charset="0"/>
+                              <a:ea typeface="나눔바른고딕" panose="020B0603020101020101" pitchFamily="50" charset="-127"/>
+                            </a:rPr>
+                            <m:t>𝐸</m:t>
+                          </m:r>
+                          <m:d>
+                            <m:dPr>
+                              <m:ctrlPr>
+                                <a:rPr lang="en-US" altLang="ko-KR" b="0" i="1" smtClean="0">
+                                  <a:latin typeface="Cambria Math" panose="02040503050406030204" pitchFamily="18" charset="0"/>
+                                  <a:ea typeface="나눔바른고딕" panose="020B0603020101020101" pitchFamily="50" charset="-127"/>
+                                </a:rPr>
+                              </m:ctrlPr>
+                            </m:dPr>
+                            <m:e>
+                              <m:sSub>
+                                <m:sSubPr>
+                                  <m:ctrlPr>
+                                    <a:rPr lang="en-US" altLang="ko-KR" b="0" i="1" smtClean="0">
+                                      <a:latin typeface="Cambria Math" panose="02040503050406030204" pitchFamily="18" charset="0"/>
+                                      <a:ea typeface="나눔바른고딕" panose="020B0603020101020101" pitchFamily="50" charset="-127"/>
+                                    </a:rPr>
+                                  </m:ctrlPr>
+                                </m:sSubPr>
+                                <m:e>
+                                  <m:r>
+                                    <a:rPr lang="en-US" altLang="ko-KR" b="0" i="1" smtClean="0">
+                                      <a:latin typeface="Cambria Math" panose="02040503050406030204" pitchFamily="18" charset="0"/>
+                                      <a:ea typeface="나눔바른고딕" panose="020B0603020101020101" pitchFamily="50" charset="-127"/>
+                                    </a:rPr>
+                                    <m:t>𝑤</m:t>
+                                  </m:r>
+                                </m:e>
+                                <m:sub>
+                                  <m:r>
+                                    <a:rPr lang="en-US" altLang="ko-KR" b="0" i="1" smtClean="0">
+                                      <a:solidFill>
+                                        <a:srgbClr val="0000FF"/>
+                                      </a:solidFill>
+                                      <a:latin typeface="Cambria Math" panose="02040503050406030204" pitchFamily="18" charset="0"/>
+                                      <a:ea typeface="나눔바른고딕" panose="020B0603020101020101" pitchFamily="50" charset="-127"/>
+                                    </a:rPr>
+                                    <m:t>𝑛𝑒𝑤</m:t>
+                                  </m:r>
+                                </m:sub>
+                              </m:sSub>
+                            </m:e>
+                          </m:d>
+                          <m:r>
+                            <a:rPr lang="en-US" altLang="ko-KR" b="0" i="1" smtClean="0">
+                              <a:latin typeface="Cambria Math" panose="02040503050406030204" pitchFamily="18" charset="0"/>
+                              <a:ea typeface="나눔바른고딕" panose="020B0603020101020101" pitchFamily="50" charset="-127"/>
+                            </a:rPr>
+                            <m:t>=‖ </m:t>
+                          </m:r>
+                          <m:r>
+                            <a:rPr lang="en-US" altLang="ko-KR" b="0" i="1" smtClean="0">
+                              <a:latin typeface="Cambria Math" panose="02040503050406030204" pitchFamily="18" charset="0"/>
+                              <a:ea typeface="나눔바른고딕" panose="020B0603020101020101" pitchFamily="50" charset="-127"/>
+                            </a:rPr>
+                            <m:t>𝑟</m:t>
+                          </m:r>
+                          <m:r>
+                            <a:rPr lang="en-US" altLang="ko-KR" b="0" i="1" smtClean="0">
+                              <a:latin typeface="Cambria Math" panose="02040503050406030204" pitchFamily="18" charset="0"/>
+                              <a:ea typeface="나눔바른고딕" panose="020B0603020101020101" pitchFamily="50" charset="-127"/>
+                            </a:rPr>
+                            <m:t>(</m:t>
+                          </m:r>
+                          <m:sSub>
+                            <m:sSubPr>
+                              <m:ctrlPr>
+                                <a:rPr lang="en-US" altLang="ko-KR" b="0" i="1" smtClean="0">
+                                  <a:latin typeface="Cambria Math" panose="02040503050406030204" pitchFamily="18" charset="0"/>
+                                  <a:ea typeface="나눔바른고딕" panose="020B0603020101020101" pitchFamily="50" charset="-127"/>
+                                </a:rPr>
+                              </m:ctrlPr>
+                            </m:sSubPr>
+                            <m:e>
+                              <m:r>
+                                <a:rPr lang="en-US" altLang="ko-KR" b="0" i="1" smtClean="0">
+                                  <a:latin typeface="Cambria Math" panose="02040503050406030204" pitchFamily="18" charset="0"/>
+                                  <a:ea typeface="나눔바른고딕" panose="020B0603020101020101" pitchFamily="50" charset="-127"/>
+                                </a:rPr>
+                                <m:t>𝑤</m:t>
+                              </m:r>
+                            </m:e>
+                            <m:sub>
+                              <m:r>
+                                <a:rPr lang="en-US" altLang="ko-KR" b="0" i="1" smtClean="0">
+                                  <a:solidFill>
+                                    <a:srgbClr val="0000FF"/>
+                                  </a:solidFill>
+                                  <a:latin typeface="Cambria Math" panose="02040503050406030204" pitchFamily="18" charset="0"/>
+                                  <a:ea typeface="나눔바른고딕" panose="020B0603020101020101" pitchFamily="50" charset="-127"/>
+                                </a:rPr>
+                                <m:t>𝑛𝑒𝑤</m:t>
+                              </m:r>
+                            </m:sub>
+                          </m:sSub>
+                          <m:r>
+                            <a:rPr lang="en-US" altLang="ko-KR" b="0" i="1" smtClean="0">
+                              <a:latin typeface="Cambria Math" panose="02040503050406030204" pitchFamily="18" charset="0"/>
+                              <a:ea typeface="나눔바른고딕" panose="020B0603020101020101" pitchFamily="50" charset="-127"/>
+                            </a:rPr>
+                            <m:t>) ‖</m:t>
+                          </m:r>
+                        </m:oMath>
+                      </m:oMathPara>
+                    </a14:m>
+                    <a:endParaRPr lang="en-US" altLang="ko-KR">
+                      <a:latin typeface="나눔바른고딕" panose="020B0603020101020101" pitchFamily="50" charset="-127"/>
+                      <a:ea typeface="나눔바른고딕" panose="020B0603020101020101" pitchFamily="50" charset="-127"/>
+                    </a:endParaRPr>
+                  </a:p>
+                </p:txBody>
+              </p:sp>
+            </mc:Choice>
+            <mc:Fallback xmlns="">
+              <p:sp>
+                <p:nvSpPr>
+                  <p:cNvPr id="32" name="직사각형 31">
+                    <a:extLst>
+                      <a:ext uri="{FF2B5EF4-FFF2-40B4-BE49-F238E27FC236}">
+                        <a16:creationId xmlns:a16="http://schemas.microsoft.com/office/drawing/2014/main" id="{DD059956-E551-D017-F002-54387DD90A10}"/>
+                      </a:ext>
+                    </a:extLst>
+                  </p:cNvPr>
+                  <p:cNvSpPr>
+                    <a:spLocks noRot="1" noChangeAspect="1" noMove="1" noResize="1" noEditPoints="1" noAdjustHandles="1" noChangeArrowheads="1" noChangeShapeType="1" noTextEdit="1"/>
+                  </p:cNvSpPr>
+                  <p:nvPr/>
+                </p:nvSpPr>
+                <p:spPr>
+                  <a:xfrm>
+                    <a:off x="1436370" y="2783528"/>
+                    <a:ext cx="3962401" cy="973173"/>
+                  </a:xfrm>
+                  <a:prstGeom prst="rect">
+                    <a:avLst/>
+                  </a:prstGeom>
+                  <a:blipFill>
+                    <a:blip r:embed="rId7"/>
+                    <a:stretch>
+                      <a:fillRect/>
+                    </a:stretch>
+                  </a:blipFill>
+                </p:spPr>
+                <p:txBody>
+                  <a:bodyPr/>
+                  <a:lstStyle/>
+                  <a:p>
+                    <a:r>
+                      <a:rPr lang="ko-KR" altLang="en-US">
+                        <a:noFill/>
+                      </a:rPr>
+                      <a:t> </a:t>
+                    </a:r>
+                  </a:p>
+                </p:txBody>
+              </p:sp>
+            </mc:Fallback>
+          </mc:AlternateContent>
+          <mc:AlternateContent xmlns:mc="http://schemas.openxmlformats.org/markup-compatibility/2006" xmlns:a14="http://schemas.microsoft.com/office/drawing/2010/main">
+            <mc:Choice Requires="a14">
+              <p:sp>
+                <p:nvSpPr>
+                  <p:cNvPr id="33" name="순서도: 판단 32">
+                    <a:extLst>
+                      <a:ext uri="{FF2B5EF4-FFF2-40B4-BE49-F238E27FC236}">
+                        <a16:creationId xmlns:a16="http://schemas.microsoft.com/office/drawing/2014/main" id="{07031B60-2062-370C-9F92-629883A41CEB}"/>
+                      </a:ext>
+                    </a:extLst>
+                  </p:cNvPr>
+                  <p:cNvSpPr/>
+                  <p:nvPr/>
+                </p:nvSpPr>
+                <p:spPr>
+                  <a:xfrm>
+                    <a:off x="1514237" y="4209137"/>
+                    <a:ext cx="3806666" cy="1290539"/>
+                  </a:xfrm>
+                  <a:prstGeom prst="flowChartDecision">
+                    <a:avLst/>
+                  </a:prstGeom>
+                </p:spPr>
+                <p:style>
+                  <a:lnRef idx="2">
+                    <a:schemeClr val="dk1"/>
+                  </a:lnRef>
+                  <a:fillRef idx="1">
+                    <a:schemeClr val="lt1"/>
+                  </a:fillRef>
+                  <a:effectRef idx="0">
+                    <a:schemeClr val="dk1"/>
+                  </a:effectRef>
+                  <a:fontRef idx="minor">
+                    <a:schemeClr val="dk1"/>
+                  </a:fontRef>
+                </p:style>
+                <p:txBody>
+                  <a:bodyPr rtlCol="0" anchor="ctr"/>
+                  <a:lstStyle/>
+                  <a:p>
+                    <a:pPr algn="ctr">
+                      <a:lnSpc>
+                        <a:spcPct val="120000"/>
+                      </a:lnSpc>
+                    </a:pPr>
+                    <a14:m>
+                      <m:oMathPara xmlns:m="http://schemas.openxmlformats.org/officeDocument/2006/math">
+                        <m:oMathParaPr>
+                          <m:jc m:val="centerGroup"/>
+                        </m:oMathParaPr>
+                        <m:oMath xmlns:m="http://schemas.openxmlformats.org/officeDocument/2006/math">
+                          <m:r>
+                            <a:rPr lang="en-US" altLang="ko-KR" sz="1600" b="0" i="1" smtClean="0">
+                              <a:latin typeface="Cambria Math" panose="02040503050406030204" pitchFamily="18" charset="0"/>
+                              <a:ea typeface="나눔바른고딕" panose="020B0603020101020101" pitchFamily="50" charset="-127"/>
+                            </a:rPr>
+                            <m:t>𝐸</m:t>
+                          </m:r>
+                          <m:d>
+                            <m:dPr>
+                              <m:ctrlPr>
+                                <a:rPr lang="en-US" altLang="ko-KR" sz="1600" b="0" i="1" smtClean="0">
+                                  <a:latin typeface="Cambria Math" panose="02040503050406030204" pitchFamily="18" charset="0"/>
+                                  <a:ea typeface="나눔바른고딕" panose="020B0603020101020101" pitchFamily="50" charset="-127"/>
+                                </a:rPr>
+                              </m:ctrlPr>
+                            </m:dPr>
+                            <m:e>
+                              <m:sSub>
+                                <m:sSubPr>
+                                  <m:ctrlPr>
+                                    <a:rPr lang="en-US" altLang="ko-KR" sz="1600" b="0" i="1" smtClean="0">
+                                      <a:latin typeface="Cambria Math" panose="02040503050406030204" pitchFamily="18" charset="0"/>
+                                      <a:ea typeface="나눔바른고딕" panose="020B0603020101020101" pitchFamily="50" charset="-127"/>
+                                    </a:rPr>
+                                  </m:ctrlPr>
+                                </m:sSubPr>
+                                <m:e>
+                                  <m:r>
+                                    <a:rPr lang="en-US" altLang="ko-KR" sz="1600" b="0" i="1" smtClean="0">
+                                      <a:latin typeface="Cambria Math" panose="02040503050406030204" pitchFamily="18" charset="0"/>
+                                      <a:ea typeface="나눔바른고딕" panose="020B0603020101020101" pitchFamily="50" charset="-127"/>
+                                    </a:rPr>
+                                    <m:t>𝑤</m:t>
+                                  </m:r>
+                                </m:e>
+                                <m:sub>
+                                  <m:r>
+                                    <a:rPr lang="en-US" altLang="ko-KR" sz="1600" b="0" i="1" smtClean="0">
+                                      <a:solidFill>
+                                        <a:srgbClr val="0000FF"/>
+                                      </a:solidFill>
+                                      <a:latin typeface="Cambria Math" panose="02040503050406030204" pitchFamily="18" charset="0"/>
+                                      <a:ea typeface="나눔바른고딕" panose="020B0603020101020101" pitchFamily="50" charset="-127"/>
+                                    </a:rPr>
+                                    <m:t>𝑛𝑒𝑤</m:t>
+                                  </m:r>
+                                </m:sub>
+                              </m:sSub>
+                            </m:e>
+                          </m:d>
+                          <m:r>
+                            <a:rPr lang="en-US" altLang="ko-KR" sz="1600" i="1">
+                              <a:latin typeface="Cambria Math" panose="02040503050406030204" pitchFamily="18" charset="0"/>
+                              <a:ea typeface="나눔바른고딕" panose="020B0603020101020101" pitchFamily="50" charset="-127"/>
+                            </a:rPr>
+                            <m:t>&lt;</m:t>
+                          </m:r>
+                          <m:r>
+                            <a:rPr lang="en-US" altLang="ko-KR" sz="1600" i="1">
+                              <a:latin typeface="Cambria Math" panose="02040503050406030204" pitchFamily="18" charset="0"/>
+                              <a:ea typeface="나눔바른고딕" panose="020B0603020101020101" pitchFamily="50" charset="-127"/>
+                            </a:rPr>
+                            <m:t>𝐸</m:t>
+                          </m:r>
+                          <m:d>
+                            <m:dPr>
+                              <m:ctrlPr>
+                                <a:rPr lang="en-US" altLang="ko-KR" sz="1600" i="1">
+                                  <a:latin typeface="Cambria Math" panose="02040503050406030204" pitchFamily="18" charset="0"/>
+                                  <a:ea typeface="나눔바른고딕" panose="020B0603020101020101" pitchFamily="50" charset="-127"/>
+                                </a:rPr>
+                              </m:ctrlPr>
+                            </m:dPr>
+                            <m:e>
+                              <m:sSub>
+                                <m:sSubPr>
+                                  <m:ctrlPr>
+                                    <a:rPr lang="en-US" altLang="ko-KR" sz="1600" i="1" smtClean="0">
+                                      <a:latin typeface="Cambria Math" panose="02040503050406030204" pitchFamily="18" charset="0"/>
+                                      <a:ea typeface="나눔바른고딕" panose="020B0603020101020101" pitchFamily="50" charset="-127"/>
+                                    </a:rPr>
+                                  </m:ctrlPr>
+                                </m:sSubPr>
+                                <m:e>
+                                  <m:r>
+                                    <a:rPr lang="en-US" altLang="ko-KR" sz="1600" i="1">
+                                      <a:latin typeface="Cambria Math" panose="02040503050406030204" pitchFamily="18" charset="0"/>
+                                      <a:ea typeface="나눔바른고딕" panose="020B0603020101020101" pitchFamily="50" charset="-127"/>
+                                    </a:rPr>
+                                    <m:t>𝑤</m:t>
+                                  </m:r>
+                                </m:e>
+                                <m:sub>
+                                  <m:r>
+                                    <a:rPr lang="en-US" altLang="ko-KR" sz="1600" b="0" i="1" smtClean="0">
+                                      <a:solidFill>
+                                        <a:srgbClr val="FF0000"/>
+                                      </a:solidFill>
+                                      <a:latin typeface="Cambria Math" panose="02040503050406030204" pitchFamily="18" charset="0"/>
+                                      <a:ea typeface="나눔바른고딕" panose="020B0603020101020101" pitchFamily="50" charset="-127"/>
+                                    </a:rPr>
+                                    <m:t>𝑜𝑙𝑑</m:t>
+                                  </m:r>
+                                </m:sub>
+                              </m:sSub>
+                            </m:e>
+                          </m:d>
+                        </m:oMath>
+                      </m:oMathPara>
+                    </a14:m>
+                    <a:endParaRPr lang="ko-KR" altLang="en-US" sz="1600"/>
+                  </a:p>
+                </p:txBody>
+              </p:sp>
+            </mc:Choice>
+            <mc:Fallback xmlns="">
+              <p:sp>
+                <p:nvSpPr>
+                  <p:cNvPr id="33" name="순서도: 판단 32">
+                    <a:extLst>
+                      <a:ext uri="{FF2B5EF4-FFF2-40B4-BE49-F238E27FC236}">
+                        <a16:creationId xmlns:a16="http://schemas.microsoft.com/office/drawing/2014/main" id="{07031B60-2062-370C-9F92-629883A41CEB}"/>
+                      </a:ext>
+                    </a:extLst>
+                  </p:cNvPr>
+                  <p:cNvSpPr>
+                    <a:spLocks noRot="1" noChangeAspect="1" noMove="1" noResize="1" noEditPoints="1" noAdjustHandles="1" noChangeArrowheads="1" noChangeShapeType="1" noTextEdit="1"/>
+                  </p:cNvSpPr>
+                  <p:nvPr/>
+                </p:nvSpPr>
+                <p:spPr>
+                  <a:xfrm>
+                    <a:off x="1514237" y="4209137"/>
+                    <a:ext cx="3806666" cy="1290539"/>
+                  </a:xfrm>
+                  <a:prstGeom prst="flowChartDecision">
+                    <a:avLst/>
+                  </a:prstGeom>
+                  <a:blipFill>
+                    <a:blip r:embed="rId8"/>
+                    <a:stretch>
+                      <a:fillRect/>
+                    </a:stretch>
+                  </a:blipFill>
+                </p:spPr>
+                <p:txBody>
+                  <a:bodyPr/>
+                  <a:lstStyle/>
+                  <a:p>
+                    <a:r>
+                      <a:rPr lang="ko-KR" altLang="en-US">
+                        <a:noFill/>
+                      </a:rPr>
+                      <a:t> </a:t>
+                    </a:r>
+                  </a:p>
+                </p:txBody>
+              </p:sp>
+            </mc:Fallback>
+          </mc:AlternateContent>
+          <mc:AlternateContent xmlns:mc="http://schemas.openxmlformats.org/markup-compatibility/2006" xmlns:a14="http://schemas.microsoft.com/office/drawing/2010/main">
+            <mc:Choice Requires="a14">
+              <p:sp>
+                <p:nvSpPr>
+                  <p:cNvPr id="35" name="직사각형 34">
+                    <a:extLst>
+                      <a:ext uri="{FF2B5EF4-FFF2-40B4-BE49-F238E27FC236}">
+                        <a16:creationId xmlns:a16="http://schemas.microsoft.com/office/drawing/2014/main" id="{C474398B-9D5B-67EB-860A-B086B14814B5}"/>
+                      </a:ext>
+                    </a:extLst>
+                  </p:cNvPr>
+                  <p:cNvSpPr/>
+                  <p:nvPr/>
+                </p:nvSpPr>
+                <p:spPr>
+                  <a:xfrm>
+                    <a:off x="-1969680" y="4209136"/>
+                    <a:ext cx="2704465" cy="1290539"/>
+                  </a:xfrm>
+                  <a:prstGeom prst="rect">
+                    <a:avLst/>
+                  </a:prstGeom>
+                </p:spPr>
+                <p:style>
+                  <a:lnRef idx="2">
+                    <a:schemeClr val="dk1"/>
+                  </a:lnRef>
+                  <a:fillRef idx="1">
+                    <a:schemeClr val="lt1"/>
+                  </a:fillRef>
+                  <a:effectRef idx="0">
+                    <a:schemeClr val="dk1"/>
+                  </a:effectRef>
+                  <a:fontRef idx="minor">
+                    <a:schemeClr val="dk1"/>
+                  </a:fontRef>
+                </p:style>
+                <p:txBody>
+                  <a:bodyPr rtlCol="0" anchor="ctr"/>
+                  <a:lstStyle/>
+                  <a:p>
+                    <a:pPr algn="ctr">
+                      <a:lnSpc>
+                        <a:spcPct val="120000"/>
+                      </a:lnSpc>
+                    </a:pPr>
+                    <a:r>
+                      <a:rPr lang="ko-KR" altLang="en-US">
+                        <a:latin typeface="나눔바른고딕" panose="020B0603020101020101" pitchFamily="50" charset="-127"/>
+                        <a:ea typeface="나눔바른고딕" panose="020B0603020101020101" pitchFamily="50" charset="-127"/>
+                      </a:rPr>
+                      <a:t>⑦ </a:t>
+                    </a:r>
+                    <a:r>
+                      <a:rPr lang="en-US" altLang="ko-KR">
+                        <a:latin typeface="나눔바른고딕" panose="020B0603020101020101" pitchFamily="50" charset="-127"/>
+                        <a:ea typeface="나눔바른고딕" panose="020B0603020101020101" pitchFamily="50" charset="-127"/>
+                      </a:rPr>
+                      <a:t>Reject Update</a:t>
+                    </a:r>
+                  </a:p>
+                  <a:p>
+                    <a:pPr algn="ctr">
+                      <a:lnSpc>
+                        <a:spcPct val="120000"/>
+                      </a:lnSpc>
+                    </a:pPr>
+                    <a14:m>
+                      <m:oMathPara xmlns:m="http://schemas.openxmlformats.org/officeDocument/2006/math">
+                        <m:oMathParaPr>
+                          <m:jc m:val="centerGroup"/>
+                        </m:oMathParaPr>
+                        <m:oMath xmlns:m="http://schemas.openxmlformats.org/officeDocument/2006/math">
+                          <m:sSub>
+                            <m:sSubPr>
+                              <m:ctrlPr>
+                                <a:rPr lang="en-US" altLang="ko-KR" b="0" i="1" smtClean="0">
+                                  <a:latin typeface="Cambria Math" panose="02040503050406030204" pitchFamily="18" charset="0"/>
+                                  <a:ea typeface="나눔바른고딕" panose="020B0603020101020101" pitchFamily="50" charset="-127"/>
+                                </a:rPr>
+                              </m:ctrlPr>
+                            </m:sSubPr>
+                            <m:e>
+                              <m:r>
+                                <a:rPr lang="en-US" altLang="ko-KR" i="1" smtClean="0">
+                                  <a:latin typeface="Cambria Math" panose="02040503050406030204" pitchFamily="18" charset="0"/>
+                                  <a:ea typeface="나눔바른고딕" panose="020B0603020101020101" pitchFamily="50" charset="-127"/>
+                                </a:rPr>
+                                <m:t>𝑤</m:t>
+                              </m:r>
+                            </m:e>
+                            <m:sub>
+                              <m:r>
+                                <a:rPr lang="en-US" altLang="ko-KR" b="0" i="1" smtClean="0">
+                                  <a:solidFill>
+                                    <a:srgbClr val="0000FF"/>
+                                  </a:solidFill>
+                                  <a:latin typeface="Cambria Math" panose="02040503050406030204" pitchFamily="18" charset="0"/>
+                                  <a:ea typeface="나눔바른고딕" panose="020B0603020101020101" pitchFamily="50" charset="-127"/>
+                                </a:rPr>
+                                <m:t>𝑛𝑒𝑤</m:t>
+                              </m:r>
+                            </m:sub>
+                          </m:sSub>
+                          <m:r>
+                            <a:rPr lang="en-US" altLang="ko-KR" b="0" i="1" smtClean="0">
+                              <a:latin typeface="Cambria Math" panose="02040503050406030204" pitchFamily="18" charset="0"/>
+                              <a:ea typeface="나눔바른고딕" panose="020B0603020101020101" pitchFamily="50" charset="-127"/>
+                            </a:rPr>
+                            <m:t>=</m:t>
+                          </m:r>
+                          <m:sSub>
+                            <m:sSubPr>
+                              <m:ctrlPr>
+                                <a:rPr lang="en-US" altLang="ko-KR" b="0" i="1" smtClean="0">
+                                  <a:latin typeface="Cambria Math" panose="02040503050406030204" pitchFamily="18" charset="0"/>
+                                  <a:ea typeface="나눔바른고딕" panose="020B0603020101020101" pitchFamily="50" charset="-127"/>
+                                </a:rPr>
+                              </m:ctrlPr>
+                            </m:sSubPr>
+                            <m:e>
+                              <m:r>
+                                <a:rPr lang="en-US" altLang="ko-KR" b="0" i="1" smtClean="0">
+                                  <a:latin typeface="Cambria Math" panose="02040503050406030204" pitchFamily="18" charset="0"/>
+                                  <a:ea typeface="나눔바른고딕" panose="020B0603020101020101" pitchFamily="50" charset="-127"/>
+                                </a:rPr>
+                                <m:t>𝑤</m:t>
+                              </m:r>
+                            </m:e>
+                            <m:sub>
+                              <m:r>
+                                <a:rPr lang="en-US" altLang="ko-KR" b="0" i="1" smtClean="0">
+                                  <a:solidFill>
+                                    <a:srgbClr val="FF0000"/>
+                                  </a:solidFill>
+                                  <a:latin typeface="Cambria Math" panose="02040503050406030204" pitchFamily="18" charset="0"/>
+                                  <a:ea typeface="나눔바른고딕" panose="020B0603020101020101" pitchFamily="50" charset="-127"/>
+                                </a:rPr>
+                                <m:t>𝑜𝑙𝑑</m:t>
+                              </m:r>
+                            </m:sub>
+                          </m:sSub>
+                        </m:oMath>
+                      </m:oMathPara>
+                    </a14:m>
+                    <a:endParaRPr lang="en-US" altLang="ko-KR">
+                      <a:latin typeface="나눔바른고딕" panose="020B0603020101020101" pitchFamily="50" charset="-127"/>
+                      <a:ea typeface="나눔바른고딕" panose="020B0603020101020101" pitchFamily="50" charset="-127"/>
+                    </a:endParaRPr>
+                  </a:p>
+                  <a:p>
+                    <a:pPr algn="ctr">
+                      <a:lnSpc>
+                        <a:spcPct val="120000"/>
+                      </a:lnSpc>
+                    </a:pPr>
+                    <a14:m>
+                      <m:oMathPara xmlns:m="http://schemas.openxmlformats.org/officeDocument/2006/math">
+                        <m:oMathParaPr>
+                          <m:jc m:val="centerGroup"/>
+                        </m:oMathParaPr>
+                        <m:oMath xmlns:m="http://schemas.openxmlformats.org/officeDocument/2006/math">
+                          <m:r>
+                            <a:rPr lang="en-US" altLang="ko-KR" b="0" i="1" smtClean="0">
+                              <a:latin typeface="Cambria Math" panose="02040503050406030204" pitchFamily="18" charset="0"/>
+                              <a:ea typeface="나눔바른고딕" panose="020B0603020101020101" pitchFamily="50" charset="-127"/>
+                            </a:rPr>
+                            <m:t>𝜇</m:t>
+                          </m:r>
+                          <m:r>
+                            <a:rPr lang="en-US" altLang="ko-KR" b="0" i="1" smtClean="0">
+                              <a:latin typeface="Cambria Math" panose="02040503050406030204" pitchFamily="18" charset="0"/>
+                              <a:ea typeface="나눔바른고딕" panose="020B0603020101020101" pitchFamily="50" charset="-127"/>
+                            </a:rPr>
+                            <m:t>=</m:t>
+                          </m:r>
+                          <m:r>
+                            <a:rPr lang="en-US" altLang="ko-KR" b="0" i="1" smtClean="0">
+                              <a:latin typeface="Cambria Math" panose="02040503050406030204" pitchFamily="18" charset="0"/>
+                              <a:ea typeface="나눔바른고딕" panose="020B0603020101020101" pitchFamily="50" charset="-127"/>
+                            </a:rPr>
+                            <m:t>𝜈</m:t>
+                          </m:r>
+                          <m:r>
+                            <a:rPr lang="en-US" altLang="ko-KR" b="0" i="1" smtClean="0">
+                              <a:latin typeface="Cambria Math" panose="02040503050406030204" pitchFamily="18" charset="0"/>
+                              <a:ea typeface="나눔바른고딕" panose="020B0603020101020101" pitchFamily="50" charset="-127"/>
+                            </a:rPr>
+                            <m:t>⋅</m:t>
+                          </m:r>
+                          <m:r>
+                            <a:rPr lang="en-US" altLang="ko-KR" b="0" i="1" smtClean="0">
+                              <a:latin typeface="Cambria Math" panose="02040503050406030204" pitchFamily="18" charset="0"/>
+                              <a:ea typeface="나눔바른고딕" panose="020B0603020101020101" pitchFamily="50" charset="-127"/>
+                            </a:rPr>
+                            <m:t>𝜇</m:t>
+                          </m:r>
+                        </m:oMath>
+                      </m:oMathPara>
+                    </a14:m>
+                    <a:endParaRPr lang="en-US" altLang="ko-KR">
+                      <a:latin typeface="나눔바른고딕" panose="020B0603020101020101" pitchFamily="50" charset="-127"/>
+                      <a:ea typeface="나눔바른고딕" panose="020B0603020101020101" pitchFamily="50" charset="-127"/>
+                    </a:endParaRPr>
+                  </a:p>
+                </p:txBody>
+              </p:sp>
+            </mc:Choice>
+            <mc:Fallback xmlns="">
+              <p:sp>
+                <p:nvSpPr>
+                  <p:cNvPr id="35" name="직사각형 34">
+                    <a:extLst>
+                      <a:ext uri="{FF2B5EF4-FFF2-40B4-BE49-F238E27FC236}">
+                        <a16:creationId xmlns:a16="http://schemas.microsoft.com/office/drawing/2014/main" id="{C474398B-9D5B-67EB-860A-B086B14814B5}"/>
+                      </a:ext>
+                    </a:extLst>
+                  </p:cNvPr>
+                  <p:cNvSpPr>
+                    <a:spLocks noRot="1" noChangeAspect="1" noMove="1" noResize="1" noEditPoints="1" noAdjustHandles="1" noChangeArrowheads="1" noChangeShapeType="1" noTextEdit="1"/>
+                  </p:cNvSpPr>
+                  <p:nvPr/>
+                </p:nvSpPr>
+                <p:spPr>
+                  <a:xfrm>
+                    <a:off x="-1969680" y="4209136"/>
+                    <a:ext cx="2704465" cy="1290539"/>
+                  </a:xfrm>
+                  <a:prstGeom prst="rect">
+                    <a:avLst/>
+                  </a:prstGeom>
+                  <a:blipFill>
+                    <a:blip r:embed="rId9"/>
+                    <a:stretch>
+                      <a:fillRect/>
+                    </a:stretch>
+                  </a:blipFill>
+                </p:spPr>
+                <p:txBody>
+                  <a:bodyPr/>
+                  <a:lstStyle/>
+                  <a:p>
+                    <a:r>
+                      <a:rPr lang="ko-KR" altLang="en-US">
+                        <a:noFill/>
+                      </a:rPr>
+                      <a:t> </a:t>
+                    </a:r>
+                  </a:p>
+                </p:txBody>
+              </p:sp>
+            </mc:Fallback>
+          </mc:AlternateContent>
+          <mc:AlternateContent xmlns:mc="http://schemas.openxmlformats.org/markup-compatibility/2006" xmlns:a14="http://schemas.microsoft.com/office/drawing/2010/main">
+            <mc:Choice Requires="a14">
+              <p:sp>
+                <p:nvSpPr>
+                  <p:cNvPr id="37" name="순서도: 판단 36">
+                    <a:extLst>
+                      <a:ext uri="{FF2B5EF4-FFF2-40B4-BE49-F238E27FC236}">
+                        <a16:creationId xmlns:a16="http://schemas.microsoft.com/office/drawing/2014/main" id="{A1964693-AB50-DD0B-5813-A39180A4BE7E}"/>
+                      </a:ext>
+                    </a:extLst>
+                  </p:cNvPr>
+                  <p:cNvSpPr/>
+                  <p:nvPr/>
+                </p:nvSpPr>
+                <p:spPr>
+                  <a:xfrm>
+                    <a:off x="1436370" y="5952111"/>
+                    <a:ext cx="3962400" cy="1290539"/>
+                  </a:xfrm>
+                  <a:prstGeom prst="flowChartDecision">
+                    <a:avLst/>
+                  </a:prstGeom>
+                </p:spPr>
+                <p:style>
+                  <a:lnRef idx="2">
+                    <a:schemeClr val="dk1"/>
+                  </a:lnRef>
+                  <a:fillRef idx="1">
+                    <a:schemeClr val="lt1"/>
+                  </a:fillRef>
+                  <a:effectRef idx="0">
+                    <a:schemeClr val="dk1"/>
+                  </a:effectRef>
+                  <a:fontRef idx="minor">
+                    <a:schemeClr val="dk1"/>
+                  </a:fontRef>
+                </p:style>
+                <p:txBody>
+                  <a:bodyPr rtlCol="0" anchor="ctr"/>
+                  <a:lstStyle/>
+                  <a:p>
+                    <a:pPr algn="ctr">
+                      <a:lnSpc>
+                        <a:spcPct val="120000"/>
+                      </a:lnSpc>
+                    </a:pPr>
+                    <a14:m>
+                      <m:oMathPara xmlns:m="http://schemas.openxmlformats.org/officeDocument/2006/math">
+                        <m:oMathParaPr>
+                          <m:jc m:val="centerGroup"/>
+                        </m:oMathParaPr>
+                        <m:oMath xmlns:m="http://schemas.openxmlformats.org/officeDocument/2006/math">
+                          <m:r>
+                            <a:rPr lang="en-US" altLang="ko-KR" sz="1400" i="1" smtClean="0">
+                              <a:latin typeface="Cambria Math" panose="02040503050406030204" pitchFamily="18" charset="0"/>
+                              <a:ea typeface="나눔바른고딕" panose="020B0603020101020101" pitchFamily="50" charset="-127"/>
+                            </a:rPr>
+                            <m:t>𝐸</m:t>
+                          </m:r>
+                          <m:d>
+                            <m:dPr>
+                              <m:ctrlPr>
+                                <a:rPr lang="en-US" altLang="ko-KR" sz="1400" i="1">
+                                  <a:latin typeface="Cambria Math" panose="02040503050406030204" pitchFamily="18" charset="0"/>
+                                  <a:ea typeface="나눔바른고딕" panose="020B0603020101020101" pitchFamily="50" charset="-127"/>
+                                </a:rPr>
+                              </m:ctrlPr>
+                            </m:dPr>
+                            <m:e>
+                              <m:sSub>
+                                <m:sSubPr>
+                                  <m:ctrlPr>
+                                    <a:rPr lang="en-US" altLang="ko-KR" sz="1400" i="1">
+                                      <a:latin typeface="Cambria Math" panose="02040503050406030204" pitchFamily="18" charset="0"/>
+                                      <a:ea typeface="나눔바른고딕" panose="020B0603020101020101" pitchFamily="50" charset="-127"/>
+                                    </a:rPr>
+                                  </m:ctrlPr>
+                                </m:sSubPr>
+                                <m:e>
+                                  <m:r>
+                                    <a:rPr lang="en-US" altLang="ko-KR" sz="1400" i="1">
+                                      <a:latin typeface="Cambria Math" panose="02040503050406030204" pitchFamily="18" charset="0"/>
+                                      <a:ea typeface="나눔바른고딕" panose="020B0603020101020101" pitchFamily="50" charset="-127"/>
+                                    </a:rPr>
+                                    <m:t>𝑤</m:t>
+                                  </m:r>
+                                </m:e>
+                                <m:sub>
+                                  <m:r>
+                                    <a:rPr lang="en-US" altLang="ko-KR" sz="1400" i="1" smtClean="0">
+                                      <a:solidFill>
+                                        <a:srgbClr val="FF0000"/>
+                                      </a:solidFill>
+                                      <a:latin typeface="Cambria Math" panose="02040503050406030204" pitchFamily="18" charset="0"/>
+                                      <a:ea typeface="나눔바른고딕" panose="020B0603020101020101" pitchFamily="50" charset="-127"/>
+                                    </a:rPr>
+                                    <m:t>𝑜𝑙𝑑</m:t>
+                                  </m:r>
+                                </m:sub>
+                              </m:sSub>
+                            </m:e>
+                          </m:d>
+                          <m:r>
+                            <a:rPr lang="en-US" altLang="ko-KR" sz="1400" b="0" i="1" smtClean="0">
+                              <a:latin typeface="Cambria Math" panose="02040503050406030204" pitchFamily="18" charset="0"/>
+                              <a:ea typeface="나눔바른고딕" panose="020B0603020101020101" pitchFamily="50" charset="-127"/>
+                            </a:rPr>
+                            <m:t>−</m:t>
+                          </m:r>
+                          <m:r>
+                            <a:rPr lang="en-US" altLang="ko-KR" sz="1400" i="1">
+                              <a:latin typeface="Cambria Math" panose="02040503050406030204" pitchFamily="18" charset="0"/>
+                              <a:ea typeface="나눔바른고딕" panose="020B0603020101020101" pitchFamily="50" charset="-127"/>
+                            </a:rPr>
+                            <m:t>𝐸</m:t>
+                          </m:r>
+                          <m:d>
+                            <m:dPr>
+                              <m:ctrlPr>
+                                <a:rPr lang="en-US" altLang="ko-KR" sz="1400" i="1">
+                                  <a:latin typeface="Cambria Math" panose="02040503050406030204" pitchFamily="18" charset="0"/>
+                                  <a:ea typeface="나눔바른고딕" panose="020B0603020101020101" pitchFamily="50" charset="-127"/>
+                                </a:rPr>
+                              </m:ctrlPr>
+                            </m:dPr>
+                            <m:e>
+                              <m:sSub>
+                                <m:sSubPr>
+                                  <m:ctrlPr>
+                                    <a:rPr lang="en-US" altLang="ko-KR" sz="1400" i="1">
+                                      <a:latin typeface="Cambria Math" panose="02040503050406030204" pitchFamily="18" charset="0"/>
+                                      <a:ea typeface="나눔바른고딕" panose="020B0603020101020101" pitchFamily="50" charset="-127"/>
+                                    </a:rPr>
+                                  </m:ctrlPr>
+                                </m:sSubPr>
+                                <m:e>
+                                  <m:r>
+                                    <a:rPr lang="en-US" altLang="ko-KR" sz="1400" i="1">
+                                      <a:latin typeface="Cambria Math" panose="02040503050406030204" pitchFamily="18" charset="0"/>
+                                      <a:ea typeface="나눔바른고딕" panose="020B0603020101020101" pitchFamily="50" charset="-127"/>
+                                    </a:rPr>
+                                    <m:t>𝑤</m:t>
+                                  </m:r>
+                                </m:e>
+                                <m:sub>
+                                  <m:r>
+                                    <a:rPr lang="en-US" altLang="ko-KR" sz="1400" b="0" i="1" smtClean="0">
+                                      <a:solidFill>
+                                        <a:srgbClr val="0000FF"/>
+                                      </a:solidFill>
+                                      <a:latin typeface="Cambria Math" panose="02040503050406030204" pitchFamily="18" charset="0"/>
+                                      <a:ea typeface="나눔바른고딕" panose="020B0603020101020101" pitchFamily="50" charset="-127"/>
+                                    </a:rPr>
+                                    <m:t>𝑛𝑒𝑤</m:t>
+                                  </m:r>
+                                </m:sub>
+                              </m:sSub>
+                            </m:e>
+                          </m:d>
+                          <m:r>
+                            <a:rPr lang="en-US" altLang="ko-KR" sz="1400" b="0" i="1" smtClean="0">
+                              <a:latin typeface="Cambria Math" panose="02040503050406030204" pitchFamily="18" charset="0"/>
+                              <a:ea typeface="나눔바른고딕" panose="020B0603020101020101" pitchFamily="50" charset="-127"/>
+                            </a:rPr>
+                            <m:t>= </m:t>
+                          </m:r>
+                          <m:r>
+                            <m:rPr>
+                              <m:nor/>
+                            </m:rPr>
+                            <a:rPr lang="en-US" altLang="ko-KR" sz="1400" b="0" i="0" smtClean="0">
+                              <a:latin typeface="Cambria Math" panose="02040503050406030204" pitchFamily="18" charset="0"/>
+                              <a:ea typeface="나눔바른고딕" panose="020B0603020101020101" pitchFamily="50" charset="-127"/>
+                            </a:rPr>
+                            <m:t>converge</m:t>
+                          </m:r>
+                          <m:r>
+                            <m:rPr>
+                              <m:nor/>
+                            </m:rPr>
+                            <a:rPr lang="en-US" altLang="ko-KR" sz="1400" b="0" i="0" smtClean="0">
+                              <a:latin typeface="Cambria Math" panose="02040503050406030204" pitchFamily="18" charset="0"/>
+                              <a:ea typeface="나눔바른고딕" panose="020B0603020101020101" pitchFamily="50" charset="-127"/>
+                            </a:rPr>
+                            <m:t>_</m:t>
+                          </m:r>
+                          <m:r>
+                            <m:rPr>
+                              <m:nor/>
+                            </m:rPr>
+                            <a:rPr lang="en-US" altLang="ko-KR" sz="1400" b="0" i="0" smtClean="0">
+                              <a:latin typeface="Cambria Math" panose="02040503050406030204" pitchFamily="18" charset="0"/>
+                              <a:ea typeface="나눔바른고딕" panose="020B0603020101020101" pitchFamily="50" charset="-127"/>
+                            </a:rPr>
+                            <m:t>threshold</m:t>
+                          </m:r>
+                        </m:oMath>
+                      </m:oMathPara>
+                    </a14:m>
+                    <a:endParaRPr lang="ko-KR" altLang="en-US" sz="1400"/>
+                  </a:p>
+                </p:txBody>
+              </p:sp>
+            </mc:Choice>
+            <mc:Fallback xmlns="">
+              <p:sp>
+                <p:nvSpPr>
+                  <p:cNvPr id="37" name="순서도: 판단 36">
+                    <a:extLst>
+                      <a:ext uri="{FF2B5EF4-FFF2-40B4-BE49-F238E27FC236}">
+                        <a16:creationId xmlns:a16="http://schemas.microsoft.com/office/drawing/2014/main" id="{A1964693-AB50-DD0B-5813-A39180A4BE7E}"/>
+                      </a:ext>
+                    </a:extLst>
+                  </p:cNvPr>
+                  <p:cNvSpPr>
+                    <a:spLocks noRot="1" noChangeAspect="1" noMove="1" noResize="1" noEditPoints="1" noAdjustHandles="1" noChangeArrowheads="1" noChangeShapeType="1" noTextEdit="1"/>
+                  </p:cNvSpPr>
+                  <p:nvPr/>
+                </p:nvSpPr>
+                <p:spPr>
+                  <a:xfrm>
+                    <a:off x="1436370" y="5952111"/>
+                    <a:ext cx="3962400" cy="1290539"/>
+                  </a:xfrm>
+                  <a:prstGeom prst="flowChartDecision">
+                    <a:avLst/>
+                  </a:prstGeom>
+                  <a:blipFill>
+                    <a:blip r:embed="rId10"/>
+                    <a:stretch>
+                      <a:fillRect/>
+                    </a:stretch>
+                  </a:blipFill>
+                </p:spPr>
+                <p:txBody>
+                  <a:bodyPr/>
+                  <a:lstStyle/>
+                  <a:p>
+                    <a:r>
+                      <a:rPr lang="ko-KR" altLang="en-US">
+                        <a:noFill/>
+                      </a:rPr>
+                      <a:t> </a:t>
+                    </a:r>
+                  </a:p>
+                </p:txBody>
+              </p:sp>
+            </mc:Fallback>
+          </mc:AlternateContent>
+          <mc:AlternateContent xmlns:mc="http://schemas.openxmlformats.org/markup-compatibility/2006" xmlns:a14="http://schemas.microsoft.com/office/drawing/2010/main">
+            <mc:Choice Requires="a14">
+              <p:sp>
+                <p:nvSpPr>
+                  <p:cNvPr id="38" name="직사각형 37">
+                    <a:extLst>
+                      <a:ext uri="{FF2B5EF4-FFF2-40B4-BE49-F238E27FC236}">
+                        <a16:creationId xmlns:a16="http://schemas.microsoft.com/office/drawing/2014/main" id="{FCC5B6F6-849E-B6D5-D25A-7B980E8BEC44}"/>
+                      </a:ext>
+                    </a:extLst>
+                  </p:cNvPr>
+                  <p:cNvSpPr/>
+                  <p:nvPr/>
+                </p:nvSpPr>
+                <p:spPr>
+                  <a:xfrm>
+                    <a:off x="-1969680" y="5841358"/>
+                    <a:ext cx="2704465" cy="1512043"/>
+                  </a:xfrm>
+                  <a:prstGeom prst="rect">
+                    <a:avLst/>
+                  </a:prstGeom>
+                </p:spPr>
+                <p:style>
+                  <a:lnRef idx="2">
+                    <a:schemeClr val="dk1"/>
+                  </a:lnRef>
+                  <a:fillRef idx="1">
+                    <a:schemeClr val="lt1"/>
+                  </a:fillRef>
+                  <a:effectRef idx="0">
+                    <a:schemeClr val="dk1"/>
+                  </a:effectRef>
+                  <a:fontRef idx="minor">
+                    <a:schemeClr val="dk1"/>
+                  </a:fontRef>
+                </p:style>
+                <p:txBody>
+                  <a:bodyPr rtlCol="0" anchor="ctr"/>
+                  <a:lstStyle/>
+                  <a:p>
+                    <a:pPr algn="ctr">
+                      <a:lnSpc>
+                        <a:spcPct val="120000"/>
+                      </a:lnSpc>
+                    </a:pPr>
+                    <a:r>
+                      <a:rPr lang="ko-KR" altLang="en-US">
+                        <a:latin typeface="나눔바른고딕" panose="020B0603020101020101" pitchFamily="50" charset="-127"/>
+                        <a:ea typeface="나눔바른고딕" panose="020B0603020101020101" pitchFamily="50" charset="-127"/>
+                      </a:rPr>
+                      <a:t>⑨ </a:t>
+                    </a:r>
+                    <a:r>
+                      <a:rPr lang="en-US" altLang="ko-KR">
+                        <a:latin typeface="나눔바른고딕" panose="020B0603020101020101" pitchFamily="50" charset="-127"/>
+                        <a:ea typeface="나눔바른고딕" panose="020B0603020101020101" pitchFamily="50" charset="-127"/>
+                      </a:rPr>
+                      <a:t>Accept Update</a:t>
+                    </a:r>
+                  </a:p>
+                  <a:p>
+                    <a:pPr algn="ctr">
+                      <a:lnSpc>
+                        <a:spcPct val="120000"/>
+                      </a:lnSpc>
+                    </a:pPr>
+                    <a14:m>
+                      <m:oMathPara xmlns:m="http://schemas.openxmlformats.org/officeDocument/2006/math">
+                        <m:oMathParaPr>
+                          <m:jc m:val="centerGroup"/>
+                        </m:oMathParaPr>
+                        <m:oMath xmlns:m="http://schemas.openxmlformats.org/officeDocument/2006/math">
+                          <m:sSub>
+                            <m:sSubPr>
+                              <m:ctrlPr>
+                                <a:rPr lang="en-US" altLang="ko-KR" b="0" i="1" smtClean="0">
+                                  <a:latin typeface="Cambria Math" panose="02040503050406030204" pitchFamily="18" charset="0"/>
+                                  <a:ea typeface="나눔바른고딕" panose="020B0603020101020101" pitchFamily="50" charset="-127"/>
+                                </a:rPr>
+                              </m:ctrlPr>
+                            </m:sSubPr>
+                            <m:e>
+                              <m:r>
+                                <a:rPr lang="en-US" altLang="ko-KR" i="1" smtClean="0">
+                                  <a:latin typeface="Cambria Math" panose="02040503050406030204" pitchFamily="18" charset="0"/>
+                                  <a:ea typeface="나눔바른고딕" panose="020B0603020101020101" pitchFamily="50" charset="-127"/>
+                                </a:rPr>
+                                <m:t>𝑤</m:t>
+                              </m:r>
+                            </m:e>
+                            <m:sub>
+                              <m:r>
+                                <a:rPr lang="en-US" altLang="ko-KR" b="0" i="1" smtClean="0">
+                                  <a:solidFill>
+                                    <a:srgbClr val="0000FF"/>
+                                  </a:solidFill>
+                                  <a:latin typeface="Cambria Math" panose="02040503050406030204" pitchFamily="18" charset="0"/>
+                                  <a:ea typeface="나눔바른고딕" panose="020B0603020101020101" pitchFamily="50" charset="-127"/>
+                                </a:rPr>
+                                <m:t>𝑛𝑒𝑤</m:t>
+                              </m:r>
+                            </m:sub>
+                          </m:sSub>
+                          <m:r>
+                            <a:rPr lang="en-US" altLang="ko-KR" b="0" i="1" smtClean="0">
+                              <a:latin typeface="Cambria Math" panose="02040503050406030204" pitchFamily="18" charset="0"/>
+                              <a:ea typeface="나눔바른고딕" panose="020B0603020101020101" pitchFamily="50" charset="-127"/>
+                            </a:rPr>
+                            <m:t>=</m:t>
+                          </m:r>
+                          <m:sSub>
+                            <m:sSubPr>
+                              <m:ctrlPr>
+                                <a:rPr lang="en-US" altLang="ko-KR" b="0" i="1" smtClean="0">
+                                  <a:latin typeface="Cambria Math" panose="02040503050406030204" pitchFamily="18" charset="0"/>
+                                  <a:ea typeface="나눔바른고딕" panose="020B0603020101020101" pitchFamily="50" charset="-127"/>
+                                </a:rPr>
+                              </m:ctrlPr>
+                            </m:sSubPr>
+                            <m:e>
+                              <m:r>
+                                <a:rPr lang="en-US" altLang="ko-KR" b="0" i="1" smtClean="0">
+                                  <a:latin typeface="Cambria Math" panose="02040503050406030204" pitchFamily="18" charset="0"/>
+                                  <a:ea typeface="나눔바른고딕" panose="020B0603020101020101" pitchFamily="50" charset="-127"/>
+                                </a:rPr>
+                                <m:t>𝑤</m:t>
+                              </m:r>
+                            </m:e>
+                            <m:sub>
+                              <m:r>
+                                <a:rPr lang="en-US" altLang="ko-KR" b="0" i="1" smtClean="0">
+                                  <a:solidFill>
+                                    <a:srgbClr val="0000FF"/>
+                                  </a:solidFill>
+                                  <a:latin typeface="Cambria Math" panose="02040503050406030204" pitchFamily="18" charset="0"/>
+                                  <a:ea typeface="나눔바른고딕" panose="020B0603020101020101" pitchFamily="50" charset="-127"/>
+                                </a:rPr>
+                                <m:t>𝑛𝑒𝑤</m:t>
+                              </m:r>
+                            </m:sub>
+                          </m:sSub>
+                        </m:oMath>
+                      </m:oMathPara>
+                    </a14:m>
+                    <a:endParaRPr lang="en-US" altLang="ko-KR" b="0" i="1">
+                      <a:latin typeface="Cambria Math" panose="02040503050406030204" pitchFamily="18" charset="0"/>
+                      <a:ea typeface="나눔바른고딕" panose="020B0603020101020101" pitchFamily="50" charset="-127"/>
+                    </a:endParaRPr>
+                  </a:p>
+                  <a:p>
+                    <a:pPr algn="ctr">
+                      <a:lnSpc>
+                        <a:spcPct val="120000"/>
+                      </a:lnSpc>
+                    </a:pPr>
+                    <a14:m>
+                      <m:oMathPara xmlns:m="http://schemas.openxmlformats.org/officeDocument/2006/math">
+                        <m:oMathParaPr>
+                          <m:jc m:val="centerGroup"/>
+                        </m:oMathParaPr>
+                        <m:oMath xmlns:m="http://schemas.openxmlformats.org/officeDocument/2006/math">
+                          <m:r>
+                            <a:rPr lang="en-US" altLang="ko-KR" b="0" i="1" smtClean="0">
+                              <a:latin typeface="Cambria Math" panose="02040503050406030204" pitchFamily="18" charset="0"/>
+                              <a:ea typeface="나눔바른고딕" panose="020B0603020101020101" pitchFamily="50" charset="-127"/>
+                            </a:rPr>
+                            <m:t>𝜇</m:t>
+                          </m:r>
+                          <m:r>
+                            <a:rPr lang="en-US" altLang="ko-KR" b="0" i="1" smtClean="0">
+                              <a:latin typeface="Cambria Math" panose="02040503050406030204" pitchFamily="18" charset="0"/>
+                              <a:ea typeface="나눔바른고딕" panose="020B0603020101020101" pitchFamily="50" charset="-127"/>
+                            </a:rPr>
+                            <m:t>=</m:t>
+                          </m:r>
+                          <m:f>
+                            <m:fPr>
+                              <m:ctrlPr>
+                                <a:rPr lang="en-US" altLang="ko-KR" b="0" i="1" smtClean="0">
+                                  <a:latin typeface="Cambria Math" panose="02040503050406030204" pitchFamily="18" charset="0"/>
+                                  <a:ea typeface="나눔바른고딕" panose="020B0603020101020101" pitchFamily="50" charset="-127"/>
+                                </a:rPr>
+                              </m:ctrlPr>
+                            </m:fPr>
+                            <m:num>
+                              <m:r>
+                                <a:rPr lang="en-US" altLang="ko-KR" b="0" i="1" smtClean="0">
+                                  <a:latin typeface="Cambria Math" panose="02040503050406030204" pitchFamily="18" charset="0"/>
+                                  <a:ea typeface="나눔바른고딕" panose="020B0603020101020101" pitchFamily="50" charset="-127"/>
+                                </a:rPr>
+                                <m:t>𝜇</m:t>
+                              </m:r>
+                            </m:num>
+                            <m:den>
+                              <m:r>
+                                <a:rPr lang="en-US" altLang="ko-KR" b="0" i="1" smtClean="0">
+                                  <a:latin typeface="Cambria Math" panose="02040503050406030204" pitchFamily="18" charset="0"/>
+                                  <a:ea typeface="나눔바른고딕" panose="020B0603020101020101" pitchFamily="50" charset="-127"/>
+                                </a:rPr>
+                                <m:t>𝜈</m:t>
+                              </m:r>
+                            </m:den>
+                          </m:f>
+                        </m:oMath>
+                      </m:oMathPara>
+                    </a14:m>
+                    <a:endParaRPr lang="en-US" altLang="ko-KR">
+                      <a:latin typeface="나눔바른고딕" panose="020B0603020101020101" pitchFamily="50" charset="-127"/>
+                      <a:ea typeface="나눔바른고딕" panose="020B0603020101020101" pitchFamily="50" charset="-127"/>
+                    </a:endParaRPr>
+                  </a:p>
+                </p:txBody>
+              </p:sp>
+            </mc:Choice>
+            <mc:Fallback xmlns="">
+              <p:sp>
+                <p:nvSpPr>
+                  <p:cNvPr id="38" name="직사각형 37">
+                    <a:extLst>
+                      <a:ext uri="{FF2B5EF4-FFF2-40B4-BE49-F238E27FC236}">
+                        <a16:creationId xmlns:a16="http://schemas.microsoft.com/office/drawing/2014/main" id="{FCC5B6F6-849E-B6D5-D25A-7B980E8BEC44}"/>
+                      </a:ext>
+                    </a:extLst>
+                  </p:cNvPr>
+                  <p:cNvSpPr>
+                    <a:spLocks noRot="1" noChangeAspect="1" noMove="1" noResize="1" noEditPoints="1" noAdjustHandles="1" noChangeArrowheads="1" noChangeShapeType="1" noTextEdit="1"/>
+                  </p:cNvSpPr>
+                  <p:nvPr/>
+                </p:nvSpPr>
+                <p:spPr>
+                  <a:xfrm>
+                    <a:off x="-1969680" y="5841358"/>
+                    <a:ext cx="2704465" cy="1512043"/>
+                  </a:xfrm>
+                  <a:prstGeom prst="rect">
+                    <a:avLst/>
+                  </a:prstGeom>
+                  <a:blipFill>
+                    <a:blip r:embed="rId11"/>
+                    <a:stretch>
+                      <a:fillRect/>
+                    </a:stretch>
+                  </a:blipFill>
+                </p:spPr>
+                <p:txBody>
+                  <a:bodyPr/>
+                  <a:lstStyle/>
+                  <a:p>
+                    <a:r>
+                      <a:rPr lang="ko-KR" altLang="en-US">
+                        <a:noFill/>
+                      </a:rPr>
+                      <a:t> </a:t>
+                    </a:r>
+                  </a:p>
+                </p:txBody>
+              </p:sp>
+            </mc:Fallback>
+          </mc:AlternateContent>
+          <p:cxnSp>
+            <p:nvCxnSpPr>
+              <p:cNvPr id="51" name="직선 화살표 연결선 50">
+                <a:extLst>
+                  <a:ext uri="{FF2B5EF4-FFF2-40B4-BE49-F238E27FC236}">
+                    <a16:creationId xmlns:a16="http://schemas.microsoft.com/office/drawing/2014/main" id="{C9A01B73-4BBD-CA69-621F-78ED4F7209DE}"/>
+                  </a:ext>
+                </a:extLst>
+              </p:cNvPr>
+              <p:cNvCxnSpPr>
+                <a:stCxn id="4" idx="2"/>
+                <a:endCxn id="11" idx="0"/>
+              </p:cNvCxnSpPr>
+              <p:nvPr/>
+            </p:nvCxnSpPr>
+            <p:spPr>
+              <a:xfrm flipH="1">
+                <a:off x="3417570" y="-1660793"/>
+                <a:ext cx="1" cy="452436"/>
+              </a:xfrm>
+              <a:prstGeom prst="straightConnector1">
+                <a:avLst/>
+              </a:prstGeom>
+              <a:ln>
+                <a:tailEnd type="triangle"/>
+              </a:ln>
+            </p:spPr>
+            <p:style>
+              <a:lnRef idx="2">
+                <a:schemeClr val="dk1"/>
+              </a:lnRef>
+              <a:fillRef idx="0">
+                <a:schemeClr val="dk1"/>
+              </a:fillRef>
+              <a:effectRef idx="1">
+                <a:schemeClr val="dk1"/>
+              </a:effectRef>
+              <a:fontRef idx="minor">
+                <a:schemeClr val="tx1"/>
+              </a:fontRef>
+            </p:style>
+          </p:cxnSp>
+          <p:cxnSp>
+            <p:nvCxnSpPr>
+              <p:cNvPr id="52" name="직선 화살표 연결선 51">
+                <a:extLst>
+                  <a:ext uri="{FF2B5EF4-FFF2-40B4-BE49-F238E27FC236}">
+                    <a16:creationId xmlns:a16="http://schemas.microsoft.com/office/drawing/2014/main" id="{027B6EBF-176D-0EB5-218F-DDAF7879E5F4}"/>
+                  </a:ext>
+                </a:extLst>
+              </p:cNvPr>
+              <p:cNvCxnSpPr>
+                <a:cxnSpLocks/>
+                <a:stCxn id="11" idx="2"/>
+                <a:endCxn id="15" idx="0"/>
+              </p:cNvCxnSpPr>
+              <p:nvPr/>
+            </p:nvCxnSpPr>
+            <p:spPr>
+              <a:xfrm>
+                <a:off x="3417570" y="-316655"/>
+                <a:ext cx="1" cy="452436"/>
+              </a:xfrm>
+              <a:prstGeom prst="straightConnector1">
+                <a:avLst/>
+              </a:prstGeom>
+              <a:ln>
+                <a:tailEnd type="triangle"/>
+              </a:ln>
+            </p:spPr>
+            <p:style>
+              <a:lnRef idx="2">
+                <a:schemeClr val="dk1"/>
+              </a:lnRef>
+              <a:fillRef idx="0">
+                <a:schemeClr val="dk1"/>
+              </a:fillRef>
+              <a:effectRef idx="1">
+                <a:schemeClr val="dk1"/>
+              </a:effectRef>
+              <a:fontRef idx="minor">
+                <a:schemeClr val="tx1"/>
+              </a:fontRef>
+            </p:style>
+          </p:cxnSp>
+          <p:cxnSp>
+            <p:nvCxnSpPr>
+              <p:cNvPr id="55" name="직선 화살표 연결선 54">
+                <a:extLst>
+                  <a:ext uri="{FF2B5EF4-FFF2-40B4-BE49-F238E27FC236}">
+                    <a16:creationId xmlns:a16="http://schemas.microsoft.com/office/drawing/2014/main" id="{9D40EEBF-7F65-8A66-86F6-FD76214F07D1}"/>
+                  </a:ext>
+                </a:extLst>
+              </p:cNvPr>
+              <p:cNvCxnSpPr>
+                <a:cxnSpLocks/>
+                <a:stCxn id="15" idx="2"/>
+                <a:endCxn id="20" idx="0"/>
+              </p:cNvCxnSpPr>
+              <p:nvPr/>
+            </p:nvCxnSpPr>
+            <p:spPr>
+              <a:xfrm>
+                <a:off x="3417571" y="1007219"/>
+                <a:ext cx="0" cy="452436"/>
+              </a:xfrm>
+              <a:prstGeom prst="straightConnector1">
+                <a:avLst/>
+              </a:prstGeom>
+              <a:ln>
+                <a:tailEnd type="triangle"/>
+              </a:ln>
+            </p:spPr>
+            <p:style>
+              <a:lnRef idx="2">
+                <a:schemeClr val="dk1"/>
+              </a:lnRef>
+              <a:fillRef idx="0">
+                <a:schemeClr val="dk1"/>
+              </a:fillRef>
+              <a:effectRef idx="1">
+                <a:schemeClr val="dk1"/>
+              </a:effectRef>
+              <a:fontRef idx="minor">
+                <a:schemeClr val="tx1"/>
+              </a:fontRef>
+            </p:style>
+          </p:cxnSp>
+          <p:cxnSp>
+            <p:nvCxnSpPr>
+              <p:cNvPr id="58" name="직선 화살표 연결선 57">
+                <a:extLst>
+                  <a:ext uri="{FF2B5EF4-FFF2-40B4-BE49-F238E27FC236}">
+                    <a16:creationId xmlns:a16="http://schemas.microsoft.com/office/drawing/2014/main" id="{E0A4F826-BE0D-EB15-050D-B8FE43444027}"/>
+                  </a:ext>
+                </a:extLst>
+              </p:cNvPr>
+              <p:cNvCxnSpPr>
+                <a:cxnSpLocks/>
+                <a:stCxn id="20" idx="2"/>
+                <a:endCxn id="32" idx="0"/>
+              </p:cNvCxnSpPr>
+              <p:nvPr/>
+            </p:nvCxnSpPr>
+            <p:spPr>
+              <a:xfrm>
+                <a:off x="3417571" y="2331092"/>
+                <a:ext cx="0" cy="452436"/>
+              </a:xfrm>
+              <a:prstGeom prst="straightConnector1">
+                <a:avLst/>
+              </a:prstGeom>
+              <a:ln>
+                <a:tailEnd type="triangle"/>
+              </a:ln>
+            </p:spPr>
+            <p:style>
+              <a:lnRef idx="2">
+                <a:schemeClr val="dk1"/>
+              </a:lnRef>
+              <a:fillRef idx="0">
+                <a:schemeClr val="dk1"/>
+              </a:fillRef>
+              <a:effectRef idx="1">
+                <a:schemeClr val="dk1"/>
+              </a:effectRef>
+              <a:fontRef idx="minor">
+                <a:schemeClr val="tx1"/>
+              </a:fontRef>
+            </p:style>
+          </p:cxnSp>
+          <p:cxnSp>
+            <p:nvCxnSpPr>
+              <p:cNvPr id="62" name="직선 화살표 연결선 61">
+                <a:extLst>
+                  <a:ext uri="{FF2B5EF4-FFF2-40B4-BE49-F238E27FC236}">
+                    <a16:creationId xmlns:a16="http://schemas.microsoft.com/office/drawing/2014/main" id="{D841C5CD-AB4B-3F12-542D-92DB1B89B12B}"/>
+                  </a:ext>
+                </a:extLst>
+              </p:cNvPr>
+              <p:cNvCxnSpPr>
+                <a:cxnSpLocks/>
+              </p:cNvCxnSpPr>
+              <p:nvPr/>
+            </p:nvCxnSpPr>
+            <p:spPr>
+              <a:xfrm flipH="1">
+                <a:off x="3417570" y="3769969"/>
+                <a:ext cx="1" cy="452436"/>
+              </a:xfrm>
+              <a:prstGeom prst="straightConnector1">
+                <a:avLst/>
+              </a:prstGeom>
+              <a:ln>
+                <a:tailEnd type="triangle"/>
+              </a:ln>
+            </p:spPr>
+            <p:style>
+              <a:lnRef idx="2">
+                <a:schemeClr val="dk1"/>
+              </a:lnRef>
+              <a:fillRef idx="0">
+                <a:schemeClr val="dk1"/>
+              </a:fillRef>
+              <a:effectRef idx="1">
+                <a:schemeClr val="dk1"/>
+              </a:effectRef>
+              <a:fontRef idx="minor">
+                <a:schemeClr val="tx1"/>
+              </a:fontRef>
+            </p:style>
+          </p:cxnSp>
+          <p:cxnSp>
+            <p:nvCxnSpPr>
+              <p:cNvPr id="1025" name="직선 화살표 연결선 1024">
+                <a:extLst>
+                  <a:ext uri="{FF2B5EF4-FFF2-40B4-BE49-F238E27FC236}">
+                    <a16:creationId xmlns:a16="http://schemas.microsoft.com/office/drawing/2014/main" id="{7B193D91-DE5B-DAD8-625D-024F99F44342}"/>
+                  </a:ext>
+                </a:extLst>
+              </p:cNvPr>
+              <p:cNvCxnSpPr>
+                <a:cxnSpLocks/>
+                <a:stCxn id="33" idx="2"/>
+                <a:endCxn id="37" idx="0"/>
+              </p:cNvCxnSpPr>
+              <p:nvPr/>
+            </p:nvCxnSpPr>
+            <p:spPr>
+              <a:xfrm>
+                <a:off x="3417570" y="5499676"/>
+                <a:ext cx="0" cy="452435"/>
+              </a:xfrm>
+              <a:prstGeom prst="straightConnector1">
+                <a:avLst/>
+              </a:prstGeom>
+              <a:ln>
+                <a:tailEnd type="triangle"/>
+              </a:ln>
+            </p:spPr>
+            <p:style>
+              <a:lnRef idx="2">
+                <a:schemeClr val="dk1"/>
+              </a:lnRef>
+              <a:fillRef idx="0">
+                <a:schemeClr val="dk1"/>
+              </a:fillRef>
+              <a:effectRef idx="1">
+                <a:schemeClr val="dk1"/>
+              </a:effectRef>
+              <a:fontRef idx="minor">
+                <a:schemeClr val="tx1"/>
+              </a:fontRef>
+            </p:style>
+          </p:cxnSp>
+          <p:cxnSp>
+            <p:nvCxnSpPr>
+              <p:cNvPr id="1029" name="직선 화살표 연결선 1028">
+                <a:extLst>
+                  <a:ext uri="{FF2B5EF4-FFF2-40B4-BE49-F238E27FC236}">
+                    <a16:creationId xmlns:a16="http://schemas.microsoft.com/office/drawing/2014/main" id="{24EF6D5E-1045-7027-C361-12B46152301F}"/>
+                  </a:ext>
+                </a:extLst>
+              </p:cNvPr>
+              <p:cNvCxnSpPr>
+                <a:cxnSpLocks/>
+                <a:stCxn id="33" idx="1"/>
+                <a:endCxn id="35" idx="3"/>
+              </p:cNvCxnSpPr>
+              <p:nvPr/>
+            </p:nvCxnSpPr>
+            <p:spPr>
+              <a:xfrm flipH="1" flipV="1">
+                <a:off x="734785" y="4854406"/>
+                <a:ext cx="779452" cy="1"/>
+              </a:xfrm>
+              <a:prstGeom prst="straightConnector1">
+                <a:avLst/>
+              </a:prstGeom>
+              <a:ln>
+                <a:tailEnd type="triangle"/>
+              </a:ln>
+            </p:spPr>
+            <p:style>
+              <a:lnRef idx="2">
+                <a:schemeClr val="dk1"/>
+              </a:lnRef>
+              <a:fillRef idx="0">
+                <a:schemeClr val="dk1"/>
+              </a:fillRef>
+              <a:effectRef idx="1">
+                <a:schemeClr val="dk1"/>
+              </a:effectRef>
+              <a:fontRef idx="minor">
+                <a:schemeClr val="tx1"/>
+              </a:fontRef>
+            </p:style>
+          </p:cxnSp>
+          <p:cxnSp>
+            <p:nvCxnSpPr>
+              <p:cNvPr id="1033" name="직선 화살표 연결선 1032">
+                <a:extLst>
+                  <a:ext uri="{FF2B5EF4-FFF2-40B4-BE49-F238E27FC236}">
+                    <a16:creationId xmlns:a16="http://schemas.microsoft.com/office/drawing/2014/main" id="{5656BFBC-7BB8-37FA-F8FE-81E566B5F12B}"/>
+                  </a:ext>
+                </a:extLst>
+              </p:cNvPr>
+              <p:cNvCxnSpPr>
+                <a:cxnSpLocks/>
+                <a:stCxn id="37" idx="1"/>
+                <a:endCxn id="38" idx="3"/>
+              </p:cNvCxnSpPr>
+              <p:nvPr/>
+            </p:nvCxnSpPr>
+            <p:spPr>
+              <a:xfrm flipH="1" flipV="1">
+                <a:off x="734785" y="6597380"/>
+                <a:ext cx="701585" cy="1"/>
+              </a:xfrm>
+              <a:prstGeom prst="straightConnector1">
+                <a:avLst/>
+              </a:prstGeom>
+              <a:ln>
+                <a:tailEnd type="triangle"/>
+              </a:ln>
+            </p:spPr>
+            <p:style>
+              <a:lnRef idx="2">
+                <a:schemeClr val="dk1"/>
+              </a:lnRef>
+              <a:fillRef idx="0">
+                <a:schemeClr val="dk1"/>
+              </a:fillRef>
+              <a:effectRef idx="1">
+                <a:schemeClr val="dk1"/>
+              </a:effectRef>
+              <a:fontRef idx="minor">
+                <a:schemeClr val="tx1"/>
+              </a:fontRef>
+            </p:style>
+          </p:cxnSp>
+          <p:sp>
+            <p:nvSpPr>
+              <p:cNvPr id="1038" name="TextBox 1037">
+                <a:extLst>
+                  <a:ext uri="{FF2B5EF4-FFF2-40B4-BE49-F238E27FC236}">
+                    <a16:creationId xmlns:a16="http://schemas.microsoft.com/office/drawing/2014/main" id="{C6D63BA0-19C8-0004-B0E4-8BB8B463748C}"/>
+                  </a:ext>
+                </a:extLst>
+              </p:cNvPr>
+              <p:cNvSpPr txBox="1"/>
+              <p:nvPr/>
+            </p:nvSpPr>
+            <p:spPr>
+              <a:xfrm>
+                <a:off x="937515" y="4498718"/>
+                <a:ext cx="498855" cy="369332"/>
+              </a:xfrm>
+              <a:prstGeom prst="rect">
+                <a:avLst/>
+              </a:prstGeom>
+              <a:noFill/>
+            </p:spPr>
+            <p:txBody>
+              <a:bodyPr wrap="none" rtlCol="0">
+                <a:spAutoFit/>
+              </a:bodyPr>
+              <a:lstStyle/>
+              <a:p>
+                <a:r>
+                  <a:rPr lang="en-US" altLang="ko-KR">
                     <a:latin typeface="나눔바른고딕" panose="020B0603020101020101" pitchFamily="50" charset="-127"/>
                     <a:ea typeface="나눔바른고딕" panose="020B0603020101020101" pitchFamily="50" charset="-127"/>
-                  </a:endParaRPr>
-                </a:p>
-              </p:txBody>
-            </p:sp>
-          </mc:Choice>
-          <mc:Fallback>
-            <p:sp>
-              <p:nvSpPr>
-                <p:cNvPr id="15" name="직사각형 14">
-                  <a:extLst>
-                    <a:ext uri="{FF2B5EF4-FFF2-40B4-BE49-F238E27FC236}">
-                      <a16:creationId xmlns:a16="http://schemas.microsoft.com/office/drawing/2014/main" id="{E7F7EEF1-8479-74D6-3AFC-138563E3D242}"/>
-                    </a:ext>
-                  </a:extLst>
-                </p:cNvPr>
-                <p:cNvSpPr>
-                  <a:spLocks noRot="1" noChangeAspect="1" noMove="1" noResize="1" noEditPoints="1" noAdjustHandles="1" noChangeArrowheads="1" noChangeShapeType="1" noTextEdit="1"/>
-                </p:cNvSpPr>
-                <p:nvPr/>
-              </p:nvSpPr>
-              <p:spPr>
-                <a:xfrm>
-                  <a:off x="1436370" y="135781"/>
-                  <a:ext cx="3962401" cy="871438"/>
-                </a:xfrm>
-                <a:prstGeom prst="rect">
-                  <a:avLst/>
-                </a:prstGeom>
-                <a:blipFill>
-                  <a:blip r:embed="rId5"/>
-                  <a:stretch>
-                    <a:fillRect/>
-                  </a:stretch>
-                </a:blipFill>
-              </p:spPr>
-              <p:txBody>
-                <a:bodyPr/>
-                <a:lstStyle/>
-                <a:p>
-                  <a:r>
-                    <a:rPr lang="ko-KR" altLang="en-US">
-                      <a:noFill/>
-                    </a:rPr>
-                    <a:t> </a:t>
-                  </a:r>
-                </a:p>
-              </p:txBody>
-            </p:sp>
-          </mc:Fallback>
-        </mc:AlternateContent>
-        <mc:AlternateContent xmlns:mc="http://schemas.openxmlformats.org/markup-compatibility/2006">
-          <mc:Choice xmlns:a14="http://schemas.microsoft.com/office/drawing/2010/main" Requires="a14">
-            <p:sp>
-              <p:nvSpPr>
-                <p:cNvPr id="20" name="직사각형 19">
-                  <a:extLst>
-                    <a:ext uri="{FF2B5EF4-FFF2-40B4-BE49-F238E27FC236}">
-                      <a16:creationId xmlns:a16="http://schemas.microsoft.com/office/drawing/2014/main" id="{DBA357F7-0CA7-9E5C-34C1-C2C11AD58C35}"/>
-                    </a:ext>
-                  </a:extLst>
-                </p:cNvPr>
-                <p:cNvSpPr/>
-                <p:nvPr/>
-              </p:nvSpPr>
-              <p:spPr>
-                <a:xfrm>
-                  <a:off x="1436370" y="1459655"/>
-                  <a:ext cx="3962401" cy="871437"/>
-                </a:xfrm>
-                <a:prstGeom prst="rect">
-                  <a:avLst/>
-                </a:prstGeom>
-              </p:spPr>
-              <p:style>
-                <a:lnRef idx="2">
-                  <a:schemeClr val="dk1"/>
-                </a:lnRef>
-                <a:fillRef idx="1">
-                  <a:schemeClr val="lt1"/>
-                </a:fillRef>
-                <a:effectRef idx="0">
-                  <a:schemeClr val="dk1"/>
-                </a:effectRef>
-                <a:fontRef idx="minor">
-                  <a:schemeClr val="dk1"/>
-                </a:fontRef>
-              </p:style>
-              <p:txBody>
-                <a:bodyPr rtlCol="0" anchor="ctr"/>
-                <a:lstStyle/>
-                <a:p>
-                  <a:pPr algn="ctr">
-                    <a:lnSpc>
-                      <a:spcPct val="120000"/>
-                    </a:lnSpc>
-                  </a:pPr>
-                  <a:r>
-                    <a:rPr lang="ko-KR" altLang="en-US">
-                      <a:latin typeface="나눔바른고딕" panose="020B0603020101020101" pitchFamily="50" charset="-127"/>
-                      <a:ea typeface="나눔바른고딕" panose="020B0603020101020101" pitchFamily="50" charset="-127"/>
-                    </a:rPr>
-                    <a:t>④ </a:t>
-                  </a:r>
-                  <a:r>
-                    <a:rPr lang="en-US" altLang="ko-KR">
-                      <a:latin typeface="나눔바른고딕" panose="020B0603020101020101" pitchFamily="50" charset="-127"/>
-                      <a:ea typeface="나눔바른고딕" panose="020B0603020101020101" pitchFamily="50" charset="-127"/>
-                    </a:rPr>
-                    <a:t>Update Parameters</a:t>
-                  </a:r>
-                </a:p>
-                <a:p>
-                  <a:pPr algn="ctr">
-                    <a:lnSpc>
-                      <a:spcPct val="120000"/>
-                    </a:lnSpc>
-                  </a:pPr>
-                  <a14:m>
-                    <m:oMathPara xmlns:m="http://schemas.openxmlformats.org/officeDocument/2006/math">
-                      <m:oMathParaPr>
-                        <m:jc m:val="centerGroup"/>
-                      </m:oMathParaPr>
-                      <m:oMath xmlns:m="http://schemas.openxmlformats.org/officeDocument/2006/math">
-                        <m:sSub>
-                          <m:sSubPr>
-                            <m:ctrlPr>
-                              <a:rPr lang="en-US" altLang="ko-KR" b="0" i="1" smtClean="0">
-                                <a:latin typeface="Cambria Math" panose="02040503050406030204" pitchFamily="18" charset="0"/>
-                                <a:ea typeface="나눔바른고딕" panose="020B0603020101020101" pitchFamily="50" charset="-127"/>
-                              </a:rPr>
-                            </m:ctrlPr>
-                          </m:sSubPr>
-                          <m:e>
-                            <m:r>
-                              <a:rPr lang="en-US" altLang="ko-KR" i="1" smtClean="0">
-                                <a:latin typeface="Cambria Math" panose="02040503050406030204" pitchFamily="18" charset="0"/>
-                                <a:ea typeface="나눔바른고딕" panose="020B0603020101020101" pitchFamily="50" charset="-127"/>
-                              </a:rPr>
-                              <m:t>𝑤</m:t>
-                            </m:r>
-                          </m:e>
-                          <m:sub>
-                            <m:r>
-                              <a:rPr lang="en-US" altLang="ko-KR" b="0" i="1" smtClean="0">
-                                <a:solidFill>
-                                  <a:srgbClr val="0000FF"/>
-                                </a:solidFill>
-                                <a:latin typeface="Cambria Math" panose="02040503050406030204" pitchFamily="18" charset="0"/>
-                                <a:ea typeface="나눔바른고딕" panose="020B0603020101020101" pitchFamily="50" charset="-127"/>
-                              </a:rPr>
-                              <m:t>𝑛𝑒𝑤</m:t>
-                            </m:r>
-                          </m:sub>
-                        </m:sSub>
-                        <m:r>
-                          <a:rPr lang="en-US" altLang="ko-KR" b="0" i="1" smtClean="0">
-                            <a:latin typeface="Cambria Math" panose="02040503050406030204" pitchFamily="18" charset="0"/>
-                            <a:ea typeface="나눔바른고딕" panose="020B0603020101020101" pitchFamily="50" charset="-127"/>
-                          </a:rPr>
-                          <m:t>=</m:t>
-                        </m:r>
-                        <m:sSub>
-                          <m:sSubPr>
-                            <m:ctrlPr>
-                              <a:rPr lang="en-US" altLang="ko-KR" b="0" i="1" smtClean="0">
-                                <a:latin typeface="Cambria Math" panose="02040503050406030204" pitchFamily="18" charset="0"/>
-                                <a:ea typeface="나눔바른고딕" panose="020B0603020101020101" pitchFamily="50" charset="-127"/>
-                              </a:rPr>
-                            </m:ctrlPr>
-                          </m:sSubPr>
-                          <m:e>
-                            <m:r>
-                              <a:rPr lang="en-US" altLang="ko-KR" b="0" i="1" smtClean="0">
-                                <a:latin typeface="Cambria Math" panose="02040503050406030204" pitchFamily="18" charset="0"/>
-                                <a:ea typeface="나눔바른고딕" panose="020B0603020101020101" pitchFamily="50" charset="-127"/>
-                              </a:rPr>
-                              <m:t>𝑤</m:t>
-                            </m:r>
-                          </m:e>
-                          <m:sub>
-                            <m:r>
-                              <a:rPr lang="en-US" altLang="ko-KR" b="0" i="1" smtClean="0">
-                                <a:solidFill>
-                                  <a:srgbClr val="FF0000"/>
-                                </a:solidFill>
-                                <a:latin typeface="Cambria Math" panose="02040503050406030204" pitchFamily="18" charset="0"/>
-                                <a:ea typeface="나눔바른고딕" panose="020B0603020101020101" pitchFamily="50" charset="-127"/>
-                              </a:rPr>
-                              <m:t>𝑜𝑙𝑑</m:t>
-                            </m:r>
-                          </m:sub>
-                        </m:sSub>
-                        <m:r>
-                          <a:rPr lang="en-US" altLang="ko-KR" b="0" i="1" smtClean="0">
-                            <a:latin typeface="Cambria Math" panose="02040503050406030204" pitchFamily="18" charset="0"/>
-                            <a:ea typeface="나눔바른고딕" panose="020B0603020101020101" pitchFamily="50" charset="-127"/>
-                          </a:rPr>
-                          <m:t>+</m:t>
-                        </m:r>
-                        <m:r>
-                          <m:rPr>
-                            <m:sty m:val="p"/>
-                          </m:rPr>
-                          <a:rPr lang="en-US" altLang="ko-KR" b="0" i="0" smtClean="0">
-                            <a:latin typeface="Cambria Math" panose="02040503050406030204" pitchFamily="18" charset="0"/>
-                            <a:ea typeface="나눔바른고딕" panose="020B0603020101020101" pitchFamily="50" charset="-127"/>
-                          </a:rPr>
-                          <m:t>Δ</m:t>
-                        </m:r>
-                        <m:r>
-                          <a:rPr lang="en-US" altLang="ko-KR" b="0" i="1" smtClean="0">
-                            <a:latin typeface="Cambria Math" panose="02040503050406030204" pitchFamily="18" charset="0"/>
-                            <a:ea typeface="나눔바른고딕" panose="020B0603020101020101" pitchFamily="50" charset="-127"/>
-                          </a:rPr>
-                          <m:t>𝑤</m:t>
-                        </m:r>
-                      </m:oMath>
-                    </m:oMathPara>
-                  </a14:m>
-                  <a:endParaRPr lang="en-US" altLang="ko-KR">
+                  </a:rPr>
+                  <a:t>No</a:t>
+                </a:r>
+                <a:endParaRPr lang="ko-KR" altLang="en-US">
+                  <a:latin typeface="나눔바른고딕" panose="020B0603020101020101" pitchFamily="50" charset="-127"/>
+                  <a:ea typeface="나눔바른고딕" panose="020B0603020101020101" pitchFamily="50" charset="-127"/>
+                </a:endParaRPr>
+              </a:p>
+            </p:txBody>
+          </p:sp>
+          <p:sp>
+            <p:nvSpPr>
+              <p:cNvPr id="1039" name="TextBox 1038">
+                <a:extLst>
+                  <a:ext uri="{FF2B5EF4-FFF2-40B4-BE49-F238E27FC236}">
+                    <a16:creationId xmlns:a16="http://schemas.microsoft.com/office/drawing/2014/main" id="{DC3C48BD-C2D9-A37E-2103-84A1D1C69273}"/>
+                  </a:ext>
+                </a:extLst>
+              </p:cNvPr>
+              <p:cNvSpPr txBox="1"/>
+              <p:nvPr/>
+            </p:nvSpPr>
+            <p:spPr>
+              <a:xfrm>
+                <a:off x="917355" y="6214405"/>
+                <a:ext cx="498855" cy="369332"/>
+              </a:xfrm>
+              <a:prstGeom prst="rect">
+                <a:avLst/>
+              </a:prstGeom>
+              <a:noFill/>
+            </p:spPr>
+            <p:txBody>
+              <a:bodyPr wrap="none" rtlCol="0">
+                <a:spAutoFit/>
+              </a:bodyPr>
+              <a:lstStyle/>
+              <a:p>
+                <a:r>
+                  <a:rPr lang="en-US" altLang="ko-KR">
                     <a:latin typeface="나눔바른고딕" panose="020B0603020101020101" pitchFamily="50" charset="-127"/>
                     <a:ea typeface="나눔바른고딕" panose="020B0603020101020101" pitchFamily="50" charset="-127"/>
-                  </a:endParaRPr>
-                </a:p>
-              </p:txBody>
-            </p:sp>
-          </mc:Choice>
-          <mc:Fallback>
-            <p:sp>
-              <p:nvSpPr>
-                <p:cNvPr id="20" name="직사각형 19">
-                  <a:extLst>
-                    <a:ext uri="{FF2B5EF4-FFF2-40B4-BE49-F238E27FC236}">
-                      <a16:creationId xmlns:a16="http://schemas.microsoft.com/office/drawing/2014/main" id="{DBA357F7-0CA7-9E5C-34C1-C2C11AD58C35}"/>
-                    </a:ext>
-                  </a:extLst>
-                </p:cNvPr>
-                <p:cNvSpPr>
-                  <a:spLocks noRot="1" noChangeAspect="1" noMove="1" noResize="1" noEditPoints="1" noAdjustHandles="1" noChangeArrowheads="1" noChangeShapeType="1" noTextEdit="1"/>
-                </p:cNvSpPr>
-                <p:nvPr/>
-              </p:nvSpPr>
-              <p:spPr>
-                <a:xfrm>
-                  <a:off x="1436370" y="1459655"/>
-                  <a:ext cx="3962401" cy="871437"/>
-                </a:xfrm>
-                <a:prstGeom prst="rect">
-                  <a:avLst/>
-                </a:prstGeom>
-                <a:blipFill>
-                  <a:blip r:embed="rId6"/>
-                  <a:stretch>
-                    <a:fillRect/>
-                  </a:stretch>
-                </a:blipFill>
-              </p:spPr>
-              <p:txBody>
-                <a:bodyPr/>
-                <a:lstStyle/>
-                <a:p>
-                  <a:r>
-                    <a:rPr lang="ko-KR" altLang="en-US">
-                      <a:noFill/>
-                    </a:rPr>
-                    <a:t> </a:t>
-                  </a:r>
-                </a:p>
-              </p:txBody>
-            </p:sp>
-          </mc:Fallback>
-        </mc:AlternateContent>
-        <mc:AlternateContent xmlns:mc="http://schemas.openxmlformats.org/markup-compatibility/2006">
-          <mc:Choice xmlns:a14="http://schemas.microsoft.com/office/drawing/2010/main" Requires="a14">
-            <p:sp>
-              <p:nvSpPr>
-                <p:cNvPr id="32" name="직사각형 31">
-                  <a:extLst>
-                    <a:ext uri="{FF2B5EF4-FFF2-40B4-BE49-F238E27FC236}">
-                      <a16:creationId xmlns:a16="http://schemas.microsoft.com/office/drawing/2014/main" id="{DD059956-E551-D017-F002-54387DD90A10}"/>
-                    </a:ext>
-                  </a:extLst>
-                </p:cNvPr>
-                <p:cNvSpPr/>
-                <p:nvPr/>
-              </p:nvSpPr>
-              <p:spPr>
-                <a:xfrm>
-                  <a:off x="1436370" y="2783528"/>
-                  <a:ext cx="3962401" cy="973173"/>
-                </a:xfrm>
-                <a:prstGeom prst="rect">
-                  <a:avLst/>
-                </a:prstGeom>
-              </p:spPr>
-              <p:style>
-                <a:lnRef idx="2">
-                  <a:schemeClr val="dk1"/>
-                </a:lnRef>
-                <a:fillRef idx="1">
-                  <a:schemeClr val="lt1"/>
-                </a:fillRef>
-                <a:effectRef idx="0">
-                  <a:schemeClr val="dk1"/>
-                </a:effectRef>
-                <a:fontRef idx="minor">
-                  <a:schemeClr val="dk1"/>
-                </a:fontRef>
-              </p:style>
-              <p:txBody>
-                <a:bodyPr rtlCol="0" anchor="ctr"/>
-                <a:lstStyle/>
-                <a:p>
-                  <a:pPr algn="ctr">
-                    <a:lnSpc>
-                      <a:spcPct val="120000"/>
-                    </a:lnSpc>
-                  </a:pPr>
-                  <a:r>
-                    <a:rPr lang="ko-KR" altLang="en-US">
-                      <a:latin typeface="나눔바른고딕" panose="020B0603020101020101" pitchFamily="50" charset="-127"/>
-                      <a:ea typeface="나눔바른고딕" panose="020B0603020101020101" pitchFamily="50" charset="-127"/>
-                    </a:rPr>
-                    <a:t>⑤ </a:t>
-                  </a:r>
-                  <a:r>
-                    <a:rPr lang="en-US" altLang="ko-KR">
-                      <a:latin typeface="나눔바른고딕" panose="020B0603020101020101" pitchFamily="50" charset="-127"/>
-                      <a:ea typeface="나눔바른고딕" panose="020B0603020101020101" pitchFamily="50" charset="-127"/>
-                    </a:rPr>
-                    <a:t>Evaluate Cost Function</a:t>
-                  </a:r>
-                </a:p>
-                <a:p>
-                  <a:pPr algn="ctr">
-                    <a:lnSpc>
-                      <a:spcPct val="120000"/>
-                    </a:lnSpc>
-                  </a:pPr>
-                  <a14:m>
-                    <m:oMathPara xmlns:m="http://schemas.openxmlformats.org/officeDocument/2006/math">
-                      <m:oMathParaPr>
-                        <m:jc m:val="centerGroup"/>
-                      </m:oMathParaPr>
-                      <m:oMath xmlns:m="http://schemas.openxmlformats.org/officeDocument/2006/math">
-                        <m:r>
-                          <a:rPr lang="en-US" altLang="ko-KR" b="0" i="1" smtClean="0">
-                            <a:latin typeface="Cambria Math" panose="02040503050406030204" pitchFamily="18" charset="0"/>
-                            <a:ea typeface="나눔바른고딕" panose="020B0603020101020101" pitchFamily="50" charset="-127"/>
-                          </a:rPr>
-                          <m:t>𝐸</m:t>
-                        </m:r>
-                        <m:d>
-                          <m:dPr>
-                            <m:ctrlPr>
-                              <a:rPr lang="en-US" altLang="ko-KR" b="0" i="1" smtClean="0">
-                                <a:latin typeface="Cambria Math" panose="02040503050406030204" pitchFamily="18" charset="0"/>
-                                <a:ea typeface="나눔바른고딕" panose="020B0603020101020101" pitchFamily="50" charset="-127"/>
-                              </a:rPr>
-                            </m:ctrlPr>
-                          </m:dPr>
-                          <m:e>
-                            <m:sSub>
-                              <m:sSubPr>
-                                <m:ctrlPr>
-                                  <a:rPr lang="en-US" altLang="ko-KR" b="0" i="1" smtClean="0">
-                                    <a:latin typeface="Cambria Math" panose="02040503050406030204" pitchFamily="18" charset="0"/>
-                                    <a:ea typeface="나눔바른고딕" panose="020B0603020101020101" pitchFamily="50" charset="-127"/>
-                                  </a:rPr>
-                                </m:ctrlPr>
-                              </m:sSubPr>
-                              <m:e>
-                                <m:r>
-                                  <a:rPr lang="en-US" altLang="ko-KR" b="0" i="1" smtClean="0">
-                                    <a:latin typeface="Cambria Math" panose="02040503050406030204" pitchFamily="18" charset="0"/>
-                                    <a:ea typeface="나눔바른고딕" panose="020B0603020101020101" pitchFamily="50" charset="-127"/>
-                                  </a:rPr>
-                                  <m:t>𝑤</m:t>
-                                </m:r>
-                              </m:e>
-                              <m:sub>
-                                <m:r>
-                                  <a:rPr lang="en-US" altLang="ko-KR" b="0" i="1" smtClean="0">
-                                    <a:solidFill>
-                                      <a:srgbClr val="0000FF"/>
-                                    </a:solidFill>
-                                    <a:latin typeface="Cambria Math" panose="02040503050406030204" pitchFamily="18" charset="0"/>
-                                    <a:ea typeface="나눔바른고딕" panose="020B0603020101020101" pitchFamily="50" charset="-127"/>
-                                  </a:rPr>
-                                  <m:t>𝑛𝑒𝑤</m:t>
-                                </m:r>
-                              </m:sub>
-                            </m:sSub>
-                          </m:e>
-                        </m:d>
-                        <m:r>
-                          <a:rPr lang="en-US" altLang="ko-KR" b="0" i="1" smtClean="0">
-                            <a:latin typeface="Cambria Math" panose="02040503050406030204" pitchFamily="18" charset="0"/>
-                            <a:ea typeface="나눔바른고딕" panose="020B0603020101020101" pitchFamily="50" charset="-127"/>
-                          </a:rPr>
-                          <m:t>=‖ </m:t>
-                        </m:r>
-                        <m:r>
-                          <a:rPr lang="en-US" altLang="ko-KR" b="0" i="1" smtClean="0">
-                            <a:latin typeface="Cambria Math" panose="02040503050406030204" pitchFamily="18" charset="0"/>
-                            <a:ea typeface="나눔바른고딕" panose="020B0603020101020101" pitchFamily="50" charset="-127"/>
-                          </a:rPr>
-                          <m:t>𝑟</m:t>
-                        </m:r>
-                        <m:r>
-                          <a:rPr lang="en-US" altLang="ko-KR" b="0" i="1" smtClean="0">
-                            <a:latin typeface="Cambria Math" panose="02040503050406030204" pitchFamily="18" charset="0"/>
-                            <a:ea typeface="나눔바른고딕" panose="020B0603020101020101" pitchFamily="50" charset="-127"/>
-                          </a:rPr>
-                          <m:t>(</m:t>
-                        </m:r>
-                        <m:sSub>
-                          <m:sSubPr>
-                            <m:ctrlPr>
-                              <a:rPr lang="en-US" altLang="ko-KR" b="0" i="1" smtClean="0">
-                                <a:latin typeface="Cambria Math" panose="02040503050406030204" pitchFamily="18" charset="0"/>
-                                <a:ea typeface="나눔바른고딕" panose="020B0603020101020101" pitchFamily="50" charset="-127"/>
-                              </a:rPr>
-                            </m:ctrlPr>
-                          </m:sSubPr>
-                          <m:e>
-                            <m:r>
-                              <a:rPr lang="en-US" altLang="ko-KR" b="0" i="1" smtClean="0">
-                                <a:latin typeface="Cambria Math" panose="02040503050406030204" pitchFamily="18" charset="0"/>
-                                <a:ea typeface="나눔바른고딕" panose="020B0603020101020101" pitchFamily="50" charset="-127"/>
-                              </a:rPr>
-                              <m:t>𝑤</m:t>
-                            </m:r>
-                          </m:e>
-                          <m:sub>
-                            <m:r>
-                              <a:rPr lang="en-US" altLang="ko-KR" b="0" i="1" smtClean="0">
-                                <a:solidFill>
-                                  <a:srgbClr val="0000FF"/>
-                                </a:solidFill>
-                                <a:latin typeface="Cambria Math" panose="02040503050406030204" pitchFamily="18" charset="0"/>
-                                <a:ea typeface="나눔바른고딕" panose="020B0603020101020101" pitchFamily="50" charset="-127"/>
-                              </a:rPr>
-                              <m:t>𝑛𝑒𝑤</m:t>
-                            </m:r>
-                          </m:sub>
-                        </m:sSub>
-                        <m:r>
-                          <a:rPr lang="en-US" altLang="ko-KR" b="0" i="1" smtClean="0">
-                            <a:latin typeface="Cambria Math" panose="02040503050406030204" pitchFamily="18" charset="0"/>
-                            <a:ea typeface="나눔바른고딕" panose="020B0603020101020101" pitchFamily="50" charset="-127"/>
-                          </a:rPr>
-                          <m:t>) ‖</m:t>
-                        </m:r>
-                      </m:oMath>
-                    </m:oMathPara>
-                  </a14:m>
-                  <a:endParaRPr lang="en-US" altLang="ko-KR">
+                  </a:rPr>
+                  <a:t>No</a:t>
+                </a:r>
+                <a:endParaRPr lang="ko-KR" altLang="en-US">
+                  <a:latin typeface="나눔바른고딕" panose="020B0603020101020101" pitchFamily="50" charset="-127"/>
+                  <a:ea typeface="나눔바른고딕" panose="020B0603020101020101" pitchFamily="50" charset="-127"/>
+                </a:endParaRPr>
+              </a:p>
+            </p:txBody>
+          </p:sp>
+          <p:sp>
+            <p:nvSpPr>
+              <p:cNvPr id="1040" name="TextBox 1039">
+                <a:extLst>
+                  <a:ext uri="{FF2B5EF4-FFF2-40B4-BE49-F238E27FC236}">
+                    <a16:creationId xmlns:a16="http://schemas.microsoft.com/office/drawing/2014/main" id="{6B3E8DCA-1D9C-8E9A-567B-1CAFDB765893}"/>
+                  </a:ext>
+                </a:extLst>
+              </p:cNvPr>
+              <p:cNvSpPr txBox="1"/>
+              <p:nvPr/>
+            </p:nvSpPr>
+            <p:spPr>
+              <a:xfrm>
+                <a:off x="3437731" y="5544679"/>
+                <a:ext cx="549381" cy="369332"/>
+              </a:xfrm>
+              <a:prstGeom prst="rect">
+                <a:avLst/>
+              </a:prstGeom>
+              <a:noFill/>
+            </p:spPr>
+            <p:txBody>
+              <a:bodyPr wrap="none" rtlCol="0">
+                <a:spAutoFit/>
+              </a:bodyPr>
+              <a:lstStyle/>
+              <a:p>
+                <a:r>
+                  <a:rPr lang="en-US" altLang="ko-KR">
                     <a:latin typeface="나눔바른고딕" panose="020B0603020101020101" pitchFamily="50" charset="-127"/>
                     <a:ea typeface="나눔바른고딕" panose="020B0603020101020101" pitchFamily="50" charset="-127"/>
-                  </a:endParaRPr>
-                </a:p>
-              </p:txBody>
-            </p:sp>
-          </mc:Choice>
-          <mc:Fallback>
-            <p:sp>
-              <p:nvSpPr>
-                <p:cNvPr id="32" name="직사각형 31">
-                  <a:extLst>
-                    <a:ext uri="{FF2B5EF4-FFF2-40B4-BE49-F238E27FC236}">
-                      <a16:creationId xmlns:a16="http://schemas.microsoft.com/office/drawing/2014/main" id="{DD059956-E551-D017-F002-54387DD90A10}"/>
-                    </a:ext>
-                  </a:extLst>
-                </p:cNvPr>
-                <p:cNvSpPr>
-                  <a:spLocks noRot="1" noChangeAspect="1" noMove="1" noResize="1" noEditPoints="1" noAdjustHandles="1" noChangeArrowheads="1" noChangeShapeType="1" noTextEdit="1"/>
-                </p:cNvSpPr>
-                <p:nvPr/>
-              </p:nvSpPr>
-              <p:spPr>
-                <a:xfrm>
-                  <a:off x="1436370" y="2783528"/>
-                  <a:ext cx="3962401" cy="973173"/>
-                </a:xfrm>
-                <a:prstGeom prst="rect">
-                  <a:avLst/>
-                </a:prstGeom>
-                <a:blipFill>
-                  <a:blip r:embed="rId7"/>
-                  <a:stretch>
-                    <a:fillRect/>
-                  </a:stretch>
-                </a:blipFill>
-              </p:spPr>
-              <p:txBody>
-                <a:bodyPr/>
-                <a:lstStyle/>
-                <a:p>
-                  <a:r>
-                    <a:rPr lang="ko-KR" altLang="en-US">
-                      <a:noFill/>
-                    </a:rPr>
-                    <a:t> </a:t>
-                  </a:r>
-                </a:p>
-              </p:txBody>
-            </p:sp>
-          </mc:Fallback>
-        </mc:AlternateContent>
-        <mc:AlternateContent xmlns:mc="http://schemas.openxmlformats.org/markup-compatibility/2006">
-          <mc:Choice xmlns:a14="http://schemas.microsoft.com/office/drawing/2010/main" Requires="a14">
-            <p:sp>
-              <p:nvSpPr>
-                <p:cNvPr id="33" name="순서도: 판단 32">
-                  <a:extLst>
-                    <a:ext uri="{FF2B5EF4-FFF2-40B4-BE49-F238E27FC236}">
-                      <a16:creationId xmlns:a16="http://schemas.microsoft.com/office/drawing/2014/main" id="{07031B60-2062-370C-9F92-629883A41CEB}"/>
-                    </a:ext>
-                  </a:extLst>
-                </p:cNvPr>
-                <p:cNvSpPr/>
-                <p:nvPr/>
-              </p:nvSpPr>
-              <p:spPr>
-                <a:xfrm>
-                  <a:off x="1514237" y="4209137"/>
-                  <a:ext cx="3806666" cy="1290539"/>
-                </a:xfrm>
-                <a:prstGeom prst="flowChartDecision">
-                  <a:avLst/>
-                </a:prstGeom>
-              </p:spPr>
-              <p:style>
-                <a:lnRef idx="2">
-                  <a:schemeClr val="dk1"/>
-                </a:lnRef>
-                <a:fillRef idx="1">
-                  <a:schemeClr val="lt1"/>
-                </a:fillRef>
-                <a:effectRef idx="0">
-                  <a:schemeClr val="dk1"/>
-                </a:effectRef>
-                <a:fontRef idx="minor">
-                  <a:schemeClr val="dk1"/>
-                </a:fontRef>
-              </p:style>
-              <p:txBody>
-                <a:bodyPr rtlCol="0" anchor="ctr"/>
-                <a:lstStyle/>
-                <a:p>
-                  <a:pPr algn="ctr">
-                    <a:lnSpc>
-                      <a:spcPct val="120000"/>
-                    </a:lnSpc>
-                  </a:pPr>
-                  <a14:m>
-                    <m:oMathPara xmlns:m="http://schemas.openxmlformats.org/officeDocument/2006/math">
-                      <m:oMathParaPr>
-                        <m:jc m:val="centerGroup"/>
-                      </m:oMathParaPr>
-                      <m:oMath xmlns:m="http://schemas.openxmlformats.org/officeDocument/2006/math">
-                        <m:r>
-                          <a:rPr lang="en-US" altLang="ko-KR" sz="1600" b="0" i="1" smtClean="0">
-                            <a:latin typeface="Cambria Math" panose="02040503050406030204" pitchFamily="18" charset="0"/>
-                            <a:ea typeface="나눔바른고딕" panose="020B0603020101020101" pitchFamily="50" charset="-127"/>
-                          </a:rPr>
-                          <m:t>𝐸</m:t>
-                        </m:r>
-                        <m:d>
-                          <m:dPr>
-                            <m:ctrlPr>
-                              <a:rPr lang="en-US" altLang="ko-KR" sz="1600" b="0" i="1" smtClean="0">
-                                <a:latin typeface="Cambria Math" panose="02040503050406030204" pitchFamily="18" charset="0"/>
-                                <a:ea typeface="나눔바른고딕" panose="020B0603020101020101" pitchFamily="50" charset="-127"/>
-                              </a:rPr>
-                            </m:ctrlPr>
-                          </m:dPr>
-                          <m:e>
-                            <m:sSub>
-                              <m:sSubPr>
-                                <m:ctrlPr>
-                                  <a:rPr lang="en-US" altLang="ko-KR" sz="1600" b="0" i="1" smtClean="0">
-                                    <a:latin typeface="Cambria Math" panose="02040503050406030204" pitchFamily="18" charset="0"/>
-                                    <a:ea typeface="나눔바른고딕" panose="020B0603020101020101" pitchFamily="50" charset="-127"/>
-                                  </a:rPr>
-                                </m:ctrlPr>
-                              </m:sSubPr>
-                              <m:e>
-                                <m:r>
-                                  <a:rPr lang="en-US" altLang="ko-KR" sz="1600" b="0" i="1" smtClean="0">
-                                    <a:latin typeface="Cambria Math" panose="02040503050406030204" pitchFamily="18" charset="0"/>
-                                    <a:ea typeface="나눔바른고딕" panose="020B0603020101020101" pitchFamily="50" charset="-127"/>
-                                  </a:rPr>
-                                  <m:t>𝑤</m:t>
-                                </m:r>
-                              </m:e>
-                              <m:sub>
-                                <m:r>
-                                  <a:rPr lang="en-US" altLang="ko-KR" sz="1600" b="0" i="1" smtClean="0">
-                                    <a:solidFill>
-                                      <a:srgbClr val="0000FF"/>
-                                    </a:solidFill>
-                                    <a:latin typeface="Cambria Math" panose="02040503050406030204" pitchFamily="18" charset="0"/>
-                                    <a:ea typeface="나눔바른고딕" panose="020B0603020101020101" pitchFamily="50" charset="-127"/>
-                                  </a:rPr>
-                                  <m:t>𝑛𝑒𝑤</m:t>
-                                </m:r>
-                              </m:sub>
-                            </m:sSub>
-                          </m:e>
-                        </m:d>
-                        <m:r>
-                          <a:rPr lang="en-US" altLang="ko-KR" sz="1600" i="1">
-                            <a:latin typeface="Cambria Math" panose="02040503050406030204" pitchFamily="18" charset="0"/>
-                            <a:ea typeface="나눔바른고딕" panose="020B0603020101020101" pitchFamily="50" charset="-127"/>
-                          </a:rPr>
-                          <m:t>&lt;</m:t>
-                        </m:r>
-                        <m:r>
-                          <a:rPr lang="en-US" altLang="ko-KR" sz="1600" i="1">
-                            <a:latin typeface="Cambria Math" panose="02040503050406030204" pitchFamily="18" charset="0"/>
-                            <a:ea typeface="나눔바른고딕" panose="020B0603020101020101" pitchFamily="50" charset="-127"/>
-                          </a:rPr>
-                          <m:t>𝐸</m:t>
-                        </m:r>
-                        <m:d>
-                          <m:dPr>
-                            <m:ctrlPr>
-                              <a:rPr lang="en-US" altLang="ko-KR" sz="1600" i="1">
-                                <a:latin typeface="Cambria Math" panose="02040503050406030204" pitchFamily="18" charset="0"/>
-                                <a:ea typeface="나눔바른고딕" panose="020B0603020101020101" pitchFamily="50" charset="-127"/>
-                              </a:rPr>
-                            </m:ctrlPr>
-                          </m:dPr>
-                          <m:e>
-                            <m:sSub>
-                              <m:sSubPr>
-                                <m:ctrlPr>
-                                  <a:rPr lang="en-US" altLang="ko-KR" sz="1600" i="1" smtClean="0">
-                                    <a:latin typeface="Cambria Math" panose="02040503050406030204" pitchFamily="18" charset="0"/>
-                                    <a:ea typeface="나눔바른고딕" panose="020B0603020101020101" pitchFamily="50" charset="-127"/>
-                                  </a:rPr>
-                                </m:ctrlPr>
-                              </m:sSubPr>
-                              <m:e>
-                                <m:r>
-                                  <a:rPr lang="en-US" altLang="ko-KR" sz="1600" i="1">
-                                    <a:latin typeface="Cambria Math" panose="02040503050406030204" pitchFamily="18" charset="0"/>
-                                    <a:ea typeface="나눔바른고딕" panose="020B0603020101020101" pitchFamily="50" charset="-127"/>
-                                  </a:rPr>
-                                  <m:t>𝑤</m:t>
-                                </m:r>
-                              </m:e>
-                              <m:sub>
-                                <m:r>
-                                  <a:rPr lang="en-US" altLang="ko-KR" sz="1600" b="0" i="1" smtClean="0">
-                                    <a:solidFill>
-                                      <a:srgbClr val="FF0000"/>
-                                    </a:solidFill>
-                                    <a:latin typeface="Cambria Math" panose="02040503050406030204" pitchFamily="18" charset="0"/>
-                                    <a:ea typeface="나눔바른고딕" panose="020B0603020101020101" pitchFamily="50" charset="-127"/>
-                                  </a:rPr>
-                                  <m:t>𝑜𝑙𝑑</m:t>
-                                </m:r>
-                              </m:sub>
-                            </m:sSub>
-                          </m:e>
-                        </m:d>
-                      </m:oMath>
-                    </m:oMathPara>
-                  </a14:m>
-                  <a:endParaRPr lang="ko-KR" altLang="en-US" sz="1600"/>
-                </a:p>
-              </p:txBody>
-            </p:sp>
-          </mc:Choice>
-          <mc:Fallback>
-            <p:sp>
-              <p:nvSpPr>
-                <p:cNvPr id="33" name="순서도: 판단 32">
-                  <a:extLst>
-                    <a:ext uri="{FF2B5EF4-FFF2-40B4-BE49-F238E27FC236}">
-                      <a16:creationId xmlns:a16="http://schemas.microsoft.com/office/drawing/2014/main" id="{07031B60-2062-370C-9F92-629883A41CEB}"/>
-                    </a:ext>
-                  </a:extLst>
-                </p:cNvPr>
-                <p:cNvSpPr>
-                  <a:spLocks noRot="1" noChangeAspect="1" noMove="1" noResize="1" noEditPoints="1" noAdjustHandles="1" noChangeArrowheads="1" noChangeShapeType="1" noTextEdit="1"/>
-                </p:cNvSpPr>
-                <p:nvPr/>
-              </p:nvSpPr>
-              <p:spPr>
-                <a:xfrm>
-                  <a:off x="1514237" y="4209137"/>
-                  <a:ext cx="3806666" cy="1290539"/>
-                </a:xfrm>
-                <a:prstGeom prst="flowChartDecision">
-                  <a:avLst/>
-                </a:prstGeom>
-                <a:blipFill>
-                  <a:blip r:embed="rId8"/>
-                  <a:stretch>
-                    <a:fillRect/>
-                  </a:stretch>
-                </a:blipFill>
-              </p:spPr>
-              <p:txBody>
-                <a:bodyPr/>
-                <a:lstStyle/>
-                <a:p>
-                  <a:r>
-                    <a:rPr lang="ko-KR" altLang="en-US">
-                      <a:noFill/>
-                    </a:rPr>
-                    <a:t> </a:t>
-                  </a:r>
-                </a:p>
-              </p:txBody>
-            </p:sp>
-          </mc:Fallback>
-        </mc:AlternateContent>
-        <mc:AlternateContent xmlns:mc="http://schemas.openxmlformats.org/markup-compatibility/2006">
-          <mc:Choice xmlns:a14="http://schemas.microsoft.com/office/drawing/2010/main" Requires="a14">
-            <p:sp>
-              <p:nvSpPr>
-                <p:cNvPr id="35" name="직사각형 34">
-                  <a:extLst>
-                    <a:ext uri="{FF2B5EF4-FFF2-40B4-BE49-F238E27FC236}">
-                      <a16:creationId xmlns:a16="http://schemas.microsoft.com/office/drawing/2014/main" id="{C474398B-9D5B-67EB-860A-B086B14814B5}"/>
-                    </a:ext>
-                  </a:extLst>
-                </p:cNvPr>
-                <p:cNvSpPr/>
-                <p:nvPr/>
-              </p:nvSpPr>
-              <p:spPr>
-                <a:xfrm>
-                  <a:off x="-1969680" y="4209136"/>
-                  <a:ext cx="2704465" cy="1290539"/>
-                </a:xfrm>
-                <a:prstGeom prst="rect">
-                  <a:avLst/>
-                </a:prstGeom>
-              </p:spPr>
-              <p:style>
-                <a:lnRef idx="2">
-                  <a:schemeClr val="dk1"/>
-                </a:lnRef>
-                <a:fillRef idx="1">
-                  <a:schemeClr val="lt1"/>
-                </a:fillRef>
-                <a:effectRef idx="0">
-                  <a:schemeClr val="dk1"/>
-                </a:effectRef>
-                <a:fontRef idx="minor">
-                  <a:schemeClr val="dk1"/>
-                </a:fontRef>
-              </p:style>
-              <p:txBody>
-                <a:bodyPr rtlCol="0" anchor="ctr"/>
-                <a:lstStyle/>
-                <a:p>
-                  <a:pPr algn="ctr">
-                    <a:lnSpc>
-                      <a:spcPct val="120000"/>
-                    </a:lnSpc>
-                  </a:pPr>
-                  <a:r>
-                    <a:rPr lang="ko-KR" altLang="en-US">
-                      <a:latin typeface="나눔바른고딕" panose="020B0603020101020101" pitchFamily="50" charset="-127"/>
-                      <a:ea typeface="나눔바른고딕" panose="020B0603020101020101" pitchFamily="50" charset="-127"/>
-                    </a:rPr>
-                    <a:t>⑦ </a:t>
-                  </a:r>
-                  <a:r>
-                    <a:rPr lang="en-US" altLang="ko-KR">
-                      <a:latin typeface="나눔바른고딕" panose="020B0603020101020101" pitchFamily="50" charset="-127"/>
-                      <a:ea typeface="나눔바른고딕" panose="020B0603020101020101" pitchFamily="50" charset="-127"/>
-                    </a:rPr>
-                    <a:t>Reject Update</a:t>
-                  </a:r>
-                </a:p>
-                <a:p>
-                  <a:pPr algn="ctr">
-                    <a:lnSpc>
-                      <a:spcPct val="120000"/>
-                    </a:lnSpc>
-                  </a:pPr>
-                  <a14:m>
-                    <m:oMathPara xmlns:m="http://schemas.openxmlformats.org/officeDocument/2006/math">
-                      <m:oMathParaPr>
-                        <m:jc m:val="centerGroup"/>
-                      </m:oMathParaPr>
-                      <m:oMath xmlns:m="http://schemas.openxmlformats.org/officeDocument/2006/math">
-                        <m:sSub>
-                          <m:sSubPr>
-                            <m:ctrlPr>
-                              <a:rPr lang="en-US" altLang="ko-KR" b="0" i="1" smtClean="0">
-                                <a:latin typeface="Cambria Math" panose="02040503050406030204" pitchFamily="18" charset="0"/>
-                                <a:ea typeface="나눔바른고딕" panose="020B0603020101020101" pitchFamily="50" charset="-127"/>
-                              </a:rPr>
-                            </m:ctrlPr>
-                          </m:sSubPr>
-                          <m:e>
-                            <m:r>
-                              <a:rPr lang="en-US" altLang="ko-KR" i="1" smtClean="0">
-                                <a:latin typeface="Cambria Math" panose="02040503050406030204" pitchFamily="18" charset="0"/>
-                                <a:ea typeface="나눔바른고딕" panose="020B0603020101020101" pitchFamily="50" charset="-127"/>
-                              </a:rPr>
-                              <m:t>𝑤</m:t>
-                            </m:r>
-                          </m:e>
-                          <m:sub>
-                            <m:r>
-                              <a:rPr lang="en-US" altLang="ko-KR" b="0" i="1" smtClean="0">
-                                <a:solidFill>
-                                  <a:srgbClr val="0000FF"/>
-                                </a:solidFill>
-                                <a:latin typeface="Cambria Math" panose="02040503050406030204" pitchFamily="18" charset="0"/>
-                                <a:ea typeface="나눔바른고딕" panose="020B0603020101020101" pitchFamily="50" charset="-127"/>
-                              </a:rPr>
-                              <m:t>𝑛𝑒𝑤</m:t>
-                            </m:r>
-                          </m:sub>
-                        </m:sSub>
-                        <m:r>
-                          <a:rPr lang="en-US" altLang="ko-KR" b="0" i="1" smtClean="0">
-                            <a:latin typeface="Cambria Math" panose="02040503050406030204" pitchFamily="18" charset="0"/>
-                            <a:ea typeface="나눔바른고딕" panose="020B0603020101020101" pitchFamily="50" charset="-127"/>
-                          </a:rPr>
-                          <m:t>=</m:t>
-                        </m:r>
-                        <m:sSub>
-                          <m:sSubPr>
-                            <m:ctrlPr>
-                              <a:rPr lang="en-US" altLang="ko-KR" b="0" i="1" smtClean="0">
-                                <a:latin typeface="Cambria Math" panose="02040503050406030204" pitchFamily="18" charset="0"/>
-                                <a:ea typeface="나눔바른고딕" panose="020B0603020101020101" pitchFamily="50" charset="-127"/>
-                              </a:rPr>
-                            </m:ctrlPr>
-                          </m:sSubPr>
-                          <m:e>
-                            <m:r>
-                              <a:rPr lang="en-US" altLang="ko-KR" b="0" i="1" smtClean="0">
-                                <a:latin typeface="Cambria Math" panose="02040503050406030204" pitchFamily="18" charset="0"/>
-                                <a:ea typeface="나눔바른고딕" panose="020B0603020101020101" pitchFamily="50" charset="-127"/>
-                              </a:rPr>
-                              <m:t>𝑤</m:t>
-                            </m:r>
-                          </m:e>
-                          <m:sub>
-                            <m:r>
-                              <a:rPr lang="en-US" altLang="ko-KR" b="0" i="1" smtClean="0">
-                                <a:solidFill>
-                                  <a:srgbClr val="FF0000"/>
-                                </a:solidFill>
-                                <a:latin typeface="Cambria Math" panose="02040503050406030204" pitchFamily="18" charset="0"/>
-                                <a:ea typeface="나눔바른고딕" panose="020B0603020101020101" pitchFamily="50" charset="-127"/>
-                              </a:rPr>
-                              <m:t>𝑜𝑙𝑑</m:t>
-                            </m:r>
-                          </m:sub>
-                        </m:sSub>
-                      </m:oMath>
-                    </m:oMathPara>
-                  </a14:m>
-                  <a:endParaRPr lang="en-US" altLang="ko-KR">
+                  </a:rPr>
+                  <a:t>Yes</a:t>
+                </a:r>
+                <a:endParaRPr lang="ko-KR" altLang="en-US">
+                  <a:latin typeface="나눔바른고딕" panose="020B0603020101020101" pitchFamily="50" charset="-127"/>
+                  <a:ea typeface="나눔바른고딕" panose="020B0603020101020101" pitchFamily="50" charset="-127"/>
+                </a:endParaRPr>
+              </a:p>
+            </p:txBody>
+          </p:sp>
+          <p:cxnSp>
+            <p:nvCxnSpPr>
+              <p:cNvPr id="1041" name="직선 화살표 연결선 1040">
+                <a:extLst>
+                  <a:ext uri="{FF2B5EF4-FFF2-40B4-BE49-F238E27FC236}">
+                    <a16:creationId xmlns:a16="http://schemas.microsoft.com/office/drawing/2014/main" id="{8E80F2FB-199D-1081-8399-BEDB3F226349}"/>
+                  </a:ext>
+                </a:extLst>
+              </p:cNvPr>
+              <p:cNvCxnSpPr>
+                <a:cxnSpLocks/>
+                <a:stCxn id="37" idx="2"/>
+                <a:endCxn id="1046" idx="0"/>
+              </p:cNvCxnSpPr>
+              <p:nvPr/>
+            </p:nvCxnSpPr>
+            <p:spPr>
+              <a:xfrm>
+                <a:off x="3417570" y="7242650"/>
+                <a:ext cx="0" cy="464981"/>
+              </a:xfrm>
+              <a:prstGeom prst="straightConnector1">
+                <a:avLst/>
+              </a:prstGeom>
+              <a:ln>
+                <a:tailEnd type="triangle"/>
+              </a:ln>
+            </p:spPr>
+            <p:style>
+              <a:lnRef idx="2">
+                <a:schemeClr val="dk1"/>
+              </a:lnRef>
+              <a:fillRef idx="0">
+                <a:schemeClr val="dk1"/>
+              </a:fillRef>
+              <a:effectRef idx="1">
+                <a:schemeClr val="dk1"/>
+              </a:effectRef>
+              <a:fontRef idx="minor">
+                <a:schemeClr val="tx1"/>
+              </a:fontRef>
+            </p:style>
+          </p:cxnSp>
+          <p:sp>
+            <p:nvSpPr>
+              <p:cNvPr id="1042" name="TextBox 1041">
+                <a:extLst>
+                  <a:ext uri="{FF2B5EF4-FFF2-40B4-BE49-F238E27FC236}">
+                    <a16:creationId xmlns:a16="http://schemas.microsoft.com/office/drawing/2014/main" id="{8FC8DCCB-D09E-0D19-8329-3880F9FD4128}"/>
+                  </a:ext>
+                </a:extLst>
+              </p:cNvPr>
+              <p:cNvSpPr txBox="1"/>
+              <p:nvPr/>
+            </p:nvSpPr>
+            <p:spPr>
+              <a:xfrm>
+                <a:off x="3437731" y="7280750"/>
+                <a:ext cx="549381" cy="369332"/>
+              </a:xfrm>
+              <a:prstGeom prst="rect">
+                <a:avLst/>
+              </a:prstGeom>
+              <a:noFill/>
+            </p:spPr>
+            <p:txBody>
+              <a:bodyPr wrap="none" rtlCol="0">
+                <a:spAutoFit/>
+              </a:bodyPr>
+              <a:lstStyle/>
+              <a:p>
+                <a:r>
+                  <a:rPr lang="en-US" altLang="ko-KR">
                     <a:latin typeface="나눔바른고딕" panose="020B0603020101020101" pitchFamily="50" charset="-127"/>
                     <a:ea typeface="나눔바른고딕" panose="020B0603020101020101" pitchFamily="50" charset="-127"/>
-                  </a:endParaRPr>
-                </a:p>
-                <a:p>
-                  <a:pPr algn="ctr">
-                    <a:lnSpc>
-                      <a:spcPct val="120000"/>
-                    </a:lnSpc>
-                  </a:pPr>
-                  <a14:m>
-                    <m:oMathPara xmlns:m="http://schemas.openxmlformats.org/officeDocument/2006/math">
-                      <m:oMathParaPr>
-                        <m:jc m:val="centerGroup"/>
-                      </m:oMathParaPr>
-                      <m:oMath xmlns:m="http://schemas.openxmlformats.org/officeDocument/2006/math">
-                        <m:r>
-                          <a:rPr lang="en-US" altLang="ko-KR" b="0" i="1" smtClean="0">
-                            <a:latin typeface="Cambria Math" panose="02040503050406030204" pitchFamily="18" charset="0"/>
-                            <a:ea typeface="나눔바른고딕" panose="020B0603020101020101" pitchFamily="50" charset="-127"/>
-                          </a:rPr>
-                          <m:t>𝜇</m:t>
-                        </m:r>
-                        <m:r>
-                          <a:rPr lang="en-US" altLang="ko-KR" b="0" i="1" smtClean="0">
-                            <a:latin typeface="Cambria Math" panose="02040503050406030204" pitchFamily="18" charset="0"/>
-                            <a:ea typeface="나눔바른고딕" panose="020B0603020101020101" pitchFamily="50" charset="-127"/>
-                          </a:rPr>
-                          <m:t>=</m:t>
-                        </m:r>
-                        <m:r>
-                          <a:rPr lang="en-US" altLang="ko-KR" b="0" i="1" smtClean="0">
-                            <a:latin typeface="Cambria Math" panose="02040503050406030204" pitchFamily="18" charset="0"/>
-                            <a:ea typeface="나눔바른고딕" panose="020B0603020101020101" pitchFamily="50" charset="-127"/>
-                          </a:rPr>
-                          <m:t>𝜈</m:t>
-                        </m:r>
-                        <m:r>
-                          <a:rPr lang="en-US" altLang="ko-KR" b="0" i="1" smtClean="0">
-                            <a:latin typeface="Cambria Math" panose="02040503050406030204" pitchFamily="18" charset="0"/>
-                            <a:ea typeface="나눔바른고딕" panose="020B0603020101020101" pitchFamily="50" charset="-127"/>
-                          </a:rPr>
-                          <m:t>⋅</m:t>
-                        </m:r>
-                        <m:r>
-                          <a:rPr lang="en-US" altLang="ko-KR" b="0" i="1" smtClean="0">
-                            <a:latin typeface="Cambria Math" panose="02040503050406030204" pitchFamily="18" charset="0"/>
-                            <a:ea typeface="나눔바른고딕" panose="020B0603020101020101" pitchFamily="50" charset="-127"/>
-                          </a:rPr>
-                          <m:t>𝜇</m:t>
-                        </m:r>
-                      </m:oMath>
-                    </m:oMathPara>
-                  </a14:m>
-                  <a:endParaRPr lang="en-US" altLang="ko-KR">
+                  </a:rPr>
+                  <a:t>Yes</a:t>
+                </a:r>
+                <a:endParaRPr lang="ko-KR" altLang="en-US">
+                  <a:latin typeface="나눔바른고딕" panose="020B0603020101020101" pitchFamily="50" charset="-127"/>
+                  <a:ea typeface="나눔바른고딕" panose="020B0603020101020101" pitchFamily="50" charset="-127"/>
+                </a:endParaRPr>
+              </a:p>
+            </p:txBody>
+          </p:sp>
+          <p:sp>
+            <p:nvSpPr>
+              <p:cNvPr id="1046" name="순서도: 대체 처리 1045">
+                <a:extLst>
+                  <a:ext uri="{FF2B5EF4-FFF2-40B4-BE49-F238E27FC236}">
+                    <a16:creationId xmlns:a16="http://schemas.microsoft.com/office/drawing/2014/main" id="{FD00C839-C283-475F-8CEA-7A5CD8D92945}"/>
+                  </a:ext>
+                </a:extLst>
+              </p:cNvPr>
+              <p:cNvSpPr/>
+              <p:nvPr/>
+            </p:nvSpPr>
+            <p:spPr>
+              <a:xfrm>
+                <a:off x="2247639" y="7707631"/>
+                <a:ext cx="2339861" cy="879779"/>
+              </a:xfrm>
+              <a:prstGeom prst="flowChartAlternateProcess">
+                <a:avLst/>
+              </a:prstGeom>
+            </p:spPr>
+            <p:style>
+              <a:lnRef idx="1">
+                <a:schemeClr val="accent4"/>
+              </a:lnRef>
+              <a:fillRef idx="2">
+                <a:schemeClr val="accent4"/>
+              </a:fillRef>
+              <a:effectRef idx="1">
+                <a:schemeClr val="accent4"/>
+              </a:effectRef>
+              <a:fontRef idx="minor">
+                <a:schemeClr val="dk1"/>
+              </a:fontRef>
+            </p:style>
+            <p:txBody>
+              <a:bodyPr rtlCol="0" anchor="ctr"/>
+              <a:lstStyle/>
+              <a:p>
+                <a:pPr algn="ctr"/>
+                <a:r>
+                  <a:rPr lang="en-US" altLang="ko-KR">
                     <a:latin typeface="나눔바른고딕" panose="020B0603020101020101" pitchFamily="50" charset="-127"/>
                     <a:ea typeface="나눔바른고딕" panose="020B0603020101020101" pitchFamily="50" charset="-127"/>
-                  </a:endParaRPr>
-                </a:p>
-              </p:txBody>
-            </p:sp>
-          </mc:Choice>
-          <mc:Fallback>
-            <p:sp>
-              <p:nvSpPr>
-                <p:cNvPr id="35" name="직사각형 34">
-                  <a:extLst>
-                    <a:ext uri="{FF2B5EF4-FFF2-40B4-BE49-F238E27FC236}">
-                      <a16:creationId xmlns:a16="http://schemas.microsoft.com/office/drawing/2014/main" id="{C474398B-9D5B-67EB-860A-B086B14814B5}"/>
-                    </a:ext>
-                  </a:extLst>
-                </p:cNvPr>
-                <p:cNvSpPr>
-                  <a:spLocks noRot="1" noChangeAspect="1" noMove="1" noResize="1" noEditPoints="1" noAdjustHandles="1" noChangeArrowheads="1" noChangeShapeType="1" noTextEdit="1"/>
-                </p:cNvSpPr>
-                <p:nvPr/>
-              </p:nvSpPr>
-              <p:spPr>
-                <a:xfrm>
-                  <a:off x="-1969680" y="4209136"/>
-                  <a:ext cx="2704465" cy="1290539"/>
-                </a:xfrm>
-                <a:prstGeom prst="rect">
-                  <a:avLst/>
-                </a:prstGeom>
-                <a:blipFill>
-                  <a:blip r:embed="rId9"/>
-                  <a:stretch>
-                    <a:fillRect/>
-                  </a:stretch>
-                </a:blipFill>
-              </p:spPr>
-              <p:txBody>
-                <a:bodyPr/>
-                <a:lstStyle/>
-                <a:p>
-                  <a:r>
-                    <a:rPr lang="ko-KR" altLang="en-US">
-                      <a:noFill/>
-                    </a:rPr>
-                    <a:t> </a:t>
-                  </a:r>
-                </a:p>
-              </p:txBody>
-            </p:sp>
-          </mc:Fallback>
-        </mc:AlternateContent>
-        <mc:AlternateContent xmlns:mc="http://schemas.openxmlformats.org/markup-compatibility/2006">
-          <mc:Choice xmlns:a14="http://schemas.microsoft.com/office/drawing/2010/main" Requires="a14">
-            <p:sp>
-              <p:nvSpPr>
-                <p:cNvPr id="37" name="순서도: 판단 36">
-                  <a:extLst>
-                    <a:ext uri="{FF2B5EF4-FFF2-40B4-BE49-F238E27FC236}">
-                      <a16:creationId xmlns:a16="http://schemas.microsoft.com/office/drawing/2014/main" id="{A1964693-AB50-DD0B-5813-A39180A4BE7E}"/>
-                    </a:ext>
-                  </a:extLst>
-                </p:cNvPr>
-                <p:cNvSpPr/>
-                <p:nvPr/>
-              </p:nvSpPr>
-              <p:spPr>
-                <a:xfrm>
-                  <a:off x="1436370" y="5952111"/>
-                  <a:ext cx="3962400" cy="1290539"/>
-                </a:xfrm>
-                <a:prstGeom prst="flowChartDecision">
-                  <a:avLst/>
-                </a:prstGeom>
-              </p:spPr>
-              <p:style>
-                <a:lnRef idx="2">
-                  <a:schemeClr val="dk1"/>
-                </a:lnRef>
-                <a:fillRef idx="1">
-                  <a:schemeClr val="lt1"/>
-                </a:fillRef>
-                <a:effectRef idx="0">
-                  <a:schemeClr val="dk1"/>
-                </a:effectRef>
-                <a:fontRef idx="minor">
-                  <a:schemeClr val="dk1"/>
-                </a:fontRef>
-              </p:style>
-              <p:txBody>
-                <a:bodyPr rtlCol="0" anchor="ctr"/>
-                <a:lstStyle/>
-                <a:p>
-                  <a:pPr algn="ctr">
-                    <a:lnSpc>
-                      <a:spcPct val="120000"/>
-                    </a:lnSpc>
-                  </a:pPr>
-                  <a14:m>
-                    <m:oMathPara xmlns:m="http://schemas.openxmlformats.org/officeDocument/2006/math">
-                      <m:oMathParaPr>
-                        <m:jc m:val="centerGroup"/>
-                      </m:oMathParaPr>
-                      <m:oMath xmlns:m="http://schemas.openxmlformats.org/officeDocument/2006/math">
-                        <m:r>
-                          <a:rPr lang="en-US" altLang="ko-KR" sz="1400" i="1" smtClean="0">
-                            <a:latin typeface="Cambria Math" panose="02040503050406030204" pitchFamily="18" charset="0"/>
-                            <a:ea typeface="나눔바른고딕" panose="020B0603020101020101" pitchFamily="50" charset="-127"/>
-                          </a:rPr>
-                          <m:t>𝐸</m:t>
-                        </m:r>
-                        <m:d>
-                          <m:dPr>
-                            <m:ctrlPr>
-                              <a:rPr lang="en-US" altLang="ko-KR" sz="1400" i="1">
-                                <a:latin typeface="Cambria Math" panose="02040503050406030204" pitchFamily="18" charset="0"/>
-                                <a:ea typeface="나눔바른고딕" panose="020B0603020101020101" pitchFamily="50" charset="-127"/>
-                              </a:rPr>
-                            </m:ctrlPr>
-                          </m:dPr>
-                          <m:e>
-                            <m:sSub>
-                              <m:sSubPr>
-                                <m:ctrlPr>
-                                  <a:rPr lang="en-US" altLang="ko-KR" sz="1400" i="1">
-                                    <a:latin typeface="Cambria Math" panose="02040503050406030204" pitchFamily="18" charset="0"/>
-                                    <a:ea typeface="나눔바른고딕" panose="020B0603020101020101" pitchFamily="50" charset="-127"/>
-                                  </a:rPr>
-                                </m:ctrlPr>
-                              </m:sSubPr>
-                              <m:e>
-                                <m:r>
-                                  <a:rPr lang="en-US" altLang="ko-KR" sz="1400" i="1">
-                                    <a:latin typeface="Cambria Math" panose="02040503050406030204" pitchFamily="18" charset="0"/>
-                                    <a:ea typeface="나눔바른고딕" panose="020B0603020101020101" pitchFamily="50" charset="-127"/>
-                                  </a:rPr>
-                                  <m:t>𝑤</m:t>
-                                </m:r>
-                              </m:e>
-                              <m:sub>
-                                <m:r>
-                                  <a:rPr lang="en-US" altLang="ko-KR" sz="1400" i="1" smtClean="0">
-                                    <a:solidFill>
-                                      <a:srgbClr val="FF0000"/>
-                                    </a:solidFill>
-                                    <a:latin typeface="Cambria Math" panose="02040503050406030204" pitchFamily="18" charset="0"/>
-                                    <a:ea typeface="나눔바른고딕" panose="020B0603020101020101" pitchFamily="50" charset="-127"/>
-                                  </a:rPr>
-                                  <m:t>𝑜𝑙𝑑</m:t>
-                                </m:r>
-                              </m:sub>
-                            </m:sSub>
-                          </m:e>
-                        </m:d>
-                        <m:r>
-                          <a:rPr lang="en-US" altLang="ko-KR" sz="1400" b="0" i="1" smtClean="0">
-                            <a:latin typeface="Cambria Math" panose="02040503050406030204" pitchFamily="18" charset="0"/>
-                            <a:ea typeface="나눔바른고딕" panose="020B0603020101020101" pitchFamily="50" charset="-127"/>
-                          </a:rPr>
-                          <m:t>−</m:t>
-                        </m:r>
-                        <m:r>
-                          <a:rPr lang="en-US" altLang="ko-KR" sz="1400" i="1">
-                            <a:latin typeface="Cambria Math" panose="02040503050406030204" pitchFamily="18" charset="0"/>
-                            <a:ea typeface="나눔바른고딕" panose="020B0603020101020101" pitchFamily="50" charset="-127"/>
-                          </a:rPr>
-                          <m:t>𝐸</m:t>
-                        </m:r>
-                        <m:d>
-                          <m:dPr>
-                            <m:ctrlPr>
-                              <a:rPr lang="en-US" altLang="ko-KR" sz="1400" i="1">
-                                <a:latin typeface="Cambria Math" panose="02040503050406030204" pitchFamily="18" charset="0"/>
-                                <a:ea typeface="나눔바른고딕" panose="020B0603020101020101" pitchFamily="50" charset="-127"/>
-                              </a:rPr>
-                            </m:ctrlPr>
-                          </m:dPr>
-                          <m:e>
-                            <m:sSub>
-                              <m:sSubPr>
-                                <m:ctrlPr>
-                                  <a:rPr lang="en-US" altLang="ko-KR" sz="1400" i="1">
-                                    <a:latin typeface="Cambria Math" panose="02040503050406030204" pitchFamily="18" charset="0"/>
-                                    <a:ea typeface="나눔바른고딕" panose="020B0603020101020101" pitchFamily="50" charset="-127"/>
-                                  </a:rPr>
-                                </m:ctrlPr>
-                              </m:sSubPr>
-                              <m:e>
-                                <m:r>
-                                  <a:rPr lang="en-US" altLang="ko-KR" sz="1400" i="1">
-                                    <a:latin typeface="Cambria Math" panose="02040503050406030204" pitchFamily="18" charset="0"/>
-                                    <a:ea typeface="나눔바른고딕" panose="020B0603020101020101" pitchFamily="50" charset="-127"/>
-                                  </a:rPr>
-                                  <m:t>𝑤</m:t>
-                                </m:r>
-                              </m:e>
-                              <m:sub>
-                                <m:r>
-                                  <a:rPr lang="en-US" altLang="ko-KR" sz="1400" b="0" i="1" smtClean="0">
-                                    <a:solidFill>
-                                      <a:srgbClr val="0000FF"/>
-                                    </a:solidFill>
-                                    <a:latin typeface="Cambria Math" panose="02040503050406030204" pitchFamily="18" charset="0"/>
-                                    <a:ea typeface="나눔바른고딕" panose="020B0603020101020101" pitchFamily="50" charset="-127"/>
-                                  </a:rPr>
-                                  <m:t>𝑛𝑒𝑤</m:t>
-                                </m:r>
-                              </m:sub>
-                            </m:sSub>
-                          </m:e>
-                        </m:d>
-                        <m:r>
-                          <a:rPr lang="en-US" altLang="ko-KR" sz="1400" b="0" i="1" smtClean="0">
-                            <a:latin typeface="Cambria Math" panose="02040503050406030204" pitchFamily="18" charset="0"/>
-                            <a:ea typeface="나눔바른고딕" panose="020B0603020101020101" pitchFamily="50" charset="-127"/>
-                          </a:rPr>
-                          <m:t>= </m:t>
-                        </m:r>
-                        <m:r>
-                          <m:rPr>
-                            <m:nor/>
-                          </m:rPr>
-                          <a:rPr lang="en-US" altLang="ko-KR" sz="1400" b="0" i="0" smtClean="0">
-                            <a:latin typeface="Cambria Math" panose="02040503050406030204" pitchFamily="18" charset="0"/>
-                            <a:ea typeface="나눔바른고딕" panose="020B0603020101020101" pitchFamily="50" charset="-127"/>
-                          </a:rPr>
-                          <m:t>converge</m:t>
-                        </m:r>
-                        <m:r>
-                          <m:rPr>
-                            <m:nor/>
-                          </m:rPr>
-                          <a:rPr lang="en-US" altLang="ko-KR" sz="1400" b="0" i="0" smtClean="0">
-                            <a:latin typeface="Cambria Math" panose="02040503050406030204" pitchFamily="18" charset="0"/>
-                            <a:ea typeface="나눔바른고딕" panose="020B0603020101020101" pitchFamily="50" charset="-127"/>
-                          </a:rPr>
-                          <m:t>_</m:t>
-                        </m:r>
-                        <m:r>
-                          <m:rPr>
-                            <m:nor/>
-                          </m:rPr>
-                          <a:rPr lang="en-US" altLang="ko-KR" sz="1400" b="0" i="0" smtClean="0">
-                            <a:latin typeface="Cambria Math" panose="02040503050406030204" pitchFamily="18" charset="0"/>
-                            <a:ea typeface="나눔바른고딕" panose="020B0603020101020101" pitchFamily="50" charset="-127"/>
-                          </a:rPr>
-                          <m:t>threshold</m:t>
-                        </m:r>
-                      </m:oMath>
-                    </m:oMathPara>
-                  </a14:m>
-                  <a:endParaRPr lang="ko-KR" altLang="en-US" sz="1400"/>
-                </a:p>
-              </p:txBody>
-            </p:sp>
-          </mc:Choice>
-          <mc:Fallback>
-            <p:sp>
-              <p:nvSpPr>
-                <p:cNvPr id="37" name="순서도: 판단 36">
-                  <a:extLst>
-                    <a:ext uri="{FF2B5EF4-FFF2-40B4-BE49-F238E27FC236}">
-                      <a16:creationId xmlns:a16="http://schemas.microsoft.com/office/drawing/2014/main" id="{A1964693-AB50-DD0B-5813-A39180A4BE7E}"/>
-                    </a:ext>
-                  </a:extLst>
-                </p:cNvPr>
-                <p:cNvSpPr>
-                  <a:spLocks noRot="1" noChangeAspect="1" noMove="1" noResize="1" noEditPoints="1" noAdjustHandles="1" noChangeArrowheads="1" noChangeShapeType="1" noTextEdit="1"/>
-                </p:cNvSpPr>
-                <p:nvPr/>
-              </p:nvSpPr>
-              <p:spPr>
-                <a:xfrm>
-                  <a:off x="1436370" y="5952111"/>
-                  <a:ext cx="3962400" cy="1290539"/>
-                </a:xfrm>
-                <a:prstGeom prst="flowChartDecision">
-                  <a:avLst/>
-                </a:prstGeom>
-                <a:blipFill>
-                  <a:blip r:embed="rId10"/>
-                  <a:stretch>
-                    <a:fillRect/>
-                  </a:stretch>
-                </a:blipFill>
-              </p:spPr>
-              <p:txBody>
-                <a:bodyPr/>
-                <a:lstStyle/>
-                <a:p>
-                  <a:r>
-                    <a:rPr lang="ko-KR" altLang="en-US">
-                      <a:noFill/>
-                    </a:rPr>
-                    <a:t> </a:t>
-                  </a:r>
-                </a:p>
-              </p:txBody>
-            </p:sp>
-          </mc:Fallback>
-        </mc:AlternateContent>
-        <mc:AlternateContent xmlns:mc="http://schemas.openxmlformats.org/markup-compatibility/2006">
-          <mc:Choice xmlns:a14="http://schemas.microsoft.com/office/drawing/2010/main" Requires="a14">
-            <p:sp>
-              <p:nvSpPr>
-                <p:cNvPr id="38" name="직사각형 37">
-                  <a:extLst>
-                    <a:ext uri="{FF2B5EF4-FFF2-40B4-BE49-F238E27FC236}">
-                      <a16:creationId xmlns:a16="http://schemas.microsoft.com/office/drawing/2014/main" id="{FCC5B6F6-849E-B6D5-D25A-7B980E8BEC44}"/>
-                    </a:ext>
-                  </a:extLst>
-                </p:cNvPr>
-                <p:cNvSpPr/>
-                <p:nvPr/>
-              </p:nvSpPr>
-              <p:spPr>
-                <a:xfrm>
-                  <a:off x="-1969680" y="5841358"/>
-                  <a:ext cx="2704465" cy="1512043"/>
-                </a:xfrm>
-                <a:prstGeom prst="rect">
-                  <a:avLst/>
-                </a:prstGeom>
-              </p:spPr>
-              <p:style>
-                <a:lnRef idx="2">
-                  <a:schemeClr val="dk1"/>
-                </a:lnRef>
-                <a:fillRef idx="1">
-                  <a:schemeClr val="lt1"/>
-                </a:fillRef>
-                <a:effectRef idx="0">
-                  <a:schemeClr val="dk1"/>
-                </a:effectRef>
-                <a:fontRef idx="minor">
-                  <a:schemeClr val="dk1"/>
-                </a:fontRef>
-              </p:style>
-              <p:txBody>
-                <a:bodyPr rtlCol="0" anchor="ctr"/>
-                <a:lstStyle/>
-                <a:p>
-                  <a:pPr algn="ctr">
-                    <a:lnSpc>
-                      <a:spcPct val="120000"/>
-                    </a:lnSpc>
-                  </a:pPr>
-                  <a:r>
-                    <a:rPr lang="ko-KR" altLang="en-US">
-                      <a:latin typeface="나눔바른고딕" panose="020B0603020101020101" pitchFamily="50" charset="-127"/>
-                      <a:ea typeface="나눔바른고딕" panose="020B0603020101020101" pitchFamily="50" charset="-127"/>
-                    </a:rPr>
-                    <a:t>⑨ </a:t>
-                  </a:r>
-                  <a:r>
-                    <a:rPr lang="en-US" altLang="ko-KR">
-                      <a:latin typeface="나눔바른고딕" panose="020B0603020101020101" pitchFamily="50" charset="-127"/>
-                      <a:ea typeface="나눔바른고딕" panose="020B0603020101020101" pitchFamily="50" charset="-127"/>
-                    </a:rPr>
-                    <a:t>Accept Update</a:t>
-                  </a:r>
-                </a:p>
-                <a:p>
-                  <a:pPr algn="ctr">
-                    <a:lnSpc>
-                      <a:spcPct val="120000"/>
-                    </a:lnSpc>
-                  </a:pPr>
-                  <a14:m>
-                    <m:oMathPara xmlns:m="http://schemas.openxmlformats.org/officeDocument/2006/math">
-                      <m:oMathParaPr>
-                        <m:jc m:val="centerGroup"/>
-                      </m:oMathParaPr>
-                      <m:oMath xmlns:m="http://schemas.openxmlformats.org/officeDocument/2006/math">
-                        <m:sSub>
-                          <m:sSubPr>
-                            <m:ctrlPr>
-                              <a:rPr lang="en-US" altLang="ko-KR" b="0" i="1" smtClean="0">
-                                <a:latin typeface="Cambria Math" panose="02040503050406030204" pitchFamily="18" charset="0"/>
-                                <a:ea typeface="나눔바른고딕" panose="020B0603020101020101" pitchFamily="50" charset="-127"/>
-                              </a:rPr>
-                            </m:ctrlPr>
-                          </m:sSubPr>
-                          <m:e>
-                            <m:r>
-                              <a:rPr lang="en-US" altLang="ko-KR" i="1" smtClean="0">
-                                <a:latin typeface="Cambria Math" panose="02040503050406030204" pitchFamily="18" charset="0"/>
-                                <a:ea typeface="나눔바른고딕" panose="020B0603020101020101" pitchFamily="50" charset="-127"/>
-                              </a:rPr>
-                              <m:t>𝑤</m:t>
-                            </m:r>
-                          </m:e>
-                          <m:sub>
-                            <m:r>
-                              <a:rPr lang="en-US" altLang="ko-KR" b="0" i="1" smtClean="0">
-                                <a:solidFill>
-                                  <a:srgbClr val="0000FF"/>
-                                </a:solidFill>
-                                <a:latin typeface="Cambria Math" panose="02040503050406030204" pitchFamily="18" charset="0"/>
-                                <a:ea typeface="나눔바른고딕" panose="020B0603020101020101" pitchFamily="50" charset="-127"/>
-                              </a:rPr>
-                              <m:t>𝑛𝑒𝑤</m:t>
-                            </m:r>
-                          </m:sub>
-                        </m:sSub>
-                        <m:r>
-                          <a:rPr lang="en-US" altLang="ko-KR" b="0" i="1" smtClean="0">
-                            <a:latin typeface="Cambria Math" panose="02040503050406030204" pitchFamily="18" charset="0"/>
-                            <a:ea typeface="나눔바른고딕" panose="020B0603020101020101" pitchFamily="50" charset="-127"/>
-                          </a:rPr>
-                          <m:t>=</m:t>
-                        </m:r>
-                        <m:sSub>
-                          <m:sSubPr>
-                            <m:ctrlPr>
-                              <a:rPr lang="en-US" altLang="ko-KR" b="0" i="1" smtClean="0">
-                                <a:latin typeface="Cambria Math" panose="02040503050406030204" pitchFamily="18" charset="0"/>
-                                <a:ea typeface="나눔바른고딕" panose="020B0603020101020101" pitchFamily="50" charset="-127"/>
-                              </a:rPr>
-                            </m:ctrlPr>
-                          </m:sSubPr>
-                          <m:e>
-                            <m:r>
-                              <a:rPr lang="en-US" altLang="ko-KR" b="0" i="1" smtClean="0">
-                                <a:latin typeface="Cambria Math" panose="02040503050406030204" pitchFamily="18" charset="0"/>
-                                <a:ea typeface="나눔바른고딕" panose="020B0603020101020101" pitchFamily="50" charset="-127"/>
-                              </a:rPr>
-                              <m:t>𝑤</m:t>
-                            </m:r>
-                          </m:e>
-                          <m:sub>
-                            <m:r>
-                              <a:rPr lang="en-US" altLang="ko-KR" b="0" i="1" smtClean="0">
-                                <a:solidFill>
-                                  <a:srgbClr val="0000FF"/>
-                                </a:solidFill>
-                                <a:latin typeface="Cambria Math" panose="02040503050406030204" pitchFamily="18" charset="0"/>
-                                <a:ea typeface="나눔바른고딕" panose="020B0603020101020101" pitchFamily="50" charset="-127"/>
-                              </a:rPr>
-                              <m:t>𝑛𝑒𝑤</m:t>
-                            </m:r>
-                          </m:sub>
-                        </m:sSub>
-                      </m:oMath>
-                    </m:oMathPara>
-                  </a14:m>
-                  <a:endParaRPr lang="en-US" altLang="ko-KR" b="0" i="1">
-                    <a:latin typeface="Cambria Math" panose="02040503050406030204" pitchFamily="18" charset="0"/>
-                    <a:ea typeface="나눔바른고딕" panose="020B0603020101020101" pitchFamily="50" charset="-127"/>
-                  </a:endParaRPr>
-                </a:p>
-                <a:p>
-                  <a:pPr algn="ctr">
-                    <a:lnSpc>
-                      <a:spcPct val="120000"/>
-                    </a:lnSpc>
-                  </a:pPr>
-                  <a14:m>
-                    <m:oMathPara xmlns:m="http://schemas.openxmlformats.org/officeDocument/2006/math">
-                      <m:oMathParaPr>
-                        <m:jc m:val="centerGroup"/>
-                      </m:oMathParaPr>
-                      <m:oMath xmlns:m="http://schemas.openxmlformats.org/officeDocument/2006/math">
-                        <m:r>
-                          <a:rPr lang="en-US" altLang="ko-KR" b="0" i="1" smtClean="0">
-                            <a:latin typeface="Cambria Math" panose="02040503050406030204" pitchFamily="18" charset="0"/>
-                            <a:ea typeface="나눔바른고딕" panose="020B0603020101020101" pitchFamily="50" charset="-127"/>
-                          </a:rPr>
-                          <m:t>𝜇</m:t>
-                        </m:r>
-                        <m:r>
-                          <a:rPr lang="en-US" altLang="ko-KR" b="0" i="1" smtClean="0">
-                            <a:latin typeface="Cambria Math" panose="02040503050406030204" pitchFamily="18" charset="0"/>
-                            <a:ea typeface="나눔바른고딕" panose="020B0603020101020101" pitchFamily="50" charset="-127"/>
-                          </a:rPr>
-                          <m:t>=</m:t>
-                        </m:r>
-                        <m:f>
-                          <m:fPr>
-                            <m:ctrlPr>
-                              <a:rPr lang="en-US" altLang="ko-KR" b="0" i="1" smtClean="0">
-                                <a:latin typeface="Cambria Math" panose="02040503050406030204" pitchFamily="18" charset="0"/>
-                                <a:ea typeface="나눔바른고딕" panose="020B0603020101020101" pitchFamily="50" charset="-127"/>
-                              </a:rPr>
-                            </m:ctrlPr>
-                          </m:fPr>
-                          <m:num>
-                            <m:r>
-                              <a:rPr lang="en-US" altLang="ko-KR" b="0" i="1" smtClean="0">
-                                <a:latin typeface="Cambria Math" panose="02040503050406030204" pitchFamily="18" charset="0"/>
-                                <a:ea typeface="나눔바른고딕" panose="020B0603020101020101" pitchFamily="50" charset="-127"/>
-                              </a:rPr>
-                              <m:t>𝜇</m:t>
-                            </m:r>
-                          </m:num>
-                          <m:den>
-                            <m:r>
-                              <a:rPr lang="en-US" altLang="ko-KR" b="0" i="1" smtClean="0">
-                                <a:latin typeface="Cambria Math" panose="02040503050406030204" pitchFamily="18" charset="0"/>
-                                <a:ea typeface="나눔바른고딕" panose="020B0603020101020101" pitchFamily="50" charset="-127"/>
-                              </a:rPr>
-                              <m:t>𝜈</m:t>
-                            </m:r>
-                          </m:den>
-                        </m:f>
-                      </m:oMath>
-                    </m:oMathPara>
-                  </a14:m>
-                  <a:endParaRPr lang="en-US" altLang="ko-KR">
+                  </a:rPr>
+                  <a:t>Stop</a:t>
+                </a:r>
+                <a:endParaRPr lang="ko-KR" altLang="en-US">
+                  <a:latin typeface="나눔바른고딕" panose="020B0603020101020101" pitchFamily="50" charset="-127"/>
+                  <a:ea typeface="나눔바른고딕" panose="020B0603020101020101" pitchFamily="50" charset="-127"/>
+                </a:endParaRPr>
+              </a:p>
+            </p:txBody>
+          </p:sp>
+          <p:sp>
+            <p:nvSpPr>
+              <p:cNvPr id="1049" name="순서도: 대체 처리 1048">
+                <a:extLst>
+                  <a:ext uri="{FF2B5EF4-FFF2-40B4-BE49-F238E27FC236}">
+                    <a16:creationId xmlns:a16="http://schemas.microsoft.com/office/drawing/2014/main" id="{0508A416-A48B-A13E-75EA-26EF26558CD7}"/>
+                  </a:ext>
+                </a:extLst>
+              </p:cNvPr>
+              <p:cNvSpPr/>
+              <p:nvPr/>
+            </p:nvSpPr>
+            <p:spPr>
+              <a:xfrm>
+                <a:off x="2247639" y="-4322538"/>
+                <a:ext cx="2339861" cy="879779"/>
+              </a:xfrm>
+              <a:prstGeom prst="flowChartAlternateProcess">
+                <a:avLst/>
+              </a:prstGeom>
+            </p:spPr>
+            <p:style>
+              <a:lnRef idx="1">
+                <a:schemeClr val="accent2"/>
+              </a:lnRef>
+              <a:fillRef idx="2">
+                <a:schemeClr val="accent2"/>
+              </a:fillRef>
+              <a:effectRef idx="1">
+                <a:schemeClr val="accent2"/>
+              </a:effectRef>
+              <a:fontRef idx="minor">
+                <a:schemeClr val="dk1"/>
+              </a:fontRef>
+            </p:style>
+            <p:txBody>
+              <a:bodyPr rtlCol="0" anchor="ctr"/>
+              <a:lstStyle/>
+              <a:p>
+                <a:pPr algn="ctr"/>
+                <a:r>
+                  <a:rPr lang="en-US" altLang="ko-KR">
                     <a:latin typeface="나눔바른고딕" panose="020B0603020101020101" pitchFamily="50" charset="-127"/>
                     <a:ea typeface="나눔바른고딕" panose="020B0603020101020101" pitchFamily="50" charset="-127"/>
-                  </a:endParaRPr>
-                </a:p>
-              </p:txBody>
-            </p:sp>
-          </mc:Choice>
-          <mc:Fallback>
-            <p:sp>
-              <p:nvSpPr>
-                <p:cNvPr id="38" name="직사각형 37">
-                  <a:extLst>
-                    <a:ext uri="{FF2B5EF4-FFF2-40B4-BE49-F238E27FC236}">
-                      <a16:creationId xmlns:a16="http://schemas.microsoft.com/office/drawing/2014/main" id="{FCC5B6F6-849E-B6D5-D25A-7B980E8BEC44}"/>
-                    </a:ext>
-                  </a:extLst>
-                </p:cNvPr>
-                <p:cNvSpPr>
-                  <a:spLocks noRot="1" noChangeAspect="1" noMove="1" noResize="1" noEditPoints="1" noAdjustHandles="1" noChangeArrowheads="1" noChangeShapeType="1" noTextEdit="1"/>
-                </p:cNvSpPr>
-                <p:nvPr/>
-              </p:nvSpPr>
-              <p:spPr>
-                <a:xfrm>
-                  <a:off x="-1969680" y="5841358"/>
-                  <a:ext cx="2704465" cy="1512043"/>
-                </a:xfrm>
-                <a:prstGeom prst="rect">
-                  <a:avLst/>
-                </a:prstGeom>
-                <a:blipFill>
-                  <a:blip r:embed="rId11"/>
-                  <a:stretch>
-                    <a:fillRect/>
-                  </a:stretch>
-                </a:blipFill>
-              </p:spPr>
-              <p:txBody>
-                <a:bodyPr/>
-                <a:lstStyle/>
-                <a:p>
-                  <a:r>
-                    <a:rPr lang="ko-KR" altLang="en-US">
-                      <a:noFill/>
-                    </a:rPr>
-                    <a:t> </a:t>
-                  </a:r>
-                </a:p>
-              </p:txBody>
-            </p:sp>
-          </mc:Fallback>
-        </mc:AlternateContent>
-        <p:cxnSp>
-          <p:nvCxnSpPr>
-            <p:cNvPr id="51" name="직선 화살표 연결선 50">
+                  </a:rPr>
+                  <a:t>Start</a:t>
+                </a:r>
+                <a:endParaRPr lang="ko-KR" altLang="en-US">
+                  <a:latin typeface="나눔바른고딕" panose="020B0603020101020101" pitchFamily="50" charset="-127"/>
+                  <a:ea typeface="나눔바른고딕" panose="020B0603020101020101" pitchFamily="50" charset="-127"/>
+                </a:endParaRPr>
+              </a:p>
+            </p:txBody>
+          </p:sp>
+          <p:cxnSp>
+            <p:nvCxnSpPr>
+              <p:cNvPr id="1050" name="직선 화살표 연결선 1049">
+                <a:extLst>
+                  <a:ext uri="{FF2B5EF4-FFF2-40B4-BE49-F238E27FC236}">
+                    <a16:creationId xmlns:a16="http://schemas.microsoft.com/office/drawing/2014/main" id="{4608B568-1E28-2A13-193D-A72CDF3DCDB9}"/>
+                  </a:ext>
+                </a:extLst>
+              </p:cNvPr>
+              <p:cNvCxnSpPr>
+                <a:cxnSpLocks/>
+                <a:stCxn id="1049" idx="2"/>
+                <a:endCxn id="4" idx="0"/>
+              </p:cNvCxnSpPr>
+              <p:nvPr/>
+            </p:nvCxnSpPr>
+            <p:spPr>
+              <a:xfrm>
+                <a:off x="3417570" y="-3442759"/>
+                <a:ext cx="1" cy="324640"/>
+              </a:xfrm>
+              <a:prstGeom prst="straightConnector1">
+                <a:avLst/>
+              </a:prstGeom>
+              <a:ln>
+                <a:tailEnd type="triangle"/>
+              </a:ln>
+            </p:spPr>
+            <p:style>
+              <a:lnRef idx="2">
+                <a:schemeClr val="dk1"/>
+              </a:lnRef>
+              <a:fillRef idx="0">
+                <a:schemeClr val="dk1"/>
+              </a:fillRef>
+              <a:effectRef idx="1">
+                <a:schemeClr val="dk1"/>
+              </a:effectRef>
+              <a:fontRef idx="minor">
+                <a:schemeClr val="tx1"/>
+              </a:fontRef>
+            </p:style>
+          </p:cxnSp>
+          <p:sp>
+            <p:nvSpPr>
+              <p:cNvPr id="1055" name="TextBox 1054">
+                <a:extLst>
+                  <a:ext uri="{FF2B5EF4-FFF2-40B4-BE49-F238E27FC236}">
+                    <a16:creationId xmlns:a16="http://schemas.microsoft.com/office/drawing/2014/main" id="{8B6ED4F3-FBB4-B1BB-D5D5-7C61C0B5C3F4}"/>
+                  </a:ext>
+                </a:extLst>
+              </p:cNvPr>
+              <p:cNvSpPr txBox="1"/>
+              <p:nvPr/>
+            </p:nvSpPr>
+            <p:spPr>
+              <a:xfrm>
+                <a:off x="2130068" y="4683384"/>
+                <a:ext cx="470376" cy="369332"/>
+              </a:xfrm>
+              <a:prstGeom prst="rect">
+                <a:avLst/>
+              </a:prstGeom>
+              <a:noFill/>
+            </p:spPr>
+            <p:txBody>
+              <a:bodyPr wrap="square">
+                <a:spAutoFit/>
+              </a:bodyPr>
+              <a:lstStyle/>
+              <a:p>
+                <a:r>
+                  <a:rPr lang="ko-KR" altLang="en-US">
+                    <a:latin typeface="나눔바른고딕" panose="020B0603020101020101" pitchFamily="50" charset="-127"/>
+                    <a:ea typeface="나눔바른고딕" panose="020B0603020101020101" pitchFamily="50" charset="-127"/>
+                  </a:rPr>
+                  <a:t>⑥</a:t>
+                </a:r>
+                <a:endParaRPr lang="ko-KR" altLang="en-US"/>
+              </a:p>
+            </p:txBody>
+          </p:sp>
+          <p:sp>
+            <p:nvSpPr>
+              <p:cNvPr id="1056" name="TextBox 1055">
+                <a:extLst>
+                  <a:ext uri="{FF2B5EF4-FFF2-40B4-BE49-F238E27FC236}">
+                    <a16:creationId xmlns:a16="http://schemas.microsoft.com/office/drawing/2014/main" id="{56CA6838-C4D8-CB5B-9143-F4C1D48D3FBD}"/>
+                  </a:ext>
+                </a:extLst>
+              </p:cNvPr>
+              <p:cNvSpPr txBox="1"/>
+              <p:nvPr/>
+            </p:nvSpPr>
+            <p:spPr>
+              <a:xfrm>
+                <a:off x="2130068" y="6412713"/>
+                <a:ext cx="470376" cy="369332"/>
+              </a:xfrm>
+              <a:prstGeom prst="rect">
+                <a:avLst/>
+              </a:prstGeom>
+              <a:noFill/>
+            </p:spPr>
+            <p:txBody>
+              <a:bodyPr wrap="square">
+                <a:spAutoFit/>
+              </a:bodyPr>
+              <a:lstStyle/>
+              <a:p>
+                <a:r>
+                  <a:rPr lang="ko-KR" altLang="en-US"/>
+                  <a:t>⑧</a:t>
+                </a:r>
+              </a:p>
+            </p:txBody>
+          </p:sp>
+          <p:cxnSp>
+            <p:nvCxnSpPr>
+              <p:cNvPr id="1060" name="직선 화살표 연결선 1059">
+                <a:extLst>
+                  <a:ext uri="{FF2B5EF4-FFF2-40B4-BE49-F238E27FC236}">
+                    <a16:creationId xmlns:a16="http://schemas.microsoft.com/office/drawing/2014/main" id="{ABD5C68D-2F83-5BC0-D020-3C517C53D5D3}"/>
+                  </a:ext>
+                </a:extLst>
+              </p:cNvPr>
+              <p:cNvCxnSpPr>
+                <a:cxnSpLocks/>
+                <a:stCxn id="11" idx="1"/>
+              </p:cNvCxnSpPr>
+              <p:nvPr/>
+            </p:nvCxnSpPr>
+            <p:spPr>
+              <a:xfrm flipH="1">
+                <a:off x="-617449" y="-762506"/>
+                <a:ext cx="2053819" cy="0"/>
+              </a:xfrm>
+              <a:prstGeom prst="straightConnector1">
+                <a:avLst/>
+              </a:prstGeom>
+              <a:ln>
+                <a:headEnd type="triangle"/>
+                <a:tailEnd type="none"/>
+              </a:ln>
+            </p:spPr>
+            <p:style>
+              <a:lnRef idx="2">
+                <a:schemeClr val="dk1"/>
+              </a:lnRef>
+              <a:fillRef idx="0">
+                <a:schemeClr val="dk1"/>
+              </a:fillRef>
+              <a:effectRef idx="1">
+                <a:schemeClr val="dk1"/>
+              </a:effectRef>
+              <a:fontRef idx="minor">
+                <a:schemeClr val="tx1"/>
+              </a:fontRef>
+            </p:style>
+          </p:cxnSp>
+          <p:sp>
+            <p:nvSpPr>
+              <p:cNvPr id="1064" name="타원 1063">
+                <a:extLst>
+                  <a:ext uri="{FF2B5EF4-FFF2-40B4-BE49-F238E27FC236}">
+                    <a16:creationId xmlns:a16="http://schemas.microsoft.com/office/drawing/2014/main" id="{709809EA-121C-C9D6-B470-303A484A1FBE}"/>
+                  </a:ext>
+                </a:extLst>
+              </p:cNvPr>
+              <p:cNvSpPr/>
+              <p:nvPr/>
+            </p:nvSpPr>
+            <p:spPr>
+              <a:xfrm>
+                <a:off x="-678891" y="4143821"/>
+                <a:ext cx="122887" cy="122887"/>
+              </a:xfrm>
+              <a:prstGeom prst="ellipse">
+                <a:avLst/>
+              </a:prstGeom>
+              <a:solidFill>
+                <a:schemeClr val="tx1"/>
+              </a:solidFill>
+              <a:ln>
+                <a:noFill/>
+              </a:ln>
+            </p:spPr>
+            <p:style>
+              <a:lnRef idx="2">
+                <a:schemeClr val="dk1">
+                  <a:shade val="15000"/>
+                </a:schemeClr>
+              </a:lnRef>
+              <a:fillRef idx="1">
+                <a:schemeClr val="dk1"/>
+              </a:fillRef>
+              <a:effectRef idx="0">
+                <a:schemeClr val="dk1"/>
+              </a:effectRef>
+              <a:fontRef idx="minor">
+                <a:schemeClr val="lt1"/>
+              </a:fontRef>
+            </p:style>
+            <p:txBody>
+              <a:bodyPr rtlCol="0" anchor="ctr"/>
+              <a:lstStyle/>
+              <a:p>
+                <a:pPr algn="ctr"/>
+                <a:endParaRPr lang="ko-KR" altLang="en-US" sz="3600"/>
+              </a:p>
+            </p:txBody>
+          </p:sp>
+          <p:sp>
+            <p:nvSpPr>
+              <p:cNvPr id="1065" name="타원 1064">
+                <a:extLst>
+                  <a:ext uri="{FF2B5EF4-FFF2-40B4-BE49-F238E27FC236}">
+                    <a16:creationId xmlns:a16="http://schemas.microsoft.com/office/drawing/2014/main" id="{EC79698B-69F3-1197-55B6-B5BFA1AF6055}"/>
+                  </a:ext>
+                </a:extLst>
+              </p:cNvPr>
+              <p:cNvSpPr/>
+              <p:nvPr/>
+            </p:nvSpPr>
+            <p:spPr>
+              <a:xfrm>
+                <a:off x="-678891" y="5791124"/>
+                <a:ext cx="122887" cy="122887"/>
+              </a:xfrm>
+              <a:prstGeom prst="ellipse">
+                <a:avLst/>
+              </a:prstGeom>
+              <a:solidFill>
+                <a:schemeClr val="tx1"/>
+              </a:solidFill>
+              <a:ln>
+                <a:noFill/>
+              </a:ln>
+            </p:spPr>
+            <p:style>
+              <a:lnRef idx="2">
+                <a:schemeClr val="dk1">
+                  <a:shade val="15000"/>
+                </a:schemeClr>
+              </a:lnRef>
+              <a:fillRef idx="1">
+                <a:schemeClr val="dk1"/>
+              </a:fillRef>
+              <a:effectRef idx="0">
+                <a:schemeClr val="dk1"/>
+              </a:effectRef>
+              <a:fontRef idx="minor">
+                <a:schemeClr val="lt1"/>
+              </a:fontRef>
+            </p:style>
+            <p:txBody>
+              <a:bodyPr rtlCol="0" anchor="ctr"/>
+              <a:lstStyle/>
+              <a:p>
+                <a:pPr algn="ctr"/>
+                <a:endParaRPr lang="ko-KR" altLang="en-US" sz="3600"/>
+              </a:p>
+            </p:txBody>
+          </p:sp>
+        </p:grpSp>
+        <p:sp>
+          <p:nvSpPr>
+            <p:cNvPr id="3" name="TextBox 2">
               <a:extLst>
                 <a:ext uri="{FF2B5EF4-FFF2-40B4-BE49-F238E27FC236}">
-                  <a16:creationId xmlns:a16="http://schemas.microsoft.com/office/drawing/2014/main" id="{C9A01B73-4BBD-CA69-621F-78ED4F7209DE}"/>
-                </a:ext>
-              </a:extLst>
-            </p:cNvPr>
-            <p:cNvCxnSpPr>
-              <a:stCxn id="4" idx="2"/>
-              <a:endCxn id="11" idx="0"/>
-            </p:cNvCxnSpPr>
-            <p:nvPr/>
-          </p:nvCxnSpPr>
-          <p:spPr>
-            <a:xfrm flipH="1">
-              <a:off x="3417570" y="-1660793"/>
-              <a:ext cx="1" cy="452436"/>
-            </a:xfrm>
-            <a:prstGeom prst="straightConnector1">
-              <a:avLst/>
-            </a:prstGeom>
-            <a:ln>
-              <a:tailEnd type="triangle"/>
-            </a:ln>
-          </p:spPr>
-          <p:style>
-            <a:lnRef idx="2">
-              <a:schemeClr val="dk1"/>
-            </a:lnRef>
-            <a:fillRef idx="0">
-              <a:schemeClr val="dk1"/>
-            </a:fillRef>
-            <a:effectRef idx="1">
-              <a:schemeClr val="dk1"/>
-            </a:effectRef>
-            <a:fontRef idx="minor">
-              <a:schemeClr val="tx1"/>
-            </a:fontRef>
-          </p:style>
-        </p:cxnSp>
-        <p:cxnSp>
-          <p:nvCxnSpPr>
-            <p:cNvPr id="52" name="직선 화살표 연결선 51">
-              <a:extLst>
-                <a:ext uri="{FF2B5EF4-FFF2-40B4-BE49-F238E27FC236}">
-                  <a16:creationId xmlns:a16="http://schemas.microsoft.com/office/drawing/2014/main" id="{027B6EBF-176D-0EB5-218F-DDAF7879E5F4}"/>
-                </a:ext>
-              </a:extLst>
-            </p:cNvPr>
-            <p:cNvCxnSpPr>
-              <a:cxnSpLocks/>
-              <a:stCxn id="11" idx="2"/>
-              <a:endCxn id="15" idx="0"/>
-            </p:cNvCxnSpPr>
-            <p:nvPr/>
-          </p:nvCxnSpPr>
-          <p:spPr>
-            <a:xfrm>
-              <a:off x="3417570" y="-316655"/>
-              <a:ext cx="1" cy="452436"/>
-            </a:xfrm>
-            <a:prstGeom prst="straightConnector1">
-              <a:avLst/>
-            </a:prstGeom>
-            <a:ln>
-              <a:tailEnd type="triangle"/>
-            </a:ln>
-          </p:spPr>
-          <p:style>
-            <a:lnRef idx="2">
-              <a:schemeClr val="dk1"/>
-            </a:lnRef>
-            <a:fillRef idx="0">
-              <a:schemeClr val="dk1"/>
-            </a:fillRef>
-            <a:effectRef idx="1">
-              <a:schemeClr val="dk1"/>
-            </a:effectRef>
-            <a:fontRef idx="minor">
-              <a:schemeClr val="tx1"/>
-            </a:fontRef>
-          </p:style>
-        </p:cxnSp>
-        <p:cxnSp>
-          <p:nvCxnSpPr>
-            <p:cNvPr id="55" name="직선 화살표 연결선 54">
-              <a:extLst>
-                <a:ext uri="{FF2B5EF4-FFF2-40B4-BE49-F238E27FC236}">
-                  <a16:creationId xmlns:a16="http://schemas.microsoft.com/office/drawing/2014/main" id="{9D40EEBF-7F65-8A66-86F6-FD76214F07D1}"/>
-                </a:ext>
-              </a:extLst>
-            </p:cNvPr>
-            <p:cNvCxnSpPr>
-              <a:cxnSpLocks/>
-              <a:stCxn id="15" idx="2"/>
-              <a:endCxn id="20" idx="0"/>
-            </p:cNvCxnSpPr>
-            <p:nvPr/>
-          </p:nvCxnSpPr>
-          <p:spPr>
-            <a:xfrm>
-              <a:off x="3417571" y="1007219"/>
-              <a:ext cx="0" cy="452436"/>
-            </a:xfrm>
-            <a:prstGeom prst="straightConnector1">
-              <a:avLst/>
-            </a:prstGeom>
-            <a:ln>
-              <a:tailEnd type="triangle"/>
-            </a:ln>
-          </p:spPr>
-          <p:style>
-            <a:lnRef idx="2">
-              <a:schemeClr val="dk1"/>
-            </a:lnRef>
-            <a:fillRef idx="0">
-              <a:schemeClr val="dk1"/>
-            </a:fillRef>
-            <a:effectRef idx="1">
-              <a:schemeClr val="dk1"/>
-            </a:effectRef>
-            <a:fontRef idx="minor">
-              <a:schemeClr val="tx1"/>
-            </a:fontRef>
-          </p:style>
-        </p:cxnSp>
-        <p:cxnSp>
-          <p:nvCxnSpPr>
-            <p:cNvPr id="58" name="직선 화살표 연결선 57">
-              <a:extLst>
-                <a:ext uri="{FF2B5EF4-FFF2-40B4-BE49-F238E27FC236}">
-                  <a16:creationId xmlns:a16="http://schemas.microsoft.com/office/drawing/2014/main" id="{E0A4F826-BE0D-EB15-050D-B8FE43444027}"/>
-                </a:ext>
-              </a:extLst>
-            </p:cNvPr>
-            <p:cNvCxnSpPr>
-              <a:cxnSpLocks/>
-              <a:stCxn id="20" idx="2"/>
-              <a:endCxn id="32" idx="0"/>
-            </p:cNvCxnSpPr>
-            <p:nvPr/>
-          </p:nvCxnSpPr>
-          <p:spPr>
-            <a:xfrm>
-              <a:off x="3417571" y="2331092"/>
-              <a:ext cx="0" cy="452436"/>
-            </a:xfrm>
-            <a:prstGeom prst="straightConnector1">
-              <a:avLst/>
-            </a:prstGeom>
-            <a:ln>
-              <a:tailEnd type="triangle"/>
-            </a:ln>
-          </p:spPr>
-          <p:style>
-            <a:lnRef idx="2">
-              <a:schemeClr val="dk1"/>
-            </a:lnRef>
-            <a:fillRef idx="0">
-              <a:schemeClr val="dk1"/>
-            </a:fillRef>
-            <a:effectRef idx="1">
-              <a:schemeClr val="dk1"/>
-            </a:effectRef>
-            <a:fontRef idx="minor">
-              <a:schemeClr val="tx1"/>
-            </a:fontRef>
-          </p:style>
-        </p:cxnSp>
-        <p:cxnSp>
-          <p:nvCxnSpPr>
-            <p:cNvPr id="62" name="직선 화살표 연결선 61">
-              <a:extLst>
-                <a:ext uri="{FF2B5EF4-FFF2-40B4-BE49-F238E27FC236}">
-                  <a16:creationId xmlns:a16="http://schemas.microsoft.com/office/drawing/2014/main" id="{D841C5CD-AB4B-3F12-542D-92DB1B89B12B}"/>
-                </a:ext>
-              </a:extLst>
-            </p:cNvPr>
-            <p:cNvCxnSpPr>
-              <a:cxnSpLocks/>
-            </p:cNvCxnSpPr>
-            <p:nvPr/>
-          </p:nvCxnSpPr>
-          <p:spPr>
-            <a:xfrm flipH="1">
-              <a:off x="3417570" y="3769969"/>
-              <a:ext cx="1" cy="452436"/>
-            </a:xfrm>
-            <a:prstGeom prst="straightConnector1">
-              <a:avLst/>
-            </a:prstGeom>
-            <a:ln>
-              <a:tailEnd type="triangle"/>
-            </a:ln>
-          </p:spPr>
-          <p:style>
-            <a:lnRef idx="2">
-              <a:schemeClr val="dk1"/>
-            </a:lnRef>
-            <a:fillRef idx="0">
-              <a:schemeClr val="dk1"/>
-            </a:fillRef>
-            <a:effectRef idx="1">
-              <a:schemeClr val="dk1"/>
-            </a:effectRef>
-            <a:fontRef idx="minor">
-              <a:schemeClr val="tx1"/>
-            </a:fontRef>
-          </p:style>
-        </p:cxnSp>
-        <p:cxnSp>
-          <p:nvCxnSpPr>
-            <p:cNvPr id="1025" name="직선 화살표 연결선 1024">
-              <a:extLst>
-                <a:ext uri="{FF2B5EF4-FFF2-40B4-BE49-F238E27FC236}">
-                  <a16:creationId xmlns:a16="http://schemas.microsoft.com/office/drawing/2014/main" id="{7B193D91-DE5B-DAD8-625D-024F99F44342}"/>
-                </a:ext>
-              </a:extLst>
-            </p:cNvPr>
-            <p:cNvCxnSpPr>
-              <a:cxnSpLocks/>
-              <a:stCxn id="33" idx="2"/>
-              <a:endCxn id="37" idx="0"/>
-            </p:cNvCxnSpPr>
-            <p:nvPr/>
-          </p:nvCxnSpPr>
-          <p:spPr>
-            <a:xfrm>
-              <a:off x="3417570" y="5499676"/>
-              <a:ext cx="0" cy="452435"/>
-            </a:xfrm>
-            <a:prstGeom prst="straightConnector1">
-              <a:avLst/>
-            </a:prstGeom>
-            <a:ln>
-              <a:tailEnd type="triangle"/>
-            </a:ln>
-          </p:spPr>
-          <p:style>
-            <a:lnRef idx="2">
-              <a:schemeClr val="dk1"/>
-            </a:lnRef>
-            <a:fillRef idx="0">
-              <a:schemeClr val="dk1"/>
-            </a:fillRef>
-            <a:effectRef idx="1">
-              <a:schemeClr val="dk1"/>
-            </a:effectRef>
-            <a:fontRef idx="minor">
-              <a:schemeClr val="tx1"/>
-            </a:fontRef>
-          </p:style>
-        </p:cxnSp>
-        <p:cxnSp>
-          <p:nvCxnSpPr>
-            <p:cNvPr id="1029" name="직선 화살표 연결선 1028">
-              <a:extLst>
-                <a:ext uri="{FF2B5EF4-FFF2-40B4-BE49-F238E27FC236}">
-                  <a16:creationId xmlns:a16="http://schemas.microsoft.com/office/drawing/2014/main" id="{24EF6D5E-1045-7027-C361-12B46152301F}"/>
-                </a:ext>
-              </a:extLst>
-            </p:cNvPr>
-            <p:cNvCxnSpPr>
-              <a:cxnSpLocks/>
-              <a:stCxn id="33" idx="1"/>
-              <a:endCxn id="35" idx="3"/>
-            </p:cNvCxnSpPr>
-            <p:nvPr/>
-          </p:nvCxnSpPr>
-          <p:spPr>
-            <a:xfrm flipH="1" flipV="1">
-              <a:off x="734785" y="4854406"/>
-              <a:ext cx="779452" cy="1"/>
-            </a:xfrm>
-            <a:prstGeom prst="straightConnector1">
-              <a:avLst/>
-            </a:prstGeom>
-            <a:ln>
-              <a:tailEnd type="triangle"/>
-            </a:ln>
-          </p:spPr>
-          <p:style>
-            <a:lnRef idx="2">
-              <a:schemeClr val="dk1"/>
-            </a:lnRef>
-            <a:fillRef idx="0">
-              <a:schemeClr val="dk1"/>
-            </a:fillRef>
-            <a:effectRef idx="1">
-              <a:schemeClr val="dk1"/>
-            </a:effectRef>
-            <a:fontRef idx="minor">
-              <a:schemeClr val="tx1"/>
-            </a:fontRef>
-          </p:style>
-        </p:cxnSp>
-        <p:cxnSp>
-          <p:nvCxnSpPr>
-            <p:cNvPr id="1033" name="직선 화살표 연결선 1032">
-              <a:extLst>
-                <a:ext uri="{FF2B5EF4-FFF2-40B4-BE49-F238E27FC236}">
-                  <a16:creationId xmlns:a16="http://schemas.microsoft.com/office/drawing/2014/main" id="{5656BFBC-7BB8-37FA-F8FE-81E566B5F12B}"/>
-                </a:ext>
-              </a:extLst>
-            </p:cNvPr>
-            <p:cNvCxnSpPr>
-              <a:cxnSpLocks/>
-              <a:stCxn id="37" idx="1"/>
-              <a:endCxn id="38" idx="3"/>
-            </p:cNvCxnSpPr>
-            <p:nvPr/>
-          </p:nvCxnSpPr>
-          <p:spPr>
-            <a:xfrm flipH="1" flipV="1">
-              <a:off x="734785" y="6597380"/>
-              <a:ext cx="701585" cy="1"/>
-            </a:xfrm>
-            <a:prstGeom prst="straightConnector1">
-              <a:avLst/>
-            </a:prstGeom>
-            <a:ln>
-              <a:tailEnd type="triangle"/>
-            </a:ln>
-          </p:spPr>
-          <p:style>
-            <a:lnRef idx="2">
-              <a:schemeClr val="dk1"/>
-            </a:lnRef>
-            <a:fillRef idx="0">
-              <a:schemeClr val="dk1"/>
-            </a:fillRef>
-            <a:effectRef idx="1">
-              <a:schemeClr val="dk1"/>
-            </a:effectRef>
-            <a:fontRef idx="minor">
-              <a:schemeClr val="tx1"/>
-            </a:fontRef>
-          </p:style>
-        </p:cxnSp>
-        <p:sp>
-          <p:nvSpPr>
-            <p:cNvPr id="1038" name="TextBox 1037">
-              <a:extLst>
-                <a:ext uri="{FF2B5EF4-FFF2-40B4-BE49-F238E27FC236}">
-                  <a16:creationId xmlns:a16="http://schemas.microsoft.com/office/drawing/2014/main" id="{C6D63BA0-19C8-0004-B0E4-8BB8B463748C}"/>
+                  <a16:creationId xmlns:a16="http://schemas.microsoft.com/office/drawing/2014/main" id="{D0BF7EC4-225A-BE74-FACB-BD42502022E1}"/>
                 </a:ext>
               </a:extLst>
             </p:cNvPr>
@@ -7875,8 +8479,8 @@
           </p:nvSpPr>
           <p:spPr>
             <a:xfrm>
-              <a:off x="937515" y="4498718"/>
-              <a:ext cx="498855" cy="369332"/>
+              <a:off x="1068055" y="-4418423"/>
+              <a:ext cx="5938549" cy="584775"/>
             </a:xfrm>
             <a:prstGeom prst="rect">
               <a:avLst/>
@@ -7890,557 +8494,30 @@
             <a:lstStyle/>
             <a:p>
               <a:r>
-                <a:rPr lang="en-US" altLang="ko-KR">
+                <a:rPr lang="en-US" altLang="ko-KR" sz="3200" b="1">
                   <a:latin typeface="나눔바른고딕" panose="020B0603020101020101" pitchFamily="50" charset="-127"/>
                   <a:ea typeface="나눔바른고딕" panose="020B0603020101020101" pitchFamily="50" charset="-127"/>
                 </a:rPr>
-                <a:t>No</a:t>
+                <a:t>Levenberg-Marquardt</a:t>
               </a:r>
-              <a:endParaRPr lang="ko-KR" altLang="en-US">
+              <a:r>
+                <a:rPr lang="ko-KR" altLang="en-US" sz="3200" b="1">
+                  <a:latin typeface="나눔바른고딕" panose="020B0603020101020101" pitchFamily="50" charset="-127"/>
+                  <a:ea typeface="나눔바른고딕" panose="020B0603020101020101" pitchFamily="50" charset="-127"/>
+                </a:rPr>
+                <a:t> </a:t>
+              </a:r>
+              <a:r>
+                <a:rPr lang="en-US" altLang="ko-KR" sz="3200" b="1">
+                  <a:latin typeface="나눔바른고딕" panose="020B0603020101020101" pitchFamily="50" charset="-127"/>
+                  <a:ea typeface="나눔바른고딕" panose="020B0603020101020101" pitchFamily="50" charset="-127"/>
+                </a:rPr>
+                <a:t>Method</a:t>
+              </a:r>
+              <a:endParaRPr lang="ko-KR" altLang="en-US" sz="3200" b="1">
                 <a:latin typeface="나눔바른고딕" panose="020B0603020101020101" pitchFamily="50" charset="-127"/>
                 <a:ea typeface="나눔바른고딕" panose="020B0603020101020101" pitchFamily="50" charset="-127"/>
               </a:endParaRPr>
-            </a:p>
-          </p:txBody>
-        </p:sp>
-        <p:sp>
-          <p:nvSpPr>
-            <p:cNvPr id="1039" name="TextBox 1038">
-              <a:extLst>
-                <a:ext uri="{FF2B5EF4-FFF2-40B4-BE49-F238E27FC236}">
-                  <a16:creationId xmlns:a16="http://schemas.microsoft.com/office/drawing/2014/main" id="{DC3C48BD-C2D9-A37E-2103-84A1D1C69273}"/>
-                </a:ext>
-              </a:extLst>
-            </p:cNvPr>
-            <p:cNvSpPr txBox="1"/>
-            <p:nvPr/>
-          </p:nvSpPr>
-          <p:spPr>
-            <a:xfrm>
-              <a:off x="917355" y="6214405"/>
-              <a:ext cx="498855" cy="369332"/>
-            </a:xfrm>
-            <a:prstGeom prst="rect">
-              <a:avLst/>
-            </a:prstGeom>
-            <a:noFill/>
-          </p:spPr>
-          <p:txBody>
-            <a:bodyPr wrap="none" rtlCol="0">
-              <a:spAutoFit/>
-            </a:bodyPr>
-            <a:lstStyle/>
-            <a:p>
-              <a:r>
-                <a:rPr lang="en-US" altLang="ko-KR">
-                  <a:latin typeface="나눔바른고딕" panose="020B0603020101020101" pitchFamily="50" charset="-127"/>
-                  <a:ea typeface="나눔바른고딕" panose="020B0603020101020101" pitchFamily="50" charset="-127"/>
-                </a:rPr>
-                <a:t>No</a:t>
-              </a:r>
-              <a:endParaRPr lang="ko-KR" altLang="en-US">
-                <a:latin typeface="나눔바른고딕" panose="020B0603020101020101" pitchFamily="50" charset="-127"/>
-                <a:ea typeface="나눔바른고딕" panose="020B0603020101020101" pitchFamily="50" charset="-127"/>
-              </a:endParaRPr>
-            </a:p>
-          </p:txBody>
-        </p:sp>
-        <p:sp>
-          <p:nvSpPr>
-            <p:cNvPr id="1040" name="TextBox 1039">
-              <a:extLst>
-                <a:ext uri="{FF2B5EF4-FFF2-40B4-BE49-F238E27FC236}">
-                  <a16:creationId xmlns:a16="http://schemas.microsoft.com/office/drawing/2014/main" id="{6B3E8DCA-1D9C-8E9A-567B-1CAFDB765893}"/>
-                </a:ext>
-              </a:extLst>
-            </p:cNvPr>
-            <p:cNvSpPr txBox="1"/>
-            <p:nvPr/>
-          </p:nvSpPr>
-          <p:spPr>
-            <a:xfrm>
-              <a:off x="3437731" y="5544679"/>
-              <a:ext cx="549381" cy="369332"/>
-            </a:xfrm>
-            <a:prstGeom prst="rect">
-              <a:avLst/>
-            </a:prstGeom>
-            <a:noFill/>
-          </p:spPr>
-          <p:txBody>
-            <a:bodyPr wrap="none" rtlCol="0">
-              <a:spAutoFit/>
-            </a:bodyPr>
-            <a:lstStyle/>
-            <a:p>
-              <a:r>
-                <a:rPr lang="en-US" altLang="ko-KR">
-                  <a:latin typeface="나눔바른고딕" panose="020B0603020101020101" pitchFamily="50" charset="-127"/>
-                  <a:ea typeface="나눔바른고딕" panose="020B0603020101020101" pitchFamily="50" charset="-127"/>
-                </a:rPr>
-                <a:t>Yes</a:t>
-              </a:r>
-              <a:endParaRPr lang="ko-KR" altLang="en-US">
-                <a:latin typeface="나눔바른고딕" panose="020B0603020101020101" pitchFamily="50" charset="-127"/>
-                <a:ea typeface="나눔바른고딕" panose="020B0603020101020101" pitchFamily="50" charset="-127"/>
-              </a:endParaRPr>
-            </a:p>
-          </p:txBody>
-        </p:sp>
-        <p:cxnSp>
-          <p:nvCxnSpPr>
-            <p:cNvPr id="1041" name="직선 화살표 연결선 1040">
-              <a:extLst>
-                <a:ext uri="{FF2B5EF4-FFF2-40B4-BE49-F238E27FC236}">
-                  <a16:creationId xmlns:a16="http://schemas.microsoft.com/office/drawing/2014/main" id="{8E80F2FB-199D-1081-8399-BEDB3F226349}"/>
-                </a:ext>
-              </a:extLst>
-            </p:cNvPr>
-            <p:cNvCxnSpPr>
-              <a:cxnSpLocks/>
-              <a:stCxn id="37" idx="2"/>
-              <a:endCxn id="1046" idx="0"/>
-            </p:cNvCxnSpPr>
-            <p:nvPr/>
-          </p:nvCxnSpPr>
-          <p:spPr>
-            <a:xfrm>
-              <a:off x="3417570" y="7242650"/>
-              <a:ext cx="0" cy="464981"/>
-            </a:xfrm>
-            <a:prstGeom prst="straightConnector1">
-              <a:avLst/>
-            </a:prstGeom>
-            <a:ln>
-              <a:tailEnd type="triangle"/>
-            </a:ln>
-          </p:spPr>
-          <p:style>
-            <a:lnRef idx="2">
-              <a:schemeClr val="dk1"/>
-            </a:lnRef>
-            <a:fillRef idx="0">
-              <a:schemeClr val="dk1"/>
-            </a:fillRef>
-            <a:effectRef idx="1">
-              <a:schemeClr val="dk1"/>
-            </a:effectRef>
-            <a:fontRef idx="minor">
-              <a:schemeClr val="tx1"/>
-            </a:fontRef>
-          </p:style>
-        </p:cxnSp>
-        <p:sp>
-          <p:nvSpPr>
-            <p:cNvPr id="1042" name="TextBox 1041">
-              <a:extLst>
-                <a:ext uri="{FF2B5EF4-FFF2-40B4-BE49-F238E27FC236}">
-                  <a16:creationId xmlns:a16="http://schemas.microsoft.com/office/drawing/2014/main" id="{8FC8DCCB-D09E-0D19-8329-3880F9FD4128}"/>
-                </a:ext>
-              </a:extLst>
-            </p:cNvPr>
-            <p:cNvSpPr txBox="1"/>
-            <p:nvPr/>
-          </p:nvSpPr>
-          <p:spPr>
-            <a:xfrm>
-              <a:off x="3437731" y="7280750"/>
-              <a:ext cx="549381" cy="369332"/>
-            </a:xfrm>
-            <a:prstGeom prst="rect">
-              <a:avLst/>
-            </a:prstGeom>
-            <a:noFill/>
-          </p:spPr>
-          <p:txBody>
-            <a:bodyPr wrap="none" rtlCol="0">
-              <a:spAutoFit/>
-            </a:bodyPr>
-            <a:lstStyle/>
-            <a:p>
-              <a:r>
-                <a:rPr lang="en-US" altLang="ko-KR">
-                  <a:latin typeface="나눔바른고딕" panose="020B0603020101020101" pitchFamily="50" charset="-127"/>
-                  <a:ea typeface="나눔바른고딕" panose="020B0603020101020101" pitchFamily="50" charset="-127"/>
-                </a:rPr>
-                <a:t>Yes</a:t>
-              </a:r>
-              <a:endParaRPr lang="ko-KR" altLang="en-US">
-                <a:latin typeface="나눔바른고딕" panose="020B0603020101020101" pitchFamily="50" charset="-127"/>
-                <a:ea typeface="나눔바른고딕" panose="020B0603020101020101" pitchFamily="50" charset="-127"/>
-              </a:endParaRPr>
-            </a:p>
-          </p:txBody>
-        </p:sp>
-        <p:sp>
-          <p:nvSpPr>
-            <p:cNvPr id="1046" name="순서도: 대체 처리 1045">
-              <a:extLst>
-                <a:ext uri="{FF2B5EF4-FFF2-40B4-BE49-F238E27FC236}">
-                  <a16:creationId xmlns:a16="http://schemas.microsoft.com/office/drawing/2014/main" id="{FD00C839-C283-475F-8CEA-7A5CD8D92945}"/>
-                </a:ext>
-              </a:extLst>
-            </p:cNvPr>
-            <p:cNvSpPr/>
-            <p:nvPr/>
-          </p:nvSpPr>
-          <p:spPr>
-            <a:xfrm>
-              <a:off x="2247639" y="7707631"/>
-              <a:ext cx="2339861" cy="879779"/>
-            </a:xfrm>
-            <a:prstGeom prst="flowChartAlternateProcess">
-              <a:avLst/>
-            </a:prstGeom>
-          </p:spPr>
-          <p:style>
-            <a:lnRef idx="1">
-              <a:schemeClr val="accent4"/>
-            </a:lnRef>
-            <a:fillRef idx="2">
-              <a:schemeClr val="accent4"/>
-            </a:fillRef>
-            <a:effectRef idx="1">
-              <a:schemeClr val="accent4"/>
-            </a:effectRef>
-            <a:fontRef idx="minor">
-              <a:schemeClr val="dk1"/>
-            </a:fontRef>
-          </p:style>
-          <p:txBody>
-            <a:bodyPr rtlCol="0" anchor="ctr"/>
-            <a:lstStyle/>
-            <a:p>
-              <a:pPr algn="ctr"/>
-              <a:r>
-                <a:rPr lang="en-US" altLang="ko-KR">
-                  <a:latin typeface="나눔바른고딕" panose="020B0603020101020101" pitchFamily="50" charset="-127"/>
-                  <a:ea typeface="나눔바른고딕" panose="020B0603020101020101" pitchFamily="50" charset="-127"/>
-                </a:rPr>
-                <a:t>Stop</a:t>
-              </a:r>
-              <a:endParaRPr lang="ko-KR" altLang="en-US">
-                <a:latin typeface="나눔바른고딕" panose="020B0603020101020101" pitchFamily="50" charset="-127"/>
-                <a:ea typeface="나눔바른고딕" panose="020B0603020101020101" pitchFamily="50" charset="-127"/>
-              </a:endParaRPr>
-            </a:p>
-          </p:txBody>
-        </p:sp>
-        <p:sp>
-          <p:nvSpPr>
-            <p:cNvPr id="1049" name="순서도: 대체 처리 1048">
-              <a:extLst>
-                <a:ext uri="{FF2B5EF4-FFF2-40B4-BE49-F238E27FC236}">
-                  <a16:creationId xmlns:a16="http://schemas.microsoft.com/office/drawing/2014/main" id="{0508A416-A48B-A13E-75EA-26EF26558CD7}"/>
-                </a:ext>
-              </a:extLst>
-            </p:cNvPr>
-            <p:cNvSpPr/>
-            <p:nvPr/>
-          </p:nvSpPr>
-          <p:spPr>
-            <a:xfrm>
-              <a:off x="2247639" y="-4322538"/>
-              <a:ext cx="2339861" cy="879779"/>
-            </a:xfrm>
-            <a:prstGeom prst="flowChartAlternateProcess">
-              <a:avLst/>
-            </a:prstGeom>
-          </p:spPr>
-          <p:style>
-            <a:lnRef idx="1">
-              <a:schemeClr val="accent2"/>
-            </a:lnRef>
-            <a:fillRef idx="2">
-              <a:schemeClr val="accent2"/>
-            </a:fillRef>
-            <a:effectRef idx="1">
-              <a:schemeClr val="accent2"/>
-            </a:effectRef>
-            <a:fontRef idx="minor">
-              <a:schemeClr val="dk1"/>
-            </a:fontRef>
-          </p:style>
-          <p:txBody>
-            <a:bodyPr rtlCol="0" anchor="ctr"/>
-            <a:lstStyle/>
-            <a:p>
-              <a:pPr algn="ctr"/>
-              <a:r>
-                <a:rPr lang="en-US" altLang="ko-KR">
-                  <a:latin typeface="나눔바른고딕" panose="020B0603020101020101" pitchFamily="50" charset="-127"/>
-                  <a:ea typeface="나눔바른고딕" panose="020B0603020101020101" pitchFamily="50" charset="-127"/>
-                </a:rPr>
-                <a:t>Start</a:t>
-              </a:r>
-              <a:endParaRPr lang="ko-KR" altLang="en-US">
-                <a:latin typeface="나눔바른고딕" panose="020B0603020101020101" pitchFamily="50" charset="-127"/>
-                <a:ea typeface="나눔바른고딕" panose="020B0603020101020101" pitchFamily="50" charset="-127"/>
-              </a:endParaRPr>
-            </a:p>
-          </p:txBody>
-        </p:sp>
-        <p:cxnSp>
-          <p:nvCxnSpPr>
-            <p:cNvPr id="1050" name="직선 화살표 연결선 1049">
-              <a:extLst>
-                <a:ext uri="{FF2B5EF4-FFF2-40B4-BE49-F238E27FC236}">
-                  <a16:creationId xmlns:a16="http://schemas.microsoft.com/office/drawing/2014/main" id="{4608B568-1E28-2A13-193D-A72CDF3DCDB9}"/>
-                </a:ext>
-              </a:extLst>
-            </p:cNvPr>
-            <p:cNvCxnSpPr>
-              <a:cxnSpLocks/>
-              <a:stCxn id="1049" idx="2"/>
-              <a:endCxn id="4" idx="0"/>
-            </p:cNvCxnSpPr>
-            <p:nvPr/>
-          </p:nvCxnSpPr>
-          <p:spPr>
-            <a:xfrm>
-              <a:off x="3417570" y="-3442759"/>
-              <a:ext cx="1" cy="324640"/>
-            </a:xfrm>
-            <a:prstGeom prst="straightConnector1">
-              <a:avLst/>
-            </a:prstGeom>
-            <a:ln>
-              <a:tailEnd type="triangle"/>
-            </a:ln>
-          </p:spPr>
-          <p:style>
-            <a:lnRef idx="2">
-              <a:schemeClr val="dk1"/>
-            </a:lnRef>
-            <a:fillRef idx="0">
-              <a:schemeClr val="dk1"/>
-            </a:fillRef>
-            <a:effectRef idx="1">
-              <a:schemeClr val="dk1"/>
-            </a:effectRef>
-            <a:fontRef idx="minor">
-              <a:schemeClr val="tx1"/>
-            </a:fontRef>
-          </p:style>
-        </p:cxnSp>
-        <p:sp>
-          <p:nvSpPr>
-            <p:cNvPr id="1055" name="TextBox 1054">
-              <a:extLst>
-                <a:ext uri="{FF2B5EF4-FFF2-40B4-BE49-F238E27FC236}">
-                  <a16:creationId xmlns:a16="http://schemas.microsoft.com/office/drawing/2014/main" id="{8B6ED4F3-FBB4-B1BB-D5D5-7C61C0B5C3F4}"/>
-                </a:ext>
-              </a:extLst>
-            </p:cNvPr>
-            <p:cNvSpPr txBox="1"/>
-            <p:nvPr/>
-          </p:nvSpPr>
-          <p:spPr>
-            <a:xfrm>
-              <a:off x="2130068" y="4683384"/>
-              <a:ext cx="470376" cy="369332"/>
-            </a:xfrm>
-            <a:prstGeom prst="rect">
-              <a:avLst/>
-            </a:prstGeom>
-            <a:noFill/>
-          </p:spPr>
-          <p:txBody>
-            <a:bodyPr wrap="square">
-              <a:spAutoFit/>
-            </a:bodyPr>
-            <a:lstStyle/>
-            <a:p>
-              <a:r>
-                <a:rPr lang="ko-KR" altLang="en-US">
-                  <a:latin typeface="나눔바른고딕" panose="020B0603020101020101" pitchFamily="50" charset="-127"/>
-                  <a:ea typeface="나눔바른고딕" panose="020B0603020101020101" pitchFamily="50" charset="-127"/>
-                </a:rPr>
-                <a:t>⑥</a:t>
-              </a:r>
-              <a:endParaRPr lang="ko-KR" altLang="en-US"/>
-            </a:p>
-          </p:txBody>
-        </p:sp>
-        <p:sp>
-          <p:nvSpPr>
-            <p:cNvPr id="1056" name="TextBox 1055">
-              <a:extLst>
-                <a:ext uri="{FF2B5EF4-FFF2-40B4-BE49-F238E27FC236}">
-                  <a16:creationId xmlns:a16="http://schemas.microsoft.com/office/drawing/2014/main" id="{56CA6838-C4D8-CB5B-9143-F4C1D48D3FBD}"/>
-                </a:ext>
-              </a:extLst>
-            </p:cNvPr>
-            <p:cNvSpPr txBox="1"/>
-            <p:nvPr/>
-          </p:nvSpPr>
-          <p:spPr>
-            <a:xfrm>
-              <a:off x="2130068" y="6412713"/>
-              <a:ext cx="470376" cy="369332"/>
-            </a:xfrm>
-            <a:prstGeom prst="rect">
-              <a:avLst/>
-            </a:prstGeom>
-            <a:noFill/>
-          </p:spPr>
-          <p:txBody>
-            <a:bodyPr wrap="square">
-              <a:spAutoFit/>
-            </a:bodyPr>
-            <a:lstStyle/>
-            <a:p>
-              <a:r>
-                <a:rPr lang="ko-KR" altLang="en-US"/>
-                <a:t>⑧</a:t>
-              </a:r>
-            </a:p>
-          </p:txBody>
-        </p:sp>
-        <p:cxnSp>
-          <p:nvCxnSpPr>
-            <p:cNvPr id="1060" name="직선 화살표 연결선 1059">
-              <a:extLst>
-                <a:ext uri="{FF2B5EF4-FFF2-40B4-BE49-F238E27FC236}">
-                  <a16:creationId xmlns:a16="http://schemas.microsoft.com/office/drawing/2014/main" id="{ABD5C68D-2F83-5BC0-D020-3C517C53D5D3}"/>
-                </a:ext>
-              </a:extLst>
-            </p:cNvPr>
-            <p:cNvCxnSpPr>
-              <a:cxnSpLocks/>
-              <a:stCxn id="11" idx="1"/>
-            </p:cNvCxnSpPr>
-            <p:nvPr/>
-          </p:nvCxnSpPr>
-          <p:spPr>
-            <a:xfrm flipH="1">
-              <a:off x="-617449" y="-762506"/>
-              <a:ext cx="2053819" cy="0"/>
-            </a:xfrm>
-            <a:prstGeom prst="straightConnector1">
-              <a:avLst/>
-            </a:prstGeom>
-            <a:ln>
-              <a:headEnd type="triangle"/>
-              <a:tailEnd type="none"/>
-            </a:ln>
-          </p:spPr>
-          <p:style>
-            <a:lnRef idx="2">
-              <a:schemeClr val="dk1"/>
-            </a:lnRef>
-            <a:fillRef idx="0">
-              <a:schemeClr val="dk1"/>
-            </a:fillRef>
-            <a:effectRef idx="1">
-              <a:schemeClr val="dk1"/>
-            </a:effectRef>
-            <a:fontRef idx="minor">
-              <a:schemeClr val="tx1"/>
-            </a:fontRef>
-          </p:style>
-        </p:cxnSp>
-        <p:sp>
-          <p:nvSpPr>
-            <p:cNvPr id="1064" name="타원 1063">
-              <a:extLst>
-                <a:ext uri="{FF2B5EF4-FFF2-40B4-BE49-F238E27FC236}">
-                  <a16:creationId xmlns:a16="http://schemas.microsoft.com/office/drawing/2014/main" id="{709809EA-121C-C9D6-B470-303A484A1FBE}"/>
-                </a:ext>
-              </a:extLst>
-            </p:cNvPr>
-            <p:cNvSpPr/>
-            <p:nvPr/>
-          </p:nvSpPr>
-          <p:spPr>
-            <a:xfrm>
-              <a:off x="-678891" y="4143821"/>
-              <a:ext cx="122887" cy="122887"/>
-            </a:xfrm>
-            <a:prstGeom prst="ellipse">
-              <a:avLst/>
-            </a:prstGeom>
-            <a:solidFill>
-              <a:schemeClr val="tx1"/>
-            </a:solidFill>
-            <a:ln>
-              <a:noFill/>
-            </a:ln>
-          </p:spPr>
-          <p:style>
-            <a:lnRef idx="2">
-              <a:schemeClr val="dk1">
-                <a:shade val="15000"/>
-              </a:schemeClr>
-            </a:lnRef>
-            <a:fillRef idx="1">
-              <a:schemeClr val="dk1"/>
-            </a:fillRef>
-            <a:effectRef idx="0">
-              <a:schemeClr val="dk1"/>
-            </a:effectRef>
-            <a:fontRef idx="minor">
-              <a:schemeClr val="lt1"/>
-            </a:fontRef>
-          </p:style>
-          <p:txBody>
-            <a:bodyPr rtlCol="0" anchor="ctr"/>
-            <a:lstStyle/>
-            <a:p>
-              <a:pPr algn="ctr"/>
-              <a:endParaRPr lang="ko-KR" altLang="en-US" sz="3600"/>
-            </a:p>
-          </p:txBody>
-        </p:sp>
-        <p:sp>
-          <p:nvSpPr>
-            <p:cNvPr id="1065" name="타원 1064">
-              <a:extLst>
-                <a:ext uri="{FF2B5EF4-FFF2-40B4-BE49-F238E27FC236}">
-                  <a16:creationId xmlns:a16="http://schemas.microsoft.com/office/drawing/2014/main" id="{EC79698B-69F3-1197-55B6-B5BFA1AF6055}"/>
-                </a:ext>
-              </a:extLst>
-            </p:cNvPr>
-            <p:cNvSpPr/>
-            <p:nvPr/>
-          </p:nvSpPr>
-          <p:spPr>
-            <a:xfrm>
-              <a:off x="-678891" y="5791124"/>
-              <a:ext cx="122887" cy="122887"/>
-            </a:xfrm>
-            <a:prstGeom prst="ellipse">
-              <a:avLst/>
-            </a:prstGeom>
-            <a:solidFill>
-              <a:schemeClr val="tx1"/>
-            </a:solidFill>
-            <a:ln>
-              <a:noFill/>
-            </a:ln>
-          </p:spPr>
-          <p:style>
-            <a:lnRef idx="2">
-              <a:schemeClr val="dk1">
-                <a:shade val="15000"/>
-              </a:schemeClr>
-            </a:lnRef>
-            <a:fillRef idx="1">
-              <a:schemeClr val="dk1"/>
-            </a:fillRef>
-            <a:effectRef idx="0">
-              <a:schemeClr val="dk1"/>
-            </a:effectRef>
-            <a:fontRef idx="minor">
-              <a:schemeClr val="lt1"/>
-            </a:fontRef>
-          </p:style>
-          <p:txBody>
-            <a:bodyPr rtlCol="0" anchor="ctr"/>
-            <a:lstStyle/>
-            <a:p>
-              <a:pPr algn="ctr"/>
-              <a:endParaRPr lang="ko-KR" altLang="en-US" sz="3600"/>
             </a:p>
           </p:txBody>
         </p:sp>

--- a/assets/img/math/calculus/basic_optimization/basic_optimization.pptx
+++ b/assets/img/math/calculus/basic_optimization/basic_optimization.pptx
@@ -5403,14 +5403,7 @@
                             <a:latin typeface="Cambria Math" panose="02040503050406030204" pitchFamily="18" charset="0"/>
                             <a:ea typeface="나눔바른고딕" panose="020B0603020101020101" pitchFamily="50" charset="-127"/>
                           </a:rPr>
-                          <m:t>=10 (&gt;0</m:t>
-                        </m:r>
-                        <m:r>
-                          <a:rPr lang="en-US" altLang="ko-KR" b="0" i="1" smtClean="0">
-                            <a:latin typeface="Cambria Math" panose="02040503050406030204" pitchFamily="18" charset="0"/>
-                            <a:ea typeface="나눔바른고딕" panose="020B0603020101020101" pitchFamily="50" charset="-127"/>
-                          </a:rPr>
-                          <m:t>)</m:t>
+                          <m:t>=10 (&gt;0)</m:t>
                         </m:r>
                       </m:oMath>
                     </a14:m>
@@ -7031,8 +7024,8 @@
               </p:sp>
             </mc:Fallback>
           </mc:AlternateContent>
-          <mc:AlternateContent xmlns:mc="http://schemas.openxmlformats.org/markup-compatibility/2006" xmlns:a14="http://schemas.microsoft.com/office/drawing/2010/main">
-            <mc:Choice Requires="a14">
+          <mc:AlternateContent xmlns:mc="http://schemas.openxmlformats.org/markup-compatibility/2006">
+            <mc:Choice xmlns:a14="http://schemas.microsoft.com/office/drawing/2010/main" Requires="a14">
               <p:sp>
                 <p:nvSpPr>
                   <p:cNvPr id="37" name="순서도: 판단 36">
@@ -7083,119 +7076,95 @@
                           <m:jc m:val="centerGroup"/>
                         </m:oMathParaPr>
                         <m:oMath xmlns:m="http://schemas.openxmlformats.org/officeDocument/2006/math">
-                          <m:r>
-                            <a:rPr lang="en-US" altLang="ko-KR" sz="1400" i="1" smtClean="0">
-                              <a:latin typeface="Cambria Math" panose="02040503050406030204" pitchFamily="18" charset="0"/>
-                              <a:ea typeface="나눔바른고딕" panose="020B0603020101020101" pitchFamily="50" charset="-127"/>
-                            </a:rPr>
-                            <m:t>𝐸</m:t>
-                          </m:r>
-                          <m:d>
-                            <m:dPr>
+                          <m:sSub>
+                            <m:sSubPr>
                               <m:ctrlPr>
-                                <a:rPr lang="en-US" altLang="ko-KR" sz="1400" i="1">
+                                <a:rPr lang="en-US" altLang="ko-KR" sz="1400" b="0" i="1" smtClean="0">
                                   <a:latin typeface="Cambria Math" panose="02040503050406030204" pitchFamily="18" charset="0"/>
                                   <a:ea typeface="나눔바른고딕" panose="020B0603020101020101" pitchFamily="50" charset="-127"/>
                                 </a:rPr>
                               </m:ctrlPr>
-                            </m:dPr>
+                            </m:sSubPr>
                             <m:e>
-                              <m:sSub>
-                                <m:sSubPr>
-                                  <m:ctrlPr>
-                                    <a:rPr lang="en-US" altLang="ko-KR" sz="1400" i="1">
-                                      <a:latin typeface="Cambria Math" panose="02040503050406030204" pitchFamily="18" charset="0"/>
-                                      <a:ea typeface="나눔바른고딕" panose="020B0603020101020101" pitchFamily="50" charset="-127"/>
-                                    </a:rPr>
-                                  </m:ctrlPr>
-                                </m:sSubPr>
-                                <m:e>
-                                  <m:r>
-                                    <a:rPr lang="en-US" altLang="ko-KR" sz="1400" i="1">
-                                      <a:latin typeface="Cambria Math" panose="02040503050406030204" pitchFamily="18" charset="0"/>
-                                      <a:ea typeface="나눔바른고딕" panose="020B0603020101020101" pitchFamily="50" charset="-127"/>
-                                    </a:rPr>
-                                    <m:t>𝑤</m:t>
-                                  </m:r>
-                                </m:e>
-                                <m:sub>
-                                  <m:r>
-                                    <a:rPr lang="en-US" altLang="ko-KR" sz="1400" i="1" smtClean="0">
-                                      <a:solidFill>
-                                        <a:srgbClr val="FF0000"/>
-                                      </a:solidFill>
-                                      <a:latin typeface="Cambria Math" panose="02040503050406030204" pitchFamily="18" charset="0"/>
-                                      <a:ea typeface="나눔바른고딕" panose="020B0603020101020101" pitchFamily="50" charset="-127"/>
-                                    </a:rPr>
-                                    <m:t>𝑜𝑙𝑑</m:t>
-                                  </m:r>
-                                </m:sub>
-                              </m:sSub>
+                              <m:r>
+                                <a:rPr lang="en-US" altLang="ko-KR" sz="1400" b="0" i="1" smtClean="0">
+                                  <a:latin typeface="Cambria Math" panose="02040503050406030204" pitchFamily="18" charset="0"/>
+                                  <a:ea typeface="나눔바른고딕" panose="020B0603020101020101" pitchFamily="50" charset="-127"/>
+                                </a:rPr>
+                                <m:t>‖</m:t>
+                              </m:r>
+                              <m:r>
+                                <a:rPr lang="en-US" altLang="ko-KR" sz="1400" i="1" smtClean="0">
+                                  <a:latin typeface="Cambria Math" panose="02040503050406030204" pitchFamily="18" charset="0"/>
+                                  <a:ea typeface="나눔바른고딕" panose="020B0603020101020101" pitchFamily="50" charset="-127"/>
+                                </a:rPr>
+                                <m:t>𝑤</m:t>
+                              </m:r>
                             </m:e>
-                          </m:d>
+                            <m:sub>
+                              <m:r>
+                                <a:rPr lang="en-US" altLang="ko-KR" sz="1400" b="0" i="1" smtClean="0">
+                                  <a:solidFill>
+                                    <a:srgbClr val="0000FF"/>
+                                  </a:solidFill>
+                                  <a:latin typeface="Cambria Math" panose="02040503050406030204" pitchFamily="18" charset="0"/>
+                                  <a:ea typeface="나눔바른고딕" panose="020B0603020101020101" pitchFamily="50" charset="-127"/>
+                                </a:rPr>
+                                <m:t>𝑛𝑒𝑤</m:t>
+                              </m:r>
+                            </m:sub>
+                          </m:sSub>
                           <m:r>
                             <a:rPr lang="en-US" altLang="ko-KR" sz="1400" b="0" i="1" smtClean="0">
                               <a:latin typeface="Cambria Math" panose="02040503050406030204" pitchFamily="18" charset="0"/>
                               <a:ea typeface="나눔바른고딕" panose="020B0603020101020101" pitchFamily="50" charset="-127"/>
                             </a:rPr>
-                            <m:t>−</m:t>
+                            <m:t> −</m:t>
                           </m:r>
-                          <m:r>
-                            <a:rPr lang="en-US" altLang="ko-KR" sz="1400" i="1">
-                              <a:latin typeface="Cambria Math" panose="02040503050406030204" pitchFamily="18" charset="0"/>
-                              <a:ea typeface="나눔바른고딕" panose="020B0603020101020101" pitchFamily="50" charset="-127"/>
-                            </a:rPr>
-                            <m:t>𝐸</m:t>
-                          </m:r>
-                          <m:d>
-                            <m:dPr>
+                          <m:sSub>
+                            <m:sSubPr>
                               <m:ctrlPr>
-                                <a:rPr lang="en-US" altLang="ko-KR" sz="1400" i="1">
+                                <a:rPr lang="en-US" altLang="ko-KR" sz="1400" b="0" i="1" smtClean="0">
                                   <a:latin typeface="Cambria Math" panose="02040503050406030204" pitchFamily="18" charset="0"/>
                                   <a:ea typeface="나눔바른고딕" panose="020B0603020101020101" pitchFamily="50" charset="-127"/>
                                 </a:rPr>
                               </m:ctrlPr>
-                            </m:dPr>
+                            </m:sSubPr>
                             <m:e>
-                              <m:sSub>
-                                <m:sSubPr>
-                                  <m:ctrlPr>
-                                    <a:rPr lang="en-US" altLang="ko-KR" sz="1400" i="1">
-                                      <a:latin typeface="Cambria Math" panose="02040503050406030204" pitchFamily="18" charset="0"/>
-                                      <a:ea typeface="나눔바른고딕" panose="020B0603020101020101" pitchFamily="50" charset="-127"/>
-                                    </a:rPr>
-                                  </m:ctrlPr>
-                                </m:sSubPr>
-                                <m:e>
-                                  <m:r>
-                                    <a:rPr lang="en-US" altLang="ko-KR" sz="1400" i="1">
-                                      <a:latin typeface="Cambria Math" panose="02040503050406030204" pitchFamily="18" charset="0"/>
-                                      <a:ea typeface="나눔바른고딕" panose="020B0603020101020101" pitchFamily="50" charset="-127"/>
-                                    </a:rPr>
-                                    <m:t>𝑤</m:t>
-                                  </m:r>
-                                </m:e>
-                                <m:sub>
-                                  <m:r>
-                                    <a:rPr lang="en-US" altLang="ko-KR" sz="1400" b="0" i="1" smtClean="0">
-                                      <a:solidFill>
-                                        <a:srgbClr val="0000FF"/>
-                                      </a:solidFill>
-                                      <a:latin typeface="Cambria Math" panose="02040503050406030204" pitchFamily="18" charset="0"/>
-                                      <a:ea typeface="나눔바른고딕" panose="020B0603020101020101" pitchFamily="50" charset="-127"/>
-                                    </a:rPr>
-                                    <m:t>𝑛𝑒𝑤</m:t>
-                                  </m:r>
-                                </m:sub>
-                              </m:sSub>
+                              <m:r>
+                                <a:rPr lang="en-US" altLang="ko-KR" sz="1400" b="0" i="1" smtClean="0">
+                                  <a:latin typeface="Cambria Math" panose="02040503050406030204" pitchFamily="18" charset="0"/>
+                                  <a:ea typeface="나눔바른고딕" panose="020B0603020101020101" pitchFamily="50" charset="-127"/>
+                                </a:rPr>
+                                <m:t>𝑤</m:t>
+                              </m:r>
                             </m:e>
-                          </m:d>
+                            <m:sub>
+                              <m:r>
+                                <a:rPr lang="en-US" altLang="ko-KR" sz="1400" b="0" i="1" smtClean="0">
+                                  <a:solidFill>
+                                    <a:srgbClr val="FF0000"/>
+                                  </a:solidFill>
+                                  <a:latin typeface="Cambria Math" panose="02040503050406030204" pitchFamily="18" charset="0"/>
+                                  <a:ea typeface="나눔바른고딕" panose="020B0603020101020101" pitchFamily="50" charset="-127"/>
+                                </a:rPr>
+                                <m:t>𝑜𝑙𝑑</m:t>
+                              </m:r>
+                            </m:sub>
+                          </m:sSub>
                           <m:r>
                             <a:rPr lang="en-US" altLang="ko-KR" sz="1400" b="0" i="1" smtClean="0">
                               <a:latin typeface="Cambria Math" panose="02040503050406030204" pitchFamily="18" charset="0"/>
                               <a:ea typeface="나눔바른고딕" panose="020B0603020101020101" pitchFamily="50" charset="-127"/>
                             </a:rPr>
-                            <m:t>= </m:t>
+                            <m:t>‖&lt;</m:t>
+                          </m:r>
+                          <m:r>
+                            <a:rPr lang="en-US" altLang="ko-KR" sz="1400" b="0" i="1" smtClean="0">
+                              <a:latin typeface="Cambria Math" panose="02040503050406030204" pitchFamily="18" charset="0"/>
+                              <a:ea typeface="나눔바른고딕" panose="020B0603020101020101" pitchFamily="50" charset="-127"/>
+                            </a:rPr>
+                            <m:t> </m:t>
                           </m:r>
                           <m:r>
                             <m:rPr>
@@ -7235,7 +7204,7 @@
                 </p:txBody>
               </p:sp>
             </mc:Choice>
-            <mc:Fallback xmlns="">
+            <mc:Fallback>
               <p:sp>
                 <p:nvSpPr>
                   <p:cNvPr id="37" name="순서도: 판단 36">

--- a/assets/img/math/calculus/basic_optimization/basic_optimization.pptx
+++ b/assets/img/math/calculus/basic_optimization/basic_optimization.pptx
@@ -5,11 +5,12 @@
     <p:sldMasterId id="2147483648" r:id="rId1"/>
   </p:sldMasterIdLst>
   <p:notesMasterIdLst>
-    <p:notesMasterId r:id="rId4"/>
+    <p:notesMasterId r:id="rId5"/>
   </p:notesMasterIdLst>
   <p:sldIdLst>
     <p:sldId id="256" r:id="rId2"/>
     <p:sldId id="257" r:id="rId3"/>
+    <p:sldId id="258" r:id="rId4"/>
   </p:sldIdLst>
   <p:sldSz cx="12192000" cy="6858000"/>
   <p:notesSz cx="6858000" cy="9144000"/>
@@ -198,7 +199,7 @@
           <a:p>
             <a:fld id="{78C42AC9-A0C9-4D32-8EA2-91EA3A4A6392}" type="datetimeFigureOut">
               <a:rPr lang="ko-KR" altLang="en-US" smtClean="0"/>
-              <a:t>2024-05-23</a:t>
+              <a:t>2024-05-25</a:t>
             </a:fld>
             <a:endParaRPr lang="ko-KR" altLang="en-US"/>
           </a:p>
@@ -549,6 +550,90 @@
 </p:notes>
 </file>
 
+<file path=ppt/notesSlides/notesSlide2.xml><?xml version="1.0" encoding="utf-8"?>
+<p:notes xmlns:a="http://schemas.openxmlformats.org/drawingml/2006/main" xmlns:r="http://schemas.openxmlformats.org/officeDocument/2006/relationships" xmlns:p="http://schemas.openxmlformats.org/presentationml/2006/main">
+  <p:cSld>
+    <p:spTree>
+      <p:nvGrpSpPr>
+        <p:cNvPr id="1" name=""/>
+        <p:cNvGrpSpPr/>
+        <p:nvPr/>
+      </p:nvGrpSpPr>
+      <p:grpSpPr>
+        <a:xfrm>
+          <a:off x="0" y="0"/>
+          <a:ext cx="0" cy="0"/>
+          <a:chOff x="0" y="0"/>
+          <a:chExt cx="0" cy="0"/>
+        </a:xfrm>
+      </p:grpSpPr>
+      <p:sp>
+        <p:nvSpPr>
+          <p:cNvPr id="2" name="슬라이드 이미지 개체 틀 1"/>
+          <p:cNvSpPr>
+            <a:spLocks noGrp="1" noRot="1" noChangeAspect="1"/>
+          </p:cNvSpPr>
+          <p:nvPr>
+            <p:ph type="sldImg"/>
+          </p:nvPr>
+        </p:nvSpPr>
+        <p:spPr/>
+      </p:sp>
+      <p:sp>
+        <p:nvSpPr>
+          <p:cNvPr id="3" name="슬라이드 노트 개체 틀 2"/>
+          <p:cNvSpPr>
+            <a:spLocks noGrp="1"/>
+          </p:cNvSpPr>
+          <p:nvPr>
+            <p:ph type="body" idx="1"/>
+          </p:nvPr>
+        </p:nvSpPr>
+        <p:spPr/>
+        <p:txBody>
+          <a:bodyPr/>
+          <a:lstStyle/>
+          <a:p>
+            <a:endParaRPr lang="ko-KR" altLang="en-US"/>
+          </a:p>
+        </p:txBody>
+      </p:sp>
+      <p:sp>
+        <p:nvSpPr>
+          <p:cNvPr id="4" name="슬라이드 번호 개체 틀 3"/>
+          <p:cNvSpPr>
+            <a:spLocks noGrp="1"/>
+          </p:cNvSpPr>
+          <p:nvPr>
+            <p:ph type="sldNum" sz="quarter" idx="5"/>
+          </p:nvPr>
+        </p:nvSpPr>
+        <p:spPr/>
+        <p:txBody>
+          <a:bodyPr/>
+          <a:lstStyle/>
+          <a:p>
+            <a:fld id="{31CE3DD5-5CC8-42EC-B7D0-917F0E6F7952}" type="slidenum">
+              <a:rPr lang="ko-KR" altLang="en-US" smtClean="0"/>
+              <a:t>3</a:t>
+            </a:fld>
+            <a:endParaRPr lang="ko-KR" altLang="en-US"/>
+          </a:p>
+        </p:txBody>
+      </p:sp>
+    </p:spTree>
+    <p:extLst>
+      <p:ext uri="{BB962C8B-B14F-4D97-AF65-F5344CB8AC3E}">
+        <p14:creationId xmlns:p14="http://schemas.microsoft.com/office/powerpoint/2010/main" val="447225918"/>
+      </p:ext>
+    </p:extLst>
+  </p:cSld>
+  <p:clrMapOvr>
+    <a:masterClrMapping/>
+  </p:clrMapOvr>
+</p:notes>
+</file>
+
 <file path=ppt/slideLayouts/slideLayout1.xml><?xml version="1.0" encoding="utf-8"?>
 <p:sldLayout xmlns:a="http://schemas.openxmlformats.org/drawingml/2006/main" xmlns:r="http://schemas.openxmlformats.org/officeDocument/2006/relationships" xmlns:p="http://schemas.openxmlformats.org/presentationml/2006/main" type="title" preserve="1">
   <p:cSld name="제목 슬라이드">
@@ -696,7 +781,7 @@
           <a:p>
             <a:fld id="{DF489DE6-6DBB-4098-880A-A8B378CCF17A}" type="datetimeFigureOut">
               <a:rPr lang="ko-KR" altLang="en-US" smtClean="0"/>
-              <a:t>2024-05-23</a:t>
+              <a:t>2024-05-25</a:t>
             </a:fld>
             <a:endParaRPr lang="ko-KR" altLang="en-US"/>
           </a:p>
@@ -894,7 +979,7 @@
           <a:p>
             <a:fld id="{DF489DE6-6DBB-4098-880A-A8B378CCF17A}" type="datetimeFigureOut">
               <a:rPr lang="ko-KR" altLang="en-US" smtClean="0"/>
-              <a:t>2024-05-23</a:t>
+              <a:t>2024-05-25</a:t>
             </a:fld>
             <a:endParaRPr lang="ko-KR" altLang="en-US"/>
           </a:p>
@@ -1102,7 +1187,7 @@
           <a:p>
             <a:fld id="{DF489DE6-6DBB-4098-880A-A8B378CCF17A}" type="datetimeFigureOut">
               <a:rPr lang="ko-KR" altLang="en-US" smtClean="0"/>
-              <a:t>2024-05-23</a:t>
+              <a:t>2024-05-25</a:t>
             </a:fld>
             <a:endParaRPr lang="ko-KR" altLang="en-US"/>
           </a:p>
@@ -1300,7 +1385,7 @@
           <a:p>
             <a:fld id="{DF489DE6-6DBB-4098-880A-A8B378CCF17A}" type="datetimeFigureOut">
               <a:rPr lang="ko-KR" altLang="en-US" smtClean="0"/>
-              <a:t>2024-05-23</a:t>
+              <a:t>2024-05-25</a:t>
             </a:fld>
             <a:endParaRPr lang="ko-KR" altLang="en-US"/>
           </a:p>
@@ -1575,7 +1660,7 @@
           <a:p>
             <a:fld id="{DF489DE6-6DBB-4098-880A-A8B378CCF17A}" type="datetimeFigureOut">
               <a:rPr lang="ko-KR" altLang="en-US" smtClean="0"/>
-              <a:t>2024-05-23</a:t>
+              <a:t>2024-05-25</a:t>
             </a:fld>
             <a:endParaRPr lang="ko-KR" altLang="en-US"/>
           </a:p>
@@ -1840,7 +1925,7 @@
           <a:p>
             <a:fld id="{DF489DE6-6DBB-4098-880A-A8B378CCF17A}" type="datetimeFigureOut">
               <a:rPr lang="ko-KR" altLang="en-US" smtClean="0"/>
-              <a:t>2024-05-23</a:t>
+              <a:t>2024-05-25</a:t>
             </a:fld>
             <a:endParaRPr lang="ko-KR" altLang="en-US"/>
           </a:p>
@@ -2252,7 +2337,7 @@
           <a:p>
             <a:fld id="{DF489DE6-6DBB-4098-880A-A8B378CCF17A}" type="datetimeFigureOut">
               <a:rPr lang="ko-KR" altLang="en-US" smtClean="0"/>
-              <a:t>2024-05-23</a:t>
+              <a:t>2024-05-25</a:t>
             </a:fld>
             <a:endParaRPr lang="ko-KR" altLang="en-US"/>
           </a:p>
@@ -2393,7 +2478,7 @@
           <a:p>
             <a:fld id="{DF489DE6-6DBB-4098-880A-A8B378CCF17A}" type="datetimeFigureOut">
               <a:rPr lang="ko-KR" altLang="en-US" smtClean="0"/>
-              <a:t>2024-05-23</a:t>
+              <a:t>2024-05-25</a:t>
             </a:fld>
             <a:endParaRPr lang="ko-KR" altLang="en-US"/>
           </a:p>
@@ -2506,7 +2591,7 @@
           <a:p>
             <a:fld id="{DF489DE6-6DBB-4098-880A-A8B378CCF17A}" type="datetimeFigureOut">
               <a:rPr lang="ko-KR" altLang="en-US" smtClean="0"/>
-              <a:t>2024-05-23</a:t>
+              <a:t>2024-05-25</a:t>
             </a:fld>
             <a:endParaRPr lang="ko-KR" altLang="en-US"/>
           </a:p>
@@ -2817,7 +2902,7 @@
           <a:p>
             <a:fld id="{DF489DE6-6DBB-4098-880A-A8B378CCF17A}" type="datetimeFigureOut">
               <a:rPr lang="ko-KR" altLang="en-US" smtClean="0"/>
-              <a:t>2024-05-23</a:t>
+              <a:t>2024-05-25</a:t>
             </a:fld>
             <a:endParaRPr lang="ko-KR" altLang="en-US"/>
           </a:p>
@@ -3105,7 +3190,7 @@
           <a:p>
             <a:fld id="{DF489DE6-6DBB-4098-880A-A8B378CCF17A}" type="datetimeFigureOut">
               <a:rPr lang="ko-KR" altLang="en-US" smtClean="0"/>
-              <a:t>2024-05-23</a:t>
+              <a:t>2024-05-25</a:t>
             </a:fld>
             <a:endParaRPr lang="ko-KR" altLang="en-US"/>
           </a:p>
@@ -3346,7 +3431,7 @@
           <a:p>
             <a:fld id="{DF489DE6-6DBB-4098-880A-A8B378CCF17A}" type="datetimeFigureOut">
               <a:rPr lang="ko-KR" altLang="en-US" smtClean="0"/>
-              <a:t>2024-05-23</a:t>
+              <a:t>2024-05-25</a:t>
             </a:fld>
             <a:endParaRPr lang="ko-KR" altLang="en-US"/>
           </a:p>
@@ -5181,7 +5266,7 @@
         </p:nvGrpSpPr>
         <p:grpSpPr>
           <a:xfrm>
-            <a:off x="-1370081" y="-4418423"/>
+            <a:off x="-2400595" y="-4012023"/>
             <a:ext cx="8376685" cy="13805933"/>
             <a:chOff x="-1370081" y="-4418423"/>
             <a:chExt cx="8376685" cy="13805933"/>
@@ -7024,8 +7109,8 @@
               </p:sp>
             </mc:Fallback>
           </mc:AlternateContent>
-          <mc:AlternateContent xmlns:mc="http://schemas.openxmlformats.org/markup-compatibility/2006">
-            <mc:Choice xmlns:a14="http://schemas.microsoft.com/office/drawing/2010/main" Requires="a14">
+          <mc:AlternateContent xmlns:mc="http://schemas.openxmlformats.org/markup-compatibility/2006" xmlns:a14="http://schemas.microsoft.com/office/drawing/2010/main">
+            <mc:Choice Requires="a14">
               <p:sp>
                 <p:nvSpPr>
                   <p:cNvPr id="37" name="순서도: 판단 36">
@@ -7157,14 +7242,7 @@
                               <a:latin typeface="Cambria Math" panose="02040503050406030204" pitchFamily="18" charset="0"/>
                               <a:ea typeface="나눔바른고딕" panose="020B0603020101020101" pitchFamily="50" charset="-127"/>
                             </a:rPr>
-                            <m:t>‖&lt;</m:t>
-                          </m:r>
-                          <m:r>
-                            <a:rPr lang="en-US" altLang="ko-KR" sz="1400" b="0" i="1" smtClean="0">
-                              <a:latin typeface="Cambria Math" panose="02040503050406030204" pitchFamily="18" charset="0"/>
-                              <a:ea typeface="나눔바른고딕" panose="020B0603020101020101" pitchFamily="50" charset="-127"/>
-                            </a:rPr>
-                            <m:t> </m:t>
+                            <m:t>‖&lt; </m:t>
                           </m:r>
                           <m:r>
                             <m:rPr>
@@ -7204,7 +7282,7 @@
                 </p:txBody>
               </p:sp>
             </mc:Choice>
-            <mc:Fallback>
+            <mc:Fallback xmlns="">
               <p:sp>
                 <p:nvSpPr>
                   <p:cNvPr id="37" name="순서도: 판단 36">
@@ -8504,6 +8582,5945 @@
 </p:sld>
 </file>
 
+<file path=ppt/slides/slide3.xml><?xml version="1.0" encoding="utf-8"?>
+<p:sld xmlns:a="http://schemas.openxmlformats.org/drawingml/2006/main" xmlns:r="http://schemas.openxmlformats.org/officeDocument/2006/relationships" xmlns:p="http://schemas.openxmlformats.org/presentationml/2006/main">
+  <p:cSld>
+    <p:spTree>
+      <p:nvGrpSpPr>
+        <p:cNvPr id="1" name=""/>
+        <p:cNvGrpSpPr/>
+        <p:nvPr/>
+      </p:nvGrpSpPr>
+      <p:grpSpPr>
+        <a:xfrm>
+          <a:off x="0" y="0"/>
+          <a:ext cx="0" cy="0"/>
+          <a:chOff x="0" y="0"/>
+          <a:chExt cx="0" cy="0"/>
+        </a:xfrm>
+      </p:grpSpPr>
+      <p:grpSp>
+        <p:nvGrpSpPr>
+          <p:cNvPr id="1253" name="그룹 1252">
+            <a:extLst>
+              <a:ext uri="{FF2B5EF4-FFF2-40B4-BE49-F238E27FC236}">
+                <a16:creationId xmlns:a16="http://schemas.microsoft.com/office/drawing/2014/main" id="{794FF076-C103-A834-C0DA-F2AEE4E126B0}"/>
+              </a:ext>
+            </a:extLst>
+          </p:cNvPr>
+          <p:cNvGrpSpPr/>
+          <p:nvPr/>
+        </p:nvGrpSpPr>
+        <p:grpSpPr>
+          <a:xfrm>
+            <a:off x="-5010622" y="-8913865"/>
+            <a:ext cx="9469951" cy="19257096"/>
+            <a:chOff x="-3093331" y="-6288653"/>
+            <a:chExt cx="9469951" cy="19257096"/>
+          </a:xfrm>
+        </p:grpSpPr>
+        <p:cxnSp>
+          <p:nvCxnSpPr>
+            <p:cNvPr id="1057" name="직선 화살표 연결선 1056">
+              <a:extLst>
+                <a:ext uri="{FF2B5EF4-FFF2-40B4-BE49-F238E27FC236}">
+                  <a16:creationId xmlns:a16="http://schemas.microsoft.com/office/drawing/2014/main" id="{EE991A1C-2DB6-4AFD-5D92-CD8FD04D934A}"/>
+                </a:ext>
+              </a:extLst>
+            </p:cNvPr>
+            <p:cNvCxnSpPr>
+              <a:cxnSpLocks/>
+              <a:stCxn id="19" idx="2"/>
+              <a:endCxn id="38" idx="0"/>
+            </p:cNvCxnSpPr>
+            <p:nvPr/>
+          </p:nvCxnSpPr>
+          <p:spPr>
+            <a:xfrm flipH="1">
+              <a:off x="-818473" y="2509106"/>
+              <a:ext cx="16359" cy="7713285"/>
+            </a:xfrm>
+            <a:prstGeom prst="straightConnector1">
+              <a:avLst/>
+            </a:prstGeom>
+            <a:ln>
+              <a:headEnd type="none"/>
+              <a:tailEnd type="none"/>
+            </a:ln>
+          </p:spPr>
+          <p:style>
+            <a:lnRef idx="2">
+              <a:schemeClr val="dk1"/>
+            </a:lnRef>
+            <a:fillRef idx="0">
+              <a:schemeClr val="dk1"/>
+            </a:fillRef>
+            <a:effectRef idx="1">
+              <a:schemeClr val="dk1"/>
+            </a:effectRef>
+            <a:fontRef idx="minor">
+              <a:schemeClr val="tx1"/>
+            </a:fontRef>
+          </p:style>
+        </p:cxnSp>
+        <mc:AlternateContent xmlns:mc="http://schemas.openxmlformats.org/markup-compatibility/2006">
+          <mc:Choice xmlns:a14="http://schemas.microsoft.com/office/drawing/2010/main" Requires="a14">
+            <p:sp>
+              <p:nvSpPr>
+                <p:cNvPr id="4" name="직사각형 3">
+                  <a:extLst>
+                    <a:ext uri="{FF2B5EF4-FFF2-40B4-BE49-F238E27FC236}">
+                      <a16:creationId xmlns:a16="http://schemas.microsoft.com/office/drawing/2014/main" id="{99D9D8CE-B937-62EB-ABFF-82AF2864E18B}"/>
+                    </a:ext>
+                  </a:extLst>
+                </p:cNvPr>
+                <p:cNvSpPr/>
+                <p:nvPr/>
+              </p:nvSpPr>
+              <p:spPr>
+                <a:xfrm>
+                  <a:off x="1273345" y="-596323"/>
+                  <a:ext cx="4157661" cy="1457326"/>
+                </a:xfrm>
+                <a:prstGeom prst="rect">
+                  <a:avLst/>
+                </a:prstGeom>
+                <a:ln w="28575">
+                  <a:solidFill>
+                    <a:srgbClr val="FF0000"/>
+                  </a:solidFill>
+                </a:ln>
+              </p:spPr>
+              <p:style>
+                <a:lnRef idx="2">
+                  <a:schemeClr val="dk1"/>
+                </a:lnRef>
+                <a:fillRef idx="1">
+                  <a:schemeClr val="lt1"/>
+                </a:fillRef>
+                <a:effectRef idx="0">
+                  <a:schemeClr val="dk1"/>
+                </a:effectRef>
+                <a:fontRef idx="minor">
+                  <a:schemeClr val="dk1"/>
+                </a:fontRef>
+              </p:style>
+              <p:txBody>
+                <a:bodyPr rtlCol="0" anchor="ctr"/>
+                <a:lstStyle/>
+                <a:p>
+                  <a:pPr algn="ctr">
+                    <a:lnSpc>
+                      <a:spcPct val="120000"/>
+                    </a:lnSpc>
+                  </a:pPr>
+                  <a:r>
+                    <a:rPr lang="ko-KR" altLang="en-US">
+                      <a:latin typeface="나눔바른고딕" panose="020B0603020101020101" pitchFamily="50" charset="-127"/>
+                      <a:ea typeface="나눔바른고딕" panose="020B0603020101020101" pitchFamily="50" charset="-127"/>
+                    </a:rPr>
+                    <a:t>③ </a:t>
+                  </a:r>
+                  <a14:m>
+                    <m:oMath xmlns:m="http://schemas.openxmlformats.org/officeDocument/2006/math">
+                      <m:r>
+                        <m:rPr>
+                          <m:nor/>
+                        </m:rPr>
+                        <a:rPr lang="en-US" altLang="ko-KR" i="0" smtClean="0">
+                          <a:latin typeface="Cambria Math" panose="02040503050406030204" pitchFamily="18" charset="0"/>
+                          <a:ea typeface="나눔바른고딕" panose="020B0603020101020101" pitchFamily="50" charset="-127"/>
+                        </a:rPr>
+                        <m:t>initialization</m:t>
+                      </m:r>
+                    </m:oMath>
+                  </a14:m>
+                  <a:endParaRPr lang="en-US" altLang="ko-KR">
+                    <a:latin typeface="나눔바른고딕" panose="020B0603020101020101" pitchFamily="50" charset="-127"/>
+                    <a:ea typeface="나눔바른고딕" panose="020B0603020101020101" pitchFamily="50" charset="-127"/>
+                  </a:endParaRPr>
+                </a:p>
+                <a:p>
+                  <a:pPr algn="ctr">
+                    <a:lnSpc>
+                      <a:spcPct val="120000"/>
+                    </a:lnSpc>
+                  </a:pPr>
+                  <a14:m>
+                    <m:oMath xmlns:m="http://schemas.openxmlformats.org/officeDocument/2006/math">
+                      <m:r>
+                        <m:rPr>
+                          <m:nor/>
+                        </m:rPr>
+                        <a:rPr lang="en-US" altLang="ko-KR" b="1" i="0" smtClean="0">
+                          <a:solidFill>
+                            <a:srgbClr val="FF0000"/>
+                          </a:solidFill>
+                          <a:latin typeface="Cambria Math" panose="02040503050406030204" pitchFamily="18" charset="0"/>
+                          <a:ea typeface="나눔바른고딕" panose="020B0603020101020101" pitchFamily="50" charset="-127"/>
+                        </a:rPr>
+                        <m:t>estimated</m:t>
+                      </m:r>
+                      <m:r>
+                        <m:rPr>
+                          <m:nor/>
+                        </m:rPr>
+                        <a:rPr lang="en-US" altLang="ko-KR" b="0" i="0" smtClean="0">
+                          <a:latin typeface="Cambria Math" panose="02040503050406030204" pitchFamily="18" charset="0"/>
+                          <a:ea typeface="나눔바른고딕" panose="020B0603020101020101" pitchFamily="50" charset="-127"/>
+                        </a:rPr>
+                        <m:t>/</m:t>
+                      </m:r>
+                      <m:r>
+                        <m:rPr>
+                          <m:nor/>
+                        </m:rPr>
+                        <a:rPr lang="en-US" altLang="ko-KR" b="1" i="0" smtClean="0">
+                          <a:solidFill>
+                            <a:schemeClr val="bg1">
+                              <a:lumMod val="50000"/>
+                            </a:schemeClr>
+                          </a:solidFill>
+                          <a:latin typeface="Cambria Math" panose="02040503050406030204" pitchFamily="18" charset="0"/>
+                          <a:ea typeface="나눔바른고딕" panose="020B0603020101020101" pitchFamily="50" charset="-127"/>
+                        </a:rPr>
+                        <m:t>randomize</m:t>
+                      </m:r>
+                      <m:r>
+                        <m:rPr>
+                          <m:nor/>
+                        </m:rPr>
+                        <a:rPr lang="en-US" altLang="ko-KR" b="0" i="0" smtClean="0">
+                          <a:latin typeface="Cambria Math" panose="02040503050406030204" pitchFamily="18" charset="0"/>
+                          <a:ea typeface="나눔바른고딕" panose="020B0603020101020101" pitchFamily="50" charset="-127"/>
+                        </a:rPr>
+                        <m:t> </m:t>
+                      </m:r>
+                      <m:r>
+                        <a:rPr lang="en-US" altLang="ko-KR" b="1" i="1" smtClean="0">
+                          <a:latin typeface="Cambria Math" panose="02040503050406030204" pitchFamily="18" charset="0"/>
+                          <a:ea typeface="나눔바른고딕" panose="020B0603020101020101" pitchFamily="50" charset="-127"/>
+                        </a:rPr>
+                        <m:t>𝒘</m:t>
+                      </m:r>
+                      <m:d>
+                        <m:dPr>
+                          <m:ctrlPr>
+                            <a:rPr lang="en-US" altLang="ko-KR" b="1" i="1" smtClean="0">
+                              <a:latin typeface="Cambria Math" panose="02040503050406030204" pitchFamily="18" charset="0"/>
+                              <a:ea typeface="나눔바른고딕" panose="020B0603020101020101" pitchFamily="50" charset="-127"/>
+                            </a:rPr>
+                          </m:ctrlPr>
+                        </m:dPr>
+                        <m:e>
+                          <m:r>
+                            <a:rPr lang="en-US" altLang="ko-KR" b="1" i="1" smtClean="0">
+                              <a:latin typeface="Cambria Math" panose="02040503050406030204" pitchFamily="18" charset="0"/>
+                              <a:ea typeface="나눔바른고딕" panose="020B0603020101020101" pitchFamily="50" charset="-127"/>
+                            </a:rPr>
+                            <m:t>𝒑𝒂𝒓𝒂𝒎𝒆𝒕𝒆𝒓</m:t>
+                          </m:r>
+                        </m:e>
+                      </m:d>
+                    </m:oMath>
+                  </a14:m>
+                  <a:r>
+                    <a:rPr lang="en-US" altLang="ko-KR">
+                      <a:latin typeface="나눔바른고딕" panose="020B0603020101020101" pitchFamily="50" charset="-127"/>
+                      <a:ea typeface="나눔바른고딕" panose="020B0603020101020101" pitchFamily="50" charset="-127"/>
+                    </a:rPr>
+                    <a:t>,</a:t>
+                  </a:r>
+                  <a:r>
+                    <a:rPr lang="ko-KR" altLang="en-US">
+                      <a:latin typeface="나눔바른고딕" panose="020B0603020101020101" pitchFamily="50" charset="-127"/>
+                      <a:ea typeface="나눔바른고딕" panose="020B0603020101020101" pitchFamily="50" charset="-127"/>
+                    </a:rPr>
+                    <a:t> </a:t>
+                  </a:r>
+                  <a14:m>
+                    <m:oMath xmlns:m="http://schemas.openxmlformats.org/officeDocument/2006/math">
+                      <m:r>
+                        <a:rPr lang="en-US" altLang="ko-KR" i="1">
+                          <a:latin typeface="Cambria Math" panose="02040503050406030204" pitchFamily="18" charset="0"/>
+                          <a:ea typeface="나눔바른고딕" panose="020B0603020101020101" pitchFamily="50" charset="-127"/>
+                        </a:rPr>
+                        <m:t>𝜇</m:t>
+                      </m:r>
+                      <m:r>
+                        <a:rPr lang="en-US" altLang="ko-KR" i="1">
+                          <a:latin typeface="Cambria Math" panose="02040503050406030204" pitchFamily="18" charset="0"/>
+                          <a:ea typeface="나눔바른고딕" panose="020B0603020101020101" pitchFamily="50" charset="-127"/>
+                        </a:rPr>
+                        <m:t>=0.01</m:t>
+                      </m:r>
+                    </m:oMath>
+                  </a14:m>
+                  <a:r>
+                    <a:rPr lang="en-US" altLang="ko-KR">
+                      <a:latin typeface="나눔바른고딕" panose="020B0603020101020101" pitchFamily="50" charset="-127"/>
+                      <a:ea typeface="나눔바른고딕" panose="020B0603020101020101" pitchFamily="50" charset="-127"/>
+                    </a:rPr>
+                    <a:t>, </a:t>
+                  </a:r>
+                  <a14:m>
+                    <m:oMath xmlns:m="http://schemas.openxmlformats.org/officeDocument/2006/math">
+                      <m:r>
+                        <m:rPr>
+                          <m:sty m:val="p"/>
+                        </m:rPr>
+                        <a:rPr lang="en-US" altLang="ko-KR" i="1">
+                          <a:latin typeface="Cambria Math" panose="02040503050406030204" pitchFamily="18" charset="0"/>
+                          <a:ea typeface="나눔바른고딕" panose="020B0603020101020101" pitchFamily="50" charset="-127"/>
+                        </a:rPr>
+                        <m:t>ν</m:t>
+                      </m:r>
+                      <m:r>
+                        <a:rPr lang="en-US" altLang="ko-KR" i="1">
+                          <a:latin typeface="Cambria Math" panose="02040503050406030204" pitchFamily="18" charset="0"/>
+                          <a:ea typeface="나눔바른고딕" panose="020B0603020101020101" pitchFamily="50" charset="-127"/>
+                        </a:rPr>
+                        <m:t>=10 (&gt;0)</m:t>
+                      </m:r>
+                    </m:oMath>
+                  </a14:m>
+                  <a:endParaRPr lang="en-US" altLang="ko-KR">
+                    <a:latin typeface="나눔바른고딕" panose="020B0603020101020101" pitchFamily="50" charset="-127"/>
+                    <a:ea typeface="나눔바른고딕" panose="020B0603020101020101" pitchFamily="50" charset="-127"/>
+                  </a:endParaRPr>
+                </a:p>
+                <a:p>
+                  <a:pPr algn="ctr">
+                    <a:lnSpc>
+                      <a:spcPct val="120000"/>
+                    </a:lnSpc>
+                  </a:pPr>
+                  <a14:m>
+                    <m:oMathPara xmlns:m="http://schemas.openxmlformats.org/officeDocument/2006/math">
+                      <m:oMathParaPr>
+                        <m:jc m:val="centerGroup"/>
+                      </m:oMathParaPr>
+                      <m:oMath xmlns:m="http://schemas.openxmlformats.org/officeDocument/2006/math">
+                        <m:r>
+                          <m:rPr>
+                            <m:nor/>
+                          </m:rPr>
+                          <a:rPr lang="en-US" altLang="ko-KR" b="0" i="0" smtClean="0">
+                            <a:latin typeface="Cambria Math" panose="02040503050406030204" pitchFamily="18" charset="0"/>
+                            <a:ea typeface="나눔바른고딕" panose="020B0603020101020101" pitchFamily="50" charset="-127"/>
+                          </a:rPr>
+                          <m:t>converge</m:t>
+                        </m:r>
+                        <m:r>
+                          <m:rPr>
+                            <m:nor/>
+                          </m:rPr>
+                          <a:rPr lang="en-US" altLang="ko-KR" b="0" i="0" smtClean="0">
+                            <a:latin typeface="Cambria Math" panose="02040503050406030204" pitchFamily="18" charset="0"/>
+                            <a:ea typeface="나눔바른고딕" panose="020B0603020101020101" pitchFamily="50" charset="-127"/>
+                          </a:rPr>
+                          <m:t>_</m:t>
+                        </m:r>
+                        <m:r>
+                          <m:rPr>
+                            <m:nor/>
+                          </m:rPr>
+                          <a:rPr lang="en-US" altLang="ko-KR" b="0" i="0" smtClean="0">
+                            <a:latin typeface="Cambria Math" panose="02040503050406030204" pitchFamily="18" charset="0"/>
+                            <a:ea typeface="나눔바른고딕" panose="020B0603020101020101" pitchFamily="50" charset="-127"/>
+                          </a:rPr>
+                          <m:t>threshold</m:t>
+                        </m:r>
+                        <m:r>
+                          <m:rPr>
+                            <m:nor/>
+                          </m:rPr>
+                          <a:rPr lang="en-US" altLang="ko-KR" b="0" i="0" smtClean="0">
+                            <a:latin typeface="Cambria Math" panose="02040503050406030204" pitchFamily="18" charset="0"/>
+                            <a:ea typeface="나눔바른고딕" panose="020B0603020101020101" pitchFamily="50" charset="-127"/>
+                          </a:rPr>
+                          <m:t> = 0.00001</m:t>
+                        </m:r>
+                      </m:oMath>
+                    </m:oMathPara>
+                  </a14:m>
+                  <a:endParaRPr lang="en-US" altLang="ko-KR">
+                    <a:latin typeface="나눔바른고딕" panose="020B0603020101020101" pitchFamily="50" charset="-127"/>
+                    <a:ea typeface="나눔바른고딕" panose="020B0603020101020101" pitchFamily="50" charset="-127"/>
+                  </a:endParaRPr>
+                </a:p>
+              </p:txBody>
+            </p:sp>
+          </mc:Choice>
+          <mc:Fallback>
+            <p:sp>
+              <p:nvSpPr>
+                <p:cNvPr id="4" name="직사각형 3">
+                  <a:extLst>
+                    <a:ext uri="{FF2B5EF4-FFF2-40B4-BE49-F238E27FC236}">
+                      <a16:creationId xmlns:a16="http://schemas.microsoft.com/office/drawing/2014/main" id="{99D9D8CE-B937-62EB-ABFF-82AF2864E18B}"/>
+                    </a:ext>
+                  </a:extLst>
+                </p:cNvPr>
+                <p:cNvSpPr>
+                  <a:spLocks noRot="1" noChangeAspect="1" noMove="1" noResize="1" noEditPoints="1" noAdjustHandles="1" noChangeArrowheads="1" noChangeShapeType="1" noTextEdit="1"/>
+                </p:cNvSpPr>
+                <p:nvPr/>
+              </p:nvSpPr>
+              <p:spPr>
+                <a:xfrm>
+                  <a:off x="1273345" y="-596323"/>
+                  <a:ext cx="4157661" cy="1457326"/>
+                </a:xfrm>
+                <a:prstGeom prst="rect">
+                  <a:avLst/>
+                </a:prstGeom>
+                <a:blipFill>
+                  <a:blip r:embed="rId3"/>
+                  <a:stretch>
+                    <a:fillRect/>
+                  </a:stretch>
+                </a:blipFill>
+                <a:ln w="28575">
+                  <a:solidFill>
+                    <a:srgbClr val="FF0000"/>
+                  </a:solidFill>
+                </a:ln>
+              </p:spPr>
+              <p:txBody>
+                <a:bodyPr/>
+                <a:lstStyle/>
+                <a:p>
+                  <a:r>
+                    <a:rPr lang="ko-KR" altLang="en-US">
+                      <a:noFill/>
+                    </a:rPr>
+                    <a:t> </a:t>
+                  </a:r>
+                </a:p>
+              </p:txBody>
+            </p:sp>
+          </mc:Fallback>
+        </mc:AlternateContent>
+        <mc:AlternateContent xmlns:mc="http://schemas.openxmlformats.org/markup-compatibility/2006">
+          <mc:Choice xmlns:a14="http://schemas.microsoft.com/office/drawing/2010/main" Requires="a14">
+            <p:sp>
+              <p:nvSpPr>
+                <p:cNvPr id="11" name="직사각형 10">
+                  <a:extLst>
+                    <a:ext uri="{FF2B5EF4-FFF2-40B4-BE49-F238E27FC236}">
+                      <a16:creationId xmlns:a16="http://schemas.microsoft.com/office/drawing/2014/main" id="{147D5B89-5B23-7CB5-C3E5-78F4BF68B317}"/>
+                    </a:ext>
+                  </a:extLst>
+                </p:cNvPr>
+                <p:cNvSpPr/>
+                <p:nvPr/>
+              </p:nvSpPr>
+              <p:spPr>
+                <a:xfrm>
+                  <a:off x="1370975" y="2880185"/>
+                  <a:ext cx="3962400" cy="1110208"/>
+                </a:xfrm>
+                <a:prstGeom prst="rect">
+                  <a:avLst/>
+                </a:prstGeom>
+              </p:spPr>
+              <p:style>
+                <a:lnRef idx="2">
+                  <a:schemeClr val="dk1"/>
+                </a:lnRef>
+                <a:fillRef idx="1">
+                  <a:schemeClr val="lt1"/>
+                </a:fillRef>
+                <a:effectRef idx="0">
+                  <a:schemeClr val="dk1"/>
+                </a:effectRef>
+                <a:fontRef idx="minor">
+                  <a:schemeClr val="dk1"/>
+                </a:fontRef>
+              </p:style>
+              <p:txBody>
+                <a:bodyPr rtlCol="0" anchor="ctr"/>
+                <a:lstStyle/>
+                <a:p>
+                  <a:pPr algn="ctr">
+                    <a:lnSpc>
+                      <a:spcPct val="120000"/>
+                    </a:lnSpc>
+                  </a:pPr>
+                  <a:r>
+                    <a:rPr lang="ko-KR" altLang="en-US">
+                      <a:ea typeface="나눔바른고딕" panose="020B0603020101020101" pitchFamily="50" charset="-127"/>
+                    </a:rPr>
+                    <a:t>⑤ </a:t>
+                  </a:r>
+                  <a14:m>
+                    <m:oMath xmlns:m="http://schemas.openxmlformats.org/officeDocument/2006/math">
+                      <m:r>
+                        <m:rPr>
+                          <m:nor/>
+                        </m:rPr>
+                        <a:rPr lang="en-US" altLang="ko-KR" i="0" smtClean="0">
+                          <a:latin typeface="Cambria Math" panose="02040503050406030204" pitchFamily="18" charset="0"/>
+                          <a:ea typeface="나눔바른고딕" panose="020B0603020101020101" pitchFamily="50" charset="-127"/>
+                        </a:rPr>
+                        <m:t>Compute</m:t>
+                      </m:r>
+                      <m:r>
+                        <m:rPr>
+                          <m:nor/>
+                        </m:rPr>
+                        <a:rPr lang="en-US" altLang="ko-KR" i="0" smtClean="0">
+                          <a:latin typeface="Cambria Math" panose="02040503050406030204" pitchFamily="18" charset="0"/>
+                          <a:ea typeface="나눔바른고딕" panose="020B0603020101020101" pitchFamily="50" charset="-127"/>
+                        </a:rPr>
+                        <m:t> </m:t>
+                      </m:r>
+                      <m:r>
+                        <m:rPr>
+                          <m:nor/>
+                        </m:rPr>
+                        <a:rPr lang="en-US" altLang="ko-KR" i="0" smtClean="0">
+                          <a:latin typeface="Cambria Math" panose="02040503050406030204" pitchFamily="18" charset="0"/>
+                          <a:ea typeface="나눔바른고딕" panose="020B0603020101020101" pitchFamily="50" charset="-127"/>
+                        </a:rPr>
+                        <m:t>Residuals</m:t>
+                      </m:r>
+                      <m:r>
+                        <m:rPr>
+                          <m:nor/>
+                        </m:rPr>
+                        <a:rPr lang="en-US" altLang="ko-KR" i="0" smtClean="0">
+                          <a:latin typeface="Cambria Math" panose="02040503050406030204" pitchFamily="18" charset="0"/>
+                          <a:ea typeface="나눔바른고딕" panose="020B0603020101020101" pitchFamily="50" charset="-127"/>
+                        </a:rPr>
+                        <m:t> </m:t>
+                      </m:r>
+                      <m:r>
+                        <m:rPr>
+                          <m:nor/>
+                        </m:rPr>
+                        <a:rPr lang="en-US" altLang="ko-KR" i="0" smtClean="0">
+                          <a:latin typeface="Cambria Math" panose="02040503050406030204" pitchFamily="18" charset="0"/>
+                          <a:ea typeface="나눔바른고딕" panose="020B0603020101020101" pitchFamily="50" charset="-127"/>
+                        </a:rPr>
+                        <m:t>and</m:t>
+                      </m:r>
+                      <m:r>
+                        <m:rPr>
+                          <m:nor/>
+                        </m:rPr>
+                        <a:rPr lang="en-US" altLang="ko-KR" i="0" smtClean="0">
+                          <a:latin typeface="Cambria Math" panose="02040503050406030204" pitchFamily="18" charset="0"/>
+                          <a:ea typeface="나눔바른고딕" panose="020B0603020101020101" pitchFamily="50" charset="-127"/>
+                        </a:rPr>
+                        <m:t> </m:t>
+                      </m:r>
+                      <m:r>
+                        <m:rPr>
+                          <m:nor/>
+                        </m:rPr>
+                        <a:rPr lang="en-US" altLang="ko-KR" i="0" smtClean="0">
+                          <a:latin typeface="Cambria Math" panose="02040503050406030204" pitchFamily="18" charset="0"/>
+                          <a:ea typeface="나눔바른고딕" panose="020B0603020101020101" pitchFamily="50" charset="-127"/>
+                        </a:rPr>
+                        <m:t>Jacobian</m:t>
+                      </m:r>
+                    </m:oMath>
+                  </a14:m>
+                  <a:endParaRPr lang="en-US" altLang="ko-KR">
+                    <a:latin typeface="나눔바른고딕" panose="020B0603020101020101" pitchFamily="50" charset="-127"/>
+                    <a:ea typeface="나눔바른고딕" panose="020B0603020101020101" pitchFamily="50" charset="-127"/>
+                  </a:endParaRPr>
+                </a:p>
+                <a:p>
+                  <a:pPr algn="ctr">
+                    <a:lnSpc>
+                      <a:spcPct val="120000"/>
+                    </a:lnSpc>
+                  </a:pPr>
+                  <a14:m>
+                    <m:oMath xmlns:m="http://schemas.openxmlformats.org/officeDocument/2006/math">
+                      <m:r>
+                        <a:rPr lang="en-US" altLang="ko-KR" i="1">
+                          <a:latin typeface="Cambria Math" panose="02040503050406030204" pitchFamily="18" charset="0"/>
+                          <a:ea typeface="나눔바른고딕" panose="020B0603020101020101" pitchFamily="50" charset="-127"/>
+                        </a:rPr>
+                        <m:t>𝑟</m:t>
+                      </m:r>
+                    </m:oMath>
+                  </a14:m>
+                  <a:r>
+                    <a:rPr lang="en-US" altLang="ko-KR" b="0">
+                      <a:ea typeface="나눔바른고딕" panose="020B0603020101020101" pitchFamily="50" charset="-127"/>
+                    </a:rPr>
+                    <a:t>, </a:t>
+                  </a:r>
+                  <a14:m>
+                    <m:oMath xmlns:m="http://schemas.openxmlformats.org/officeDocument/2006/math">
+                      <m:sSub>
+                        <m:sSubPr>
+                          <m:ctrlPr>
+                            <a:rPr lang="en-US" altLang="ko-KR" b="0" i="1" smtClean="0">
+                              <a:latin typeface="Cambria Math" panose="02040503050406030204" pitchFamily="18" charset="0"/>
+                              <a:ea typeface="나눔바른고딕" panose="020B0603020101020101" pitchFamily="50" charset="-127"/>
+                            </a:rPr>
+                          </m:ctrlPr>
+                        </m:sSubPr>
+                        <m:e>
+                          <m:r>
+                            <a:rPr lang="en-US" altLang="ko-KR" b="0" i="1" smtClean="0">
+                              <a:latin typeface="Cambria Math" panose="02040503050406030204" pitchFamily="18" charset="0"/>
+                              <a:ea typeface="나눔바른고딕" panose="020B0603020101020101" pitchFamily="50" charset="-127"/>
+                            </a:rPr>
+                            <m:t>𝐽</m:t>
+                          </m:r>
+                        </m:e>
+                        <m:sub>
+                          <m:r>
+                            <a:rPr lang="en-US" altLang="ko-KR" b="0" i="1" smtClean="0">
+                              <a:latin typeface="Cambria Math" panose="02040503050406030204" pitchFamily="18" charset="0"/>
+                              <a:ea typeface="나눔바른고딕" panose="020B0603020101020101" pitchFamily="50" charset="-127"/>
+                            </a:rPr>
+                            <m:t>𝑟</m:t>
+                          </m:r>
+                        </m:sub>
+                      </m:sSub>
+                    </m:oMath>
+                  </a14:m>
+                  <a:endParaRPr lang="en-US" altLang="ko-KR">
+                    <a:latin typeface="나눔바른고딕" panose="020B0603020101020101" pitchFamily="50" charset="-127"/>
+                    <a:ea typeface="나눔바른고딕" panose="020B0603020101020101" pitchFamily="50" charset="-127"/>
+                  </a:endParaRPr>
+                </a:p>
+              </p:txBody>
+            </p:sp>
+          </mc:Choice>
+          <mc:Fallback>
+            <p:sp>
+              <p:nvSpPr>
+                <p:cNvPr id="11" name="직사각형 10">
+                  <a:extLst>
+                    <a:ext uri="{FF2B5EF4-FFF2-40B4-BE49-F238E27FC236}">
+                      <a16:creationId xmlns:a16="http://schemas.microsoft.com/office/drawing/2014/main" id="{147D5B89-5B23-7CB5-C3E5-78F4BF68B317}"/>
+                    </a:ext>
+                  </a:extLst>
+                </p:cNvPr>
+                <p:cNvSpPr>
+                  <a:spLocks noRot="1" noChangeAspect="1" noMove="1" noResize="1" noEditPoints="1" noAdjustHandles="1" noChangeArrowheads="1" noChangeShapeType="1" noTextEdit="1"/>
+                </p:cNvSpPr>
+                <p:nvPr/>
+              </p:nvSpPr>
+              <p:spPr>
+                <a:xfrm>
+                  <a:off x="1370975" y="2880185"/>
+                  <a:ext cx="3962400" cy="1110208"/>
+                </a:xfrm>
+                <a:prstGeom prst="rect">
+                  <a:avLst/>
+                </a:prstGeom>
+                <a:blipFill>
+                  <a:blip r:embed="rId4"/>
+                  <a:stretch>
+                    <a:fillRect/>
+                  </a:stretch>
+                </a:blipFill>
+              </p:spPr>
+              <p:txBody>
+                <a:bodyPr/>
+                <a:lstStyle/>
+                <a:p>
+                  <a:r>
+                    <a:rPr lang="ko-KR" altLang="en-US">
+                      <a:noFill/>
+                    </a:rPr>
+                    <a:t> </a:t>
+                  </a:r>
+                </a:p>
+              </p:txBody>
+            </p:sp>
+          </mc:Fallback>
+        </mc:AlternateContent>
+        <mc:AlternateContent xmlns:mc="http://schemas.openxmlformats.org/markup-compatibility/2006">
+          <mc:Choice xmlns:a14="http://schemas.microsoft.com/office/drawing/2010/main" Requires="a14">
+            <p:sp>
+              <p:nvSpPr>
+                <p:cNvPr id="15" name="직사각형 14">
+                  <a:extLst>
+                    <a:ext uri="{FF2B5EF4-FFF2-40B4-BE49-F238E27FC236}">
+                      <a16:creationId xmlns:a16="http://schemas.microsoft.com/office/drawing/2014/main" id="{E7F7EEF1-8479-74D6-3AFC-138563E3D242}"/>
+                    </a:ext>
+                  </a:extLst>
+                </p:cNvPr>
+                <p:cNvSpPr/>
+                <p:nvPr/>
+              </p:nvSpPr>
+              <p:spPr>
+                <a:xfrm>
+                  <a:off x="1370975" y="4444880"/>
+                  <a:ext cx="3962401" cy="871438"/>
+                </a:xfrm>
+                <a:prstGeom prst="rect">
+                  <a:avLst/>
+                </a:prstGeom>
+              </p:spPr>
+              <p:style>
+                <a:lnRef idx="2">
+                  <a:schemeClr val="dk1"/>
+                </a:lnRef>
+                <a:fillRef idx="1">
+                  <a:schemeClr val="lt1"/>
+                </a:fillRef>
+                <a:effectRef idx="0">
+                  <a:schemeClr val="dk1"/>
+                </a:effectRef>
+                <a:fontRef idx="minor">
+                  <a:schemeClr val="dk1"/>
+                </a:fontRef>
+              </p:style>
+              <p:txBody>
+                <a:bodyPr rtlCol="0" anchor="ctr"/>
+                <a:lstStyle/>
+                <a:p>
+                  <a:pPr algn="ctr">
+                    <a:lnSpc>
+                      <a:spcPct val="120000"/>
+                    </a:lnSpc>
+                  </a:pPr>
+                  <a:r>
+                    <a:rPr lang="ko-KR" altLang="en-US">
+                      <a:latin typeface="나눔바른고딕" panose="020B0603020101020101" pitchFamily="50" charset="-127"/>
+                      <a:ea typeface="나눔바른고딕" panose="020B0603020101020101" pitchFamily="50" charset="-127"/>
+                    </a:rPr>
+                    <a:t>⑥ </a:t>
+                  </a:r>
+                  <a14:m>
+                    <m:oMath xmlns:m="http://schemas.openxmlformats.org/officeDocument/2006/math">
+                      <m:r>
+                        <m:rPr>
+                          <m:nor/>
+                        </m:rPr>
+                        <a:rPr lang="en-US" altLang="ko-KR" i="0" smtClean="0">
+                          <a:latin typeface="Cambria Math" panose="02040503050406030204" pitchFamily="18" charset="0"/>
+                          <a:ea typeface="나눔바른고딕" panose="020B0603020101020101" pitchFamily="50" charset="-127"/>
+                        </a:rPr>
+                        <m:t>Compute</m:t>
+                      </m:r>
+                      <m:r>
+                        <m:rPr>
+                          <m:nor/>
+                        </m:rPr>
+                        <a:rPr lang="en-US" altLang="ko-KR" i="0" smtClean="0">
+                          <a:latin typeface="Cambria Math" panose="02040503050406030204" pitchFamily="18" charset="0"/>
+                          <a:ea typeface="나눔바른고딕" panose="020B0603020101020101" pitchFamily="50" charset="-127"/>
+                        </a:rPr>
+                        <m:t> </m:t>
+                      </m:r>
+                      <m:r>
+                        <m:rPr>
+                          <m:nor/>
+                        </m:rPr>
+                        <a:rPr lang="en-US" altLang="ko-KR" i="0" smtClean="0">
+                          <a:latin typeface="Cambria Math" panose="02040503050406030204" pitchFamily="18" charset="0"/>
+                          <a:ea typeface="나눔바른고딕" panose="020B0603020101020101" pitchFamily="50" charset="-127"/>
+                        </a:rPr>
+                        <m:t>Update</m:t>
+                      </m:r>
+                    </m:oMath>
+                  </a14:m>
+                  <a:endParaRPr lang="en-US" altLang="ko-KR">
+                    <a:latin typeface="나눔바른고딕" panose="020B0603020101020101" pitchFamily="50" charset="-127"/>
+                    <a:ea typeface="나눔바른고딕" panose="020B0603020101020101" pitchFamily="50" charset="-127"/>
+                  </a:endParaRPr>
+                </a:p>
+                <a:p>
+                  <a:pPr algn="ctr">
+                    <a:lnSpc>
+                      <a:spcPct val="120000"/>
+                    </a:lnSpc>
+                  </a:pPr>
+                  <a14:m>
+                    <m:oMathPara xmlns:m="http://schemas.openxmlformats.org/officeDocument/2006/math">
+                      <m:oMathParaPr>
+                        <m:jc m:val="centerGroup"/>
+                      </m:oMathParaPr>
+                      <m:oMath xmlns:m="http://schemas.openxmlformats.org/officeDocument/2006/math">
+                        <m:r>
+                          <m:rPr>
+                            <m:sty m:val="p"/>
+                          </m:rPr>
+                          <a:rPr lang="en-US" altLang="ko-KR" b="0" i="0" smtClean="0">
+                            <a:latin typeface="Cambria Math" panose="02040503050406030204" pitchFamily="18" charset="0"/>
+                            <a:ea typeface="나눔바른고딕" panose="020B0603020101020101" pitchFamily="50" charset="-127"/>
+                          </a:rPr>
+                          <m:t>Δ</m:t>
+                        </m:r>
+                        <m:r>
+                          <a:rPr lang="en-US" altLang="ko-KR" b="0" i="1" smtClean="0">
+                            <a:latin typeface="Cambria Math" panose="02040503050406030204" pitchFamily="18" charset="0"/>
+                            <a:ea typeface="나눔바른고딕" panose="020B0603020101020101" pitchFamily="50" charset="-127"/>
+                          </a:rPr>
+                          <m:t>𝑤</m:t>
+                        </m:r>
+                        <m:r>
+                          <a:rPr lang="en-US" altLang="ko-KR" b="0" i="1" smtClean="0">
+                            <a:latin typeface="Cambria Math" panose="02040503050406030204" pitchFamily="18" charset="0"/>
+                            <a:ea typeface="나눔바른고딕" panose="020B0603020101020101" pitchFamily="50" charset="-127"/>
+                          </a:rPr>
+                          <m:t>= </m:t>
+                        </m:r>
+                        <m:sSup>
+                          <m:sSupPr>
+                            <m:ctrlPr>
+                              <a:rPr lang="en-US" altLang="ko-KR" b="0" i="1" smtClean="0">
+                                <a:latin typeface="Cambria Math" panose="02040503050406030204" pitchFamily="18" charset="0"/>
+                                <a:ea typeface="나눔바른고딕" panose="020B0603020101020101" pitchFamily="50" charset="-127"/>
+                              </a:rPr>
+                            </m:ctrlPr>
+                          </m:sSupPr>
+                          <m:e>
+                            <m:r>
+                              <a:rPr lang="en-US" altLang="ko-KR" b="0" i="1" smtClean="0">
+                                <a:latin typeface="Cambria Math" panose="02040503050406030204" pitchFamily="18" charset="0"/>
+                                <a:ea typeface="나눔바른고딕" panose="020B0603020101020101" pitchFamily="50" charset="-127"/>
+                              </a:rPr>
+                              <m:t>−</m:t>
+                            </m:r>
+                            <m:r>
+                              <a:rPr lang="en-US" altLang="ko-KR" i="1">
+                                <a:latin typeface="Cambria Math" panose="02040503050406030204" pitchFamily="18" charset="0"/>
+                                <a:ea typeface="나눔바른고딕" panose="020B0603020101020101" pitchFamily="50" charset="-127"/>
+                              </a:rPr>
+                              <m:t>(</m:t>
+                            </m:r>
+                            <m:sSubSup>
+                              <m:sSubSupPr>
+                                <m:ctrlPr>
+                                  <a:rPr lang="en-US" altLang="ko-KR" i="1">
+                                    <a:latin typeface="Cambria Math" panose="02040503050406030204" pitchFamily="18" charset="0"/>
+                                    <a:ea typeface="나눔바른고딕" panose="020B0603020101020101" pitchFamily="50" charset="-127"/>
+                                  </a:rPr>
+                                </m:ctrlPr>
+                              </m:sSubSupPr>
+                              <m:e>
+                                <m:r>
+                                  <a:rPr lang="en-US" altLang="ko-KR" i="1">
+                                    <a:latin typeface="Cambria Math" panose="02040503050406030204" pitchFamily="18" charset="0"/>
+                                    <a:ea typeface="나눔바른고딕" panose="020B0603020101020101" pitchFamily="50" charset="-127"/>
+                                  </a:rPr>
+                                  <m:t>𝐽</m:t>
+                                </m:r>
+                              </m:e>
+                              <m:sub>
+                                <m:r>
+                                  <a:rPr lang="en-US" altLang="ko-KR" i="1">
+                                    <a:latin typeface="Cambria Math" panose="02040503050406030204" pitchFamily="18" charset="0"/>
+                                    <a:ea typeface="나눔바른고딕" panose="020B0603020101020101" pitchFamily="50" charset="-127"/>
+                                  </a:rPr>
+                                  <m:t>𝑟</m:t>
+                                </m:r>
+                              </m:sub>
+                              <m:sup>
+                                <m:r>
+                                  <a:rPr lang="en-US" altLang="ko-KR" i="1">
+                                    <a:latin typeface="Cambria Math" panose="02040503050406030204" pitchFamily="18" charset="0"/>
+                                    <a:ea typeface="나눔바른고딕" panose="020B0603020101020101" pitchFamily="50" charset="-127"/>
+                                  </a:rPr>
+                                  <m:t>𝑇</m:t>
+                                </m:r>
+                              </m:sup>
+                            </m:sSubSup>
+                            <m:sSub>
+                              <m:sSubPr>
+                                <m:ctrlPr>
+                                  <a:rPr lang="en-US" altLang="ko-KR" i="1">
+                                    <a:latin typeface="Cambria Math" panose="02040503050406030204" pitchFamily="18" charset="0"/>
+                                    <a:ea typeface="나눔바른고딕" panose="020B0603020101020101" pitchFamily="50" charset="-127"/>
+                                  </a:rPr>
+                                </m:ctrlPr>
+                              </m:sSubPr>
+                              <m:e>
+                                <m:r>
+                                  <a:rPr lang="en-US" altLang="ko-KR" i="1">
+                                    <a:latin typeface="Cambria Math" panose="02040503050406030204" pitchFamily="18" charset="0"/>
+                                    <a:ea typeface="나눔바른고딕" panose="020B0603020101020101" pitchFamily="50" charset="-127"/>
+                                  </a:rPr>
+                                  <m:t>𝐽</m:t>
+                                </m:r>
+                              </m:e>
+                              <m:sub>
+                                <m:r>
+                                  <a:rPr lang="en-US" altLang="ko-KR" i="1">
+                                    <a:latin typeface="Cambria Math" panose="02040503050406030204" pitchFamily="18" charset="0"/>
+                                    <a:ea typeface="나눔바른고딕" panose="020B0603020101020101" pitchFamily="50" charset="-127"/>
+                                  </a:rPr>
+                                  <m:t>𝑟</m:t>
+                                </m:r>
+                              </m:sub>
+                            </m:sSub>
+                            <m:r>
+                              <a:rPr lang="en-US" altLang="ko-KR" i="1">
+                                <a:latin typeface="Cambria Math" panose="02040503050406030204" pitchFamily="18" charset="0"/>
+                                <a:ea typeface="나눔바른고딕" panose="020B0603020101020101" pitchFamily="50" charset="-127"/>
+                              </a:rPr>
+                              <m:t>+</m:t>
+                            </m:r>
+                            <m:r>
+                              <a:rPr lang="en-US" altLang="ko-KR" i="1">
+                                <a:latin typeface="Cambria Math" panose="02040503050406030204" pitchFamily="18" charset="0"/>
+                                <a:ea typeface="나눔바른고딕" panose="020B0603020101020101" pitchFamily="50" charset="-127"/>
+                              </a:rPr>
+                              <m:t>𝜇</m:t>
+                            </m:r>
+                            <m:r>
+                              <a:rPr lang="en-US" altLang="ko-KR" i="1">
+                                <a:latin typeface="Cambria Math" panose="02040503050406030204" pitchFamily="18" charset="0"/>
+                                <a:ea typeface="나눔바른고딕" panose="020B0603020101020101" pitchFamily="50" charset="-127"/>
+                              </a:rPr>
+                              <m:t>⋅</m:t>
+                            </m:r>
+                            <m:r>
+                              <m:rPr>
+                                <m:nor/>
+                              </m:rPr>
+                              <a:rPr lang="en-US" altLang="ko-KR">
+                                <a:latin typeface="Cambria Math" panose="02040503050406030204" pitchFamily="18" charset="0"/>
+                                <a:ea typeface="나눔바른고딕" panose="020B0603020101020101" pitchFamily="50" charset="-127"/>
+                              </a:rPr>
+                              <m:t>diag</m:t>
+                            </m:r>
+                            <m:r>
+                              <m:rPr>
+                                <m:nor/>
+                              </m:rPr>
+                              <a:rPr lang="en-US" altLang="ko-KR">
+                                <a:latin typeface="Cambria Math" panose="02040503050406030204" pitchFamily="18" charset="0"/>
+                                <a:ea typeface="나눔바른고딕" panose="020B0603020101020101" pitchFamily="50" charset="-127"/>
+                              </a:rPr>
+                              <m:t>(</m:t>
+                            </m:r>
+                            <m:sSubSup>
+                              <m:sSubSupPr>
+                                <m:ctrlPr>
+                                  <a:rPr lang="en-US" altLang="ko-KR" i="1">
+                                    <a:latin typeface="Cambria Math" panose="02040503050406030204" pitchFamily="18" charset="0"/>
+                                    <a:ea typeface="나눔바른고딕" panose="020B0603020101020101" pitchFamily="50" charset="-127"/>
+                                  </a:rPr>
+                                </m:ctrlPr>
+                              </m:sSubSupPr>
+                              <m:e>
+                                <m:r>
+                                  <a:rPr lang="en-US" altLang="ko-KR" i="1">
+                                    <a:latin typeface="Cambria Math" panose="02040503050406030204" pitchFamily="18" charset="0"/>
+                                    <a:ea typeface="나눔바른고딕" panose="020B0603020101020101" pitchFamily="50" charset="-127"/>
+                                  </a:rPr>
+                                  <m:t>𝐽</m:t>
+                                </m:r>
+                              </m:e>
+                              <m:sub>
+                                <m:r>
+                                  <a:rPr lang="en-US" altLang="ko-KR" i="1">
+                                    <a:latin typeface="Cambria Math" panose="02040503050406030204" pitchFamily="18" charset="0"/>
+                                    <a:ea typeface="나눔바른고딕" panose="020B0603020101020101" pitchFamily="50" charset="-127"/>
+                                  </a:rPr>
+                                  <m:t>𝑟</m:t>
+                                </m:r>
+                              </m:sub>
+                              <m:sup>
+                                <m:r>
+                                  <a:rPr lang="en-US" altLang="ko-KR" i="1">
+                                    <a:latin typeface="Cambria Math" panose="02040503050406030204" pitchFamily="18" charset="0"/>
+                                    <a:ea typeface="나눔바른고딕" panose="020B0603020101020101" pitchFamily="50" charset="-127"/>
+                                  </a:rPr>
+                                  <m:t>𝑇</m:t>
+                                </m:r>
+                              </m:sup>
+                            </m:sSubSup>
+                            <m:sSub>
+                              <m:sSubPr>
+                                <m:ctrlPr>
+                                  <a:rPr lang="en-US" altLang="ko-KR" i="1">
+                                    <a:latin typeface="Cambria Math" panose="02040503050406030204" pitchFamily="18" charset="0"/>
+                                    <a:ea typeface="나눔바른고딕" panose="020B0603020101020101" pitchFamily="50" charset="-127"/>
+                                  </a:rPr>
+                                </m:ctrlPr>
+                              </m:sSubPr>
+                              <m:e>
+                                <m:r>
+                                  <a:rPr lang="en-US" altLang="ko-KR" i="1">
+                                    <a:latin typeface="Cambria Math" panose="02040503050406030204" pitchFamily="18" charset="0"/>
+                                    <a:ea typeface="나눔바른고딕" panose="020B0603020101020101" pitchFamily="50" charset="-127"/>
+                                  </a:rPr>
+                                  <m:t>𝐽</m:t>
+                                </m:r>
+                              </m:e>
+                              <m:sub>
+                                <m:r>
+                                  <a:rPr lang="en-US" altLang="ko-KR" i="1">
+                                    <a:latin typeface="Cambria Math" panose="02040503050406030204" pitchFamily="18" charset="0"/>
+                                    <a:ea typeface="나눔바른고딕" panose="020B0603020101020101" pitchFamily="50" charset="-127"/>
+                                  </a:rPr>
+                                  <m:t>𝑟</m:t>
+                                </m:r>
+                              </m:sub>
+                            </m:sSub>
+                            <m:r>
+                              <a:rPr lang="en-US" altLang="ko-KR" i="1">
+                                <a:latin typeface="Cambria Math" panose="02040503050406030204" pitchFamily="18" charset="0"/>
+                                <a:ea typeface="나눔바른고딕" panose="020B0603020101020101" pitchFamily="50" charset="-127"/>
+                              </a:rPr>
+                              <m:t>))</m:t>
+                            </m:r>
+                          </m:e>
+                          <m:sup>
+                            <m:r>
+                              <a:rPr lang="en-US" altLang="ko-KR" b="0" i="1" smtClean="0">
+                                <a:latin typeface="Cambria Math" panose="02040503050406030204" pitchFamily="18" charset="0"/>
+                                <a:ea typeface="나눔바른고딕" panose="020B0603020101020101" pitchFamily="50" charset="-127"/>
+                              </a:rPr>
+                              <m:t>−1</m:t>
+                            </m:r>
+                          </m:sup>
+                        </m:sSup>
+                        <m:sSubSup>
+                          <m:sSubSupPr>
+                            <m:ctrlPr>
+                              <a:rPr lang="en-US" altLang="ko-KR" b="0" i="1" smtClean="0">
+                                <a:latin typeface="Cambria Math" panose="02040503050406030204" pitchFamily="18" charset="0"/>
+                                <a:ea typeface="나눔바른고딕" panose="020B0603020101020101" pitchFamily="50" charset="-127"/>
+                              </a:rPr>
+                            </m:ctrlPr>
+                          </m:sSubSupPr>
+                          <m:e>
+                            <m:r>
+                              <a:rPr lang="en-US" altLang="ko-KR" b="0" i="1" smtClean="0">
+                                <a:latin typeface="Cambria Math" panose="02040503050406030204" pitchFamily="18" charset="0"/>
+                                <a:ea typeface="나눔바른고딕" panose="020B0603020101020101" pitchFamily="50" charset="-127"/>
+                              </a:rPr>
+                              <m:t>𝐽</m:t>
+                            </m:r>
+                          </m:e>
+                          <m:sub>
+                            <m:r>
+                              <a:rPr lang="en-US" altLang="ko-KR" b="0" i="1" smtClean="0">
+                                <a:latin typeface="Cambria Math" panose="02040503050406030204" pitchFamily="18" charset="0"/>
+                                <a:ea typeface="나눔바른고딕" panose="020B0603020101020101" pitchFamily="50" charset="-127"/>
+                              </a:rPr>
+                              <m:t>𝑟</m:t>
+                            </m:r>
+                          </m:sub>
+                          <m:sup>
+                            <m:r>
+                              <a:rPr lang="en-US" altLang="ko-KR" b="0" i="1" smtClean="0">
+                                <a:latin typeface="Cambria Math" panose="02040503050406030204" pitchFamily="18" charset="0"/>
+                                <a:ea typeface="나눔바른고딕" panose="020B0603020101020101" pitchFamily="50" charset="-127"/>
+                              </a:rPr>
+                              <m:t>𝑇</m:t>
+                            </m:r>
+                          </m:sup>
+                        </m:sSubSup>
+                        <m:r>
+                          <a:rPr lang="en-US" altLang="ko-KR" b="0" i="1" smtClean="0">
+                            <a:latin typeface="Cambria Math" panose="02040503050406030204" pitchFamily="18" charset="0"/>
+                            <a:ea typeface="나눔바른고딕" panose="020B0603020101020101" pitchFamily="50" charset="-127"/>
+                          </a:rPr>
+                          <m:t>𝑟</m:t>
+                        </m:r>
+                      </m:oMath>
+                    </m:oMathPara>
+                  </a14:m>
+                  <a:endParaRPr lang="en-US" altLang="ko-KR">
+                    <a:latin typeface="나눔바른고딕" panose="020B0603020101020101" pitchFamily="50" charset="-127"/>
+                    <a:ea typeface="나눔바른고딕" panose="020B0603020101020101" pitchFamily="50" charset="-127"/>
+                  </a:endParaRPr>
+                </a:p>
+              </p:txBody>
+            </p:sp>
+          </mc:Choice>
+          <mc:Fallback>
+            <p:sp>
+              <p:nvSpPr>
+                <p:cNvPr id="15" name="직사각형 14">
+                  <a:extLst>
+                    <a:ext uri="{FF2B5EF4-FFF2-40B4-BE49-F238E27FC236}">
+                      <a16:creationId xmlns:a16="http://schemas.microsoft.com/office/drawing/2014/main" id="{E7F7EEF1-8479-74D6-3AFC-138563E3D242}"/>
+                    </a:ext>
+                  </a:extLst>
+                </p:cNvPr>
+                <p:cNvSpPr>
+                  <a:spLocks noRot="1" noChangeAspect="1" noMove="1" noResize="1" noEditPoints="1" noAdjustHandles="1" noChangeArrowheads="1" noChangeShapeType="1" noTextEdit="1"/>
+                </p:cNvSpPr>
+                <p:nvPr/>
+              </p:nvSpPr>
+              <p:spPr>
+                <a:xfrm>
+                  <a:off x="1370975" y="4444880"/>
+                  <a:ext cx="3962401" cy="871438"/>
+                </a:xfrm>
+                <a:prstGeom prst="rect">
+                  <a:avLst/>
+                </a:prstGeom>
+                <a:blipFill>
+                  <a:blip r:embed="rId5"/>
+                  <a:stretch>
+                    <a:fillRect/>
+                  </a:stretch>
+                </a:blipFill>
+              </p:spPr>
+              <p:txBody>
+                <a:bodyPr/>
+                <a:lstStyle/>
+                <a:p>
+                  <a:r>
+                    <a:rPr lang="ko-KR" altLang="en-US">
+                      <a:noFill/>
+                    </a:rPr>
+                    <a:t> </a:t>
+                  </a:r>
+                </a:p>
+              </p:txBody>
+            </p:sp>
+          </mc:Fallback>
+        </mc:AlternateContent>
+        <mc:AlternateContent xmlns:mc="http://schemas.openxmlformats.org/markup-compatibility/2006">
+          <mc:Choice xmlns:a14="http://schemas.microsoft.com/office/drawing/2010/main" Requires="a14">
+            <p:sp>
+              <p:nvSpPr>
+                <p:cNvPr id="20" name="직사각형 19">
+                  <a:extLst>
+                    <a:ext uri="{FF2B5EF4-FFF2-40B4-BE49-F238E27FC236}">
+                      <a16:creationId xmlns:a16="http://schemas.microsoft.com/office/drawing/2014/main" id="{DBA357F7-0CA7-9E5C-34C1-C2C11AD58C35}"/>
+                    </a:ext>
+                  </a:extLst>
+                </p:cNvPr>
+                <p:cNvSpPr/>
+                <p:nvPr/>
+              </p:nvSpPr>
+              <p:spPr>
+                <a:xfrm>
+                  <a:off x="1370975" y="5770805"/>
+                  <a:ext cx="3962401" cy="871437"/>
+                </a:xfrm>
+                <a:prstGeom prst="rect">
+                  <a:avLst/>
+                </a:prstGeom>
+              </p:spPr>
+              <p:style>
+                <a:lnRef idx="2">
+                  <a:schemeClr val="dk1"/>
+                </a:lnRef>
+                <a:fillRef idx="1">
+                  <a:schemeClr val="lt1"/>
+                </a:fillRef>
+                <a:effectRef idx="0">
+                  <a:schemeClr val="dk1"/>
+                </a:effectRef>
+                <a:fontRef idx="minor">
+                  <a:schemeClr val="dk1"/>
+                </a:fontRef>
+              </p:style>
+              <p:txBody>
+                <a:bodyPr rtlCol="0" anchor="ctr"/>
+                <a:lstStyle/>
+                <a:p>
+                  <a:pPr algn="ctr">
+                    <a:lnSpc>
+                      <a:spcPct val="120000"/>
+                    </a:lnSpc>
+                  </a:pPr>
+                  <a:r>
+                    <a:rPr lang="ko-KR" altLang="en-US">
+                      <a:latin typeface="나눔바른고딕" panose="020B0603020101020101" pitchFamily="50" charset="-127"/>
+                      <a:ea typeface="나눔바른고딕" panose="020B0603020101020101" pitchFamily="50" charset="-127"/>
+                    </a:rPr>
+                    <a:t>⑦ </a:t>
+                  </a:r>
+                  <a14:m>
+                    <m:oMath xmlns:m="http://schemas.openxmlformats.org/officeDocument/2006/math">
+                      <m:r>
+                        <m:rPr>
+                          <m:nor/>
+                        </m:rPr>
+                        <a:rPr lang="en-US" altLang="ko-KR" i="0" smtClean="0">
+                          <a:latin typeface="Cambria Math" panose="02040503050406030204" pitchFamily="18" charset="0"/>
+                          <a:ea typeface="나눔바른고딕" panose="020B0603020101020101" pitchFamily="50" charset="-127"/>
+                        </a:rPr>
+                        <m:t>Update</m:t>
+                      </m:r>
+                      <m:r>
+                        <m:rPr>
+                          <m:nor/>
+                        </m:rPr>
+                        <a:rPr lang="en-US" altLang="ko-KR" i="0" smtClean="0">
+                          <a:latin typeface="Cambria Math" panose="02040503050406030204" pitchFamily="18" charset="0"/>
+                          <a:ea typeface="나눔바른고딕" panose="020B0603020101020101" pitchFamily="50" charset="-127"/>
+                        </a:rPr>
+                        <m:t> </m:t>
+                      </m:r>
+                      <m:r>
+                        <m:rPr>
+                          <m:nor/>
+                        </m:rPr>
+                        <a:rPr lang="en-US" altLang="ko-KR" i="0" smtClean="0">
+                          <a:latin typeface="Cambria Math" panose="02040503050406030204" pitchFamily="18" charset="0"/>
+                          <a:ea typeface="나눔바른고딕" panose="020B0603020101020101" pitchFamily="50" charset="-127"/>
+                        </a:rPr>
+                        <m:t>Parameters</m:t>
+                      </m:r>
+                    </m:oMath>
+                  </a14:m>
+                  <a:endParaRPr lang="en-US" altLang="ko-KR">
+                    <a:latin typeface="나눔바른고딕" panose="020B0603020101020101" pitchFamily="50" charset="-127"/>
+                    <a:ea typeface="나눔바른고딕" panose="020B0603020101020101" pitchFamily="50" charset="-127"/>
+                  </a:endParaRPr>
+                </a:p>
+                <a:p>
+                  <a:pPr algn="ctr">
+                    <a:lnSpc>
+                      <a:spcPct val="120000"/>
+                    </a:lnSpc>
+                  </a:pPr>
+                  <a14:m>
+                    <m:oMathPara xmlns:m="http://schemas.openxmlformats.org/officeDocument/2006/math">
+                      <m:oMathParaPr>
+                        <m:jc m:val="centerGroup"/>
+                      </m:oMathParaPr>
+                      <m:oMath xmlns:m="http://schemas.openxmlformats.org/officeDocument/2006/math">
+                        <m:sSub>
+                          <m:sSubPr>
+                            <m:ctrlPr>
+                              <a:rPr lang="en-US" altLang="ko-KR" b="0" i="1" smtClean="0">
+                                <a:latin typeface="Cambria Math" panose="02040503050406030204" pitchFamily="18" charset="0"/>
+                                <a:ea typeface="나눔바른고딕" panose="020B0603020101020101" pitchFamily="50" charset="-127"/>
+                              </a:rPr>
+                            </m:ctrlPr>
+                          </m:sSubPr>
+                          <m:e>
+                            <m:r>
+                              <a:rPr lang="en-US" altLang="ko-KR" i="1" smtClean="0">
+                                <a:latin typeface="Cambria Math" panose="02040503050406030204" pitchFamily="18" charset="0"/>
+                                <a:ea typeface="나눔바른고딕" panose="020B0603020101020101" pitchFamily="50" charset="-127"/>
+                              </a:rPr>
+                              <m:t>𝑤</m:t>
+                            </m:r>
+                          </m:e>
+                          <m:sub>
+                            <m:r>
+                              <a:rPr lang="en-US" altLang="ko-KR" b="0" i="1" smtClean="0">
+                                <a:solidFill>
+                                  <a:srgbClr val="0000FF"/>
+                                </a:solidFill>
+                                <a:latin typeface="Cambria Math" panose="02040503050406030204" pitchFamily="18" charset="0"/>
+                                <a:ea typeface="나눔바른고딕" panose="020B0603020101020101" pitchFamily="50" charset="-127"/>
+                              </a:rPr>
+                              <m:t>𝑛𝑒𝑤</m:t>
+                            </m:r>
+                          </m:sub>
+                        </m:sSub>
+                        <m:r>
+                          <a:rPr lang="en-US" altLang="ko-KR" b="0" i="1" smtClean="0">
+                            <a:latin typeface="Cambria Math" panose="02040503050406030204" pitchFamily="18" charset="0"/>
+                            <a:ea typeface="나눔바른고딕" panose="020B0603020101020101" pitchFamily="50" charset="-127"/>
+                          </a:rPr>
+                          <m:t>=</m:t>
+                        </m:r>
+                        <m:sSub>
+                          <m:sSubPr>
+                            <m:ctrlPr>
+                              <a:rPr lang="en-US" altLang="ko-KR" b="0" i="1" smtClean="0">
+                                <a:latin typeface="Cambria Math" panose="02040503050406030204" pitchFamily="18" charset="0"/>
+                                <a:ea typeface="나눔바른고딕" panose="020B0603020101020101" pitchFamily="50" charset="-127"/>
+                              </a:rPr>
+                            </m:ctrlPr>
+                          </m:sSubPr>
+                          <m:e>
+                            <m:r>
+                              <a:rPr lang="en-US" altLang="ko-KR" b="0" i="1" smtClean="0">
+                                <a:latin typeface="Cambria Math" panose="02040503050406030204" pitchFamily="18" charset="0"/>
+                                <a:ea typeface="나눔바른고딕" panose="020B0603020101020101" pitchFamily="50" charset="-127"/>
+                              </a:rPr>
+                              <m:t>𝑤</m:t>
+                            </m:r>
+                          </m:e>
+                          <m:sub>
+                            <m:r>
+                              <a:rPr lang="en-US" altLang="ko-KR" b="0" i="1" smtClean="0">
+                                <a:solidFill>
+                                  <a:srgbClr val="FF0000"/>
+                                </a:solidFill>
+                                <a:latin typeface="Cambria Math" panose="02040503050406030204" pitchFamily="18" charset="0"/>
+                                <a:ea typeface="나눔바른고딕" panose="020B0603020101020101" pitchFamily="50" charset="-127"/>
+                              </a:rPr>
+                              <m:t>𝑜𝑙𝑑</m:t>
+                            </m:r>
+                          </m:sub>
+                        </m:sSub>
+                        <m:r>
+                          <a:rPr lang="en-US" altLang="ko-KR" b="0" i="1" smtClean="0">
+                            <a:latin typeface="Cambria Math" panose="02040503050406030204" pitchFamily="18" charset="0"/>
+                            <a:ea typeface="나눔바른고딕" panose="020B0603020101020101" pitchFamily="50" charset="-127"/>
+                          </a:rPr>
+                          <m:t>+</m:t>
+                        </m:r>
+                        <m:r>
+                          <m:rPr>
+                            <m:sty m:val="p"/>
+                          </m:rPr>
+                          <a:rPr lang="en-US" altLang="ko-KR" b="0" i="0" smtClean="0">
+                            <a:latin typeface="Cambria Math" panose="02040503050406030204" pitchFamily="18" charset="0"/>
+                            <a:ea typeface="나눔바른고딕" panose="020B0603020101020101" pitchFamily="50" charset="-127"/>
+                          </a:rPr>
+                          <m:t>Δ</m:t>
+                        </m:r>
+                        <m:r>
+                          <a:rPr lang="en-US" altLang="ko-KR" b="0" i="1" smtClean="0">
+                            <a:latin typeface="Cambria Math" panose="02040503050406030204" pitchFamily="18" charset="0"/>
+                            <a:ea typeface="나눔바른고딕" panose="020B0603020101020101" pitchFamily="50" charset="-127"/>
+                          </a:rPr>
+                          <m:t>𝑤</m:t>
+                        </m:r>
+                      </m:oMath>
+                    </m:oMathPara>
+                  </a14:m>
+                  <a:endParaRPr lang="en-US" altLang="ko-KR">
+                    <a:latin typeface="나눔바른고딕" panose="020B0603020101020101" pitchFamily="50" charset="-127"/>
+                    <a:ea typeface="나눔바른고딕" panose="020B0603020101020101" pitchFamily="50" charset="-127"/>
+                  </a:endParaRPr>
+                </a:p>
+              </p:txBody>
+            </p:sp>
+          </mc:Choice>
+          <mc:Fallback>
+            <p:sp>
+              <p:nvSpPr>
+                <p:cNvPr id="20" name="직사각형 19">
+                  <a:extLst>
+                    <a:ext uri="{FF2B5EF4-FFF2-40B4-BE49-F238E27FC236}">
+                      <a16:creationId xmlns:a16="http://schemas.microsoft.com/office/drawing/2014/main" id="{DBA357F7-0CA7-9E5C-34C1-C2C11AD58C35}"/>
+                    </a:ext>
+                  </a:extLst>
+                </p:cNvPr>
+                <p:cNvSpPr>
+                  <a:spLocks noRot="1" noChangeAspect="1" noMove="1" noResize="1" noEditPoints="1" noAdjustHandles="1" noChangeArrowheads="1" noChangeShapeType="1" noTextEdit="1"/>
+                </p:cNvSpPr>
+                <p:nvPr/>
+              </p:nvSpPr>
+              <p:spPr>
+                <a:xfrm>
+                  <a:off x="1370975" y="5770805"/>
+                  <a:ext cx="3962401" cy="871437"/>
+                </a:xfrm>
+                <a:prstGeom prst="rect">
+                  <a:avLst/>
+                </a:prstGeom>
+                <a:blipFill>
+                  <a:blip r:embed="rId6"/>
+                  <a:stretch>
+                    <a:fillRect/>
+                  </a:stretch>
+                </a:blipFill>
+              </p:spPr>
+              <p:txBody>
+                <a:bodyPr/>
+                <a:lstStyle/>
+                <a:p>
+                  <a:r>
+                    <a:rPr lang="ko-KR" altLang="en-US">
+                      <a:noFill/>
+                    </a:rPr>
+                    <a:t> </a:t>
+                  </a:r>
+                </a:p>
+              </p:txBody>
+            </p:sp>
+          </mc:Fallback>
+        </mc:AlternateContent>
+        <mc:AlternateContent xmlns:mc="http://schemas.openxmlformats.org/markup-compatibility/2006">
+          <mc:Choice xmlns:a14="http://schemas.microsoft.com/office/drawing/2010/main" Requires="a14">
+            <p:sp>
+              <p:nvSpPr>
+                <p:cNvPr id="32" name="직사각형 31">
+                  <a:extLst>
+                    <a:ext uri="{FF2B5EF4-FFF2-40B4-BE49-F238E27FC236}">
+                      <a16:creationId xmlns:a16="http://schemas.microsoft.com/office/drawing/2014/main" id="{DD059956-E551-D017-F002-54387DD90A10}"/>
+                    </a:ext>
+                  </a:extLst>
+                </p:cNvPr>
+                <p:cNvSpPr/>
+                <p:nvPr/>
+              </p:nvSpPr>
+              <p:spPr>
+                <a:xfrm>
+                  <a:off x="1370975" y="7096726"/>
+                  <a:ext cx="3962401" cy="973173"/>
+                </a:xfrm>
+                <a:prstGeom prst="rect">
+                  <a:avLst/>
+                </a:prstGeom>
+              </p:spPr>
+              <p:style>
+                <a:lnRef idx="2">
+                  <a:schemeClr val="dk1"/>
+                </a:lnRef>
+                <a:fillRef idx="1">
+                  <a:schemeClr val="lt1"/>
+                </a:fillRef>
+                <a:effectRef idx="0">
+                  <a:schemeClr val="dk1"/>
+                </a:effectRef>
+                <a:fontRef idx="minor">
+                  <a:schemeClr val="dk1"/>
+                </a:fontRef>
+              </p:style>
+              <p:txBody>
+                <a:bodyPr rtlCol="0" anchor="ctr"/>
+                <a:lstStyle/>
+                <a:p>
+                  <a:pPr algn="ctr">
+                    <a:lnSpc>
+                      <a:spcPct val="120000"/>
+                    </a:lnSpc>
+                  </a:pPr>
+                  <a:r>
+                    <a:rPr lang="ko-KR" altLang="en-US">
+                      <a:latin typeface="나눔바른고딕" panose="020B0603020101020101" pitchFamily="50" charset="-127"/>
+                      <a:ea typeface="나눔바른고딕" panose="020B0603020101020101" pitchFamily="50" charset="-127"/>
+                    </a:rPr>
+                    <a:t>⑧ </a:t>
+                  </a:r>
+                  <a14:m>
+                    <m:oMath xmlns:m="http://schemas.openxmlformats.org/officeDocument/2006/math">
+                      <m:r>
+                        <m:rPr>
+                          <m:nor/>
+                        </m:rPr>
+                        <a:rPr lang="en-US" altLang="ko-KR" i="0" smtClean="0">
+                          <a:latin typeface="Cambria Math" panose="02040503050406030204" pitchFamily="18" charset="0"/>
+                          <a:ea typeface="나눔바른고딕" panose="020B0603020101020101" pitchFamily="50" charset="-127"/>
+                        </a:rPr>
+                        <m:t>Evaluate</m:t>
+                      </m:r>
+                      <m:r>
+                        <m:rPr>
+                          <m:nor/>
+                        </m:rPr>
+                        <a:rPr lang="en-US" altLang="ko-KR" i="0" smtClean="0">
+                          <a:latin typeface="Cambria Math" panose="02040503050406030204" pitchFamily="18" charset="0"/>
+                          <a:ea typeface="나눔바른고딕" panose="020B0603020101020101" pitchFamily="50" charset="-127"/>
+                        </a:rPr>
+                        <m:t> </m:t>
+                      </m:r>
+                      <m:r>
+                        <m:rPr>
+                          <m:nor/>
+                        </m:rPr>
+                        <a:rPr lang="en-US" altLang="ko-KR" i="0" smtClean="0">
+                          <a:latin typeface="Cambria Math" panose="02040503050406030204" pitchFamily="18" charset="0"/>
+                          <a:ea typeface="나눔바른고딕" panose="020B0603020101020101" pitchFamily="50" charset="-127"/>
+                        </a:rPr>
+                        <m:t>Cost</m:t>
+                      </m:r>
+                      <m:r>
+                        <m:rPr>
+                          <m:nor/>
+                        </m:rPr>
+                        <a:rPr lang="en-US" altLang="ko-KR" i="0" smtClean="0">
+                          <a:latin typeface="Cambria Math" panose="02040503050406030204" pitchFamily="18" charset="0"/>
+                          <a:ea typeface="나눔바른고딕" panose="020B0603020101020101" pitchFamily="50" charset="-127"/>
+                        </a:rPr>
+                        <m:t> </m:t>
+                      </m:r>
+                      <m:r>
+                        <m:rPr>
+                          <m:nor/>
+                        </m:rPr>
+                        <a:rPr lang="en-US" altLang="ko-KR" i="0" smtClean="0">
+                          <a:latin typeface="Cambria Math" panose="02040503050406030204" pitchFamily="18" charset="0"/>
+                          <a:ea typeface="나눔바른고딕" panose="020B0603020101020101" pitchFamily="50" charset="-127"/>
+                        </a:rPr>
+                        <m:t>Function</m:t>
+                      </m:r>
+                    </m:oMath>
+                  </a14:m>
+                  <a:endParaRPr lang="en-US" altLang="ko-KR">
+                    <a:latin typeface="나눔바른고딕" panose="020B0603020101020101" pitchFamily="50" charset="-127"/>
+                    <a:ea typeface="나눔바른고딕" panose="020B0603020101020101" pitchFamily="50" charset="-127"/>
+                  </a:endParaRPr>
+                </a:p>
+                <a:p>
+                  <a:pPr algn="ctr">
+                    <a:lnSpc>
+                      <a:spcPct val="120000"/>
+                    </a:lnSpc>
+                  </a:pPr>
+                  <a14:m>
+                    <m:oMathPara xmlns:m="http://schemas.openxmlformats.org/officeDocument/2006/math">
+                      <m:oMathParaPr>
+                        <m:jc m:val="centerGroup"/>
+                      </m:oMathParaPr>
+                      <m:oMath xmlns:m="http://schemas.openxmlformats.org/officeDocument/2006/math">
+                        <m:r>
+                          <a:rPr lang="en-US" altLang="ko-KR" b="0" i="1" smtClean="0">
+                            <a:latin typeface="Cambria Math" panose="02040503050406030204" pitchFamily="18" charset="0"/>
+                            <a:ea typeface="나눔바른고딕" panose="020B0603020101020101" pitchFamily="50" charset="-127"/>
+                          </a:rPr>
+                          <m:t>𝐸</m:t>
+                        </m:r>
+                        <m:d>
+                          <m:dPr>
+                            <m:ctrlPr>
+                              <a:rPr lang="en-US" altLang="ko-KR" b="0" i="1" smtClean="0">
+                                <a:latin typeface="Cambria Math" panose="02040503050406030204" pitchFamily="18" charset="0"/>
+                                <a:ea typeface="나눔바른고딕" panose="020B0603020101020101" pitchFamily="50" charset="-127"/>
+                              </a:rPr>
+                            </m:ctrlPr>
+                          </m:dPr>
+                          <m:e>
+                            <m:sSub>
+                              <m:sSubPr>
+                                <m:ctrlPr>
+                                  <a:rPr lang="en-US" altLang="ko-KR" b="0" i="1" smtClean="0">
+                                    <a:latin typeface="Cambria Math" panose="02040503050406030204" pitchFamily="18" charset="0"/>
+                                    <a:ea typeface="나눔바른고딕" panose="020B0603020101020101" pitchFamily="50" charset="-127"/>
+                                  </a:rPr>
+                                </m:ctrlPr>
+                              </m:sSubPr>
+                              <m:e>
+                                <m:r>
+                                  <a:rPr lang="en-US" altLang="ko-KR" b="0" i="1" smtClean="0">
+                                    <a:latin typeface="Cambria Math" panose="02040503050406030204" pitchFamily="18" charset="0"/>
+                                    <a:ea typeface="나눔바른고딕" panose="020B0603020101020101" pitchFamily="50" charset="-127"/>
+                                  </a:rPr>
+                                  <m:t>𝑤</m:t>
+                                </m:r>
+                              </m:e>
+                              <m:sub>
+                                <m:r>
+                                  <a:rPr lang="en-US" altLang="ko-KR" b="0" i="1" smtClean="0">
+                                    <a:solidFill>
+                                      <a:srgbClr val="0000FF"/>
+                                    </a:solidFill>
+                                    <a:latin typeface="Cambria Math" panose="02040503050406030204" pitchFamily="18" charset="0"/>
+                                    <a:ea typeface="나눔바른고딕" panose="020B0603020101020101" pitchFamily="50" charset="-127"/>
+                                  </a:rPr>
+                                  <m:t>𝑛𝑒𝑤</m:t>
+                                </m:r>
+                              </m:sub>
+                            </m:sSub>
+                          </m:e>
+                        </m:d>
+                        <m:r>
+                          <a:rPr lang="en-US" altLang="ko-KR" b="0" i="1" smtClean="0">
+                            <a:latin typeface="Cambria Math" panose="02040503050406030204" pitchFamily="18" charset="0"/>
+                            <a:ea typeface="나눔바른고딕" panose="020B0603020101020101" pitchFamily="50" charset="-127"/>
+                          </a:rPr>
+                          <m:t>=‖ </m:t>
+                        </m:r>
+                        <m:r>
+                          <a:rPr lang="en-US" altLang="ko-KR" b="0" i="1" smtClean="0">
+                            <a:latin typeface="Cambria Math" panose="02040503050406030204" pitchFamily="18" charset="0"/>
+                            <a:ea typeface="나눔바른고딕" panose="020B0603020101020101" pitchFamily="50" charset="-127"/>
+                          </a:rPr>
+                          <m:t>𝑟</m:t>
+                        </m:r>
+                        <m:r>
+                          <a:rPr lang="en-US" altLang="ko-KR" b="0" i="1" smtClean="0">
+                            <a:latin typeface="Cambria Math" panose="02040503050406030204" pitchFamily="18" charset="0"/>
+                            <a:ea typeface="나눔바른고딕" panose="020B0603020101020101" pitchFamily="50" charset="-127"/>
+                          </a:rPr>
+                          <m:t>(</m:t>
+                        </m:r>
+                        <m:sSub>
+                          <m:sSubPr>
+                            <m:ctrlPr>
+                              <a:rPr lang="en-US" altLang="ko-KR" b="0" i="1" smtClean="0">
+                                <a:latin typeface="Cambria Math" panose="02040503050406030204" pitchFamily="18" charset="0"/>
+                                <a:ea typeface="나눔바른고딕" panose="020B0603020101020101" pitchFamily="50" charset="-127"/>
+                              </a:rPr>
+                            </m:ctrlPr>
+                          </m:sSubPr>
+                          <m:e>
+                            <m:r>
+                              <a:rPr lang="en-US" altLang="ko-KR" b="0" i="1" smtClean="0">
+                                <a:latin typeface="Cambria Math" panose="02040503050406030204" pitchFamily="18" charset="0"/>
+                                <a:ea typeface="나눔바른고딕" panose="020B0603020101020101" pitchFamily="50" charset="-127"/>
+                              </a:rPr>
+                              <m:t>𝑤</m:t>
+                            </m:r>
+                          </m:e>
+                          <m:sub>
+                            <m:r>
+                              <a:rPr lang="en-US" altLang="ko-KR" b="0" i="1" smtClean="0">
+                                <a:solidFill>
+                                  <a:srgbClr val="0000FF"/>
+                                </a:solidFill>
+                                <a:latin typeface="Cambria Math" panose="02040503050406030204" pitchFamily="18" charset="0"/>
+                                <a:ea typeface="나눔바른고딕" panose="020B0603020101020101" pitchFamily="50" charset="-127"/>
+                              </a:rPr>
+                              <m:t>𝑛𝑒𝑤</m:t>
+                            </m:r>
+                          </m:sub>
+                        </m:sSub>
+                        <m:r>
+                          <a:rPr lang="en-US" altLang="ko-KR" b="0" i="1" smtClean="0">
+                            <a:latin typeface="Cambria Math" panose="02040503050406030204" pitchFamily="18" charset="0"/>
+                            <a:ea typeface="나눔바른고딕" panose="020B0603020101020101" pitchFamily="50" charset="-127"/>
+                          </a:rPr>
+                          <m:t>) ‖</m:t>
+                        </m:r>
+                      </m:oMath>
+                    </m:oMathPara>
+                  </a14:m>
+                  <a:endParaRPr lang="en-US" altLang="ko-KR">
+                    <a:latin typeface="나눔바른고딕" panose="020B0603020101020101" pitchFamily="50" charset="-127"/>
+                    <a:ea typeface="나눔바른고딕" panose="020B0603020101020101" pitchFamily="50" charset="-127"/>
+                  </a:endParaRPr>
+                </a:p>
+              </p:txBody>
+            </p:sp>
+          </mc:Choice>
+          <mc:Fallback>
+            <p:sp>
+              <p:nvSpPr>
+                <p:cNvPr id="32" name="직사각형 31">
+                  <a:extLst>
+                    <a:ext uri="{FF2B5EF4-FFF2-40B4-BE49-F238E27FC236}">
+                      <a16:creationId xmlns:a16="http://schemas.microsoft.com/office/drawing/2014/main" id="{DD059956-E551-D017-F002-54387DD90A10}"/>
+                    </a:ext>
+                  </a:extLst>
+                </p:cNvPr>
+                <p:cNvSpPr>
+                  <a:spLocks noRot="1" noChangeAspect="1" noMove="1" noResize="1" noEditPoints="1" noAdjustHandles="1" noChangeArrowheads="1" noChangeShapeType="1" noTextEdit="1"/>
+                </p:cNvSpPr>
+                <p:nvPr/>
+              </p:nvSpPr>
+              <p:spPr>
+                <a:xfrm>
+                  <a:off x="1370975" y="7096726"/>
+                  <a:ext cx="3962401" cy="973173"/>
+                </a:xfrm>
+                <a:prstGeom prst="rect">
+                  <a:avLst/>
+                </a:prstGeom>
+                <a:blipFill>
+                  <a:blip r:embed="rId7"/>
+                  <a:stretch>
+                    <a:fillRect/>
+                  </a:stretch>
+                </a:blipFill>
+              </p:spPr>
+              <p:txBody>
+                <a:bodyPr/>
+                <a:lstStyle/>
+                <a:p>
+                  <a:r>
+                    <a:rPr lang="ko-KR" altLang="en-US">
+                      <a:noFill/>
+                    </a:rPr>
+                    <a:t> </a:t>
+                  </a:r>
+                </a:p>
+              </p:txBody>
+            </p:sp>
+          </mc:Fallback>
+        </mc:AlternateContent>
+        <mc:AlternateContent xmlns:mc="http://schemas.openxmlformats.org/markup-compatibility/2006">
+          <mc:Choice xmlns:a14="http://schemas.microsoft.com/office/drawing/2010/main" Requires="a14">
+            <p:sp>
+              <p:nvSpPr>
+                <p:cNvPr id="33" name="순서도: 판단 32">
+                  <a:extLst>
+                    <a:ext uri="{FF2B5EF4-FFF2-40B4-BE49-F238E27FC236}">
+                      <a16:creationId xmlns:a16="http://schemas.microsoft.com/office/drawing/2014/main" id="{07031B60-2062-370C-9F92-629883A41CEB}"/>
+                    </a:ext>
+                  </a:extLst>
+                </p:cNvPr>
+                <p:cNvSpPr/>
+                <p:nvPr/>
+              </p:nvSpPr>
+              <p:spPr>
+                <a:xfrm>
+                  <a:off x="1448842" y="8714935"/>
+                  <a:ext cx="3806666" cy="1290539"/>
+                </a:xfrm>
+                <a:prstGeom prst="flowChartDecision">
+                  <a:avLst/>
+                </a:prstGeom>
+              </p:spPr>
+              <p:style>
+                <a:lnRef idx="2">
+                  <a:schemeClr val="dk1"/>
+                </a:lnRef>
+                <a:fillRef idx="1">
+                  <a:schemeClr val="lt1"/>
+                </a:fillRef>
+                <a:effectRef idx="0">
+                  <a:schemeClr val="dk1"/>
+                </a:effectRef>
+                <a:fontRef idx="minor">
+                  <a:schemeClr val="dk1"/>
+                </a:fontRef>
+              </p:style>
+              <p:txBody>
+                <a:bodyPr rtlCol="0" anchor="ctr"/>
+                <a:lstStyle/>
+                <a:p>
+                  <a:pPr algn="ctr">
+                    <a:lnSpc>
+                      <a:spcPct val="120000"/>
+                    </a:lnSpc>
+                  </a:pPr>
+                  <a14:m>
+                    <m:oMathPara xmlns:m="http://schemas.openxmlformats.org/officeDocument/2006/math">
+                      <m:oMathParaPr>
+                        <m:jc m:val="centerGroup"/>
+                      </m:oMathParaPr>
+                      <m:oMath xmlns:m="http://schemas.openxmlformats.org/officeDocument/2006/math">
+                        <m:r>
+                          <a:rPr lang="en-US" altLang="ko-KR" sz="1600" b="0" i="1" smtClean="0">
+                            <a:latin typeface="Cambria Math" panose="02040503050406030204" pitchFamily="18" charset="0"/>
+                            <a:ea typeface="나눔바른고딕" panose="020B0603020101020101" pitchFamily="50" charset="-127"/>
+                          </a:rPr>
+                          <m:t>𝐸</m:t>
+                        </m:r>
+                        <m:d>
+                          <m:dPr>
+                            <m:ctrlPr>
+                              <a:rPr lang="en-US" altLang="ko-KR" sz="1600" b="0" i="1" smtClean="0">
+                                <a:latin typeface="Cambria Math" panose="02040503050406030204" pitchFamily="18" charset="0"/>
+                                <a:ea typeface="나눔바른고딕" panose="020B0603020101020101" pitchFamily="50" charset="-127"/>
+                              </a:rPr>
+                            </m:ctrlPr>
+                          </m:dPr>
+                          <m:e>
+                            <m:sSub>
+                              <m:sSubPr>
+                                <m:ctrlPr>
+                                  <a:rPr lang="en-US" altLang="ko-KR" sz="1600" b="0" i="1" smtClean="0">
+                                    <a:latin typeface="Cambria Math" panose="02040503050406030204" pitchFamily="18" charset="0"/>
+                                    <a:ea typeface="나눔바른고딕" panose="020B0603020101020101" pitchFamily="50" charset="-127"/>
+                                  </a:rPr>
+                                </m:ctrlPr>
+                              </m:sSubPr>
+                              <m:e>
+                                <m:r>
+                                  <a:rPr lang="en-US" altLang="ko-KR" sz="1600" b="0" i="1" smtClean="0">
+                                    <a:latin typeface="Cambria Math" panose="02040503050406030204" pitchFamily="18" charset="0"/>
+                                    <a:ea typeface="나눔바른고딕" panose="020B0603020101020101" pitchFamily="50" charset="-127"/>
+                                  </a:rPr>
+                                  <m:t>𝑤</m:t>
+                                </m:r>
+                              </m:e>
+                              <m:sub>
+                                <m:r>
+                                  <a:rPr lang="en-US" altLang="ko-KR" sz="1600" b="0" i="1" smtClean="0">
+                                    <a:solidFill>
+                                      <a:srgbClr val="0000FF"/>
+                                    </a:solidFill>
+                                    <a:latin typeface="Cambria Math" panose="02040503050406030204" pitchFamily="18" charset="0"/>
+                                    <a:ea typeface="나눔바른고딕" panose="020B0603020101020101" pitchFamily="50" charset="-127"/>
+                                  </a:rPr>
+                                  <m:t>𝑛𝑒𝑤</m:t>
+                                </m:r>
+                              </m:sub>
+                            </m:sSub>
+                          </m:e>
+                        </m:d>
+                        <m:r>
+                          <a:rPr lang="en-US" altLang="ko-KR" sz="1600" i="1">
+                            <a:latin typeface="Cambria Math" panose="02040503050406030204" pitchFamily="18" charset="0"/>
+                            <a:ea typeface="나눔바른고딕" panose="020B0603020101020101" pitchFamily="50" charset="-127"/>
+                          </a:rPr>
+                          <m:t>&lt;</m:t>
+                        </m:r>
+                        <m:r>
+                          <a:rPr lang="en-US" altLang="ko-KR" sz="1600" i="1">
+                            <a:latin typeface="Cambria Math" panose="02040503050406030204" pitchFamily="18" charset="0"/>
+                            <a:ea typeface="나눔바른고딕" panose="020B0603020101020101" pitchFamily="50" charset="-127"/>
+                          </a:rPr>
+                          <m:t>𝐸</m:t>
+                        </m:r>
+                        <m:d>
+                          <m:dPr>
+                            <m:ctrlPr>
+                              <a:rPr lang="en-US" altLang="ko-KR" sz="1600" i="1">
+                                <a:latin typeface="Cambria Math" panose="02040503050406030204" pitchFamily="18" charset="0"/>
+                                <a:ea typeface="나눔바른고딕" panose="020B0603020101020101" pitchFamily="50" charset="-127"/>
+                              </a:rPr>
+                            </m:ctrlPr>
+                          </m:dPr>
+                          <m:e>
+                            <m:sSub>
+                              <m:sSubPr>
+                                <m:ctrlPr>
+                                  <a:rPr lang="en-US" altLang="ko-KR" sz="1600" i="1" smtClean="0">
+                                    <a:latin typeface="Cambria Math" panose="02040503050406030204" pitchFamily="18" charset="0"/>
+                                    <a:ea typeface="나눔바른고딕" panose="020B0603020101020101" pitchFamily="50" charset="-127"/>
+                                  </a:rPr>
+                                </m:ctrlPr>
+                              </m:sSubPr>
+                              <m:e>
+                                <m:r>
+                                  <a:rPr lang="en-US" altLang="ko-KR" sz="1600" i="1">
+                                    <a:latin typeface="Cambria Math" panose="02040503050406030204" pitchFamily="18" charset="0"/>
+                                    <a:ea typeface="나눔바른고딕" panose="020B0603020101020101" pitchFamily="50" charset="-127"/>
+                                  </a:rPr>
+                                  <m:t>𝑤</m:t>
+                                </m:r>
+                              </m:e>
+                              <m:sub>
+                                <m:r>
+                                  <a:rPr lang="en-US" altLang="ko-KR" sz="1600" b="0" i="1" smtClean="0">
+                                    <a:solidFill>
+                                      <a:srgbClr val="FF0000"/>
+                                    </a:solidFill>
+                                    <a:latin typeface="Cambria Math" panose="02040503050406030204" pitchFamily="18" charset="0"/>
+                                    <a:ea typeface="나눔바른고딕" panose="020B0603020101020101" pitchFamily="50" charset="-127"/>
+                                  </a:rPr>
+                                  <m:t>𝑜𝑙𝑑</m:t>
+                                </m:r>
+                              </m:sub>
+                            </m:sSub>
+                          </m:e>
+                        </m:d>
+                      </m:oMath>
+                    </m:oMathPara>
+                  </a14:m>
+                  <a:endParaRPr lang="ko-KR" altLang="en-US" sz="1600"/>
+                </a:p>
+              </p:txBody>
+            </p:sp>
+          </mc:Choice>
+          <mc:Fallback>
+            <p:sp>
+              <p:nvSpPr>
+                <p:cNvPr id="33" name="순서도: 판단 32">
+                  <a:extLst>
+                    <a:ext uri="{FF2B5EF4-FFF2-40B4-BE49-F238E27FC236}">
+                      <a16:creationId xmlns:a16="http://schemas.microsoft.com/office/drawing/2014/main" id="{07031B60-2062-370C-9F92-629883A41CEB}"/>
+                    </a:ext>
+                  </a:extLst>
+                </p:cNvPr>
+                <p:cNvSpPr>
+                  <a:spLocks noRot="1" noChangeAspect="1" noMove="1" noResize="1" noEditPoints="1" noAdjustHandles="1" noChangeArrowheads="1" noChangeShapeType="1" noTextEdit="1"/>
+                </p:cNvSpPr>
+                <p:nvPr/>
+              </p:nvSpPr>
+              <p:spPr>
+                <a:xfrm>
+                  <a:off x="1448842" y="8714935"/>
+                  <a:ext cx="3806666" cy="1290539"/>
+                </a:xfrm>
+                <a:prstGeom prst="flowChartDecision">
+                  <a:avLst/>
+                </a:prstGeom>
+                <a:blipFill>
+                  <a:blip r:embed="rId8"/>
+                  <a:stretch>
+                    <a:fillRect/>
+                  </a:stretch>
+                </a:blipFill>
+              </p:spPr>
+              <p:txBody>
+                <a:bodyPr/>
+                <a:lstStyle/>
+                <a:p>
+                  <a:r>
+                    <a:rPr lang="ko-KR" altLang="en-US">
+                      <a:noFill/>
+                    </a:rPr>
+                    <a:t> </a:t>
+                  </a:r>
+                </a:p>
+              </p:txBody>
+            </p:sp>
+          </mc:Fallback>
+        </mc:AlternateContent>
+        <mc:AlternateContent xmlns:mc="http://schemas.openxmlformats.org/markup-compatibility/2006">
+          <mc:Choice xmlns:a14="http://schemas.microsoft.com/office/drawing/2010/main" Requires="a14">
+            <p:sp>
+              <p:nvSpPr>
+                <p:cNvPr id="35" name="직사각형 34">
+                  <a:extLst>
+                    <a:ext uri="{FF2B5EF4-FFF2-40B4-BE49-F238E27FC236}">
+                      <a16:creationId xmlns:a16="http://schemas.microsoft.com/office/drawing/2014/main" id="{C474398B-9D5B-67EB-860A-B086B14814B5}"/>
+                    </a:ext>
+                  </a:extLst>
+                </p:cNvPr>
+                <p:cNvSpPr/>
+                <p:nvPr/>
+              </p:nvSpPr>
+              <p:spPr>
+                <a:xfrm>
+                  <a:off x="-2170706" y="8714934"/>
+                  <a:ext cx="2704465" cy="1290539"/>
+                </a:xfrm>
+                <a:prstGeom prst="rect">
+                  <a:avLst/>
+                </a:prstGeom>
+              </p:spPr>
+              <p:style>
+                <a:lnRef idx="2">
+                  <a:schemeClr val="dk1"/>
+                </a:lnRef>
+                <a:fillRef idx="1">
+                  <a:schemeClr val="lt1"/>
+                </a:fillRef>
+                <a:effectRef idx="0">
+                  <a:schemeClr val="dk1"/>
+                </a:effectRef>
+                <a:fontRef idx="minor">
+                  <a:schemeClr val="dk1"/>
+                </a:fontRef>
+              </p:style>
+              <p:txBody>
+                <a:bodyPr rtlCol="0" anchor="ctr"/>
+                <a:lstStyle/>
+                <a:p>
+                  <a:pPr algn="ctr">
+                    <a:lnSpc>
+                      <a:spcPct val="120000"/>
+                    </a:lnSpc>
+                  </a:pPr>
+                  <a:r>
+                    <a:rPr lang="ko-KR" altLang="en-US">
+                      <a:latin typeface="나눔바른고딕" panose="020B0603020101020101" pitchFamily="50" charset="-127"/>
+                      <a:ea typeface="나눔바른고딕" panose="020B0603020101020101" pitchFamily="50" charset="-127"/>
+                    </a:rPr>
+                    <a:t>⑩ </a:t>
+                  </a:r>
+                  <a14:m>
+                    <m:oMath xmlns:m="http://schemas.openxmlformats.org/officeDocument/2006/math">
+                      <m:r>
+                        <m:rPr>
+                          <m:nor/>
+                        </m:rPr>
+                        <a:rPr lang="en-US" altLang="ko-KR" i="0" smtClean="0">
+                          <a:latin typeface="Cambria Math" panose="02040503050406030204" pitchFamily="18" charset="0"/>
+                          <a:ea typeface="나눔바른고딕" panose="020B0603020101020101" pitchFamily="50" charset="-127"/>
+                        </a:rPr>
+                        <m:t>Reject</m:t>
+                      </m:r>
+                      <m:r>
+                        <m:rPr>
+                          <m:nor/>
+                        </m:rPr>
+                        <a:rPr lang="en-US" altLang="ko-KR" i="0" smtClean="0">
+                          <a:latin typeface="Cambria Math" panose="02040503050406030204" pitchFamily="18" charset="0"/>
+                          <a:ea typeface="나눔바른고딕" panose="020B0603020101020101" pitchFamily="50" charset="-127"/>
+                        </a:rPr>
+                        <m:t> </m:t>
+                      </m:r>
+                      <m:r>
+                        <m:rPr>
+                          <m:nor/>
+                        </m:rPr>
+                        <a:rPr lang="en-US" altLang="ko-KR" i="0" smtClean="0">
+                          <a:latin typeface="Cambria Math" panose="02040503050406030204" pitchFamily="18" charset="0"/>
+                          <a:ea typeface="나눔바른고딕" panose="020B0603020101020101" pitchFamily="50" charset="-127"/>
+                        </a:rPr>
+                        <m:t>Update</m:t>
+                      </m:r>
+                    </m:oMath>
+                  </a14:m>
+                  <a:endParaRPr lang="en-US" altLang="ko-KR">
+                    <a:latin typeface="나눔바른고딕" panose="020B0603020101020101" pitchFamily="50" charset="-127"/>
+                    <a:ea typeface="나눔바른고딕" panose="020B0603020101020101" pitchFamily="50" charset="-127"/>
+                  </a:endParaRPr>
+                </a:p>
+                <a:p>
+                  <a:pPr algn="ctr">
+                    <a:lnSpc>
+                      <a:spcPct val="120000"/>
+                    </a:lnSpc>
+                  </a:pPr>
+                  <a14:m>
+                    <m:oMathPara xmlns:m="http://schemas.openxmlformats.org/officeDocument/2006/math">
+                      <m:oMathParaPr>
+                        <m:jc m:val="centerGroup"/>
+                      </m:oMathParaPr>
+                      <m:oMath xmlns:m="http://schemas.openxmlformats.org/officeDocument/2006/math">
+                        <m:sSub>
+                          <m:sSubPr>
+                            <m:ctrlPr>
+                              <a:rPr lang="en-US" altLang="ko-KR" b="0" i="1" smtClean="0">
+                                <a:latin typeface="Cambria Math" panose="02040503050406030204" pitchFamily="18" charset="0"/>
+                                <a:ea typeface="나눔바른고딕" panose="020B0603020101020101" pitchFamily="50" charset="-127"/>
+                              </a:rPr>
+                            </m:ctrlPr>
+                          </m:sSubPr>
+                          <m:e>
+                            <m:r>
+                              <a:rPr lang="en-US" altLang="ko-KR" i="1" smtClean="0">
+                                <a:latin typeface="Cambria Math" panose="02040503050406030204" pitchFamily="18" charset="0"/>
+                                <a:ea typeface="나눔바른고딕" panose="020B0603020101020101" pitchFamily="50" charset="-127"/>
+                              </a:rPr>
+                              <m:t>𝑤</m:t>
+                            </m:r>
+                          </m:e>
+                          <m:sub>
+                            <m:r>
+                              <a:rPr lang="en-US" altLang="ko-KR" b="0" i="1" smtClean="0">
+                                <a:solidFill>
+                                  <a:srgbClr val="0000FF"/>
+                                </a:solidFill>
+                                <a:latin typeface="Cambria Math" panose="02040503050406030204" pitchFamily="18" charset="0"/>
+                                <a:ea typeface="나눔바른고딕" panose="020B0603020101020101" pitchFamily="50" charset="-127"/>
+                              </a:rPr>
+                              <m:t>𝑛𝑒𝑤</m:t>
+                            </m:r>
+                          </m:sub>
+                        </m:sSub>
+                        <m:r>
+                          <a:rPr lang="en-US" altLang="ko-KR" b="0" i="1" smtClean="0">
+                            <a:latin typeface="Cambria Math" panose="02040503050406030204" pitchFamily="18" charset="0"/>
+                            <a:ea typeface="나눔바른고딕" panose="020B0603020101020101" pitchFamily="50" charset="-127"/>
+                          </a:rPr>
+                          <m:t>=</m:t>
+                        </m:r>
+                        <m:sSub>
+                          <m:sSubPr>
+                            <m:ctrlPr>
+                              <a:rPr lang="en-US" altLang="ko-KR" b="0" i="1" smtClean="0">
+                                <a:latin typeface="Cambria Math" panose="02040503050406030204" pitchFamily="18" charset="0"/>
+                                <a:ea typeface="나눔바른고딕" panose="020B0603020101020101" pitchFamily="50" charset="-127"/>
+                              </a:rPr>
+                            </m:ctrlPr>
+                          </m:sSubPr>
+                          <m:e>
+                            <m:r>
+                              <a:rPr lang="en-US" altLang="ko-KR" b="0" i="1" smtClean="0">
+                                <a:latin typeface="Cambria Math" panose="02040503050406030204" pitchFamily="18" charset="0"/>
+                                <a:ea typeface="나눔바른고딕" panose="020B0603020101020101" pitchFamily="50" charset="-127"/>
+                              </a:rPr>
+                              <m:t>𝑤</m:t>
+                            </m:r>
+                          </m:e>
+                          <m:sub>
+                            <m:r>
+                              <a:rPr lang="en-US" altLang="ko-KR" b="0" i="1" smtClean="0">
+                                <a:solidFill>
+                                  <a:srgbClr val="FF0000"/>
+                                </a:solidFill>
+                                <a:latin typeface="Cambria Math" panose="02040503050406030204" pitchFamily="18" charset="0"/>
+                                <a:ea typeface="나눔바른고딕" panose="020B0603020101020101" pitchFamily="50" charset="-127"/>
+                              </a:rPr>
+                              <m:t>𝑜𝑙𝑑</m:t>
+                            </m:r>
+                          </m:sub>
+                        </m:sSub>
+                      </m:oMath>
+                    </m:oMathPara>
+                  </a14:m>
+                  <a:endParaRPr lang="en-US" altLang="ko-KR">
+                    <a:latin typeface="나눔바른고딕" panose="020B0603020101020101" pitchFamily="50" charset="-127"/>
+                    <a:ea typeface="나눔바른고딕" panose="020B0603020101020101" pitchFamily="50" charset="-127"/>
+                  </a:endParaRPr>
+                </a:p>
+                <a:p>
+                  <a:pPr algn="ctr">
+                    <a:lnSpc>
+                      <a:spcPct val="120000"/>
+                    </a:lnSpc>
+                  </a:pPr>
+                  <a14:m>
+                    <m:oMathPara xmlns:m="http://schemas.openxmlformats.org/officeDocument/2006/math">
+                      <m:oMathParaPr>
+                        <m:jc m:val="centerGroup"/>
+                      </m:oMathParaPr>
+                      <m:oMath xmlns:m="http://schemas.openxmlformats.org/officeDocument/2006/math">
+                        <m:r>
+                          <a:rPr lang="en-US" altLang="ko-KR" b="0" i="1" smtClean="0">
+                            <a:latin typeface="Cambria Math" panose="02040503050406030204" pitchFamily="18" charset="0"/>
+                            <a:ea typeface="나눔바른고딕" panose="020B0603020101020101" pitchFamily="50" charset="-127"/>
+                          </a:rPr>
+                          <m:t>𝜇</m:t>
+                        </m:r>
+                        <m:r>
+                          <a:rPr lang="en-US" altLang="ko-KR" b="0" i="1" smtClean="0">
+                            <a:latin typeface="Cambria Math" panose="02040503050406030204" pitchFamily="18" charset="0"/>
+                            <a:ea typeface="나눔바른고딕" panose="020B0603020101020101" pitchFamily="50" charset="-127"/>
+                          </a:rPr>
+                          <m:t>=</m:t>
+                        </m:r>
+                        <m:r>
+                          <a:rPr lang="en-US" altLang="ko-KR" b="0" i="1" smtClean="0">
+                            <a:latin typeface="Cambria Math" panose="02040503050406030204" pitchFamily="18" charset="0"/>
+                            <a:ea typeface="나눔바른고딕" panose="020B0603020101020101" pitchFamily="50" charset="-127"/>
+                          </a:rPr>
+                          <m:t>𝜈</m:t>
+                        </m:r>
+                        <m:r>
+                          <a:rPr lang="en-US" altLang="ko-KR" b="0" i="1" smtClean="0">
+                            <a:latin typeface="Cambria Math" panose="02040503050406030204" pitchFamily="18" charset="0"/>
+                            <a:ea typeface="나눔바른고딕" panose="020B0603020101020101" pitchFamily="50" charset="-127"/>
+                          </a:rPr>
+                          <m:t>⋅</m:t>
+                        </m:r>
+                        <m:r>
+                          <a:rPr lang="en-US" altLang="ko-KR" b="0" i="1" smtClean="0">
+                            <a:latin typeface="Cambria Math" panose="02040503050406030204" pitchFamily="18" charset="0"/>
+                            <a:ea typeface="나눔바른고딕" panose="020B0603020101020101" pitchFamily="50" charset="-127"/>
+                          </a:rPr>
+                          <m:t>𝜇</m:t>
+                        </m:r>
+                      </m:oMath>
+                    </m:oMathPara>
+                  </a14:m>
+                  <a:endParaRPr lang="en-US" altLang="ko-KR">
+                    <a:latin typeface="나눔바른고딕" panose="020B0603020101020101" pitchFamily="50" charset="-127"/>
+                    <a:ea typeface="나눔바른고딕" panose="020B0603020101020101" pitchFamily="50" charset="-127"/>
+                  </a:endParaRPr>
+                </a:p>
+              </p:txBody>
+            </p:sp>
+          </mc:Choice>
+          <mc:Fallback>
+            <p:sp>
+              <p:nvSpPr>
+                <p:cNvPr id="35" name="직사각형 34">
+                  <a:extLst>
+                    <a:ext uri="{FF2B5EF4-FFF2-40B4-BE49-F238E27FC236}">
+                      <a16:creationId xmlns:a16="http://schemas.microsoft.com/office/drawing/2014/main" id="{C474398B-9D5B-67EB-860A-B086B14814B5}"/>
+                    </a:ext>
+                  </a:extLst>
+                </p:cNvPr>
+                <p:cNvSpPr>
+                  <a:spLocks noRot="1" noChangeAspect="1" noMove="1" noResize="1" noEditPoints="1" noAdjustHandles="1" noChangeArrowheads="1" noChangeShapeType="1" noTextEdit="1"/>
+                </p:cNvSpPr>
+                <p:nvPr/>
+              </p:nvSpPr>
+              <p:spPr>
+                <a:xfrm>
+                  <a:off x="-2170706" y="8714934"/>
+                  <a:ext cx="2704465" cy="1290539"/>
+                </a:xfrm>
+                <a:prstGeom prst="rect">
+                  <a:avLst/>
+                </a:prstGeom>
+                <a:blipFill>
+                  <a:blip r:embed="rId9"/>
+                  <a:stretch>
+                    <a:fillRect/>
+                  </a:stretch>
+                </a:blipFill>
+              </p:spPr>
+              <p:txBody>
+                <a:bodyPr/>
+                <a:lstStyle/>
+                <a:p>
+                  <a:r>
+                    <a:rPr lang="ko-KR" altLang="en-US">
+                      <a:noFill/>
+                    </a:rPr>
+                    <a:t> </a:t>
+                  </a:r>
+                </a:p>
+              </p:txBody>
+            </p:sp>
+          </mc:Fallback>
+        </mc:AlternateContent>
+        <mc:AlternateContent xmlns:mc="http://schemas.openxmlformats.org/markup-compatibility/2006">
+          <mc:Choice xmlns:a14="http://schemas.microsoft.com/office/drawing/2010/main" Requires="a14">
+            <p:sp>
+              <p:nvSpPr>
+                <p:cNvPr id="37" name="순서도: 판단 36">
+                  <a:extLst>
+                    <a:ext uri="{FF2B5EF4-FFF2-40B4-BE49-F238E27FC236}">
+                      <a16:creationId xmlns:a16="http://schemas.microsoft.com/office/drawing/2014/main" id="{A1964693-AB50-DD0B-5813-A39180A4BE7E}"/>
+                    </a:ext>
+                  </a:extLst>
+                </p:cNvPr>
+                <p:cNvSpPr/>
+                <p:nvPr/>
+              </p:nvSpPr>
+              <p:spPr>
+                <a:xfrm>
+                  <a:off x="1370975" y="10333144"/>
+                  <a:ext cx="3962400" cy="1290539"/>
+                </a:xfrm>
+                <a:prstGeom prst="flowChartDecision">
+                  <a:avLst/>
+                </a:prstGeom>
+              </p:spPr>
+              <p:style>
+                <a:lnRef idx="2">
+                  <a:schemeClr val="dk1"/>
+                </a:lnRef>
+                <a:fillRef idx="1">
+                  <a:schemeClr val="lt1"/>
+                </a:fillRef>
+                <a:effectRef idx="0">
+                  <a:schemeClr val="dk1"/>
+                </a:effectRef>
+                <a:fontRef idx="minor">
+                  <a:schemeClr val="dk1"/>
+                </a:fontRef>
+              </p:style>
+              <p:txBody>
+                <a:bodyPr rtlCol="0" anchor="ctr"/>
+                <a:lstStyle/>
+                <a:p>
+                  <a:pPr algn="ctr">
+                    <a:lnSpc>
+                      <a:spcPct val="120000"/>
+                    </a:lnSpc>
+                  </a:pPr>
+                  <a14:m>
+                    <m:oMath xmlns:m="http://schemas.openxmlformats.org/officeDocument/2006/math">
+                      <m:r>
+                        <a:rPr lang="en-US" altLang="ko-KR" sz="1400" b="0" i="1" smtClean="0">
+                          <a:latin typeface="Cambria Math" panose="02040503050406030204" pitchFamily="18" charset="0"/>
+                          <a:ea typeface="나눔바른고딕" panose="020B0603020101020101" pitchFamily="50" charset="-127"/>
+                        </a:rPr>
+                        <m:t>𝐸</m:t>
+                      </m:r>
+                      <m:d>
+                        <m:dPr>
+                          <m:ctrlPr>
+                            <a:rPr lang="en-US" altLang="ko-KR" sz="1400" b="0" i="1" smtClean="0">
+                              <a:latin typeface="Cambria Math" panose="02040503050406030204" pitchFamily="18" charset="0"/>
+                              <a:ea typeface="나눔바른고딕" panose="020B0603020101020101" pitchFamily="50" charset="-127"/>
+                            </a:rPr>
+                          </m:ctrlPr>
+                        </m:dPr>
+                        <m:e>
+                          <m:sSub>
+                            <m:sSubPr>
+                              <m:ctrlPr>
+                                <a:rPr lang="en-US" altLang="ko-KR" sz="1400" b="0" i="1" smtClean="0">
+                                  <a:latin typeface="Cambria Math" panose="02040503050406030204" pitchFamily="18" charset="0"/>
+                                  <a:ea typeface="나눔바른고딕" panose="020B0603020101020101" pitchFamily="50" charset="-127"/>
+                                </a:rPr>
+                              </m:ctrlPr>
+                            </m:sSubPr>
+                            <m:e>
+                              <m:r>
+                                <a:rPr lang="en-US" altLang="ko-KR" sz="1400" b="0" i="1" smtClean="0">
+                                  <a:latin typeface="Cambria Math" panose="02040503050406030204" pitchFamily="18" charset="0"/>
+                                  <a:ea typeface="나눔바른고딕" panose="020B0603020101020101" pitchFamily="50" charset="-127"/>
+                                </a:rPr>
+                                <m:t>𝑤</m:t>
+                              </m:r>
+                            </m:e>
+                            <m:sub>
+                              <m:r>
+                                <a:rPr lang="en-US" altLang="ko-KR" sz="1400" b="0" i="1" smtClean="0">
+                                  <a:solidFill>
+                                    <a:srgbClr val="0000FF"/>
+                                  </a:solidFill>
+                                  <a:latin typeface="Cambria Math" panose="02040503050406030204" pitchFamily="18" charset="0"/>
+                                  <a:ea typeface="나눔바른고딕" panose="020B0603020101020101" pitchFamily="50" charset="-127"/>
+                                </a:rPr>
+                                <m:t>𝑛𝑒𝑤</m:t>
+                              </m:r>
+                            </m:sub>
+                          </m:sSub>
+                        </m:e>
+                      </m:d>
+                    </m:oMath>
+                  </a14:m>
+                  <a:r>
+                    <a:rPr lang="ko-KR" altLang="en-US" sz="1400"/>
+                    <a:t> </a:t>
+                  </a:r>
+                  <a:r>
+                    <a:rPr lang="en-US" altLang="ko-KR" sz="1400"/>
+                    <a:t>&lt; </a:t>
+                  </a:r>
+                  <a14:m>
+                    <m:oMath xmlns:m="http://schemas.openxmlformats.org/officeDocument/2006/math">
+                      <m:r>
+                        <m:rPr>
+                          <m:nor/>
+                        </m:rPr>
+                        <a:rPr lang="en-US" altLang="ko-KR" sz="1400">
+                          <a:latin typeface="Cambria Math" panose="02040503050406030204" pitchFamily="18" charset="0"/>
+                          <a:ea typeface="나눔바른고딕" panose="020B0603020101020101" pitchFamily="50" charset="-127"/>
+                        </a:rPr>
+                        <m:t>converge</m:t>
+                      </m:r>
+                      <m:r>
+                        <m:rPr>
+                          <m:nor/>
+                        </m:rPr>
+                        <a:rPr lang="en-US" altLang="ko-KR" sz="1400">
+                          <a:latin typeface="Cambria Math" panose="02040503050406030204" pitchFamily="18" charset="0"/>
+                          <a:ea typeface="나눔바른고딕" panose="020B0603020101020101" pitchFamily="50" charset="-127"/>
+                        </a:rPr>
+                        <m:t>_</m:t>
+                      </m:r>
+                      <m:r>
+                        <m:rPr>
+                          <m:nor/>
+                        </m:rPr>
+                        <a:rPr lang="en-US" altLang="ko-KR" sz="1400">
+                          <a:latin typeface="Cambria Math" panose="02040503050406030204" pitchFamily="18" charset="0"/>
+                          <a:ea typeface="나눔바른고딕" panose="020B0603020101020101" pitchFamily="50" charset="-127"/>
+                        </a:rPr>
+                        <m:t>threshold</m:t>
+                      </m:r>
+                    </m:oMath>
+                  </a14:m>
+                  <a:endParaRPr lang="ko-KR" altLang="en-US" sz="1400"/>
+                </a:p>
+              </p:txBody>
+            </p:sp>
+          </mc:Choice>
+          <mc:Fallback>
+            <p:sp>
+              <p:nvSpPr>
+                <p:cNvPr id="37" name="순서도: 판단 36">
+                  <a:extLst>
+                    <a:ext uri="{FF2B5EF4-FFF2-40B4-BE49-F238E27FC236}">
+                      <a16:creationId xmlns:a16="http://schemas.microsoft.com/office/drawing/2014/main" id="{A1964693-AB50-DD0B-5813-A39180A4BE7E}"/>
+                    </a:ext>
+                  </a:extLst>
+                </p:cNvPr>
+                <p:cNvSpPr>
+                  <a:spLocks noRot="1" noChangeAspect="1" noMove="1" noResize="1" noEditPoints="1" noAdjustHandles="1" noChangeArrowheads="1" noChangeShapeType="1" noTextEdit="1"/>
+                </p:cNvSpPr>
+                <p:nvPr/>
+              </p:nvSpPr>
+              <p:spPr>
+                <a:xfrm>
+                  <a:off x="1370975" y="10333144"/>
+                  <a:ext cx="3962400" cy="1290539"/>
+                </a:xfrm>
+                <a:prstGeom prst="flowChartDecision">
+                  <a:avLst/>
+                </a:prstGeom>
+                <a:blipFill>
+                  <a:blip r:embed="rId10"/>
+                  <a:stretch>
+                    <a:fillRect/>
+                  </a:stretch>
+                </a:blipFill>
+              </p:spPr>
+              <p:txBody>
+                <a:bodyPr/>
+                <a:lstStyle/>
+                <a:p>
+                  <a:r>
+                    <a:rPr lang="ko-KR" altLang="en-US">
+                      <a:noFill/>
+                    </a:rPr>
+                    <a:t> </a:t>
+                  </a:r>
+                </a:p>
+              </p:txBody>
+            </p:sp>
+          </mc:Fallback>
+        </mc:AlternateContent>
+        <mc:AlternateContent xmlns:mc="http://schemas.openxmlformats.org/markup-compatibility/2006">
+          <mc:Choice xmlns:a14="http://schemas.microsoft.com/office/drawing/2010/main" Requires="a14">
+            <p:sp>
+              <p:nvSpPr>
+                <p:cNvPr id="38" name="직사각형 37">
+                  <a:extLst>
+                    <a:ext uri="{FF2B5EF4-FFF2-40B4-BE49-F238E27FC236}">
+                      <a16:creationId xmlns:a16="http://schemas.microsoft.com/office/drawing/2014/main" id="{FCC5B6F6-849E-B6D5-D25A-7B980E8BEC44}"/>
+                    </a:ext>
+                  </a:extLst>
+                </p:cNvPr>
+                <p:cNvSpPr/>
+                <p:nvPr/>
+              </p:nvSpPr>
+              <p:spPr>
+                <a:xfrm>
+                  <a:off x="-2170706" y="10222391"/>
+                  <a:ext cx="2704465" cy="1512043"/>
+                </a:xfrm>
+                <a:prstGeom prst="rect">
+                  <a:avLst/>
+                </a:prstGeom>
+              </p:spPr>
+              <p:style>
+                <a:lnRef idx="2">
+                  <a:schemeClr val="dk1"/>
+                </a:lnRef>
+                <a:fillRef idx="1">
+                  <a:schemeClr val="lt1"/>
+                </a:fillRef>
+                <a:effectRef idx="0">
+                  <a:schemeClr val="dk1"/>
+                </a:effectRef>
+                <a:fontRef idx="minor">
+                  <a:schemeClr val="dk1"/>
+                </a:fontRef>
+              </p:style>
+              <p:txBody>
+                <a:bodyPr rtlCol="0" anchor="ctr"/>
+                <a:lstStyle/>
+                <a:p>
+                  <a:pPr algn="ctr">
+                    <a:lnSpc>
+                      <a:spcPct val="120000"/>
+                    </a:lnSpc>
+                  </a:pPr>
+                  <a:r>
+                    <a:rPr lang="ko-KR" altLang="en-US">
+                      <a:latin typeface="나눔바른고딕" panose="020B0603020101020101" pitchFamily="50" charset="-127"/>
+                      <a:ea typeface="나눔바른고딕" panose="020B0603020101020101" pitchFamily="50" charset="-127"/>
+                    </a:rPr>
+                    <a:t>⑫ </a:t>
+                  </a:r>
+                  <a14:m>
+                    <m:oMath xmlns:m="http://schemas.openxmlformats.org/officeDocument/2006/math">
+                      <m:r>
+                        <m:rPr>
+                          <m:nor/>
+                        </m:rPr>
+                        <a:rPr lang="en-US" altLang="ko-KR" i="0" smtClean="0">
+                          <a:latin typeface="Cambria Math" panose="02040503050406030204" pitchFamily="18" charset="0"/>
+                          <a:ea typeface="나눔바른고딕" panose="020B0603020101020101" pitchFamily="50" charset="-127"/>
+                        </a:rPr>
+                        <m:t>Accept</m:t>
+                      </m:r>
+                      <m:r>
+                        <m:rPr>
+                          <m:nor/>
+                        </m:rPr>
+                        <a:rPr lang="en-US" altLang="ko-KR" i="0" smtClean="0">
+                          <a:latin typeface="Cambria Math" panose="02040503050406030204" pitchFamily="18" charset="0"/>
+                          <a:ea typeface="나눔바른고딕" panose="020B0603020101020101" pitchFamily="50" charset="-127"/>
+                        </a:rPr>
+                        <m:t> </m:t>
+                      </m:r>
+                      <m:r>
+                        <m:rPr>
+                          <m:nor/>
+                        </m:rPr>
+                        <a:rPr lang="en-US" altLang="ko-KR" i="0" smtClean="0">
+                          <a:latin typeface="Cambria Math" panose="02040503050406030204" pitchFamily="18" charset="0"/>
+                          <a:ea typeface="나눔바른고딕" panose="020B0603020101020101" pitchFamily="50" charset="-127"/>
+                        </a:rPr>
+                        <m:t>Update</m:t>
+                      </m:r>
+                    </m:oMath>
+                  </a14:m>
+                  <a:endParaRPr lang="en-US" altLang="ko-KR">
+                    <a:latin typeface="나눔바른고딕" panose="020B0603020101020101" pitchFamily="50" charset="-127"/>
+                    <a:ea typeface="나눔바른고딕" panose="020B0603020101020101" pitchFamily="50" charset="-127"/>
+                  </a:endParaRPr>
+                </a:p>
+                <a:p>
+                  <a:pPr algn="ctr">
+                    <a:lnSpc>
+                      <a:spcPct val="120000"/>
+                    </a:lnSpc>
+                  </a:pPr>
+                  <a14:m>
+                    <m:oMathPara xmlns:m="http://schemas.openxmlformats.org/officeDocument/2006/math">
+                      <m:oMathParaPr>
+                        <m:jc m:val="centerGroup"/>
+                      </m:oMathParaPr>
+                      <m:oMath xmlns:m="http://schemas.openxmlformats.org/officeDocument/2006/math">
+                        <m:sSub>
+                          <m:sSubPr>
+                            <m:ctrlPr>
+                              <a:rPr lang="en-US" altLang="ko-KR" b="0" i="1" smtClean="0">
+                                <a:latin typeface="Cambria Math" panose="02040503050406030204" pitchFamily="18" charset="0"/>
+                                <a:ea typeface="나눔바른고딕" panose="020B0603020101020101" pitchFamily="50" charset="-127"/>
+                              </a:rPr>
+                            </m:ctrlPr>
+                          </m:sSubPr>
+                          <m:e>
+                            <m:r>
+                              <a:rPr lang="en-US" altLang="ko-KR" i="1" smtClean="0">
+                                <a:latin typeface="Cambria Math" panose="02040503050406030204" pitchFamily="18" charset="0"/>
+                                <a:ea typeface="나눔바른고딕" panose="020B0603020101020101" pitchFamily="50" charset="-127"/>
+                              </a:rPr>
+                              <m:t>𝑤</m:t>
+                            </m:r>
+                          </m:e>
+                          <m:sub>
+                            <m:r>
+                              <a:rPr lang="en-US" altLang="ko-KR" b="0" i="1" smtClean="0">
+                                <a:solidFill>
+                                  <a:srgbClr val="0000FF"/>
+                                </a:solidFill>
+                                <a:latin typeface="Cambria Math" panose="02040503050406030204" pitchFamily="18" charset="0"/>
+                                <a:ea typeface="나눔바른고딕" panose="020B0603020101020101" pitchFamily="50" charset="-127"/>
+                              </a:rPr>
+                              <m:t>𝑛𝑒𝑤</m:t>
+                            </m:r>
+                          </m:sub>
+                        </m:sSub>
+                        <m:r>
+                          <a:rPr lang="en-US" altLang="ko-KR" b="0" i="1" smtClean="0">
+                            <a:latin typeface="Cambria Math" panose="02040503050406030204" pitchFamily="18" charset="0"/>
+                            <a:ea typeface="나눔바른고딕" panose="020B0603020101020101" pitchFamily="50" charset="-127"/>
+                          </a:rPr>
+                          <m:t>=</m:t>
+                        </m:r>
+                        <m:sSub>
+                          <m:sSubPr>
+                            <m:ctrlPr>
+                              <a:rPr lang="en-US" altLang="ko-KR" b="0" i="1" smtClean="0">
+                                <a:latin typeface="Cambria Math" panose="02040503050406030204" pitchFamily="18" charset="0"/>
+                                <a:ea typeface="나눔바른고딕" panose="020B0603020101020101" pitchFamily="50" charset="-127"/>
+                              </a:rPr>
+                            </m:ctrlPr>
+                          </m:sSubPr>
+                          <m:e>
+                            <m:r>
+                              <a:rPr lang="en-US" altLang="ko-KR" b="0" i="1" smtClean="0">
+                                <a:latin typeface="Cambria Math" panose="02040503050406030204" pitchFamily="18" charset="0"/>
+                                <a:ea typeface="나눔바른고딕" panose="020B0603020101020101" pitchFamily="50" charset="-127"/>
+                              </a:rPr>
+                              <m:t>𝑤</m:t>
+                            </m:r>
+                          </m:e>
+                          <m:sub>
+                            <m:r>
+                              <a:rPr lang="en-US" altLang="ko-KR" b="0" i="1" smtClean="0">
+                                <a:solidFill>
+                                  <a:srgbClr val="0000FF"/>
+                                </a:solidFill>
+                                <a:latin typeface="Cambria Math" panose="02040503050406030204" pitchFamily="18" charset="0"/>
+                                <a:ea typeface="나눔바른고딕" panose="020B0603020101020101" pitchFamily="50" charset="-127"/>
+                              </a:rPr>
+                              <m:t>𝑛𝑒𝑤</m:t>
+                            </m:r>
+                          </m:sub>
+                        </m:sSub>
+                      </m:oMath>
+                    </m:oMathPara>
+                  </a14:m>
+                  <a:endParaRPr lang="en-US" altLang="ko-KR" b="0" i="1">
+                    <a:latin typeface="Cambria Math" panose="02040503050406030204" pitchFamily="18" charset="0"/>
+                    <a:ea typeface="나눔바른고딕" panose="020B0603020101020101" pitchFamily="50" charset="-127"/>
+                  </a:endParaRPr>
+                </a:p>
+                <a:p>
+                  <a:pPr algn="ctr">
+                    <a:lnSpc>
+                      <a:spcPct val="120000"/>
+                    </a:lnSpc>
+                  </a:pPr>
+                  <a14:m>
+                    <m:oMathPara xmlns:m="http://schemas.openxmlformats.org/officeDocument/2006/math">
+                      <m:oMathParaPr>
+                        <m:jc m:val="centerGroup"/>
+                      </m:oMathParaPr>
+                      <m:oMath xmlns:m="http://schemas.openxmlformats.org/officeDocument/2006/math">
+                        <m:r>
+                          <a:rPr lang="en-US" altLang="ko-KR" b="0" i="1" smtClean="0">
+                            <a:latin typeface="Cambria Math" panose="02040503050406030204" pitchFamily="18" charset="0"/>
+                            <a:ea typeface="나눔바른고딕" panose="020B0603020101020101" pitchFamily="50" charset="-127"/>
+                          </a:rPr>
+                          <m:t>𝜇</m:t>
+                        </m:r>
+                        <m:r>
+                          <a:rPr lang="en-US" altLang="ko-KR" b="0" i="1" smtClean="0">
+                            <a:latin typeface="Cambria Math" panose="02040503050406030204" pitchFamily="18" charset="0"/>
+                            <a:ea typeface="나눔바른고딕" panose="020B0603020101020101" pitchFamily="50" charset="-127"/>
+                          </a:rPr>
+                          <m:t>=</m:t>
+                        </m:r>
+                        <m:f>
+                          <m:fPr>
+                            <m:ctrlPr>
+                              <a:rPr lang="en-US" altLang="ko-KR" b="0" i="1" smtClean="0">
+                                <a:latin typeface="Cambria Math" panose="02040503050406030204" pitchFamily="18" charset="0"/>
+                                <a:ea typeface="나눔바른고딕" panose="020B0603020101020101" pitchFamily="50" charset="-127"/>
+                              </a:rPr>
+                            </m:ctrlPr>
+                          </m:fPr>
+                          <m:num>
+                            <m:r>
+                              <a:rPr lang="en-US" altLang="ko-KR" b="0" i="1" smtClean="0">
+                                <a:latin typeface="Cambria Math" panose="02040503050406030204" pitchFamily="18" charset="0"/>
+                                <a:ea typeface="나눔바른고딕" panose="020B0603020101020101" pitchFamily="50" charset="-127"/>
+                              </a:rPr>
+                              <m:t>𝜇</m:t>
+                            </m:r>
+                          </m:num>
+                          <m:den>
+                            <m:r>
+                              <a:rPr lang="en-US" altLang="ko-KR" b="0" i="1" smtClean="0">
+                                <a:latin typeface="Cambria Math" panose="02040503050406030204" pitchFamily="18" charset="0"/>
+                                <a:ea typeface="나눔바른고딕" panose="020B0603020101020101" pitchFamily="50" charset="-127"/>
+                              </a:rPr>
+                              <m:t>𝜈</m:t>
+                            </m:r>
+                          </m:den>
+                        </m:f>
+                      </m:oMath>
+                    </m:oMathPara>
+                  </a14:m>
+                  <a:endParaRPr lang="en-US" altLang="ko-KR">
+                    <a:latin typeface="나눔바른고딕" panose="020B0603020101020101" pitchFamily="50" charset="-127"/>
+                    <a:ea typeface="나눔바른고딕" panose="020B0603020101020101" pitchFamily="50" charset="-127"/>
+                  </a:endParaRPr>
+                </a:p>
+              </p:txBody>
+            </p:sp>
+          </mc:Choice>
+          <mc:Fallback>
+            <p:sp>
+              <p:nvSpPr>
+                <p:cNvPr id="38" name="직사각형 37">
+                  <a:extLst>
+                    <a:ext uri="{FF2B5EF4-FFF2-40B4-BE49-F238E27FC236}">
+                      <a16:creationId xmlns:a16="http://schemas.microsoft.com/office/drawing/2014/main" id="{FCC5B6F6-849E-B6D5-D25A-7B980E8BEC44}"/>
+                    </a:ext>
+                  </a:extLst>
+                </p:cNvPr>
+                <p:cNvSpPr>
+                  <a:spLocks noRot="1" noChangeAspect="1" noMove="1" noResize="1" noEditPoints="1" noAdjustHandles="1" noChangeArrowheads="1" noChangeShapeType="1" noTextEdit="1"/>
+                </p:cNvSpPr>
+                <p:nvPr/>
+              </p:nvSpPr>
+              <p:spPr>
+                <a:xfrm>
+                  <a:off x="-2170706" y="10222391"/>
+                  <a:ext cx="2704465" cy="1512043"/>
+                </a:xfrm>
+                <a:prstGeom prst="rect">
+                  <a:avLst/>
+                </a:prstGeom>
+                <a:blipFill>
+                  <a:blip r:embed="rId11"/>
+                  <a:stretch>
+                    <a:fillRect/>
+                  </a:stretch>
+                </a:blipFill>
+              </p:spPr>
+              <p:txBody>
+                <a:bodyPr/>
+                <a:lstStyle/>
+                <a:p>
+                  <a:r>
+                    <a:rPr lang="ko-KR" altLang="en-US">
+                      <a:noFill/>
+                    </a:rPr>
+                    <a:t> </a:t>
+                  </a:r>
+                </a:p>
+              </p:txBody>
+            </p:sp>
+          </mc:Fallback>
+        </mc:AlternateContent>
+        <p:cxnSp>
+          <p:nvCxnSpPr>
+            <p:cNvPr id="51" name="직선 화살표 연결선 50">
+              <a:extLst>
+                <a:ext uri="{FF2B5EF4-FFF2-40B4-BE49-F238E27FC236}">
+                  <a16:creationId xmlns:a16="http://schemas.microsoft.com/office/drawing/2014/main" id="{C9A01B73-4BBD-CA69-621F-78ED4F7209DE}"/>
+                </a:ext>
+              </a:extLst>
+            </p:cNvPr>
+            <p:cNvCxnSpPr>
+              <a:cxnSpLocks/>
+              <a:stCxn id="46" idx="2"/>
+              <a:endCxn id="11" idx="0"/>
+            </p:cNvCxnSpPr>
+            <p:nvPr/>
+          </p:nvCxnSpPr>
+          <p:spPr>
+            <a:xfrm>
+              <a:off x="3352175" y="2425698"/>
+              <a:ext cx="0" cy="454487"/>
+            </a:xfrm>
+            <a:prstGeom prst="straightConnector1">
+              <a:avLst/>
+            </a:prstGeom>
+            <a:ln>
+              <a:tailEnd type="triangle"/>
+            </a:ln>
+          </p:spPr>
+          <p:style>
+            <a:lnRef idx="2">
+              <a:schemeClr val="dk1"/>
+            </a:lnRef>
+            <a:fillRef idx="0">
+              <a:schemeClr val="dk1"/>
+            </a:fillRef>
+            <a:effectRef idx="1">
+              <a:schemeClr val="dk1"/>
+            </a:effectRef>
+            <a:fontRef idx="minor">
+              <a:schemeClr val="tx1"/>
+            </a:fontRef>
+          </p:style>
+        </p:cxnSp>
+        <p:cxnSp>
+          <p:nvCxnSpPr>
+            <p:cNvPr id="52" name="직선 화살표 연결선 51">
+              <a:extLst>
+                <a:ext uri="{FF2B5EF4-FFF2-40B4-BE49-F238E27FC236}">
+                  <a16:creationId xmlns:a16="http://schemas.microsoft.com/office/drawing/2014/main" id="{027B6EBF-176D-0EB5-218F-DDAF7879E5F4}"/>
+                </a:ext>
+              </a:extLst>
+            </p:cNvPr>
+            <p:cNvCxnSpPr>
+              <a:cxnSpLocks/>
+              <a:stCxn id="11" idx="2"/>
+              <a:endCxn id="15" idx="0"/>
+            </p:cNvCxnSpPr>
+            <p:nvPr/>
+          </p:nvCxnSpPr>
+          <p:spPr>
+            <a:xfrm>
+              <a:off x="3352175" y="3990393"/>
+              <a:ext cx="1" cy="454487"/>
+            </a:xfrm>
+            <a:prstGeom prst="straightConnector1">
+              <a:avLst/>
+            </a:prstGeom>
+            <a:ln>
+              <a:tailEnd type="triangle"/>
+            </a:ln>
+          </p:spPr>
+          <p:style>
+            <a:lnRef idx="2">
+              <a:schemeClr val="dk1"/>
+            </a:lnRef>
+            <a:fillRef idx="0">
+              <a:schemeClr val="dk1"/>
+            </a:fillRef>
+            <a:effectRef idx="1">
+              <a:schemeClr val="dk1"/>
+            </a:effectRef>
+            <a:fontRef idx="minor">
+              <a:schemeClr val="tx1"/>
+            </a:fontRef>
+          </p:style>
+        </p:cxnSp>
+        <p:cxnSp>
+          <p:nvCxnSpPr>
+            <p:cNvPr id="55" name="직선 화살표 연결선 54">
+              <a:extLst>
+                <a:ext uri="{FF2B5EF4-FFF2-40B4-BE49-F238E27FC236}">
+                  <a16:creationId xmlns:a16="http://schemas.microsoft.com/office/drawing/2014/main" id="{9D40EEBF-7F65-8A66-86F6-FD76214F07D1}"/>
+                </a:ext>
+              </a:extLst>
+            </p:cNvPr>
+            <p:cNvCxnSpPr>
+              <a:cxnSpLocks/>
+              <a:stCxn id="15" idx="2"/>
+              <a:endCxn id="20" idx="0"/>
+            </p:cNvCxnSpPr>
+            <p:nvPr/>
+          </p:nvCxnSpPr>
+          <p:spPr>
+            <a:xfrm>
+              <a:off x="3352176" y="5316318"/>
+              <a:ext cx="0" cy="454487"/>
+            </a:xfrm>
+            <a:prstGeom prst="straightConnector1">
+              <a:avLst/>
+            </a:prstGeom>
+            <a:ln>
+              <a:tailEnd type="triangle"/>
+            </a:ln>
+          </p:spPr>
+          <p:style>
+            <a:lnRef idx="2">
+              <a:schemeClr val="dk1"/>
+            </a:lnRef>
+            <a:fillRef idx="0">
+              <a:schemeClr val="dk1"/>
+            </a:fillRef>
+            <a:effectRef idx="1">
+              <a:schemeClr val="dk1"/>
+            </a:effectRef>
+            <a:fontRef idx="minor">
+              <a:schemeClr val="tx1"/>
+            </a:fontRef>
+          </p:style>
+        </p:cxnSp>
+        <p:cxnSp>
+          <p:nvCxnSpPr>
+            <p:cNvPr id="58" name="직선 화살표 연결선 57">
+              <a:extLst>
+                <a:ext uri="{FF2B5EF4-FFF2-40B4-BE49-F238E27FC236}">
+                  <a16:creationId xmlns:a16="http://schemas.microsoft.com/office/drawing/2014/main" id="{E0A4F826-BE0D-EB15-050D-B8FE43444027}"/>
+                </a:ext>
+              </a:extLst>
+            </p:cNvPr>
+            <p:cNvCxnSpPr>
+              <a:cxnSpLocks/>
+              <a:stCxn id="20" idx="2"/>
+              <a:endCxn id="32" idx="0"/>
+            </p:cNvCxnSpPr>
+            <p:nvPr/>
+          </p:nvCxnSpPr>
+          <p:spPr>
+            <a:xfrm>
+              <a:off x="3352176" y="6642242"/>
+              <a:ext cx="0" cy="454484"/>
+            </a:xfrm>
+            <a:prstGeom prst="straightConnector1">
+              <a:avLst/>
+            </a:prstGeom>
+            <a:ln>
+              <a:tailEnd type="triangle"/>
+            </a:ln>
+          </p:spPr>
+          <p:style>
+            <a:lnRef idx="2">
+              <a:schemeClr val="dk1"/>
+            </a:lnRef>
+            <a:fillRef idx="0">
+              <a:schemeClr val="dk1"/>
+            </a:fillRef>
+            <a:effectRef idx="1">
+              <a:schemeClr val="dk1"/>
+            </a:effectRef>
+            <a:fontRef idx="minor">
+              <a:schemeClr val="tx1"/>
+            </a:fontRef>
+          </p:style>
+        </p:cxnSp>
+        <p:cxnSp>
+          <p:nvCxnSpPr>
+            <p:cNvPr id="62" name="직선 화살표 연결선 61">
+              <a:extLst>
+                <a:ext uri="{FF2B5EF4-FFF2-40B4-BE49-F238E27FC236}">
+                  <a16:creationId xmlns:a16="http://schemas.microsoft.com/office/drawing/2014/main" id="{D841C5CD-AB4B-3F12-542D-92DB1B89B12B}"/>
+                </a:ext>
+              </a:extLst>
+            </p:cNvPr>
+            <p:cNvCxnSpPr>
+              <a:cxnSpLocks/>
+              <a:stCxn id="32" idx="2"/>
+              <a:endCxn id="33" idx="0"/>
+            </p:cNvCxnSpPr>
+            <p:nvPr/>
+          </p:nvCxnSpPr>
+          <p:spPr>
+            <a:xfrm flipH="1">
+              <a:off x="3352175" y="8069899"/>
+              <a:ext cx="1" cy="645036"/>
+            </a:xfrm>
+            <a:prstGeom prst="straightConnector1">
+              <a:avLst/>
+            </a:prstGeom>
+            <a:ln>
+              <a:tailEnd type="triangle"/>
+            </a:ln>
+          </p:spPr>
+          <p:style>
+            <a:lnRef idx="2">
+              <a:schemeClr val="dk1"/>
+            </a:lnRef>
+            <a:fillRef idx="0">
+              <a:schemeClr val="dk1"/>
+            </a:fillRef>
+            <a:effectRef idx="1">
+              <a:schemeClr val="dk1"/>
+            </a:effectRef>
+            <a:fontRef idx="minor">
+              <a:schemeClr val="tx1"/>
+            </a:fontRef>
+          </p:style>
+        </p:cxnSp>
+        <p:cxnSp>
+          <p:nvCxnSpPr>
+            <p:cNvPr id="1025" name="직선 화살표 연결선 1024">
+              <a:extLst>
+                <a:ext uri="{FF2B5EF4-FFF2-40B4-BE49-F238E27FC236}">
+                  <a16:creationId xmlns:a16="http://schemas.microsoft.com/office/drawing/2014/main" id="{7B193D91-DE5B-DAD8-625D-024F99F44342}"/>
+                </a:ext>
+              </a:extLst>
+            </p:cNvPr>
+            <p:cNvCxnSpPr>
+              <a:cxnSpLocks/>
+              <a:stCxn id="33" idx="2"/>
+              <a:endCxn id="37" idx="0"/>
+            </p:cNvCxnSpPr>
+            <p:nvPr/>
+          </p:nvCxnSpPr>
+          <p:spPr>
+            <a:xfrm>
+              <a:off x="3352175" y="10005474"/>
+              <a:ext cx="0" cy="327670"/>
+            </a:xfrm>
+            <a:prstGeom prst="straightConnector1">
+              <a:avLst/>
+            </a:prstGeom>
+            <a:ln>
+              <a:tailEnd type="triangle"/>
+            </a:ln>
+          </p:spPr>
+          <p:style>
+            <a:lnRef idx="2">
+              <a:schemeClr val="dk1"/>
+            </a:lnRef>
+            <a:fillRef idx="0">
+              <a:schemeClr val="dk1"/>
+            </a:fillRef>
+            <a:effectRef idx="1">
+              <a:schemeClr val="dk1"/>
+            </a:effectRef>
+            <a:fontRef idx="minor">
+              <a:schemeClr val="tx1"/>
+            </a:fontRef>
+          </p:style>
+        </p:cxnSp>
+        <p:cxnSp>
+          <p:nvCxnSpPr>
+            <p:cNvPr id="1029" name="직선 화살표 연결선 1028">
+              <a:extLst>
+                <a:ext uri="{FF2B5EF4-FFF2-40B4-BE49-F238E27FC236}">
+                  <a16:creationId xmlns:a16="http://schemas.microsoft.com/office/drawing/2014/main" id="{24EF6D5E-1045-7027-C361-12B46152301F}"/>
+                </a:ext>
+              </a:extLst>
+            </p:cNvPr>
+            <p:cNvCxnSpPr>
+              <a:cxnSpLocks/>
+              <a:stCxn id="33" idx="1"/>
+              <a:endCxn id="35" idx="3"/>
+            </p:cNvCxnSpPr>
+            <p:nvPr/>
+          </p:nvCxnSpPr>
+          <p:spPr>
+            <a:xfrm flipH="1" flipV="1">
+              <a:off x="533759" y="9360204"/>
+              <a:ext cx="915083" cy="1"/>
+            </a:xfrm>
+            <a:prstGeom prst="straightConnector1">
+              <a:avLst/>
+            </a:prstGeom>
+            <a:ln>
+              <a:tailEnd type="triangle"/>
+            </a:ln>
+          </p:spPr>
+          <p:style>
+            <a:lnRef idx="2">
+              <a:schemeClr val="dk1"/>
+            </a:lnRef>
+            <a:fillRef idx="0">
+              <a:schemeClr val="dk1"/>
+            </a:fillRef>
+            <a:effectRef idx="1">
+              <a:schemeClr val="dk1"/>
+            </a:effectRef>
+            <a:fontRef idx="minor">
+              <a:schemeClr val="tx1"/>
+            </a:fontRef>
+          </p:style>
+        </p:cxnSp>
+        <p:cxnSp>
+          <p:nvCxnSpPr>
+            <p:cNvPr id="1033" name="직선 화살표 연결선 1032">
+              <a:extLst>
+                <a:ext uri="{FF2B5EF4-FFF2-40B4-BE49-F238E27FC236}">
+                  <a16:creationId xmlns:a16="http://schemas.microsoft.com/office/drawing/2014/main" id="{5656BFBC-7BB8-37FA-F8FE-81E566B5F12B}"/>
+                </a:ext>
+              </a:extLst>
+            </p:cNvPr>
+            <p:cNvCxnSpPr>
+              <a:cxnSpLocks/>
+              <a:stCxn id="37" idx="1"/>
+              <a:endCxn id="38" idx="3"/>
+            </p:cNvCxnSpPr>
+            <p:nvPr/>
+          </p:nvCxnSpPr>
+          <p:spPr>
+            <a:xfrm flipH="1" flipV="1">
+              <a:off x="533759" y="10978413"/>
+              <a:ext cx="837216" cy="1"/>
+            </a:xfrm>
+            <a:prstGeom prst="straightConnector1">
+              <a:avLst/>
+            </a:prstGeom>
+            <a:ln>
+              <a:tailEnd type="triangle"/>
+            </a:ln>
+          </p:spPr>
+          <p:style>
+            <a:lnRef idx="2">
+              <a:schemeClr val="dk1"/>
+            </a:lnRef>
+            <a:fillRef idx="0">
+              <a:schemeClr val="dk1"/>
+            </a:fillRef>
+            <a:effectRef idx="1">
+              <a:schemeClr val="dk1"/>
+            </a:effectRef>
+            <a:fontRef idx="minor">
+              <a:schemeClr val="tx1"/>
+            </a:fontRef>
+          </p:style>
+        </p:cxnSp>
+        <mc:AlternateContent xmlns:mc="http://schemas.openxmlformats.org/markup-compatibility/2006">
+          <mc:Choice xmlns:a14="http://schemas.microsoft.com/office/drawing/2010/main" Requires="a14">
+            <p:sp>
+              <p:nvSpPr>
+                <p:cNvPr id="1038" name="TextBox 1037">
+                  <a:extLst>
+                    <a:ext uri="{FF2B5EF4-FFF2-40B4-BE49-F238E27FC236}">
+                      <a16:creationId xmlns:a16="http://schemas.microsoft.com/office/drawing/2014/main" id="{C6D63BA0-19C8-0004-B0E4-8BB8B463748C}"/>
+                    </a:ext>
+                  </a:extLst>
+                </p:cNvPr>
+                <p:cNvSpPr txBox="1"/>
+                <p:nvPr/>
+              </p:nvSpPr>
+              <p:spPr>
+                <a:xfrm>
+                  <a:off x="720241" y="9004516"/>
+                  <a:ext cx="532774" cy="369332"/>
+                </a:xfrm>
+                <a:prstGeom prst="rect">
+                  <a:avLst/>
+                </a:prstGeom>
+                <a:noFill/>
+              </p:spPr>
+              <p:txBody>
+                <a:bodyPr wrap="none" rtlCol="0">
+                  <a:spAutoFit/>
+                </a:bodyPr>
+                <a:lstStyle/>
+                <a:p>
+                  <a14:m>
+                    <m:oMathPara xmlns:m="http://schemas.openxmlformats.org/officeDocument/2006/math">
+                      <m:oMathParaPr>
+                        <m:jc m:val="centerGroup"/>
+                      </m:oMathParaPr>
+                      <m:oMath xmlns:m="http://schemas.openxmlformats.org/officeDocument/2006/math">
+                        <m:r>
+                          <m:rPr>
+                            <m:nor/>
+                          </m:rPr>
+                          <a:rPr lang="en-US" altLang="ko-KR" i="0" smtClean="0">
+                            <a:latin typeface="Cambria Math" panose="02040503050406030204" pitchFamily="18" charset="0"/>
+                            <a:ea typeface="나눔바른고딕" panose="020B0603020101020101" pitchFamily="50" charset="-127"/>
+                          </a:rPr>
+                          <m:t>No</m:t>
+                        </m:r>
+                      </m:oMath>
+                    </m:oMathPara>
+                  </a14:m>
+                  <a:endParaRPr lang="ko-KR" altLang="en-US">
+                    <a:latin typeface="나눔바른고딕" panose="020B0603020101020101" pitchFamily="50" charset="-127"/>
+                    <a:ea typeface="나눔바른고딕" panose="020B0603020101020101" pitchFamily="50" charset="-127"/>
+                  </a:endParaRPr>
+                </a:p>
+              </p:txBody>
+            </p:sp>
+          </mc:Choice>
+          <mc:Fallback>
+            <p:sp>
+              <p:nvSpPr>
+                <p:cNvPr id="1038" name="TextBox 1037">
+                  <a:extLst>
+                    <a:ext uri="{FF2B5EF4-FFF2-40B4-BE49-F238E27FC236}">
+                      <a16:creationId xmlns:a16="http://schemas.microsoft.com/office/drawing/2014/main" id="{C6D63BA0-19C8-0004-B0E4-8BB8B463748C}"/>
+                    </a:ext>
+                  </a:extLst>
+                </p:cNvPr>
+                <p:cNvSpPr txBox="1">
+                  <a:spLocks noRot="1" noChangeAspect="1" noMove="1" noResize="1" noEditPoints="1" noAdjustHandles="1" noChangeArrowheads="1" noChangeShapeType="1" noTextEdit="1"/>
+                </p:cNvSpPr>
+                <p:nvPr/>
+              </p:nvSpPr>
+              <p:spPr>
+                <a:xfrm>
+                  <a:off x="720241" y="9004516"/>
+                  <a:ext cx="532774" cy="369332"/>
+                </a:xfrm>
+                <a:prstGeom prst="rect">
+                  <a:avLst/>
+                </a:prstGeom>
+                <a:blipFill>
+                  <a:blip r:embed="rId12"/>
+                  <a:stretch>
+                    <a:fillRect/>
+                  </a:stretch>
+                </a:blipFill>
+              </p:spPr>
+              <p:txBody>
+                <a:bodyPr/>
+                <a:lstStyle/>
+                <a:p>
+                  <a:r>
+                    <a:rPr lang="ko-KR" altLang="en-US">
+                      <a:noFill/>
+                    </a:rPr>
+                    <a:t> </a:t>
+                  </a:r>
+                </a:p>
+              </p:txBody>
+            </p:sp>
+          </mc:Fallback>
+        </mc:AlternateContent>
+        <mc:AlternateContent xmlns:mc="http://schemas.openxmlformats.org/markup-compatibility/2006">
+          <mc:Choice xmlns:a14="http://schemas.microsoft.com/office/drawing/2010/main" Requires="a14">
+            <p:sp>
+              <p:nvSpPr>
+                <p:cNvPr id="1039" name="TextBox 1038">
+                  <a:extLst>
+                    <a:ext uri="{FF2B5EF4-FFF2-40B4-BE49-F238E27FC236}">
+                      <a16:creationId xmlns:a16="http://schemas.microsoft.com/office/drawing/2014/main" id="{DC3C48BD-C2D9-A37E-2103-84A1D1C69273}"/>
+                    </a:ext>
+                  </a:extLst>
+                </p:cNvPr>
+                <p:cNvSpPr txBox="1"/>
+                <p:nvPr/>
+              </p:nvSpPr>
+              <p:spPr>
+                <a:xfrm>
+                  <a:off x="700081" y="10595438"/>
+                  <a:ext cx="670894" cy="369332"/>
+                </a:xfrm>
+                <a:prstGeom prst="rect">
+                  <a:avLst/>
+                </a:prstGeom>
+                <a:noFill/>
+              </p:spPr>
+              <p:txBody>
+                <a:bodyPr wrap="square" rtlCol="0">
+                  <a:spAutoFit/>
+                </a:bodyPr>
+                <a:lstStyle/>
+                <a:p>
+                  <a14:m>
+                    <m:oMathPara xmlns:m="http://schemas.openxmlformats.org/officeDocument/2006/math">
+                      <m:oMathParaPr>
+                        <m:jc m:val="centerGroup"/>
+                      </m:oMathParaPr>
+                      <m:oMath xmlns:m="http://schemas.openxmlformats.org/officeDocument/2006/math">
+                        <m:r>
+                          <m:rPr>
+                            <m:nor/>
+                          </m:rPr>
+                          <a:rPr lang="en-US" altLang="ko-KR" i="0" smtClean="0">
+                            <a:latin typeface="Cambria Math" panose="02040503050406030204" pitchFamily="18" charset="0"/>
+                            <a:ea typeface="나눔바른고딕" panose="020B0603020101020101" pitchFamily="50" charset="-127"/>
+                          </a:rPr>
+                          <m:t>No</m:t>
+                        </m:r>
+                      </m:oMath>
+                    </m:oMathPara>
+                  </a14:m>
+                  <a:endParaRPr lang="ko-KR" altLang="en-US">
+                    <a:latin typeface="나눔바른고딕" panose="020B0603020101020101" pitchFamily="50" charset="-127"/>
+                    <a:ea typeface="나눔바른고딕" panose="020B0603020101020101" pitchFamily="50" charset="-127"/>
+                  </a:endParaRPr>
+                </a:p>
+              </p:txBody>
+            </p:sp>
+          </mc:Choice>
+          <mc:Fallback>
+            <p:sp>
+              <p:nvSpPr>
+                <p:cNvPr id="1039" name="TextBox 1038">
+                  <a:extLst>
+                    <a:ext uri="{FF2B5EF4-FFF2-40B4-BE49-F238E27FC236}">
+                      <a16:creationId xmlns:a16="http://schemas.microsoft.com/office/drawing/2014/main" id="{DC3C48BD-C2D9-A37E-2103-84A1D1C69273}"/>
+                    </a:ext>
+                  </a:extLst>
+                </p:cNvPr>
+                <p:cNvSpPr txBox="1">
+                  <a:spLocks noRot="1" noChangeAspect="1" noMove="1" noResize="1" noEditPoints="1" noAdjustHandles="1" noChangeArrowheads="1" noChangeShapeType="1" noTextEdit="1"/>
+                </p:cNvSpPr>
+                <p:nvPr/>
+              </p:nvSpPr>
+              <p:spPr>
+                <a:xfrm>
+                  <a:off x="700081" y="10595438"/>
+                  <a:ext cx="670894" cy="369332"/>
+                </a:xfrm>
+                <a:prstGeom prst="rect">
+                  <a:avLst/>
+                </a:prstGeom>
+                <a:blipFill>
+                  <a:blip r:embed="rId13"/>
+                  <a:stretch>
+                    <a:fillRect/>
+                  </a:stretch>
+                </a:blipFill>
+              </p:spPr>
+              <p:txBody>
+                <a:bodyPr/>
+                <a:lstStyle/>
+                <a:p>
+                  <a:r>
+                    <a:rPr lang="ko-KR" altLang="en-US">
+                      <a:noFill/>
+                    </a:rPr>
+                    <a:t> </a:t>
+                  </a:r>
+                </a:p>
+              </p:txBody>
+            </p:sp>
+          </mc:Fallback>
+        </mc:AlternateContent>
+        <mc:AlternateContent xmlns:mc="http://schemas.openxmlformats.org/markup-compatibility/2006">
+          <mc:Choice xmlns:a14="http://schemas.microsoft.com/office/drawing/2010/main" Requires="a14">
+            <p:sp>
+              <p:nvSpPr>
+                <p:cNvPr id="1040" name="TextBox 1039">
+                  <a:extLst>
+                    <a:ext uri="{FF2B5EF4-FFF2-40B4-BE49-F238E27FC236}">
+                      <a16:creationId xmlns:a16="http://schemas.microsoft.com/office/drawing/2014/main" id="{6B3E8DCA-1D9C-8E9A-567B-1CAFDB765893}"/>
+                    </a:ext>
+                  </a:extLst>
+                </p:cNvPr>
+                <p:cNvSpPr txBox="1"/>
+                <p:nvPr/>
+              </p:nvSpPr>
+              <p:spPr>
+                <a:xfrm>
+                  <a:off x="3372336" y="9980432"/>
+                  <a:ext cx="601382" cy="369332"/>
+                </a:xfrm>
+                <a:prstGeom prst="rect">
+                  <a:avLst/>
+                </a:prstGeom>
+                <a:noFill/>
+              </p:spPr>
+              <p:txBody>
+                <a:bodyPr wrap="none" rtlCol="0">
+                  <a:spAutoFit/>
+                </a:bodyPr>
+                <a:lstStyle/>
+                <a:p>
+                  <a14:m>
+                    <m:oMathPara xmlns:m="http://schemas.openxmlformats.org/officeDocument/2006/math">
+                      <m:oMathParaPr>
+                        <m:jc m:val="centerGroup"/>
+                      </m:oMathParaPr>
+                      <m:oMath xmlns:m="http://schemas.openxmlformats.org/officeDocument/2006/math">
+                        <m:r>
+                          <m:rPr>
+                            <m:nor/>
+                          </m:rPr>
+                          <a:rPr lang="en-US" altLang="ko-KR" i="0" smtClean="0">
+                            <a:latin typeface="Cambria Math" panose="02040503050406030204" pitchFamily="18" charset="0"/>
+                            <a:ea typeface="나눔바른고딕" panose="020B0603020101020101" pitchFamily="50" charset="-127"/>
+                          </a:rPr>
+                          <m:t>Yes</m:t>
+                        </m:r>
+                      </m:oMath>
+                    </m:oMathPara>
+                  </a14:m>
+                  <a:endParaRPr lang="ko-KR" altLang="en-US">
+                    <a:latin typeface="나눔바른고딕" panose="020B0603020101020101" pitchFamily="50" charset="-127"/>
+                    <a:ea typeface="나눔바른고딕" panose="020B0603020101020101" pitchFamily="50" charset="-127"/>
+                  </a:endParaRPr>
+                </a:p>
+              </p:txBody>
+            </p:sp>
+          </mc:Choice>
+          <mc:Fallback>
+            <p:sp>
+              <p:nvSpPr>
+                <p:cNvPr id="1040" name="TextBox 1039">
+                  <a:extLst>
+                    <a:ext uri="{FF2B5EF4-FFF2-40B4-BE49-F238E27FC236}">
+                      <a16:creationId xmlns:a16="http://schemas.microsoft.com/office/drawing/2014/main" id="{6B3E8DCA-1D9C-8E9A-567B-1CAFDB765893}"/>
+                    </a:ext>
+                  </a:extLst>
+                </p:cNvPr>
+                <p:cNvSpPr txBox="1">
+                  <a:spLocks noRot="1" noChangeAspect="1" noMove="1" noResize="1" noEditPoints="1" noAdjustHandles="1" noChangeArrowheads="1" noChangeShapeType="1" noTextEdit="1"/>
+                </p:cNvSpPr>
+                <p:nvPr/>
+              </p:nvSpPr>
+              <p:spPr>
+                <a:xfrm>
+                  <a:off x="3372336" y="9980432"/>
+                  <a:ext cx="601382" cy="369332"/>
+                </a:xfrm>
+                <a:prstGeom prst="rect">
+                  <a:avLst/>
+                </a:prstGeom>
+                <a:blipFill>
+                  <a:blip r:embed="rId14"/>
+                  <a:stretch>
+                    <a:fillRect/>
+                  </a:stretch>
+                </a:blipFill>
+              </p:spPr>
+              <p:txBody>
+                <a:bodyPr/>
+                <a:lstStyle/>
+                <a:p>
+                  <a:r>
+                    <a:rPr lang="ko-KR" altLang="en-US">
+                      <a:noFill/>
+                    </a:rPr>
+                    <a:t> </a:t>
+                  </a:r>
+                </a:p>
+              </p:txBody>
+            </p:sp>
+          </mc:Fallback>
+        </mc:AlternateContent>
+        <p:cxnSp>
+          <p:nvCxnSpPr>
+            <p:cNvPr id="1041" name="직선 화살표 연결선 1040">
+              <a:extLst>
+                <a:ext uri="{FF2B5EF4-FFF2-40B4-BE49-F238E27FC236}">
+                  <a16:creationId xmlns:a16="http://schemas.microsoft.com/office/drawing/2014/main" id="{8E80F2FB-199D-1081-8399-BEDB3F226349}"/>
+                </a:ext>
+              </a:extLst>
+            </p:cNvPr>
+            <p:cNvCxnSpPr>
+              <a:cxnSpLocks/>
+              <a:stCxn id="37" idx="2"/>
+              <a:endCxn id="1046" idx="0"/>
+            </p:cNvCxnSpPr>
+            <p:nvPr/>
+          </p:nvCxnSpPr>
+          <p:spPr>
+            <a:xfrm>
+              <a:off x="3352175" y="11623683"/>
+              <a:ext cx="0" cy="464981"/>
+            </a:xfrm>
+            <a:prstGeom prst="straightConnector1">
+              <a:avLst/>
+            </a:prstGeom>
+            <a:ln>
+              <a:tailEnd type="triangle"/>
+            </a:ln>
+          </p:spPr>
+          <p:style>
+            <a:lnRef idx="2">
+              <a:schemeClr val="dk1"/>
+            </a:lnRef>
+            <a:fillRef idx="0">
+              <a:schemeClr val="dk1"/>
+            </a:fillRef>
+            <a:effectRef idx="1">
+              <a:schemeClr val="dk1"/>
+            </a:effectRef>
+            <a:fontRef idx="minor">
+              <a:schemeClr val="tx1"/>
+            </a:fontRef>
+          </p:style>
+        </p:cxnSp>
+        <mc:AlternateContent xmlns:mc="http://schemas.openxmlformats.org/markup-compatibility/2006">
+          <mc:Choice xmlns:a14="http://schemas.microsoft.com/office/drawing/2010/main" Requires="a14">
+            <p:sp>
+              <p:nvSpPr>
+                <p:cNvPr id="1042" name="TextBox 1041">
+                  <a:extLst>
+                    <a:ext uri="{FF2B5EF4-FFF2-40B4-BE49-F238E27FC236}">
+                      <a16:creationId xmlns:a16="http://schemas.microsoft.com/office/drawing/2014/main" id="{8FC8DCCB-D09E-0D19-8329-3880F9FD4128}"/>
+                    </a:ext>
+                  </a:extLst>
+                </p:cNvPr>
+                <p:cNvSpPr txBox="1"/>
+                <p:nvPr/>
+              </p:nvSpPr>
+              <p:spPr>
+                <a:xfrm>
+                  <a:off x="3372336" y="11661783"/>
+                  <a:ext cx="601382" cy="369332"/>
+                </a:xfrm>
+                <a:prstGeom prst="rect">
+                  <a:avLst/>
+                </a:prstGeom>
+                <a:noFill/>
+              </p:spPr>
+              <p:txBody>
+                <a:bodyPr wrap="none" rtlCol="0">
+                  <a:spAutoFit/>
+                </a:bodyPr>
+                <a:lstStyle/>
+                <a:p>
+                  <a14:m>
+                    <m:oMathPara xmlns:m="http://schemas.openxmlformats.org/officeDocument/2006/math">
+                      <m:oMathParaPr>
+                        <m:jc m:val="centerGroup"/>
+                      </m:oMathParaPr>
+                      <m:oMath xmlns:m="http://schemas.openxmlformats.org/officeDocument/2006/math">
+                        <m:r>
+                          <m:rPr>
+                            <m:nor/>
+                          </m:rPr>
+                          <a:rPr lang="en-US" altLang="ko-KR" i="0" smtClean="0">
+                            <a:latin typeface="Cambria Math" panose="02040503050406030204" pitchFamily="18" charset="0"/>
+                            <a:ea typeface="나눔바른고딕" panose="020B0603020101020101" pitchFamily="50" charset="-127"/>
+                          </a:rPr>
+                          <m:t>Yes</m:t>
+                        </m:r>
+                      </m:oMath>
+                    </m:oMathPara>
+                  </a14:m>
+                  <a:endParaRPr lang="ko-KR" altLang="en-US">
+                    <a:latin typeface="나눔바른고딕" panose="020B0603020101020101" pitchFamily="50" charset="-127"/>
+                    <a:ea typeface="나눔바른고딕" panose="020B0603020101020101" pitchFamily="50" charset="-127"/>
+                  </a:endParaRPr>
+                </a:p>
+              </p:txBody>
+            </p:sp>
+          </mc:Choice>
+          <mc:Fallback>
+            <p:sp>
+              <p:nvSpPr>
+                <p:cNvPr id="1042" name="TextBox 1041">
+                  <a:extLst>
+                    <a:ext uri="{FF2B5EF4-FFF2-40B4-BE49-F238E27FC236}">
+                      <a16:creationId xmlns:a16="http://schemas.microsoft.com/office/drawing/2014/main" id="{8FC8DCCB-D09E-0D19-8329-3880F9FD4128}"/>
+                    </a:ext>
+                  </a:extLst>
+                </p:cNvPr>
+                <p:cNvSpPr txBox="1">
+                  <a:spLocks noRot="1" noChangeAspect="1" noMove="1" noResize="1" noEditPoints="1" noAdjustHandles="1" noChangeArrowheads="1" noChangeShapeType="1" noTextEdit="1"/>
+                </p:cNvSpPr>
+                <p:nvPr/>
+              </p:nvSpPr>
+              <p:spPr>
+                <a:xfrm>
+                  <a:off x="3372336" y="11661783"/>
+                  <a:ext cx="601382" cy="369332"/>
+                </a:xfrm>
+                <a:prstGeom prst="rect">
+                  <a:avLst/>
+                </a:prstGeom>
+                <a:blipFill>
+                  <a:blip r:embed="rId15"/>
+                  <a:stretch>
+                    <a:fillRect/>
+                  </a:stretch>
+                </a:blipFill>
+              </p:spPr>
+              <p:txBody>
+                <a:bodyPr/>
+                <a:lstStyle/>
+                <a:p>
+                  <a:r>
+                    <a:rPr lang="ko-KR" altLang="en-US">
+                      <a:noFill/>
+                    </a:rPr>
+                    <a:t> </a:t>
+                  </a:r>
+                </a:p>
+              </p:txBody>
+            </p:sp>
+          </mc:Fallback>
+        </mc:AlternateContent>
+        <mc:AlternateContent xmlns:mc="http://schemas.openxmlformats.org/markup-compatibility/2006">
+          <mc:Choice xmlns:a14="http://schemas.microsoft.com/office/drawing/2010/main" Requires="a14">
+            <p:sp>
+              <p:nvSpPr>
+                <p:cNvPr id="1046" name="순서도: 대체 처리 1045">
+                  <a:extLst>
+                    <a:ext uri="{FF2B5EF4-FFF2-40B4-BE49-F238E27FC236}">
+                      <a16:creationId xmlns:a16="http://schemas.microsoft.com/office/drawing/2014/main" id="{FD00C839-C283-475F-8CEA-7A5CD8D92945}"/>
+                    </a:ext>
+                  </a:extLst>
+                </p:cNvPr>
+                <p:cNvSpPr/>
+                <p:nvPr/>
+              </p:nvSpPr>
+              <p:spPr>
+                <a:xfrm>
+                  <a:off x="2182244" y="12088664"/>
+                  <a:ext cx="2339861" cy="879779"/>
+                </a:xfrm>
+                <a:prstGeom prst="flowChartAlternateProcess">
+                  <a:avLst/>
+                </a:prstGeom>
+              </p:spPr>
+              <p:style>
+                <a:lnRef idx="1">
+                  <a:schemeClr val="accent4"/>
+                </a:lnRef>
+                <a:fillRef idx="2">
+                  <a:schemeClr val="accent4"/>
+                </a:fillRef>
+                <a:effectRef idx="1">
+                  <a:schemeClr val="accent4"/>
+                </a:effectRef>
+                <a:fontRef idx="minor">
+                  <a:schemeClr val="dk1"/>
+                </a:fontRef>
+              </p:style>
+              <p:txBody>
+                <a:bodyPr rtlCol="0" anchor="ctr"/>
+                <a:lstStyle/>
+                <a:p>
+                  <a:pPr algn="ctr"/>
+                  <a14:m>
+                    <m:oMathPara xmlns:m="http://schemas.openxmlformats.org/officeDocument/2006/math">
+                      <m:oMathParaPr>
+                        <m:jc m:val="centerGroup"/>
+                      </m:oMathParaPr>
+                      <m:oMath xmlns:m="http://schemas.openxmlformats.org/officeDocument/2006/math">
+                        <m:r>
+                          <m:rPr>
+                            <m:nor/>
+                          </m:rPr>
+                          <a:rPr lang="en-US" altLang="ko-KR" i="0" smtClean="0">
+                            <a:latin typeface="Cambria Math" panose="02040503050406030204" pitchFamily="18" charset="0"/>
+                            <a:ea typeface="나눔바른고딕" panose="020B0603020101020101" pitchFamily="50" charset="-127"/>
+                          </a:rPr>
+                          <m:t>Stop</m:t>
+                        </m:r>
+                      </m:oMath>
+                    </m:oMathPara>
+                  </a14:m>
+                  <a:endParaRPr lang="ko-KR" altLang="en-US">
+                    <a:latin typeface="나눔바른고딕" panose="020B0603020101020101" pitchFamily="50" charset="-127"/>
+                    <a:ea typeface="나눔바른고딕" panose="020B0603020101020101" pitchFamily="50" charset="-127"/>
+                  </a:endParaRPr>
+                </a:p>
+              </p:txBody>
+            </p:sp>
+          </mc:Choice>
+          <mc:Fallback>
+            <p:sp>
+              <p:nvSpPr>
+                <p:cNvPr id="1046" name="순서도: 대체 처리 1045">
+                  <a:extLst>
+                    <a:ext uri="{FF2B5EF4-FFF2-40B4-BE49-F238E27FC236}">
+                      <a16:creationId xmlns:a16="http://schemas.microsoft.com/office/drawing/2014/main" id="{FD00C839-C283-475F-8CEA-7A5CD8D92945}"/>
+                    </a:ext>
+                  </a:extLst>
+                </p:cNvPr>
+                <p:cNvSpPr>
+                  <a:spLocks noRot="1" noChangeAspect="1" noMove="1" noResize="1" noEditPoints="1" noAdjustHandles="1" noChangeArrowheads="1" noChangeShapeType="1" noTextEdit="1"/>
+                </p:cNvSpPr>
+                <p:nvPr/>
+              </p:nvSpPr>
+              <p:spPr>
+                <a:xfrm>
+                  <a:off x="2182244" y="12088664"/>
+                  <a:ext cx="2339861" cy="879779"/>
+                </a:xfrm>
+                <a:prstGeom prst="flowChartAlternateProcess">
+                  <a:avLst/>
+                </a:prstGeom>
+                <a:blipFill>
+                  <a:blip r:embed="rId16"/>
+                  <a:stretch>
+                    <a:fillRect/>
+                  </a:stretch>
+                </a:blipFill>
+              </p:spPr>
+              <p:txBody>
+                <a:bodyPr/>
+                <a:lstStyle/>
+                <a:p>
+                  <a:r>
+                    <a:rPr lang="ko-KR" altLang="en-US">
+                      <a:noFill/>
+                    </a:rPr>
+                    <a:t> </a:t>
+                  </a:r>
+                </a:p>
+              </p:txBody>
+            </p:sp>
+          </mc:Fallback>
+        </mc:AlternateContent>
+        <mc:AlternateContent xmlns:mc="http://schemas.openxmlformats.org/markup-compatibility/2006">
+          <mc:Choice xmlns:a14="http://schemas.microsoft.com/office/drawing/2010/main" Requires="a14">
+            <p:sp>
+              <p:nvSpPr>
+                <p:cNvPr id="1049" name="순서도: 대체 처리 1048">
+                  <a:extLst>
+                    <a:ext uri="{FF2B5EF4-FFF2-40B4-BE49-F238E27FC236}">
+                      <a16:creationId xmlns:a16="http://schemas.microsoft.com/office/drawing/2014/main" id="{0508A416-A48B-A13E-75EA-26EF26558CD7}"/>
+                    </a:ext>
+                  </a:extLst>
+                </p:cNvPr>
+                <p:cNvSpPr/>
+                <p:nvPr/>
+              </p:nvSpPr>
+              <p:spPr>
+                <a:xfrm>
+                  <a:off x="2182245" y="-4982742"/>
+                  <a:ext cx="2339861" cy="879779"/>
+                </a:xfrm>
+                <a:prstGeom prst="flowChartAlternateProcess">
+                  <a:avLst/>
+                </a:prstGeom>
+              </p:spPr>
+              <p:style>
+                <a:lnRef idx="1">
+                  <a:schemeClr val="accent2"/>
+                </a:lnRef>
+                <a:fillRef idx="2">
+                  <a:schemeClr val="accent2"/>
+                </a:fillRef>
+                <a:effectRef idx="1">
+                  <a:schemeClr val="accent2"/>
+                </a:effectRef>
+                <a:fontRef idx="minor">
+                  <a:schemeClr val="dk1"/>
+                </a:fontRef>
+              </p:style>
+              <p:txBody>
+                <a:bodyPr rtlCol="0" anchor="ctr"/>
+                <a:lstStyle/>
+                <a:p>
+                  <a:pPr algn="ctr"/>
+                  <a14:m>
+                    <m:oMathPara xmlns:m="http://schemas.openxmlformats.org/officeDocument/2006/math">
+                      <m:oMathParaPr>
+                        <m:jc m:val="centerGroup"/>
+                      </m:oMathParaPr>
+                      <m:oMath xmlns:m="http://schemas.openxmlformats.org/officeDocument/2006/math">
+                        <m:r>
+                          <m:rPr>
+                            <m:nor/>
+                          </m:rPr>
+                          <a:rPr lang="en-US" altLang="ko-KR" i="0" smtClean="0">
+                            <a:latin typeface="Cambria Math" panose="02040503050406030204" pitchFamily="18" charset="0"/>
+                            <a:ea typeface="나눔바른고딕" panose="020B0603020101020101" pitchFamily="50" charset="-127"/>
+                          </a:rPr>
+                          <m:t>Start</m:t>
+                        </m:r>
+                      </m:oMath>
+                    </m:oMathPara>
+                  </a14:m>
+                  <a:endParaRPr lang="ko-KR" altLang="en-US">
+                    <a:latin typeface="나눔바른고딕" panose="020B0603020101020101" pitchFamily="50" charset="-127"/>
+                    <a:ea typeface="나눔바른고딕" panose="020B0603020101020101" pitchFamily="50" charset="-127"/>
+                  </a:endParaRPr>
+                </a:p>
+              </p:txBody>
+            </p:sp>
+          </mc:Choice>
+          <mc:Fallback>
+            <p:sp>
+              <p:nvSpPr>
+                <p:cNvPr id="1049" name="순서도: 대체 처리 1048">
+                  <a:extLst>
+                    <a:ext uri="{FF2B5EF4-FFF2-40B4-BE49-F238E27FC236}">
+                      <a16:creationId xmlns:a16="http://schemas.microsoft.com/office/drawing/2014/main" id="{0508A416-A48B-A13E-75EA-26EF26558CD7}"/>
+                    </a:ext>
+                  </a:extLst>
+                </p:cNvPr>
+                <p:cNvSpPr>
+                  <a:spLocks noRot="1" noChangeAspect="1" noMove="1" noResize="1" noEditPoints="1" noAdjustHandles="1" noChangeArrowheads="1" noChangeShapeType="1" noTextEdit="1"/>
+                </p:cNvSpPr>
+                <p:nvPr/>
+              </p:nvSpPr>
+              <p:spPr>
+                <a:xfrm>
+                  <a:off x="2182245" y="-4982742"/>
+                  <a:ext cx="2339861" cy="879779"/>
+                </a:xfrm>
+                <a:prstGeom prst="flowChartAlternateProcess">
+                  <a:avLst/>
+                </a:prstGeom>
+                <a:blipFill>
+                  <a:blip r:embed="rId17"/>
+                  <a:stretch>
+                    <a:fillRect/>
+                  </a:stretch>
+                </a:blipFill>
+              </p:spPr>
+              <p:txBody>
+                <a:bodyPr/>
+                <a:lstStyle/>
+                <a:p>
+                  <a:r>
+                    <a:rPr lang="ko-KR" altLang="en-US">
+                      <a:noFill/>
+                    </a:rPr>
+                    <a:t> </a:t>
+                  </a:r>
+                </a:p>
+              </p:txBody>
+            </p:sp>
+          </mc:Fallback>
+        </mc:AlternateContent>
+        <p:cxnSp>
+          <p:nvCxnSpPr>
+            <p:cNvPr id="1050" name="직선 화살표 연결선 1049">
+              <a:extLst>
+                <a:ext uri="{FF2B5EF4-FFF2-40B4-BE49-F238E27FC236}">
+                  <a16:creationId xmlns:a16="http://schemas.microsoft.com/office/drawing/2014/main" id="{4608B568-1E28-2A13-193D-A72CDF3DCDB9}"/>
+                </a:ext>
+              </a:extLst>
+            </p:cNvPr>
+            <p:cNvCxnSpPr>
+              <a:cxnSpLocks/>
+            </p:cNvCxnSpPr>
+            <p:nvPr/>
+          </p:nvCxnSpPr>
+          <p:spPr>
+            <a:xfrm flipH="1">
+              <a:off x="3352175" y="-4102963"/>
+              <a:ext cx="1" cy="377250"/>
+            </a:xfrm>
+            <a:prstGeom prst="straightConnector1">
+              <a:avLst/>
+            </a:prstGeom>
+            <a:ln>
+              <a:tailEnd type="triangle"/>
+            </a:ln>
+          </p:spPr>
+          <p:style>
+            <a:lnRef idx="2">
+              <a:schemeClr val="dk1"/>
+            </a:lnRef>
+            <a:fillRef idx="0">
+              <a:schemeClr val="dk1"/>
+            </a:fillRef>
+            <a:effectRef idx="1">
+              <a:schemeClr val="dk1"/>
+            </a:effectRef>
+            <a:fontRef idx="minor">
+              <a:schemeClr val="tx1"/>
+            </a:fontRef>
+          </p:style>
+        </p:cxnSp>
+        <p:sp>
+          <p:nvSpPr>
+            <p:cNvPr id="1055" name="TextBox 1054">
+              <a:extLst>
+                <a:ext uri="{FF2B5EF4-FFF2-40B4-BE49-F238E27FC236}">
+                  <a16:creationId xmlns:a16="http://schemas.microsoft.com/office/drawing/2014/main" id="{8B6ED4F3-FBB4-B1BB-D5D5-7C61C0B5C3F4}"/>
+                </a:ext>
+              </a:extLst>
+            </p:cNvPr>
+            <p:cNvSpPr txBox="1"/>
+            <p:nvPr/>
+          </p:nvSpPr>
+          <p:spPr>
+            <a:xfrm>
+              <a:off x="2064673" y="9170132"/>
+              <a:ext cx="470376" cy="369332"/>
+            </a:xfrm>
+            <a:prstGeom prst="rect">
+              <a:avLst/>
+            </a:prstGeom>
+            <a:noFill/>
+          </p:spPr>
+          <p:txBody>
+            <a:bodyPr wrap="square">
+              <a:spAutoFit/>
+            </a:bodyPr>
+            <a:lstStyle/>
+            <a:p>
+              <a:pPr algn="ctr"/>
+              <a:r>
+                <a:rPr lang="ko-KR" altLang="en-US"/>
+                <a:t>⑨</a:t>
+              </a:r>
+            </a:p>
+          </p:txBody>
+        </p:sp>
+        <p:sp>
+          <p:nvSpPr>
+            <p:cNvPr id="1056" name="TextBox 1055">
+              <a:extLst>
+                <a:ext uri="{FF2B5EF4-FFF2-40B4-BE49-F238E27FC236}">
+                  <a16:creationId xmlns:a16="http://schemas.microsoft.com/office/drawing/2014/main" id="{56CA6838-C4D8-CB5B-9143-F4C1D48D3FBD}"/>
+                </a:ext>
+              </a:extLst>
+            </p:cNvPr>
+            <p:cNvSpPr txBox="1"/>
+            <p:nvPr/>
+          </p:nvSpPr>
+          <p:spPr>
+            <a:xfrm>
+              <a:off x="2064673" y="10760335"/>
+              <a:ext cx="470376" cy="369332"/>
+            </a:xfrm>
+            <a:prstGeom prst="rect">
+              <a:avLst/>
+            </a:prstGeom>
+            <a:noFill/>
+          </p:spPr>
+          <p:txBody>
+            <a:bodyPr wrap="square">
+              <a:spAutoFit/>
+            </a:bodyPr>
+            <a:lstStyle/>
+            <a:p>
+              <a:pPr algn="ctr"/>
+              <a:r>
+                <a:rPr lang="ko-KR" altLang="en-US"/>
+                <a:t>⑪</a:t>
+              </a:r>
+            </a:p>
+          </p:txBody>
+        </p:sp>
+        <p:cxnSp>
+          <p:nvCxnSpPr>
+            <p:cNvPr id="1060" name="직선 화살표 연결선 1059">
+              <a:extLst>
+                <a:ext uri="{FF2B5EF4-FFF2-40B4-BE49-F238E27FC236}">
+                  <a16:creationId xmlns:a16="http://schemas.microsoft.com/office/drawing/2014/main" id="{ABD5C68D-2F83-5BC0-D020-3C517C53D5D3}"/>
+                </a:ext>
+              </a:extLst>
+            </p:cNvPr>
+            <p:cNvCxnSpPr>
+              <a:cxnSpLocks/>
+              <a:stCxn id="46" idx="1"/>
+              <a:endCxn id="19" idx="3"/>
+            </p:cNvCxnSpPr>
+            <p:nvPr/>
+          </p:nvCxnSpPr>
+          <p:spPr>
+            <a:xfrm flipH="1" flipV="1">
+              <a:off x="804138" y="1863837"/>
+              <a:ext cx="566837" cy="6757"/>
+            </a:xfrm>
+            <a:prstGeom prst="straightConnector1">
+              <a:avLst/>
+            </a:prstGeom>
+            <a:ln>
+              <a:headEnd type="triangle"/>
+              <a:tailEnd type="none"/>
+            </a:ln>
+          </p:spPr>
+          <p:style>
+            <a:lnRef idx="2">
+              <a:schemeClr val="dk1"/>
+            </a:lnRef>
+            <a:fillRef idx="0">
+              <a:schemeClr val="dk1"/>
+            </a:fillRef>
+            <a:effectRef idx="1">
+              <a:schemeClr val="dk1"/>
+            </a:effectRef>
+            <a:fontRef idx="minor">
+              <a:schemeClr val="tx1"/>
+            </a:fontRef>
+          </p:style>
+        </p:cxnSp>
+        <p:sp>
+          <p:nvSpPr>
+            <p:cNvPr id="1064" name="타원 1063">
+              <a:extLst>
+                <a:ext uri="{FF2B5EF4-FFF2-40B4-BE49-F238E27FC236}">
+                  <a16:creationId xmlns:a16="http://schemas.microsoft.com/office/drawing/2014/main" id="{709809EA-121C-C9D6-B470-303A484A1FBE}"/>
+                </a:ext>
+              </a:extLst>
+            </p:cNvPr>
+            <p:cNvSpPr/>
+            <p:nvPr/>
+          </p:nvSpPr>
+          <p:spPr>
+            <a:xfrm>
+              <a:off x="-879917" y="8649619"/>
+              <a:ext cx="122887" cy="122887"/>
+            </a:xfrm>
+            <a:prstGeom prst="ellipse">
+              <a:avLst/>
+            </a:prstGeom>
+            <a:solidFill>
+              <a:schemeClr val="tx1"/>
+            </a:solidFill>
+            <a:ln>
+              <a:noFill/>
+            </a:ln>
+          </p:spPr>
+          <p:style>
+            <a:lnRef idx="2">
+              <a:schemeClr val="dk1">
+                <a:shade val="15000"/>
+              </a:schemeClr>
+            </a:lnRef>
+            <a:fillRef idx="1">
+              <a:schemeClr val="dk1"/>
+            </a:fillRef>
+            <a:effectRef idx="0">
+              <a:schemeClr val="dk1"/>
+            </a:effectRef>
+            <a:fontRef idx="minor">
+              <a:schemeClr val="lt1"/>
+            </a:fontRef>
+          </p:style>
+          <p:txBody>
+            <a:bodyPr rtlCol="0" anchor="ctr"/>
+            <a:lstStyle/>
+            <a:p>
+              <a:pPr algn="ctr"/>
+              <a:endParaRPr lang="ko-KR" altLang="en-US" sz="3600"/>
+            </a:p>
+          </p:txBody>
+        </p:sp>
+        <p:sp>
+          <p:nvSpPr>
+            <p:cNvPr id="1065" name="타원 1064">
+              <a:extLst>
+                <a:ext uri="{FF2B5EF4-FFF2-40B4-BE49-F238E27FC236}">
+                  <a16:creationId xmlns:a16="http://schemas.microsoft.com/office/drawing/2014/main" id="{EC79698B-69F3-1197-55B6-B5BFA1AF6055}"/>
+                </a:ext>
+              </a:extLst>
+            </p:cNvPr>
+            <p:cNvSpPr/>
+            <p:nvPr/>
+          </p:nvSpPr>
+          <p:spPr>
+            <a:xfrm>
+              <a:off x="-883253" y="10170247"/>
+              <a:ext cx="122887" cy="122887"/>
+            </a:xfrm>
+            <a:prstGeom prst="ellipse">
+              <a:avLst/>
+            </a:prstGeom>
+            <a:solidFill>
+              <a:schemeClr val="tx1"/>
+            </a:solidFill>
+            <a:ln>
+              <a:noFill/>
+            </a:ln>
+          </p:spPr>
+          <p:style>
+            <a:lnRef idx="2">
+              <a:schemeClr val="dk1">
+                <a:shade val="15000"/>
+              </a:schemeClr>
+            </a:lnRef>
+            <a:fillRef idx="1">
+              <a:schemeClr val="dk1"/>
+            </a:fillRef>
+            <a:effectRef idx="0">
+              <a:schemeClr val="dk1"/>
+            </a:effectRef>
+            <a:fontRef idx="minor">
+              <a:schemeClr val="lt1"/>
+            </a:fontRef>
+          </p:style>
+          <p:txBody>
+            <a:bodyPr rtlCol="0" anchor="ctr"/>
+            <a:lstStyle/>
+            <a:p>
+              <a:pPr algn="ctr"/>
+              <a:endParaRPr lang="ko-KR" altLang="en-US" sz="3600"/>
+            </a:p>
+          </p:txBody>
+        </p:sp>
+        <p:sp>
+          <p:nvSpPr>
+            <p:cNvPr id="3" name="TextBox 2">
+              <a:extLst>
+                <a:ext uri="{FF2B5EF4-FFF2-40B4-BE49-F238E27FC236}">
+                  <a16:creationId xmlns:a16="http://schemas.microsoft.com/office/drawing/2014/main" id="{D0BF7EC4-225A-BE74-FACB-BD42502022E1}"/>
+                </a:ext>
+              </a:extLst>
+            </p:cNvPr>
+            <p:cNvSpPr txBox="1"/>
+            <p:nvPr/>
+          </p:nvSpPr>
+          <p:spPr>
+            <a:xfrm>
+              <a:off x="-1416413" y="-6288653"/>
+              <a:ext cx="7432548" cy="584775"/>
+            </a:xfrm>
+            <a:prstGeom prst="rect">
+              <a:avLst/>
+            </a:prstGeom>
+            <a:noFill/>
+          </p:spPr>
+          <p:txBody>
+            <a:bodyPr wrap="none" rtlCol="0">
+              <a:spAutoFit/>
+            </a:bodyPr>
+            <a:lstStyle/>
+            <a:p>
+              <a:r>
+                <a:rPr lang="en-US" altLang="ko-KR" sz="3200" b="1">
+                  <a:latin typeface="나눔바른고딕" panose="020B0603020101020101" pitchFamily="50" charset="-127"/>
+                  <a:ea typeface="나눔바른고딕" panose="020B0603020101020101" pitchFamily="50" charset="-127"/>
+                </a:rPr>
+                <a:t>Levenberg-Marquardt</a:t>
+              </a:r>
+              <a:r>
+                <a:rPr lang="ko-KR" altLang="en-US" sz="3200" b="1">
+                  <a:latin typeface="나눔바른고딕" panose="020B0603020101020101" pitchFamily="50" charset="-127"/>
+                  <a:ea typeface="나눔바른고딕" panose="020B0603020101020101" pitchFamily="50" charset="-127"/>
+                </a:rPr>
+                <a:t> </a:t>
+              </a:r>
+              <a:r>
+                <a:rPr lang="en-US" altLang="ko-KR" sz="3200" b="1">
+                  <a:latin typeface="나눔바른고딕" panose="020B0603020101020101" pitchFamily="50" charset="-127"/>
+                  <a:ea typeface="나눔바른고딕" panose="020B0603020101020101" pitchFamily="50" charset="-127"/>
+                </a:rPr>
+                <a:t>Method w/ Trial</a:t>
+              </a:r>
+              <a:endParaRPr lang="ko-KR" altLang="en-US" sz="3200" b="1">
+                <a:latin typeface="나눔바른고딕" panose="020B0603020101020101" pitchFamily="50" charset="-127"/>
+                <a:ea typeface="나눔바른고딕" panose="020B0603020101020101" pitchFamily="50" charset="-127"/>
+              </a:endParaRPr>
+            </a:p>
+          </p:txBody>
+        </p:sp>
+        <mc:AlternateContent xmlns:mc="http://schemas.openxmlformats.org/markup-compatibility/2006">
+          <mc:Choice xmlns:a14="http://schemas.microsoft.com/office/drawing/2010/main" Requires="a14">
+            <p:sp>
+              <p:nvSpPr>
+                <p:cNvPr id="19" name="순서도: 판단 18">
+                  <a:extLst>
+                    <a:ext uri="{FF2B5EF4-FFF2-40B4-BE49-F238E27FC236}">
+                      <a16:creationId xmlns:a16="http://schemas.microsoft.com/office/drawing/2014/main" id="{6EE853F2-3E23-EA52-FE2C-224C4999AD15}"/>
+                    </a:ext>
+                  </a:extLst>
+                </p:cNvPr>
+                <p:cNvSpPr/>
+                <p:nvPr/>
+              </p:nvSpPr>
+              <p:spPr>
+                <a:xfrm>
+                  <a:off x="-2408367" y="1218567"/>
+                  <a:ext cx="3212505" cy="1290539"/>
+                </a:xfrm>
+                <a:prstGeom prst="flowChartDecision">
+                  <a:avLst/>
+                </a:prstGeom>
+              </p:spPr>
+              <p:style>
+                <a:lnRef idx="2">
+                  <a:schemeClr val="dk1"/>
+                </a:lnRef>
+                <a:fillRef idx="1">
+                  <a:schemeClr val="lt1"/>
+                </a:fillRef>
+                <a:effectRef idx="0">
+                  <a:schemeClr val="dk1"/>
+                </a:effectRef>
+                <a:fontRef idx="minor">
+                  <a:schemeClr val="dk1"/>
+                </a:fontRef>
+              </p:style>
+              <p:txBody>
+                <a:bodyPr rtlCol="0" anchor="ctr"/>
+                <a:lstStyle/>
+                <a:p>
+                  <a:pPr algn="ctr">
+                    <a:lnSpc>
+                      <a:spcPct val="120000"/>
+                    </a:lnSpc>
+                  </a:pPr>
+                  <a14:m>
+                    <m:oMath xmlns:m="http://schemas.openxmlformats.org/officeDocument/2006/math">
+                      <m:r>
+                        <m:rPr>
+                          <m:nor/>
+                        </m:rPr>
+                        <a:rPr lang="en-US" altLang="ko-KR" sz="1400" b="0" i="0" smtClean="0">
+                          <a:latin typeface="Cambria Math" panose="02040503050406030204" pitchFamily="18" charset="0"/>
+                          <a:ea typeface="나눔바른고딕" panose="020B0603020101020101" pitchFamily="50" charset="-127"/>
+                        </a:rPr>
+                        <m:t>iteration</m:t>
+                      </m:r>
+                    </m:oMath>
+                  </a14:m>
+                  <a:r>
+                    <a:rPr lang="ko-KR" altLang="en-US" sz="1400"/>
+                    <a:t> </a:t>
+                  </a:r>
+                  <a:r>
+                    <a:rPr lang="en-US" altLang="ko-KR" sz="1400"/>
+                    <a:t>&lt; </a:t>
+                  </a:r>
+                  <a14:m>
+                    <m:oMath xmlns:m="http://schemas.openxmlformats.org/officeDocument/2006/math">
+                      <m:r>
+                        <m:rPr>
+                          <m:nor/>
+                        </m:rPr>
+                        <a:rPr lang="en-US" altLang="ko-KR" sz="1400" b="0" i="0" smtClean="0">
+                          <a:latin typeface="Cambria Math" panose="02040503050406030204" pitchFamily="18" charset="0"/>
+                          <a:ea typeface="나눔바른고딕" panose="020B0603020101020101" pitchFamily="50" charset="-127"/>
+                        </a:rPr>
+                        <m:t>max</m:t>
+                      </m:r>
+                      <m:r>
+                        <m:rPr>
+                          <m:nor/>
+                        </m:rPr>
+                        <a:rPr lang="en-US" altLang="ko-KR" sz="1400" b="0" i="0" smtClean="0">
+                          <a:latin typeface="Cambria Math" panose="02040503050406030204" pitchFamily="18" charset="0"/>
+                          <a:ea typeface="나눔바른고딕" panose="020B0603020101020101" pitchFamily="50" charset="-127"/>
+                        </a:rPr>
+                        <m:t>_</m:t>
+                      </m:r>
+                      <m:r>
+                        <m:rPr>
+                          <m:nor/>
+                        </m:rPr>
+                        <a:rPr lang="en-US" altLang="ko-KR" sz="1400" b="0" i="0" smtClean="0">
+                          <a:latin typeface="Cambria Math" panose="02040503050406030204" pitchFamily="18" charset="0"/>
+                          <a:ea typeface="나눔바른고딕" panose="020B0603020101020101" pitchFamily="50" charset="-127"/>
+                        </a:rPr>
+                        <m:t>iteration</m:t>
+                      </m:r>
+                    </m:oMath>
+                  </a14:m>
+                  <a:endParaRPr lang="ko-KR" altLang="en-US" sz="1400"/>
+                </a:p>
+              </p:txBody>
+            </p:sp>
+          </mc:Choice>
+          <mc:Fallback>
+            <p:sp>
+              <p:nvSpPr>
+                <p:cNvPr id="19" name="순서도: 판단 18">
+                  <a:extLst>
+                    <a:ext uri="{FF2B5EF4-FFF2-40B4-BE49-F238E27FC236}">
+                      <a16:creationId xmlns:a16="http://schemas.microsoft.com/office/drawing/2014/main" id="{6EE853F2-3E23-EA52-FE2C-224C4999AD15}"/>
+                    </a:ext>
+                  </a:extLst>
+                </p:cNvPr>
+                <p:cNvSpPr>
+                  <a:spLocks noRot="1" noChangeAspect="1" noMove="1" noResize="1" noEditPoints="1" noAdjustHandles="1" noChangeArrowheads="1" noChangeShapeType="1" noTextEdit="1"/>
+                </p:cNvSpPr>
+                <p:nvPr/>
+              </p:nvSpPr>
+              <p:spPr>
+                <a:xfrm>
+                  <a:off x="-2408367" y="1218567"/>
+                  <a:ext cx="3212505" cy="1290539"/>
+                </a:xfrm>
+                <a:prstGeom prst="flowChartDecision">
+                  <a:avLst/>
+                </a:prstGeom>
+                <a:blipFill>
+                  <a:blip r:embed="rId18"/>
+                  <a:stretch>
+                    <a:fillRect/>
+                  </a:stretch>
+                </a:blipFill>
+              </p:spPr>
+              <p:txBody>
+                <a:bodyPr/>
+                <a:lstStyle/>
+                <a:p>
+                  <a:r>
+                    <a:rPr lang="ko-KR" altLang="en-US">
+                      <a:noFill/>
+                    </a:rPr>
+                    <a:t> </a:t>
+                  </a:r>
+                </a:p>
+              </p:txBody>
+            </p:sp>
+          </mc:Fallback>
+        </mc:AlternateContent>
+        <p:cxnSp>
+          <p:nvCxnSpPr>
+            <p:cNvPr id="29" name="직선 화살표 연결선 28">
+              <a:extLst>
+                <a:ext uri="{FF2B5EF4-FFF2-40B4-BE49-F238E27FC236}">
+                  <a16:creationId xmlns:a16="http://schemas.microsoft.com/office/drawing/2014/main" id="{8AD29B90-8DAC-6FD8-D965-742213E7D28D}"/>
+                </a:ext>
+              </a:extLst>
+            </p:cNvPr>
+            <p:cNvCxnSpPr>
+              <a:cxnSpLocks/>
+              <a:stCxn id="1224" idx="1"/>
+              <a:endCxn id="41" idx="3"/>
+            </p:cNvCxnSpPr>
+            <p:nvPr/>
+          </p:nvCxnSpPr>
+          <p:spPr>
+            <a:xfrm flipH="1" flipV="1">
+              <a:off x="804138" y="-1616584"/>
+              <a:ext cx="566837" cy="10670"/>
+            </a:xfrm>
+            <a:prstGeom prst="straightConnector1">
+              <a:avLst/>
+            </a:prstGeom>
+            <a:ln>
+              <a:headEnd type="triangle"/>
+              <a:tailEnd type="none"/>
+            </a:ln>
+          </p:spPr>
+          <p:style>
+            <a:lnRef idx="2">
+              <a:schemeClr val="dk1"/>
+            </a:lnRef>
+            <a:fillRef idx="0">
+              <a:schemeClr val="dk1"/>
+            </a:fillRef>
+            <a:effectRef idx="1">
+              <a:schemeClr val="dk1"/>
+            </a:effectRef>
+            <a:fontRef idx="minor">
+              <a:schemeClr val="tx1"/>
+            </a:fontRef>
+          </p:style>
+        </p:cxnSp>
+        <p:cxnSp>
+          <p:nvCxnSpPr>
+            <p:cNvPr id="31" name="직선 화살표 연결선 30">
+              <a:extLst>
+                <a:ext uri="{FF2B5EF4-FFF2-40B4-BE49-F238E27FC236}">
+                  <a16:creationId xmlns:a16="http://schemas.microsoft.com/office/drawing/2014/main" id="{13EA5C20-527B-C75F-ACA7-99E591B23A3D}"/>
+                </a:ext>
+              </a:extLst>
+            </p:cNvPr>
+            <p:cNvCxnSpPr>
+              <a:cxnSpLocks/>
+              <a:stCxn id="41" idx="2"/>
+              <a:endCxn id="19" idx="0"/>
+            </p:cNvCxnSpPr>
+            <p:nvPr/>
+          </p:nvCxnSpPr>
+          <p:spPr>
+            <a:xfrm>
+              <a:off x="-802114" y="-971315"/>
+              <a:ext cx="0" cy="2189882"/>
+            </a:xfrm>
+            <a:prstGeom prst="straightConnector1">
+              <a:avLst/>
+            </a:prstGeom>
+            <a:ln>
+              <a:headEnd type="triangle"/>
+              <a:tailEnd type="none"/>
+            </a:ln>
+          </p:spPr>
+          <p:style>
+            <a:lnRef idx="2">
+              <a:schemeClr val="dk1"/>
+            </a:lnRef>
+            <a:fillRef idx="0">
+              <a:schemeClr val="dk1"/>
+            </a:fillRef>
+            <a:effectRef idx="1">
+              <a:schemeClr val="dk1"/>
+            </a:effectRef>
+            <a:fontRef idx="minor">
+              <a:schemeClr val="tx1"/>
+            </a:fontRef>
+          </p:style>
+        </p:cxnSp>
+        <mc:AlternateContent xmlns:mc="http://schemas.openxmlformats.org/markup-compatibility/2006">
+          <mc:Choice xmlns:a14="http://schemas.microsoft.com/office/drawing/2010/main" Requires="a14">
+            <p:sp>
+              <p:nvSpPr>
+                <p:cNvPr id="41" name="순서도: 판단 40">
+                  <a:extLst>
+                    <a:ext uri="{FF2B5EF4-FFF2-40B4-BE49-F238E27FC236}">
+                      <a16:creationId xmlns:a16="http://schemas.microsoft.com/office/drawing/2014/main" id="{0979EBDD-CE13-B517-1D65-355DEC5C5293}"/>
+                    </a:ext>
+                  </a:extLst>
+                </p:cNvPr>
+                <p:cNvSpPr/>
+                <p:nvPr/>
+              </p:nvSpPr>
+              <p:spPr>
+                <a:xfrm>
+                  <a:off x="-2408367" y="-2261854"/>
+                  <a:ext cx="3212505" cy="1290539"/>
+                </a:xfrm>
+                <a:prstGeom prst="flowChartDecision">
+                  <a:avLst/>
+                </a:prstGeom>
+              </p:spPr>
+              <p:style>
+                <a:lnRef idx="2">
+                  <a:schemeClr val="dk1"/>
+                </a:lnRef>
+                <a:fillRef idx="1">
+                  <a:schemeClr val="lt1"/>
+                </a:fillRef>
+                <a:effectRef idx="0">
+                  <a:schemeClr val="dk1"/>
+                </a:effectRef>
+                <a:fontRef idx="minor">
+                  <a:schemeClr val="dk1"/>
+                </a:fontRef>
+              </p:style>
+              <p:txBody>
+                <a:bodyPr rtlCol="0" anchor="ctr"/>
+                <a:lstStyle/>
+                <a:p>
+                  <a:pPr algn="ctr">
+                    <a:lnSpc>
+                      <a:spcPct val="120000"/>
+                    </a:lnSpc>
+                  </a:pPr>
+                  <a14:m>
+                    <m:oMath xmlns:m="http://schemas.openxmlformats.org/officeDocument/2006/math">
+                      <m:r>
+                        <m:rPr>
+                          <m:nor/>
+                        </m:rPr>
+                        <a:rPr lang="en-US" altLang="ko-KR" sz="1400" b="0" i="0" smtClean="0">
+                          <a:latin typeface="Cambria Math" panose="02040503050406030204" pitchFamily="18" charset="0"/>
+                          <a:ea typeface="나눔바른고딕" panose="020B0603020101020101" pitchFamily="50" charset="-127"/>
+                        </a:rPr>
+                        <m:t>try</m:t>
+                      </m:r>
+                    </m:oMath>
+                  </a14:m>
+                  <a:r>
+                    <a:rPr lang="ko-KR" altLang="en-US" sz="1400"/>
+                    <a:t> </a:t>
+                  </a:r>
+                  <a:r>
+                    <a:rPr lang="en-US" altLang="ko-KR" sz="1400"/>
+                    <a:t>&lt; </a:t>
+                  </a:r>
+                  <a14:m>
+                    <m:oMath xmlns:m="http://schemas.openxmlformats.org/officeDocument/2006/math">
+                      <m:r>
+                        <m:rPr>
+                          <m:nor/>
+                        </m:rPr>
+                        <a:rPr lang="en-US" altLang="ko-KR" sz="1400" b="0" i="0" smtClean="0">
+                          <a:latin typeface="Cambria Math" panose="02040503050406030204" pitchFamily="18" charset="0"/>
+                          <a:ea typeface="나눔바른고딕" panose="020B0603020101020101" pitchFamily="50" charset="-127"/>
+                        </a:rPr>
+                        <m:t>max</m:t>
+                      </m:r>
+                      <m:r>
+                        <m:rPr>
+                          <m:nor/>
+                        </m:rPr>
+                        <a:rPr lang="en-US" altLang="ko-KR" sz="1400" b="0" i="0" smtClean="0">
+                          <a:latin typeface="Cambria Math" panose="02040503050406030204" pitchFamily="18" charset="0"/>
+                          <a:ea typeface="나눔바른고딕" panose="020B0603020101020101" pitchFamily="50" charset="-127"/>
+                        </a:rPr>
+                        <m:t>_</m:t>
+                      </m:r>
+                      <m:r>
+                        <m:rPr>
+                          <m:nor/>
+                        </m:rPr>
+                        <a:rPr lang="en-US" altLang="ko-KR" sz="1400" b="0" i="0" smtClean="0">
+                          <a:latin typeface="Cambria Math" panose="02040503050406030204" pitchFamily="18" charset="0"/>
+                          <a:ea typeface="나눔바른고딕" panose="020B0603020101020101" pitchFamily="50" charset="-127"/>
+                        </a:rPr>
+                        <m:t>try</m:t>
+                      </m:r>
+                    </m:oMath>
+                  </a14:m>
+                  <a:endParaRPr lang="ko-KR" altLang="en-US" sz="1400"/>
+                </a:p>
+              </p:txBody>
+            </p:sp>
+          </mc:Choice>
+          <mc:Fallback>
+            <p:sp>
+              <p:nvSpPr>
+                <p:cNvPr id="41" name="순서도: 판단 40">
+                  <a:extLst>
+                    <a:ext uri="{FF2B5EF4-FFF2-40B4-BE49-F238E27FC236}">
+                      <a16:creationId xmlns:a16="http://schemas.microsoft.com/office/drawing/2014/main" id="{0979EBDD-CE13-B517-1D65-355DEC5C5293}"/>
+                    </a:ext>
+                  </a:extLst>
+                </p:cNvPr>
+                <p:cNvSpPr>
+                  <a:spLocks noRot="1" noChangeAspect="1" noMove="1" noResize="1" noEditPoints="1" noAdjustHandles="1" noChangeArrowheads="1" noChangeShapeType="1" noTextEdit="1"/>
+                </p:cNvSpPr>
+                <p:nvPr/>
+              </p:nvSpPr>
+              <p:spPr>
+                <a:xfrm>
+                  <a:off x="-2408367" y="-2261854"/>
+                  <a:ext cx="3212505" cy="1290539"/>
+                </a:xfrm>
+                <a:prstGeom prst="flowChartDecision">
+                  <a:avLst/>
+                </a:prstGeom>
+                <a:blipFill>
+                  <a:blip r:embed="rId19"/>
+                  <a:stretch>
+                    <a:fillRect/>
+                  </a:stretch>
+                </a:blipFill>
+              </p:spPr>
+              <p:txBody>
+                <a:bodyPr/>
+                <a:lstStyle/>
+                <a:p>
+                  <a:r>
+                    <a:rPr lang="ko-KR" altLang="en-US">
+                      <a:noFill/>
+                    </a:rPr>
+                    <a:t> </a:t>
+                  </a:r>
+                </a:p>
+              </p:txBody>
+            </p:sp>
+          </mc:Fallback>
+        </mc:AlternateContent>
+        <mc:AlternateContent xmlns:mc="http://schemas.openxmlformats.org/markup-compatibility/2006">
+          <mc:Choice xmlns:a14="http://schemas.microsoft.com/office/drawing/2010/main" Requires="a14">
+            <p:sp>
+              <p:nvSpPr>
+                <p:cNvPr id="45" name="직사각형 44">
+                  <a:extLst>
+                    <a:ext uri="{FF2B5EF4-FFF2-40B4-BE49-F238E27FC236}">
+                      <a16:creationId xmlns:a16="http://schemas.microsoft.com/office/drawing/2014/main" id="{C5503711-201D-87ED-CF90-9B7461737878}"/>
+                    </a:ext>
+                  </a:extLst>
+                </p:cNvPr>
+                <p:cNvSpPr/>
+                <p:nvPr/>
+              </p:nvSpPr>
+              <p:spPr>
+                <a:xfrm>
+                  <a:off x="1370975" y="-3725713"/>
+                  <a:ext cx="3962400" cy="1110208"/>
+                </a:xfrm>
+                <a:prstGeom prst="rect">
+                  <a:avLst/>
+                </a:prstGeom>
+              </p:spPr>
+              <p:style>
+                <a:lnRef idx="2">
+                  <a:schemeClr val="dk1"/>
+                </a:lnRef>
+                <a:fillRef idx="1">
+                  <a:schemeClr val="lt1"/>
+                </a:fillRef>
+                <a:effectRef idx="0">
+                  <a:schemeClr val="dk1"/>
+                </a:effectRef>
+                <a:fontRef idx="minor">
+                  <a:schemeClr val="dk1"/>
+                </a:fontRef>
+              </p:style>
+              <p:txBody>
+                <a:bodyPr rtlCol="0" anchor="ctr"/>
+                <a:lstStyle/>
+                <a:p>
+                  <a:pPr algn="ctr">
+                    <a:lnSpc>
+                      <a:spcPct val="120000"/>
+                    </a:lnSpc>
+                  </a:pPr>
+                  <a:r>
+                    <a:rPr lang="ko-KR" altLang="en-US">
+                      <a:latin typeface="나눔바른고딕" panose="020B0603020101020101" pitchFamily="50" charset="-127"/>
+                      <a:ea typeface="나눔바른고딕" panose="020B0603020101020101" pitchFamily="50" charset="-127"/>
+                    </a:rPr>
+                    <a:t>① </a:t>
+                  </a:r>
+                  <a14:m>
+                    <m:oMath xmlns:m="http://schemas.openxmlformats.org/officeDocument/2006/math">
+                      <m:r>
+                        <m:rPr>
+                          <m:nor/>
+                        </m:rPr>
+                        <a:rPr lang="en-US" altLang="ko-KR" b="0" i="0" smtClean="0">
+                          <a:latin typeface="Cambria Math" panose="02040503050406030204" pitchFamily="18" charset="0"/>
+                          <a:ea typeface="나눔바른고딕" panose="020B0603020101020101" pitchFamily="50" charset="-127"/>
+                        </a:rPr>
+                        <m:t>set</m:t>
+                      </m:r>
+                      <m:r>
+                        <m:rPr>
+                          <m:nor/>
+                        </m:rPr>
+                        <a:rPr lang="en-US" altLang="ko-KR" b="0" i="0" smtClean="0">
+                          <a:latin typeface="Cambria Math" panose="02040503050406030204" pitchFamily="18" charset="0"/>
+                          <a:ea typeface="나눔바른고딕" panose="020B0603020101020101" pitchFamily="50" charset="-127"/>
+                        </a:rPr>
+                        <m:t> </m:t>
+                      </m:r>
+                      <m:r>
+                        <m:rPr>
+                          <m:nor/>
+                        </m:rPr>
+                        <a:rPr lang="en-US" altLang="ko-KR" b="0" i="0" smtClean="0">
+                          <a:latin typeface="Cambria Math" panose="02040503050406030204" pitchFamily="18" charset="0"/>
+                          <a:ea typeface="나눔바른고딕" panose="020B0603020101020101" pitchFamily="50" charset="-127"/>
+                        </a:rPr>
+                        <m:t>max</m:t>
+                      </m:r>
+                      <m:r>
+                        <m:rPr>
+                          <m:nor/>
+                        </m:rPr>
+                        <a:rPr lang="en-US" altLang="ko-KR" b="0" i="0" smtClean="0">
+                          <a:latin typeface="Cambria Math" panose="02040503050406030204" pitchFamily="18" charset="0"/>
+                          <a:ea typeface="나눔바른고딕" panose="020B0603020101020101" pitchFamily="50" charset="-127"/>
+                        </a:rPr>
+                        <m:t>_</m:t>
+                      </m:r>
+                      <m:r>
+                        <m:rPr>
+                          <m:nor/>
+                        </m:rPr>
+                        <a:rPr lang="en-US" altLang="ko-KR" b="0" i="0" smtClean="0">
+                          <a:latin typeface="Cambria Math" panose="02040503050406030204" pitchFamily="18" charset="0"/>
+                          <a:ea typeface="나눔바른고딕" panose="020B0603020101020101" pitchFamily="50" charset="-127"/>
+                        </a:rPr>
+                        <m:t>try</m:t>
+                      </m:r>
+                    </m:oMath>
+                  </a14:m>
+                  <a:endParaRPr lang="en-US" altLang="ko-KR" b="0">
+                    <a:latin typeface="나눔바른고딕" panose="020B0603020101020101" pitchFamily="50" charset="-127"/>
+                    <a:ea typeface="나눔바른고딕" panose="020B0603020101020101" pitchFamily="50" charset="-127"/>
+                  </a:endParaRPr>
+                </a:p>
+                <a:p>
+                  <a:pPr algn="ctr">
+                    <a:lnSpc>
+                      <a:spcPct val="120000"/>
+                    </a:lnSpc>
+                  </a:pPr>
+                  <a14:m>
+                    <m:oMathPara xmlns:m="http://schemas.openxmlformats.org/officeDocument/2006/math">
+                      <m:oMathParaPr>
+                        <m:jc m:val="centerGroup"/>
+                      </m:oMathParaPr>
+                      <m:oMath xmlns:m="http://schemas.openxmlformats.org/officeDocument/2006/math">
+                        <m:r>
+                          <m:rPr>
+                            <m:nor/>
+                          </m:rPr>
+                          <a:rPr lang="en-US" altLang="ko-KR" b="0" i="0" smtClean="0">
+                            <a:latin typeface="Cambria Math" panose="02040503050406030204" pitchFamily="18" charset="0"/>
+                            <a:ea typeface="나눔바른고딕" panose="020B0603020101020101" pitchFamily="50" charset="-127"/>
+                          </a:rPr>
+                          <m:t>max</m:t>
+                        </m:r>
+                        <m:r>
+                          <m:rPr>
+                            <m:nor/>
+                          </m:rPr>
+                          <a:rPr lang="en-US" altLang="ko-KR" b="0" i="0" smtClean="0">
+                            <a:latin typeface="Cambria Math" panose="02040503050406030204" pitchFamily="18" charset="0"/>
+                            <a:ea typeface="나눔바른고딕" panose="020B0603020101020101" pitchFamily="50" charset="-127"/>
+                          </a:rPr>
+                          <m:t>_</m:t>
+                        </m:r>
+                        <m:r>
+                          <m:rPr>
+                            <m:nor/>
+                          </m:rPr>
+                          <a:rPr lang="en-US" altLang="ko-KR" b="0" i="0" smtClean="0">
+                            <a:latin typeface="Cambria Math" panose="02040503050406030204" pitchFamily="18" charset="0"/>
+                            <a:ea typeface="나눔바른고딕" panose="020B0603020101020101" pitchFamily="50" charset="-127"/>
+                          </a:rPr>
+                          <m:t>try</m:t>
+                        </m:r>
+                        <m:r>
+                          <m:rPr>
+                            <m:nor/>
+                          </m:rPr>
+                          <a:rPr lang="en-US" altLang="ko-KR" b="0" i="0" smtClean="0">
+                            <a:latin typeface="Cambria Math" panose="02040503050406030204" pitchFamily="18" charset="0"/>
+                            <a:ea typeface="나눔바른고딕" panose="020B0603020101020101" pitchFamily="50" charset="-127"/>
+                          </a:rPr>
+                          <m:t> = 50</m:t>
+                        </m:r>
+                      </m:oMath>
+                    </m:oMathPara>
+                  </a14:m>
+                  <a:endParaRPr lang="en-US" altLang="ko-KR">
+                    <a:latin typeface="나눔바른고딕" panose="020B0603020101020101" pitchFamily="50" charset="-127"/>
+                    <a:ea typeface="나눔바른고딕" panose="020B0603020101020101" pitchFamily="50" charset="-127"/>
+                  </a:endParaRPr>
+                </a:p>
+              </p:txBody>
+            </p:sp>
+          </mc:Choice>
+          <mc:Fallback>
+            <p:sp>
+              <p:nvSpPr>
+                <p:cNvPr id="45" name="직사각형 44">
+                  <a:extLst>
+                    <a:ext uri="{FF2B5EF4-FFF2-40B4-BE49-F238E27FC236}">
+                      <a16:creationId xmlns:a16="http://schemas.microsoft.com/office/drawing/2014/main" id="{C5503711-201D-87ED-CF90-9B7461737878}"/>
+                    </a:ext>
+                  </a:extLst>
+                </p:cNvPr>
+                <p:cNvSpPr>
+                  <a:spLocks noRot="1" noChangeAspect="1" noMove="1" noResize="1" noEditPoints="1" noAdjustHandles="1" noChangeArrowheads="1" noChangeShapeType="1" noTextEdit="1"/>
+                </p:cNvSpPr>
+                <p:nvPr/>
+              </p:nvSpPr>
+              <p:spPr>
+                <a:xfrm>
+                  <a:off x="1370975" y="-3725713"/>
+                  <a:ext cx="3962400" cy="1110208"/>
+                </a:xfrm>
+                <a:prstGeom prst="rect">
+                  <a:avLst/>
+                </a:prstGeom>
+                <a:blipFill>
+                  <a:blip r:embed="rId20"/>
+                  <a:stretch>
+                    <a:fillRect/>
+                  </a:stretch>
+                </a:blipFill>
+              </p:spPr>
+              <p:txBody>
+                <a:bodyPr/>
+                <a:lstStyle/>
+                <a:p>
+                  <a:r>
+                    <a:rPr lang="ko-KR" altLang="en-US">
+                      <a:noFill/>
+                    </a:rPr>
+                    <a:t> </a:t>
+                  </a:r>
+                </a:p>
+              </p:txBody>
+            </p:sp>
+          </mc:Fallback>
+        </mc:AlternateContent>
+        <mc:AlternateContent xmlns:mc="http://schemas.openxmlformats.org/markup-compatibility/2006">
+          <mc:Choice xmlns:a14="http://schemas.microsoft.com/office/drawing/2010/main" Requires="a14">
+            <p:sp>
+              <p:nvSpPr>
+                <p:cNvPr id="46" name="직사각형 45">
+                  <a:extLst>
+                    <a:ext uri="{FF2B5EF4-FFF2-40B4-BE49-F238E27FC236}">
+                      <a16:creationId xmlns:a16="http://schemas.microsoft.com/office/drawing/2014/main" id="{3394A501-920B-C3C2-5D05-40C844885E5D}"/>
+                    </a:ext>
+                  </a:extLst>
+                </p:cNvPr>
+                <p:cNvSpPr/>
+                <p:nvPr/>
+              </p:nvSpPr>
+              <p:spPr>
+                <a:xfrm>
+                  <a:off x="1370975" y="1315490"/>
+                  <a:ext cx="3962400" cy="1110208"/>
+                </a:xfrm>
+                <a:prstGeom prst="rect">
+                  <a:avLst/>
+                </a:prstGeom>
+              </p:spPr>
+              <p:style>
+                <a:lnRef idx="2">
+                  <a:schemeClr val="dk1"/>
+                </a:lnRef>
+                <a:fillRef idx="1">
+                  <a:schemeClr val="lt1"/>
+                </a:fillRef>
+                <a:effectRef idx="0">
+                  <a:schemeClr val="dk1"/>
+                </a:effectRef>
+                <a:fontRef idx="minor">
+                  <a:schemeClr val="dk1"/>
+                </a:fontRef>
+              </p:style>
+              <p:txBody>
+                <a:bodyPr rtlCol="0" anchor="ctr"/>
+                <a:lstStyle/>
+                <a:p>
+                  <a:pPr algn="ctr">
+                    <a:lnSpc>
+                      <a:spcPct val="120000"/>
+                    </a:lnSpc>
+                  </a:pPr>
+                  <a:r>
+                    <a:rPr lang="ko-KR" altLang="en-US">
+                      <a:latin typeface="나눔바른고딕" panose="020B0603020101020101" pitchFamily="50" charset="-127"/>
+                      <a:ea typeface="나눔바른고딕" panose="020B0603020101020101" pitchFamily="50" charset="-127"/>
+                    </a:rPr>
+                    <a:t>④ </a:t>
+                  </a:r>
+                  <a14:m>
+                    <m:oMath xmlns:m="http://schemas.openxmlformats.org/officeDocument/2006/math">
+                      <m:r>
+                        <m:rPr>
+                          <m:nor/>
+                        </m:rPr>
+                        <a:rPr lang="en-US" altLang="ko-KR">
+                          <a:latin typeface="Cambria Math" panose="02040503050406030204" pitchFamily="18" charset="0"/>
+                          <a:ea typeface="나눔바른고딕" panose="020B0603020101020101" pitchFamily="50" charset="-127"/>
+                        </a:rPr>
+                        <m:t>iteration</m:t>
+                      </m:r>
+                      <m:r>
+                        <m:rPr>
+                          <m:nor/>
+                        </m:rPr>
+                        <a:rPr lang="en-US" altLang="ko-KR">
+                          <a:latin typeface="Cambria Math" panose="02040503050406030204" pitchFamily="18" charset="0"/>
+                          <a:ea typeface="나눔바른고딕" panose="020B0603020101020101" pitchFamily="50" charset="-127"/>
+                        </a:rPr>
+                        <m:t> =</m:t>
+                      </m:r>
+                      <m:r>
+                        <m:rPr>
+                          <m:nor/>
+                        </m:rPr>
+                        <a:rPr lang="en-US" altLang="ko-KR">
+                          <a:latin typeface="Cambria Math" panose="02040503050406030204" pitchFamily="18" charset="0"/>
+                          <a:ea typeface="나눔바른고딕" panose="020B0603020101020101" pitchFamily="50" charset="-127"/>
+                        </a:rPr>
+                        <m:t>iteration</m:t>
+                      </m:r>
+                      <m:r>
+                        <m:rPr>
+                          <m:nor/>
+                        </m:rPr>
+                        <a:rPr lang="en-US" altLang="ko-KR">
+                          <a:latin typeface="Cambria Math" panose="02040503050406030204" pitchFamily="18" charset="0"/>
+                          <a:ea typeface="나눔바른고딕" panose="020B0603020101020101" pitchFamily="50" charset="-127"/>
+                        </a:rPr>
+                        <m:t> + 1</m:t>
+                      </m:r>
+                    </m:oMath>
+                  </a14:m>
+                  <a:endParaRPr lang="en-US" altLang="ko-KR">
+                    <a:latin typeface="나눔바른고딕" panose="020B0603020101020101" pitchFamily="50" charset="-127"/>
+                    <a:ea typeface="나눔바른고딕" panose="020B0603020101020101" pitchFamily="50" charset="-127"/>
+                  </a:endParaRPr>
+                </a:p>
+              </p:txBody>
+            </p:sp>
+          </mc:Choice>
+          <mc:Fallback>
+            <p:sp>
+              <p:nvSpPr>
+                <p:cNvPr id="46" name="직사각형 45">
+                  <a:extLst>
+                    <a:ext uri="{FF2B5EF4-FFF2-40B4-BE49-F238E27FC236}">
+                      <a16:creationId xmlns:a16="http://schemas.microsoft.com/office/drawing/2014/main" id="{3394A501-920B-C3C2-5D05-40C844885E5D}"/>
+                    </a:ext>
+                  </a:extLst>
+                </p:cNvPr>
+                <p:cNvSpPr>
+                  <a:spLocks noRot="1" noChangeAspect="1" noMove="1" noResize="1" noEditPoints="1" noAdjustHandles="1" noChangeArrowheads="1" noChangeShapeType="1" noTextEdit="1"/>
+                </p:cNvSpPr>
+                <p:nvPr/>
+              </p:nvSpPr>
+              <p:spPr>
+                <a:xfrm>
+                  <a:off x="1370975" y="1315490"/>
+                  <a:ext cx="3962400" cy="1110208"/>
+                </a:xfrm>
+                <a:prstGeom prst="rect">
+                  <a:avLst/>
+                </a:prstGeom>
+                <a:blipFill>
+                  <a:blip r:embed="rId21"/>
+                  <a:stretch>
+                    <a:fillRect/>
+                  </a:stretch>
+                </a:blipFill>
+              </p:spPr>
+              <p:txBody>
+                <a:bodyPr/>
+                <a:lstStyle/>
+                <a:p>
+                  <a:r>
+                    <a:rPr lang="ko-KR" altLang="en-US">
+                      <a:noFill/>
+                    </a:rPr>
+                    <a:t> </a:t>
+                  </a:r>
+                </a:p>
+              </p:txBody>
+            </p:sp>
+          </mc:Fallback>
+        </mc:AlternateContent>
+        <p:cxnSp>
+          <p:nvCxnSpPr>
+            <p:cNvPr id="1026" name="직선 화살표 연결선 1025">
+              <a:extLst>
+                <a:ext uri="{FF2B5EF4-FFF2-40B4-BE49-F238E27FC236}">
+                  <a16:creationId xmlns:a16="http://schemas.microsoft.com/office/drawing/2014/main" id="{DE919CD0-58A2-7023-EF1B-B473EA84DC3F}"/>
+                </a:ext>
+              </a:extLst>
+            </p:cNvPr>
+            <p:cNvCxnSpPr>
+              <a:cxnSpLocks/>
+              <a:stCxn id="4" idx="2"/>
+              <a:endCxn id="46" idx="0"/>
+            </p:cNvCxnSpPr>
+            <p:nvPr/>
+          </p:nvCxnSpPr>
+          <p:spPr>
+            <a:xfrm flipH="1">
+              <a:off x="3352175" y="861003"/>
+              <a:ext cx="1" cy="454487"/>
+            </a:xfrm>
+            <a:prstGeom prst="straightConnector1">
+              <a:avLst/>
+            </a:prstGeom>
+            <a:ln>
+              <a:tailEnd type="triangle"/>
+            </a:ln>
+          </p:spPr>
+          <p:style>
+            <a:lnRef idx="2">
+              <a:schemeClr val="dk1"/>
+            </a:lnRef>
+            <a:fillRef idx="0">
+              <a:schemeClr val="dk1"/>
+            </a:fillRef>
+            <a:effectRef idx="1">
+              <a:schemeClr val="dk1"/>
+            </a:effectRef>
+            <a:fontRef idx="minor">
+              <a:schemeClr val="tx1"/>
+            </a:fontRef>
+          </p:style>
+        </p:cxnSp>
+        <p:sp>
+          <p:nvSpPr>
+            <p:cNvPr id="1069" name="TextBox 1068">
+              <a:extLst>
+                <a:ext uri="{FF2B5EF4-FFF2-40B4-BE49-F238E27FC236}">
+                  <a16:creationId xmlns:a16="http://schemas.microsoft.com/office/drawing/2014/main" id="{8C3CC4A2-F663-130B-5563-11EFEAB0A71F}"/>
+                </a:ext>
+              </a:extLst>
+            </p:cNvPr>
+            <p:cNvSpPr txBox="1"/>
+            <p:nvPr/>
+          </p:nvSpPr>
+          <p:spPr>
+            <a:xfrm>
+              <a:off x="-1870361" y="1685928"/>
+              <a:ext cx="470376" cy="369332"/>
+            </a:xfrm>
+            <a:prstGeom prst="rect">
+              <a:avLst/>
+            </a:prstGeom>
+            <a:noFill/>
+          </p:spPr>
+          <p:txBody>
+            <a:bodyPr wrap="square">
+              <a:spAutoFit/>
+            </a:bodyPr>
+            <a:lstStyle/>
+            <a:p>
+              <a:pPr algn="ctr"/>
+              <a:r>
+                <a:rPr lang="ko-KR" altLang="en-US"/>
+                <a:t>⑬</a:t>
+              </a:r>
+            </a:p>
+          </p:txBody>
+        </p:sp>
+        <p:cxnSp>
+          <p:nvCxnSpPr>
+            <p:cNvPr id="1071" name="직선 화살표 연결선 1070">
+              <a:extLst>
+                <a:ext uri="{FF2B5EF4-FFF2-40B4-BE49-F238E27FC236}">
+                  <a16:creationId xmlns:a16="http://schemas.microsoft.com/office/drawing/2014/main" id="{F3757192-7276-2D14-A5E2-7B98CD03DB6F}"/>
+                </a:ext>
+              </a:extLst>
+            </p:cNvPr>
+            <p:cNvCxnSpPr>
+              <a:cxnSpLocks/>
+              <a:stCxn id="1046" idx="1"/>
+            </p:cNvCxnSpPr>
+            <p:nvPr/>
+          </p:nvCxnSpPr>
+          <p:spPr>
+            <a:xfrm flipH="1" flipV="1">
+              <a:off x="-3093331" y="12488934"/>
+              <a:ext cx="5275575" cy="39620"/>
+            </a:xfrm>
+            <a:prstGeom prst="straightConnector1">
+              <a:avLst/>
+            </a:prstGeom>
+            <a:ln>
+              <a:headEnd type="triangle"/>
+              <a:tailEnd type="none"/>
+            </a:ln>
+          </p:spPr>
+          <p:style>
+            <a:lnRef idx="2">
+              <a:schemeClr val="dk1"/>
+            </a:lnRef>
+            <a:fillRef idx="0">
+              <a:schemeClr val="dk1"/>
+            </a:fillRef>
+            <a:effectRef idx="1">
+              <a:schemeClr val="dk1"/>
+            </a:effectRef>
+            <a:fontRef idx="minor">
+              <a:schemeClr val="tx1"/>
+            </a:fontRef>
+          </p:style>
+        </p:cxnSp>
+        <p:cxnSp>
+          <p:nvCxnSpPr>
+            <p:cNvPr id="1078" name="직선 화살표 연결선 1077">
+              <a:extLst>
+                <a:ext uri="{FF2B5EF4-FFF2-40B4-BE49-F238E27FC236}">
+                  <a16:creationId xmlns:a16="http://schemas.microsoft.com/office/drawing/2014/main" id="{3E375D08-5856-843D-0A78-36D8B95A9328}"/>
+                </a:ext>
+              </a:extLst>
+            </p:cNvPr>
+            <p:cNvCxnSpPr>
+              <a:cxnSpLocks/>
+            </p:cNvCxnSpPr>
+            <p:nvPr/>
+          </p:nvCxnSpPr>
+          <p:spPr>
+            <a:xfrm>
+              <a:off x="-3091508" y="-1605914"/>
+              <a:ext cx="0" cy="14094376"/>
+            </a:xfrm>
+            <a:prstGeom prst="straightConnector1">
+              <a:avLst/>
+            </a:prstGeom>
+            <a:ln>
+              <a:headEnd type="none"/>
+              <a:tailEnd type="none"/>
+            </a:ln>
+          </p:spPr>
+          <p:style>
+            <a:lnRef idx="2">
+              <a:schemeClr val="dk1"/>
+            </a:lnRef>
+            <a:fillRef idx="0">
+              <a:schemeClr val="dk1"/>
+            </a:fillRef>
+            <a:effectRef idx="1">
+              <a:schemeClr val="dk1"/>
+            </a:effectRef>
+            <a:fontRef idx="minor">
+              <a:schemeClr val="tx1"/>
+            </a:fontRef>
+          </p:style>
+        </p:cxnSp>
+        <p:cxnSp>
+          <p:nvCxnSpPr>
+            <p:cNvPr id="1080" name="직선 화살표 연결선 1079">
+              <a:extLst>
+                <a:ext uri="{FF2B5EF4-FFF2-40B4-BE49-F238E27FC236}">
+                  <a16:creationId xmlns:a16="http://schemas.microsoft.com/office/drawing/2014/main" id="{57C82AA4-2746-FAFD-4A46-16CF8CE34111}"/>
+                </a:ext>
+              </a:extLst>
+            </p:cNvPr>
+            <p:cNvCxnSpPr>
+              <a:cxnSpLocks/>
+              <a:stCxn id="41" idx="1"/>
+            </p:cNvCxnSpPr>
+            <p:nvPr/>
+          </p:nvCxnSpPr>
+          <p:spPr>
+            <a:xfrm flipH="1">
+              <a:off x="-3093331" y="-1616584"/>
+              <a:ext cx="684964" cy="0"/>
+            </a:xfrm>
+            <a:prstGeom prst="straightConnector1">
+              <a:avLst/>
+            </a:prstGeom>
+            <a:ln>
+              <a:headEnd type="none"/>
+              <a:tailEnd type="none"/>
+            </a:ln>
+          </p:spPr>
+          <p:style>
+            <a:lnRef idx="2">
+              <a:schemeClr val="dk1"/>
+            </a:lnRef>
+            <a:fillRef idx="0">
+              <a:schemeClr val="dk1"/>
+            </a:fillRef>
+            <a:effectRef idx="1">
+              <a:schemeClr val="dk1"/>
+            </a:effectRef>
+            <a:fontRef idx="minor">
+              <a:schemeClr val="tx1"/>
+            </a:fontRef>
+          </p:style>
+        </p:cxnSp>
+        <mc:AlternateContent xmlns:mc="http://schemas.openxmlformats.org/markup-compatibility/2006">
+          <mc:Choice xmlns:a14="http://schemas.microsoft.com/office/drawing/2010/main" Requires="a14">
+            <p:sp>
+              <p:nvSpPr>
+                <p:cNvPr id="1087" name="TextBox 1086">
+                  <a:extLst>
+                    <a:ext uri="{FF2B5EF4-FFF2-40B4-BE49-F238E27FC236}">
+                      <a16:creationId xmlns:a16="http://schemas.microsoft.com/office/drawing/2014/main" id="{EDAB928D-6EF8-AAE8-C1DB-61F1E139D00D}"/>
+                    </a:ext>
+                  </a:extLst>
+                </p:cNvPr>
+                <p:cNvSpPr txBox="1"/>
+                <p:nvPr/>
+              </p:nvSpPr>
+              <p:spPr>
+                <a:xfrm>
+                  <a:off x="677676" y="1422569"/>
+                  <a:ext cx="601382" cy="369332"/>
+                </a:xfrm>
+                <a:prstGeom prst="rect">
+                  <a:avLst/>
+                </a:prstGeom>
+                <a:noFill/>
+              </p:spPr>
+              <p:txBody>
+                <a:bodyPr wrap="none" rtlCol="0">
+                  <a:spAutoFit/>
+                </a:bodyPr>
+                <a:lstStyle/>
+                <a:p>
+                  <a14:m>
+                    <m:oMathPara xmlns:m="http://schemas.openxmlformats.org/officeDocument/2006/math">
+                      <m:oMathParaPr>
+                        <m:jc m:val="centerGroup"/>
+                      </m:oMathParaPr>
+                      <m:oMath xmlns:m="http://schemas.openxmlformats.org/officeDocument/2006/math">
+                        <m:r>
+                          <m:rPr>
+                            <m:nor/>
+                          </m:rPr>
+                          <a:rPr lang="en-US" altLang="ko-KR" i="0" smtClean="0">
+                            <a:latin typeface="Cambria Math" panose="02040503050406030204" pitchFamily="18" charset="0"/>
+                            <a:ea typeface="나눔바른고딕" panose="020B0603020101020101" pitchFamily="50" charset="-127"/>
+                          </a:rPr>
+                          <m:t>Yes</m:t>
+                        </m:r>
+                      </m:oMath>
+                    </m:oMathPara>
+                  </a14:m>
+                  <a:endParaRPr lang="ko-KR" altLang="en-US">
+                    <a:latin typeface="나눔바른고딕" panose="020B0603020101020101" pitchFamily="50" charset="-127"/>
+                    <a:ea typeface="나눔바른고딕" panose="020B0603020101020101" pitchFamily="50" charset="-127"/>
+                  </a:endParaRPr>
+                </a:p>
+              </p:txBody>
+            </p:sp>
+          </mc:Choice>
+          <mc:Fallback>
+            <p:sp>
+              <p:nvSpPr>
+                <p:cNvPr id="1087" name="TextBox 1086">
+                  <a:extLst>
+                    <a:ext uri="{FF2B5EF4-FFF2-40B4-BE49-F238E27FC236}">
+                      <a16:creationId xmlns:a16="http://schemas.microsoft.com/office/drawing/2014/main" id="{EDAB928D-6EF8-AAE8-C1DB-61F1E139D00D}"/>
+                    </a:ext>
+                  </a:extLst>
+                </p:cNvPr>
+                <p:cNvSpPr txBox="1">
+                  <a:spLocks noRot="1" noChangeAspect="1" noMove="1" noResize="1" noEditPoints="1" noAdjustHandles="1" noChangeArrowheads="1" noChangeShapeType="1" noTextEdit="1"/>
+                </p:cNvSpPr>
+                <p:nvPr/>
+              </p:nvSpPr>
+              <p:spPr>
+                <a:xfrm>
+                  <a:off x="677676" y="1422569"/>
+                  <a:ext cx="601382" cy="369332"/>
+                </a:xfrm>
+                <a:prstGeom prst="rect">
+                  <a:avLst/>
+                </a:prstGeom>
+                <a:blipFill>
+                  <a:blip r:embed="rId22"/>
+                  <a:stretch>
+                    <a:fillRect/>
+                  </a:stretch>
+                </a:blipFill>
+              </p:spPr>
+              <p:txBody>
+                <a:bodyPr/>
+                <a:lstStyle/>
+                <a:p>
+                  <a:r>
+                    <a:rPr lang="ko-KR" altLang="en-US">
+                      <a:noFill/>
+                    </a:rPr>
+                    <a:t> </a:t>
+                  </a:r>
+                </a:p>
+              </p:txBody>
+            </p:sp>
+          </mc:Fallback>
+        </mc:AlternateContent>
+        <mc:AlternateContent xmlns:mc="http://schemas.openxmlformats.org/markup-compatibility/2006">
+          <mc:Choice xmlns:a14="http://schemas.microsoft.com/office/drawing/2010/main" Requires="a14">
+            <p:sp>
+              <p:nvSpPr>
+                <p:cNvPr id="1216" name="TextBox 1215">
+                  <a:extLst>
+                    <a:ext uri="{FF2B5EF4-FFF2-40B4-BE49-F238E27FC236}">
+                      <a16:creationId xmlns:a16="http://schemas.microsoft.com/office/drawing/2014/main" id="{B828D5E0-202D-5FAC-69F9-8CA163CDE9AD}"/>
+                    </a:ext>
+                  </a:extLst>
+                </p:cNvPr>
+                <p:cNvSpPr txBox="1"/>
+                <p:nvPr/>
+              </p:nvSpPr>
+              <p:spPr>
+                <a:xfrm>
+                  <a:off x="765904" y="-1984984"/>
+                  <a:ext cx="601382" cy="369332"/>
+                </a:xfrm>
+                <a:prstGeom prst="rect">
+                  <a:avLst/>
+                </a:prstGeom>
+                <a:noFill/>
+              </p:spPr>
+              <p:txBody>
+                <a:bodyPr wrap="none" rtlCol="0">
+                  <a:spAutoFit/>
+                </a:bodyPr>
+                <a:lstStyle/>
+                <a:p>
+                  <a14:m>
+                    <m:oMathPara xmlns:m="http://schemas.openxmlformats.org/officeDocument/2006/math">
+                      <m:oMathParaPr>
+                        <m:jc m:val="centerGroup"/>
+                      </m:oMathParaPr>
+                      <m:oMath xmlns:m="http://schemas.openxmlformats.org/officeDocument/2006/math">
+                        <m:r>
+                          <m:rPr>
+                            <m:nor/>
+                          </m:rPr>
+                          <a:rPr lang="en-US" altLang="ko-KR" i="0" smtClean="0">
+                            <a:latin typeface="Cambria Math" panose="02040503050406030204" pitchFamily="18" charset="0"/>
+                            <a:ea typeface="나눔바른고딕" panose="020B0603020101020101" pitchFamily="50" charset="-127"/>
+                          </a:rPr>
+                          <m:t>Yes</m:t>
+                        </m:r>
+                      </m:oMath>
+                    </m:oMathPara>
+                  </a14:m>
+                  <a:endParaRPr lang="ko-KR" altLang="en-US">
+                    <a:latin typeface="나눔바른고딕" panose="020B0603020101020101" pitchFamily="50" charset="-127"/>
+                    <a:ea typeface="나눔바른고딕" panose="020B0603020101020101" pitchFamily="50" charset="-127"/>
+                  </a:endParaRPr>
+                </a:p>
+              </p:txBody>
+            </p:sp>
+          </mc:Choice>
+          <mc:Fallback>
+            <p:sp>
+              <p:nvSpPr>
+                <p:cNvPr id="1216" name="TextBox 1215">
+                  <a:extLst>
+                    <a:ext uri="{FF2B5EF4-FFF2-40B4-BE49-F238E27FC236}">
+                      <a16:creationId xmlns:a16="http://schemas.microsoft.com/office/drawing/2014/main" id="{B828D5E0-202D-5FAC-69F9-8CA163CDE9AD}"/>
+                    </a:ext>
+                  </a:extLst>
+                </p:cNvPr>
+                <p:cNvSpPr txBox="1">
+                  <a:spLocks noRot="1" noChangeAspect="1" noMove="1" noResize="1" noEditPoints="1" noAdjustHandles="1" noChangeArrowheads="1" noChangeShapeType="1" noTextEdit="1"/>
+                </p:cNvSpPr>
+                <p:nvPr/>
+              </p:nvSpPr>
+              <p:spPr>
+                <a:xfrm>
+                  <a:off x="765904" y="-1984984"/>
+                  <a:ext cx="601382" cy="369332"/>
+                </a:xfrm>
+                <a:prstGeom prst="rect">
+                  <a:avLst/>
+                </a:prstGeom>
+                <a:blipFill>
+                  <a:blip r:embed="rId23"/>
+                  <a:stretch>
+                    <a:fillRect/>
+                  </a:stretch>
+                </a:blipFill>
+              </p:spPr>
+              <p:txBody>
+                <a:bodyPr/>
+                <a:lstStyle/>
+                <a:p>
+                  <a:r>
+                    <a:rPr lang="ko-KR" altLang="en-US">
+                      <a:noFill/>
+                    </a:rPr>
+                    <a:t> </a:t>
+                  </a:r>
+                </a:p>
+              </p:txBody>
+            </p:sp>
+          </mc:Fallback>
+        </mc:AlternateContent>
+        <mc:AlternateContent xmlns:mc="http://schemas.openxmlformats.org/markup-compatibility/2006">
+          <mc:Choice xmlns:a14="http://schemas.microsoft.com/office/drawing/2010/main" Requires="a14">
+            <p:sp>
+              <p:nvSpPr>
+                <p:cNvPr id="1217" name="TextBox 1216">
+                  <a:extLst>
+                    <a:ext uri="{FF2B5EF4-FFF2-40B4-BE49-F238E27FC236}">
+                      <a16:creationId xmlns:a16="http://schemas.microsoft.com/office/drawing/2014/main" id="{7B889737-6813-69E0-3A5B-9FEEB87355D6}"/>
+                    </a:ext>
+                  </a:extLst>
+                </p:cNvPr>
+                <p:cNvSpPr txBox="1"/>
+                <p:nvPr/>
+              </p:nvSpPr>
+              <p:spPr>
+                <a:xfrm>
+                  <a:off x="-760366" y="740005"/>
+                  <a:ext cx="532774" cy="369332"/>
+                </a:xfrm>
+                <a:prstGeom prst="rect">
+                  <a:avLst/>
+                </a:prstGeom>
+                <a:noFill/>
+              </p:spPr>
+              <p:txBody>
+                <a:bodyPr wrap="none" rtlCol="0">
+                  <a:spAutoFit/>
+                </a:bodyPr>
+                <a:lstStyle/>
+                <a:p>
+                  <a14:m>
+                    <m:oMathPara xmlns:m="http://schemas.openxmlformats.org/officeDocument/2006/math">
+                      <m:oMathParaPr>
+                        <m:jc m:val="centerGroup"/>
+                      </m:oMathParaPr>
+                      <m:oMath xmlns:m="http://schemas.openxmlformats.org/officeDocument/2006/math">
+                        <m:r>
+                          <m:rPr>
+                            <m:nor/>
+                          </m:rPr>
+                          <a:rPr lang="en-US" altLang="ko-KR" i="0" smtClean="0">
+                            <a:latin typeface="Cambria Math" panose="02040503050406030204" pitchFamily="18" charset="0"/>
+                            <a:ea typeface="나눔바른고딕" panose="020B0603020101020101" pitchFamily="50" charset="-127"/>
+                          </a:rPr>
+                          <m:t>No</m:t>
+                        </m:r>
+                      </m:oMath>
+                    </m:oMathPara>
+                  </a14:m>
+                  <a:endParaRPr lang="ko-KR" altLang="en-US">
+                    <a:latin typeface="나눔바른고딕" panose="020B0603020101020101" pitchFamily="50" charset="-127"/>
+                    <a:ea typeface="나눔바른고딕" panose="020B0603020101020101" pitchFamily="50" charset="-127"/>
+                  </a:endParaRPr>
+                </a:p>
+              </p:txBody>
+            </p:sp>
+          </mc:Choice>
+          <mc:Fallback>
+            <p:sp>
+              <p:nvSpPr>
+                <p:cNvPr id="1217" name="TextBox 1216">
+                  <a:extLst>
+                    <a:ext uri="{FF2B5EF4-FFF2-40B4-BE49-F238E27FC236}">
+                      <a16:creationId xmlns:a16="http://schemas.microsoft.com/office/drawing/2014/main" id="{7B889737-6813-69E0-3A5B-9FEEB87355D6}"/>
+                    </a:ext>
+                  </a:extLst>
+                </p:cNvPr>
+                <p:cNvSpPr txBox="1">
+                  <a:spLocks noRot="1" noChangeAspect="1" noMove="1" noResize="1" noEditPoints="1" noAdjustHandles="1" noChangeArrowheads="1" noChangeShapeType="1" noTextEdit="1"/>
+                </p:cNvSpPr>
+                <p:nvPr/>
+              </p:nvSpPr>
+              <p:spPr>
+                <a:xfrm>
+                  <a:off x="-760366" y="740005"/>
+                  <a:ext cx="532774" cy="369332"/>
+                </a:xfrm>
+                <a:prstGeom prst="rect">
+                  <a:avLst/>
+                </a:prstGeom>
+                <a:blipFill>
+                  <a:blip r:embed="rId24"/>
+                  <a:stretch>
+                    <a:fillRect/>
+                  </a:stretch>
+                </a:blipFill>
+              </p:spPr>
+              <p:txBody>
+                <a:bodyPr/>
+                <a:lstStyle/>
+                <a:p>
+                  <a:r>
+                    <a:rPr lang="ko-KR" altLang="en-US">
+                      <a:noFill/>
+                    </a:rPr>
+                    <a:t> </a:t>
+                  </a:r>
+                </a:p>
+              </p:txBody>
+            </p:sp>
+          </mc:Fallback>
+        </mc:AlternateContent>
+        <mc:AlternateContent xmlns:mc="http://schemas.openxmlformats.org/markup-compatibility/2006">
+          <mc:Choice xmlns:a14="http://schemas.microsoft.com/office/drawing/2010/main" Requires="a14">
+            <p:sp>
+              <p:nvSpPr>
+                <p:cNvPr id="1218" name="TextBox 1217">
+                  <a:extLst>
+                    <a:ext uri="{FF2B5EF4-FFF2-40B4-BE49-F238E27FC236}">
+                      <a16:creationId xmlns:a16="http://schemas.microsoft.com/office/drawing/2014/main" id="{D9D74E4A-948D-C481-118D-62ECC371B5D1}"/>
+                    </a:ext>
+                  </a:extLst>
+                </p:cNvPr>
+                <p:cNvSpPr txBox="1"/>
+                <p:nvPr/>
+              </p:nvSpPr>
+              <p:spPr>
+                <a:xfrm>
+                  <a:off x="-2907222" y="-1984984"/>
+                  <a:ext cx="532774" cy="369332"/>
+                </a:xfrm>
+                <a:prstGeom prst="rect">
+                  <a:avLst/>
+                </a:prstGeom>
+                <a:noFill/>
+              </p:spPr>
+              <p:txBody>
+                <a:bodyPr wrap="none" rtlCol="0">
+                  <a:spAutoFit/>
+                </a:bodyPr>
+                <a:lstStyle/>
+                <a:p>
+                  <a14:m>
+                    <m:oMathPara xmlns:m="http://schemas.openxmlformats.org/officeDocument/2006/math">
+                      <m:oMathParaPr>
+                        <m:jc m:val="centerGroup"/>
+                      </m:oMathParaPr>
+                      <m:oMath xmlns:m="http://schemas.openxmlformats.org/officeDocument/2006/math">
+                        <m:r>
+                          <m:rPr>
+                            <m:nor/>
+                          </m:rPr>
+                          <a:rPr lang="en-US" altLang="ko-KR" i="0" smtClean="0">
+                            <a:latin typeface="Cambria Math" panose="02040503050406030204" pitchFamily="18" charset="0"/>
+                            <a:ea typeface="나눔바른고딕" panose="020B0603020101020101" pitchFamily="50" charset="-127"/>
+                          </a:rPr>
+                          <m:t>No</m:t>
+                        </m:r>
+                      </m:oMath>
+                    </m:oMathPara>
+                  </a14:m>
+                  <a:endParaRPr lang="ko-KR" altLang="en-US">
+                    <a:latin typeface="나눔바른고딕" panose="020B0603020101020101" pitchFamily="50" charset="-127"/>
+                    <a:ea typeface="나눔바른고딕" panose="020B0603020101020101" pitchFamily="50" charset="-127"/>
+                  </a:endParaRPr>
+                </a:p>
+              </p:txBody>
+            </p:sp>
+          </mc:Choice>
+          <mc:Fallback>
+            <p:sp>
+              <p:nvSpPr>
+                <p:cNvPr id="1218" name="TextBox 1217">
+                  <a:extLst>
+                    <a:ext uri="{FF2B5EF4-FFF2-40B4-BE49-F238E27FC236}">
+                      <a16:creationId xmlns:a16="http://schemas.microsoft.com/office/drawing/2014/main" id="{D9D74E4A-948D-C481-118D-62ECC371B5D1}"/>
+                    </a:ext>
+                  </a:extLst>
+                </p:cNvPr>
+                <p:cNvSpPr txBox="1">
+                  <a:spLocks noRot="1" noChangeAspect="1" noMove="1" noResize="1" noEditPoints="1" noAdjustHandles="1" noChangeArrowheads="1" noChangeShapeType="1" noTextEdit="1"/>
+                </p:cNvSpPr>
+                <p:nvPr/>
+              </p:nvSpPr>
+              <p:spPr>
+                <a:xfrm>
+                  <a:off x="-2907222" y="-1984984"/>
+                  <a:ext cx="532774" cy="369332"/>
+                </a:xfrm>
+                <a:prstGeom prst="rect">
+                  <a:avLst/>
+                </a:prstGeom>
+                <a:blipFill>
+                  <a:blip r:embed="rId25"/>
+                  <a:stretch>
+                    <a:fillRect/>
+                  </a:stretch>
+                </a:blipFill>
+              </p:spPr>
+              <p:txBody>
+                <a:bodyPr/>
+                <a:lstStyle/>
+                <a:p>
+                  <a:r>
+                    <a:rPr lang="ko-KR" altLang="en-US">
+                      <a:noFill/>
+                    </a:rPr>
+                    <a:t> </a:t>
+                  </a:r>
+                </a:p>
+              </p:txBody>
+            </p:sp>
+          </mc:Fallback>
+        </mc:AlternateContent>
+        <mc:AlternateContent xmlns:mc="http://schemas.openxmlformats.org/markup-compatibility/2006">
+          <mc:Choice xmlns:a14="http://schemas.microsoft.com/office/drawing/2010/main" Requires="a14">
+            <p:sp>
+              <p:nvSpPr>
+                <p:cNvPr id="1224" name="직사각형 1223">
+                  <a:extLst>
+                    <a:ext uri="{FF2B5EF4-FFF2-40B4-BE49-F238E27FC236}">
+                      <a16:creationId xmlns:a16="http://schemas.microsoft.com/office/drawing/2014/main" id="{4F1EFA75-CA7F-D8F0-F0E1-FCB2FCB0172E}"/>
+                    </a:ext>
+                  </a:extLst>
+                </p:cNvPr>
+                <p:cNvSpPr/>
+                <p:nvPr/>
+              </p:nvSpPr>
+              <p:spPr>
+                <a:xfrm>
+                  <a:off x="1370975" y="-2161018"/>
+                  <a:ext cx="3962400" cy="1110208"/>
+                </a:xfrm>
+                <a:prstGeom prst="rect">
+                  <a:avLst/>
+                </a:prstGeom>
+              </p:spPr>
+              <p:style>
+                <a:lnRef idx="2">
+                  <a:schemeClr val="dk1"/>
+                </a:lnRef>
+                <a:fillRef idx="1">
+                  <a:schemeClr val="lt1"/>
+                </a:fillRef>
+                <a:effectRef idx="0">
+                  <a:schemeClr val="dk1"/>
+                </a:effectRef>
+                <a:fontRef idx="minor">
+                  <a:schemeClr val="dk1"/>
+                </a:fontRef>
+              </p:style>
+              <p:txBody>
+                <a:bodyPr rtlCol="0" anchor="ctr"/>
+                <a:lstStyle/>
+                <a:p>
+                  <a:pPr algn="ctr">
+                    <a:lnSpc>
+                      <a:spcPct val="120000"/>
+                    </a:lnSpc>
+                  </a:pPr>
+                  <a:r>
+                    <a:rPr lang="ko-KR" altLang="en-US">
+                      <a:latin typeface="나눔바른고딕" panose="020B0603020101020101" pitchFamily="50" charset="-127"/>
+                      <a:ea typeface="나눔바른고딕" panose="020B0603020101020101" pitchFamily="50" charset="-127"/>
+                    </a:rPr>
+                    <a:t>② </a:t>
+                  </a:r>
+                  <a14:m>
+                    <m:oMath xmlns:m="http://schemas.openxmlformats.org/officeDocument/2006/math">
+                      <m:r>
+                        <m:rPr>
+                          <m:nor/>
+                        </m:rPr>
+                        <a:rPr lang="en-US" altLang="ko-KR">
+                          <a:latin typeface="Cambria Math" panose="02040503050406030204" pitchFamily="18" charset="0"/>
+                          <a:ea typeface="나눔바른고딕" panose="020B0603020101020101" pitchFamily="50" charset="-127"/>
+                        </a:rPr>
+                        <m:t>iteration</m:t>
+                      </m:r>
+                      <m:r>
+                        <m:rPr>
+                          <m:nor/>
+                        </m:rPr>
+                        <a:rPr lang="en-US" altLang="ko-KR">
+                          <a:latin typeface="Cambria Math" panose="02040503050406030204" pitchFamily="18" charset="0"/>
+                          <a:ea typeface="나눔바른고딕" panose="020B0603020101020101" pitchFamily="50" charset="-127"/>
+                        </a:rPr>
+                        <m:t> =</m:t>
+                      </m:r>
+                      <m:r>
+                        <m:rPr>
+                          <m:nor/>
+                        </m:rPr>
+                        <a:rPr lang="en-US" altLang="ko-KR">
+                          <a:latin typeface="Cambria Math" panose="02040503050406030204" pitchFamily="18" charset="0"/>
+                          <a:ea typeface="나눔바른고딕" panose="020B0603020101020101" pitchFamily="50" charset="-127"/>
+                        </a:rPr>
+                        <m:t>iteration</m:t>
+                      </m:r>
+                      <m:r>
+                        <m:rPr>
+                          <m:nor/>
+                        </m:rPr>
+                        <a:rPr lang="en-US" altLang="ko-KR">
+                          <a:latin typeface="Cambria Math" panose="02040503050406030204" pitchFamily="18" charset="0"/>
+                          <a:ea typeface="나눔바른고딕" panose="020B0603020101020101" pitchFamily="50" charset="-127"/>
+                        </a:rPr>
+                        <m:t> + 1</m:t>
+                      </m:r>
+                    </m:oMath>
+                  </a14:m>
+                  <a:endParaRPr lang="en-US" altLang="ko-KR">
+                    <a:latin typeface="나눔바른고딕" panose="020B0603020101020101" pitchFamily="50" charset="-127"/>
+                    <a:ea typeface="나눔바른고딕" panose="020B0603020101020101" pitchFamily="50" charset="-127"/>
+                  </a:endParaRPr>
+                </a:p>
+              </p:txBody>
+            </p:sp>
+          </mc:Choice>
+          <mc:Fallback>
+            <p:sp>
+              <p:nvSpPr>
+                <p:cNvPr id="1224" name="직사각형 1223">
+                  <a:extLst>
+                    <a:ext uri="{FF2B5EF4-FFF2-40B4-BE49-F238E27FC236}">
+                      <a16:creationId xmlns:a16="http://schemas.microsoft.com/office/drawing/2014/main" id="{4F1EFA75-CA7F-D8F0-F0E1-FCB2FCB0172E}"/>
+                    </a:ext>
+                  </a:extLst>
+                </p:cNvPr>
+                <p:cNvSpPr>
+                  <a:spLocks noRot="1" noChangeAspect="1" noMove="1" noResize="1" noEditPoints="1" noAdjustHandles="1" noChangeArrowheads="1" noChangeShapeType="1" noTextEdit="1"/>
+                </p:cNvSpPr>
+                <p:nvPr/>
+              </p:nvSpPr>
+              <p:spPr>
+                <a:xfrm>
+                  <a:off x="1370975" y="-2161018"/>
+                  <a:ext cx="3962400" cy="1110208"/>
+                </a:xfrm>
+                <a:prstGeom prst="rect">
+                  <a:avLst/>
+                </a:prstGeom>
+                <a:blipFill>
+                  <a:blip r:embed="rId26"/>
+                  <a:stretch>
+                    <a:fillRect/>
+                  </a:stretch>
+                </a:blipFill>
+              </p:spPr>
+              <p:txBody>
+                <a:bodyPr/>
+                <a:lstStyle/>
+                <a:p>
+                  <a:r>
+                    <a:rPr lang="ko-KR" altLang="en-US">
+                      <a:noFill/>
+                    </a:rPr>
+                    <a:t> </a:t>
+                  </a:r>
+                </a:p>
+              </p:txBody>
+            </p:sp>
+          </mc:Fallback>
+        </mc:AlternateContent>
+        <p:cxnSp>
+          <p:nvCxnSpPr>
+            <p:cNvPr id="1231" name="직선 화살표 연결선 1230">
+              <a:extLst>
+                <a:ext uri="{FF2B5EF4-FFF2-40B4-BE49-F238E27FC236}">
+                  <a16:creationId xmlns:a16="http://schemas.microsoft.com/office/drawing/2014/main" id="{13358135-30F7-DC81-56E5-B2B4102DC277}"/>
+                </a:ext>
+              </a:extLst>
+            </p:cNvPr>
+            <p:cNvCxnSpPr>
+              <a:cxnSpLocks/>
+            </p:cNvCxnSpPr>
+            <p:nvPr/>
+          </p:nvCxnSpPr>
+          <p:spPr>
+            <a:xfrm>
+              <a:off x="3352175" y="-2615505"/>
+              <a:ext cx="0" cy="454487"/>
+            </a:xfrm>
+            <a:prstGeom prst="straightConnector1">
+              <a:avLst/>
+            </a:prstGeom>
+            <a:ln>
+              <a:tailEnd type="triangle"/>
+            </a:ln>
+          </p:spPr>
+          <p:style>
+            <a:lnRef idx="2">
+              <a:schemeClr val="dk1"/>
+            </a:lnRef>
+            <a:fillRef idx="0">
+              <a:schemeClr val="dk1"/>
+            </a:fillRef>
+            <a:effectRef idx="1">
+              <a:schemeClr val="dk1"/>
+            </a:effectRef>
+            <a:fontRef idx="minor">
+              <a:schemeClr val="tx1"/>
+            </a:fontRef>
+          </p:style>
+        </p:cxnSp>
+        <p:cxnSp>
+          <p:nvCxnSpPr>
+            <p:cNvPr id="1234" name="직선 화살표 연결선 1233">
+              <a:extLst>
+                <a:ext uri="{FF2B5EF4-FFF2-40B4-BE49-F238E27FC236}">
+                  <a16:creationId xmlns:a16="http://schemas.microsoft.com/office/drawing/2014/main" id="{F44BCC51-7725-6A78-89AF-76417D087E55}"/>
+                </a:ext>
+              </a:extLst>
+            </p:cNvPr>
+            <p:cNvCxnSpPr>
+              <a:cxnSpLocks/>
+              <a:stCxn id="1224" idx="2"/>
+              <a:endCxn id="4" idx="0"/>
+            </p:cNvCxnSpPr>
+            <p:nvPr/>
+          </p:nvCxnSpPr>
+          <p:spPr>
+            <a:xfrm>
+              <a:off x="3352175" y="-1050810"/>
+              <a:ext cx="1" cy="454487"/>
+            </a:xfrm>
+            <a:prstGeom prst="straightConnector1">
+              <a:avLst/>
+            </a:prstGeom>
+            <a:ln>
+              <a:tailEnd type="triangle"/>
+            </a:ln>
+          </p:spPr>
+          <p:style>
+            <a:lnRef idx="2">
+              <a:schemeClr val="dk1"/>
+            </a:lnRef>
+            <a:fillRef idx="0">
+              <a:schemeClr val="dk1"/>
+            </a:fillRef>
+            <a:effectRef idx="1">
+              <a:schemeClr val="dk1"/>
+            </a:effectRef>
+            <a:fontRef idx="minor">
+              <a:schemeClr val="tx1"/>
+            </a:fontRef>
+          </p:style>
+        </p:cxnSp>
+        <p:sp>
+          <p:nvSpPr>
+            <p:cNvPr id="1248" name="TextBox 1247">
+              <a:extLst>
+                <a:ext uri="{FF2B5EF4-FFF2-40B4-BE49-F238E27FC236}">
+                  <a16:creationId xmlns:a16="http://schemas.microsoft.com/office/drawing/2014/main" id="{A5640025-D053-1BD3-6F3F-ABE9FE795B6E}"/>
+                </a:ext>
+              </a:extLst>
+            </p:cNvPr>
+            <p:cNvSpPr txBox="1"/>
+            <p:nvPr/>
+          </p:nvSpPr>
+          <p:spPr>
+            <a:xfrm>
+              <a:off x="-1870361" y="-1790580"/>
+              <a:ext cx="470376" cy="369332"/>
+            </a:xfrm>
+            <a:prstGeom prst="rect">
+              <a:avLst/>
+            </a:prstGeom>
+            <a:noFill/>
+          </p:spPr>
+          <p:txBody>
+            <a:bodyPr wrap="square">
+              <a:spAutoFit/>
+            </a:bodyPr>
+            <a:lstStyle/>
+            <a:p>
+              <a:pPr algn="ctr"/>
+              <a:r>
+                <a:rPr lang="ko-KR" altLang="en-US"/>
+                <a:t>⑭</a:t>
+              </a:r>
+            </a:p>
+          </p:txBody>
+        </p:sp>
+        <mc:AlternateContent xmlns:mc="http://schemas.openxmlformats.org/markup-compatibility/2006">
+          <mc:Choice xmlns:a14="http://schemas.microsoft.com/office/drawing/2010/main" Requires="a14">
+            <p:sp>
+              <p:nvSpPr>
+                <p:cNvPr id="1250" name="TextBox 1249">
+                  <a:extLst>
+                    <a:ext uri="{FF2B5EF4-FFF2-40B4-BE49-F238E27FC236}">
+                      <a16:creationId xmlns:a16="http://schemas.microsoft.com/office/drawing/2014/main" id="{9D0D806B-7854-20EC-C999-10CE6D3D3068}"/>
+                    </a:ext>
+                  </a:extLst>
+                </p:cNvPr>
+                <p:cNvSpPr txBox="1"/>
+                <p:nvPr/>
+              </p:nvSpPr>
+              <p:spPr>
+                <a:xfrm>
+                  <a:off x="227632" y="12609375"/>
+                  <a:ext cx="1837041" cy="276999"/>
+                </a:xfrm>
+                <a:prstGeom prst="rect">
+                  <a:avLst/>
+                </a:prstGeom>
+                <a:noFill/>
+              </p:spPr>
+              <p:txBody>
+                <a:bodyPr wrap="none" lIns="0" tIns="0" rIns="0" bIns="0" rtlCol="0">
+                  <a:spAutoFit/>
+                </a:bodyPr>
+                <a:lstStyle/>
+                <a:p>
+                  <a14:m>
+                    <m:oMathPara xmlns:m="http://schemas.openxmlformats.org/officeDocument/2006/math">
+                      <m:oMathParaPr>
+                        <m:jc m:val="centerGroup"/>
+                      </m:oMathParaPr>
+                      <m:oMath xmlns:m="http://schemas.openxmlformats.org/officeDocument/2006/math">
+                        <m:r>
+                          <m:rPr>
+                            <m:nor/>
+                          </m:rPr>
+                          <a:rPr lang="en-US" altLang="ko-KR" b="0" i="0" smtClean="0">
+                            <a:latin typeface="Cambria Math" panose="02040503050406030204" pitchFamily="18" charset="0"/>
+                          </a:rPr>
+                          <m:t>failed</m:t>
+                        </m:r>
+                        <m:r>
+                          <m:rPr>
+                            <m:nor/>
+                          </m:rPr>
+                          <a:rPr lang="en-US" altLang="ko-KR" b="0" i="0" smtClean="0">
+                            <a:latin typeface="Cambria Math" panose="02040503050406030204" pitchFamily="18" charset="0"/>
+                          </a:rPr>
+                          <m:t> </m:t>
+                        </m:r>
+                        <m:r>
+                          <m:rPr>
+                            <m:nor/>
+                          </m:rPr>
+                          <a:rPr lang="en-US" altLang="ko-KR" b="0" i="0" smtClean="0">
+                            <a:latin typeface="Cambria Math" panose="02040503050406030204" pitchFamily="18" charset="0"/>
+                          </a:rPr>
+                          <m:t>to</m:t>
+                        </m:r>
+                        <m:r>
+                          <m:rPr>
+                            <m:nor/>
+                          </m:rPr>
+                          <a:rPr lang="en-US" altLang="ko-KR" b="0" i="0" smtClean="0">
+                            <a:latin typeface="Cambria Math" panose="02040503050406030204" pitchFamily="18" charset="0"/>
+                          </a:rPr>
+                          <m:t> </m:t>
+                        </m:r>
+                        <m:r>
+                          <m:rPr>
+                            <m:nor/>
+                          </m:rPr>
+                          <a:rPr lang="en-US" altLang="ko-KR" b="0" i="0" smtClean="0">
+                            <a:latin typeface="Cambria Math" panose="02040503050406030204" pitchFamily="18" charset="0"/>
+                          </a:rPr>
+                          <m:t>converge</m:t>
+                        </m:r>
+                      </m:oMath>
+                    </m:oMathPara>
+                  </a14:m>
+                  <a:endParaRPr lang="ko-KR" altLang="en-US"/>
+                </a:p>
+              </p:txBody>
+            </p:sp>
+          </mc:Choice>
+          <mc:Fallback>
+            <p:sp>
+              <p:nvSpPr>
+                <p:cNvPr id="1250" name="TextBox 1249">
+                  <a:extLst>
+                    <a:ext uri="{FF2B5EF4-FFF2-40B4-BE49-F238E27FC236}">
+                      <a16:creationId xmlns:a16="http://schemas.microsoft.com/office/drawing/2014/main" id="{9D0D806B-7854-20EC-C999-10CE6D3D3068}"/>
+                    </a:ext>
+                  </a:extLst>
+                </p:cNvPr>
+                <p:cNvSpPr txBox="1">
+                  <a:spLocks noRot="1" noChangeAspect="1" noMove="1" noResize="1" noEditPoints="1" noAdjustHandles="1" noChangeArrowheads="1" noChangeShapeType="1" noTextEdit="1"/>
+                </p:cNvSpPr>
+                <p:nvPr/>
+              </p:nvSpPr>
+              <p:spPr>
+                <a:xfrm>
+                  <a:off x="227632" y="12609375"/>
+                  <a:ext cx="1837041" cy="276999"/>
+                </a:xfrm>
+                <a:prstGeom prst="rect">
+                  <a:avLst/>
+                </a:prstGeom>
+                <a:blipFill>
+                  <a:blip r:embed="rId27"/>
+                  <a:stretch>
+                    <a:fillRect l="-1993" r="-2326" b="-31111"/>
+                  </a:stretch>
+                </a:blipFill>
+              </p:spPr>
+              <p:txBody>
+                <a:bodyPr/>
+                <a:lstStyle/>
+                <a:p>
+                  <a:r>
+                    <a:rPr lang="ko-KR" altLang="en-US">
+                      <a:noFill/>
+                    </a:rPr>
+                    <a:t> </a:t>
+                  </a:r>
+                </a:p>
+              </p:txBody>
+            </p:sp>
+          </mc:Fallback>
+        </mc:AlternateContent>
+        <mc:AlternateContent xmlns:mc="http://schemas.openxmlformats.org/markup-compatibility/2006">
+          <mc:Choice xmlns:a14="http://schemas.microsoft.com/office/drawing/2010/main" Requires="a14">
+            <p:sp>
+              <p:nvSpPr>
+                <p:cNvPr id="1252" name="TextBox 1251">
+                  <a:extLst>
+                    <a:ext uri="{FF2B5EF4-FFF2-40B4-BE49-F238E27FC236}">
+                      <a16:creationId xmlns:a16="http://schemas.microsoft.com/office/drawing/2014/main" id="{259AD2DA-93C7-C901-62B1-E94DFB9EFDEC}"/>
+                    </a:ext>
+                  </a:extLst>
+                </p:cNvPr>
+                <p:cNvSpPr txBox="1"/>
+                <p:nvPr/>
+              </p:nvSpPr>
+              <p:spPr>
+                <a:xfrm>
+                  <a:off x="3973718" y="11699883"/>
+                  <a:ext cx="2402902" cy="276999"/>
+                </a:xfrm>
+                <a:prstGeom prst="rect">
+                  <a:avLst/>
+                </a:prstGeom>
+                <a:noFill/>
+              </p:spPr>
+              <p:txBody>
+                <a:bodyPr wrap="none" lIns="0" tIns="0" rIns="0" bIns="0" rtlCol="0">
+                  <a:spAutoFit/>
+                </a:bodyPr>
+                <a:lstStyle/>
+                <a:p>
+                  <a14:m>
+                    <m:oMathPara xmlns:m="http://schemas.openxmlformats.org/officeDocument/2006/math">
+                      <m:oMathParaPr>
+                        <m:jc m:val="centerGroup"/>
+                      </m:oMathParaPr>
+                      <m:oMath xmlns:m="http://schemas.openxmlformats.org/officeDocument/2006/math">
+                        <m:r>
+                          <m:rPr>
+                            <m:nor/>
+                          </m:rPr>
+                          <a:rPr lang="en-US" altLang="ko-KR" b="0" i="0" smtClean="0">
+                            <a:highlight>
+                              <a:srgbClr val="FFFF00"/>
+                            </a:highlight>
+                            <a:latin typeface="Cambria Math" panose="02040503050406030204" pitchFamily="18" charset="0"/>
+                          </a:rPr>
+                          <m:t>succeed</m:t>
+                        </m:r>
+                        <m:r>
+                          <m:rPr>
+                            <m:nor/>
+                          </m:rPr>
+                          <a:rPr lang="en-US" altLang="ko-KR" b="0" i="0" smtClean="0">
+                            <a:highlight>
+                              <a:srgbClr val="FFFF00"/>
+                            </a:highlight>
+                            <a:latin typeface="Cambria Math" panose="02040503050406030204" pitchFamily="18" charset="0"/>
+                          </a:rPr>
+                          <m:t> </m:t>
+                        </m:r>
+                        <m:r>
+                          <m:rPr>
+                            <m:nor/>
+                          </m:rPr>
+                          <a:rPr lang="en-US" altLang="ko-KR" b="0" i="0" smtClean="0">
+                            <a:highlight>
+                              <a:srgbClr val="FFFF00"/>
+                            </a:highlight>
+                            <a:latin typeface="Cambria Math" panose="02040503050406030204" pitchFamily="18" charset="0"/>
+                          </a:rPr>
+                          <m:t>in</m:t>
+                        </m:r>
+                        <m:r>
+                          <m:rPr>
+                            <m:nor/>
+                          </m:rPr>
+                          <a:rPr lang="en-US" altLang="ko-KR" b="0" i="0" smtClean="0">
+                            <a:highlight>
+                              <a:srgbClr val="FFFF00"/>
+                            </a:highlight>
+                            <a:latin typeface="Cambria Math" panose="02040503050406030204" pitchFamily="18" charset="0"/>
+                          </a:rPr>
+                          <m:t> </m:t>
+                        </m:r>
+                        <m:r>
+                          <m:rPr>
+                            <m:nor/>
+                          </m:rPr>
+                          <a:rPr lang="en-US" altLang="ko-KR" b="0" i="0" smtClean="0">
+                            <a:highlight>
+                              <a:srgbClr val="FFFF00"/>
+                            </a:highlight>
+                            <a:latin typeface="Cambria Math" panose="02040503050406030204" pitchFamily="18" charset="0"/>
+                          </a:rPr>
+                          <m:t>convergence</m:t>
+                        </m:r>
+                      </m:oMath>
+                    </m:oMathPara>
+                  </a14:m>
+                  <a:endParaRPr lang="ko-KR" altLang="en-US">
+                    <a:highlight>
+                      <a:srgbClr val="FFFF00"/>
+                    </a:highlight>
+                  </a:endParaRPr>
+                </a:p>
+              </p:txBody>
+            </p:sp>
+          </mc:Choice>
+          <mc:Fallback>
+            <p:sp>
+              <p:nvSpPr>
+                <p:cNvPr id="1252" name="TextBox 1251">
+                  <a:extLst>
+                    <a:ext uri="{FF2B5EF4-FFF2-40B4-BE49-F238E27FC236}">
+                      <a16:creationId xmlns:a16="http://schemas.microsoft.com/office/drawing/2014/main" id="{259AD2DA-93C7-C901-62B1-E94DFB9EFDEC}"/>
+                    </a:ext>
+                  </a:extLst>
+                </p:cNvPr>
+                <p:cNvSpPr txBox="1">
+                  <a:spLocks noRot="1" noChangeAspect="1" noMove="1" noResize="1" noEditPoints="1" noAdjustHandles="1" noChangeArrowheads="1" noChangeShapeType="1" noTextEdit="1"/>
+                </p:cNvSpPr>
+                <p:nvPr/>
+              </p:nvSpPr>
+              <p:spPr>
+                <a:xfrm>
+                  <a:off x="3973718" y="11699883"/>
+                  <a:ext cx="2402902" cy="276999"/>
+                </a:xfrm>
+                <a:prstGeom prst="rect">
+                  <a:avLst/>
+                </a:prstGeom>
+                <a:blipFill>
+                  <a:blip r:embed="rId28"/>
+                  <a:stretch>
+                    <a:fillRect l="-1519" t="-13333" r="-1519" b="-31111"/>
+                  </a:stretch>
+                </a:blipFill>
+              </p:spPr>
+              <p:txBody>
+                <a:bodyPr/>
+                <a:lstStyle/>
+                <a:p>
+                  <a:r>
+                    <a:rPr lang="ko-KR" altLang="en-US">
+                      <a:noFill/>
+                    </a:rPr>
+                    <a:t> </a:t>
+                  </a:r>
+                </a:p>
+              </p:txBody>
+            </p:sp>
+          </mc:Fallback>
+        </mc:AlternateContent>
+      </p:grpSp>
+      <p:pic>
+        <p:nvPicPr>
+          <p:cNvPr id="1308" name="그림 1307">
+            <a:extLst>
+              <a:ext uri="{FF2B5EF4-FFF2-40B4-BE49-F238E27FC236}">
+                <a16:creationId xmlns:a16="http://schemas.microsoft.com/office/drawing/2014/main" id="{47D1E492-60B0-63BA-9A67-2B4B4A346C6A}"/>
+              </a:ext>
+            </a:extLst>
+          </p:cNvPr>
+          <p:cNvPicPr>
+            <a:picLocks noChangeAspect="1"/>
+          </p:cNvPicPr>
+          <p:nvPr/>
+        </p:nvPicPr>
+        <p:blipFill>
+          <a:blip r:embed="rId29"/>
+          <a:stretch>
+            <a:fillRect/>
+          </a:stretch>
+        </p:blipFill>
+        <p:spPr>
+          <a:xfrm>
+            <a:off x="6332131" y="-9484259"/>
+            <a:ext cx="13731459" cy="27911546"/>
+          </a:xfrm>
+          <a:prstGeom prst="rect">
+            <a:avLst/>
+          </a:prstGeom>
+        </p:spPr>
+      </p:pic>
+    </p:spTree>
+    <p:extLst>
+      <p:ext uri="{BB962C8B-B14F-4D97-AF65-F5344CB8AC3E}">
+        <p14:creationId xmlns:p14="http://schemas.microsoft.com/office/powerpoint/2010/main" val="4097241770"/>
+      </p:ext>
+    </p:extLst>
+  </p:cSld>
+  <p:clrMapOvr>
+    <a:masterClrMapping/>
+  </p:clrMapOvr>
+</p:sld>
+</file>
+
 <file path=ppt/theme/theme1.xml><?xml version="1.0" encoding="utf-8"?>
 <a:theme xmlns:a="http://schemas.openxmlformats.org/drawingml/2006/main" name="Office 테마">
   <a:themeElements>

--- a/assets/img/math/calculus/basic_optimization/basic_optimization.pptx
+++ b/assets/img/math/calculus/basic_optimization/basic_optimization.pptx
@@ -199,7 +199,7 @@
           <a:p>
             <a:fld id="{78C42AC9-A0C9-4D32-8EA2-91EA3A4A6392}" type="datetimeFigureOut">
               <a:rPr lang="ko-KR" altLang="en-US" smtClean="0"/>
-              <a:t>2024-05-25</a:t>
+              <a:t>2024-05-29</a:t>
             </a:fld>
             <a:endParaRPr lang="ko-KR" altLang="en-US"/>
           </a:p>
@@ -781,7 +781,7 @@
           <a:p>
             <a:fld id="{DF489DE6-6DBB-4098-880A-A8B378CCF17A}" type="datetimeFigureOut">
               <a:rPr lang="ko-KR" altLang="en-US" smtClean="0"/>
-              <a:t>2024-05-25</a:t>
+              <a:t>2024-05-29</a:t>
             </a:fld>
             <a:endParaRPr lang="ko-KR" altLang="en-US"/>
           </a:p>
@@ -979,7 +979,7 @@
           <a:p>
             <a:fld id="{DF489DE6-6DBB-4098-880A-A8B378CCF17A}" type="datetimeFigureOut">
               <a:rPr lang="ko-KR" altLang="en-US" smtClean="0"/>
-              <a:t>2024-05-25</a:t>
+              <a:t>2024-05-29</a:t>
             </a:fld>
             <a:endParaRPr lang="ko-KR" altLang="en-US"/>
           </a:p>
@@ -1187,7 +1187,7 @@
           <a:p>
             <a:fld id="{DF489DE6-6DBB-4098-880A-A8B378CCF17A}" type="datetimeFigureOut">
               <a:rPr lang="ko-KR" altLang="en-US" smtClean="0"/>
-              <a:t>2024-05-25</a:t>
+              <a:t>2024-05-29</a:t>
             </a:fld>
             <a:endParaRPr lang="ko-KR" altLang="en-US"/>
           </a:p>
@@ -1385,7 +1385,7 @@
           <a:p>
             <a:fld id="{DF489DE6-6DBB-4098-880A-A8B378CCF17A}" type="datetimeFigureOut">
               <a:rPr lang="ko-KR" altLang="en-US" smtClean="0"/>
-              <a:t>2024-05-25</a:t>
+              <a:t>2024-05-29</a:t>
             </a:fld>
             <a:endParaRPr lang="ko-KR" altLang="en-US"/>
           </a:p>
@@ -1660,7 +1660,7 @@
           <a:p>
             <a:fld id="{DF489DE6-6DBB-4098-880A-A8B378CCF17A}" type="datetimeFigureOut">
               <a:rPr lang="ko-KR" altLang="en-US" smtClean="0"/>
-              <a:t>2024-05-25</a:t>
+              <a:t>2024-05-29</a:t>
             </a:fld>
             <a:endParaRPr lang="ko-KR" altLang="en-US"/>
           </a:p>
@@ -1925,7 +1925,7 @@
           <a:p>
             <a:fld id="{DF489DE6-6DBB-4098-880A-A8B378CCF17A}" type="datetimeFigureOut">
               <a:rPr lang="ko-KR" altLang="en-US" smtClean="0"/>
-              <a:t>2024-05-25</a:t>
+              <a:t>2024-05-29</a:t>
             </a:fld>
             <a:endParaRPr lang="ko-KR" altLang="en-US"/>
           </a:p>
@@ -2337,7 +2337,7 @@
           <a:p>
             <a:fld id="{DF489DE6-6DBB-4098-880A-A8B378CCF17A}" type="datetimeFigureOut">
               <a:rPr lang="ko-KR" altLang="en-US" smtClean="0"/>
-              <a:t>2024-05-25</a:t>
+              <a:t>2024-05-29</a:t>
             </a:fld>
             <a:endParaRPr lang="ko-KR" altLang="en-US"/>
           </a:p>
@@ -2478,7 +2478,7 @@
           <a:p>
             <a:fld id="{DF489DE6-6DBB-4098-880A-A8B378CCF17A}" type="datetimeFigureOut">
               <a:rPr lang="ko-KR" altLang="en-US" smtClean="0"/>
-              <a:t>2024-05-25</a:t>
+              <a:t>2024-05-29</a:t>
             </a:fld>
             <a:endParaRPr lang="ko-KR" altLang="en-US"/>
           </a:p>
@@ -2591,7 +2591,7 @@
           <a:p>
             <a:fld id="{DF489DE6-6DBB-4098-880A-A8B378CCF17A}" type="datetimeFigureOut">
               <a:rPr lang="ko-KR" altLang="en-US" smtClean="0"/>
-              <a:t>2024-05-25</a:t>
+              <a:t>2024-05-29</a:t>
             </a:fld>
             <a:endParaRPr lang="ko-KR" altLang="en-US"/>
           </a:p>
@@ -2902,7 +2902,7 @@
           <a:p>
             <a:fld id="{DF489DE6-6DBB-4098-880A-A8B378CCF17A}" type="datetimeFigureOut">
               <a:rPr lang="ko-KR" altLang="en-US" smtClean="0"/>
-              <a:t>2024-05-25</a:t>
+              <a:t>2024-05-29</a:t>
             </a:fld>
             <a:endParaRPr lang="ko-KR" altLang="en-US"/>
           </a:p>
@@ -3190,7 +3190,7 @@
           <a:p>
             <a:fld id="{DF489DE6-6DBB-4098-880A-A8B378CCF17A}" type="datetimeFigureOut">
               <a:rPr lang="ko-KR" altLang="en-US" smtClean="0"/>
-              <a:t>2024-05-25</a:t>
+              <a:t>2024-05-29</a:t>
             </a:fld>
             <a:endParaRPr lang="ko-KR" altLang="en-US"/>
           </a:p>
@@ -3431,7 +3431,7 @@
           <a:p>
             <a:fld id="{DF489DE6-6DBB-4098-880A-A8B378CCF17A}" type="datetimeFigureOut">
               <a:rPr lang="ko-KR" altLang="en-US" smtClean="0"/>
-              <a:t>2024-05-25</a:t>
+              <a:t>2024-05-29</a:t>
             </a:fld>
             <a:endParaRPr lang="ko-KR" altLang="en-US"/>
           </a:p>
@@ -8663,8 +8663,8 @@
             </a:fontRef>
           </p:style>
         </p:cxnSp>
-        <mc:AlternateContent xmlns:mc="http://schemas.openxmlformats.org/markup-compatibility/2006">
-          <mc:Choice xmlns:a14="http://schemas.microsoft.com/office/drawing/2010/main" Requires="a14">
+        <mc:AlternateContent xmlns:mc="http://schemas.openxmlformats.org/markup-compatibility/2006" xmlns:a14="http://schemas.microsoft.com/office/drawing/2010/main">
+          <mc:Choice Requires="a14">
             <p:sp>
               <p:nvSpPr>
                 <p:cNvPr id="4" name="직사각형 3">
@@ -8952,7 +8952,7 @@
               </p:txBody>
             </p:sp>
           </mc:Choice>
-          <mc:Fallback>
+          <mc:Fallback xmlns="">
             <p:sp>
               <p:nvSpPr>
                 <p:cNvPr id="4" name="직사각형 3">
@@ -9002,8 +9002,8 @@
             </p:sp>
           </mc:Fallback>
         </mc:AlternateContent>
-        <mc:AlternateContent xmlns:mc="http://schemas.openxmlformats.org/markup-compatibility/2006">
-          <mc:Choice xmlns:a14="http://schemas.microsoft.com/office/drawing/2010/main" Requires="a14">
+        <mc:AlternateContent xmlns:mc="http://schemas.openxmlformats.org/markup-compatibility/2006" xmlns:a14="http://schemas.microsoft.com/office/drawing/2010/main">
+          <mc:Choice Requires="a14">
             <p:sp>
               <p:nvSpPr>
                 <p:cNvPr id="11" name="직사각형 10">
@@ -9196,7 +9196,7 @@
               </p:txBody>
             </p:sp>
           </mc:Choice>
-          <mc:Fallback>
+          <mc:Fallback xmlns="">
             <p:sp>
               <p:nvSpPr>
                 <p:cNvPr id="11" name="직사각형 10">
@@ -9241,8 +9241,8 @@
             </p:sp>
           </mc:Fallback>
         </mc:AlternateContent>
-        <mc:AlternateContent xmlns:mc="http://schemas.openxmlformats.org/markup-compatibility/2006">
-          <mc:Choice xmlns:a14="http://schemas.microsoft.com/office/drawing/2010/main" Requires="a14">
+        <mc:AlternateContent xmlns:mc="http://schemas.openxmlformats.org/markup-compatibility/2006" xmlns:a14="http://schemas.microsoft.com/office/drawing/2010/main">
+          <mc:Choice Requires="a14">
             <p:sp>
               <p:nvSpPr>
                 <p:cNvPr id="15" name="직사각형 14">
@@ -9637,7 +9637,7 @@
               </p:txBody>
             </p:sp>
           </mc:Choice>
-          <mc:Fallback>
+          <mc:Fallback xmlns="">
             <p:sp>
               <p:nvSpPr>
                 <p:cNvPr id="15" name="직사각형 14">
@@ -9682,8 +9682,8 @@
             </p:sp>
           </mc:Fallback>
         </mc:AlternateContent>
-        <mc:AlternateContent xmlns:mc="http://schemas.openxmlformats.org/markup-compatibility/2006">
-          <mc:Choice xmlns:a14="http://schemas.microsoft.com/office/drawing/2010/main" Requires="a14">
+        <mc:AlternateContent xmlns:mc="http://schemas.openxmlformats.org/markup-compatibility/2006" xmlns:a14="http://schemas.microsoft.com/office/drawing/2010/main">
+          <mc:Choice Requires="a14">
             <p:sp>
               <p:nvSpPr>
                 <p:cNvPr id="20" name="직사각형 19">
@@ -9890,7 +9890,7 @@
               </p:txBody>
             </p:sp>
           </mc:Choice>
-          <mc:Fallback>
+          <mc:Fallback xmlns="">
             <p:sp>
               <p:nvSpPr>
                 <p:cNvPr id="20" name="직사각형 19">
@@ -9935,8 +9935,8 @@
             </p:sp>
           </mc:Fallback>
         </mc:AlternateContent>
-        <mc:AlternateContent xmlns:mc="http://schemas.openxmlformats.org/markup-compatibility/2006">
-          <mc:Choice xmlns:a14="http://schemas.microsoft.com/office/drawing/2010/main" Requires="a14">
+        <mc:AlternateContent xmlns:mc="http://schemas.openxmlformats.org/markup-compatibility/2006" xmlns:a14="http://schemas.microsoft.com/office/drawing/2010/main">
+          <mc:Choice Requires="a14">
             <p:sp>
               <p:nvSpPr>
                 <p:cNvPr id="32" name="직사각형 31">
@@ -10179,7 +10179,7 @@
               </p:txBody>
             </p:sp>
           </mc:Choice>
-          <mc:Fallback>
+          <mc:Fallback xmlns="">
             <p:sp>
               <p:nvSpPr>
                 <p:cNvPr id="32" name="직사각형 31">
@@ -10224,8 +10224,8 @@
             </p:sp>
           </mc:Fallback>
         </mc:AlternateContent>
-        <mc:AlternateContent xmlns:mc="http://schemas.openxmlformats.org/markup-compatibility/2006">
-          <mc:Choice xmlns:a14="http://schemas.microsoft.com/office/drawing/2010/main" Requires="a14">
+        <mc:AlternateContent xmlns:mc="http://schemas.openxmlformats.org/markup-compatibility/2006" xmlns:a14="http://schemas.microsoft.com/office/drawing/2010/main">
+          <mc:Choice Requires="a14">
             <p:sp>
               <p:nvSpPr>
                 <p:cNvPr id="33" name="순서도: 판단 32">
@@ -10391,7 +10391,7 @@
               </p:txBody>
             </p:sp>
           </mc:Choice>
-          <mc:Fallback>
+          <mc:Fallback xmlns="">
             <p:sp>
               <p:nvSpPr>
                 <p:cNvPr id="33" name="순서도: 판단 32">
@@ -10436,8 +10436,8 @@
             </p:sp>
           </mc:Fallback>
         </mc:AlternateContent>
-        <mc:AlternateContent xmlns:mc="http://schemas.openxmlformats.org/markup-compatibility/2006">
-          <mc:Choice xmlns:a14="http://schemas.microsoft.com/office/drawing/2010/main" Requires="a14">
+        <mc:AlternateContent xmlns:mc="http://schemas.openxmlformats.org/markup-compatibility/2006" xmlns:a14="http://schemas.microsoft.com/office/drawing/2010/main">
+          <mc:Choice Requires="a14">
             <p:sp>
               <p:nvSpPr>
                 <p:cNvPr id="35" name="직사각형 34">
@@ -10675,7 +10675,7 @@
               </p:txBody>
             </p:sp>
           </mc:Choice>
-          <mc:Fallback>
+          <mc:Fallback xmlns="">
             <p:sp>
               <p:nvSpPr>
                 <p:cNvPr id="35" name="직사각형 34">
@@ -10720,8 +10720,8 @@
             </p:sp>
           </mc:Fallback>
         </mc:AlternateContent>
-        <mc:AlternateContent xmlns:mc="http://schemas.openxmlformats.org/markup-compatibility/2006">
-          <mc:Choice xmlns:a14="http://schemas.microsoft.com/office/drawing/2010/main" Requires="a14">
+        <mc:AlternateContent xmlns:mc="http://schemas.openxmlformats.org/markup-compatibility/2006" xmlns:a14="http://schemas.microsoft.com/office/drawing/2010/main">
+          <mc:Choice Requires="a14">
             <p:sp>
               <p:nvSpPr>
                 <p:cNvPr id="37" name="순서도: 판단 36">
@@ -10867,7 +10867,7 @@
               </p:txBody>
             </p:sp>
           </mc:Choice>
-          <mc:Fallback>
+          <mc:Fallback xmlns="">
             <p:sp>
               <p:nvSpPr>
                 <p:cNvPr id="37" name="순서도: 판단 36">
@@ -10912,8 +10912,8 @@
             </p:sp>
           </mc:Fallback>
         </mc:AlternateContent>
-        <mc:AlternateContent xmlns:mc="http://schemas.openxmlformats.org/markup-compatibility/2006">
-          <mc:Choice xmlns:a14="http://schemas.microsoft.com/office/drawing/2010/main" Requires="a14">
+        <mc:AlternateContent xmlns:mc="http://schemas.openxmlformats.org/markup-compatibility/2006" xmlns:a14="http://schemas.microsoft.com/office/drawing/2010/main">
+          <mc:Choice Requires="a14">
             <p:sp>
               <p:nvSpPr>
                 <p:cNvPr id="38" name="직사각형 37">
@@ -11158,7 +11158,7 @@
               </p:txBody>
             </p:sp>
           </mc:Choice>
-          <mc:Fallback>
+          <mc:Fallback xmlns="">
             <p:sp>
               <p:nvSpPr>
                 <p:cNvPr id="38" name="직사각형 37">
@@ -11547,8 +11547,8 @@
             </a:fontRef>
           </p:style>
         </p:cxnSp>
-        <mc:AlternateContent xmlns:mc="http://schemas.openxmlformats.org/markup-compatibility/2006">
-          <mc:Choice xmlns:a14="http://schemas.microsoft.com/office/drawing/2010/main" Requires="a14">
+        <mc:AlternateContent xmlns:mc="http://schemas.openxmlformats.org/markup-compatibility/2006" xmlns:a14="http://schemas.microsoft.com/office/drawing/2010/main">
+          <mc:Choice Requires="a14">
             <p:sp>
               <p:nvSpPr>
                 <p:cNvPr id="1038" name="TextBox 1037">
@@ -11577,6 +11577,7 @@
                 </a:bodyPr>
                 <a:lstStyle/>
                 <a:p>
+                  <a:pPr/>
                   <a14:m>
                     <m:oMathPara xmlns:m="http://schemas.openxmlformats.org/officeDocument/2006/math">
                       <m:oMathParaPr>
@@ -11604,7 +11605,7 @@
               </p:txBody>
             </p:sp>
           </mc:Choice>
-          <mc:Fallback>
+          <mc:Fallback xmlns="">
             <p:sp>
               <p:nvSpPr>
                 <p:cNvPr id="1038" name="TextBox 1037">
@@ -11649,8 +11650,8 @@
             </p:sp>
           </mc:Fallback>
         </mc:AlternateContent>
-        <mc:AlternateContent xmlns:mc="http://schemas.openxmlformats.org/markup-compatibility/2006">
-          <mc:Choice xmlns:a14="http://schemas.microsoft.com/office/drawing/2010/main" Requires="a14">
+        <mc:AlternateContent xmlns:mc="http://schemas.openxmlformats.org/markup-compatibility/2006" xmlns:a14="http://schemas.microsoft.com/office/drawing/2010/main">
+          <mc:Choice Requires="a14">
             <p:sp>
               <p:nvSpPr>
                 <p:cNvPr id="1039" name="TextBox 1038">
@@ -11679,6 +11680,7 @@
                 </a:bodyPr>
                 <a:lstStyle/>
                 <a:p>
+                  <a:pPr/>
                   <a14:m>
                     <m:oMathPara xmlns:m="http://schemas.openxmlformats.org/officeDocument/2006/math">
                       <m:oMathParaPr>
@@ -11706,7 +11708,7 @@
               </p:txBody>
             </p:sp>
           </mc:Choice>
-          <mc:Fallback>
+          <mc:Fallback xmlns="">
             <p:sp>
               <p:nvSpPr>
                 <p:cNvPr id="1039" name="TextBox 1038">
@@ -11751,8 +11753,8 @@
             </p:sp>
           </mc:Fallback>
         </mc:AlternateContent>
-        <mc:AlternateContent xmlns:mc="http://schemas.openxmlformats.org/markup-compatibility/2006">
-          <mc:Choice xmlns:a14="http://schemas.microsoft.com/office/drawing/2010/main" Requires="a14">
+        <mc:AlternateContent xmlns:mc="http://schemas.openxmlformats.org/markup-compatibility/2006" xmlns:a14="http://schemas.microsoft.com/office/drawing/2010/main">
+          <mc:Choice Requires="a14">
             <p:sp>
               <p:nvSpPr>
                 <p:cNvPr id="1040" name="TextBox 1039">
@@ -11781,6 +11783,7 @@
                 </a:bodyPr>
                 <a:lstStyle/>
                 <a:p>
+                  <a:pPr/>
                   <a14:m>
                     <m:oMathPara xmlns:m="http://schemas.openxmlformats.org/officeDocument/2006/math">
                       <m:oMathParaPr>
@@ -11808,7 +11811,7 @@
               </p:txBody>
             </p:sp>
           </mc:Choice>
-          <mc:Fallback>
+          <mc:Fallback xmlns="">
             <p:sp>
               <p:nvSpPr>
                 <p:cNvPr id="1040" name="TextBox 1039">
@@ -11896,8 +11899,8 @@
             </a:fontRef>
           </p:style>
         </p:cxnSp>
-        <mc:AlternateContent xmlns:mc="http://schemas.openxmlformats.org/markup-compatibility/2006">
-          <mc:Choice xmlns:a14="http://schemas.microsoft.com/office/drawing/2010/main" Requires="a14">
+        <mc:AlternateContent xmlns:mc="http://schemas.openxmlformats.org/markup-compatibility/2006" xmlns:a14="http://schemas.microsoft.com/office/drawing/2010/main">
+          <mc:Choice Requires="a14">
             <p:sp>
               <p:nvSpPr>
                 <p:cNvPr id="1042" name="TextBox 1041">
@@ -11926,6 +11929,7 @@
                 </a:bodyPr>
                 <a:lstStyle/>
                 <a:p>
+                  <a:pPr/>
                   <a14:m>
                     <m:oMathPara xmlns:m="http://schemas.openxmlformats.org/officeDocument/2006/math">
                       <m:oMathParaPr>
@@ -11953,7 +11957,7 @@
               </p:txBody>
             </p:sp>
           </mc:Choice>
-          <mc:Fallback>
+          <mc:Fallback xmlns="">
             <p:sp>
               <p:nvSpPr>
                 <p:cNvPr id="1042" name="TextBox 1041">
@@ -11998,8 +12002,8 @@
             </p:sp>
           </mc:Fallback>
         </mc:AlternateContent>
-        <mc:AlternateContent xmlns:mc="http://schemas.openxmlformats.org/markup-compatibility/2006">
-          <mc:Choice xmlns:a14="http://schemas.microsoft.com/office/drawing/2010/main" Requires="a14">
+        <mc:AlternateContent xmlns:mc="http://schemas.openxmlformats.org/markup-compatibility/2006" xmlns:a14="http://schemas.microsoft.com/office/drawing/2010/main">
+          <mc:Choice Requires="a14">
             <p:sp>
               <p:nvSpPr>
                 <p:cNvPr id="1046" name="순서도: 대체 처리 1045">
@@ -12067,7 +12071,7 @@
               </p:txBody>
             </p:sp>
           </mc:Choice>
-          <mc:Fallback>
+          <mc:Fallback xmlns="">
             <p:sp>
               <p:nvSpPr>
                 <p:cNvPr id="1046" name="순서도: 대체 처리 1045">
@@ -12112,8 +12116,8 @@
             </p:sp>
           </mc:Fallback>
         </mc:AlternateContent>
-        <mc:AlternateContent xmlns:mc="http://schemas.openxmlformats.org/markup-compatibility/2006">
-          <mc:Choice xmlns:a14="http://schemas.microsoft.com/office/drawing/2010/main" Requires="a14">
+        <mc:AlternateContent xmlns:mc="http://schemas.openxmlformats.org/markup-compatibility/2006" xmlns:a14="http://schemas.microsoft.com/office/drawing/2010/main">
+          <mc:Choice Requires="a14">
             <p:sp>
               <p:nvSpPr>
                 <p:cNvPr id="1049" name="순서도: 대체 처리 1048">
@@ -12181,7 +12185,7 @@
               </p:txBody>
             </p:sp>
           </mc:Choice>
-          <mc:Fallback>
+          <mc:Fallback xmlns="">
             <p:sp>
               <p:nvSpPr>
                 <p:cNvPr id="1049" name="순서도: 대체 처리 1048">
@@ -12543,8 +12547,8 @@
             </a:p>
           </p:txBody>
         </p:sp>
-        <mc:AlternateContent xmlns:mc="http://schemas.openxmlformats.org/markup-compatibility/2006">
-          <mc:Choice xmlns:a14="http://schemas.microsoft.com/office/drawing/2010/main" Requires="a14">
+        <mc:AlternateContent xmlns:mc="http://schemas.openxmlformats.org/markup-compatibility/2006" xmlns:a14="http://schemas.microsoft.com/office/drawing/2010/main">
+          <mc:Choice Requires="a14">
             <p:sp>
               <p:nvSpPr>
                 <p:cNvPr id="19" name="순서도: 판단 18">
@@ -12650,7 +12654,7 @@
               </p:txBody>
             </p:sp>
           </mc:Choice>
-          <mc:Fallback>
+          <mc:Fallback xmlns="">
             <p:sp>
               <p:nvSpPr>
                 <p:cNvPr id="19" name="순서도: 판단 18">
@@ -12783,8 +12787,8 @@
             </a:fontRef>
           </p:style>
         </p:cxnSp>
-        <mc:AlternateContent xmlns:mc="http://schemas.openxmlformats.org/markup-compatibility/2006">
-          <mc:Choice xmlns:a14="http://schemas.microsoft.com/office/drawing/2010/main" Requires="a14">
+        <mc:AlternateContent xmlns:mc="http://schemas.openxmlformats.org/markup-compatibility/2006" xmlns:a14="http://schemas.microsoft.com/office/drawing/2010/main">
+          <mc:Choice Requires="a14">
             <p:sp>
               <p:nvSpPr>
                 <p:cNvPr id="41" name="순서도: 판단 40">
@@ -12890,7 +12894,7 @@
               </p:txBody>
             </p:sp>
           </mc:Choice>
-          <mc:Fallback>
+          <mc:Fallback xmlns="">
             <p:sp>
               <p:nvSpPr>
                 <p:cNvPr id="41" name="순서도: 판단 40">
@@ -12935,8 +12939,8 @@
             </p:sp>
           </mc:Fallback>
         </mc:AlternateContent>
-        <mc:AlternateContent xmlns:mc="http://schemas.openxmlformats.org/markup-compatibility/2006">
-          <mc:Choice xmlns:a14="http://schemas.microsoft.com/office/drawing/2010/main" Requires="a14">
+        <mc:AlternateContent xmlns:mc="http://schemas.openxmlformats.org/markup-compatibility/2006" xmlns:a14="http://schemas.microsoft.com/office/drawing/2010/main">
+          <mc:Choice Requires="a14">
             <p:sp>
               <p:nvSpPr>
                 <p:cNvPr id="45" name="직사각형 44">
@@ -13110,7 +13114,7 @@
               </p:txBody>
             </p:sp>
           </mc:Choice>
-          <mc:Fallback>
+          <mc:Fallback xmlns="">
             <p:sp>
               <p:nvSpPr>
                 <p:cNvPr id="45" name="직사각형 44">
@@ -13155,8 +13159,8 @@
             </p:sp>
           </mc:Fallback>
         </mc:AlternateContent>
-        <mc:AlternateContent xmlns:mc="http://schemas.openxmlformats.org/markup-compatibility/2006">
-          <mc:Choice xmlns:a14="http://schemas.microsoft.com/office/drawing/2010/main" Requires="a14">
+        <mc:AlternateContent xmlns:mc="http://schemas.openxmlformats.org/markup-compatibility/2006" xmlns:a14="http://schemas.microsoft.com/office/drawing/2010/main">
+          <mc:Choice Requires="a14">
             <p:sp>
               <p:nvSpPr>
                 <p:cNvPr id="46" name="직사각형 45">
@@ -13260,7 +13264,7 @@
               </p:txBody>
             </p:sp>
           </mc:Choice>
-          <mc:Fallback>
+          <mc:Fallback xmlns="">
             <p:sp>
               <p:nvSpPr>
                 <p:cNvPr id="46" name="직사각형 45">
@@ -13512,8 +13516,8 @@
             </a:fontRef>
           </p:style>
         </p:cxnSp>
-        <mc:AlternateContent xmlns:mc="http://schemas.openxmlformats.org/markup-compatibility/2006">
-          <mc:Choice xmlns:a14="http://schemas.microsoft.com/office/drawing/2010/main" Requires="a14">
+        <mc:AlternateContent xmlns:mc="http://schemas.openxmlformats.org/markup-compatibility/2006" xmlns:a14="http://schemas.microsoft.com/office/drawing/2010/main">
+          <mc:Choice Requires="a14">
             <p:sp>
               <p:nvSpPr>
                 <p:cNvPr id="1087" name="TextBox 1086">
@@ -13542,6 +13546,7 @@
                 </a:bodyPr>
                 <a:lstStyle/>
                 <a:p>
+                  <a:pPr/>
                   <a14:m>
                     <m:oMathPara xmlns:m="http://schemas.openxmlformats.org/officeDocument/2006/math">
                       <m:oMathParaPr>
@@ -13569,7 +13574,7 @@
               </p:txBody>
             </p:sp>
           </mc:Choice>
-          <mc:Fallback>
+          <mc:Fallback xmlns="">
             <p:sp>
               <p:nvSpPr>
                 <p:cNvPr id="1087" name="TextBox 1086">
@@ -13614,8 +13619,8 @@
             </p:sp>
           </mc:Fallback>
         </mc:AlternateContent>
-        <mc:AlternateContent xmlns:mc="http://schemas.openxmlformats.org/markup-compatibility/2006">
-          <mc:Choice xmlns:a14="http://schemas.microsoft.com/office/drawing/2010/main" Requires="a14">
+        <mc:AlternateContent xmlns:mc="http://schemas.openxmlformats.org/markup-compatibility/2006" xmlns:a14="http://schemas.microsoft.com/office/drawing/2010/main">
+          <mc:Choice Requires="a14">
             <p:sp>
               <p:nvSpPr>
                 <p:cNvPr id="1216" name="TextBox 1215">
@@ -13644,6 +13649,7 @@
                 </a:bodyPr>
                 <a:lstStyle/>
                 <a:p>
+                  <a:pPr/>
                   <a14:m>
                     <m:oMathPara xmlns:m="http://schemas.openxmlformats.org/officeDocument/2006/math">
                       <m:oMathParaPr>
@@ -13671,7 +13677,7 @@
               </p:txBody>
             </p:sp>
           </mc:Choice>
-          <mc:Fallback>
+          <mc:Fallback xmlns="">
             <p:sp>
               <p:nvSpPr>
                 <p:cNvPr id="1216" name="TextBox 1215">
@@ -13716,8 +13722,8 @@
             </p:sp>
           </mc:Fallback>
         </mc:AlternateContent>
-        <mc:AlternateContent xmlns:mc="http://schemas.openxmlformats.org/markup-compatibility/2006">
-          <mc:Choice xmlns:a14="http://schemas.microsoft.com/office/drawing/2010/main" Requires="a14">
+        <mc:AlternateContent xmlns:mc="http://schemas.openxmlformats.org/markup-compatibility/2006" xmlns:a14="http://schemas.microsoft.com/office/drawing/2010/main">
+          <mc:Choice Requires="a14">
             <p:sp>
               <p:nvSpPr>
                 <p:cNvPr id="1217" name="TextBox 1216">
@@ -13746,6 +13752,7 @@
                 </a:bodyPr>
                 <a:lstStyle/>
                 <a:p>
+                  <a:pPr/>
                   <a14:m>
                     <m:oMathPara xmlns:m="http://schemas.openxmlformats.org/officeDocument/2006/math">
                       <m:oMathParaPr>
@@ -13773,7 +13780,7 @@
               </p:txBody>
             </p:sp>
           </mc:Choice>
-          <mc:Fallback>
+          <mc:Fallback xmlns="">
             <p:sp>
               <p:nvSpPr>
                 <p:cNvPr id="1217" name="TextBox 1216">
@@ -13818,8 +13825,8 @@
             </p:sp>
           </mc:Fallback>
         </mc:AlternateContent>
-        <mc:AlternateContent xmlns:mc="http://schemas.openxmlformats.org/markup-compatibility/2006">
-          <mc:Choice xmlns:a14="http://schemas.microsoft.com/office/drawing/2010/main" Requires="a14">
+        <mc:AlternateContent xmlns:mc="http://schemas.openxmlformats.org/markup-compatibility/2006" xmlns:a14="http://schemas.microsoft.com/office/drawing/2010/main">
+          <mc:Choice Requires="a14">
             <p:sp>
               <p:nvSpPr>
                 <p:cNvPr id="1218" name="TextBox 1217">
@@ -13848,6 +13855,7 @@
                 </a:bodyPr>
                 <a:lstStyle/>
                 <a:p>
+                  <a:pPr/>
                   <a14:m>
                     <m:oMathPara xmlns:m="http://schemas.openxmlformats.org/officeDocument/2006/math">
                       <m:oMathParaPr>
@@ -13875,7 +13883,7 @@
               </p:txBody>
             </p:sp>
           </mc:Choice>
-          <mc:Fallback>
+          <mc:Fallback xmlns="">
             <p:sp>
               <p:nvSpPr>
                 <p:cNvPr id="1218" name="TextBox 1217">
@@ -13979,11 +13987,21 @@
                         <m:rPr>
                           <m:nor/>
                         </m:rPr>
-                        <a:rPr lang="en-US" altLang="ko-KR">
+                        <a:rPr lang="en-US" altLang="ko-KR" i="0">
                           <a:latin typeface="Cambria Math" panose="02040503050406030204" pitchFamily="18" charset="0"/>
                           <a:ea typeface="나눔바른고딕" panose="020B0603020101020101" pitchFamily="50" charset="-127"/>
                         </a:rPr>
-                        <m:t>iteration</m:t>
+                        <m:t>t</m:t>
+                      </m:r>
+                      <m:r>
+                        <m:rPr>
+                          <m:nor/>
+                        </m:rPr>
+                        <a:rPr lang="en-US" altLang="ko-KR" b="0" i="0" smtClean="0">
+                          <a:latin typeface="Cambria Math" panose="02040503050406030204" pitchFamily="18" charset="0"/>
+                          <a:ea typeface="나눔바른고딕" panose="020B0603020101020101" pitchFamily="50" charset="-127"/>
+                        </a:rPr>
+                        <m:t>ry</m:t>
                       </m:r>
                       <m:r>
                         <m:rPr>
@@ -13999,11 +14017,11 @@
                         <m:rPr>
                           <m:nor/>
                         </m:rPr>
-                        <a:rPr lang="en-US" altLang="ko-KR">
+                        <a:rPr lang="en-US" altLang="ko-KR" b="0" i="0" smtClean="0">
                           <a:latin typeface="Cambria Math" panose="02040503050406030204" pitchFamily="18" charset="0"/>
                           <a:ea typeface="나눔바른고딕" panose="020B0603020101020101" pitchFamily="50" charset="-127"/>
                         </a:rPr>
-                        <m:t>iteration</m:t>
+                        <m:t>try</m:t>
                       </m:r>
                       <m:r>
                         <m:rPr>
@@ -14190,8 +14208,8 @@
             </a:p>
           </p:txBody>
         </p:sp>
-        <mc:AlternateContent xmlns:mc="http://schemas.openxmlformats.org/markup-compatibility/2006">
-          <mc:Choice xmlns:a14="http://schemas.microsoft.com/office/drawing/2010/main" Requires="a14">
+        <mc:AlternateContent xmlns:mc="http://schemas.openxmlformats.org/markup-compatibility/2006" xmlns:a14="http://schemas.microsoft.com/office/drawing/2010/main">
+          <mc:Choice Requires="a14">
             <p:sp>
               <p:nvSpPr>
                 <p:cNvPr id="1250" name="TextBox 1249">
@@ -14220,6 +14238,7 @@
                 </a:bodyPr>
                 <a:lstStyle/>
                 <a:p>
+                  <a:pPr/>
                   <a14:m>
                     <m:oMathPara xmlns:m="http://schemas.openxmlformats.org/officeDocument/2006/math">
                       <m:oMathParaPr>
@@ -14279,7 +14298,7 @@
               </p:txBody>
             </p:sp>
           </mc:Choice>
-          <mc:Fallback>
+          <mc:Fallback xmlns="">
             <p:sp>
               <p:nvSpPr>
                 <p:cNvPr id="1250" name="TextBox 1249">
@@ -14324,8 +14343,8 @@
             </p:sp>
           </mc:Fallback>
         </mc:AlternateContent>
-        <mc:AlternateContent xmlns:mc="http://schemas.openxmlformats.org/markup-compatibility/2006">
-          <mc:Choice xmlns:a14="http://schemas.microsoft.com/office/drawing/2010/main" Requires="a14">
+        <mc:AlternateContent xmlns:mc="http://schemas.openxmlformats.org/markup-compatibility/2006" xmlns:a14="http://schemas.microsoft.com/office/drawing/2010/main">
+          <mc:Choice Requires="a14">
             <p:sp>
               <p:nvSpPr>
                 <p:cNvPr id="1252" name="TextBox 1251">
@@ -14354,6 +14373,7 @@
                 </a:bodyPr>
                 <a:lstStyle/>
                 <a:p>
+                  <a:pPr/>
                   <a14:m>
                     <m:oMathPara xmlns:m="http://schemas.openxmlformats.org/officeDocument/2006/math">
                       <m:oMathParaPr>
@@ -14432,7 +14452,7 @@
               </p:txBody>
             </p:sp>
           </mc:Choice>
-          <mc:Fallback>
+          <mc:Fallback xmlns="">
             <p:sp>
               <p:nvSpPr>
                 <p:cNvPr id="1252" name="TextBox 1251">
@@ -14480,10 +14500,10 @@
       </p:grpSp>
       <p:pic>
         <p:nvPicPr>
-          <p:cNvPr id="1308" name="그림 1307">
+          <p:cNvPr id="1047" name="그림 1046">
             <a:extLst>
               <a:ext uri="{FF2B5EF4-FFF2-40B4-BE49-F238E27FC236}">
-                <a16:creationId xmlns:a16="http://schemas.microsoft.com/office/drawing/2014/main" id="{47D1E492-60B0-63BA-9A67-2B4B4A346C6A}"/>
+                <a16:creationId xmlns:a16="http://schemas.microsoft.com/office/drawing/2014/main" id="{E120DEBE-FE5D-B5D6-B931-CF9F4CD06ABB}"/>
               </a:ext>
             </a:extLst>
           </p:cNvPr>
@@ -14500,8 +14520,8 @@
         </p:blipFill>
         <p:spPr>
           <a:xfrm>
-            <a:off x="6332131" y="-9484259"/>
-            <a:ext cx="13731459" cy="27911546"/>
+            <a:off x="8056622" y="-8801110"/>
+            <a:ext cx="9507474" cy="19325572"/>
           </a:xfrm>
           <a:prstGeom prst="rect">
             <a:avLst/>
